--- a/编程语言/python/Python基础入门知识分享.pptx
+++ b/编程语言/python/Python基础入门知识分享.pptx
@@ -29,7 +29,7 @@
     <p:sldId id="290" r:id="rId23"/>
     <p:sldId id="291" r:id="rId24"/>
     <p:sldId id="292" r:id="rId25"/>
-    <p:sldId id="293" r:id="rId26"/>
+    <p:sldId id="295" r:id="rId26"/>
     <p:sldId id="294" r:id="rId27"/>
     <p:sldId id="270" r:id="rId28"/>
     <p:sldId id="284" r:id="rId29"/>
@@ -191,7 +191,7 @@
             <p14:sldId id="290"/>
             <p14:sldId id="291"/>
             <p14:sldId id="292"/>
-            <p14:sldId id="293"/>
+            <p14:sldId id="295"/>
             <p14:sldId id="294"/>
           </p14:sldIdLst>
         </p14:section>
@@ -10635,40 +10635,145 @@
           <a:p>
             <a:r>
               <a:rPr lang="zh-CN" altLang="en-US" dirty="0" smtClean="0"/>
-              <a:t>初始化赋值：</a:t>
+              <a:t>初始化赋值</a:t>
+            </a:r>
+            <a:r>
+              <a:rPr lang="zh-CN" altLang="en-US" dirty="0" smtClean="0"/>
+              <a:t>：</a:t>
             </a:r>
             <a:endParaRPr lang="en-US" altLang="zh-CN" dirty="0" smtClean="0"/>
           </a:p>
           <a:p>
             <a:pPr lvl="1"/>
             <a:r>
-              <a:rPr lang="zh-CN" altLang="en-US" dirty="0" smtClean="0"/>
+              <a:rPr lang="zh-CN" altLang="en-US" dirty="0"/>
               <a:t>列表推导式：</a:t>
             </a:r>
             <a:r>
-              <a:rPr lang="en-US" altLang="zh-CN" dirty="0" smtClean="0"/>
+              <a:rPr lang="en-US" altLang="zh-CN" dirty="0"/>
               <a:t>[_</a:t>
             </a:r>
             <a:r>
-              <a:rPr lang="en-US" altLang="zh-CN" dirty="0" err="1" smtClean="0"/>
+              <a:rPr lang="en-US" altLang="zh-CN" dirty="0" err="1"/>
               <a:t>val</a:t>
             </a:r>
             <a:r>
-              <a:rPr lang="en-US" altLang="zh-CN" dirty="0" smtClean="0"/>
+              <a:rPr lang="en-US" altLang="zh-CN" dirty="0"/>
               <a:t> for  _x in _</a:t>
             </a:r>
             <a:r>
-              <a:rPr lang="en-US" altLang="zh-CN" dirty="0" err="1" smtClean="0"/>
+              <a:rPr lang="en-US" altLang="zh-CN" dirty="0" err="1"/>
               <a:t>arr</a:t>
             </a:r>
             <a:r>
-              <a:rPr lang="en-US" altLang="zh-CN" dirty="0" smtClean="0"/>
+              <a:rPr lang="en-US" altLang="zh-CN" dirty="0"/>
               <a:t> if expression]</a:t>
             </a:r>
+            <a:r>
+              <a:rPr lang="zh-CN" altLang="en-US" dirty="0"/>
+              <a:t>用于简化一个列表的生成</a:t>
+            </a:r>
             <a:endParaRPr lang="en-US" altLang="zh-CN" dirty="0"/>
           </a:p>
           <a:p>
             <a:pPr lvl="1"/>
+            <a:r>
+              <a:rPr lang="zh-CN" altLang="en-US" dirty="0"/>
+              <a:t>嵌套列表推导式：</a:t>
+            </a:r>
+            <a:r>
+              <a:rPr lang="en-US" altLang="zh-CN" dirty="0"/>
+              <a:t>[[_expression(_</a:t>
+            </a:r>
+            <a:r>
+              <a:rPr lang="en-US" altLang="zh-CN" dirty="0" err="1"/>
+              <a:t>i</a:t>
+            </a:r>
+            <a:r>
+              <a:rPr lang="en-US" altLang="zh-CN" dirty="0"/>
+              <a:t>,_j)</a:t>
+            </a:r>
+            <a:r>
+              <a:rPr lang="zh-CN" altLang="en-US" dirty="0"/>
+              <a:t> </a:t>
+            </a:r>
+            <a:r>
+              <a:rPr lang="en-US" altLang="zh-CN" dirty="0"/>
+              <a:t>for _j in _arr2 ] for _</a:t>
+            </a:r>
+            <a:r>
+              <a:rPr lang="en-US" altLang="zh-CN" dirty="0" err="1"/>
+              <a:t>i</a:t>
+            </a:r>
+            <a:r>
+              <a:rPr lang="en-US" altLang="zh-CN" dirty="0"/>
+              <a:t> in _</a:t>
+            </a:r>
+            <a:r>
+              <a:rPr lang="en-US" altLang="zh-CN" dirty="0" err="1"/>
+              <a:t>arr</a:t>
+            </a:r>
+            <a:r>
+              <a:rPr lang="en-US" altLang="zh-CN" dirty="0"/>
+              <a:t> ]</a:t>
+            </a:r>
+            <a:r>
+              <a:rPr lang="zh-CN" altLang="en-US" dirty="0"/>
+              <a:t>返回</a:t>
+            </a:r>
+            <a:r>
+              <a:rPr lang="en-US" altLang="zh-CN" dirty="0"/>
+              <a:t>list</a:t>
+            </a:r>
+            <a:r>
+              <a:rPr lang="zh-CN" altLang="en-US" dirty="0"/>
+              <a:t>元素的</a:t>
+            </a:r>
+            <a:r>
+              <a:rPr lang="en-US" altLang="zh-CN" dirty="0" smtClean="0"/>
+              <a:t>list</a:t>
+            </a:r>
+            <a:endParaRPr lang="en-US" altLang="zh-CN" dirty="0" smtClean="0"/>
+          </a:p>
+          <a:p>
+            <a:r>
+              <a:rPr lang="zh-CN" altLang="en-US" dirty="0"/>
+              <a:t>删除元素：按索引或者切片：</a:t>
+            </a:r>
+            <a:r>
+              <a:rPr lang="en-US" altLang="zh-CN" dirty="0"/>
+              <a:t>del a[0] del a[0:2</a:t>
+            </a:r>
+            <a:r>
+              <a:rPr lang="en-US" altLang="zh-CN" dirty="0" smtClean="0"/>
+              <a:t>]</a:t>
+            </a:r>
+          </a:p>
+          <a:p>
+            <a:r>
+              <a:rPr lang="zh-CN" altLang="en-US" dirty="0" smtClean="0"/>
+              <a:t>遍历：</a:t>
+            </a:r>
+            <a:r>
+              <a:rPr lang="en-US" altLang="zh-CN" dirty="0" smtClean="0"/>
+              <a:t>for x in _list   </a:t>
+            </a:r>
+            <a:r>
+              <a:rPr lang="zh-CN" altLang="en-US" dirty="0" smtClean="0"/>
+              <a:t>连同索引：</a:t>
+            </a:r>
+            <a:r>
+              <a:rPr lang="en-US" altLang="zh-CN" dirty="0" smtClean="0"/>
+              <a:t>for index, item </a:t>
+            </a:r>
+            <a:r>
+              <a:rPr lang="en-US" altLang="zh-CN"/>
+              <a:t>in </a:t>
+            </a:r>
+            <a:r>
+              <a:rPr lang="en-US" altLang="zh-CN" smtClean="0"/>
+              <a:t>enumerate(_list) </a:t>
+            </a:r>
             <a:endParaRPr lang="en-US" altLang="zh-CN" dirty="0" smtClean="0"/>
           </a:p>
         </p:txBody>
@@ -10741,6 +10846,168 @@
           <a:bodyPr/>
           <a:lstStyle/>
           <a:p>
+            <a:r>
+              <a:rPr lang="zh-CN" altLang="en-US" dirty="0"/>
+              <a:t>创建</a:t>
+            </a:r>
+            <a:r>
+              <a:rPr lang="zh-CN" altLang="en-US" dirty="0" smtClean="0"/>
+              <a:t>：</a:t>
+            </a:r>
+            <a:r>
+              <a:rPr lang="en-US" altLang="zh-CN" dirty="0" err="1" smtClean="0"/>
+              <a:t>a,b,c</a:t>
+            </a:r>
+            <a:r>
+              <a:rPr lang="en-US" altLang="zh-CN" dirty="0" smtClean="0"/>
+              <a:t>  </a:t>
+            </a:r>
+            <a:r>
+              <a:rPr lang="zh-CN" altLang="en-US" dirty="0" smtClean="0"/>
+              <a:t>或者</a:t>
+            </a:r>
+            <a:r>
+              <a:rPr lang="en-US" altLang="zh-CN" dirty="0" smtClean="0"/>
+              <a:t>(</a:t>
+            </a:r>
+            <a:r>
+              <a:rPr lang="en-US" altLang="zh-CN" dirty="0" err="1" smtClean="0"/>
+              <a:t>a,b,c</a:t>
+            </a:r>
+            <a:r>
+              <a:rPr lang="en-US" altLang="zh-CN" dirty="0" smtClean="0"/>
+              <a:t>) </a:t>
+            </a:r>
+          </a:p>
+          <a:p>
+            <a:r>
+              <a:rPr lang="zh-CN" altLang="en-US" dirty="0" smtClean="0"/>
+              <a:t>性质：有序序列、只读，不能二次赋值，不能增加元素。</a:t>
+            </a:r>
+            <a:endParaRPr lang="en-US" altLang="zh-CN" dirty="0" smtClean="0"/>
+          </a:p>
+          <a:p>
+            <a:pPr lvl="1"/>
+            <a:r>
+              <a:rPr lang="zh-CN" altLang="en-US" dirty="0" smtClean="0"/>
+              <a:t>取值：索引和切片：</a:t>
+            </a:r>
+            <a:r>
+              <a:rPr lang="en-US" altLang="zh-CN" dirty="0" smtClean="0"/>
+              <a:t>a[0]  a[0:3] </a:t>
+            </a:r>
+          </a:p>
+          <a:p>
+            <a:pPr lvl="1"/>
+            <a:r>
+              <a:rPr lang="zh-CN" altLang="en-US" dirty="0" smtClean="0"/>
+              <a:t>合并：</a:t>
+            </a:r>
+            <a:r>
+              <a:rPr lang="en-US" altLang="zh-CN" dirty="0" smtClean="0"/>
+              <a:t>a + b</a:t>
+            </a:r>
+            <a:r>
+              <a:rPr lang="zh-CN" altLang="en-US" dirty="0" smtClean="0"/>
+              <a:t>可以形成一个新的元组</a:t>
+            </a:r>
+            <a:endParaRPr lang="en-US" altLang="zh-CN" dirty="0" smtClean="0"/>
+          </a:p>
+          <a:p>
+            <a:pPr lvl="1"/>
+            <a:r>
+              <a:rPr lang="zh-CN" altLang="en-US" dirty="0" smtClean="0"/>
+              <a:t>方法：只有：</a:t>
+            </a:r>
+            <a:r>
+              <a:rPr lang="en-US" altLang="zh-CN" dirty="0" smtClean="0"/>
+              <a:t>.count</a:t>
+            </a:r>
+            <a:r>
+              <a:rPr lang="en-US" altLang="zh-CN" dirty="0"/>
+              <a:t>() </a:t>
+            </a:r>
+            <a:r>
+              <a:rPr lang="en-US" altLang="zh-CN" dirty="0" smtClean="0"/>
+              <a:t>.index()</a:t>
+            </a:r>
+          </a:p>
+          <a:p>
+            <a:r>
+              <a:rPr lang="zh-CN" altLang="en-US" dirty="0"/>
+              <a:t>空元组和单元素元组：</a:t>
+            </a:r>
+            <a:r>
+              <a:rPr lang="en-US" altLang="zh-CN" dirty="0"/>
+              <a:t>()  'aa',   ('1</a:t>
+            </a:r>
+            <a:r>
+              <a:rPr lang="en-US" altLang="zh-CN" dirty="0" smtClean="0"/>
+              <a:t>',)</a:t>
+            </a:r>
+          </a:p>
+          <a:p>
+            <a:r>
+              <a:rPr lang="zh-CN" altLang="en-US" dirty="0"/>
+              <a:t>元组拆分：</a:t>
+            </a:r>
+            <a:r>
+              <a:rPr lang="en-US" altLang="zh-CN" dirty="0" err="1"/>
+              <a:t>t,b,c</a:t>
+            </a:r>
+            <a:r>
+              <a:rPr lang="en-US" altLang="zh-CN" dirty="0"/>
+              <a:t> = (1,2,3</a:t>
+            </a:r>
+            <a:r>
+              <a:rPr lang="en-US" altLang="zh-CN" dirty="0" smtClean="0"/>
+              <a:t>)</a:t>
+            </a:r>
+          </a:p>
+          <a:p>
+            <a:r>
+              <a:rPr lang="zh-CN" altLang="en-US" dirty="0" smtClean="0"/>
+              <a:t>元组形态的推导式：如</a:t>
+            </a:r>
+            <a:r>
+              <a:rPr lang="en-US" altLang="zh-CN" dirty="0" smtClean="0"/>
+              <a:t>( </a:t>
+            </a:r>
+            <a:r>
+              <a:rPr lang="en-US" altLang="zh-CN" dirty="0" err="1"/>
+              <a:t>i</a:t>
+            </a:r>
+            <a:r>
+              <a:rPr lang="en-US" altLang="zh-CN" dirty="0"/>
+              <a:t> for </a:t>
+            </a:r>
+            <a:r>
+              <a:rPr lang="en-US" altLang="zh-CN" dirty="0" err="1"/>
+              <a:t>i</a:t>
+            </a:r>
+            <a:r>
+              <a:rPr lang="en-US" altLang="zh-CN" dirty="0"/>
+              <a:t> in range(1,100) if </a:t>
+            </a:r>
+            <a:r>
+              <a:rPr lang="en-US" altLang="zh-CN" dirty="0" err="1"/>
+              <a:t>i</a:t>
+            </a:r>
+            <a:r>
+              <a:rPr lang="en-US" altLang="zh-CN" dirty="0"/>
+              <a:t> % 2 == </a:t>
+            </a:r>
+            <a:r>
+              <a:rPr lang="en-US" altLang="zh-CN" dirty="0" smtClean="0"/>
+              <a:t>0)</a:t>
+            </a:r>
+            <a:r>
+              <a:rPr lang="zh-CN" altLang="en-US" dirty="0" smtClean="0"/>
+              <a:t>的值是一个生成器</a:t>
+            </a:r>
+            <a:endParaRPr lang="en-US" altLang="zh-CN" dirty="0"/>
+          </a:p>
+          <a:p>
             <a:endParaRPr lang="zh-CN" altLang="en-US" dirty="0"/>
           </a:p>
         </p:txBody>
@@ -10791,10 +11058,9 @@
           <a:lstStyle/>
           <a:p>
             <a:r>
-              <a:rPr lang="zh-CN" altLang="en-US" dirty="0" smtClean="0"/>
+              <a:rPr lang="zh-CN" altLang="en-US" dirty="0"/>
               <a:t>集合</a:t>
             </a:r>
-            <a:endParaRPr lang="zh-CN" altLang="en-US" dirty="0"/>
           </a:p>
         </p:txBody>
       </p:sp>
@@ -10813,14 +11079,171 @@
           <a:bodyPr/>
           <a:lstStyle/>
           <a:p>
-            <a:endParaRPr lang="zh-CN" altLang="en-US"/>
+            <a:r>
+              <a:rPr lang="zh-CN" altLang="en-US" dirty="0" smtClean="0"/>
+              <a:t>创建：</a:t>
+            </a:r>
+            <a:endParaRPr lang="en-US" altLang="zh-CN" dirty="0" smtClean="0"/>
+          </a:p>
+          <a:p>
+            <a:pPr lvl="1"/>
+            <a:r>
+              <a:rPr lang="zh-CN" altLang="en-US" dirty="0" smtClean="0"/>
+              <a:t>方法式：</a:t>
+            </a:r>
+            <a:r>
+              <a:rPr lang="en-US" altLang="zh-CN" dirty="0" smtClean="0"/>
+              <a:t>set() </a:t>
+            </a:r>
+            <a:r>
+              <a:rPr lang="zh-CN" altLang="en-US" dirty="0" smtClean="0"/>
+              <a:t>为空集合 或者 </a:t>
+            </a:r>
+            <a:r>
+              <a:rPr lang="en-US" altLang="zh-CN" dirty="0" smtClean="0"/>
+              <a:t>set(</a:t>
+            </a:r>
+            <a:r>
+              <a:rPr lang="zh-CN" altLang="en-US" dirty="0"/>
+              <a:t>序列</a:t>
+            </a:r>
+            <a:r>
+              <a:rPr lang="en-US" altLang="zh-CN" dirty="0" smtClean="0"/>
+              <a:t>)</a:t>
+            </a:r>
+            <a:r>
+              <a:rPr lang="zh-CN" altLang="en-US" dirty="0"/>
+              <a:t> </a:t>
+            </a:r>
+            <a:r>
+              <a:rPr lang="zh-CN" altLang="en-US" dirty="0" smtClean="0"/>
+              <a:t>为序列转换而来。</a:t>
+            </a:r>
+            <a:endParaRPr lang="en-US" altLang="zh-CN" dirty="0" smtClean="0"/>
+          </a:p>
+          <a:p>
+            <a:pPr lvl="1"/>
+            <a:r>
+              <a:rPr lang="zh-CN" altLang="en-US" dirty="0"/>
+              <a:t>推导式：</a:t>
+            </a:r>
+            <a:r>
+              <a:rPr lang="en-US" altLang="zh-CN" dirty="0" err="1"/>
+              <a:t>a_set</a:t>
+            </a:r>
+            <a:r>
+              <a:rPr lang="en-US" altLang="zh-CN" dirty="0"/>
+              <a:t> = </a:t>
+            </a:r>
+            <a:r>
+              <a:rPr lang="en-US" altLang="zh-CN" dirty="0" smtClean="0"/>
+              <a:t>{_</a:t>
+            </a:r>
+            <a:r>
+              <a:rPr lang="en-US" altLang="zh-CN" dirty="0" err="1" smtClean="0"/>
+              <a:t>val</a:t>
+            </a:r>
+            <a:r>
+              <a:rPr lang="en-US" altLang="zh-CN" dirty="0" smtClean="0"/>
+              <a:t> </a:t>
+            </a:r>
+            <a:r>
+              <a:rPr lang="en-US" altLang="zh-CN" dirty="0"/>
+              <a:t>for </a:t>
+            </a:r>
+            <a:r>
+              <a:rPr lang="en-US" altLang="zh-CN" dirty="0" smtClean="0"/>
+              <a:t>_</a:t>
+            </a:r>
+            <a:r>
+              <a:rPr lang="en-US" altLang="zh-CN" dirty="0" err="1" smtClean="0"/>
+              <a:t>obj</a:t>
+            </a:r>
+            <a:r>
+              <a:rPr lang="en-US" altLang="zh-CN" dirty="0" smtClean="0"/>
+              <a:t> </a:t>
+            </a:r>
+            <a:r>
+              <a:rPr lang="en-US" altLang="zh-CN" dirty="0"/>
+              <a:t>in </a:t>
+            </a:r>
+            <a:r>
+              <a:rPr lang="en-US" altLang="zh-CN" dirty="0" smtClean="0"/>
+              <a:t>_</a:t>
+            </a:r>
+            <a:r>
+              <a:rPr lang="en-US" altLang="zh-CN" dirty="0" err="1" smtClean="0"/>
+              <a:t>arr</a:t>
+            </a:r>
+            <a:r>
+              <a:rPr lang="en-US" altLang="zh-CN" dirty="0" smtClean="0"/>
+              <a:t> </a:t>
+            </a:r>
+            <a:r>
+              <a:rPr lang="en-US" altLang="zh-CN" dirty="0"/>
+              <a:t>if </a:t>
+            </a:r>
+            <a:r>
+              <a:rPr lang="en-US" altLang="zh-CN" dirty="0" smtClean="0"/>
+              <a:t>expression}</a:t>
+            </a:r>
+          </a:p>
+          <a:p>
+            <a:r>
+              <a:rPr lang="zh-CN" altLang="en-US" dirty="0" smtClean="0"/>
+              <a:t>集合方法</a:t>
+            </a:r>
+            <a:r>
+              <a:rPr lang="en-US" altLang="zh-CN" dirty="0" smtClean="0"/>
+              <a:t>:</a:t>
+            </a:r>
+            <a:r>
+              <a:rPr lang="zh-CN" altLang="en-US" dirty="0"/>
+              <a:t> </a:t>
+            </a:r>
+            <a:r>
+              <a:rPr lang="en-US" altLang="zh-CN" dirty="0" smtClean="0"/>
+              <a:t>union</a:t>
+            </a:r>
+            <a:r>
+              <a:rPr lang="zh-CN" altLang="en-US" dirty="0" smtClean="0"/>
+              <a:t>并、</a:t>
+            </a:r>
+            <a:r>
+              <a:rPr lang="en-US" altLang="zh-CN" dirty="0" smtClean="0"/>
+              <a:t>difference</a:t>
+            </a:r>
+            <a:r>
+              <a:rPr lang="zh-CN" altLang="en-US" dirty="0" smtClean="0"/>
+              <a:t>补 等</a:t>
+            </a:r>
+            <a:r>
+              <a:rPr lang="zh-CN" altLang="en-US" dirty="0"/>
+              <a:t>集合</a:t>
+            </a:r>
+            <a:r>
+              <a:rPr lang="zh-CN" altLang="en-US" dirty="0" smtClean="0"/>
+              <a:t>运算。</a:t>
+            </a:r>
+            <a:r>
+              <a:rPr lang="en-US" altLang="zh-CN" dirty="0" smtClean="0"/>
+              <a:t>add() pop()</a:t>
+            </a:r>
+            <a:r>
+              <a:rPr lang="zh-CN" altLang="en-US" dirty="0" smtClean="0"/>
+              <a:t>列表方法</a:t>
+            </a:r>
+            <a:endParaRPr lang="en-US" altLang="zh-CN" dirty="0" smtClean="0"/>
+          </a:p>
+          <a:p>
+            <a:endParaRPr lang="zh-CN" altLang="en-US" dirty="0"/>
           </a:p>
         </p:txBody>
       </p:sp>
     </p:spTree>
     <p:extLst>
       <p:ext uri="{BB962C8B-B14F-4D97-AF65-F5344CB8AC3E}">
-        <p14:creationId xmlns:p14="http://schemas.microsoft.com/office/powerpoint/2010/main" val="269003099"/>
+        <p14:creationId xmlns:p14="http://schemas.microsoft.com/office/powerpoint/2010/main" val="1013656583"/>
       </p:ext>
     </p:extLst>
   </p:cSld>
@@ -10885,7 +11308,237 @@
           <a:bodyPr/>
           <a:lstStyle/>
           <a:p>
-            <a:endParaRPr lang="zh-CN" altLang="en-US"/>
+            <a:r>
+              <a:rPr lang="zh-CN" altLang="en-US" dirty="0" smtClean="0"/>
+              <a:t>创建：</a:t>
+            </a:r>
+            <a:endParaRPr lang="en-US" altLang="zh-CN" dirty="0" smtClean="0"/>
+          </a:p>
+          <a:p>
+            <a:pPr lvl="1"/>
+            <a:r>
+              <a:rPr lang="zh-CN" altLang="en-US" dirty="0" smtClean="0"/>
+              <a:t>普通：</a:t>
+            </a:r>
+            <a:r>
+              <a:rPr lang="en-US" altLang="zh-CN" dirty="0" smtClean="0"/>
+              <a:t>{</a:t>
+            </a:r>
+            <a:r>
+              <a:rPr lang="en-US" altLang="zh-CN" dirty="0" err="1" smtClean="0"/>
+              <a:t>key:value</a:t>
+            </a:r>
+            <a:r>
+              <a:rPr lang="en-US" altLang="zh-CN" dirty="0" smtClean="0"/>
+              <a:t> …} </a:t>
+            </a:r>
+          </a:p>
+          <a:p>
+            <a:pPr lvl="1"/>
+            <a:r>
+              <a:rPr lang="zh-CN" altLang="en-US" dirty="0" smtClean="0"/>
+              <a:t>推导式：</a:t>
+            </a:r>
+            <a:r>
+              <a:rPr lang="en-US" altLang="zh-CN" dirty="0" smtClean="0"/>
+              <a:t>{</a:t>
+            </a:r>
+            <a:r>
+              <a:rPr lang="en-US" altLang="zh-CN" dirty="0" err="1" smtClean="0"/>
+              <a:t>key:value</a:t>
+            </a:r>
+            <a:r>
+              <a:rPr lang="en-US" altLang="zh-CN" dirty="0" smtClean="0"/>
+              <a:t> </a:t>
+            </a:r>
+            <a:r>
+              <a:rPr lang="en-US" altLang="zh-CN" dirty="0"/>
+              <a:t>for </a:t>
+            </a:r>
+            <a:r>
+              <a:rPr lang="en-US" altLang="zh-CN" dirty="0" smtClean="0"/>
+              <a:t>_</a:t>
+            </a:r>
+            <a:r>
+              <a:rPr lang="en-US" altLang="zh-CN" dirty="0" err="1" smtClean="0"/>
+              <a:t>obj</a:t>
+            </a:r>
+            <a:r>
+              <a:rPr lang="en-US" altLang="zh-CN" dirty="0" smtClean="0"/>
+              <a:t> </a:t>
+            </a:r>
+            <a:r>
+              <a:rPr lang="en-US" altLang="zh-CN" dirty="0"/>
+              <a:t>in </a:t>
+            </a:r>
+            <a:r>
+              <a:rPr lang="en-US" altLang="zh-CN" dirty="0" smtClean="0"/>
+              <a:t>_</a:t>
+            </a:r>
+            <a:r>
+              <a:rPr lang="en-US" altLang="zh-CN" dirty="0" err="1" smtClean="0"/>
+              <a:t>arr</a:t>
+            </a:r>
+            <a:r>
+              <a:rPr lang="en-US" altLang="zh-CN" dirty="0" smtClean="0"/>
+              <a:t> if expression}</a:t>
+            </a:r>
+          </a:p>
+          <a:p>
+            <a:r>
+              <a:rPr lang="zh-CN" altLang="en-US" dirty="0"/>
+              <a:t>访问</a:t>
+            </a:r>
+            <a:r>
+              <a:rPr lang="en-US" altLang="zh-CN" dirty="0"/>
+              <a:t>(key</a:t>
+            </a:r>
+            <a:r>
+              <a:rPr lang="zh-CN" altLang="en-US" dirty="0"/>
+              <a:t>或遍历</a:t>
+            </a:r>
+            <a:r>
+              <a:rPr lang="en-US" altLang="zh-CN" dirty="0" smtClean="0"/>
+              <a:t>)</a:t>
+            </a:r>
+            <a:r>
+              <a:rPr lang="zh-CN" altLang="en-US" dirty="0" smtClean="0"/>
+              <a:t>：</a:t>
+            </a:r>
+            <a:endParaRPr lang="en-US" altLang="zh-CN" dirty="0" smtClean="0"/>
+          </a:p>
+          <a:p>
+            <a:pPr lvl="1"/>
+            <a:r>
+              <a:rPr lang="zh-CN" altLang="en-US" dirty="0" smtClean="0"/>
+              <a:t>指定</a:t>
+            </a:r>
+            <a:r>
+              <a:rPr lang="en-US" altLang="zh-CN" dirty="0" smtClean="0"/>
+              <a:t>key: </a:t>
+            </a:r>
+            <a:r>
+              <a:rPr lang="zh-CN" altLang="en-US" dirty="0" smtClean="0"/>
+              <a:t>不能</a:t>
+            </a:r>
+            <a:r>
+              <a:rPr lang="zh-CN" altLang="en-US" dirty="0"/>
+              <a:t>用</a:t>
+            </a:r>
+            <a:r>
+              <a:rPr lang="en-US" altLang="zh-CN" dirty="0"/>
+              <a:t>.</a:t>
+            </a:r>
+            <a:r>
+              <a:rPr lang="zh-CN" altLang="en-US" dirty="0"/>
+              <a:t>来访问某个键的值。</a:t>
+            </a:r>
+            <a:r>
+              <a:rPr lang="zh-CN" altLang="en-US" dirty="0" smtClean="0"/>
+              <a:t>只能</a:t>
+            </a:r>
+            <a:r>
+              <a:rPr lang="en-US" altLang="zh-CN" dirty="0" err="1" smtClean="0"/>
+              <a:t>a_dict</a:t>
+            </a:r>
+            <a:r>
+              <a:rPr lang="en-US" altLang="zh-CN" dirty="0" smtClean="0"/>
+              <a:t>[key]</a:t>
+            </a:r>
+            <a:r>
+              <a:rPr lang="zh-CN" altLang="en-US" dirty="0"/>
+              <a:t>来</a:t>
+            </a:r>
+            <a:r>
+              <a:rPr lang="zh-CN" altLang="en-US" dirty="0" smtClean="0"/>
+              <a:t>访问</a:t>
+            </a:r>
+            <a:endParaRPr lang="en-US" altLang="zh-CN" dirty="0" smtClean="0"/>
+          </a:p>
+          <a:p>
+            <a:pPr lvl="1"/>
+            <a:r>
+              <a:rPr lang="en-US" altLang="zh-CN" dirty="0" smtClean="0"/>
+              <a:t>for</a:t>
+            </a:r>
+            <a:r>
+              <a:rPr lang="zh-CN" altLang="en-US" dirty="0" smtClean="0"/>
+              <a:t>遍历：</a:t>
+            </a:r>
+            <a:r>
+              <a:rPr lang="en-US" altLang="zh-CN" dirty="0"/>
+              <a:t> </a:t>
+            </a:r>
+            <a:r>
+              <a:rPr lang="en-US" altLang="zh-CN" dirty="0" err="1" smtClean="0"/>
+              <a:t>a_dict.iteritems</a:t>
+            </a:r>
+            <a:r>
+              <a:rPr lang="en-US" altLang="zh-CN" dirty="0" smtClean="0"/>
+              <a:t>() </a:t>
+            </a:r>
+            <a:r>
+              <a:rPr lang="zh-CN" altLang="en-US" dirty="0" smtClean="0"/>
+              <a:t>返回是</a:t>
+            </a:r>
+            <a:r>
+              <a:rPr lang="en-US" altLang="zh-CN" dirty="0" err="1" smtClean="0"/>
+              <a:t>key,value</a:t>
+            </a:r>
+            <a:r>
+              <a:rPr lang="zh-CN" altLang="en-US" dirty="0" smtClean="0"/>
+              <a:t>的元组</a:t>
+            </a:r>
+            <a:r>
+              <a:rPr lang="en-US" altLang="zh-CN" dirty="0" smtClean="0"/>
+              <a:t> </a:t>
+            </a:r>
+            <a:r>
+              <a:rPr lang="zh-CN" altLang="en-US" dirty="0" smtClean="0"/>
+              <a:t>。直接遍历</a:t>
+            </a:r>
+            <a:r>
+              <a:rPr lang="en-US" altLang="zh-CN" dirty="0" err="1" smtClean="0"/>
+              <a:t>a_dict</a:t>
+            </a:r>
+            <a:r>
+              <a:rPr lang="zh-CN" altLang="en-US" dirty="0" smtClean="0"/>
+              <a:t>只能取到</a:t>
+            </a:r>
+            <a:r>
+              <a:rPr lang="en-US" altLang="zh-CN" dirty="0" smtClean="0"/>
+              <a:t>values</a:t>
+            </a:r>
+          </a:p>
+          <a:p>
+            <a:r>
+              <a:rPr lang="zh-CN" altLang="en-US" dirty="0" smtClean="0"/>
+              <a:t>其他方法</a:t>
+            </a:r>
+            <a:r>
+              <a:rPr lang="en-US" altLang="zh-CN" dirty="0" smtClean="0"/>
+              <a:t>:</a:t>
+            </a:r>
+            <a:r>
+              <a:rPr lang="zh-CN" altLang="en-US" dirty="0" smtClean="0"/>
+              <a:t>如</a:t>
+            </a:r>
+            <a:r>
+              <a:rPr lang="en-US" altLang="zh-CN" dirty="0" err="1" smtClean="0"/>
+              <a:t>has_key</a:t>
+            </a:r>
+            <a:r>
+              <a:rPr lang="en-US" altLang="zh-CN" dirty="0" smtClean="0"/>
+              <a:t>(key)</a:t>
+            </a:r>
+            <a:r>
+              <a:rPr lang="zh-CN" altLang="en-US" dirty="0" smtClean="0"/>
+              <a:t>键存在判断</a:t>
+            </a:r>
+            <a:endParaRPr lang="en-US" altLang="zh-CN" dirty="0" smtClean="0"/>
+          </a:p>
+          <a:p>
+            <a:endParaRPr lang="zh-CN" altLang="en-US" dirty="0"/>
           </a:p>
         </p:txBody>
       </p:sp>

--- a/编程语言/python/Python基础入门知识分享.pptx
+++ b/编程语言/python/Python基础入门知识分享.pptx
@@ -16,34 +16,45 @@
     <p:sldId id="265" r:id="rId10"/>
     <p:sldId id="264" r:id="rId11"/>
     <p:sldId id="266" r:id="rId12"/>
-    <p:sldId id="268" r:id="rId13"/>
-    <p:sldId id="273" r:id="rId14"/>
-    <p:sldId id="271" r:id="rId15"/>
-    <p:sldId id="272" r:id="rId16"/>
-    <p:sldId id="267" r:id="rId17"/>
-    <p:sldId id="269" r:id="rId18"/>
-    <p:sldId id="281" r:id="rId19"/>
-    <p:sldId id="282" r:id="rId20"/>
-    <p:sldId id="283" r:id="rId21"/>
-    <p:sldId id="274" r:id="rId22"/>
-    <p:sldId id="290" r:id="rId23"/>
-    <p:sldId id="291" r:id="rId24"/>
-    <p:sldId id="292" r:id="rId25"/>
-    <p:sldId id="295" r:id="rId26"/>
-    <p:sldId id="294" r:id="rId27"/>
-    <p:sldId id="270" r:id="rId28"/>
-    <p:sldId id="284" r:id="rId29"/>
-    <p:sldId id="285" r:id="rId30"/>
-    <p:sldId id="286" r:id="rId31"/>
-    <p:sldId id="287" r:id="rId32"/>
-    <p:sldId id="275" r:id="rId33"/>
-    <p:sldId id="277" r:id="rId34"/>
-    <p:sldId id="280" r:id="rId35"/>
-    <p:sldId id="276" r:id="rId36"/>
-    <p:sldId id="288" r:id="rId37"/>
-    <p:sldId id="289" r:id="rId38"/>
-    <p:sldId id="278" r:id="rId39"/>
-    <p:sldId id="279" r:id="rId40"/>
+    <p:sldId id="303" r:id="rId13"/>
+    <p:sldId id="268" r:id="rId14"/>
+    <p:sldId id="273" r:id="rId15"/>
+    <p:sldId id="271" r:id="rId16"/>
+    <p:sldId id="272" r:id="rId17"/>
+    <p:sldId id="267" r:id="rId18"/>
+    <p:sldId id="269" r:id="rId19"/>
+    <p:sldId id="281" r:id="rId20"/>
+    <p:sldId id="282" r:id="rId21"/>
+    <p:sldId id="299" r:id="rId22"/>
+    <p:sldId id="283" r:id="rId23"/>
+    <p:sldId id="300" r:id="rId24"/>
+    <p:sldId id="301" r:id="rId25"/>
+    <p:sldId id="302" r:id="rId26"/>
+    <p:sldId id="274" r:id="rId27"/>
+    <p:sldId id="290" r:id="rId28"/>
+    <p:sldId id="291" r:id="rId29"/>
+    <p:sldId id="292" r:id="rId30"/>
+    <p:sldId id="295" r:id="rId31"/>
+    <p:sldId id="294" r:id="rId32"/>
+    <p:sldId id="304" r:id="rId33"/>
+    <p:sldId id="305" r:id="rId34"/>
+    <p:sldId id="306" r:id="rId35"/>
+    <p:sldId id="297" r:id="rId36"/>
+    <p:sldId id="298" r:id="rId37"/>
+    <p:sldId id="270" r:id="rId38"/>
+    <p:sldId id="284" r:id="rId39"/>
+    <p:sldId id="285" r:id="rId40"/>
+    <p:sldId id="286" r:id="rId41"/>
+    <p:sldId id="287" r:id="rId42"/>
+    <p:sldId id="275" r:id="rId43"/>
+    <p:sldId id="277" r:id="rId44"/>
+    <p:sldId id="280" r:id="rId45"/>
+    <p:sldId id="296" r:id="rId46"/>
+    <p:sldId id="288" r:id="rId47"/>
+    <p:sldId id="289" r:id="rId48"/>
+    <p:sldId id="276" r:id="rId49"/>
+    <p:sldId id="278" r:id="rId50"/>
+    <p:sldId id="279" r:id="rId51"/>
   </p:sldIdLst>
   <p:sldSz cx="12192000" cy="6858000"/>
   <p:notesSz cx="6858000" cy="9144000"/>
@@ -170,6 +181,7 @@
             <p14:sldId id="265"/>
             <p14:sldId id="264"/>
             <p14:sldId id="266"/>
+            <p14:sldId id="303"/>
           </p14:sldIdLst>
         </p14:section>
         <p14:section name="解释器" id="{D84DF835-2705-412A-8F2A-A8BD3349AB36}">
@@ -186,7 +198,15 @@
           <p14:sldIdLst>
             <p14:sldId id="281"/>
             <p14:sldId id="282"/>
+            <p14:sldId id="299"/>
             <p14:sldId id="283"/>
+            <p14:sldId id="300"/>
+            <p14:sldId id="301"/>
+            <p14:sldId id="302"/>
+          </p14:sldIdLst>
+        </p14:section>
+        <p14:section name="语法-数据类型" id="{C61A52B3-82B7-4516-B8F3-30667594CD70}">
+          <p14:sldIdLst>
             <p14:sldId id="274"/>
             <p14:sldId id="290"/>
             <p14:sldId id="291"/>
@@ -195,8 +215,17 @@
             <p14:sldId id="294"/>
           </p14:sldIdLst>
         </p14:section>
+        <p14:section name="语法-函数" id="{15BF3284-2ECF-4323-9055-0409D25B1CD3}">
+          <p14:sldIdLst>
+            <p14:sldId id="304"/>
+            <p14:sldId id="305"/>
+            <p14:sldId id="306"/>
+          </p14:sldIdLst>
+        </p14:section>
         <p14:section name="常用模块" id="{169ECFFE-A324-499C-9A3D-0CDBB73F4F0E}">
           <p14:sldIdLst>
+            <p14:sldId id="297"/>
+            <p14:sldId id="298"/>
             <p14:sldId id="270"/>
             <p14:sldId id="284"/>
             <p14:sldId id="285"/>
@@ -209,13 +238,14 @@
             <p14:sldId id="275"/>
             <p14:sldId id="277"/>
             <p14:sldId id="280"/>
+            <p14:sldId id="296"/>
+            <p14:sldId id="288"/>
+            <p14:sldId id="289"/>
           </p14:sldIdLst>
         </p14:section>
-        <p14:section name="常见问题" id="{A6047FCA-47F9-45FC-89B7-9CB07C1A016D}">
+        <p14:section name="常见问题" id="{248494A8-0B75-4D95-9185-55E318678DB1}">
           <p14:sldIdLst>
             <p14:sldId id="276"/>
-            <p14:sldId id="288"/>
-            <p14:sldId id="289"/>
           </p14:sldIdLst>
         </p14:section>
         <p14:section name="编码规范" id="{9BB2D401-62F7-4450-BB91-B1F3C518C8DB}">
@@ -426,7 +456,7 @@
             <a:fld id="{B61BEF0D-F0BB-DE4B-95CE-6DB70DBA9567}" type="datetimeFigureOut">
               <a:rPr lang="en-US" dirty="0"/>
               <a:pPr/>
-              <a:t>3/29/2018</a:t>
+              <a:t>3/31/2018</a:t>
             </a:fld>
             <a:endParaRPr lang="en-US" dirty="0"/>
           </a:p>
@@ -761,7 +791,7 @@
             <a:fld id="{B61BEF0D-F0BB-DE4B-95CE-6DB70DBA9567}" type="datetimeFigureOut">
               <a:rPr lang="en-US" dirty="0"/>
               <a:pPr/>
-              <a:t>3/29/2018</a:t>
+              <a:t>3/31/2018</a:t>
             </a:fld>
             <a:endParaRPr lang="en-US" dirty="0"/>
           </a:p>
@@ -1159,7 +1189,7 @@
             <a:fld id="{B61BEF0D-F0BB-DE4B-95CE-6DB70DBA9567}" type="datetimeFigureOut">
               <a:rPr lang="en-US" dirty="0"/>
               <a:pPr/>
-              <a:t>3/29/2018</a:t>
+              <a:t>3/31/2018</a:t>
             </a:fld>
             <a:endParaRPr lang="en-US" dirty="0"/>
           </a:p>
@@ -1492,7 +1522,7 @@
             <a:fld id="{B61BEF0D-F0BB-DE4B-95CE-6DB70DBA9567}" type="datetimeFigureOut">
               <a:rPr lang="en-US" dirty="0"/>
               <a:pPr/>
-              <a:t>3/29/2018</a:t>
+              <a:t>3/31/2018</a:t>
             </a:fld>
             <a:endParaRPr lang="en-US" dirty="0"/>
           </a:p>
@@ -1809,7 +1839,7 @@
             <a:fld id="{B61BEF0D-F0BB-DE4B-95CE-6DB70DBA9567}" type="datetimeFigureOut">
               <a:rPr lang="en-US" dirty="0"/>
               <a:pPr/>
-              <a:t>3/29/2018</a:t>
+              <a:t>3/31/2018</a:t>
             </a:fld>
             <a:endParaRPr lang="en-US" dirty="0"/>
           </a:p>
@@ -2202,7 +2232,7 @@
             <a:fld id="{B61BEF0D-F0BB-DE4B-95CE-6DB70DBA9567}" type="datetimeFigureOut">
               <a:rPr lang="en-US" dirty="0"/>
               <a:pPr/>
-              <a:t>3/29/2018</a:t>
+              <a:t>3/31/2018</a:t>
             </a:fld>
             <a:endParaRPr lang="en-US" dirty="0"/>
           </a:p>
@@ -2456,7 +2486,7 @@
             <a:fld id="{B61BEF0D-F0BB-DE4B-95CE-6DB70DBA9567}" type="datetimeFigureOut">
               <a:rPr lang="en-US" dirty="0"/>
               <a:pPr/>
-              <a:t>3/29/2018</a:t>
+              <a:t>3/31/2018</a:t>
             </a:fld>
             <a:endParaRPr lang="en-US" dirty="0"/>
           </a:p>
@@ -2715,7 +2745,7 @@
             <a:fld id="{B61BEF0D-F0BB-DE4B-95CE-6DB70DBA9567}" type="datetimeFigureOut">
               <a:rPr lang="en-US" dirty="0"/>
               <a:pPr/>
-              <a:t>3/29/2018</a:t>
+              <a:t>3/31/2018</a:t>
             </a:fld>
             <a:endParaRPr lang="en-US" dirty="0"/>
           </a:p>
@@ -2974,7 +3004,7 @@
             <a:fld id="{B61BEF0D-F0BB-DE4B-95CE-6DB70DBA9567}" type="datetimeFigureOut">
               <a:rPr lang="en-US" dirty="0"/>
               <a:pPr/>
-              <a:t>3/29/2018</a:t>
+              <a:t>3/31/2018</a:t>
             </a:fld>
             <a:endParaRPr lang="en-US" dirty="0"/>
           </a:p>
@@ -3300,7 +3330,7 @@
             <a:fld id="{B61BEF0D-F0BB-DE4B-95CE-6DB70DBA9567}" type="datetimeFigureOut">
               <a:rPr lang="en-US" dirty="0"/>
               <a:pPr/>
-              <a:t>3/29/2018</a:t>
+              <a:t>3/31/2018</a:t>
             </a:fld>
             <a:endParaRPr lang="en-US" dirty="0"/>
           </a:p>
@@ -3620,7 +3650,7 @@
             <a:fld id="{B61BEF0D-F0BB-DE4B-95CE-6DB70DBA9567}" type="datetimeFigureOut">
               <a:rPr lang="en-US" dirty="0"/>
               <a:pPr/>
-              <a:t>3/29/2018</a:t>
+              <a:t>3/31/2018</a:t>
             </a:fld>
             <a:endParaRPr lang="en-US" dirty="0"/>
           </a:p>
@@ -4074,7 +4104,7 @@
             <a:fld id="{B61BEF0D-F0BB-DE4B-95CE-6DB70DBA9567}" type="datetimeFigureOut">
               <a:rPr lang="en-US" dirty="0"/>
               <a:pPr/>
-              <a:t>3/29/2018</a:t>
+              <a:t>3/31/2018</a:t>
             </a:fld>
             <a:endParaRPr lang="en-US" dirty="0"/>
           </a:p>
@@ -4276,7 +4306,7 @@
             <a:fld id="{B61BEF0D-F0BB-DE4B-95CE-6DB70DBA9567}" type="datetimeFigureOut">
               <a:rPr lang="en-US" dirty="0"/>
               <a:pPr/>
-              <a:t>3/29/2018</a:t>
+              <a:t>3/31/2018</a:t>
             </a:fld>
             <a:endParaRPr lang="en-US" dirty="0"/>
           </a:p>
@@ -4450,7 +4480,7 @@
             <a:fld id="{B61BEF0D-F0BB-DE4B-95CE-6DB70DBA9567}" type="datetimeFigureOut">
               <a:rPr lang="en-US" dirty="0"/>
               <a:pPr/>
-              <a:t>3/29/2018</a:t>
+              <a:t>3/31/2018</a:t>
             </a:fld>
             <a:endParaRPr lang="en-US" dirty="0"/>
           </a:p>
@@ -4780,7 +4810,7 @@
             <a:fld id="{B61BEF0D-F0BB-DE4B-95CE-6DB70DBA9567}" type="datetimeFigureOut">
               <a:rPr lang="en-US" dirty="0"/>
               <a:pPr/>
-              <a:t>3/29/2018</a:t>
+              <a:t>3/31/2018</a:t>
             </a:fld>
             <a:endParaRPr lang="en-US" dirty="0"/>
           </a:p>
@@ -5122,7 +5152,7 @@
             <a:fld id="{B61BEF0D-F0BB-DE4B-95CE-6DB70DBA9567}" type="datetimeFigureOut">
               <a:rPr lang="en-US" dirty="0"/>
               <a:pPr/>
-              <a:t>3/29/2018</a:t>
+              <a:t>3/31/2018</a:t>
             </a:fld>
             <a:endParaRPr lang="en-US" dirty="0"/>
           </a:p>
@@ -7236,7 +7266,7 @@
             <a:fld id="{B61BEF0D-F0BB-DE4B-95CE-6DB70DBA9567}" type="datetimeFigureOut">
               <a:rPr lang="en-US" dirty="0"/>
               <a:pPr/>
-              <a:t>3/29/2018</a:t>
+              <a:t>3/31/2018</a:t>
             </a:fld>
             <a:endParaRPr lang="en-US" dirty="0"/>
           </a:p>
@@ -8113,7 +8143,7 @@
           <a:p>
             <a:r>
               <a:rPr lang="zh-CN" altLang="en-US" dirty="0" smtClean="0"/>
-              <a:t>名词解释</a:t>
+              <a:t>包管理</a:t>
             </a:r>
             <a:endParaRPr lang="zh-CN" altLang="en-US" dirty="0"/>
           </a:p>
@@ -8131,53 +8161,409 @@
         </p:nvSpPr>
         <p:spPr/>
         <p:txBody>
-          <a:bodyPr/>
+          <a:bodyPr>
+            <a:normAutofit fontScale="70000" lnSpcReduction="20000"/>
+          </a:bodyPr>
           <a:lstStyle/>
           <a:p>
             <a:r>
-              <a:rPr lang="en-US" altLang="zh-CN" dirty="0" smtClean="0"/>
-              <a:t>Python</a:t>
-            </a:r>
-            <a:r>
-              <a:rPr lang="zh-CN" altLang="en-US" dirty="0" smtClean="0"/>
-              <a:t>文件：</a:t>
+              <a:rPr lang="zh-CN" altLang="en-US" dirty="0" smtClean="0"/>
+              <a:t>包安装位置：</a:t>
             </a:r>
             <a:endParaRPr lang="en-US" altLang="zh-CN" dirty="0" smtClean="0"/>
           </a:p>
           <a:p>
             <a:r>
               <a:rPr lang="zh-CN" altLang="en-US" dirty="0" smtClean="0"/>
-              <a:t>模块：</a:t>
+              <a:t>运行时模块的搜索顺序：</a:t>
             </a:r>
             <a:endParaRPr lang="en-US" altLang="zh-CN" dirty="0" smtClean="0"/>
           </a:p>
           <a:p>
-            <a:r>
-              <a:rPr lang="zh-CN" altLang="en-US" dirty="0" smtClean="0"/>
-              <a:t>包：</a:t>
+            <a:pPr lvl="1"/>
+            <a:r>
+              <a:rPr lang="zh-CN" altLang="en-US" dirty="0" smtClean="0"/>
+              <a:t>内存中已经加载的模块</a:t>
+            </a:r>
+            <a:r>
+              <a:rPr lang="en-US" altLang="zh-CN" dirty="0" smtClean="0">
+                <a:sym typeface="Wingdings" panose="05000000000000000000" pitchFamily="2" charset="2"/>
+              </a:rPr>
+              <a:t></a:t>
+            </a:r>
+            <a:r>
+              <a:rPr lang="zh-CN" altLang="en-US" dirty="0" smtClean="0">
+                <a:sym typeface="Wingdings" panose="05000000000000000000" pitchFamily="2" charset="2"/>
+              </a:rPr>
+              <a:t>内置模块</a:t>
+            </a:r>
+            <a:r>
+              <a:rPr lang="en-US" altLang="zh-CN" dirty="0" smtClean="0">
+                <a:sym typeface="Wingdings" panose="05000000000000000000" pitchFamily="2" charset="2"/>
+              </a:rPr>
+              <a:t></a:t>
+            </a:r>
+            <a:r>
+              <a:rPr lang="en-US" altLang="zh-CN" dirty="0" err="1" smtClean="0">
+                <a:sym typeface="Wingdings" panose="05000000000000000000" pitchFamily="2" charset="2"/>
+              </a:rPr>
+              <a:t>sys.path</a:t>
+            </a:r>
+            <a:r>
+              <a:rPr lang="zh-CN" altLang="en-US" dirty="0" smtClean="0">
+                <a:sym typeface="Wingdings" panose="05000000000000000000" pitchFamily="2" charset="2"/>
+              </a:rPr>
+              <a:t>的路径下找</a:t>
+            </a:r>
+            <a:endParaRPr lang="en-US" altLang="zh-CN" dirty="0" smtClean="0">
+              <a:sym typeface="Wingdings" panose="05000000000000000000" pitchFamily="2" charset="2"/>
+            </a:endParaRPr>
+          </a:p>
+          <a:p>
+            <a:pPr lvl="1"/>
+            <a:r>
+              <a:rPr lang="en-US" altLang="zh-CN" dirty="0" err="1" smtClean="0">
+                <a:sym typeface="Wingdings" panose="05000000000000000000" pitchFamily="2" charset="2"/>
+              </a:rPr>
+              <a:t>sys.path</a:t>
+            </a:r>
+            <a:r>
+              <a:rPr lang="zh-CN" altLang="en-US" dirty="0" smtClean="0">
+                <a:sym typeface="Wingdings" panose="05000000000000000000" pitchFamily="2" charset="2"/>
+              </a:rPr>
+              <a:t>下找的顺序：当前目录</a:t>
+            </a:r>
+            <a:r>
+              <a:rPr lang="en-US" altLang="zh-CN" dirty="0" smtClean="0">
+                <a:sym typeface="Wingdings" panose="05000000000000000000" pitchFamily="2" charset="2"/>
+              </a:rPr>
+              <a:t></a:t>
+            </a:r>
+            <a:r>
+              <a:rPr lang="zh-CN" altLang="en-US" dirty="0" smtClean="0">
+                <a:sym typeface="Wingdings" panose="05000000000000000000" pitchFamily="2" charset="2"/>
+              </a:rPr>
+              <a:t>安装包</a:t>
+            </a:r>
+            <a:r>
+              <a:rPr lang="en-US" altLang="zh-CN" dirty="0" smtClean="0">
+                <a:sym typeface="Wingdings" panose="05000000000000000000" pitchFamily="2" charset="2"/>
+              </a:rPr>
+              <a:t>python27.zip</a:t>
+            </a:r>
+            <a:r>
+              <a:rPr lang="zh-CN" altLang="en-US" dirty="0" smtClean="0">
+                <a:sym typeface="Wingdings" panose="05000000000000000000" pitchFamily="2" charset="2"/>
+              </a:rPr>
+              <a:t>安装包</a:t>
+            </a:r>
+            <a:r>
+              <a:rPr lang="en-US" altLang="zh-CN" dirty="0" smtClean="0">
+                <a:sym typeface="Wingdings" panose="05000000000000000000" pitchFamily="2" charset="2"/>
+              </a:rPr>
+              <a:t>DLLs</a:t>
+            </a:r>
+            <a:r>
+              <a:rPr lang="zh-CN" altLang="en-US" dirty="0" smtClean="0">
+                <a:sym typeface="Wingdings" panose="05000000000000000000" pitchFamily="2" charset="2"/>
+              </a:rPr>
+              <a:t>目录</a:t>
+            </a:r>
+            <a:r>
+              <a:rPr lang="en-US" altLang="zh-CN" dirty="0" smtClean="0">
+                <a:sym typeface="Wingdings" panose="05000000000000000000" pitchFamily="2" charset="2"/>
+              </a:rPr>
+              <a:t></a:t>
+            </a:r>
+            <a:r>
+              <a:rPr lang="zh-CN" altLang="en-US" dirty="0" smtClean="0">
+                <a:sym typeface="Wingdings" panose="05000000000000000000" pitchFamily="2" charset="2"/>
+              </a:rPr>
+              <a:t>安装包</a:t>
+            </a:r>
+            <a:r>
+              <a:rPr lang="en-US" altLang="zh-CN" dirty="0" smtClean="0">
+                <a:sym typeface="Wingdings" panose="05000000000000000000" pitchFamily="2" charset="2"/>
+              </a:rPr>
+              <a:t>lib</a:t>
+            </a:r>
+            <a:r>
+              <a:rPr lang="zh-CN" altLang="en-US" dirty="0" smtClean="0">
+                <a:sym typeface="Wingdings" panose="05000000000000000000" pitchFamily="2" charset="2"/>
+              </a:rPr>
+              <a:t>目录</a:t>
+            </a:r>
+            <a:endParaRPr lang="en-US" altLang="zh-CN" dirty="0" smtClean="0">
+              <a:sym typeface="Wingdings" panose="05000000000000000000" pitchFamily="2" charset="2"/>
+            </a:endParaRPr>
+          </a:p>
+          <a:p>
+            <a:pPr lvl="1"/>
+            <a:r>
+              <a:rPr lang="en-US" altLang="zh-CN" dirty="0" err="1" smtClean="0">
+                <a:sym typeface="Wingdings" panose="05000000000000000000" pitchFamily="2" charset="2"/>
+              </a:rPr>
+              <a:t>sys.path</a:t>
+            </a:r>
+            <a:r>
+              <a:rPr lang="zh-CN" altLang="en-US" dirty="0" smtClean="0">
+                <a:sym typeface="Wingdings" panose="05000000000000000000" pitchFamily="2" charset="2"/>
+              </a:rPr>
+              <a:t>可以添加指定目录：</a:t>
+            </a:r>
+            <a:r>
+              <a:rPr lang="en-US" altLang="zh-CN" dirty="0" err="1" smtClean="0">
+                <a:sym typeface="Wingdings" panose="05000000000000000000" pitchFamily="2" charset="2"/>
+              </a:rPr>
+              <a:t>sys.path</a:t>
+            </a:r>
+            <a:r>
+              <a:rPr lang="zh-CN" altLang="en-US" dirty="0" smtClean="0">
+                <a:sym typeface="Wingdings" panose="05000000000000000000" pitchFamily="2" charset="2"/>
+              </a:rPr>
+              <a:t>是一个字符串数组</a:t>
+            </a:r>
+            <a:endParaRPr lang="en-US" altLang="zh-CN" dirty="0"/>
+          </a:p>
+          <a:p>
+            <a:r>
+              <a:rPr lang="zh-CN" altLang="en-US" dirty="0" smtClean="0"/>
+              <a:t>包安装方式：</a:t>
             </a:r>
             <a:endParaRPr lang="en-US" altLang="zh-CN" dirty="0" smtClean="0"/>
           </a:p>
           <a:p>
-            <a:r>
-              <a:rPr lang="zh-CN" altLang="en-US" dirty="0" smtClean="0"/>
-              <a:t>名称空间：</a:t>
+            <a:pPr lvl="1"/>
+            <a:r>
+              <a:rPr lang="zh-CN" altLang="en-US" dirty="0"/>
+              <a:t>单文件模块：直接放到</a:t>
+            </a:r>
+            <a:r>
+              <a:rPr lang="en-US" altLang="zh-CN" dirty="0"/>
+              <a:t>$</a:t>
+            </a:r>
+            <a:r>
+              <a:rPr lang="en-US" altLang="zh-CN" dirty="0" err="1"/>
+              <a:t>python_dir</a:t>
+            </a:r>
+            <a:r>
+              <a:rPr lang="en-US" altLang="zh-CN" dirty="0"/>
+              <a:t>/Lib</a:t>
+            </a:r>
+            <a:r>
+              <a:rPr lang="zh-CN" altLang="en-US" dirty="0" smtClean="0"/>
+              <a:t>下</a:t>
+            </a:r>
+            <a:r>
+              <a:rPr lang="en-US" altLang="zh-CN" dirty="0" smtClean="0"/>
+              <a:t>,</a:t>
+            </a:r>
+            <a:r>
+              <a:rPr lang="zh-CN" altLang="en-US" dirty="0" smtClean="0"/>
+              <a:t>且即放即可在一个</a:t>
+            </a:r>
+            <a:r>
+              <a:rPr lang="en-US" altLang="zh-CN" dirty="0" err="1" smtClean="0"/>
+              <a:t>py</a:t>
+            </a:r>
+            <a:r>
+              <a:rPr lang="zh-CN" altLang="en-US" dirty="0" smtClean="0"/>
+              <a:t>文件编辑</a:t>
+            </a:r>
+            <a:r>
+              <a:rPr lang="en-US" altLang="zh-CN" dirty="0" smtClean="0"/>
+              <a:t>import </a:t>
+            </a:r>
+            <a:r>
+              <a:rPr lang="zh-CN" altLang="en-US" dirty="0" smtClean="0"/>
+              <a:t>进来。</a:t>
             </a:r>
             <a:endParaRPr lang="en-US" altLang="zh-CN" dirty="0" smtClean="0"/>
           </a:p>
           <a:p>
-            <a:r>
-              <a:rPr lang="zh-CN" altLang="en-US" dirty="0" smtClean="0"/>
-              <a:t>作用域：</a:t>
-            </a:r>
-            <a:endParaRPr lang="zh-CN" altLang="en-US" dirty="0"/>
+            <a:pPr lvl="1"/>
+            <a:r>
+              <a:rPr lang="zh-CN" altLang="en-US" dirty="0"/>
+              <a:t>多文件模块</a:t>
+            </a:r>
+            <a:r>
+              <a:rPr lang="en-US" altLang="zh-CN" dirty="0"/>
+              <a:t>(</a:t>
+            </a:r>
+            <a:r>
+              <a:rPr lang="zh-CN" altLang="en-US" dirty="0"/>
+              <a:t>是一个包结构，有</a:t>
+            </a:r>
+            <a:r>
+              <a:rPr lang="en-US" altLang="zh-CN" dirty="0"/>
+              <a:t>setup.py</a:t>
+            </a:r>
+            <a:r>
+              <a:rPr lang="en-US" altLang="zh-CN" dirty="0" smtClean="0"/>
+              <a:t>)</a:t>
+            </a:r>
+            <a:r>
+              <a:rPr lang="zh-CN" altLang="en-US" dirty="0" smtClean="0"/>
+              <a:t>安装：解压后，</a:t>
+            </a:r>
+            <a:r>
+              <a:rPr lang="en-US" altLang="zh-CN" dirty="0" smtClean="0"/>
+              <a:t>python </a:t>
+            </a:r>
+            <a:r>
+              <a:rPr lang="en-US" altLang="zh-CN" dirty="0"/>
+              <a:t>setup.py install</a:t>
+            </a:r>
+          </a:p>
+          <a:p>
+            <a:r>
+              <a:rPr lang="zh-CN" altLang="en-US" dirty="0" smtClean="0"/>
+              <a:t>包管理工具：</a:t>
+            </a:r>
+            <a:r>
+              <a:rPr lang="en-US" altLang="zh-CN" dirty="0" smtClean="0"/>
+              <a:t>pip</a:t>
+            </a:r>
+          </a:p>
+          <a:p>
+            <a:pPr lvl="1"/>
+            <a:r>
+              <a:rPr lang="zh-CN" altLang="en-US" dirty="0" smtClean="0"/>
+              <a:t>安装包：</a:t>
+            </a:r>
+            <a:r>
+              <a:rPr lang="en-US" altLang="zh-CN" dirty="0" smtClean="0"/>
+              <a:t>pip install </a:t>
+            </a:r>
+            <a:r>
+              <a:rPr lang="zh-CN" altLang="en-US" dirty="0" smtClean="0"/>
+              <a:t>包名 或者下载的</a:t>
+            </a:r>
+            <a:r>
+              <a:rPr lang="en-US" altLang="zh-CN" dirty="0" smtClean="0"/>
+              <a:t>.</a:t>
+            </a:r>
+            <a:r>
+              <a:rPr lang="en-US" altLang="zh-CN" dirty="0" err="1" smtClean="0"/>
+              <a:t>whl</a:t>
+            </a:r>
+            <a:r>
+              <a:rPr lang="zh-CN" altLang="en-US" dirty="0" smtClean="0"/>
+              <a:t>文件</a:t>
+            </a:r>
+            <a:endParaRPr lang="en-US" altLang="zh-CN" dirty="0" smtClean="0"/>
+          </a:p>
+          <a:p>
+            <a:pPr lvl="2"/>
+            <a:r>
+              <a:rPr lang="zh-CN" altLang="en-US" dirty="0" smtClean="0"/>
+              <a:t>先</a:t>
+            </a:r>
+            <a:r>
+              <a:rPr lang="zh-CN" altLang="en-US" dirty="0"/>
+              <a:t>从</a:t>
+            </a:r>
+            <a:r>
+              <a:rPr lang="en-US" altLang="zh-CN" dirty="0" err="1"/>
+              <a:t>PyPI</a:t>
+            </a:r>
+            <a:r>
+              <a:rPr lang="zh-CN" altLang="en-US" dirty="0"/>
+              <a:t>上找，然后下载到本地仓库。所以可以离线下载</a:t>
+            </a:r>
+            <a:r>
+              <a:rPr lang="zh-CN" altLang="en-US" dirty="0" smtClean="0"/>
+              <a:t>包</a:t>
+            </a:r>
+            <a:r>
+              <a:rPr lang="zh-CN" altLang="en-US" dirty="0"/>
+              <a:t>后</a:t>
+            </a:r>
+            <a:r>
+              <a:rPr lang="zh-CN" altLang="en-US" dirty="0" smtClean="0"/>
+              <a:t>离线</a:t>
+            </a:r>
+            <a:r>
+              <a:rPr lang="zh-CN" altLang="en-US" dirty="0"/>
+              <a:t>安装：</a:t>
+            </a:r>
+            <a:r>
+              <a:rPr lang="en-US" altLang="zh-CN" dirty="0"/>
+              <a:t>pip install abc.zip</a:t>
+            </a:r>
+          </a:p>
+          <a:p>
+            <a:pPr lvl="1"/>
+            <a:r>
+              <a:rPr lang="zh-CN" altLang="en-US" dirty="0" smtClean="0"/>
+              <a:t>查看已经安装的包：</a:t>
+            </a:r>
+            <a:r>
+              <a:rPr lang="en-US" altLang="zh-CN" dirty="0"/>
+              <a:t>pip </a:t>
+            </a:r>
+            <a:r>
+              <a:rPr lang="en-US" altLang="zh-CN" dirty="0" smtClean="0"/>
+              <a:t>list</a:t>
+            </a:r>
+          </a:p>
+          <a:p>
+            <a:pPr lvl="1"/>
+            <a:r>
+              <a:rPr lang="zh-CN" altLang="en-US" dirty="0" smtClean="0"/>
+              <a:t>包安装位置：</a:t>
+            </a:r>
+            <a:r>
+              <a:rPr lang="en-US" altLang="zh-CN" dirty="0" smtClean="0"/>
+              <a:t>$</a:t>
+            </a:r>
+            <a:r>
+              <a:rPr lang="en-US" altLang="zh-CN" dirty="0" err="1" smtClean="0"/>
+              <a:t>python_dir</a:t>
+            </a:r>
+            <a:r>
+              <a:rPr lang="en-US" altLang="zh-CN" dirty="0" smtClean="0"/>
+              <a:t>\lib\site-packages</a:t>
+            </a:r>
+          </a:p>
+          <a:p>
+            <a:pPr lvl="1"/>
+            <a:r>
+              <a:rPr lang="zh-CN" altLang="en-US" dirty="0"/>
+              <a:t>递归安装：</a:t>
+            </a:r>
+            <a:r>
+              <a:rPr lang="en-US" altLang="zh-CN" dirty="0"/>
+              <a:t>pip install -r requirements.txt   </a:t>
+            </a:r>
+            <a:r>
+              <a:rPr lang="en-US" altLang="zh-CN" dirty="0" smtClean="0"/>
+              <a:t>//txt</a:t>
+            </a:r>
+            <a:r>
+              <a:rPr lang="zh-CN" altLang="en-US" dirty="0" smtClean="0"/>
+              <a:t>文件里可以写多</a:t>
+            </a:r>
+            <a:r>
+              <a:rPr lang="zh-CN" altLang="en-US" dirty="0"/>
+              <a:t>个</a:t>
+            </a:r>
+            <a:r>
+              <a:rPr lang="zh-CN" altLang="en-US" dirty="0" smtClean="0"/>
+              <a:t>模块，每个模块占一行</a:t>
+            </a:r>
+            <a:endParaRPr lang="en-US" altLang="zh-CN" dirty="0" smtClean="0"/>
+          </a:p>
+          <a:p>
+            <a:pPr lvl="1"/>
+            <a:endParaRPr lang="en-US" altLang="zh-CN" dirty="0" smtClean="0"/>
           </a:p>
         </p:txBody>
       </p:sp>
     </p:spTree>
     <p:extLst>
       <p:ext uri="{BB962C8B-B14F-4D97-AF65-F5344CB8AC3E}">
-        <p14:creationId xmlns:p14="http://schemas.microsoft.com/office/powerpoint/2010/main" val="3360110779"/>
+        <p14:creationId xmlns:p14="http://schemas.microsoft.com/office/powerpoint/2010/main" val="3076639906"/>
       </p:ext>
     </p:extLst>
   </p:cSld>
@@ -8220,34 +8606,45 @@
           <a:lstStyle/>
           <a:p>
             <a:r>
+              <a:rPr lang="zh-CN" altLang="en-US" dirty="0" smtClean="0"/>
+              <a:t>名词解释</a:t>
+            </a:r>
+            <a:endParaRPr lang="zh-CN" altLang="en-US" dirty="0"/>
+          </a:p>
+        </p:txBody>
+      </p:sp>
+      <p:sp>
+        <p:nvSpPr>
+          <p:cNvPr id="3" name="内容占位符 2"/>
+          <p:cNvSpPr>
+            <a:spLocks noGrp="1"/>
+          </p:cNvSpPr>
+          <p:nvPr>
+            <p:ph idx="1"/>
+          </p:nvPr>
+        </p:nvSpPr>
+        <p:spPr/>
+        <p:txBody>
+          <a:bodyPr>
+            <a:normAutofit fontScale="92500"/>
+          </a:bodyPr>
+          <a:lstStyle/>
+          <a:p>
+            <a:r>
               <a:rPr lang="en-US" altLang="zh-CN" dirty="0" smtClean="0"/>
               <a:t>Python</a:t>
             </a:r>
             <a:r>
-              <a:rPr lang="zh-CN" altLang="en-US" dirty="0"/>
+              <a:rPr lang="zh-CN" altLang="en-US" dirty="0" smtClean="0"/>
               <a:t>文件</a:t>
             </a:r>
-          </a:p>
-        </p:txBody>
-      </p:sp>
-      <p:sp>
-        <p:nvSpPr>
-          <p:cNvPr id="3" name="内容占位符 2"/>
-          <p:cNvSpPr>
-            <a:spLocks noGrp="1"/>
-          </p:cNvSpPr>
-          <p:nvPr>
-            <p:ph idx="1"/>
-          </p:nvPr>
-        </p:nvSpPr>
-        <p:spPr/>
-        <p:txBody>
-          <a:bodyPr/>
-          <a:lstStyle/>
-          <a:p>
-            <a:r>
-              <a:rPr lang="en-US" altLang="zh-CN" dirty="0"/>
-              <a:t>.</a:t>
+            <a:r>
+              <a:rPr lang="zh-CN" altLang="en-US" dirty="0" smtClean="0"/>
+              <a:t>：</a:t>
+            </a:r>
+            <a:r>
+              <a:rPr lang="zh-CN" altLang="en-US" dirty="0"/>
+              <a:t>后缀</a:t>
             </a:r>
             <a:r>
               <a:rPr lang="en-US" altLang="zh-CN" dirty="0" err="1" smtClean="0"/>
@@ -8255,127 +8652,221 @@
             </a:r>
             <a:r>
               <a:rPr lang="zh-CN" altLang="en-US" dirty="0" smtClean="0"/>
-              <a:t>结尾是脚本文件，源码</a:t>
+              <a:t>类型文件</a:t>
             </a:r>
             <a:endParaRPr lang="en-US" altLang="zh-CN" dirty="0" smtClean="0"/>
           </a:p>
           <a:p>
             <a:r>
+              <a:rPr lang="zh-CN" altLang="en-US" dirty="0" smtClean="0"/>
+              <a:t>模块</a:t>
+            </a:r>
+            <a:r>
+              <a:rPr lang="zh-CN" altLang="en-US" dirty="0"/>
+              <a:t>：一</a:t>
+            </a:r>
+            <a:r>
+              <a:rPr lang="zh-CN" altLang="en-US" dirty="0" smtClean="0"/>
+              <a:t>个</a:t>
+            </a:r>
+            <a:r>
+              <a:rPr lang="en-US" altLang="zh-CN" dirty="0" err="1" smtClean="0"/>
+              <a:t>py</a:t>
+            </a:r>
+            <a:r>
+              <a:rPr lang="zh-CN" altLang="en-US" dirty="0" smtClean="0"/>
+              <a:t>类型文件就是一</a:t>
+            </a:r>
+            <a:r>
+              <a:rPr lang="zh-CN" altLang="en-US" dirty="0"/>
+              <a:t>个模块，</a:t>
+            </a:r>
+            <a:r>
+              <a:rPr lang="zh-CN" altLang="en-US" dirty="0" smtClean="0"/>
+              <a:t>里面有几</a:t>
+            </a:r>
+            <a:r>
+              <a:rPr lang="zh-CN" altLang="en-US" dirty="0"/>
+              <a:t>个类，或者若干个函数</a:t>
+            </a:r>
+            <a:endParaRPr lang="en-US" altLang="zh-CN" dirty="0" smtClean="0"/>
+          </a:p>
+          <a:p>
+            <a:r>
+              <a:rPr lang="zh-CN" altLang="en-US" dirty="0" smtClean="0"/>
+              <a:t>包</a:t>
+            </a:r>
+            <a:r>
+              <a:rPr lang="zh-CN" altLang="en-US" dirty="0"/>
+              <a:t>：一个带</a:t>
+            </a:r>
+            <a:r>
               <a:rPr lang="en-US" altLang="zh-CN" dirty="0"/>
-              <a:t>.</a:t>
-            </a:r>
-            <a:r>
-              <a:rPr lang="en-US" altLang="zh-CN" dirty="0" err="1" smtClean="0"/>
-              <a:t>pyc</a:t>
-            </a:r>
-            <a:r>
-              <a:rPr lang="zh-CN" altLang="en-US" dirty="0" smtClean="0"/>
-              <a:t>是主模块执行被导入模块时编译生成的字节码文件，方便下次运行时加速加载。</a:t>
-            </a:r>
-            <a:r>
-              <a:rPr lang="en-US" altLang="zh-CN" dirty="0" smtClean="0"/>
-              <a:t/>
-            </a:r>
-            <a:br>
-              <a:rPr lang="en-US" altLang="zh-CN" dirty="0" smtClean="0"/>
-            </a:br>
-            <a:r>
-              <a:rPr lang="en-US" altLang="zh-CN" dirty="0" smtClean="0"/>
-              <a:t>		</a:t>
-            </a:r>
-            <a:r>
-              <a:rPr lang="zh-CN" altLang="en-US" dirty="0" smtClean="0"/>
-              <a:t>被导入模块有</a:t>
-            </a:r>
-            <a:r>
-              <a:rPr lang="zh-CN" altLang="en-US" dirty="0"/>
-              <a:t>变动时</a:t>
-            </a:r>
-            <a:r>
-              <a:rPr lang="zh-CN" altLang="en-US" dirty="0" smtClean="0"/>
-              <a:t>，会被再次加载</a:t>
-            </a:r>
-            <a:r>
-              <a:rPr lang="en-US" altLang="zh-CN" dirty="0"/>
-              <a:t>-</a:t>
-            </a:r>
-            <a:r>
-              <a:rPr lang="zh-CN" altLang="en-US" dirty="0"/>
-              <a:t>链接</a:t>
-            </a:r>
-            <a:r>
-              <a:rPr lang="en-US" altLang="zh-CN" dirty="0"/>
-              <a:t>-</a:t>
-            </a:r>
-            <a:r>
-              <a:rPr lang="zh-CN" altLang="en-US" dirty="0"/>
-              <a:t>编译</a:t>
-            </a:r>
-            <a:r>
-              <a:rPr lang="en-US" altLang="zh-CN" dirty="0" smtClean="0"/>
-              <a:t>-</a:t>
-            </a:r>
-            <a:r>
-              <a:rPr lang="zh-CN" altLang="en-US" dirty="0" smtClean="0"/>
-              <a:t>写</a:t>
-            </a:r>
-            <a:r>
-              <a:rPr lang="zh-CN" altLang="en-US" dirty="0"/>
-              <a:t>到</a:t>
-            </a:r>
-            <a:r>
-              <a:rPr lang="en-US" altLang="zh-CN" dirty="0"/>
-              <a:t>.</a:t>
-            </a:r>
-            <a:r>
-              <a:rPr lang="en-US" altLang="zh-CN" dirty="0" err="1" smtClean="0"/>
-              <a:t>pyc</a:t>
+              <a:t>__init__.py</a:t>
+            </a:r>
+            <a:r>
+              <a:rPr lang="zh-CN" altLang="en-US" dirty="0"/>
+              <a:t>的</a:t>
+            </a:r>
+            <a:r>
+              <a:rPr lang="zh-CN" altLang="en-US" dirty="0" smtClean="0"/>
+              <a:t>目录，</a:t>
+            </a:r>
+            <a:r>
+              <a:rPr lang="en-US" altLang="zh-CN" dirty="0" smtClean="0"/>
+              <a:t>__init__.py</a:t>
+            </a:r>
+            <a:r>
+              <a:rPr lang="zh-CN" altLang="en-US" dirty="0" smtClean="0"/>
+              <a:t>是对包的初始化，如 </a:t>
+            </a:r>
+            <a:r>
+              <a:rPr lang="en-US" altLang="zh-CN" dirty="0" smtClean="0"/>
+              <a:t>from </a:t>
+            </a:r>
+            <a:r>
+              <a:rPr lang="zh-CN" altLang="en-US" dirty="0" smtClean="0"/>
+              <a:t>包 </a:t>
+            </a:r>
+            <a:r>
+              <a:rPr lang="en-US" altLang="zh-CN" dirty="0" smtClean="0"/>
+              <a:t>import *</a:t>
+            </a:r>
+          </a:p>
+          <a:p>
+            <a:r>
+              <a:rPr lang="zh-CN" altLang="en-US" dirty="0" smtClean="0"/>
+              <a:t>名称</a:t>
+            </a:r>
+            <a:r>
+              <a:rPr lang="zh-CN" altLang="en-US" dirty="0" smtClean="0"/>
+              <a:t>空间</a:t>
+            </a:r>
+            <a:r>
+              <a:rPr lang="zh-CN" altLang="en-US" dirty="0" smtClean="0"/>
+              <a:t>：</a:t>
+            </a:r>
+            <a:r>
+              <a:rPr lang="en-US" altLang="zh-CN" dirty="0" smtClean="0"/>
+              <a:t>namespace </a:t>
+            </a:r>
+            <a:r>
+              <a:rPr lang="zh-CN" altLang="en-US" dirty="0" smtClean="0"/>
+              <a:t>是</a:t>
+            </a:r>
+            <a:r>
+              <a:rPr lang="zh-CN" altLang="en-US" dirty="0" smtClean="0"/>
+              <a:t>存放</a:t>
+            </a:r>
+            <a:r>
+              <a:rPr lang="zh-CN" altLang="en-US" dirty="0"/>
+              <a:t>名字与变量值绑定关系</a:t>
+            </a:r>
+            <a:r>
+              <a:rPr lang="zh-CN" altLang="en-US" dirty="0" smtClean="0"/>
+              <a:t>的内存空间</a:t>
             </a:r>
             <a:endParaRPr lang="en-US" altLang="zh-CN" dirty="0" smtClean="0"/>
           </a:p>
           <a:p>
-            <a:r>
-              <a:rPr lang="en-US" altLang="zh-CN" dirty="0"/>
-              <a:t>.</a:t>
-            </a:r>
-            <a:r>
-              <a:rPr lang="en-US" altLang="zh-CN" dirty="0" err="1"/>
-              <a:t>pyo</a:t>
-            </a:r>
-            <a:r>
-              <a:rPr lang="en-US" altLang="zh-CN" dirty="0"/>
-              <a:t>:</a:t>
-            </a:r>
-            <a:r>
-              <a:rPr lang="zh-CN" altLang="en-US" dirty="0"/>
-              <a:t>更小更优的</a:t>
-            </a:r>
-            <a:r>
-              <a:rPr lang="zh-CN" altLang="en-US" dirty="0" smtClean="0"/>
-              <a:t>编译文件</a:t>
+            <a:pPr lvl="1"/>
+            <a:r>
+              <a:rPr lang="zh-CN" altLang="en-US" dirty="0" smtClean="0"/>
+              <a:t>内置名称空间：存放</a:t>
+            </a:r>
+            <a:r>
+              <a:rPr lang="en-US" altLang="zh-CN" dirty="0" smtClean="0"/>
+              <a:t>__building__</a:t>
+            </a:r>
+            <a:r>
+              <a:rPr lang="zh-CN" altLang="en-US" dirty="0" smtClean="0"/>
+              <a:t>模块中的名称的空间，解释器启动时加载。</a:t>
             </a:r>
             <a:endParaRPr lang="en-US" altLang="zh-CN" dirty="0" smtClean="0"/>
           </a:p>
           <a:p>
-            <a:r>
-              <a:rPr lang="en-US" altLang="zh-CN" dirty="0"/>
-              <a:t>.</a:t>
-            </a:r>
-            <a:r>
-              <a:rPr lang="en-US" altLang="zh-CN" dirty="0" err="1"/>
-              <a:t>pyd:python</a:t>
-            </a:r>
-            <a:r>
-              <a:rPr lang="zh-CN" altLang="en-US" dirty="0"/>
-              <a:t>的动态链接库</a:t>
-            </a:r>
+            <a:pPr lvl="1"/>
+            <a:r>
+              <a:rPr lang="zh-CN" altLang="en-US" dirty="0" smtClean="0"/>
+              <a:t>全局名称空间：运行文件时，存放文件级别定义的名字</a:t>
+            </a:r>
+            <a:r>
+              <a:rPr lang="en-US" altLang="zh-CN" dirty="0" smtClean="0"/>
+              <a:t>(</a:t>
+            </a:r>
+            <a:r>
+              <a:rPr lang="zh-CN" altLang="en-US" dirty="0" smtClean="0"/>
+              <a:t>变量名</a:t>
+            </a:r>
+            <a:r>
+              <a:rPr lang="en-US" altLang="zh-CN" dirty="0" smtClean="0"/>
+              <a:t>/</a:t>
+            </a:r>
+            <a:r>
+              <a:rPr lang="zh-CN" altLang="en-US" dirty="0" smtClean="0"/>
+              <a:t>函数名</a:t>
+            </a:r>
+            <a:r>
+              <a:rPr lang="en-US" altLang="zh-CN" dirty="0" smtClean="0"/>
+              <a:t>/</a:t>
+            </a:r>
+            <a:r>
+              <a:rPr lang="zh-CN" altLang="en-US" dirty="0" smtClean="0"/>
+              <a:t>类名</a:t>
+            </a:r>
+            <a:r>
+              <a:rPr lang="en-US" altLang="zh-CN" dirty="0" smtClean="0"/>
+              <a:t>)</a:t>
+            </a:r>
+          </a:p>
+          <a:p>
+            <a:pPr lvl="1"/>
+            <a:r>
+              <a:rPr lang="zh-CN" altLang="en-US" dirty="0" smtClean="0"/>
+              <a:t>局部名称空间：调用函数时，产生函数的名称空间，存放函数内定义的名字。</a:t>
+            </a:r>
+          </a:p>
+          <a:p>
+            <a:r>
+              <a:rPr lang="zh-CN" altLang="en-US" dirty="0"/>
+              <a:t>作用域：表达变量可被访问的</a:t>
+            </a:r>
+            <a:r>
+              <a:rPr lang="zh-CN" altLang="en-US" dirty="0" smtClean="0"/>
+              <a:t>范围</a:t>
+            </a:r>
+            <a:endParaRPr lang="en-US" altLang="zh-CN" dirty="0" smtClean="0"/>
+          </a:p>
+          <a:p>
+            <a:pPr lvl="1"/>
+            <a:r>
+              <a:rPr lang="zh-CN" altLang="en-US" dirty="0" smtClean="0"/>
+              <a:t>全局作用域：整个模块区域都有效，如</a:t>
+            </a:r>
+            <a:r>
+              <a:rPr lang="en-US" altLang="zh-CN" dirty="0" smtClean="0"/>
+              <a:t>global</a:t>
+            </a:r>
+            <a:r>
+              <a:rPr lang="zh-CN" altLang="en-US" dirty="0" smtClean="0"/>
+              <a:t>变量，注册在全局名称空间，引用处处可以修改</a:t>
+            </a:r>
+            <a:endParaRPr lang="en-US" altLang="zh-CN" dirty="0" smtClean="0"/>
+          </a:p>
+          <a:p>
+            <a:pPr lvl="1"/>
+            <a:r>
+              <a:rPr lang="zh-CN" altLang="en-US" dirty="0" smtClean="0"/>
+              <a:t>局部作用域：只在局部名称空间可以被访问，外部则不行。</a:t>
+            </a:r>
+            <a:endParaRPr lang="en-US" altLang="zh-CN" dirty="0" smtClean="0"/>
           </a:p>
         </p:txBody>
       </p:sp>
     </p:spTree>
     <p:extLst>
       <p:ext uri="{BB962C8B-B14F-4D97-AF65-F5344CB8AC3E}">
-        <p14:creationId xmlns:p14="http://schemas.microsoft.com/office/powerpoint/2010/main" val="2252112431"/>
+        <p14:creationId xmlns:p14="http://schemas.microsoft.com/office/powerpoint/2010/main" val="3360110779"/>
       </p:ext>
     </p:extLst>
   </p:cSld>
@@ -8418,17 +8909,13 @@
           <a:lstStyle/>
           <a:p>
             <a:r>
-              <a:rPr lang="zh-CN" altLang="en-US" dirty="0" smtClean="0"/>
-              <a:t>模块</a:t>
-            </a:r>
-            <a:r>
-              <a:rPr lang="en-US" altLang="zh-CN" dirty="0" smtClean="0"/>
-              <a:t/>
-            </a:r>
-            <a:br>
-              <a:rPr lang="en-US" altLang="zh-CN" dirty="0" smtClean="0"/>
-            </a:br>
-            <a:endParaRPr lang="zh-CN" altLang="en-US" dirty="0"/>
+              <a:rPr lang="en-US" altLang="zh-CN" dirty="0" smtClean="0"/>
+              <a:t>Python</a:t>
+            </a:r>
+            <a:r>
+              <a:rPr lang="zh-CN" altLang="en-US" dirty="0"/>
+              <a:t>文件</a:t>
+            </a:r>
           </a:p>
         </p:txBody>
       </p:sp>
@@ -8444,17 +8931,11 @@
         </p:nvSpPr>
         <p:spPr/>
         <p:txBody>
-          <a:bodyPr>
-            <a:normAutofit lnSpcReduction="10000"/>
-          </a:bodyPr>
+          <a:bodyPr/>
           <a:lstStyle/>
           <a:p>
             <a:r>
-              <a:rPr lang="zh-CN" altLang="en-US" dirty="0" smtClean="0"/>
-              <a:t>即</a:t>
-            </a:r>
-            <a:r>
-              <a:rPr lang="en-US" altLang="zh-CN" dirty="0" smtClean="0"/>
+              <a:rPr lang="en-US" altLang="zh-CN" dirty="0"/>
               <a:t>.</a:t>
             </a:r>
             <a:r>
@@ -8462,278 +8943,128 @@
               <a:t>py</a:t>
             </a:r>
             <a:r>
-              <a:rPr lang="zh-CN" altLang="en-US" dirty="0"/>
-              <a:t>结尾文件</a:t>
-            </a:r>
-            <a:r>
-              <a:rPr lang="zh-CN" altLang="en-US" dirty="0" smtClean="0"/>
-              <a:t>。</a:t>
+              <a:rPr lang="zh-CN" altLang="en-US" dirty="0" smtClean="0"/>
+              <a:t>结尾是脚本文件，源码</a:t>
             </a:r>
             <a:endParaRPr lang="en-US" altLang="zh-CN" dirty="0" smtClean="0"/>
           </a:p>
           <a:p>
             <a:r>
-              <a:rPr lang="zh-CN" altLang="en-US" dirty="0" smtClean="0"/>
-              <a:t>内容</a:t>
-            </a:r>
-            <a:r>
-              <a:rPr lang="zh-CN" altLang="en-US" dirty="0"/>
-              <a:t>：可执行语句  </a:t>
-            </a:r>
-            <a:r>
               <a:rPr lang="en-US" altLang="zh-CN" dirty="0"/>
-              <a:t>+ </a:t>
-            </a:r>
-            <a:r>
-              <a:rPr lang="zh-CN" altLang="en-US" dirty="0"/>
-              <a:t>函数定义  </a:t>
+              <a:t>.</a:t>
+            </a:r>
+            <a:r>
+              <a:rPr lang="en-US" altLang="zh-CN" dirty="0" err="1" smtClean="0"/>
+              <a:t>pyc</a:t>
+            </a:r>
+            <a:r>
+              <a:rPr lang="zh-CN" altLang="en-US" dirty="0" smtClean="0"/>
+              <a:t>是主模块执行被导入模块时编译生成的字节码文件，方便下次运行时加速加载。</a:t>
+            </a:r>
+            <a:r>
+              <a:rPr lang="en-US" altLang="zh-CN" dirty="0" smtClean="0"/>
+              <a:t/>
+            </a:r>
+            <a:br>
+              <a:rPr lang="en-US" altLang="zh-CN" dirty="0" smtClean="0"/>
+            </a:br>
+            <a:r>
+              <a:rPr lang="en-US" altLang="zh-CN" dirty="0" smtClean="0"/>
+              <a:t>		</a:t>
+            </a:r>
+            <a:r>
+              <a:rPr lang="zh-CN" altLang="en-US" dirty="0" smtClean="0"/>
+              <a:t>被导入模块有</a:t>
+            </a:r>
+            <a:r>
+              <a:rPr lang="zh-CN" altLang="en-US" dirty="0"/>
+              <a:t>变动时</a:t>
+            </a:r>
+            <a:r>
+              <a:rPr lang="zh-CN" altLang="en-US" dirty="0" smtClean="0"/>
+              <a:t>，会被再次加载</a:t>
             </a:r>
             <a:r>
               <a:rPr lang="en-US" altLang="zh-CN" dirty="0"/>
-              <a:t>+ </a:t>
-            </a:r>
-            <a:r>
-              <a:rPr lang="zh-CN" altLang="en-US" dirty="0"/>
-              <a:t>类定义</a:t>
+              <a:t>-</a:t>
+            </a:r>
+            <a:r>
+              <a:rPr lang="zh-CN" altLang="en-US" dirty="0"/>
+              <a:t>链接</a:t>
+            </a:r>
+            <a:r>
+              <a:rPr lang="en-US" altLang="zh-CN" dirty="0"/>
+              <a:t>-</a:t>
+            </a:r>
+            <a:r>
+              <a:rPr lang="zh-CN" altLang="en-US" dirty="0"/>
+              <a:t>编译</a:t>
+            </a:r>
+            <a:r>
+              <a:rPr lang="en-US" altLang="zh-CN" dirty="0" smtClean="0"/>
+              <a:t>-</a:t>
+            </a:r>
+            <a:r>
+              <a:rPr lang="zh-CN" altLang="en-US" dirty="0" smtClean="0"/>
+              <a:t>写</a:t>
+            </a:r>
+            <a:r>
+              <a:rPr lang="zh-CN" altLang="en-US" dirty="0"/>
+              <a:t>到</a:t>
+            </a:r>
+            <a:r>
+              <a:rPr lang="en-US" altLang="zh-CN" dirty="0"/>
+              <a:t>.</a:t>
+            </a:r>
+            <a:r>
+              <a:rPr lang="en-US" altLang="zh-CN" dirty="0" err="1" smtClean="0"/>
+              <a:t>pyc</a:t>
             </a:r>
             <a:endParaRPr lang="en-US" altLang="zh-CN" dirty="0" smtClean="0"/>
           </a:p>
           <a:p>
             <a:r>
-              <a:rPr lang="zh-CN" altLang="en-US" dirty="0"/>
-              <a:t>作为</a:t>
-            </a:r>
-            <a:r>
-              <a:rPr lang="zh-CN" altLang="en-US" dirty="0" smtClean="0"/>
-              <a:t>独立的</a:t>
-            </a:r>
-            <a:r>
-              <a:rPr lang="zh-CN" altLang="en-US" dirty="0"/>
-              <a:t>脚本来</a:t>
-            </a:r>
-            <a:r>
-              <a:rPr lang="zh-CN" altLang="en-US" dirty="0" smtClean="0"/>
-              <a:t>执行时：它是主模块</a:t>
-            </a:r>
-            <a:r>
-              <a:rPr lang="en-US" altLang="zh-CN" dirty="0" smtClean="0"/>
-              <a:t/>
-            </a:r>
-            <a:br>
-              <a:rPr lang="en-US" altLang="zh-CN" dirty="0" smtClean="0"/>
-            </a:br>
-            <a:r>
-              <a:rPr lang="en-US" altLang="zh-CN" dirty="0" smtClean="0"/>
-              <a:t>			&gt;</a:t>
-            </a:r>
-            <a:r>
-              <a:rPr lang="zh-CN" altLang="en-US" dirty="0" smtClean="0"/>
-              <a:t>模块名</a:t>
-            </a:r>
-            <a:r>
               <a:rPr lang="en-US" altLang="zh-CN" dirty="0"/>
-              <a:t>__name</a:t>
-            </a:r>
-            <a:r>
-              <a:rPr lang="en-US" altLang="zh-CN" dirty="0" smtClean="0"/>
-              <a:t>__</a:t>
-            </a:r>
-            <a:r>
-              <a:rPr lang="zh-CN" altLang="en-US" dirty="0" smtClean="0"/>
-              <a:t>的值：</a:t>
+              <a:t>.</a:t>
+            </a:r>
+            <a:r>
+              <a:rPr lang="en-US" altLang="zh-CN" dirty="0" err="1"/>
+              <a:t>pyo</a:t>
             </a:r>
             <a:r>
               <a:rPr lang="en-US" altLang="zh-CN" dirty="0"/>
-              <a:t>__main__</a:t>
+              <a:t>:</a:t>
+            </a:r>
+            <a:r>
+              <a:rPr lang="zh-CN" altLang="en-US" dirty="0"/>
+              <a:t>更小更优的</a:t>
+            </a:r>
+            <a:r>
+              <a:rPr lang="zh-CN" altLang="en-US" dirty="0" smtClean="0"/>
+              <a:t>编译文件</a:t>
             </a:r>
             <a:endParaRPr lang="en-US" altLang="zh-CN" dirty="0" smtClean="0"/>
           </a:p>
           <a:p>
             <a:r>
-              <a:rPr lang="zh-CN" altLang="en-US" dirty="0" smtClean="0"/>
-              <a:t>作为被导</a:t>
-            </a:r>
-            <a:r>
-              <a:rPr lang="zh-CN" altLang="en-US" dirty="0"/>
-              <a:t>入的</a:t>
-            </a:r>
-            <a:r>
-              <a:rPr lang="zh-CN" altLang="en-US" dirty="0" smtClean="0"/>
-              <a:t>模块在被导入时：</a:t>
-            </a:r>
-            <a:r>
               <a:rPr lang="en-US" altLang="zh-CN" dirty="0"/>
-              <a:t/>
-            </a:r>
-            <a:br>
-              <a:rPr lang="en-US" altLang="zh-CN" dirty="0"/>
-            </a:br>
-            <a:r>
-              <a:rPr lang="en-US" altLang="zh-CN" dirty="0" smtClean="0"/>
-              <a:t>			&gt;</a:t>
-            </a:r>
-            <a:r>
-              <a:rPr lang="zh-CN" altLang="en-US" dirty="0" smtClean="0"/>
-              <a:t>模块中的可</a:t>
-            </a:r>
-            <a:r>
-              <a:rPr lang="zh-CN" altLang="en-US" dirty="0"/>
-              <a:t>执行</a:t>
-            </a:r>
-            <a:r>
-              <a:rPr lang="zh-CN" altLang="en-US" dirty="0" smtClean="0"/>
-              <a:t>语句会执行一次</a:t>
-            </a:r>
-            <a:r>
-              <a:rPr lang="en-US" altLang="zh-CN" dirty="0"/>
-              <a:t/>
-            </a:r>
-            <a:br>
-              <a:rPr lang="en-US" altLang="zh-CN" dirty="0"/>
-            </a:br>
-            <a:r>
-              <a:rPr lang="en-US" altLang="zh-CN" dirty="0" smtClean="0"/>
-              <a:t>			&gt;</a:t>
-            </a:r>
-            <a:r>
-              <a:rPr lang="zh-CN" altLang="en-US" dirty="0" smtClean="0"/>
-              <a:t>模块的搜索路径：</a:t>
-            </a:r>
-            <a:r>
-              <a:rPr lang="en-US" altLang="zh-CN" dirty="0" err="1" smtClean="0"/>
-              <a:t>sys.path</a:t>
-            </a:r>
-            <a:r>
-              <a:rPr lang="en-US" altLang="zh-CN" dirty="0" smtClean="0"/>
-              <a:t> (PYTHONPATH</a:t>
-            </a:r>
-            <a:r>
-              <a:rPr lang="zh-CN" altLang="en-US" dirty="0" smtClean="0"/>
-              <a:t>）中列出的路径，且顺序</a:t>
-            </a:r>
-            <a:r>
-              <a:rPr lang="en-US" altLang="zh-CN" dirty="0"/>
-              <a:t/>
-            </a:r>
-            <a:br>
-              <a:rPr lang="en-US" altLang="zh-CN" dirty="0"/>
-            </a:br>
-            <a:r>
-              <a:rPr lang="en-US" altLang="zh-CN" dirty="0" smtClean="0"/>
-              <a:t>			&gt;</a:t>
-            </a:r>
-            <a:r>
-              <a:rPr lang="zh-CN" altLang="en-US" dirty="0" smtClean="0"/>
-              <a:t>导入方式：</a:t>
-            </a:r>
-            <a:r>
-              <a:rPr lang="en-US" altLang="zh-CN" dirty="0" smtClean="0"/>
-              <a:t>import </a:t>
-            </a:r>
-            <a:r>
-              <a:rPr lang="zh-CN" altLang="en-US" dirty="0" smtClean="0"/>
-              <a:t>模块 或者 </a:t>
-            </a:r>
-            <a:r>
-              <a:rPr lang="en-US" altLang="zh-CN" dirty="0" smtClean="0"/>
-              <a:t>from </a:t>
-            </a:r>
-            <a:r>
-              <a:rPr lang="zh-CN" altLang="en-US" dirty="0" smtClean="0"/>
-              <a:t>包 </a:t>
-            </a:r>
-            <a:r>
-              <a:rPr lang="en-US" altLang="zh-CN" dirty="0" smtClean="0"/>
-              <a:t>import </a:t>
-            </a:r>
-            <a:r>
-              <a:rPr lang="zh-CN" altLang="en-US" dirty="0" smtClean="0"/>
-              <a:t>模块</a:t>
-            </a:r>
-            <a:endParaRPr lang="en-US" altLang="zh-CN" dirty="0" smtClean="0"/>
-          </a:p>
-          <a:p>
-            <a:r>
-              <a:rPr lang="zh-CN" altLang="en-US" dirty="0" smtClean="0"/>
-              <a:t>内置模块：</a:t>
-            </a:r>
-            <a:r>
-              <a:rPr lang="en-US" altLang="zh-CN" dirty="0" smtClean="0"/>
-              <a:t>sys, </a:t>
-            </a:r>
-            <a:r>
-              <a:rPr lang="en-US" altLang="zh-CN" dirty="0" err="1" smtClean="0"/>
-              <a:t>os</a:t>
-            </a:r>
-            <a:r>
-              <a:rPr lang="zh-CN" altLang="en-US" dirty="0" smtClean="0"/>
-              <a:t>使用时也需要</a:t>
-            </a:r>
-            <a:r>
-              <a:rPr lang="en-US" altLang="zh-CN" dirty="0" smtClean="0"/>
-              <a:t>import</a:t>
-            </a:r>
-          </a:p>
-          <a:p>
-            <a:r>
-              <a:rPr lang="zh-CN" altLang="en-US" dirty="0" smtClean="0"/>
-              <a:t>特殊模块：</a:t>
-            </a:r>
-            <a:r>
-              <a:rPr lang="en-US" altLang="zh-CN" dirty="0" smtClean="0"/>
-              <a:t>__</a:t>
-            </a:r>
-            <a:r>
-              <a:rPr lang="en-US" altLang="zh-CN" dirty="0" err="1" smtClean="0"/>
-              <a:t>builtin</a:t>
-            </a:r>
-            <a:r>
-              <a:rPr lang="en-US" altLang="zh-CN" dirty="0" smtClean="0"/>
-              <a:t>__</a:t>
-            </a:r>
-            <a:r>
-              <a:rPr lang="zh-CN" altLang="en-US" dirty="0" smtClean="0"/>
-              <a:t>模块，</a:t>
-            </a:r>
-            <a:r>
-              <a:rPr lang="en-US" altLang="zh-CN" dirty="0" smtClean="0"/>
-              <a:t>python</a:t>
-            </a:r>
-            <a:r>
-              <a:rPr lang="zh-CN" altLang="en-US" dirty="0" smtClean="0"/>
-              <a:t>解释器启动时会加载此模块中的名称空间</a:t>
-            </a:r>
-            <a:endParaRPr lang="en-US" altLang="zh-CN" dirty="0" smtClean="0"/>
-          </a:p>
-          <a:p>
-            <a:r>
-              <a:rPr lang="zh-CN" altLang="en-US" dirty="0"/>
-              <a:t>可以构建、发布</a:t>
-            </a:r>
-            <a:r>
-              <a:rPr lang="zh-CN" altLang="en-US" dirty="0" smtClean="0"/>
-              <a:t>、开</a:t>
-            </a:r>
-            <a:r>
-              <a:rPr lang="zh-CN" altLang="en-US" dirty="0"/>
-              <a:t>源</a:t>
-            </a:r>
-            <a:r>
-              <a:rPr lang="zh-CN" altLang="en-US" dirty="0" smtClean="0"/>
-              <a:t>自己的模块，在：</a:t>
-            </a:r>
-            <a:r>
-              <a:rPr lang="en-US" altLang="zh-CN" dirty="0"/>
-              <a:t>https://pypi.python.org/pypi</a:t>
-            </a:r>
-            <a:endParaRPr lang="zh-CN" altLang="en-US" dirty="0"/>
+              <a:t>.</a:t>
+            </a:r>
+            <a:r>
+              <a:rPr lang="en-US" altLang="zh-CN" dirty="0" err="1"/>
+              <a:t>pyd:python</a:t>
+            </a:r>
+            <a:r>
+              <a:rPr lang="zh-CN" altLang="en-US" dirty="0"/>
+              <a:t>的动态链接库</a:t>
+            </a:r>
           </a:p>
         </p:txBody>
       </p:sp>
     </p:spTree>
     <p:extLst>
       <p:ext uri="{BB962C8B-B14F-4D97-AF65-F5344CB8AC3E}">
-        <p14:creationId xmlns:p14="http://schemas.microsoft.com/office/powerpoint/2010/main" val="950963221"/>
+        <p14:creationId xmlns:p14="http://schemas.microsoft.com/office/powerpoint/2010/main" val="2252112431"/>
       </p:ext>
     </p:extLst>
   </p:cSld>
@@ -8777,8 +9108,15 @@
           <a:p>
             <a:r>
               <a:rPr lang="zh-CN" altLang="en-US" dirty="0" smtClean="0"/>
-              <a:t>包</a:t>
-            </a:r>
+              <a:t>模块</a:t>
+            </a:r>
+            <a:r>
+              <a:rPr lang="en-US" altLang="zh-CN" dirty="0" smtClean="0"/>
+              <a:t/>
+            </a:r>
+            <a:br>
+              <a:rPr lang="en-US" altLang="zh-CN" dirty="0" smtClean="0"/>
+            </a:br>
             <a:endParaRPr lang="zh-CN" altLang="en-US" dirty="0"/>
           </a:p>
         </p:txBody>
@@ -8795,35 +9133,76 @@
         </p:nvSpPr>
         <p:spPr/>
         <p:txBody>
-          <a:bodyPr/>
+          <a:bodyPr>
+            <a:normAutofit lnSpcReduction="10000"/>
+          </a:bodyPr>
           <a:lstStyle/>
           <a:p>
             <a:r>
-              <a:rPr lang="zh-CN" altLang="en-US" dirty="0"/>
-              <a:t>一个含有</a:t>
+              <a:rPr lang="zh-CN" altLang="en-US" dirty="0" smtClean="0"/>
+              <a:t>即</a:t>
+            </a:r>
+            <a:r>
+              <a:rPr lang="en-US" altLang="zh-CN" dirty="0" smtClean="0"/>
+              <a:t>.</a:t>
+            </a:r>
+            <a:r>
+              <a:rPr lang="en-US" altLang="zh-CN" dirty="0" err="1" smtClean="0"/>
+              <a:t>py</a:t>
+            </a:r>
+            <a:r>
+              <a:rPr lang="zh-CN" altLang="en-US" dirty="0"/>
+              <a:t>结尾文件</a:t>
+            </a:r>
+            <a:r>
+              <a:rPr lang="zh-CN" altLang="en-US" dirty="0" smtClean="0"/>
+              <a:t>。</a:t>
+            </a:r>
+            <a:endParaRPr lang="en-US" altLang="zh-CN" dirty="0" smtClean="0"/>
+          </a:p>
+          <a:p>
+            <a:r>
+              <a:rPr lang="zh-CN" altLang="en-US" dirty="0" smtClean="0"/>
+              <a:t>内容</a:t>
+            </a:r>
+            <a:r>
+              <a:rPr lang="zh-CN" altLang="en-US" dirty="0"/>
+              <a:t>：可执行语句  </a:t>
             </a:r>
             <a:r>
               <a:rPr lang="en-US" altLang="zh-CN" dirty="0"/>
-              <a:t>__init__.py</a:t>
-            </a:r>
-            <a:r>
-              <a:rPr lang="zh-CN" altLang="en-US" dirty="0"/>
-              <a:t>文件的</a:t>
-            </a:r>
-            <a:r>
-              <a:rPr lang="zh-CN" altLang="en-US" dirty="0" smtClean="0"/>
-              <a:t>目录</a:t>
+              <a:t>+ </a:t>
+            </a:r>
+            <a:r>
+              <a:rPr lang="zh-CN" altLang="en-US" dirty="0"/>
+              <a:t>函数定义  </a:t>
+            </a:r>
+            <a:r>
+              <a:rPr lang="en-US" altLang="zh-CN" dirty="0"/>
+              <a:t>+ </a:t>
+            </a:r>
+            <a:r>
+              <a:rPr lang="zh-CN" altLang="en-US" dirty="0"/>
+              <a:t>类定义</a:t>
             </a:r>
             <a:endParaRPr lang="en-US" altLang="zh-CN" dirty="0" smtClean="0"/>
           </a:p>
           <a:p>
             <a:r>
-              <a:rPr lang="en-US" altLang="zh-CN" dirty="0" smtClean="0"/>
-              <a:t>__init__.py</a:t>
-            </a:r>
-            <a:r>
-              <a:rPr lang="zh-CN" altLang="en-US" dirty="0" smtClean="0"/>
-              <a:t>文件：</a:t>
+              <a:rPr lang="zh-CN" altLang="en-US" dirty="0"/>
+              <a:t>作为</a:t>
+            </a:r>
+            <a:r>
+              <a:rPr lang="zh-CN" altLang="en-US" dirty="0" smtClean="0"/>
+              <a:t>独立的</a:t>
+            </a:r>
+            <a:r>
+              <a:rPr lang="zh-CN" altLang="en-US" dirty="0"/>
+              <a:t>脚本来</a:t>
+            </a:r>
+            <a:r>
+              <a:rPr lang="zh-CN" altLang="en-US" dirty="0" smtClean="0"/>
+              <a:t>执行时：它是主模块</a:t>
             </a:r>
             <a:r>
               <a:rPr lang="en-US" altLang="zh-CN" dirty="0" smtClean="0"/>
@@ -8834,90 +9213,208 @@
             </a:br>
             <a:r>
               <a:rPr lang="en-US" altLang="zh-CN" dirty="0" smtClean="0"/>
-              <a:t>		&gt;</a:t>
-            </a:r>
-            <a:r>
-              <a:rPr lang="zh-CN" altLang="en-US" dirty="0" smtClean="0"/>
-              <a:t>文件</a:t>
-            </a:r>
-            <a:r>
-              <a:rPr lang="zh-CN" altLang="en-US" dirty="0"/>
-              <a:t>可以是空的，可以有包的初始化代码</a:t>
-            </a:r>
-            <a:r>
-              <a:rPr lang="zh-CN" altLang="en-US" dirty="0" smtClean="0"/>
-              <a:t>。如可以定义</a:t>
-            </a:r>
-            <a:r>
-              <a:rPr lang="zh-CN" altLang="en-US" dirty="0"/>
-              <a:t>一</a:t>
-            </a:r>
-            <a:r>
-              <a:rPr lang="zh-CN" altLang="en-US" dirty="0" smtClean="0"/>
-              <a:t>个字符串数组</a:t>
-            </a:r>
-            <a:r>
-              <a:rPr lang="zh-CN" altLang="en-US" dirty="0"/>
-              <a:t>变量</a:t>
+              <a:t>			&gt;</a:t>
+            </a:r>
+            <a:r>
+              <a:rPr lang="zh-CN" altLang="en-US" dirty="0" smtClean="0"/>
+              <a:t>模块名</a:t>
+            </a:r>
+            <a:r>
+              <a:rPr lang="en-US" altLang="zh-CN" dirty="0"/>
+              <a:t>__name</a:t>
             </a:r>
             <a:r>
               <a:rPr lang="en-US" altLang="zh-CN" dirty="0" smtClean="0"/>
               <a:t>__</a:t>
             </a:r>
             <a:r>
+              <a:rPr lang="zh-CN" altLang="en-US" dirty="0" smtClean="0"/>
+              <a:t>的值：</a:t>
+            </a:r>
+            <a:r>
               <a:rPr lang="en-US" altLang="zh-CN" dirty="0"/>
-              <a:t>all</a:t>
+              <a:t>__main__</a:t>
+            </a:r>
+            <a:endParaRPr lang="en-US" altLang="zh-CN" dirty="0" smtClean="0"/>
+          </a:p>
+          <a:p>
+            <a:r>
+              <a:rPr lang="zh-CN" altLang="en-US" dirty="0" smtClean="0"/>
+              <a:t>作为被导</a:t>
+            </a:r>
+            <a:r>
+              <a:rPr lang="zh-CN" altLang="en-US" dirty="0"/>
+              <a:t>入的</a:t>
+            </a:r>
+            <a:r>
+              <a:rPr lang="zh-CN" altLang="en-US" dirty="0" smtClean="0"/>
+              <a:t>模块在被导入时：</a:t>
+            </a:r>
+            <a:r>
+              <a:rPr lang="en-US" altLang="zh-CN" dirty="0"/>
+              <a:t/>
+            </a:r>
+            <a:br>
+              <a:rPr lang="en-US" altLang="zh-CN" dirty="0"/>
+            </a:br>
+            <a:r>
+              <a:rPr lang="en-US" altLang="zh-CN" dirty="0" smtClean="0"/>
+              <a:t>			&gt;</a:t>
+            </a:r>
+            <a:r>
+              <a:rPr lang="zh-CN" altLang="en-US" dirty="0" smtClean="0"/>
+              <a:t>模块中的可</a:t>
+            </a:r>
+            <a:r>
+              <a:rPr lang="zh-CN" altLang="en-US" dirty="0"/>
+              <a:t>执行</a:t>
+            </a:r>
+            <a:r>
+              <a:rPr lang="zh-CN" altLang="en-US" dirty="0" smtClean="0"/>
+              <a:t>语句会执行一次</a:t>
+            </a:r>
+            <a:r>
+              <a:rPr lang="en-US" altLang="zh-CN" dirty="0"/>
+              <a:t/>
+            </a:r>
+            <a:br>
+              <a:rPr lang="en-US" altLang="zh-CN" dirty="0"/>
+            </a:br>
+            <a:r>
+              <a:rPr lang="en-US" altLang="zh-CN" dirty="0" smtClean="0"/>
+              <a:t>			&gt;</a:t>
+            </a:r>
+            <a:r>
+              <a:rPr lang="zh-CN" altLang="en-US" dirty="0" smtClean="0"/>
+              <a:t>模块的搜索路径：</a:t>
+            </a:r>
+            <a:r>
+              <a:rPr lang="en-US" altLang="zh-CN" dirty="0" err="1" smtClean="0"/>
+              <a:t>sys.path</a:t>
+            </a:r>
+            <a:r>
+              <a:rPr lang="en-US" altLang="zh-CN" dirty="0" smtClean="0"/>
+              <a:t> (PYTHONPATH</a:t>
+            </a:r>
+            <a:r>
+              <a:rPr lang="zh-CN" altLang="en-US" dirty="0" smtClean="0"/>
+              <a:t>）中列出的路径，且顺序</a:t>
+            </a:r>
+            <a:r>
+              <a:rPr lang="en-US" altLang="zh-CN" dirty="0"/>
+              <a:t/>
+            </a:r>
+            <a:br>
+              <a:rPr lang="en-US" altLang="zh-CN" dirty="0"/>
+            </a:br>
+            <a:r>
+              <a:rPr lang="en-US" altLang="zh-CN" dirty="0" smtClean="0"/>
+              <a:t>			&gt;</a:t>
+            </a:r>
+            <a:r>
+              <a:rPr lang="zh-CN" altLang="en-US" dirty="0" smtClean="0"/>
+              <a:t>导入方式：</a:t>
+            </a:r>
+            <a:r>
+              <a:rPr lang="en-US" altLang="zh-CN" dirty="0" smtClean="0"/>
+              <a:t>import </a:t>
+            </a:r>
+            <a:r>
+              <a:rPr lang="zh-CN" altLang="en-US" dirty="0" smtClean="0"/>
+              <a:t>模块 或者 </a:t>
+            </a:r>
+            <a:r>
+              <a:rPr lang="en-US" altLang="zh-CN" dirty="0" smtClean="0"/>
+              <a:t>from </a:t>
+            </a:r>
+            <a:r>
+              <a:rPr lang="zh-CN" altLang="en-US" dirty="0" smtClean="0"/>
+              <a:t>包 </a:t>
+            </a:r>
+            <a:r>
+              <a:rPr lang="en-US" altLang="zh-CN" dirty="0" smtClean="0"/>
+              <a:t>import </a:t>
+            </a:r>
+            <a:r>
+              <a:rPr lang="zh-CN" altLang="en-US" dirty="0" smtClean="0"/>
+              <a:t>模块</a:t>
+            </a:r>
+            <a:endParaRPr lang="en-US" altLang="zh-CN" dirty="0" smtClean="0"/>
+          </a:p>
+          <a:p>
+            <a:r>
+              <a:rPr lang="zh-CN" altLang="en-US" dirty="0" smtClean="0"/>
+              <a:t>内置模块：</a:t>
+            </a:r>
+            <a:r>
+              <a:rPr lang="en-US" altLang="zh-CN" dirty="0" smtClean="0"/>
+              <a:t>sys, </a:t>
+            </a:r>
+            <a:r>
+              <a:rPr lang="en-US" altLang="zh-CN" dirty="0" err="1" smtClean="0"/>
+              <a:t>os</a:t>
+            </a:r>
+            <a:r>
+              <a:rPr lang="zh-CN" altLang="en-US" dirty="0" smtClean="0"/>
+              <a:t>使用时也需要</a:t>
+            </a:r>
+            <a:r>
+              <a:rPr lang="en-US" altLang="zh-CN" dirty="0" smtClean="0"/>
+              <a:t>import</a:t>
+            </a:r>
+          </a:p>
+          <a:p>
+            <a:r>
+              <a:rPr lang="zh-CN" altLang="en-US" dirty="0" smtClean="0"/>
+              <a:t>特殊模块：</a:t>
             </a:r>
             <a:r>
               <a:rPr lang="en-US" altLang="zh-CN" dirty="0" smtClean="0"/>
               <a:t>__</a:t>
             </a:r>
             <a:r>
-              <a:rPr lang="zh-CN" altLang="en-US" dirty="0" smtClean="0"/>
-              <a:t>，</a:t>
-            </a:r>
-            <a:r>
-              <a:rPr lang="zh-CN" altLang="en-US" dirty="0"/>
-              <a:t>定义导</a:t>
-            </a:r>
-            <a:r>
-              <a:rPr lang="zh-CN" altLang="en-US" dirty="0" smtClean="0"/>
-              <a:t>入此包时</a:t>
-            </a:r>
-            <a:r>
-              <a:rPr lang="zh-CN" altLang="en-US" dirty="0"/>
-              <a:t>将导入的本包下的哪些</a:t>
-            </a:r>
-            <a:r>
-              <a:rPr lang="zh-CN" altLang="en-US" dirty="0" smtClean="0"/>
-              <a:t>模块。</a:t>
-            </a:r>
-            <a:r>
-              <a:rPr lang="en-US" altLang="zh-CN" dirty="0" smtClean="0"/>
-              <a:t>__all__</a:t>
-            </a:r>
-            <a:r>
-              <a:rPr lang="zh-CN" altLang="en-US" dirty="0" smtClean="0"/>
-              <a:t>也可以定义在模块里，作用类似。</a:t>
+              <a:rPr lang="en-US" altLang="zh-CN" dirty="0" err="1" smtClean="0"/>
+              <a:t>builtin</a:t>
+            </a:r>
+            <a:r>
+              <a:rPr lang="en-US" altLang="zh-CN" dirty="0" smtClean="0"/>
+              <a:t>__</a:t>
+            </a:r>
+            <a:r>
+              <a:rPr lang="zh-CN" altLang="en-US" dirty="0" smtClean="0"/>
+              <a:t>模块，</a:t>
+            </a:r>
+            <a:r>
+              <a:rPr lang="en-US" altLang="zh-CN" dirty="0" smtClean="0"/>
+              <a:t>python</a:t>
+            </a:r>
+            <a:r>
+              <a:rPr lang="zh-CN" altLang="en-US" dirty="0" smtClean="0"/>
+              <a:t>解释器启动时会加载此模块中的名称空间</a:t>
             </a:r>
             <a:endParaRPr lang="en-US" altLang="zh-CN" dirty="0" smtClean="0"/>
           </a:p>
           <a:p>
             <a:r>
-              <a:rPr lang="zh-CN" altLang="en-US" dirty="0" smtClean="0"/>
-              <a:t>多层包：每层下都需要有</a:t>
-            </a:r>
-            <a:r>
-              <a:rPr lang="en-US" altLang="zh-CN" dirty="0" smtClean="0"/>
-              <a:t>__init__.py</a:t>
-            </a:r>
-            <a:r>
-              <a:rPr lang="zh-CN" altLang="en-US" dirty="0" smtClean="0"/>
-              <a:t>文件</a:t>
-            </a:r>
-            <a:endParaRPr lang="en-US" altLang="zh-CN" dirty="0" smtClean="0"/>
-          </a:p>
-          <a:p>
+              <a:rPr lang="zh-CN" altLang="en-US" dirty="0"/>
+              <a:t>可以构建、发布</a:t>
+            </a:r>
+            <a:r>
+              <a:rPr lang="zh-CN" altLang="en-US" dirty="0" smtClean="0"/>
+              <a:t>、开</a:t>
+            </a:r>
+            <a:r>
+              <a:rPr lang="zh-CN" altLang="en-US" dirty="0"/>
+              <a:t>源</a:t>
+            </a:r>
+            <a:r>
+              <a:rPr lang="zh-CN" altLang="en-US" dirty="0" smtClean="0"/>
+              <a:t>自己的模块，在：</a:t>
+            </a:r>
+            <a:r>
+              <a:rPr lang="en-US" altLang="zh-CN" dirty="0"/>
+              <a:t>https://pypi.python.org/pypi</a:t>
+            </a:r>
             <a:endParaRPr lang="zh-CN" altLang="en-US" dirty="0"/>
           </a:p>
         </p:txBody>
@@ -8925,7 +9422,7 @@
     </p:spTree>
     <p:extLst>
       <p:ext uri="{BB962C8B-B14F-4D97-AF65-F5344CB8AC3E}">
-        <p14:creationId xmlns:p14="http://schemas.microsoft.com/office/powerpoint/2010/main" val="2552194005"/>
+        <p14:creationId xmlns:p14="http://schemas.microsoft.com/office/powerpoint/2010/main" val="950963221"/>
       </p:ext>
     </p:extLst>
   </p:cSld>
@@ -8968,28 +9465,8 @@
           <a:lstStyle/>
           <a:p>
             <a:r>
-              <a:rPr lang="zh-CN" altLang="en-US" dirty="0"/>
-              <a:t>如何</a:t>
-            </a:r>
-            <a:r>
-              <a:rPr lang="zh-CN" altLang="en-US" dirty="0" smtClean="0"/>
-              <a:t>执行</a:t>
-            </a:r>
-            <a:r>
-              <a:rPr lang="zh-CN" altLang="en-US" dirty="0"/>
-              <a:t>一个</a:t>
-            </a:r>
-            <a:r>
-              <a:rPr lang="en-US" altLang="zh-CN" dirty="0" smtClean="0"/>
-              <a:t>python</a:t>
-            </a:r>
-            <a:r>
-              <a:rPr lang="zh-CN" altLang="en-US" dirty="0"/>
-              <a:t>文件</a:t>
-            </a:r>
-            <a:r>
-              <a:rPr lang="zh-CN" altLang="en-US" dirty="0" smtClean="0"/>
-              <a:t>的？</a:t>
+              <a:rPr lang="zh-CN" altLang="en-US" dirty="0" smtClean="0"/>
+              <a:t>包</a:t>
             </a:r>
             <a:endParaRPr lang="zh-CN" altLang="en-US" dirty="0"/>
           </a:p>
@@ -9012,110 +9489,124 @@
           <a:p>
             <a:r>
               <a:rPr lang="zh-CN" altLang="en-US" dirty="0"/>
-              <a:t>从最顶层模块开始，</a:t>
+              <a:t>一个含有</a:t>
             </a:r>
             <a:r>
               <a:rPr lang="en-US" altLang="zh-CN" dirty="0"/>
+              <a:t>__init__.py</a:t>
+            </a:r>
+            <a:r>
+              <a:rPr lang="zh-CN" altLang="en-US" dirty="0"/>
+              <a:t>文件的</a:t>
+            </a:r>
+            <a:r>
+              <a:rPr lang="zh-CN" altLang="en-US" dirty="0" smtClean="0"/>
+              <a:t>目录</a:t>
+            </a:r>
+            <a:endParaRPr lang="en-US" altLang="zh-CN" dirty="0" smtClean="0"/>
+          </a:p>
+          <a:p>
+            <a:r>
+              <a:rPr lang="en-US" altLang="zh-CN" dirty="0" smtClean="0"/>
+              <a:t>__init__.py</a:t>
+            </a:r>
+            <a:r>
+              <a:rPr lang="zh-CN" altLang="en-US" dirty="0" smtClean="0"/>
+              <a:t>文件：</a:t>
+            </a:r>
+            <a:r>
+              <a:rPr lang="en-US" altLang="zh-CN" dirty="0" smtClean="0"/>
+              <a:t/>
+            </a:r>
+            <a:br>
+              <a:rPr lang="en-US" altLang="zh-CN" dirty="0" smtClean="0"/>
+            </a:br>
+            <a:r>
+              <a:rPr lang="en-US" altLang="zh-CN" dirty="0" smtClean="0"/>
+              <a:t>		&gt;</a:t>
+            </a:r>
+            <a:r>
+              <a:rPr lang="zh-CN" altLang="en-US" dirty="0" smtClean="0"/>
+              <a:t>文件</a:t>
+            </a:r>
+            <a:r>
+              <a:rPr lang="zh-CN" altLang="en-US" dirty="0"/>
+              <a:t>可以是空的，可以有包的初始化代码</a:t>
+            </a:r>
+            <a:r>
+              <a:rPr lang="zh-CN" altLang="en-US" dirty="0" smtClean="0"/>
+              <a:t>。如可以定义</a:t>
+            </a:r>
+            <a:r>
+              <a:rPr lang="zh-CN" altLang="en-US" dirty="0"/>
+              <a:t>一</a:t>
+            </a:r>
+            <a:r>
+              <a:rPr lang="zh-CN" altLang="en-US" dirty="0" smtClean="0"/>
+              <a:t>个字符串数组</a:t>
+            </a:r>
+            <a:r>
+              <a:rPr lang="zh-CN" altLang="en-US" dirty="0"/>
+              <a:t>变量</a:t>
+            </a:r>
+            <a:r>
+              <a:rPr lang="en-US" altLang="zh-CN" dirty="0" smtClean="0"/>
               <a:t>__</a:t>
             </a:r>
             <a:r>
-              <a:rPr lang="en-US" altLang="zh-CN" dirty="0" err="1"/>
-              <a:t>buidin</a:t>
-            </a:r>
-            <a:r>
               <a:rPr lang="en-US" altLang="zh-CN" dirty="0"/>
+              <a:t>all</a:t>
+            </a:r>
+            <a:r>
+              <a:rPr lang="en-US" altLang="zh-CN" dirty="0" smtClean="0"/>
               <a:t>__</a:t>
             </a:r>
             <a:r>
-              <a:rPr lang="zh-CN" altLang="en-US" dirty="0"/>
-              <a:t>到</a:t>
-            </a:r>
-            <a:r>
-              <a:rPr lang="en-US" altLang="zh-CN" dirty="0"/>
-              <a:t>__main__</a:t>
-            </a:r>
-            <a:r>
-              <a:rPr lang="zh-CN" altLang="en-US" dirty="0" smtClean="0"/>
-              <a:t>模块</a:t>
+              <a:rPr lang="zh-CN" altLang="en-US" dirty="0" smtClean="0"/>
+              <a:t>，</a:t>
+            </a:r>
+            <a:r>
+              <a:rPr lang="zh-CN" altLang="en-US" dirty="0"/>
+              <a:t>定义导</a:t>
+            </a:r>
+            <a:r>
+              <a:rPr lang="zh-CN" altLang="en-US" dirty="0" smtClean="0"/>
+              <a:t>入此包时</a:t>
+            </a:r>
+            <a:r>
+              <a:rPr lang="zh-CN" altLang="en-US" dirty="0"/>
+              <a:t>将导入的本包下的哪些</a:t>
+            </a:r>
+            <a:r>
+              <a:rPr lang="zh-CN" altLang="en-US" dirty="0" smtClean="0"/>
+              <a:t>模块。</a:t>
+            </a:r>
+            <a:r>
+              <a:rPr lang="en-US" altLang="zh-CN" dirty="0" smtClean="0"/>
+              <a:t>__all__</a:t>
+            </a:r>
+            <a:r>
+              <a:rPr lang="zh-CN" altLang="en-US" dirty="0" smtClean="0"/>
+              <a:t>也可以定义在模块里，作用类似。</a:t>
             </a:r>
             <a:endParaRPr lang="en-US" altLang="zh-CN" dirty="0" smtClean="0"/>
           </a:p>
           <a:p>
             <a:r>
-              <a:rPr lang="zh-CN" altLang="en-US" dirty="0"/>
-              <a:t>代码一行行被</a:t>
-            </a:r>
-            <a:r>
-              <a:rPr lang="zh-CN" altLang="en-US" dirty="0" smtClean="0"/>
-              <a:t>执行</a:t>
+              <a:rPr lang="zh-CN" altLang="en-US" dirty="0" smtClean="0"/>
+              <a:t>多层包：每层下都需要有</a:t>
+            </a:r>
+            <a:r>
+              <a:rPr lang="en-US" altLang="zh-CN" dirty="0" smtClean="0"/>
+              <a:t>__init__.py</a:t>
+            </a:r>
+            <a:r>
+              <a:rPr lang="zh-CN" altLang="en-US" dirty="0" smtClean="0"/>
+              <a:t>文件</a:t>
             </a:r>
             <a:endParaRPr lang="en-US" altLang="zh-CN" dirty="0" smtClean="0"/>
           </a:p>
           <a:p>
-            <a:r>
-              <a:rPr lang="zh-CN" altLang="en-US" dirty="0" smtClean="0"/>
-              <a:t>执行导入模块时，被导入模块的</a:t>
-            </a:r>
-            <a:r>
-              <a:rPr lang="en-US" altLang="zh-CN" dirty="0" smtClean="0"/>
-              <a:t>__name__</a:t>
-            </a:r>
-            <a:r>
-              <a:rPr lang="zh-CN" altLang="en-US" dirty="0" smtClean="0"/>
-              <a:t>是模块名本身，被导入模块也会一行行执行</a:t>
-            </a:r>
-            <a:endParaRPr lang="en-US" altLang="zh-CN" dirty="0" smtClean="0"/>
-          </a:p>
-          <a:p>
-            <a:r>
-              <a:rPr lang="zh-CN" altLang="en-US" dirty="0" smtClean="0"/>
-              <a:t>主模块</a:t>
-            </a:r>
-            <a:r>
-              <a:rPr lang="en-US" altLang="zh-CN" dirty="0" smtClean="0"/>
-              <a:t>__</a:t>
-            </a:r>
-            <a:r>
-              <a:rPr lang="en-US" altLang="zh-CN" dirty="0"/>
-              <a:t>name__</a:t>
-            </a:r>
-            <a:r>
-              <a:rPr lang="zh-CN" altLang="en-US" dirty="0"/>
-              <a:t>将被赋值为</a:t>
-            </a:r>
-            <a:r>
-              <a:rPr lang="en-US" altLang="zh-CN" dirty="0"/>
-              <a:t>__main</a:t>
-            </a:r>
-            <a:r>
-              <a:rPr lang="en-US" altLang="zh-CN" dirty="0" smtClean="0"/>
-              <a:t>__</a:t>
-            </a:r>
-          </a:p>
-          <a:p>
-            <a:r>
-              <a:rPr lang="zh-CN" altLang="en-US" dirty="0" smtClean="0"/>
-              <a:t>命令参数</a:t>
-            </a:r>
-            <a:r>
-              <a:rPr lang="zh-CN" altLang="en-US" dirty="0"/>
-              <a:t>输入到了</a:t>
-            </a:r>
-            <a:r>
-              <a:rPr lang="en-US" altLang="zh-CN" dirty="0" err="1"/>
-              <a:t>sys.argv</a:t>
-            </a:r>
-            <a:r>
-              <a:rPr lang="zh-CN" altLang="en-US" dirty="0" smtClean="0"/>
-              <a:t>里</a:t>
-            </a:r>
-            <a:endParaRPr lang="en-US" altLang="zh-CN" dirty="0" smtClean="0"/>
-          </a:p>
-          <a:p>
-            <a:r>
-              <a:rPr lang="zh-CN" altLang="en-US" dirty="0" smtClean="0"/>
-              <a:t>模块中定义的变量名、函数名、类名被记录到名称空间</a:t>
-            </a:r>
             <a:endParaRPr lang="zh-CN" altLang="en-US" dirty="0"/>
           </a:p>
         </p:txBody>
@@ -9123,7 +9614,7 @@
     </p:spTree>
     <p:extLst>
       <p:ext uri="{BB962C8B-B14F-4D97-AF65-F5344CB8AC3E}">
-        <p14:creationId xmlns:p14="http://schemas.microsoft.com/office/powerpoint/2010/main" val="2355597896"/>
+        <p14:creationId xmlns:p14="http://schemas.microsoft.com/office/powerpoint/2010/main" val="2552194005"/>
       </p:ext>
     </p:extLst>
   </p:cSld>
@@ -9166,8 +9657,28 @@
           <a:lstStyle/>
           <a:p>
             <a:r>
-              <a:rPr lang="zh-CN" altLang="en-US" dirty="0" smtClean="0"/>
-              <a:t>内存管理、数据区、虚拟环境</a:t>
+              <a:rPr lang="zh-CN" altLang="en-US" dirty="0"/>
+              <a:t>如何</a:t>
+            </a:r>
+            <a:r>
+              <a:rPr lang="zh-CN" altLang="en-US" dirty="0" smtClean="0"/>
+              <a:t>执行</a:t>
+            </a:r>
+            <a:r>
+              <a:rPr lang="zh-CN" altLang="en-US" dirty="0"/>
+              <a:t>一个</a:t>
+            </a:r>
+            <a:r>
+              <a:rPr lang="en-US" altLang="zh-CN" dirty="0" smtClean="0"/>
+              <a:t>python</a:t>
+            </a:r>
+            <a:r>
+              <a:rPr lang="zh-CN" altLang="en-US" dirty="0"/>
+              <a:t>文件</a:t>
+            </a:r>
+            <a:r>
+              <a:rPr lang="zh-CN" altLang="en-US" dirty="0" smtClean="0"/>
+              <a:t>的？</a:t>
             </a:r>
             <a:endParaRPr lang="zh-CN" altLang="en-US" dirty="0"/>
           </a:p>
@@ -9188,6 +9699,112 @@
           <a:bodyPr/>
           <a:lstStyle/>
           <a:p>
+            <a:r>
+              <a:rPr lang="zh-CN" altLang="en-US" dirty="0"/>
+              <a:t>从最顶层模块开始，</a:t>
+            </a:r>
+            <a:r>
+              <a:rPr lang="en-US" altLang="zh-CN" dirty="0"/>
+              <a:t>__</a:t>
+            </a:r>
+            <a:r>
+              <a:rPr lang="en-US" altLang="zh-CN" dirty="0" err="1"/>
+              <a:t>buidin</a:t>
+            </a:r>
+            <a:r>
+              <a:rPr lang="en-US" altLang="zh-CN" dirty="0"/>
+              <a:t>__</a:t>
+            </a:r>
+            <a:r>
+              <a:rPr lang="zh-CN" altLang="en-US" dirty="0"/>
+              <a:t>到</a:t>
+            </a:r>
+            <a:r>
+              <a:rPr lang="en-US" altLang="zh-CN" dirty="0"/>
+              <a:t>__main__</a:t>
+            </a:r>
+            <a:r>
+              <a:rPr lang="zh-CN" altLang="en-US" dirty="0" smtClean="0"/>
+              <a:t>模块</a:t>
+            </a:r>
+            <a:endParaRPr lang="en-US" altLang="zh-CN" dirty="0" smtClean="0"/>
+          </a:p>
+          <a:p>
+            <a:r>
+              <a:rPr lang="zh-CN" altLang="en-US" dirty="0"/>
+              <a:t>代码一行行被</a:t>
+            </a:r>
+            <a:r>
+              <a:rPr lang="zh-CN" altLang="en-US" dirty="0" smtClean="0"/>
+              <a:t>执行</a:t>
+            </a:r>
+            <a:endParaRPr lang="en-US" altLang="zh-CN" dirty="0" smtClean="0"/>
+          </a:p>
+          <a:p>
+            <a:r>
+              <a:rPr lang="zh-CN" altLang="en-US" dirty="0" smtClean="0"/>
+              <a:t>执行导入模块时，被导入模块的</a:t>
+            </a:r>
+            <a:r>
+              <a:rPr lang="en-US" altLang="zh-CN" dirty="0" smtClean="0"/>
+              <a:t>__name__</a:t>
+            </a:r>
+            <a:r>
+              <a:rPr lang="zh-CN" altLang="en-US" dirty="0" smtClean="0"/>
+              <a:t>是模块名本身，被导入模块也会一行行执行</a:t>
+            </a:r>
+            <a:endParaRPr lang="en-US" altLang="zh-CN" dirty="0" smtClean="0"/>
+          </a:p>
+          <a:p>
+            <a:r>
+              <a:rPr lang="zh-CN" altLang="en-US" dirty="0" smtClean="0"/>
+              <a:t>主模块</a:t>
+            </a:r>
+            <a:r>
+              <a:rPr lang="en-US" altLang="zh-CN" dirty="0" smtClean="0"/>
+              <a:t>__</a:t>
+            </a:r>
+            <a:r>
+              <a:rPr lang="en-US" altLang="zh-CN" dirty="0"/>
+              <a:t>name__</a:t>
+            </a:r>
+            <a:r>
+              <a:rPr lang="zh-CN" altLang="en-US" dirty="0"/>
+              <a:t>将被赋值为</a:t>
+            </a:r>
+            <a:r>
+              <a:rPr lang="en-US" altLang="zh-CN" dirty="0"/>
+              <a:t>__main</a:t>
+            </a:r>
+            <a:r>
+              <a:rPr lang="en-US" altLang="zh-CN" dirty="0" smtClean="0"/>
+              <a:t>__</a:t>
+            </a:r>
+          </a:p>
+          <a:p>
+            <a:r>
+              <a:rPr lang="zh-CN" altLang="en-US" dirty="0" smtClean="0"/>
+              <a:t>命令参数</a:t>
+            </a:r>
+            <a:r>
+              <a:rPr lang="zh-CN" altLang="en-US" dirty="0"/>
+              <a:t>输入到了</a:t>
+            </a:r>
+            <a:r>
+              <a:rPr lang="en-US" altLang="zh-CN" dirty="0" err="1"/>
+              <a:t>sys.argv</a:t>
+            </a:r>
+            <a:r>
+              <a:rPr lang="zh-CN" altLang="en-US" dirty="0" smtClean="0"/>
+              <a:t>里</a:t>
+            </a:r>
+            <a:endParaRPr lang="en-US" altLang="zh-CN" dirty="0" smtClean="0"/>
+          </a:p>
+          <a:p>
+            <a:r>
+              <a:rPr lang="zh-CN" altLang="en-US" dirty="0" smtClean="0"/>
+              <a:t>模块中定义的变量名、函数名、类名被记录到名称空间</a:t>
+            </a:r>
             <a:endParaRPr lang="zh-CN" altLang="en-US" dirty="0"/>
           </a:p>
         </p:txBody>
@@ -9195,7 +9812,7 @@
     </p:spTree>
     <p:extLst>
       <p:ext uri="{BB962C8B-B14F-4D97-AF65-F5344CB8AC3E}">
-        <p14:creationId xmlns:p14="http://schemas.microsoft.com/office/powerpoint/2010/main" val="3757333199"/>
+        <p14:creationId xmlns:p14="http://schemas.microsoft.com/office/powerpoint/2010/main" val="2355597896"/>
       </p:ext>
     </p:extLst>
   </p:cSld>
@@ -9239,11 +9856,7 @@
           <a:p>
             <a:r>
               <a:rPr lang="zh-CN" altLang="en-US" dirty="0" smtClean="0"/>
-              <a:t>标识符</a:t>
-            </a:r>
-            <a:r>
-              <a:rPr lang="en-US" altLang="zh-CN" dirty="0" smtClean="0"/>
-              <a:t>	</a:t>
+              <a:t>内存管理、数据区、虚拟环境</a:t>
             </a:r>
             <a:endParaRPr lang="zh-CN" altLang="en-US" dirty="0"/>
           </a:p>
@@ -9263,83 +9876,6 @@
         <p:txBody>
           <a:bodyPr/>
           <a:lstStyle/>
-          <a:p>
-            <a:r>
-              <a:rPr lang="zh-CN" altLang="en-US" dirty="0" smtClean="0"/>
-              <a:t>区分大小写</a:t>
-            </a:r>
-            <a:endParaRPr lang="en-US" altLang="zh-CN" dirty="0" smtClean="0"/>
-          </a:p>
-          <a:p>
-            <a:r>
-              <a:rPr lang="zh-CN" altLang="en-US" dirty="0" smtClean="0"/>
-              <a:t>数字、字母、下划线构成</a:t>
-            </a:r>
-            <a:endParaRPr lang="en-US" altLang="zh-CN" dirty="0"/>
-          </a:p>
-          <a:p>
-            <a:r>
-              <a:rPr lang="zh-CN" altLang="en-US" dirty="0" smtClean="0"/>
-              <a:t>特殊结构标识符：</a:t>
-            </a:r>
-            <a:r>
-              <a:rPr lang="en-US" altLang="zh-CN" dirty="0"/>
-              <a:t/>
-            </a:r>
-            <a:br>
-              <a:rPr lang="en-US" altLang="zh-CN" dirty="0"/>
-            </a:br>
-            <a:r>
-              <a:rPr lang="en-US" altLang="zh-CN" dirty="0" smtClean="0"/>
-              <a:t>  &gt;_foo</a:t>
-            </a:r>
-            <a:r>
-              <a:rPr lang="zh-CN" altLang="en-US" dirty="0" smtClean="0"/>
-              <a:t>单下划线开头的变量已经私有，不能被子类和外部访问。</a:t>
-            </a:r>
-            <a:r>
-              <a:rPr lang="en-US" altLang="zh-CN" dirty="0" smtClean="0"/>
-              <a:t/>
-            </a:r>
-            <a:br>
-              <a:rPr lang="en-US" altLang="zh-CN" dirty="0" smtClean="0"/>
-            </a:br>
-            <a:r>
-              <a:rPr lang="en-US" altLang="zh-CN" dirty="0" smtClean="0"/>
-              <a:t>	&gt;__foo</a:t>
-            </a:r>
-            <a:r>
-              <a:rPr lang="zh-CN" altLang="en-US" dirty="0" smtClean="0"/>
-              <a:t>双下划线开头的变量用来表示类的私有成员。（其他地方不作定义限制）</a:t>
-            </a:r>
-            <a:r>
-              <a:rPr lang="en-US" altLang="zh-CN" dirty="0" smtClean="0"/>
-              <a:t/>
-            </a:r>
-            <a:br>
-              <a:rPr lang="en-US" altLang="zh-CN" dirty="0" smtClean="0"/>
-            </a:br>
-            <a:r>
-              <a:rPr lang="en-US" altLang="zh-CN" dirty="0" smtClean="0"/>
-              <a:t>  &gt;__</a:t>
-            </a:r>
-            <a:r>
-              <a:rPr lang="en-US" altLang="zh-CN" dirty="0" err="1" smtClean="0"/>
-              <a:t>init</a:t>
-            </a:r>
-            <a:r>
-              <a:rPr lang="en-US" altLang="zh-CN" dirty="0" smtClean="0"/>
-              <a:t>__</a:t>
-            </a:r>
-            <a:r>
-              <a:rPr lang="zh-CN" altLang="en-US" dirty="0" smtClean="0"/>
-              <a:t>双下划线开头和结尾的标识符用来表示类的特殊方法。（可以自定义）</a:t>
-            </a:r>
-            <a:endParaRPr lang="en-US" altLang="zh-CN" dirty="0" smtClean="0"/>
-          </a:p>
-          <a:p>
-            <a:endParaRPr lang="en-US" altLang="zh-CN" dirty="0" smtClean="0"/>
-          </a:p>
           <a:p>
             <a:endParaRPr lang="zh-CN" altLang="en-US" dirty="0"/>
           </a:p>
@@ -9348,7 +9884,7 @@
     </p:spTree>
     <p:extLst>
       <p:ext uri="{BB962C8B-B14F-4D97-AF65-F5344CB8AC3E}">
-        <p14:creationId xmlns:p14="http://schemas.microsoft.com/office/powerpoint/2010/main" val="2195964301"/>
+        <p14:creationId xmlns:p14="http://schemas.microsoft.com/office/powerpoint/2010/main" val="3757333199"/>
       </p:ext>
     </p:extLst>
   </p:cSld>
@@ -9392,7 +9928,11 @@
           <a:p>
             <a:r>
               <a:rPr lang="zh-CN" altLang="en-US" dirty="0" smtClean="0"/>
-              <a:t>关键字</a:t>
+              <a:t>标识符</a:t>
+            </a:r>
+            <a:r>
+              <a:rPr lang="en-US" altLang="zh-CN" dirty="0" smtClean="0"/>
+              <a:t>	</a:t>
             </a:r>
             <a:endParaRPr lang="zh-CN" altLang="en-US" dirty="0"/>
           </a:p>
@@ -9410,155 +9950,80 @@
         </p:nvSpPr>
         <p:spPr/>
         <p:txBody>
-          <a:bodyPr>
-            <a:normAutofit fontScale="85000" lnSpcReduction="20000"/>
-          </a:bodyPr>
+          <a:bodyPr/>
           <a:lstStyle/>
           <a:p>
             <a:r>
               <a:rPr lang="zh-CN" altLang="en-US" dirty="0" smtClean="0"/>
-              <a:t>导入包</a:t>
-            </a:r>
-            <a:r>
-              <a:rPr lang="zh-CN" altLang="en-US" dirty="0"/>
-              <a:t>、</a:t>
-            </a:r>
-            <a:r>
-              <a:rPr lang="zh-CN" altLang="en-US" dirty="0" smtClean="0"/>
-              <a:t>模块</a:t>
-            </a:r>
-            <a:r>
-              <a:rPr lang="en-US" altLang="zh-CN" dirty="0" smtClean="0"/>
-              <a:t>: import , from</a:t>
-            </a:r>
-          </a:p>
-          <a:p>
-            <a:r>
-              <a:rPr lang="zh-CN" altLang="en-US" dirty="0" smtClean="0"/>
-              <a:t>函数定义：</a:t>
+              <a:t>区分大小写</a:t>
+            </a:r>
+            <a:endParaRPr lang="en-US" altLang="zh-CN" dirty="0" smtClean="0"/>
+          </a:p>
+          <a:p>
+            <a:r>
+              <a:rPr lang="zh-CN" altLang="en-US" dirty="0" smtClean="0"/>
+              <a:t>数字、字母、下划线构成</a:t>
+            </a:r>
+            <a:endParaRPr lang="en-US" altLang="zh-CN" dirty="0"/>
+          </a:p>
+          <a:p>
+            <a:r>
+              <a:rPr lang="zh-CN" altLang="en-US" dirty="0" smtClean="0"/>
+              <a:t>特殊结构标识符：</a:t>
+            </a:r>
+            <a:r>
+              <a:rPr lang="en-US" altLang="zh-CN" dirty="0"/>
+              <a:t/>
+            </a:r>
+            <a:br>
+              <a:rPr lang="en-US" altLang="zh-CN" dirty="0"/>
+            </a:br>
+            <a:r>
+              <a:rPr lang="en-US" altLang="zh-CN" dirty="0" smtClean="0"/>
+              <a:t>  &gt;_foo</a:t>
+            </a:r>
+            <a:r>
+              <a:rPr lang="zh-CN" altLang="en-US" dirty="0" smtClean="0"/>
+              <a:t>单下划线开头的变量已经私有，不能被子类和外部访问。</a:t>
+            </a:r>
+            <a:r>
+              <a:rPr lang="en-US" altLang="zh-CN" dirty="0" smtClean="0"/>
+              <a:t/>
+            </a:r>
+            <a:br>
+              <a:rPr lang="en-US" altLang="zh-CN" dirty="0" smtClean="0"/>
+            </a:br>
+            <a:r>
+              <a:rPr lang="en-US" altLang="zh-CN" dirty="0" smtClean="0"/>
+              <a:t>	&gt;__foo</a:t>
+            </a:r>
+            <a:r>
+              <a:rPr lang="zh-CN" altLang="en-US" dirty="0" smtClean="0"/>
+              <a:t>双下划线开头的变量用来表示类的私有成员。（其他地方不作定义限制）</a:t>
+            </a:r>
+            <a:r>
+              <a:rPr lang="en-US" altLang="zh-CN" dirty="0" smtClean="0"/>
+              <a:t/>
+            </a:r>
+            <a:br>
+              <a:rPr lang="en-US" altLang="zh-CN" dirty="0" smtClean="0"/>
+            </a:br>
+            <a:r>
+              <a:rPr lang="en-US" altLang="zh-CN" dirty="0" smtClean="0"/>
+              <a:t>  &gt;__</a:t>
             </a:r>
             <a:r>
               <a:rPr lang="en-US" altLang="zh-CN" dirty="0" err="1" smtClean="0"/>
-              <a:t>def</a:t>
-            </a:r>
-            <a:r>
-              <a:rPr lang="en-US" altLang="zh-CN" dirty="0" smtClean="0"/>
-              <a:t> </a:t>
-            </a:r>
-          </a:p>
-          <a:p>
-            <a:r>
-              <a:rPr lang="zh-CN" altLang="en-US" dirty="0" smtClean="0"/>
-              <a:t>类定义：</a:t>
-            </a:r>
-            <a:r>
-              <a:rPr lang="en-US" altLang="zh-CN" dirty="0" smtClean="0"/>
-              <a:t>class</a:t>
-            </a:r>
-          </a:p>
-          <a:p>
-            <a:r>
-              <a:rPr lang="zh-CN" altLang="en-US" dirty="0" smtClean="0"/>
-              <a:t>控制台输出：</a:t>
-            </a:r>
-            <a:r>
-              <a:rPr lang="en-US" altLang="zh-CN" dirty="0" smtClean="0"/>
-              <a:t>print</a:t>
-            </a:r>
-          </a:p>
-          <a:p>
-            <a:r>
-              <a:rPr lang="zh-CN" altLang="en-US" dirty="0" smtClean="0"/>
-              <a:t>逻辑运算：</a:t>
-            </a:r>
-            <a:r>
-              <a:rPr lang="en-US" altLang="zh-CN" dirty="0" smtClean="0"/>
-              <a:t>and or not</a:t>
-            </a:r>
-          </a:p>
-          <a:p>
-            <a:r>
-              <a:rPr lang="zh-CN" altLang="en-US" dirty="0" smtClean="0"/>
-              <a:t>流程控制：</a:t>
-            </a:r>
-            <a:r>
-              <a:rPr lang="en-US" altLang="zh-CN" dirty="0" smtClean="0"/>
-              <a:t>if </a:t>
-            </a:r>
-            <a:r>
-              <a:rPr lang="en-US" altLang="zh-CN" dirty="0" err="1" smtClean="0"/>
-              <a:t>elif</a:t>
-            </a:r>
-            <a:r>
-              <a:rPr lang="en-US" altLang="zh-CN" dirty="0" smtClean="0"/>
-              <a:t> else , for ,while, break </a:t>
-            </a:r>
-            <a:r>
-              <a:rPr lang="en-US" altLang="zh-CN" dirty="0" err="1" smtClean="0"/>
-              <a:t>cotinue</a:t>
-            </a:r>
-            <a:endParaRPr lang="en-US" altLang="zh-CN" dirty="0" smtClean="0"/>
-          </a:p>
-          <a:p>
-            <a:r>
-              <a:rPr lang="zh-CN" altLang="en-US" dirty="0" smtClean="0"/>
-              <a:t>异常处理：</a:t>
-            </a:r>
-            <a:r>
-              <a:rPr lang="en-US" altLang="zh-CN" dirty="0" smtClean="0"/>
-              <a:t>try catch finally else  raise</a:t>
-            </a:r>
-          </a:p>
-          <a:p>
-            <a:r>
-              <a:rPr lang="zh-CN" altLang="en-US" dirty="0" smtClean="0"/>
-              <a:t>匿名函数：</a:t>
-            </a:r>
-            <a:r>
-              <a:rPr lang="en-US" altLang="zh-CN" dirty="0" smtClean="0"/>
-              <a:t>lambda</a:t>
-            </a:r>
-          </a:p>
-          <a:p>
-            <a:r>
-              <a:rPr lang="zh-CN" altLang="en-US" dirty="0" smtClean="0"/>
-              <a:t>生成器：</a:t>
-            </a:r>
-            <a:r>
-              <a:rPr lang="en-US" altLang="zh-CN" dirty="0" smtClean="0"/>
-              <a:t>yield</a:t>
-            </a:r>
-          </a:p>
-          <a:p>
-            <a:r>
-              <a:rPr lang="zh-CN" altLang="en-US" dirty="0" smtClean="0"/>
-              <a:t>空语句：</a:t>
-            </a:r>
-            <a:r>
-              <a:rPr lang="en-US" altLang="zh-CN" dirty="0" smtClean="0"/>
-              <a:t>pass</a:t>
-            </a:r>
-          </a:p>
-          <a:p>
-            <a:r>
-              <a:rPr lang="zh-CN" altLang="en-US" dirty="0" smtClean="0"/>
-              <a:t>变量销毁：</a:t>
-            </a:r>
-            <a:r>
-              <a:rPr lang="en-US" altLang="zh-CN" dirty="0" smtClean="0"/>
-              <a:t>del</a:t>
-            </a:r>
-          </a:p>
-          <a:p>
-            <a:r>
-              <a:rPr lang="en-US" altLang="zh-CN" dirty="0" smtClean="0"/>
-              <a:t>…</a:t>
-            </a:r>
-          </a:p>
-          <a:p>
-            <a:endParaRPr lang="en-US" altLang="zh-CN" dirty="0" smtClean="0"/>
-          </a:p>
-          <a:p>
+              <a:t>init</a:t>
+            </a:r>
+            <a:r>
+              <a:rPr lang="en-US" altLang="zh-CN" dirty="0" smtClean="0"/>
+              <a:t>__</a:t>
+            </a:r>
+            <a:r>
+              <a:rPr lang="zh-CN" altLang="en-US" dirty="0" smtClean="0"/>
+              <a:t>双下划线开头和结尾的标识符用来表示类的特殊方法。（可以自定义）</a:t>
+            </a:r>
             <a:endParaRPr lang="en-US" altLang="zh-CN" dirty="0" smtClean="0"/>
           </a:p>
           <a:p>
@@ -9572,7 +10037,7 @@
     </p:spTree>
     <p:extLst>
       <p:ext uri="{BB962C8B-B14F-4D97-AF65-F5344CB8AC3E}">
-        <p14:creationId xmlns:p14="http://schemas.microsoft.com/office/powerpoint/2010/main" val="3780016908"/>
+        <p14:creationId xmlns:p14="http://schemas.microsoft.com/office/powerpoint/2010/main" val="2195964301"/>
       </p:ext>
     </p:extLst>
   </p:cSld>
@@ -9695,7 +10160,7 @@
           <a:p>
             <a:r>
               <a:rPr lang="zh-CN" altLang="en-US" dirty="0" smtClean="0"/>
-              <a:t>语句层次结构的组织</a:t>
+              <a:t>关键字</a:t>
             </a:r>
             <a:endParaRPr lang="zh-CN" altLang="en-US" dirty="0"/>
           </a:p>
@@ -9713,47 +10178,158 @@
         </p:nvSpPr>
         <p:spPr/>
         <p:txBody>
-          <a:bodyPr/>
+          <a:bodyPr>
+            <a:normAutofit fontScale="85000" lnSpcReduction="20000"/>
+          </a:bodyPr>
           <a:lstStyle/>
           <a:p>
             <a:r>
               <a:rPr lang="zh-CN" altLang="en-US" dirty="0" smtClean="0"/>
-              <a:t>使用冒号</a:t>
-            </a:r>
-            <a:r>
-              <a:rPr lang="zh-CN" altLang="en-US" dirty="0"/>
-              <a:t>和</a:t>
-            </a:r>
-            <a:r>
-              <a:rPr lang="zh-CN" altLang="en-US" dirty="0" smtClean="0"/>
-              <a:t>缩进而不使用</a:t>
-            </a:r>
-            <a:r>
-              <a:rPr lang="en-US" altLang="zh-CN" dirty="0" smtClean="0"/>
-              <a:t>{}</a:t>
-            </a:r>
-            <a:r>
-              <a:rPr lang="zh-CN" altLang="en-US" dirty="0" smtClean="0"/>
-              <a:t>来包围流程控制体、函数体、类体</a:t>
-            </a:r>
-            <a:endParaRPr lang="en-US" altLang="zh-CN" dirty="0"/>
-          </a:p>
-          <a:p>
-            <a:r>
-              <a:rPr lang="zh-CN" altLang="en-US" dirty="0"/>
-              <a:t>一个</a:t>
-            </a:r>
-            <a:r>
-              <a:rPr lang="zh-CN" altLang="en-US" dirty="0" smtClean="0"/>
-              <a:t>代码块每行语句有相同的缩进（空白数量）、同层次语句有相同缩进</a:t>
+              <a:t>导入包</a:t>
+            </a:r>
+            <a:r>
+              <a:rPr lang="zh-CN" altLang="en-US" dirty="0"/>
+              <a:t>、</a:t>
+            </a:r>
+            <a:r>
+              <a:rPr lang="zh-CN" altLang="en-US" dirty="0" smtClean="0"/>
+              <a:t>模块</a:t>
+            </a:r>
+            <a:r>
+              <a:rPr lang="en-US" altLang="zh-CN" dirty="0" smtClean="0"/>
+              <a:t>: import , from</a:t>
+            </a:r>
+          </a:p>
+          <a:p>
+            <a:r>
+              <a:rPr lang="zh-CN" altLang="en-US" dirty="0" smtClean="0"/>
+              <a:t>函数定义：</a:t>
+            </a:r>
+            <a:r>
+              <a:rPr lang="en-US" altLang="zh-CN" dirty="0" err="1" smtClean="0"/>
+              <a:t>def</a:t>
+            </a:r>
+            <a:r>
+              <a:rPr lang="en-US" altLang="zh-CN" dirty="0" smtClean="0"/>
+              <a:t> </a:t>
+            </a:r>
+          </a:p>
+          <a:p>
+            <a:r>
+              <a:rPr lang="zh-CN" altLang="en-US" dirty="0" smtClean="0"/>
+              <a:t>类定义：</a:t>
+            </a:r>
+            <a:r>
+              <a:rPr lang="en-US" altLang="zh-CN" dirty="0" smtClean="0"/>
+              <a:t>class</a:t>
+            </a:r>
+          </a:p>
+          <a:p>
+            <a:r>
+              <a:rPr lang="zh-CN" altLang="en-US" dirty="0" smtClean="0"/>
+              <a:t>控制台输出：</a:t>
+            </a:r>
+            <a:r>
+              <a:rPr lang="en-US" altLang="zh-CN" dirty="0" smtClean="0"/>
+              <a:t>print</a:t>
+            </a:r>
+          </a:p>
+          <a:p>
+            <a:r>
+              <a:rPr lang="zh-CN" altLang="en-US" dirty="0" smtClean="0"/>
+              <a:t>逻辑运算：</a:t>
+            </a:r>
+            <a:r>
+              <a:rPr lang="en-US" altLang="zh-CN" dirty="0" smtClean="0"/>
+              <a:t>and or not</a:t>
+            </a:r>
+          </a:p>
+          <a:p>
+            <a:r>
+              <a:rPr lang="zh-CN" altLang="en-US" dirty="0" smtClean="0"/>
+              <a:t>流程控制：</a:t>
+            </a:r>
+            <a:r>
+              <a:rPr lang="en-US" altLang="zh-CN" dirty="0" smtClean="0"/>
+              <a:t>if </a:t>
+            </a:r>
+            <a:r>
+              <a:rPr lang="en-US" altLang="zh-CN" dirty="0" err="1" smtClean="0"/>
+              <a:t>elif</a:t>
+            </a:r>
+            <a:r>
+              <a:rPr lang="en-US" altLang="zh-CN" dirty="0" smtClean="0"/>
+              <a:t> else , for ,while, break </a:t>
+            </a:r>
+            <a:r>
+              <a:rPr lang="en-US" altLang="zh-CN" dirty="0" err="1" smtClean="0"/>
+              <a:t>cotinue</a:t>
             </a:r>
             <a:endParaRPr lang="en-US" altLang="zh-CN" dirty="0" smtClean="0"/>
           </a:p>
           <a:p>
             <a:r>
               <a:rPr lang="zh-CN" altLang="en-US" dirty="0" smtClean="0"/>
-              <a:t>里层语句比外层语句有更多缩进</a:t>
-            </a:r>
+              <a:t>异常处理：</a:t>
+            </a:r>
+            <a:r>
+              <a:rPr lang="en-US" altLang="zh-CN" dirty="0" smtClean="0"/>
+              <a:t>try catch finally else  raise</a:t>
+            </a:r>
+          </a:p>
+          <a:p>
+            <a:r>
+              <a:rPr lang="zh-CN" altLang="en-US" dirty="0" smtClean="0"/>
+              <a:t>匿名函数：</a:t>
+            </a:r>
+            <a:r>
+              <a:rPr lang="en-US" altLang="zh-CN" dirty="0" smtClean="0"/>
+              <a:t>lambda</a:t>
+            </a:r>
+          </a:p>
+          <a:p>
+            <a:r>
+              <a:rPr lang="zh-CN" altLang="en-US" dirty="0" smtClean="0"/>
+              <a:t>生成器：</a:t>
+            </a:r>
+            <a:r>
+              <a:rPr lang="en-US" altLang="zh-CN" dirty="0" smtClean="0"/>
+              <a:t>yield</a:t>
+            </a:r>
+          </a:p>
+          <a:p>
+            <a:r>
+              <a:rPr lang="zh-CN" altLang="en-US" dirty="0" smtClean="0"/>
+              <a:t>空语句：</a:t>
+            </a:r>
+            <a:r>
+              <a:rPr lang="en-US" altLang="zh-CN" dirty="0" smtClean="0"/>
+              <a:t>pass</a:t>
+            </a:r>
+          </a:p>
+          <a:p>
+            <a:r>
+              <a:rPr lang="zh-CN" altLang="en-US" dirty="0" smtClean="0"/>
+              <a:t>变量销毁：</a:t>
+            </a:r>
+            <a:r>
+              <a:rPr lang="en-US" altLang="zh-CN" dirty="0" smtClean="0"/>
+              <a:t>del</a:t>
+            </a:r>
+          </a:p>
+          <a:p>
+            <a:r>
+              <a:rPr lang="en-US" altLang="zh-CN" dirty="0" smtClean="0"/>
+              <a:t>…</a:t>
+            </a:r>
+          </a:p>
+          <a:p>
+            <a:endParaRPr lang="en-US" altLang="zh-CN" dirty="0" smtClean="0"/>
+          </a:p>
+          <a:p>
+            <a:endParaRPr lang="en-US" altLang="zh-CN" dirty="0" smtClean="0"/>
+          </a:p>
+          <a:p>
             <a:endParaRPr lang="en-US" altLang="zh-CN" dirty="0" smtClean="0"/>
           </a:p>
           <a:p>
@@ -9764,7 +10340,7 @@
     </p:spTree>
     <p:extLst>
       <p:ext uri="{BB962C8B-B14F-4D97-AF65-F5344CB8AC3E}">
-        <p14:creationId xmlns:p14="http://schemas.microsoft.com/office/powerpoint/2010/main" val="3642308313"/>
+        <p14:creationId xmlns:p14="http://schemas.microsoft.com/office/powerpoint/2010/main" val="3780016908"/>
       </p:ext>
     </p:extLst>
   </p:cSld>
@@ -9807,9 +10383,10 @@
           <a:lstStyle/>
           <a:p>
             <a:r>
-              <a:rPr lang="zh-CN" altLang="en-US" dirty="0"/>
-              <a:t>数据类型</a:t>
-            </a:r>
+              <a:rPr lang="zh-CN" altLang="en-US" dirty="0" smtClean="0"/>
+              <a:t>运算符、内建运算函数</a:t>
+            </a:r>
+            <a:endParaRPr lang="zh-CN" altLang="en-US" dirty="0"/>
           </a:p>
         </p:txBody>
       </p:sp>
@@ -9825,34 +10402,60 @@
         </p:nvSpPr>
         <p:spPr/>
         <p:txBody>
-          <a:bodyPr>
-            <a:normAutofit fontScale="92500" lnSpcReduction="10000"/>
-          </a:bodyPr>
+          <a:bodyPr/>
           <a:lstStyle/>
           <a:p>
             <a:r>
-              <a:rPr lang="zh-CN" altLang="en-US" dirty="0" smtClean="0"/>
-              <a:t>基本类型：</a:t>
-            </a:r>
-            <a:r>
-              <a:rPr lang="en-US" altLang="zh-CN" dirty="0" err="1" smtClean="0"/>
-              <a:t>int</a:t>
-            </a:r>
-            <a:r>
-              <a:rPr lang="en-US" altLang="zh-CN" dirty="0" smtClean="0"/>
-              <a:t>, long, float, complex</a:t>
-            </a:r>
-            <a:r>
-              <a:rPr lang="zh-CN" altLang="en-US" dirty="0" smtClean="0"/>
-              <a:t>（复数，如</a:t>
-            </a:r>
-            <a:r>
-              <a:rPr lang="en-US" altLang="zh-CN" dirty="0" smtClean="0"/>
-              <a:t>4j</a:t>
-            </a:r>
-            <a:r>
-              <a:rPr lang="zh-CN" altLang="en-US" dirty="0" smtClean="0"/>
-              <a:t>）</a:t>
+              <a:rPr lang="zh-CN" altLang="en-US" dirty="0"/>
+              <a:t>计算</a:t>
+            </a:r>
+            <a:r>
+              <a:rPr lang="zh-CN" altLang="en-US" dirty="0" smtClean="0"/>
+              <a:t>： </a:t>
+            </a:r>
+            <a:endParaRPr lang="en-US" altLang="zh-CN" dirty="0" smtClean="0"/>
+          </a:p>
+          <a:p>
+            <a:pPr lvl="1"/>
+            <a:r>
+              <a:rPr lang="en-US" altLang="zh-CN" dirty="0" smtClean="0"/>
+              <a:t>+, -, *, %, </a:t>
+            </a:r>
+            <a:r>
+              <a:rPr lang="en-US" altLang="zh-CN" dirty="0"/>
+              <a:t>/(</a:t>
+            </a:r>
+            <a:r>
+              <a:rPr lang="zh-CN" altLang="en-US" dirty="0"/>
+              <a:t>全是整数则整除</a:t>
+            </a:r>
+            <a:r>
+              <a:rPr lang="en-US" altLang="zh-CN" dirty="0"/>
+              <a:t>) </a:t>
+            </a:r>
+            <a:r>
+              <a:rPr lang="en-US" altLang="zh-CN" dirty="0" smtClean="0"/>
+              <a:t>,//(</a:t>
+            </a:r>
+            <a:r>
+              <a:rPr lang="zh-CN" altLang="en-US" dirty="0"/>
+              <a:t>小数整除</a:t>
+            </a:r>
+            <a:r>
+              <a:rPr lang="en-US" altLang="zh-CN" dirty="0" smtClean="0"/>
+              <a:t>),  </a:t>
+            </a:r>
+            <a:r>
+              <a:rPr lang="en-US" altLang="zh-CN" dirty="0"/>
+              <a:t>**</a:t>
+            </a:r>
+            <a:r>
+              <a:rPr lang="zh-CN" altLang="en-US" dirty="0"/>
+              <a:t>幂</a:t>
+            </a:r>
+            <a:r>
+              <a:rPr lang="zh-CN" altLang="en-US" dirty="0" smtClean="0"/>
+              <a:t>乘方</a:t>
             </a:r>
             <a:r>
               <a:rPr lang="en-US" altLang="zh-CN" dirty="0" smtClean="0"/>
@@ -9860,269 +10463,158 @@
             </a:r>
             <a:r>
               <a:rPr lang="zh-CN" altLang="en-US" dirty="0" smtClean="0"/>
-              <a:t>字符串</a:t>
+              <a:t>  </a:t>
+            </a:r>
+            <a:r>
+              <a:rPr lang="en-US" altLang="zh-CN" dirty="0"/>
+              <a:t>round(a,2)</a:t>
+            </a:r>
+            <a:r>
+              <a:rPr lang="zh-CN" altLang="en-US" dirty="0"/>
+              <a:t>刚好</a:t>
+            </a:r>
+            <a:r>
+              <a:rPr lang="en-US" altLang="zh-CN" dirty="0"/>
+              <a:t>5</a:t>
+            </a:r>
+            <a:r>
+              <a:rPr lang="zh-CN" altLang="en-US" dirty="0"/>
+              <a:t>舍大于</a:t>
+            </a:r>
+            <a:r>
+              <a:rPr lang="en-US" altLang="zh-CN" dirty="0"/>
+              <a:t>5</a:t>
+            </a:r>
+            <a:r>
+              <a:rPr lang="zh-CN" altLang="en-US" dirty="0" smtClean="0"/>
+              <a:t>入 </a:t>
             </a:r>
             <a:endParaRPr lang="en-US" altLang="zh-CN" dirty="0" smtClean="0"/>
           </a:p>
           <a:p>
-            <a:r>
-              <a:rPr lang="zh-CN" altLang="en-US" dirty="0" smtClean="0"/>
-              <a:t>基本类型的方法：字符串：可以下标访问：</a:t>
-            </a:r>
-            <a:r>
-              <a:rPr lang="en-US" altLang="zh-CN" dirty="0" err="1" smtClean="0"/>
-              <a:t>str</a:t>
-            </a:r>
-            <a:r>
-              <a:rPr lang="en-US" altLang="zh-CN" dirty="0" smtClean="0"/>
-              <a:t>[1:3]…</a:t>
-            </a:r>
-          </a:p>
-          <a:p>
-            <a:r>
-              <a:rPr lang="zh-CN" altLang="en-US" dirty="0" smtClean="0"/>
-              <a:t>基本数据类型之间的转换：</a:t>
-            </a:r>
-            <a:r>
-              <a:rPr lang="en-US" altLang="zh-CN" dirty="0" err="1" smtClean="0"/>
-              <a:t>int</a:t>
-            </a:r>
-            <a:r>
-              <a:rPr lang="en-US" altLang="zh-CN" dirty="0" smtClean="0"/>
-              <a:t>(o), float(o), </a:t>
-            </a:r>
-            <a:r>
-              <a:rPr lang="en-US" altLang="zh-CN" dirty="0" err="1" smtClean="0"/>
-              <a:t>str</a:t>
-            </a:r>
-            <a:r>
-              <a:rPr lang="en-US" altLang="zh-CN" dirty="0" smtClean="0"/>
-              <a:t>(o) o</a:t>
-            </a:r>
-            <a:r>
-              <a:rPr lang="zh-CN" altLang="en-US" dirty="0" smtClean="0"/>
-              <a:t>可以为字符串或数字</a:t>
+            <a:pPr lvl="1"/>
+            <a:r>
+              <a:rPr lang="en-US" altLang="zh-CN" dirty="0" smtClean="0"/>
+              <a:t>&amp;, | ,^,  ~ </a:t>
+            </a:r>
+            <a:r>
+              <a:rPr lang="zh-CN" altLang="en-US" dirty="0" smtClean="0"/>
+              <a:t>位逻辑运算符</a:t>
+            </a:r>
+            <a:r>
+              <a:rPr lang="zh-CN" altLang="en-US" dirty="0"/>
+              <a:t>。</a:t>
+            </a:r>
+            <a:r>
+              <a:rPr lang="zh-CN" altLang="en-US" dirty="0" smtClean="0"/>
+              <a:t> </a:t>
+            </a:r>
+            <a:r>
+              <a:rPr lang="en-US" altLang="zh-CN" dirty="0" smtClean="0"/>
+              <a:t>&gt;&gt; , &lt;&lt;</a:t>
+            </a:r>
+            <a:r>
+              <a:rPr lang="zh-CN" altLang="en-US" dirty="0" smtClean="0"/>
+              <a:t>位运算   </a:t>
             </a:r>
             <a:endParaRPr lang="en-US" altLang="zh-CN" dirty="0" smtClean="0"/>
           </a:p>
           <a:p>
-            <a:r>
-              <a:rPr lang="zh-CN" altLang="en-US" dirty="0" smtClean="0"/>
-              <a:t>集合类型：</a:t>
+            <a:pPr lvl="1"/>
+            <a:r>
+              <a:rPr lang="en-US" altLang="zh-CN" dirty="0" smtClean="0"/>
+              <a:t>and, not ,or </a:t>
+            </a:r>
+            <a:r>
+              <a:rPr lang="zh-CN" altLang="en-US" dirty="0" smtClean="0"/>
+              <a:t>逻辑运算符</a:t>
             </a:r>
             <a:endParaRPr lang="en-US" altLang="zh-CN" dirty="0" smtClean="0"/>
           </a:p>
           <a:p>
             <a:pPr lvl="1"/>
             <a:r>
-              <a:rPr lang="zh-CN" altLang="en-US" dirty="0" smtClean="0"/>
-              <a:t>列表</a:t>
-            </a:r>
-            <a:r>
-              <a:rPr lang="en-US" altLang="zh-CN" dirty="0" smtClean="0"/>
-              <a:t>list</a:t>
-            </a:r>
-            <a:r>
-              <a:rPr lang="zh-CN" altLang="en-US" dirty="0" smtClean="0"/>
-              <a:t>：如 </a:t>
-            </a:r>
-            <a:r>
-              <a:rPr lang="en-US" altLang="zh-CN" dirty="0" smtClean="0"/>
-              <a:t>[3,4,5]</a:t>
-            </a:r>
-            <a:r>
-              <a:rPr lang="zh-CN" altLang="en-US" dirty="0"/>
+              <a:rPr lang="en-US" altLang="zh-CN" dirty="0" smtClean="0"/>
+              <a:t>in,  not in</a:t>
+            </a:r>
+            <a:r>
+              <a:rPr lang="zh-CN" altLang="en-US" dirty="0" smtClean="0"/>
+              <a:t>成员运算符    例如：</a:t>
+            </a:r>
+            <a:r>
+              <a:rPr lang="en-US" altLang="zh-CN" dirty="0" smtClean="0"/>
+              <a:t>a in list</a:t>
+            </a:r>
+          </a:p>
+          <a:p>
+            <a:pPr lvl="1"/>
+            <a:r>
+              <a:rPr lang="en-US" altLang="zh-CN" dirty="0"/>
+              <a:t>i</a:t>
+            </a:r>
+            <a:r>
+              <a:rPr lang="en-US" altLang="zh-CN" dirty="0" smtClean="0"/>
+              <a:t>s, not is</a:t>
+            </a:r>
+            <a:r>
+              <a:rPr lang="zh-CN" altLang="en-US" dirty="0" smtClean="0"/>
+              <a:t>身份运算  ，变量的引用是否相同  </a:t>
+            </a:r>
+            <a:endParaRPr lang="en-US" altLang="zh-CN" dirty="0" smtClean="0"/>
+          </a:p>
+          <a:p>
+            <a:pPr lvl="1"/>
+            <a:r>
+              <a:rPr lang="en-US" altLang="zh-CN" dirty="0" smtClean="0"/>
+              <a:t>&lt; , &gt; ,==, != ,&lt;=,&gt;=</a:t>
+            </a:r>
+            <a:r>
+              <a:rPr lang="zh-CN" altLang="en-US" dirty="0" smtClean="0"/>
+              <a:t>比较运算符</a:t>
+            </a:r>
+            <a:endParaRPr lang="en-US" altLang="zh-CN" dirty="0" smtClean="0"/>
+          </a:p>
+          <a:p>
+            <a:r>
+              <a:rPr lang="zh-CN" altLang="en-US" dirty="0" smtClean="0"/>
+              <a:t>赋值：</a:t>
+            </a:r>
+            <a:r>
+              <a:rPr lang="en-US" altLang="zh-CN" dirty="0" smtClean="0"/>
+              <a:t>= </a:t>
+            </a:r>
+            <a:r>
+              <a:rPr lang="zh-CN" altLang="en-US" dirty="0" smtClean="0"/>
+              <a:t>多重赋值：   </a:t>
+            </a:r>
+            <a:r>
+              <a:rPr lang="en-US" altLang="zh-CN" dirty="0" smtClean="0"/>
+              <a:t>var1,var2,</a:t>
+            </a:r>
+            <a:r>
+              <a:rPr lang="en-US" altLang="zh-CN" dirty="0"/>
               <a:t> </a:t>
             </a:r>
             <a:r>
-              <a:rPr lang="zh-CN" altLang="en-US" dirty="0" smtClean="0"/>
-              <a:t>是有序元素集合。可以下标读写。</a:t>
-            </a:r>
+              <a:rPr lang="en-US" altLang="zh-CN" dirty="0" smtClean="0"/>
+              <a:t>var3 = val1,val2,val3</a:t>
+            </a:r>
+          </a:p>
+          <a:p>
+            <a:pPr marL="0" indent="0">
+              <a:buNone/>
+            </a:pPr>
             <a:endParaRPr lang="en-US" altLang="zh-CN" dirty="0" smtClean="0"/>
           </a:p>
           <a:p>
-            <a:pPr lvl="1"/>
-            <a:r>
-              <a:rPr lang="zh-CN" altLang="en-US" dirty="0" smtClean="0"/>
-              <a:t>元组</a:t>
-            </a:r>
-            <a:r>
-              <a:rPr lang="en-US" altLang="zh-CN" dirty="0" smtClean="0"/>
-              <a:t>tuple</a:t>
-            </a:r>
-            <a:r>
-              <a:rPr lang="zh-CN" altLang="en-US" dirty="0" smtClean="0"/>
-              <a:t>：如</a:t>
-            </a:r>
-            <a:r>
-              <a:rPr lang="en-US" altLang="zh-CN" dirty="0" smtClean="0"/>
-              <a:t>(3,4,5) </a:t>
-            </a:r>
-            <a:r>
-              <a:rPr lang="zh-CN" altLang="en-US" dirty="0" smtClean="0"/>
-              <a:t>是有序元素集合，但只能读，不能再次赋值。如函数参数列表。</a:t>
-            </a:r>
-            <a:endParaRPr lang="en-US" altLang="zh-CN" dirty="0" smtClean="0"/>
-          </a:p>
-          <a:p>
-            <a:pPr lvl="1"/>
-            <a:r>
-              <a:rPr lang="zh-CN" altLang="en-US" dirty="0" smtClean="0"/>
-              <a:t>集合</a:t>
-            </a:r>
-            <a:r>
-              <a:rPr lang="en-US" altLang="zh-CN" dirty="0" smtClean="0"/>
-              <a:t>set</a:t>
-            </a:r>
-            <a:r>
-              <a:rPr lang="zh-CN" altLang="en-US" dirty="0" smtClean="0"/>
-              <a:t>：如</a:t>
-            </a:r>
-            <a:r>
-              <a:rPr lang="en-US" altLang="zh-CN" dirty="0" smtClean="0"/>
-              <a:t>set()</a:t>
-            </a:r>
-            <a:r>
-              <a:rPr lang="zh-CN" altLang="en-US" dirty="0" smtClean="0"/>
-              <a:t>是无序不重复元素集合。</a:t>
-            </a:r>
-            <a:endParaRPr lang="en-US" altLang="zh-CN" dirty="0" smtClean="0"/>
-          </a:p>
-          <a:p>
-            <a:pPr lvl="1"/>
-            <a:r>
-              <a:rPr lang="zh-CN" altLang="en-US" dirty="0" smtClean="0"/>
-              <a:t>字典</a:t>
-            </a:r>
-            <a:r>
-              <a:rPr lang="en-US" altLang="zh-CN" dirty="0" err="1" smtClean="0"/>
-              <a:t>dict</a:t>
-            </a:r>
-            <a:r>
-              <a:rPr lang="zh-CN" altLang="en-US" dirty="0" smtClean="0"/>
-              <a:t>：如</a:t>
-            </a:r>
-            <a:r>
-              <a:rPr lang="en-US" altLang="zh-CN" dirty="0" smtClean="0"/>
-              <a:t>{‘infoId’:455444,’title’:’xxxxx’},</a:t>
-            </a:r>
-            <a:r>
-              <a:rPr lang="zh-CN" altLang="en-US" dirty="0" smtClean="0"/>
-              <a:t>无序键值对集合，可读写，只能</a:t>
-            </a:r>
-            <a:r>
-              <a:rPr lang="en-US" altLang="zh-CN" dirty="0" smtClean="0"/>
-              <a:t>map[key]</a:t>
-            </a:r>
-            <a:r>
-              <a:rPr lang="zh-CN" altLang="en-US" dirty="0" smtClean="0"/>
-              <a:t>，</a:t>
-            </a:r>
-            <a:r>
-              <a:rPr lang="en-US" altLang="zh-CN" dirty="0" smtClean="0"/>
-              <a:t>			</a:t>
-            </a:r>
-            <a:r>
-              <a:rPr lang="zh-CN" altLang="en-US" dirty="0" smtClean="0"/>
-              <a:t>不能</a:t>
-            </a:r>
-            <a:r>
-              <a:rPr lang="en-US" altLang="zh-CN" dirty="0" err="1" smtClean="0"/>
-              <a:t>map.key</a:t>
-            </a:r>
-            <a:r>
-              <a:rPr lang="zh-CN" altLang="en-US" dirty="0" smtClean="0"/>
-              <a:t>，后者是属性访问方式。</a:t>
-            </a:r>
-            <a:endParaRPr lang="en-US" altLang="zh-CN" dirty="0" smtClean="0"/>
-          </a:p>
-          <a:p>
-            <a:r>
-              <a:rPr lang="zh-CN" altLang="en-US" dirty="0" smtClean="0"/>
-              <a:t>集合类型之间的转换：</a:t>
-            </a:r>
-            <a:r>
-              <a:rPr lang="en-US" altLang="zh-CN" dirty="0" smtClean="0"/>
-              <a:t>list(</a:t>
-            </a:r>
-            <a:r>
-              <a:rPr lang="zh-CN" altLang="en-US" dirty="0" smtClean="0"/>
-              <a:t>序列</a:t>
-            </a:r>
-            <a:r>
-              <a:rPr lang="en-US" altLang="zh-CN" dirty="0" smtClean="0"/>
-              <a:t>), set(</a:t>
-            </a:r>
-            <a:r>
-              <a:rPr lang="zh-CN" altLang="en-US" dirty="0" smtClean="0"/>
-              <a:t>序列</a:t>
-            </a:r>
-            <a:r>
-              <a:rPr lang="en-US" altLang="zh-CN" dirty="0" smtClean="0"/>
-              <a:t>), tuple(</a:t>
-            </a:r>
-            <a:r>
-              <a:rPr lang="zh-CN" altLang="en-US" dirty="0" smtClean="0"/>
-              <a:t>序列</a:t>
-            </a:r>
-            <a:r>
-              <a:rPr lang="en-US" altLang="zh-CN" dirty="0" smtClean="0"/>
-              <a:t>),</a:t>
-            </a:r>
-            <a:r>
-              <a:rPr lang="en-US" altLang="zh-CN" dirty="0" err="1" smtClean="0"/>
-              <a:t>dict</a:t>
-            </a:r>
-            <a:r>
-              <a:rPr lang="en-US" altLang="zh-CN" dirty="0" smtClean="0"/>
-              <a:t>(key-value</a:t>
-            </a:r>
-            <a:r>
-              <a:rPr lang="zh-CN" altLang="en-US" dirty="0" smtClean="0"/>
-              <a:t>元组序列</a:t>
-            </a:r>
-            <a:r>
-              <a:rPr lang="en-US" altLang="zh-CN" dirty="0" smtClean="0"/>
-              <a:t>)</a:t>
-            </a:r>
-            <a:r>
-              <a:rPr lang="en-US" altLang="zh-CN" dirty="0"/>
-              <a:t/>
-            </a:r>
-            <a:br>
-              <a:rPr lang="en-US" altLang="zh-CN" dirty="0"/>
-            </a:br>
-            <a:r>
-              <a:rPr lang="en-US" altLang="zh-CN" dirty="0" smtClean="0"/>
-              <a:t>	</a:t>
-            </a:r>
-            <a:r>
-              <a:rPr lang="zh-CN" altLang="en-US" dirty="0" smtClean="0"/>
-              <a:t>如</a:t>
-            </a:r>
-            <a:r>
-              <a:rPr lang="en-US" altLang="zh-CN" dirty="0" err="1" smtClean="0"/>
-              <a:t>dict</a:t>
-            </a:r>
-            <a:r>
-              <a:rPr lang="en-US" altLang="zh-CN" dirty="0" smtClean="0"/>
-              <a:t>(((4,5),(6,7)))</a:t>
-            </a:r>
-            <a:r>
-              <a:rPr lang="zh-CN" altLang="en-US" dirty="0" smtClean="0"/>
-              <a:t>就是</a:t>
-            </a:r>
-            <a:r>
-              <a:rPr lang="en-US" altLang="zh-CN" dirty="0" smtClean="0"/>
-              <a:t>{4:5, 6:7}…</a:t>
-            </a:r>
+            <a:endParaRPr lang="zh-CN" altLang="en-US" dirty="0"/>
           </a:p>
         </p:txBody>
       </p:sp>
     </p:spTree>
     <p:extLst>
       <p:ext uri="{BB962C8B-B14F-4D97-AF65-F5344CB8AC3E}">
-        <p14:creationId xmlns:p14="http://schemas.microsoft.com/office/powerpoint/2010/main" val="1078455937"/>
+        <p14:creationId xmlns:p14="http://schemas.microsoft.com/office/powerpoint/2010/main" val="881083579"/>
       </p:ext>
     </p:extLst>
   </p:cSld>
@@ -10159,19 +10651,14 @@
             <p:ph type="title"/>
           </p:nvPr>
         </p:nvSpPr>
-        <p:spPr>
-          <a:xfrm>
-            <a:off x="2592925" y="637172"/>
-            <a:ext cx="8911687" cy="1280890"/>
-          </a:xfrm>
-        </p:spPr>
+        <p:spPr/>
         <p:txBody>
           <a:bodyPr/>
           <a:lstStyle/>
           <a:p>
             <a:r>
               <a:rPr lang="zh-CN" altLang="en-US" dirty="0" smtClean="0"/>
-              <a:t>字符串</a:t>
+              <a:t>语句层次结构的组织</a:t>
             </a:r>
             <a:endParaRPr lang="zh-CN" altLang="en-US" dirty="0"/>
           </a:p>
@@ -10189,309 +10676,58 @@
         </p:nvSpPr>
         <p:spPr/>
         <p:txBody>
-          <a:bodyPr>
-            <a:normAutofit fontScale="85000" lnSpcReduction="20000"/>
-          </a:bodyPr>
+          <a:bodyPr/>
           <a:lstStyle/>
           <a:p>
             <a:r>
               <a:rPr lang="zh-CN" altLang="en-US" dirty="0" smtClean="0"/>
-              <a:t>表示：</a:t>
-            </a:r>
-            <a:r>
-              <a:rPr lang="en-US" altLang="zh-CN" dirty="0" smtClean="0"/>
-              <a:t>‘</a:t>
-            </a:r>
-            <a:r>
-              <a:rPr lang="en-US" altLang="zh-CN" dirty="0" err="1" smtClean="0"/>
-              <a:t>abc</a:t>
-            </a:r>
-            <a:r>
-              <a:rPr lang="en-US" altLang="zh-CN" dirty="0" smtClean="0"/>
-              <a:t>’, “</a:t>
-            </a:r>
-            <a:r>
-              <a:rPr lang="en-US" altLang="zh-CN" dirty="0" err="1" smtClean="0"/>
-              <a:t>abc</a:t>
-            </a:r>
-            <a:r>
-              <a:rPr lang="en-US" altLang="zh-CN" dirty="0" smtClean="0"/>
-              <a:t>”  ‘“</a:t>
-            </a:r>
-            <a:r>
-              <a:rPr lang="en-US" altLang="zh-CN" dirty="0" err="1" smtClean="0"/>
-              <a:t>abc</a:t>
-            </a:r>
-            <a:r>
-              <a:rPr lang="en-US" altLang="zh-CN" dirty="0" smtClean="0"/>
-              <a:t>’”, </a:t>
-            </a:r>
-            <a:r>
-              <a:rPr lang="en-US" altLang="zh-CN" dirty="0" err="1" smtClean="0"/>
-              <a:t>u’abc</a:t>
-            </a:r>
-            <a:r>
-              <a:rPr lang="en-US" altLang="zh-CN" dirty="0" smtClean="0"/>
-              <a:t>’, </a:t>
-            </a:r>
-            <a:r>
-              <a:rPr lang="en-US" altLang="zh-CN" dirty="0" err="1" smtClean="0"/>
-              <a:t>r‘abc</a:t>
-            </a:r>
-            <a:r>
-              <a:rPr lang="en-US" altLang="zh-CN" dirty="0" smtClean="0"/>
-              <a:t>’, ‘\xe6\x88\x91’,u’\u6211’</a:t>
-            </a:r>
-            <a:r>
-              <a:rPr lang="zh-CN" altLang="en-US" dirty="0" smtClean="0"/>
-              <a:t>。字符串</a:t>
-            </a:r>
-            <a:r>
-              <a:rPr lang="zh-CN" altLang="en-US" dirty="0"/>
-              <a:t>中标识引号： </a:t>
-            </a:r>
-            <a:r>
-              <a:rPr lang="en-US" altLang="zh-CN" dirty="0" smtClean="0"/>
-              <a:t>‘“ab”, </a:t>
-            </a:r>
-            <a:r>
-              <a:rPr lang="en-US" altLang="zh-CN" dirty="0" err="1" smtClean="0"/>
-              <a:t>dd</a:t>
-            </a:r>
-            <a:r>
-              <a:rPr lang="en-US" altLang="zh-CN" dirty="0" smtClean="0"/>
-              <a:t>’ </a:t>
-            </a:r>
-            <a:r>
-              <a:rPr lang="zh-CN" altLang="en-US" dirty="0" smtClean="0"/>
-              <a:t>或者用转义</a:t>
-            </a:r>
-            <a:r>
-              <a:rPr lang="zh-CN" altLang="en-US" dirty="0"/>
-              <a:t>符</a:t>
-            </a:r>
-            <a:r>
-              <a:rPr lang="en-US" altLang="zh-CN" dirty="0" smtClean="0"/>
-              <a:t>\’</a:t>
-            </a:r>
-          </a:p>
-          <a:p>
-            <a:pPr lvl="1"/>
-            <a:r>
-              <a:rPr lang="zh-CN" altLang="en-US" dirty="0"/>
-              <a:t>三引号可以表示多行字符串，即可以换行</a:t>
-            </a:r>
-            <a:r>
-              <a:rPr lang="zh-CN" altLang="en-US" dirty="0" smtClean="0"/>
-              <a:t>写</a:t>
+              <a:t>使用冒号</a:t>
+            </a:r>
+            <a:r>
+              <a:rPr lang="zh-CN" altLang="en-US" dirty="0"/>
+              <a:t>和</a:t>
+            </a:r>
+            <a:r>
+              <a:rPr lang="zh-CN" altLang="en-US" dirty="0" smtClean="0"/>
+              <a:t>缩进而不使用</a:t>
+            </a:r>
+            <a:r>
+              <a:rPr lang="en-US" altLang="zh-CN" dirty="0" smtClean="0"/>
+              <a:t>{}</a:t>
+            </a:r>
+            <a:r>
+              <a:rPr lang="zh-CN" altLang="en-US" dirty="0" smtClean="0"/>
+              <a:t>来包围流程控制体、函数体、类体</a:t>
             </a:r>
             <a:endParaRPr lang="en-US" altLang="zh-CN" dirty="0"/>
           </a:p>
           <a:p>
             <a:r>
-              <a:rPr lang="zh-CN" altLang="en-US" dirty="0" smtClean="0"/>
-              <a:t>字符串运算</a:t>
-            </a:r>
-            <a:r>
-              <a:rPr lang="zh-CN" altLang="en-US" dirty="0"/>
-              <a:t>： * </a:t>
-            </a:r>
-            <a:r>
-              <a:rPr lang="zh-CN" altLang="en-US" dirty="0" smtClean="0"/>
-              <a:t>重复</a:t>
-            </a:r>
-            <a:r>
-              <a:rPr lang="en-US" altLang="zh-CN" dirty="0" smtClean="0"/>
-              <a:t>,</a:t>
-            </a:r>
-            <a:r>
-              <a:rPr lang="zh-CN" altLang="en-US" dirty="0" smtClean="0"/>
-              <a:t> </a:t>
-            </a:r>
-            <a:r>
-              <a:rPr lang="en-US" altLang="zh-CN" dirty="0"/>
-              <a:t>+</a:t>
-            </a:r>
-            <a:r>
-              <a:rPr lang="zh-CN" altLang="en-US" dirty="0" smtClean="0"/>
-              <a:t>连接</a:t>
+              <a:rPr lang="zh-CN" altLang="en-US" dirty="0"/>
+              <a:t>一个</a:t>
+            </a:r>
+            <a:r>
+              <a:rPr lang="zh-CN" altLang="en-US" dirty="0" smtClean="0"/>
+              <a:t>代码块每行语句有相同的缩进（空白数量）、同层次语句有相同缩进</a:t>
             </a:r>
             <a:endParaRPr lang="en-US" altLang="zh-CN" dirty="0" smtClean="0"/>
           </a:p>
           <a:p>
             <a:r>
               <a:rPr lang="zh-CN" altLang="en-US" dirty="0" smtClean="0"/>
-              <a:t>字符类型：没有，用单</a:t>
-            </a:r>
-            <a:r>
-              <a:rPr lang="zh-CN" altLang="en-US" dirty="0"/>
-              <a:t>字符串</a:t>
-            </a:r>
-            <a:r>
-              <a:rPr lang="zh-CN" altLang="en-US" dirty="0" smtClean="0"/>
-              <a:t>表示</a:t>
+              <a:t>里层语句比外层语句有更多缩进</a:t>
             </a:r>
             <a:endParaRPr lang="en-US" altLang="zh-CN" dirty="0" smtClean="0"/>
           </a:p>
           <a:p>
-            <a:r>
-              <a:rPr lang="zh-CN" altLang="en-US" dirty="0" smtClean="0"/>
-              <a:t>字符串方法：</a:t>
-            </a:r>
-            <a:endParaRPr lang="en-US" altLang="zh-CN" dirty="0" smtClean="0"/>
-          </a:p>
-          <a:p>
-            <a:pPr lvl="1"/>
-            <a:r>
-              <a:rPr lang="zh-CN" altLang="en-US" dirty="0"/>
-              <a:t>直接正负整数来索引：截取。截取时对起止整数没</a:t>
-            </a:r>
-            <a:r>
-              <a:rPr lang="zh-CN" altLang="en-US" dirty="0" smtClean="0"/>
-              <a:t>要求。如</a:t>
-            </a:r>
-            <a:r>
-              <a:rPr lang="en-US" altLang="zh-CN" dirty="0" smtClean="0"/>
-              <a:t>’</a:t>
-            </a:r>
-            <a:r>
-              <a:rPr lang="en-US" altLang="zh-CN" dirty="0" err="1" smtClean="0"/>
-              <a:t>adbc</a:t>
-            </a:r>
-            <a:r>
-              <a:rPr lang="en-US" altLang="zh-CN" dirty="0" smtClean="0"/>
-              <a:t>’[0:1]</a:t>
-            </a:r>
-          </a:p>
-          <a:p>
-            <a:pPr lvl="1"/>
-            <a:r>
-              <a:rPr lang="zh-CN" altLang="en-US" dirty="0" smtClean="0"/>
-              <a:t>字符串类型编码类型判断：</a:t>
-            </a:r>
-            <a:r>
-              <a:rPr lang="en-US" altLang="zh-CN" dirty="0" smtClean="0"/>
-              <a:t>type(</a:t>
-            </a:r>
-            <a:r>
-              <a:rPr lang="en-US" altLang="zh-CN" dirty="0" err="1" smtClean="0"/>
-              <a:t>str</a:t>
-            </a:r>
-            <a:r>
-              <a:rPr lang="en-US" altLang="zh-CN" dirty="0" smtClean="0"/>
-              <a:t>) </a:t>
-            </a:r>
-            <a:r>
-              <a:rPr lang="zh-CN" altLang="en-US" dirty="0" smtClean="0"/>
-              <a:t>或者</a:t>
-            </a:r>
-            <a:r>
-              <a:rPr lang="en-US" altLang="zh-CN" dirty="0" err="1" smtClean="0"/>
-              <a:t>str</a:t>
-            </a:r>
-            <a:r>
-              <a:rPr lang="en-US" altLang="zh-CN" dirty="0" smtClean="0"/>
-              <a:t>.__class__ </a:t>
-            </a:r>
-            <a:r>
-              <a:rPr lang="zh-CN" altLang="en-US" dirty="0" smtClean="0"/>
-              <a:t>，值为</a:t>
-            </a:r>
-            <a:r>
-              <a:rPr lang="en-US" altLang="zh-CN" dirty="0" err="1" smtClean="0"/>
-              <a:t>str</a:t>
-            </a:r>
-            <a:r>
-              <a:rPr lang="zh-CN" altLang="en-US" dirty="0" smtClean="0"/>
-              <a:t>表示是当前文本标记的编码类型，如标记</a:t>
-            </a:r>
-            <a:r>
-              <a:rPr lang="en-US" altLang="zh-CN" dirty="0" smtClean="0"/>
-              <a:t>coding=utf-8</a:t>
-            </a:r>
-            <a:r>
-              <a:rPr lang="zh-CN" altLang="en-US" dirty="0" smtClean="0"/>
-              <a:t>，则是</a:t>
-            </a:r>
-            <a:r>
-              <a:rPr lang="en-US" altLang="zh-CN" dirty="0" smtClean="0"/>
-              <a:t>utf-8</a:t>
-            </a:r>
-            <a:r>
-              <a:rPr lang="zh-CN" altLang="en-US" dirty="0" smtClean="0"/>
-              <a:t>类型</a:t>
-            </a:r>
-            <a:endParaRPr lang="en-US" altLang="zh-CN" dirty="0" smtClean="0"/>
-          </a:p>
-          <a:p>
-            <a:pPr lvl="1"/>
-            <a:r>
-              <a:rPr lang="zh-CN" altLang="en-US" dirty="0" smtClean="0"/>
-              <a:t>编码转换：</a:t>
-            </a:r>
-            <a:r>
-              <a:rPr lang="en-US" altLang="zh-CN" dirty="0" smtClean="0"/>
-              <a:t>1.</a:t>
-            </a:r>
-            <a:r>
-              <a:rPr lang="zh-CN" altLang="en-US" dirty="0" smtClean="0"/>
-              <a:t>先</a:t>
-            </a:r>
-            <a:r>
-              <a:rPr lang="en-US" altLang="zh-CN" dirty="0" smtClean="0"/>
-              <a:t>.decode()</a:t>
-            </a:r>
-            <a:r>
-              <a:rPr lang="zh-CN" altLang="en-US" dirty="0" smtClean="0"/>
-              <a:t>为</a:t>
-            </a:r>
-            <a:r>
-              <a:rPr lang="en-US" altLang="zh-CN" dirty="0" err="1" smtClean="0"/>
-              <a:t>unicode</a:t>
-            </a:r>
-            <a:r>
-              <a:rPr lang="zh-CN" altLang="en-US" dirty="0" smtClean="0"/>
-              <a:t>再</a:t>
-            </a:r>
-            <a:r>
-              <a:rPr lang="en-US" altLang="zh-CN" dirty="0" smtClean="0"/>
-              <a:t>.encode() </a:t>
-            </a:r>
-            <a:r>
-              <a:rPr lang="zh-CN" altLang="en-US" dirty="0" smtClean="0"/>
-              <a:t>为其他编码。</a:t>
-            </a:r>
-            <a:endParaRPr lang="en-US" altLang="zh-CN" dirty="0" smtClean="0"/>
-          </a:p>
-          <a:p>
-            <a:pPr lvl="1"/>
-            <a:r>
-              <a:rPr lang="zh-CN" altLang="en-US" dirty="0" smtClean="0"/>
-              <a:t>格式化：</a:t>
-            </a:r>
-            <a:r>
-              <a:rPr lang="en-US" altLang="zh-CN" dirty="0" smtClean="0"/>
-              <a:t>.format()</a:t>
-            </a:r>
-          </a:p>
-          <a:p>
-            <a:endParaRPr lang="en-US" altLang="zh-CN" dirty="0" smtClean="0"/>
-          </a:p>
-          <a:p>
-            <a:pPr marL="0" indent="0">
-              <a:buNone/>
-            </a:pPr>
-            <a:r>
-              <a:rPr lang="en-US" altLang="zh-CN" dirty="0" smtClean="0"/>
-              <a:t>          </a:t>
-            </a:r>
+            <a:endParaRPr lang="zh-CN" altLang="en-US" dirty="0"/>
           </a:p>
         </p:txBody>
       </p:sp>
     </p:spTree>
     <p:extLst>
       <p:ext uri="{BB962C8B-B14F-4D97-AF65-F5344CB8AC3E}">
-        <p14:creationId xmlns:p14="http://schemas.microsoft.com/office/powerpoint/2010/main" val="3647236681"/>
+        <p14:creationId xmlns:p14="http://schemas.microsoft.com/office/powerpoint/2010/main" val="3642308313"/>
       </p:ext>
     </p:extLst>
   </p:cSld>
@@ -10535,7 +10771,7 @@
           <a:p>
             <a:r>
               <a:rPr lang="zh-CN" altLang="en-US" dirty="0" smtClean="0"/>
-              <a:t>列表</a:t>
+              <a:t>流程控制</a:t>
             </a:r>
             <a:endParaRPr lang="zh-CN" altLang="en-US" dirty="0"/>
           </a:p>
@@ -10558,230 +10794,277 @@
           <a:p>
             <a:r>
               <a:rPr lang="zh-CN" altLang="en-US" dirty="0" smtClean="0"/>
-              <a:t>表示：</a:t>
-            </a:r>
-            <a:r>
-              <a:rPr lang="en-US" altLang="zh-CN" dirty="0" smtClean="0"/>
-              <a:t>[1,2,3,4]</a:t>
-            </a:r>
-          </a:p>
-          <a:p>
-            <a:r>
-              <a:rPr lang="zh-CN" altLang="en-US" dirty="0" smtClean="0"/>
-              <a:t>取值赋值：</a:t>
+              <a:t>分支：</a:t>
+            </a:r>
+            <a:r>
+              <a:rPr lang="en-US" altLang="zh-CN" dirty="0"/>
+              <a:t>if </a:t>
+            </a:r>
+            <a:r>
+              <a:rPr lang="en-US" altLang="zh-CN" dirty="0" smtClean="0"/>
+              <a:t> </a:t>
+            </a:r>
+            <a:r>
+              <a:rPr lang="en-US" altLang="zh-CN" dirty="0" err="1" smtClean="0"/>
+              <a:t>elif</a:t>
+            </a:r>
+            <a:r>
+              <a:rPr lang="en-US" altLang="zh-CN" dirty="0" smtClean="0"/>
+              <a:t>  else</a:t>
+            </a:r>
+          </a:p>
+          <a:p>
+            <a:r>
+              <a:rPr lang="zh-CN" altLang="en-US" dirty="0" smtClean="0"/>
+              <a:t>循环：</a:t>
             </a:r>
             <a:endParaRPr lang="en-US" altLang="zh-CN" dirty="0" smtClean="0"/>
           </a:p>
           <a:p>
             <a:pPr lvl="1"/>
             <a:r>
-              <a:rPr lang="zh-CN" altLang="en-US" dirty="0" smtClean="0"/>
-              <a:t>索引和切片：如</a:t>
-            </a:r>
-            <a:r>
-              <a:rPr lang="en-US" altLang="zh-CN" dirty="0" smtClean="0"/>
-              <a:t>a[0] </a:t>
-            </a:r>
-            <a:r>
-              <a:rPr lang="zh-CN" altLang="en-US" dirty="0" smtClean="0"/>
-              <a:t>和</a:t>
-            </a:r>
-            <a:r>
-              <a:rPr lang="en-US" altLang="zh-CN" dirty="0" smtClean="0"/>
-              <a:t>a[1:2]</a:t>
-            </a:r>
-            <a:r>
-              <a:rPr lang="zh-CN" altLang="en-US" dirty="0" smtClean="0"/>
-              <a:t>都可以读或者写；合并：</a:t>
+              <a:rPr lang="en-US" altLang="zh-CN" dirty="0"/>
+              <a:t>w</a:t>
+            </a:r>
+            <a:r>
+              <a:rPr lang="en-US" altLang="zh-CN" dirty="0" smtClean="0"/>
+              <a:t>hile: </a:t>
+            </a:r>
+            <a:r>
+              <a:rPr lang="zh-CN" altLang="en-US" dirty="0"/>
+              <a:t> </a:t>
+            </a:r>
+            <a:r>
+              <a:rPr lang="zh-CN" altLang="en-US" dirty="0" smtClean="0"/>
+              <a:t>条件为真循环    </a:t>
+            </a:r>
+            <a:endParaRPr lang="en-US" altLang="zh-CN" dirty="0" smtClean="0"/>
+          </a:p>
+          <a:p>
+            <a:pPr lvl="2"/>
+            <a:r>
+              <a:rPr lang="en-US" altLang="zh-CN" dirty="0" smtClean="0"/>
+              <a:t>while- else: </a:t>
+            </a:r>
+            <a:r>
+              <a:rPr lang="zh-CN" altLang="en-US" dirty="0" smtClean="0"/>
+              <a:t>当</a:t>
             </a:r>
             <a:r>
               <a:rPr lang="en-US" altLang="zh-CN" dirty="0" err="1" smtClean="0"/>
-              <a:t>a+b</a:t>
-            </a:r>
-            <a:r>
-              <a:rPr lang="zh-CN" altLang="en-US" dirty="0" smtClean="0"/>
-              <a:t>拼接式合并</a:t>
+              <a:t>whlile</a:t>
+            </a:r>
+            <a:r>
+              <a:rPr lang="zh-CN" altLang="en-US" dirty="0" smtClean="0"/>
+              <a:t>条件为</a:t>
+            </a:r>
+            <a:r>
+              <a:rPr lang="en-US" altLang="zh-CN" dirty="0" smtClean="0"/>
+              <a:t>False</a:t>
+            </a:r>
+            <a:r>
+              <a:rPr lang="zh-CN" altLang="en-US" dirty="0" smtClean="0"/>
+              <a:t>时执行</a:t>
+            </a:r>
+            <a:r>
+              <a:rPr lang="en-US" altLang="zh-CN" dirty="0" smtClean="0"/>
+              <a:t>else</a:t>
+            </a:r>
+            <a:r>
+              <a:rPr lang="zh-CN" altLang="en-US" dirty="0" smtClean="0"/>
+              <a:t>分支</a:t>
             </a:r>
             <a:endParaRPr lang="en-US" altLang="zh-CN" dirty="0" smtClean="0"/>
           </a:p>
           <a:p>
             <a:pPr lvl="1"/>
             <a:r>
-              <a:rPr lang="zh-CN" altLang="en-US" dirty="0"/>
-              <a:t>方法：</a:t>
-            </a:r>
-            <a:r>
               <a:rPr lang="en-US" altLang="zh-CN" dirty="0"/>
-              <a:t>append()  pop()  </a:t>
+              <a:t>for:</a:t>
+            </a:r>
+            <a:r>
+              <a:rPr lang="zh-CN" altLang="en-US" dirty="0"/>
+              <a:t>只能是对序列进行： </a:t>
+            </a:r>
+            <a:r>
+              <a:rPr lang="zh-CN" altLang="en-US" dirty="0" smtClean="0"/>
+              <a:t>如</a:t>
+            </a:r>
+            <a:r>
+              <a:rPr lang="en-US" altLang="zh-CN" dirty="0" smtClean="0"/>
+              <a:t>for </a:t>
+            </a:r>
+            <a:r>
+              <a:rPr lang="en-US" altLang="zh-CN" dirty="0"/>
+              <a:t>item in ['b', 'a',2]: </a:t>
+            </a:r>
+          </a:p>
+          <a:p>
+            <a:pPr lvl="2"/>
+            <a:r>
+              <a:rPr lang="en-US" altLang="zh-CN" dirty="0" smtClean="0"/>
+              <a:t>for </a:t>
+            </a:r>
+            <a:r>
+              <a:rPr lang="en-US" altLang="zh-CN" dirty="0"/>
+              <a:t>- else :</a:t>
+            </a:r>
+            <a:r>
+              <a:rPr lang="zh-CN" altLang="en-US" dirty="0"/>
+              <a:t>当</a:t>
+            </a:r>
+            <a:r>
+              <a:rPr lang="en-US" altLang="zh-CN" dirty="0"/>
+              <a:t>for</a:t>
+            </a:r>
+            <a:r>
+              <a:rPr lang="zh-CN" altLang="en-US" dirty="0"/>
+              <a:t>执行完毕了也没有执行过</a:t>
+            </a:r>
+            <a:r>
+              <a:rPr lang="en-US" altLang="zh-CN" dirty="0"/>
+              <a:t>break</a:t>
+            </a:r>
+            <a:r>
+              <a:rPr lang="zh-CN" altLang="en-US" dirty="0"/>
+              <a:t>命令那么就会执行</a:t>
+            </a:r>
+            <a:r>
+              <a:rPr lang="en-US" altLang="zh-CN" dirty="0"/>
+              <a:t>else</a:t>
+            </a:r>
+            <a:r>
+              <a:rPr lang="zh-CN" altLang="en-US" dirty="0"/>
+              <a:t>里的内容</a:t>
+            </a:r>
+            <a:r>
+              <a:rPr lang="zh-CN" altLang="en-US" dirty="0" smtClean="0"/>
+              <a:t>。</a:t>
+            </a:r>
+            <a:endParaRPr lang="en-US" altLang="zh-CN" dirty="0" smtClean="0"/>
+          </a:p>
+          <a:p>
+            <a:pPr lvl="2"/>
+            <a:r>
+              <a:rPr lang="en-US" altLang="zh-CN" dirty="0" smtClean="0"/>
+              <a:t>for</a:t>
+            </a:r>
+            <a:r>
+              <a:rPr lang="zh-CN" altLang="en-US" dirty="0"/>
+              <a:t>的底层调用：迭代器函数：</a:t>
             </a:r>
             <a:r>
               <a:rPr lang="en-US" altLang="zh-CN" dirty="0" err="1"/>
-              <a:t>popleft</a:t>
+              <a:t>iter</a:t>
             </a:r>
             <a:r>
               <a:rPr lang="en-US" altLang="zh-CN" dirty="0"/>
-              <a:t>() </a:t>
-            </a:r>
-            <a:r>
-              <a:rPr lang="zh-CN" altLang="en-US" dirty="0"/>
-              <a:t>从而可以当作栈和</a:t>
-            </a:r>
-            <a:r>
-              <a:rPr lang="zh-CN" altLang="en-US" dirty="0" smtClean="0"/>
-              <a:t>队列</a:t>
+              <a:t>(</a:t>
+            </a:r>
+            <a:r>
+              <a:rPr lang="zh-CN" altLang="en-US" dirty="0"/>
+              <a:t>类实例：有</a:t>
+            </a:r>
+            <a:r>
+              <a:rPr lang="en-US" altLang="zh-CN" dirty="0"/>
+              <a:t>__next__, __</a:t>
+            </a:r>
+            <a:r>
+              <a:rPr lang="en-US" altLang="zh-CN" dirty="0" err="1"/>
+              <a:t>iter</a:t>
+            </a:r>
+            <a:r>
+              <a:rPr lang="en-US" altLang="zh-CN" dirty="0"/>
+              <a:t>__</a:t>
+            </a:r>
+            <a:r>
+              <a:rPr lang="zh-CN" altLang="en-US" dirty="0"/>
+              <a:t>方法</a:t>
+            </a:r>
+            <a:r>
+              <a:rPr lang="en-US" altLang="zh-CN" dirty="0" smtClean="0"/>
+              <a:t>)</a:t>
+            </a:r>
+          </a:p>
+          <a:p>
+            <a:pPr lvl="2"/>
+            <a:r>
+              <a:rPr lang="zh-CN" altLang="en-US" dirty="0" smtClean="0"/>
+              <a:t>指定次数遍历：使用函数 </a:t>
+            </a:r>
+            <a:r>
+              <a:rPr lang="en-US" altLang="zh-CN" dirty="0" smtClean="0"/>
+              <a:t>range</a:t>
+            </a:r>
+            <a:r>
+              <a:rPr lang="en-US" altLang="zh-CN" dirty="0"/>
+              <a:t>(</a:t>
+            </a:r>
+            <a:r>
+              <a:rPr lang="zh-CN" altLang="en-US" dirty="0"/>
+              <a:t>起，止，步长</a:t>
+            </a:r>
+            <a:r>
+              <a:rPr lang="en-US" altLang="zh-CN" dirty="0"/>
+              <a:t>)</a:t>
+            </a:r>
+            <a:r>
+              <a:rPr lang="zh-CN" altLang="en-US" dirty="0"/>
+              <a:t>：生成一个整数</a:t>
+            </a:r>
+            <a:r>
+              <a:rPr lang="en-US" altLang="zh-CN" dirty="0" smtClean="0"/>
+              <a:t>list</a:t>
+            </a:r>
+          </a:p>
+          <a:p>
+            <a:pPr lvl="2"/>
+            <a:r>
+              <a:rPr lang="zh-CN" altLang="en-US" dirty="0" smtClean="0"/>
+              <a:t>获取索引：</a:t>
+            </a:r>
+            <a:r>
+              <a:rPr lang="en-US" altLang="zh-CN" dirty="0" smtClean="0"/>
+              <a:t>enumerate(</a:t>
+            </a:r>
+            <a:r>
+              <a:rPr lang="zh-CN" altLang="en-US" dirty="0" smtClean="0"/>
+              <a:t>序列</a:t>
+            </a:r>
+            <a:r>
+              <a:rPr lang="en-US" altLang="zh-CN" dirty="0" smtClean="0"/>
+              <a:t>)</a:t>
+            </a:r>
+            <a:r>
+              <a:rPr lang="zh-CN" altLang="en-US" dirty="0" smtClean="0"/>
+              <a:t>返回一个</a:t>
+            </a:r>
+            <a:r>
+              <a:rPr lang="en-US" altLang="zh-CN" dirty="0" smtClean="0"/>
+              <a:t>(index, value)</a:t>
+            </a:r>
+            <a:r>
+              <a:rPr lang="zh-CN" altLang="en-US" dirty="0" smtClean="0"/>
+              <a:t>的元组数组迭代器</a:t>
             </a:r>
             <a:endParaRPr lang="en-US" altLang="zh-CN" dirty="0" smtClean="0"/>
           </a:p>
           <a:p>
             <a:r>
               <a:rPr lang="zh-CN" altLang="en-US" dirty="0" smtClean="0"/>
-              <a:t>初始化赋值</a:t>
-            </a:r>
-            <a:r>
-              <a:rPr lang="zh-CN" altLang="en-US" dirty="0" smtClean="0"/>
-              <a:t>：</a:t>
-            </a:r>
-            <a:endParaRPr lang="en-US" altLang="zh-CN" dirty="0" smtClean="0"/>
-          </a:p>
-          <a:p>
-            <a:pPr lvl="1"/>
-            <a:r>
-              <a:rPr lang="zh-CN" altLang="en-US" dirty="0"/>
-              <a:t>列表推导式：</a:t>
-            </a:r>
-            <a:r>
-              <a:rPr lang="en-US" altLang="zh-CN" dirty="0"/>
-              <a:t>[_</a:t>
-            </a:r>
-            <a:r>
-              <a:rPr lang="en-US" altLang="zh-CN" dirty="0" err="1"/>
-              <a:t>val</a:t>
-            </a:r>
-            <a:r>
-              <a:rPr lang="en-US" altLang="zh-CN" dirty="0"/>
-              <a:t> for  _x in _</a:t>
-            </a:r>
-            <a:r>
-              <a:rPr lang="en-US" altLang="zh-CN" dirty="0" err="1"/>
-              <a:t>arr</a:t>
-            </a:r>
-            <a:r>
-              <a:rPr lang="en-US" altLang="zh-CN" dirty="0"/>
-              <a:t> if expression]</a:t>
-            </a:r>
-            <a:r>
-              <a:rPr lang="zh-CN" altLang="en-US" dirty="0"/>
-              <a:t>用于简化一个列表的生成</a:t>
-            </a:r>
-            <a:endParaRPr lang="en-US" altLang="zh-CN" dirty="0"/>
-          </a:p>
-          <a:p>
-            <a:pPr lvl="1"/>
-            <a:r>
-              <a:rPr lang="zh-CN" altLang="en-US" dirty="0"/>
-              <a:t>嵌套列表推导式：</a:t>
-            </a:r>
-            <a:r>
-              <a:rPr lang="en-US" altLang="zh-CN" dirty="0"/>
-              <a:t>[[_expression(_</a:t>
-            </a:r>
-            <a:r>
-              <a:rPr lang="en-US" altLang="zh-CN" dirty="0" err="1"/>
-              <a:t>i</a:t>
-            </a:r>
-            <a:r>
-              <a:rPr lang="en-US" altLang="zh-CN" dirty="0"/>
-              <a:t>,_j)</a:t>
-            </a:r>
-            <a:r>
-              <a:rPr lang="zh-CN" altLang="en-US" dirty="0"/>
-              <a:t> </a:t>
-            </a:r>
-            <a:r>
-              <a:rPr lang="en-US" altLang="zh-CN" dirty="0"/>
-              <a:t>for _j in _arr2 ] for _</a:t>
-            </a:r>
-            <a:r>
-              <a:rPr lang="en-US" altLang="zh-CN" dirty="0" err="1"/>
-              <a:t>i</a:t>
-            </a:r>
-            <a:r>
-              <a:rPr lang="en-US" altLang="zh-CN" dirty="0"/>
-              <a:t> in _</a:t>
-            </a:r>
-            <a:r>
-              <a:rPr lang="en-US" altLang="zh-CN" dirty="0" err="1"/>
-              <a:t>arr</a:t>
-            </a:r>
-            <a:r>
-              <a:rPr lang="en-US" altLang="zh-CN" dirty="0"/>
-              <a:t> ]</a:t>
-            </a:r>
-            <a:r>
-              <a:rPr lang="zh-CN" altLang="en-US" dirty="0"/>
-              <a:t>返回</a:t>
-            </a:r>
-            <a:r>
-              <a:rPr lang="en-US" altLang="zh-CN" dirty="0"/>
-              <a:t>list</a:t>
-            </a:r>
-            <a:r>
-              <a:rPr lang="zh-CN" altLang="en-US" dirty="0"/>
-              <a:t>元素的</a:t>
-            </a:r>
-            <a:r>
-              <a:rPr lang="en-US" altLang="zh-CN" dirty="0" smtClean="0"/>
-              <a:t>list</a:t>
-            </a:r>
-            <a:endParaRPr lang="en-US" altLang="zh-CN" dirty="0" smtClean="0"/>
-          </a:p>
-          <a:p>
-            <a:r>
-              <a:rPr lang="zh-CN" altLang="en-US" dirty="0"/>
-              <a:t>删除元素：按索引或者切片：</a:t>
-            </a:r>
-            <a:r>
-              <a:rPr lang="en-US" altLang="zh-CN" dirty="0"/>
-              <a:t>del a[0] del a[0:2</a:t>
-            </a:r>
-            <a:r>
-              <a:rPr lang="en-US" altLang="zh-CN" dirty="0" smtClean="0"/>
-              <a:t>]</a:t>
-            </a:r>
-          </a:p>
-          <a:p>
-            <a:r>
-              <a:rPr lang="zh-CN" altLang="en-US" dirty="0" smtClean="0"/>
-              <a:t>遍历：</a:t>
-            </a:r>
-            <a:r>
-              <a:rPr lang="en-US" altLang="zh-CN" dirty="0" smtClean="0"/>
-              <a:t>for x in _list   </a:t>
-            </a:r>
-            <a:r>
-              <a:rPr lang="zh-CN" altLang="en-US" dirty="0" smtClean="0"/>
-              <a:t>连同索引：</a:t>
-            </a:r>
-            <a:r>
-              <a:rPr lang="en-US" altLang="zh-CN" dirty="0" smtClean="0"/>
-              <a:t>for index, item </a:t>
-            </a:r>
-            <a:r>
-              <a:rPr lang="en-US" altLang="zh-CN"/>
-              <a:t>in </a:t>
-            </a:r>
-            <a:r>
-              <a:rPr lang="en-US" altLang="zh-CN" smtClean="0"/>
-              <a:t>enumerate(_list) </a:t>
-            </a:r>
-            <a:endParaRPr lang="en-US" altLang="zh-CN" dirty="0" smtClean="0"/>
+              <a:t>无</a:t>
+            </a:r>
+            <a:r>
+              <a:rPr lang="en-US" altLang="zh-CN" dirty="0" smtClean="0"/>
+              <a:t>switch-case</a:t>
+            </a:r>
           </a:p>
         </p:txBody>
       </p:sp>
     </p:spTree>
     <p:extLst>
       <p:ext uri="{BB962C8B-B14F-4D97-AF65-F5344CB8AC3E}">
-        <p14:creationId xmlns:p14="http://schemas.microsoft.com/office/powerpoint/2010/main" val="270067367"/>
+        <p14:creationId xmlns:p14="http://schemas.microsoft.com/office/powerpoint/2010/main" val="3334183664"/>
       </p:ext>
     </p:extLst>
   </p:cSld>
@@ -10825,7 +11108,7 @@
           <a:p>
             <a:r>
               <a:rPr lang="zh-CN" altLang="en-US" dirty="0" smtClean="0"/>
-              <a:t>元组</a:t>
+              <a:t>变量作用域</a:t>
             </a:r>
             <a:endParaRPr lang="zh-CN" altLang="en-US" dirty="0"/>
           </a:p>
@@ -10843,171 +11126,250 @@
         </p:nvSpPr>
         <p:spPr/>
         <p:txBody>
-          <a:bodyPr/>
+          <a:bodyPr>
+            <a:normAutofit fontScale="77500" lnSpcReduction="20000"/>
+          </a:bodyPr>
           <a:lstStyle/>
           <a:p>
             <a:r>
               <a:rPr lang="zh-CN" altLang="en-US" dirty="0"/>
-              <a:t>创建</a:t>
-            </a:r>
-            <a:r>
-              <a:rPr lang="zh-CN" altLang="en-US" dirty="0" smtClean="0"/>
-              <a:t>：</a:t>
+              <a:t>变量：使用</a:t>
+            </a:r>
+            <a:r>
+              <a:rPr lang="zh-CN" altLang="en-US" dirty="0" smtClean="0"/>
+              <a:t>前不声明，但必须要赋值。</a:t>
+            </a:r>
+            <a:endParaRPr lang="en-US" altLang="zh-CN" dirty="0" smtClean="0"/>
+          </a:p>
+          <a:p>
+            <a:pPr lvl="1"/>
+            <a:r>
+              <a:rPr lang="zh-CN" altLang="en-US" dirty="0" smtClean="0"/>
+              <a:t>变量都是值的引用、是指针，变量没有类型，值有类型</a:t>
+            </a:r>
+            <a:endParaRPr lang="en-US" altLang="zh-CN" dirty="0" smtClean="0"/>
+          </a:p>
+          <a:p>
+            <a:pPr lvl="1"/>
+            <a:r>
+              <a:rPr lang="zh-CN" altLang="en-US" dirty="0" smtClean="0"/>
+              <a:t>查看内存地址：</a:t>
+            </a:r>
+            <a:r>
+              <a:rPr lang="en-US" altLang="zh-CN" dirty="0" smtClean="0"/>
+              <a:t>id(a)</a:t>
+            </a:r>
+          </a:p>
+          <a:p>
+            <a:pPr lvl="1"/>
+            <a:r>
+              <a:rPr lang="zh-CN" altLang="en-US" dirty="0" smtClean="0"/>
+              <a:t>函数参数传递：不可变对象传值</a:t>
+            </a:r>
+            <a:r>
+              <a:rPr lang="en-US" altLang="zh-CN" dirty="0" smtClean="0"/>
+              <a:t>-</a:t>
+            </a:r>
+            <a:r>
+              <a:rPr lang="zh-CN" altLang="en-US" dirty="0" smtClean="0"/>
+              <a:t>即传该值的另一个引用，可变对象传引用</a:t>
+            </a:r>
+            <a:r>
+              <a:rPr lang="en-US" altLang="zh-CN" dirty="0" smtClean="0"/>
+              <a:t>-</a:t>
+            </a:r>
+            <a:r>
+              <a:rPr lang="zh-CN" altLang="en-US" dirty="0" smtClean="0"/>
+              <a:t>即同一个引用</a:t>
+            </a:r>
+            <a:endParaRPr lang="en-US" altLang="zh-CN" dirty="0" smtClean="0"/>
+          </a:p>
+          <a:p>
+            <a:pPr lvl="2"/>
+            <a:r>
+              <a:rPr lang="zh-CN" altLang="en-US" dirty="0"/>
+              <a:t>不</a:t>
+            </a:r>
+            <a:r>
+              <a:rPr lang="zh-CN" altLang="en-US" dirty="0" smtClean="0"/>
+              <a:t>可变对象：</a:t>
             </a:r>
             <a:r>
               <a:rPr lang="en-US" altLang="zh-CN" dirty="0" err="1" smtClean="0"/>
-              <a:t>a,b,c</a:t>
-            </a:r>
-            <a:r>
-              <a:rPr lang="en-US" altLang="zh-CN" dirty="0" smtClean="0"/>
-              <a:t>  </a:t>
-            </a:r>
-            <a:r>
-              <a:rPr lang="zh-CN" altLang="en-US" dirty="0" smtClean="0"/>
-              <a:t>或者</a:t>
-            </a:r>
-            <a:r>
-              <a:rPr lang="en-US" altLang="zh-CN" dirty="0" smtClean="0"/>
-              <a:t>(</a:t>
+              <a:t>int</a:t>
+            </a:r>
+            <a:r>
+              <a:rPr lang="en-US" altLang="zh-CN" dirty="0" smtClean="0"/>
+              <a:t> ,long, float, </a:t>
             </a:r>
             <a:r>
               <a:rPr lang="en-US" altLang="zh-CN" dirty="0" err="1" smtClean="0"/>
-              <a:t>a,b,c</a:t>
-            </a:r>
-            <a:r>
-              <a:rPr lang="en-US" altLang="zh-CN" dirty="0" smtClean="0"/>
-              <a:t>) </a:t>
-            </a:r>
-          </a:p>
-          <a:p>
-            <a:r>
-              <a:rPr lang="zh-CN" altLang="en-US" dirty="0" smtClean="0"/>
-              <a:t>性质：有序序列、只读，不能二次赋值，不能增加元素。</a:t>
+              <a:t>str</a:t>
+            </a:r>
+            <a:r>
+              <a:rPr lang="en-US" altLang="zh-CN" dirty="0" smtClean="0"/>
+              <a:t>, tuple</a:t>
+            </a:r>
+            <a:r>
+              <a:rPr lang="zh-CN" altLang="en-US" dirty="0" smtClean="0"/>
+              <a:t>。参与运算生成新的值，保存在新的内存空间</a:t>
             </a:r>
             <a:endParaRPr lang="en-US" altLang="zh-CN" dirty="0" smtClean="0"/>
           </a:p>
           <a:p>
+            <a:pPr lvl="2"/>
+            <a:r>
+              <a:rPr lang="zh-CN" altLang="en-US" dirty="0" smtClean="0"/>
+              <a:t>可变对象：</a:t>
+            </a:r>
+            <a:r>
+              <a:rPr lang="en-US" altLang="zh-CN" dirty="0" smtClean="0"/>
+              <a:t>list, set, </a:t>
+            </a:r>
+            <a:r>
+              <a:rPr lang="en-US" altLang="zh-CN" dirty="0" err="1" smtClean="0"/>
+              <a:t>dict</a:t>
+            </a:r>
+            <a:r>
+              <a:rPr lang="en-US" altLang="zh-CN" dirty="0" smtClean="0"/>
+              <a:t>, </a:t>
+            </a:r>
+            <a:r>
+              <a:rPr lang="zh-CN" altLang="en-US" dirty="0" smtClean="0"/>
+              <a:t>类实例</a:t>
+            </a:r>
+            <a:r>
+              <a:rPr lang="en-US" altLang="zh-CN" dirty="0" smtClean="0"/>
+              <a:t> </a:t>
+            </a:r>
+          </a:p>
+          <a:p>
+            <a:r>
+              <a:rPr lang="zh-CN" altLang="en-US" dirty="0"/>
+              <a:t>全局变量</a:t>
+            </a:r>
+            <a:r>
+              <a:rPr lang="zh-CN" altLang="en-US" dirty="0" smtClean="0"/>
+              <a:t>：使用前要用</a:t>
+            </a:r>
+            <a:r>
+              <a:rPr lang="en-US" altLang="zh-CN" dirty="0" smtClean="0"/>
+              <a:t>global</a:t>
+            </a:r>
+            <a:r>
+              <a:rPr lang="zh-CN" altLang="en-US" dirty="0" smtClean="0"/>
+              <a:t>声明，使用时也要用</a:t>
+            </a:r>
+            <a:r>
+              <a:rPr lang="en-US" altLang="zh-CN" dirty="0" smtClean="0"/>
+              <a:t>global</a:t>
+            </a:r>
+            <a:r>
+              <a:rPr lang="zh-CN" altLang="en-US" dirty="0" smtClean="0"/>
+              <a:t>声明</a:t>
+            </a:r>
+            <a:endParaRPr lang="en-US" altLang="zh-CN" dirty="0" smtClean="0"/>
+          </a:p>
+          <a:p>
             <a:pPr lvl="1"/>
             <a:r>
               <a:rPr lang="zh-CN" altLang="en-US" dirty="0" smtClean="0"/>
-              <a:t>取值：索引和切片：</a:t>
-            </a:r>
-            <a:r>
-              <a:rPr lang="en-US" altLang="zh-CN" dirty="0" smtClean="0"/>
-              <a:t>a[0]  a[0:3] </a:t>
-            </a:r>
+              <a:t>已有局部变量可以转为全局变量：直接加</a:t>
+            </a:r>
+            <a:r>
+              <a:rPr lang="en-US" altLang="zh-CN" dirty="0" smtClean="0"/>
+              <a:t>global  a </a:t>
+            </a:r>
+            <a:r>
+              <a:rPr lang="zh-CN" altLang="en-US" dirty="0" smtClean="0"/>
+              <a:t>声明</a:t>
+            </a:r>
+            <a:endParaRPr lang="en-US" altLang="zh-CN" dirty="0" smtClean="0"/>
           </a:p>
           <a:p>
             <a:pPr lvl="1"/>
             <a:r>
               <a:rPr lang="zh-CN" altLang="en-US" dirty="0" smtClean="0"/>
-              <a:t>合并：</a:t>
-            </a:r>
-            <a:r>
-              <a:rPr lang="en-US" altLang="zh-CN" dirty="0" smtClean="0"/>
-              <a:t>a + b</a:t>
-            </a:r>
-            <a:r>
-              <a:rPr lang="zh-CN" altLang="en-US" dirty="0" smtClean="0"/>
-              <a:t>可以形成一个新的元组</a:t>
+              <a:t>模块内、函数内都可以声明全局变量，而且本身放在模块的名称符号表里</a:t>
             </a:r>
             <a:endParaRPr lang="en-US" altLang="zh-CN" dirty="0" smtClean="0"/>
           </a:p>
           <a:p>
+            <a:r>
+              <a:rPr lang="en-US" altLang="zh-CN" dirty="0"/>
+              <a:t>__all__</a:t>
+            </a:r>
+            <a:r>
+              <a:rPr lang="zh-CN" altLang="en-US" dirty="0"/>
+              <a:t>变量</a:t>
+            </a:r>
+            <a:r>
+              <a:rPr lang="zh-CN" altLang="en-US" dirty="0" smtClean="0"/>
+              <a:t>：只对用</a:t>
+            </a:r>
+            <a:r>
+              <a:rPr lang="en-US" altLang="zh-CN" dirty="0" smtClean="0"/>
+              <a:t>*</a:t>
+            </a:r>
+            <a:r>
+              <a:rPr lang="zh-CN" altLang="en-US" dirty="0" smtClean="0"/>
+              <a:t>导入有效，模块里使用表示允许访问到的名称，包</a:t>
+            </a:r>
+            <a:r>
+              <a:rPr lang="en-US" altLang="zh-CN" dirty="0" smtClean="0"/>
+              <a:t>__init__.py</a:t>
+            </a:r>
+            <a:r>
+              <a:rPr lang="zh-CN" altLang="en-US" dirty="0" smtClean="0"/>
+              <a:t>下表示不用模块名儿允</a:t>
+            </a:r>
+            <a:r>
+              <a:rPr lang="en-US" altLang="zh-CN" dirty="0" smtClean="0"/>
+              <a:t>				</a:t>
+            </a:r>
+            <a:r>
+              <a:rPr lang="zh-CN" altLang="en-US" dirty="0" smtClean="0"/>
+              <a:t>许直接访问到的模</a:t>
+            </a:r>
+            <a:r>
+              <a:rPr lang="en-US" altLang="zh-CN" dirty="0" smtClean="0"/>
+              <a:t>				</a:t>
+            </a:r>
+            <a:r>
+              <a:rPr lang="zh-CN" altLang="en-US" dirty="0" smtClean="0"/>
+              <a:t>块</a:t>
+            </a:r>
+            <a:endParaRPr lang="en-US" altLang="zh-CN" dirty="0" smtClean="0"/>
+          </a:p>
+          <a:p>
+            <a:r>
+              <a:rPr lang="zh-CN" altLang="en-US" dirty="0" smtClean="0"/>
+              <a:t>变量作用域：</a:t>
+            </a:r>
+            <a:endParaRPr lang="en-US" altLang="zh-CN" dirty="0" smtClean="0"/>
+          </a:p>
+          <a:p>
             <a:pPr lvl="1"/>
             <a:r>
               <a:rPr lang="zh-CN" altLang="en-US" dirty="0" smtClean="0"/>
-              <a:t>方法：只有：</a:t>
-            </a:r>
-            <a:r>
-              <a:rPr lang="en-US" altLang="zh-CN" dirty="0" smtClean="0"/>
-              <a:t>.count</a:t>
-            </a:r>
-            <a:r>
-              <a:rPr lang="en-US" altLang="zh-CN" dirty="0"/>
-              <a:t>() </a:t>
-            </a:r>
-            <a:r>
-              <a:rPr lang="en-US" altLang="zh-CN" dirty="0" smtClean="0"/>
-              <a:t>.index()</a:t>
-            </a:r>
-          </a:p>
-          <a:p>
-            <a:r>
-              <a:rPr lang="zh-CN" altLang="en-US" dirty="0"/>
-              <a:t>空元组和单元素元组：</a:t>
-            </a:r>
-            <a:r>
-              <a:rPr lang="en-US" altLang="zh-CN" dirty="0"/>
-              <a:t>()  'aa',   ('1</a:t>
-            </a:r>
-            <a:r>
-              <a:rPr lang="en-US" altLang="zh-CN" dirty="0" smtClean="0"/>
-              <a:t>',)</a:t>
-            </a:r>
-          </a:p>
-          <a:p>
-            <a:r>
-              <a:rPr lang="zh-CN" altLang="en-US" dirty="0"/>
-              <a:t>元组拆分：</a:t>
-            </a:r>
-            <a:r>
-              <a:rPr lang="en-US" altLang="zh-CN" dirty="0" err="1"/>
-              <a:t>t,b,c</a:t>
-            </a:r>
-            <a:r>
-              <a:rPr lang="en-US" altLang="zh-CN" dirty="0"/>
-              <a:t> = (1,2,3</a:t>
-            </a:r>
-            <a:r>
-              <a:rPr lang="en-US" altLang="zh-CN" dirty="0" smtClean="0"/>
-              <a:t>)</a:t>
-            </a:r>
-          </a:p>
-          <a:p>
-            <a:r>
-              <a:rPr lang="zh-CN" altLang="en-US" dirty="0" smtClean="0"/>
-              <a:t>元组形态的推导式：如</a:t>
-            </a:r>
-            <a:r>
-              <a:rPr lang="en-US" altLang="zh-CN" dirty="0" smtClean="0"/>
-              <a:t>( </a:t>
-            </a:r>
-            <a:r>
-              <a:rPr lang="en-US" altLang="zh-CN" dirty="0" err="1"/>
-              <a:t>i</a:t>
-            </a:r>
-            <a:r>
-              <a:rPr lang="en-US" altLang="zh-CN" dirty="0"/>
-              <a:t> for </a:t>
-            </a:r>
-            <a:r>
-              <a:rPr lang="en-US" altLang="zh-CN" dirty="0" err="1"/>
-              <a:t>i</a:t>
-            </a:r>
-            <a:r>
-              <a:rPr lang="en-US" altLang="zh-CN" dirty="0"/>
-              <a:t> in range(1,100) if </a:t>
-            </a:r>
-            <a:r>
-              <a:rPr lang="en-US" altLang="zh-CN" dirty="0" err="1"/>
-              <a:t>i</a:t>
-            </a:r>
-            <a:r>
-              <a:rPr lang="en-US" altLang="zh-CN" dirty="0"/>
-              <a:t> % 2 == </a:t>
-            </a:r>
-            <a:r>
-              <a:rPr lang="en-US" altLang="zh-CN" dirty="0" smtClean="0"/>
-              <a:t>0)</a:t>
-            </a:r>
-            <a:r>
-              <a:rPr lang="zh-CN" altLang="en-US" dirty="0" smtClean="0"/>
-              <a:t>的值是一个生成器</a:t>
-            </a:r>
-            <a:endParaRPr lang="en-US" altLang="zh-CN" dirty="0"/>
-          </a:p>
-          <a:p>
+              <a:t>非全局变量：里层可以读外层，但不能</a:t>
+            </a:r>
+            <a:r>
+              <a:rPr lang="zh-CN" altLang="en-US" dirty="0"/>
+              <a:t>对</a:t>
+            </a:r>
+            <a:r>
+              <a:rPr lang="zh-CN" altLang="en-US" dirty="0" smtClean="0"/>
+              <a:t>外层变量重新赋新引用。外层不能访问到里层。</a:t>
+            </a:r>
+            <a:endParaRPr lang="en-US" altLang="zh-CN" dirty="0" smtClean="0"/>
+          </a:p>
+          <a:p>
+            <a:pPr lvl="1"/>
+            <a:r>
+              <a:rPr lang="zh-CN" altLang="en-US" dirty="0" smtClean="0"/>
+              <a:t>全局变量：里层可以读取和修改外层全局变量的引用，外层也可以读取和修改里层声明的全局变量</a:t>
+            </a:r>
             <a:endParaRPr lang="zh-CN" altLang="en-US" dirty="0"/>
           </a:p>
         </p:txBody>
@@ -11015,7 +11377,7 @@
     </p:spTree>
     <p:extLst>
       <p:ext uri="{BB962C8B-B14F-4D97-AF65-F5344CB8AC3E}">
-        <p14:creationId xmlns:p14="http://schemas.microsoft.com/office/powerpoint/2010/main" val="29223189"/>
+        <p14:creationId xmlns:p14="http://schemas.microsoft.com/office/powerpoint/2010/main" val="1656399057"/>
       </p:ext>
     </p:extLst>
   </p:cSld>
@@ -11058,9 +11420,10 @@
           <a:lstStyle/>
           <a:p>
             <a:r>
-              <a:rPr lang="zh-CN" altLang="en-US" dirty="0"/>
-              <a:t>集合</a:t>
-            </a:r>
+              <a:rPr lang="zh-CN" altLang="en-US" dirty="0" smtClean="0"/>
+              <a:t>局部符号表</a:t>
+            </a:r>
+            <a:endParaRPr lang="zh-CN" altLang="en-US" dirty="0"/>
           </a:p>
         </p:txBody>
       </p:sp>
@@ -11078,163 +11441,6 @@
         <p:txBody>
           <a:bodyPr/>
           <a:lstStyle/>
-          <a:p>
-            <a:r>
-              <a:rPr lang="zh-CN" altLang="en-US" dirty="0" smtClean="0"/>
-              <a:t>创建：</a:t>
-            </a:r>
-            <a:endParaRPr lang="en-US" altLang="zh-CN" dirty="0" smtClean="0"/>
-          </a:p>
-          <a:p>
-            <a:pPr lvl="1"/>
-            <a:r>
-              <a:rPr lang="zh-CN" altLang="en-US" dirty="0" smtClean="0"/>
-              <a:t>方法式：</a:t>
-            </a:r>
-            <a:r>
-              <a:rPr lang="en-US" altLang="zh-CN" dirty="0" smtClean="0"/>
-              <a:t>set() </a:t>
-            </a:r>
-            <a:r>
-              <a:rPr lang="zh-CN" altLang="en-US" dirty="0" smtClean="0"/>
-              <a:t>为空集合 或者 </a:t>
-            </a:r>
-            <a:r>
-              <a:rPr lang="en-US" altLang="zh-CN" dirty="0" smtClean="0"/>
-              <a:t>set(</a:t>
-            </a:r>
-            <a:r>
-              <a:rPr lang="zh-CN" altLang="en-US" dirty="0"/>
-              <a:t>序列</a:t>
-            </a:r>
-            <a:r>
-              <a:rPr lang="en-US" altLang="zh-CN" dirty="0" smtClean="0"/>
-              <a:t>)</a:t>
-            </a:r>
-            <a:r>
-              <a:rPr lang="zh-CN" altLang="en-US" dirty="0"/>
-              <a:t> </a:t>
-            </a:r>
-            <a:r>
-              <a:rPr lang="zh-CN" altLang="en-US" dirty="0" smtClean="0"/>
-              <a:t>为序列转换而来。</a:t>
-            </a:r>
-            <a:endParaRPr lang="en-US" altLang="zh-CN" dirty="0" smtClean="0"/>
-          </a:p>
-          <a:p>
-            <a:pPr lvl="1"/>
-            <a:r>
-              <a:rPr lang="zh-CN" altLang="en-US" dirty="0"/>
-              <a:t>推导式：</a:t>
-            </a:r>
-            <a:r>
-              <a:rPr lang="en-US" altLang="zh-CN" dirty="0" err="1"/>
-              <a:t>a_set</a:t>
-            </a:r>
-            <a:r>
-              <a:rPr lang="en-US" altLang="zh-CN" dirty="0"/>
-              <a:t> = </a:t>
-            </a:r>
-            <a:r>
-              <a:rPr lang="en-US" altLang="zh-CN" dirty="0" smtClean="0"/>
-              <a:t>{_</a:t>
-            </a:r>
-            <a:r>
-              <a:rPr lang="en-US" altLang="zh-CN" dirty="0" err="1" smtClean="0"/>
-              <a:t>val</a:t>
-            </a:r>
-            <a:r>
-              <a:rPr lang="en-US" altLang="zh-CN" dirty="0" smtClean="0"/>
-              <a:t> </a:t>
-            </a:r>
-            <a:r>
-              <a:rPr lang="en-US" altLang="zh-CN" dirty="0"/>
-              <a:t>for </a:t>
-            </a:r>
-            <a:r>
-              <a:rPr lang="en-US" altLang="zh-CN" dirty="0" smtClean="0"/>
-              <a:t>_</a:t>
-            </a:r>
-            <a:r>
-              <a:rPr lang="en-US" altLang="zh-CN" dirty="0" err="1" smtClean="0"/>
-              <a:t>obj</a:t>
-            </a:r>
-            <a:r>
-              <a:rPr lang="en-US" altLang="zh-CN" dirty="0" smtClean="0"/>
-              <a:t> </a:t>
-            </a:r>
-            <a:r>
-              <a:rPr lang="en-US" altLang="zh-CN" dirty="0"/>
-              <a:t>in </a:t>
-            </a:r>
-            <a:r>
-              <a:rPr lang="en-US" altLang="zh-CN" dirty="0" smtClean="0"/>
-              <a:t>_</a:t>
-            </a:r>
-            <a:r>
-              <a:rPr lang="en-US" altLang="zh-CN" dirty="0" err="1" smtClean="0"/>
-              <a:t>arr</a:t>
-            </a:r>
-            <a:r>
-              <a:rPr lang="en-US" altLang="zh-CN" dirty="0" smtClean="0"/>
-              <a:t> </a:t>
-            </a:r>
-            <a:r>
-              <a:rPr lang="en-US" altLang="zh-CN" dirty="0"/>
-              <a:t>if </a:t>
-            </a:r>
-            <a:r>
-              <a:rPr lang="en-US" altLang="zh-CN" dirty="0" smtClean="0"/>
-              <a:t>expression}</a:t>
-            </a:r>
-          </a:p>
-          <a:p>
-            <a:r>
-              <a:rPr lang="zh-CN" altLang="en-US" dirty="0" smtClean="0"/>
-              <a:t>集合方法</a:t>
-            </a:r>
-            <a:r>
-              <a:rPr lang="en-US" altLang="zh-CN" dirty="0" smtClean="0"/>
-              <a:t>:</a:t>
-            </a:r>
-            <a:r>
-              <a:rPr lang="zh-CN" altLang="en-US" dirty="0"/>
-              <a:t> </a:t>
-            </a:r>
-            <a:r>
-              <a:rPr lang="en-US" altLang="zh-CN" dirty="0" smtClean="0"/>
-              <a:t>union</a:t>
-            </a:r>
-            <a:r>
-              <a:rPr lang="zh-CN" altLang="en-US" dirty="0" smtClean="0"/>
-              <a:t>并、</a:t>
-            </a:r>
-            <a:r>
-              <a:rPr lang="en-US" altLang="zh-CN" dirty="0" smtClean="0"/>
-              <a:t>difference</a:t>
-            </a:r>
-            <a:r>
-              <a:rPr lang="zh-CN" altLang="en-US" dirty="0" smtClean="0"/>
-              <a:t>补 等</a:t>
-            </a:r>
-            <a:r>
-              <a:rPr lang="zh-CN" altLang="en-US" dirty="0"/>
-              <a:t>集合</a:t>
-            </a:r>
-            <a:r>
-              <a:rPr lang="zh-CN" altLang="en-US" dirty="0" smtClean="0"/>
-              <a:t>运算。</a:t>
-            </a:r>
-            <a:r>
-              <a:rPr lang="en-US" altLang="zh-CN" dirty="0" smtClean="0"/>
-              <a:t>add() pop()</a:t>
-            </a:r>
-            <a:r>
-              <a:rPr lang="zh-CN" altLang="en-US" dirty="0" smtClean="0"/>
-              <a:t>列表方法</a:t>
-            </a:r>
-            <a:endParaRPr lang="en-US" altLang="zh-CN" dirty="0" smtClean="0"/>
-          </a:p>
           <a:p>
             <a:endParaRPr lang="zh-CN" altLang="en-US" dirty="0"/>
           </a:p>
@@ -11243,7 +11449,7 @@
     </p:spTree>
     <p:extLst>
       <p:ext uri="{BB962C8B-B14F-4D97-AF65-F5344CB8AC3E}">
-        <p14:creationId xmlns:p14="http://schemas.microsoft.com/office/powerpoint/2010/main" val="1013656583"/>
+        <p14:creationId xmlns:p14="http://schemas.microsoft.com/office/powerpoint/2010/main" val="794516017"/>
       </p:ext>
     </p:extLst>
   </p:cSld>
@@ -11286,266 +11492,322 @@
           <a:lstStyle/>
           <a:p>
             <a:r>
+              <a:rPr lang="zh-CN" altLang="en-US" dirty="0"/>
+              <a:t>数据类型</a:t>
+            </a:r>
+          </a:p>
+        </p:txBody>
+      </p:sp>
+      <p:sp>
+        <p:nvSpPr>
+          <p:cNvPr id="3" name="内容占位符 2"/>
+          <p:cNvSpPr>
+            <a:spLocks noGrp="1"/>
+          </p:cNvSpPr>
+          <p:nvPr>
+            <p:ph idx="1"/>
+          </p:nvPr>
+        </p:nvSpPr>
+        <p:spPr/>
+        <p:txBody>
+          <a:bodyPr>
+            <a:normAutofit fontScale="92500" lnSpcReduction="10000"/>
+          </a:bodyPr>
+          <a:lstStyle/>
+          <a:p>
+            <a:r>
+              <a:rPr lang="zh-CN" altLang="en-US" dirty="0" smtClean="0"/>
+              <a:t>基本类型：</a:t>
+            </a:r>
+            <a:r>
+              <a:rPr lang="en-US" altLang="zh-CN" dirty="0" err="1" smtClean="0"/>
+              <a:t>int</a:t>
+            </a:r>
+            <a:r>
+              <a:rPr lang="en-US" altLang="zh-CN" dirty="0" smtClean="0"/>
+              <a:t>, long, float, complex</a:t>
+            </a:r>
+            <a:r>
+              <a:rPr lang="zh-CN" altLang="en-US" dirty="0" smtClean="0"/>
+              <a:t>（复数，如</a:t>
+            </a:r>
+            <a:r>
+              <a:rPr lang="en-US" altLang="zh-CN" dirty="0" smtClean="0"/>
+              <a:t>4j</a:t>
+            </a:r>
+            <a:r>
+              <a:rPr lang="zh-CN" altLang="en-US" dirty="0" smtClean="0"/>
+              <a:t>）</a:t>
+            </a:r>
+            <a:r>
+              <a:rPr lang="en-US" altLang="zh-CN" dirty="0" smtClean="0"/>
+              <a:t>,</a:t>
+            </a:r>
+            <a:r>
+              <a:rPr lang="zh-CN" altLang="en-US" dirty="0" smtClean="0"/>
+              <a:t>字符串</a:t>
+            </a:r>
+            <a:endParaRPr lang="en-US" altLang="zh-CN" dirty="0" smtClean="0"/>
+          </a:p>
+          <a:p>
+            <a:r>
+              <a:rPr lang="zh-CN" altLang="en-US" dirty="0" smtClean="0"/>
+              <a:t>基本类型的方法：字符串：可以下标访问：</a:t>
+            </a:r>
+            <a:r>
+              <a:rPr lang="en-US" altLang="zh-CN" dirty="0" err="1" smtClean="0"/>
+              <a:t>str</a:t>
+            </a:r>
+            <a:r>
+              <a:rPr lang="en-US" altLang="zh-CN" dirty="0" smtClean="0"/>
+              <a:t>[1:3]…</a:t>
+            </a:r>
+          </a:p>
+          <a:p>
+            <a:r>
+              <a:rPr lang="zh-CN" altLang="en-US" dirty="0" smtClean="0"/>
+              <a:t>基本数据类型之间的转换：</a:t>
+            </a:r>
+            <a:r>
+              <a:rPr lang="en-US" altLang="zh-CN" dirty="0" err="1" smtClean="0"/>
+              <a:t>int</a:t>
+            </a:r>
+            <a:r>
+              <a:rPr lang="en-US" altLang="zh-CN" dirty="0" smtClean="0"/>
+              <a:t>(o), float(o), </a:t>
+            </a:r>
+            <a:r>
+              <a:rPr lang="en-US" altLang="zh-CN" dirty="0" err="1" smtClean="0"/>
+              <a:t>str</a:t>
+            </a:r>
+            <a:r>
+              <a:rPr lang="en-US" altLang="zh-CN" dirty="0" smtClean="0"/>
+              <a:t>(o) o</a:t>
+            </a:r>
+            <a:r>
+              <a:rPr lang="zh-CN" altLang="en-US" dirty="0" smtClean="0"/>
+              <a:t>可以为字符串或数字</a:t>
+            </a:r>
+            <a:endParaRPr lang="en-US" altLang="zh-CN" dirty="0" smtClean="0"/>
+          </a:p>
+          <a:p>
+            <a:r>
+              <a:rPr lang="zh-CN" altLang="en-US" dirty="0" smtClean="0"/>
+              <a:t>集合类型：</a:t>
+            </a:r>
+            <a:endParaRPr lang="en-US" altLang="zh-CN" dirty="0" smtClean="0"/>
+          </a:p>
+          <a:p>
+            <a:pPr lvl="1"/>
+            <a:r>
+              <a:rPr lang="zh-CN" altLang="en-US" dirty="0" smtClean="0"/>
+              <a:t>列表</a:t>
+            </a:r>
+            <a:r>
+              <a:rPr lang="en-US" altLang="zh-CN" dirty="0" smtClean="0"/>
+              <a:t>list</a:t>
+            </a:r>
+            <a:r>
+              <a:rPr lang="zh-CN" altLang="en-US" dirty="0" smtClean="0"/>
+              <a:t>：如 </a:t>
+            </a:r>
+            <a:r>
+              <a:rPr lang="en-US" altLang="zh-CN" dirty="0" smtClean="0"/>
+              <a:t>[3,4,5]</a:t>
+            </a:r>
+            <a:r>
+              <a:rPr lang="zh-CN" altLang="en-US" dirty="0"/>
+              <a:t> </a:t>
+            </a:r>
+            <a:r>
+              <a:rPr lang="zh-CN" altLang="en-US" dirty="0" smtClean="0"/>
+              <a:t>是有序元素集合。可以下标读写。</a:t>
+            </a:r>
+            <a:endParaRPr lang="en-US" altLang="zh-CN" dirty="0" smtClean="0"/>
+          </a:p>
+          <a:p>
+            <a:pPr lvl="1"/>
+            <a:r>
+              <a:rPr lang="zh-CN" altLang="en-US" dirty="0" smtClean="0"/>
+              <a:t>元组</a:t>
+            </a:r>
+            <a:r>
+              <a:rPr lang="en-US" altLang="zh-CN" dirty="0" smtClean="0"/>
+              <a:t>tuple</a:t>
+            </a:r>
+            <a:r>
+              <a:rPr lang="zh-CN" altLang="en-US" dirty="0" smtClean="0"/>
+              <a:t>：如</a:t>
+            </a:r>
+            <a:r>
+              <a:rPr lang="en-US" altLang="zh-CN" dirty="0" smtClean="0"/>
+              <a:t>(3,4,5) </a:t>
+            </a:r>
+            <a:r>
+              <a:rPr lang="zh-CN" altLang="en-US" dirty="0" smtClean="0"/>
+              <a:t>是有序元素集合，但只能读，不能再次赋值。如函数参数列表。</a:t>
+            </a:r>
+            <a:endParaRPr lang="en-US" altLang="zh-CN" dirty="0" smtClean="0"/>
+          </a:p>
+          <a:p>
+            <a:pPr lvl="1"/>
+            <a:r>
+              <a:rPr lang="zh-CN" altLang="en-US" dirty="0" smtClean="0"/>
+              <a:t>集合</a:t>
+            </a:r>
+            <a:r>
+              <a:rPr lang="en-US" altLang="zh-CN" dirty="0" smtClean="0"/>
+              <a:t>set</a:t>
+            </a:r>
+            <a:r>
+              <a:rPr lang="zh-CN" altLang="en-US" dirty="0" smtClean="0"/>
+              <a:t>：如</a:t>
+            </a:r>
+            <a:r>
+              <a:rPr lang="en-US" altLang="zh-CN" dirty="0" smtClean="0"/>
+              <a:t>set()</a:t>
+            </a:r>
+            <a:r>
+              <a:rPr lang="zh-CN" altLang="en-US" dirty="0" smtClean="0"/>
+              <a:t>是无序不重复元素集合。</a:t>
+            </a:r>
+            <a:endParaRPr lang="en-US" altLang="zh-CN" dirty="0" smtClean="0"/>
+          </a:p>
+          <a:p>
+            <a:pPr lvl="1"/>
+            <a:r>
               <a:rPr lang="zh-CN" altLang="en-US" dirty="0" smtClean="0"/>
               <a:t>字典</a:t>
             </a:r>
-            <a:endParaRPr lang="zh-CN" altLang="en-US" dirty="0"/>
-          </a:p>
-        </p:txBody>
-      </p:sp>
-      <p:sp>
-        <p:nvSpPr>
-          <p:cNvPr id="3" name="内容占位符 2"/>
-          <p:cNvSpPr>
-            <a:spLocks noGrp="1"/>
-          </p:cNvSpPr>
-          <p:nvPr>
-            <p:ph idx="1"/>
-          </p:nvPr>
-        </p:nvSpPr>
-        <p:spPr/>
-        <p:txBody>
-          <a:bodyPr/>
-          <a:lstStyle/>
-          <a:p>
-            <a:r>
-              <a:rPr lang="zh-CN" altLang="en-US" dirty="0" smtClean="0"/>
-              <a:t>创建：</a:t>
+            <a:r>
+              <a:rPr lang="en-US" altLang="zh-CN" dirty="0" err="1" smtClean="0"/>
+              <a:t>dict</a:t>
+            </a:r>
+            <a:r>
+              <a:rPr lang="zh-CN" altLang="en-US" dirty="0" smtClean="0"/>
+              <a:t>：如</a:t>
+            </a:r>
+            <a:r>
+              <a:rPr lang="en-US" altLang="zh-CN" dirty="0" smtClean="0"/>
+              <a:t>{‘infoId’:455444,’title’:’xxxxx’},</a:t>
+            </a:r>
+            <a:r>
+              <a:rPr lang="zh-CN" altLang="en-US" dirty="0" smtClean="0"/>
+              <a:t>无序键值对集合，可读写，只能</a:t>
+            </a:r>
+            <a:r>
+              <a:rPr lang="en-US" altLang="zh-CN" dirty="0" smtClean="0"/>
+              <a:t>map[key]</a:t>
+            </a:r>
+            <a:r>
+              <a:rPr lang="zh-CN" altLang="en-US" dirty="0" smtClean="0"/>
+              <a:t>，</a:t>
+            </a:r>
+            <a:r>
+              <a:rPr lang="en-US" altLang="zh-CN" dirty="0" smtClean="0"/>
+              <a:t>			</a:t>
+            </a:r>
+            <a:r>
+              <a:rPr lang="zh-CN" altLang="en-US" dirty="0" smtClean="0"/>
+              <a:t>不能</a:t>
+            </a:r>
+            <a:r>
+              <a:rPr lang="en-US" altLang="zh-CN" dirty="0" err="1" smtClean="0"/>
+              <a:t>map.key</a:t>
+            </a:r>
+            <a:r>
+              <a:rPr lang="zh-CN" altLang="en-US" dirty="0" smtClean="0"/>
+              <a:t>，后者是属性访问方式。</a:t>
             </a:r>
             <a:endParaRPr lang="en-US" altLang="zh-CN" dirty="0" smtClean="0"/>
           </a:p>
           <a:p>
-            <a:pPr lvl="1"/>
-            <a:r>
-              <a:rPr lang="zh-CN" altLang="en-US" dirty="0" smtClean="0"/>
-              <a:t>普通：</a:t>
-            </a:r>
-            <a:r>
-              <a:rPr lang="en-US" altLang="zh-CN" dirty="0" smtClean="0"/>
-              <a:t>{</a:t>
+            <a:r>
+              <a:rPr lang="zh-CN" altLang="en-US" dirty="0" smtClean="0"/>
+              <a:t>集合类型之间的转换：</a:t>
+            </a:r>
+            <a:r>
+              <a:rPr lang="en-US" altLang="zh-CN" dirty="0" smtClean="0"/>
+              <a:t>list(</a:t>
+            </a:r>
+            <a:r>
+              <a:rPr lang="zh-CN" altLang="en-US" dirty="0" smtClean="0"/>
+              <a:t>序列</a:t>
+            </a:r>
+            <a:r>
+              <a:rPr lang="en-US" altLang="zh-CN" dirty="0" smtClean="0"/>
+              <a:t>), set(</a:t>
+            </a:r>
+            <a:r>
+              <a:rPr lang="zh-CN" altLang="en-US" dirty="0" smtClean="0"/>
+              <a:t>序列</a:t>
+            </a:r>
+            <a:r>
+              <a:rPr lang="en-US" altLang="zh-CN" dirty="0" smtClean="0"/>
+              <a:t>), tuple(</a:t>
+            </a:r>
+            <a:r>
+              <a:rPr lang="zh-CN" altLang="en-US" dirty="0" smtClean="0"/>
+              <a:t>序列</a:t>
+            </a:r>
+            <a:r>
+              <a:rPr lang="en-US" altLang="zh-CN" dirty="0" smtClean="0"/>
+              <a:t>),</a:t>
             </a:r>
             <a:r>
               <a:rPr lang="en-US" altLang="zh-CN" dirty="0" err="1" smtClean="0"/>
-              <a:t>key:value</a:t>
-            </a:r>
-            <a:r>
-              <a:rPr lang="en-US" altLang="zh-CN" dirty="0" smtClean="0"/>
-              <a:t> …} </a:t>
-            </a:r>
-          </a:p>
-          <a:p>
-            <a:pPr lvl="1"/>
-            <a:r>
-              <a:rPr lang="zh-CN" altLang="en-US" dirty="0" smtClean="0"/>
-              <a:t>推导式：</a:t>
-            </a:r>
-            <a:r>
-              <a:rPr lang="en-US" altLang="zh-CN" dirty="0" smtClean="0"/>
-              <a:t>{</a:t>
+              <a:t>dict</a:t>
+            </a:r>
+            <a:r>
+              <a:rPr lang="en-US" altLang="zh-CN" dirty="0" smtClean="0"/>
+              <a:t>(key-value</a:t>
+            </a:r>
+            <a:r>
+              <a:rPr lang="zh-CN" altLang="en-US" dirty="0" smtClean="0"/>
+              <a:t>元组序列</a:t>
+            </a:r>
+            <a:r>
+              <a:rPr lang="en-US" altLang="zh-CN" dirty="0" smtClean="0"/>
+              <a:t>)</a:t>
+            </a:r>
+            <a:r>
+              <a:rPr lang="en-US" altLang="zh-CN" dirty="0"/>
+              <a:t/>
+            </a:r>
+            <a:br>
+              <a:rPr lang="en-US" altLang="zh-CN" dirty="0"/>
+            </a:br>
+            <a:r>
+              <a:rPr lang="en-US" altLang="zh-CN" dirty="0" smtClean="0"/>
+              <a:t>	</a:t>
+            </a:r>
+            <a:r>
+              <a:rPr lang="zh-CN" altLang="en-US" dirty="0" smtClean="0"/>
+              <a:t>如</a:t>
             </a:r>
             <a:r>
               <a:rPr lang="en-US" altLang="zh-CN" dirty="0" err="1" smtClean="0"/>
-              <a:t>key:value</a:t>
-            </a:r>
-            <a:r>
-              <a:rPr lang="en-US" altLang="zh-CN" dirty="0" smtClean="0"/>
-              <a:t> </a:t>
-            </a:r>
-            <a:r>
-              <a:rPr lang="en-US" altLang="zh-CN" dirty="0"/>
-              <a:t>for </a:t>
-            </a:r>
-            <a:r>
-              <a:rPr lang="en-US" altLang="zh-CN" dirty="0" smtClean="0"/>
-              <a:t>_</a:t>
-            </a:r>
-            <a:r>
-              <a:rPr lang="en-US" altLang="zh-CN" dirty="0" err="1" smtClean="0"/>
-              <a:t>obj</a:t>
-            </a:r>
-            <a:r>
-              <a:rPr lang="en-US" altLang="zh-CN" dirty="0" smtClean="0"/>
-              <a:t> </a:t>
-            </a:r>
-            <a:r>
-              <a:rPr lang="en-US" altLang="zh-CN" dirty="0"/>
-              <a:t>in </a:t>
-            </a:r>
-            <a:r>
-              <a:rPr lang="en-US" altLang="zh-CN" dirty="0" smtClean="0"/>
-              <a:t>_</a:t>
-            </a:r>
-            <a:r>
-              <a:rPr lang="en-US" altLang="zh-CN" dirty="0" err="1" smtClean="0"/>
-              <a:t>arr</a:t>
-            </a:r>
-            <a:r>
-              <a:rPr lang="en-US" altLang="zh-CN" dirty="0" smtClean="0"/>
-              <a:t> if expression}</a:t>
-            </a:r>
-          </a:p>
-          <a:p>
-            <a:r>
-              <a:rPr lang="zh-CN" altLang="en-US" dirty="0"/>
-              <a:t>访问</a:t>
-            </a:r>
-            <a:r>
-              <a:rPr lang="en-US" altLang="zh-CN" dirty="0"/>
-              <a:t>(key</a:t>
-            </a:r>
-            <a:r>
-              <a:rPr lang="zh-CN" altLang="en-US" dirty="0"/>
-              <a:t>或遍历</a:t>
-            </a:r>
-            <a:r>
-              <a:rPr lang="en-US" altLang="zh-CN" dirty="0" smtClean="0"/>
-              <a:t>)</a:t>
-            </a:r>
-            <a:r>
-              <a:rPr lang="zh-CN" altLang="en-US" dirty="0" smtClean="0"/>
-              <a:t>：</a:t>
-            </a:r>
-            <a:endParaRPr lang="en-US" altLang="zh-CN" dirty="0" smtClean="0"/>
-          </a:p>
-          <a:p>
-            <a:pPr lvl="1"/>
-            <a:r>
-              <a:rPr lang="zh-CN" altLang="en-US" dirty="0" smtClean="0"/>
-              <a:t>指定</a:t>
-            </a:r>
-            <a:r>
-              <a:rPr lang="en-US" altLang="zh-CN" dirty="0" smtClean="0"/>
-              <a:t>key: </a:t>
-            </a:r>
-            <a:r>
-              <a:rPr lang="zh-CN" altLang="en-US" dirty="0" smtClean="0"/>
-              <a:t>不能</a:t>
-            </a:r>
-            <a:r>
-              <a:rPr lang="zh-CN" altLang="en-US" dirty="0"/>
-              <a:t>用</a:t>
-            </a:r>
-            <a:r>
-              <a:rPr lang="en-US" altLang="zh-CN" dirty="0"/>
-              <a:t>.</a:t>
-            </a:r>
-            <a:r>
-              <a:rPr lang="zh-CN" altLang="en-US" dirty="0"/>
-              <a:t>来访问某个键的值。</a:t>
-            </a:r>
-            <a:r>
-              <a:rPr lang="zh-CN" altLang="en-US" dirty="0" smtClean="0"/>
-              <a:t>只能</a:t>
-            </a:r>
-            <a:r>
-              <a:rPr lang="en-US" altLang="zh-CN" dirty="0" err="1" smtClean="0"/>
-              <a:t>a_dict</a:t>
-            </a:r>
-            <a:r>
-              <a:rPr lang="en-US" altLang="zh-CN" dirty="0" smtClean="0"/>
-              <a:t>[key]</a:t>
-            </a:r>
-            <a:r>
-              <a:rPr lang="zh-CN" altLang="en-US" dirty="0"/>
-              <a:t>来</a:t>
-            </a:r>
-            <a:r>
-              <a:rPr lang="zh-CN" altLang="en-US" dirty="0" smtClean="0"/>
-              <a:t>访问</a:t>
-            </a:r>
-            <a:endParaRPr lang="en-US" altLang="zh-CN" dirty="0" smtClean="0"/>
-          </a:p>
-          <a:p>
-            <a:pPr lvl="1"/>
-            <a:r>
-              <a:rPr lang="en-US" altLang="zh-CN" dirty="0" smtClean="0"/>
-              <a:t>for</a:t>
-            </a:r>
-            <a:r>
-              <a:rPr lang="zh-CN" altLang="en-US" dirty="0" smtClean="0"/>
-              <a:t>遍历：</a:t>
-            </a:r>
-            <a:r>
-              <a:rPr lang="en-US" altLang="zh-CN" dirty="0"/>
-              <a:t> </a:t>
-            </a:r>
-            <a:r>
-              <a:rPr lang="en-US" altLang="zh-CN" dirty="0" err="1" smtClean="0"/>
-              <a:t>a_dict.iteritems</a:t>
-            </a:r>
-            <a:r>
-              <a:rPr lang="en-US" altLang="zh-CN" dirty="0" smtClean="0"/>
-              <a:t>() </a:t>
-            </a:r>
-            <a:r>
-              <a:rPr lang="zh-CN" altLang="en-US" dirty="0" smtClean="0"/>
-              <a:t>返回是</a:t>
-            </a:r>
-            <a:r>
-              <a:rPr lang="en-US" altLang="zh-CN" dirty="0" err="1" smtClean="0"/>
-              <a:t>key,value</a:t>
-            </a:r>
-            <a:r>
-              <a:rPr lang="zh-CN" altLang="en-US" dirty="0" smtClean="0"/>
-              <a:t>的元组</a:t>
-            </a:r>
-            <a:r>
-              <a:rPr lang="en-US" altLang="zh-CN" dirty="0" smtClean="0"/>
-              <a:t> </a:t>
-            </a:r>
-            <a:r>
-              <a:rPr lang="zh-CN" altLang="en-US" dirty="0" smtClean="0"/>
-              <a:t>。直接遍历</a:t>
-            </a:r>
-            <a:r>
-              <a:rPr lang="en-US" altLang="zh-CN" dirty="0" err="1" smtClean="0"/>
-              <a:t>a_dict</a:t>
-            </a:r>
-            <a:r>
-              <a:rPr lang="zh-CN" altLang="en-US" dirty="0" smtClean="0"/>
-              <a:t>只能取到</a:t>
-            </a:r>
-            <a:r>
-              <a:rPr lang="en-US" altLang="zh-CN" dirty="0" smtClean="0"/>
-              <a:t>values</a:t>
-            </a:r>
-          </a:p>
-          <a:p>
-            <a:r>
-              <a:rPr lang="zh-CN" altLang="en-US" dirty="0" smtClean="0"/>
-              <a:t>其他方法</a:t>
-            </a:r>
-            <a:r>
-              <a:rPr lang="en-US" altLang="zh-CN" dirty="0" smtClean="0"/>
-              <a:t>:</a:t>
-            </a:r>
-            <a:r>
-              <a:rPr lang="zh-CN" altLang="en-US" dirty="0" smtClean="0"/>
-              <a:t>如</a:t>
-            </a:r>
-            <a:r>
-              <a:rPr lang="en-US" altLang="zh-CN" dirty="0" err="1" smtClean="0"/>
-              <a:t>has_key</a:t>
-            </a:r>
-            <a:r>
-              <a:rPr lang="en-US" altLang="zh-CN" dirty="0" smtClean="0"/>
-              <a:t>(key)</a:t>
-            </a:r>
-            <a:r>
-              <a:rPr lang="zh-CN" altLang="en-US" dirty="0" smtClean="0"/>
-              <a:t>键存在判断</a:t>
-            </a:r>
-            <a:endParaRPr lang="en-US" altLang="zh-CN" dirty="0" smtClean="0"/>
-          </a:p>
-          <a:p>
-            <a:endParaRPr lang="zh-CN" altLang="en-US" dirty="0"/>
+              <a:t>dict</a:t>
+            </a:r>
+            <a:r>
+              <a:rPr lang="en-US" altLang="zh-CN" dirty="0" smtClean="0"/>
+              <a:t>(((4,5),(6,7)))</a:t>
+            </a:r>
+            <a:r>
+              <a:rPr lang="zh-CN" altLang="en-US" dirty="0" smtClean="0"/>
+              <a:t>就是</a:t>
+            </a:r>
+            <a:r>
+              <a:rPr lang="en-US" altLang="zh-CN" dirty="0" smtClean="0"/>
+              <a:t>{4:5, 6:7}…</a:t>
+            </a:r>
           </a:p>
         </p:txBody>
       </p:sp>
     </p:spTree>
     <p:extLst>
       <p:ext uri="{BB962C8B-B14F-4D97-AF65-F5344CB8AC3E}">
-        <p14:creationId xmlns:p14="http://schemas.microsoft.com/office/powerpoint/2010/main" val="3346967445"/>
+        <p14:creationId xmlns:p14="http://schemas.microsoft.com/office/powerpoint/2010/main" val="1078455937"/>
       </p:ext>
     </p:extLst>
   </p:cSld>
@@ -11582,14 +11844,19 @@
             <p:ph type="title"/>
           </p:nvPr>
         </p:nvSpPr>
-        <p:spPr/>
+        <p:spPr>
+          <a:xfrm>
+            <a:off x="2592925" y="637172"/>
+            <a:ext cx="8911687" cy="1280890"/>
+          </a:xfrm>
+        </p:spPr>
         <p:txBody>
           <a:bodyPr/>
           <a:lstStyle/>
           <a:p>
             <a:r>
               <a:rPr lang="zh-CN" altLang="en-US" dirty="0" smtClean="0"/>
-              <a:t>文件操作</a:t>
+              <a:t>字符串</a:t>
             </a:r>
             <a:endParaRPr lang="zh-CN" altLang="en-US" dirty="0"/>
           </a:p>
@@ -11607,17 +11874,349 @@
         </p:nvSpPr>
         <p:spPr/>
         <p:txBody>
-          <a:bodyPr/>
+          <a:bodyPr>
+            <a:normAutofit fontScale="85000" lnSpcReduction="20000"/>
+          </a:bodyPr>
           <a:lstStyle/>
           <a:p>
-            <a:endParaRPr lang="zh-CN" altLang="en-US" dirty="0"/>
+            <a:r>
+              <a:rPr lang="zh-CN" altLang="en-US" dirty="0" smtClean="0"/>
+              <a:t>表示：</a:t>
+            </a:r>
+            <a:r>
+              <a:rPr lang="en-US" altLang="zh-CN" dirty="0" smtClean="0"/>
+              <a:t>‘</a:t>
+            </a:r>
+            <a:r>
+              <a:rPr lang="en-US" altLang="zh-CN" dirty="0" err="1" smtClean="0"/>
+              <a:t>abc</a:t>
+            </a:r>
+            <a:r>
+              <a:rPr lang="en-US" altLang="zh-CN" dirty="0" smtClean="0"/>
+              <a:t>’, “</a:t>
+            </a:r>
+            <a:r>
+              <a:rPr lang="en-US" altLang="zh-CN" dirty="0" err="1" smtClean="0"/>
+              <a:t>abc</a:t>
+            </a:r>
+            <a:r>
+              <a:rPr lang="en-US" altLang="zh-CN" dirty="0" smtClean="0"/>
+              <a:t>”  ‘“</a:t>
+            </a:r>
+            <a:r>
+              <a:rPr lang="en-US" altLang="zh-CN" dirty="0" err="1" smtClean="0"/>
+              <a:t>abc</a:t>
+            </a:r>
+            <a:r>
+              <a:rPr lang="en-US" altLang="zh-CN" dirty="0" smtClean="0"/>
+              <a:t>’”, </a:t>
+            </a:r>
+            <a:r>
+              <a:rPr lang="en-US" altLang="zh-CN" dirty="0" err="1" smtClean="0"/>
+              <a:t>u’abc</a:t>
+            </a:r>
+            <a:r>
+              <a:rPr lang="en-US" altLang="zh-CN" dirty="0" smtClean="0"/>
+              <a:t>’, </a:t>
+            </a:r>
+            <a:r>
+              <a:rPr lang="en-US" altLang="zh-CN" dirty="0" err="1" smtClean="0"/>
+              <a:t>r‘abc</a:t>
+            </a:r>
+            <a:r>
+              <a:rPr lang="en-US" altLang="zh-CN" dirty="0" smtClean="0"/>
+              <a:t>’, ‘\xe6\x88\x91’(</a:t>
+            </a:r>
+            <a:r>
+              <a:rPr lang="en-US" altLang="zh-CN" dirty="0"/>
+              <a:t>utf-8</a:t>
+            </a:r>
+            <a:r>
+              <a:rPr lang="zh-CN" altLang="en-US" dirty="0" smtClean="0"/>
+              <a:t>编码</a:t>
+            </a:r>
+            <a:r>
+              <a:rPr lang="en-US" altLang="zh-CN" dirty="0" smtClean="0"/>
+              <a:t>:</a:t>
+            </a:r>
+            <a:r>
+              <a:rPr lang="zh-CN" altLang="en-US" dirty="0" smtClean="0"/>
+              <a:t>我</a:t>
+            </a:r>
+            <a:r>
+              <a:rPr lang="en-US" altLang="zh-CN" dirty="0" smtClean="0"/>
+              <a:t>),u’\u6211’(</a:t>
+            </a:r>
+            <a:r>
+              <a:rPr lang="en-US" altLang="zh-CN" dirty="0" err="1" smtClean="0"/>
+              <a:t>unicode</a:t>
+            </a:r>
+            <a:r>
+              <a:rPr lang="zh-CN" altLang="en-US" dirty="0" smtClean="0"/>
+              <a:t>编码</a:t>
+            </a:r>
+            <a:r>
+              <a:rPr lang="en-US" altLang="zh-CN" dirty="0" smtClean="0"/>
+              <a:t>:</a:t>
+            </a:r>
+            <a:r>
+              <a:rPr lang="zh-CN" altLang="en-US" dirty="0" smtClean="0"/>
+              <a:t>我</a:t>
+            </a:r>
+            <a:r>
+              <a:rPr lang="en-US" altLang="zh-CN" dirty="0" smtClean="0"/>
+              <a:t>)</a:t>
+            </a:r>
+            <a:r>
+              <a:rPr lang="zh-CN" altLang="en-US" dirty="0" smtClean="0"/>
+              <a:t>。字符串</a:t>
+            </a:r>
+            <a:r>
+              <a:rPr lang="zh-CN" altLang="en-US" dirty="0"/>
+              <a:t>中标识引号： </a:t>
+            </a:r>
+            <a:r>
+              <a:rPr lang="en-US" altLang="zh-CN" dirty="0" smtClean="0"/>
+              <a:t>‘“ab”, </a:t>
+            </a:r>
+            <a:r>
+              <a:rPr lang="en-US" altLang="zh-CN" dirty="0" err="1" smtClean="0"/>
+              <a:t>dd</a:t>
+            </a:r>
+            <a:r>
+              <a:rPr lang="en-US" altLang="zh-CN" dirty="0" smtClean="0"/>
+              <a:t>’ </a:t>
+            </a:r>
+            <a:r>
+              <a:rPr lang="zh-CN" altLang="en-US" dirty="0" smtClean="0"/>
+              <a:t>或者用转义</a:t>
+            </a:r>
+            <a:r>
+              <a:rPr lang="zh-CN" altLang="en-US" dirty="0"/>
+              <a:t>符</a:t>
+            </a:r>
+            <a:r>
+              <a:rPr lang="en-US" altLang="zh-CN" dirty="0" smtClean="0"/>
+              <a:t>\’</a:t>
+            </a:r>
+          </a:p>
+          <a:p>
+            <a:pPr lvl="1"/>
+            <a:r>
+              <a:rPr lang="zh-CN" altLang="en-US" dirty="0"/>
+              <a:t>三引号可以表示多行字符串，即可以换行</a:t>
+            </a:r>
+            <a:r>
+              <a:rPr lang="zh-CN" altLang="en-US" dirty="0" smtClean="0"/>
+              <a:t>写</a:t>
+            </a:r>
+            <a:endParaRPr lang="en-US" altLang="zh-CN" dirty="0"/>
+          </a:p>
+          <a:p>
+            <a:r>
+              <a:rPr lang="zh-CN" altLang="en-US" dirty="0" smtClean="0"/>
+              <a:t>字符串运算</a:t>
+            </a:r>
+            <a:r>
+              <a:rPr lang="zh-CN" altLang="en-US" dirty="0"/>
+              <a:t>： * </a:t>
+            </a:r>
+            <a:r>
+              <a:rPr lang="zh-CN" altLang="en-US" dirty="0" smtClean="0"/>
+              <a:t>重复</a:t>
+            </a:r>
+            <a:r>
+              <a:rPr lang="en-US" altLang="zh-CN" dirty="0" smtClean="0"/>
+              <a:t>,</a:t>
+            </a:r>
+            <a:r>
+              <a:rPr lang="zh-CN" altLang="en-US" dirty="0" smtClean="0"/>
+              <a:t> </a:t>
+            </a:r>
+            <a:r>
+              <a:rPr lang="en-US" altLang="zh-CN" dirty="0"/>
+              <a:t>+</a:t>
+            </a:r>
+            <a:r>
+              <a:rPr lang="zh-CN" altLang="en-US" dirty="0" smtClean="0"/>
+              <a:t>连接</a:t>
+            </a:r>
+            <a:endParaRPr lang="en-US" altLang="zh-CN" dirty="0" smtClean="0"/>
+          </a:p>
+          <a:p>
+            <a:r>
+              <a:rPr lang="zh-CN" altLang="en-US" dirty="0" smtClean="0"/>
+              <a:t>字符类型：没有，用单</a:t>
+            </a:r>
+            <a:r>
+              <a:rPr lang="zh-CN" altLang="en-US" dirty="0"/>
+              <a:t>字符串</a:t>
+            </a:r>
+            <a:r>
+              <a:rPr lang="zh-CN" altLang="en-US" dirty="0" smtClean="0"/>
+              <a:t>表示</a:t>
+            </a:r>
+            <a:endParaRPr lang="en-US" altLang="zh-CN" dirty="0" smtClean="0"/>
+          </a:p>
+          <a:p>
+            <a:r>
+              <a:rPr lang="zh-CN" altLang="en-US" dirty="0" smtClean="0"/>
+              <a:t>字符串方法：</a:t>
+            </a:r>
+            <a:endParaRPr lang="en-US" altLang="zh-CN" dirty="0" smtClean="0"/>
+          </a:p>
+          <a:p>
+            <a:pPr lvl="1"/>
+            <a:r>
+              <a:rPr lang="zh-CN" altLang="en-US" dirty="0"/>
+              <a:t>直接正负整数来索引：截取。截取时对起止整数没</a:t>
+            </a:r>
+            <a:r>
+              <a:rPr lang="zh-CN" altLang="en-US" dirty="0" smtClean="0"/>
+              <a:t>要求。如</a:t>
+            </a:r>
+            <a:r>
+              <a:rPr lang="en-US" altLang="zh-CN" dirty="0" smtClean="0"/>
+              <a:t>’</a:t>
+            </a:r>
+            <a:r>
+              <a:rPr lang="en-US" altLang="zh-CN" dirty="0" err="1" smtClean="0"/>
+              <a:t>adbc</a:t>
+            </a:r>
+            <a:r>
+              <a:rPr lang="en-US" altLang="zh-CN" dirty="0" smtClean="0"/>
+              <a:t>’[0:1]</a:t>
+            </a:r>
+          </a:p>
+          <a:p>
+            <a:pPr lvl="1"/>
+            <a:r>
+              <a:rPr lang="zh-CN" altLang="en-US" dirty="0" smtClean="0"/>
+              <a:t>字符串类型编码类型判断：</a:t>
+            </a:r>
+            <a:r>
+              <a:rPr lang="en-US" altLang="zh-CN" dirty="0" smtClean="0"/>
+              <a:t>type(</a:t>
+            </a:r>
+            <a:r>
+              <a:rPr lang="en-US" altLang="zh-CN" dirty="0" err="1" smtClean="0"/>
+              <a:t>str</a:t>
+            </a:r>
+            <a:r>
+              <a:rPr lang="en-US" altLang="zh-CN" dirty="0" smtClean="0"/>
+              <a:t>) </a:t>
+            </a:r>
+            <a:r>
+              <a:rPr lang="zh-CN" altLang="en-US" dirty="0" smtClean="0"/>
+              <a:t>或者</a:t>
+            </a:r>
+            <a:r>
+              <a:rPr lang="en-US" altLang="zh-CN" dirty="0" err="1" smtClean="0"/>
+              <a:t>str</a:t>
+            </a:r>
+            <a:r>
+              <a:rPr lang="en-US" altLang="zh-CN" dirty="0" smtClean="0"/>
+              <a:t>.__class__ </a:t>
+            </a:r>
+            <a:r>
+              <a:rPr lang="zh-CN" altLang="en-US" dirty="0" smtClean="0"/>
+              <a:t>，值为</a:t>
+            </a:r>
+            <a:r>
+              <a:rPr lang="en-US" altLang="zh-CN" dirty="0" err="1" smtClean="0"/>
+              <a:t>str</a:t>
+            </a:r>
+            <a:r>
+              <a:rPr lang="zh-CN" altLang="en-US" dirty="0" smtClean="0"/>
+              <a:t>表示是当前文本标记的编码类型，如标记</a:t>
+            </a:r>
+            <a:r>
+              <a:rPr lang="en-US" altLang="zh-CN" dirty="0" smtClean="0"/>
+              <a:t>coding=utf-8</a:t>
+            </a:r>
+            <a:r>
+              <a:rPr lang="zh-CN" altLang="en-US" dirty="0" smtClean="0"/>
+              <a:t>，则是</a:t>
+            </a:r>
+            <a:r>
+              <a:rPr lang="en-US" altLang="zh-CN" dirty="0" smtClean="0"/>
+              <a:t>utf-8</a:t>
+            </a:r>
+            <a:r>
+              <a:rPr lang="zh-CN" altLang="en-US" dirty="0" smtClean="0"/>
+              <a:t>类型</a:t>
+            </a:r>
+            <a:endParaRPr lang="en-US" altLang="zh-CN" dirty="0" smtClean="0"/>
+          </a:p>
+          <a:p>
+            <a:pPr lvl="1"/>
+            <a:r>
+              <a:rPr lang="zh-CN" altLang="en-US" dirty="0" smtClean="0"/>
+              <a:t>编码转换：</a:t>
+            </a:r>
+            <a:r>
+              <a:rPr lang="en-US" altLang="zh-CN" dirty="0" smtClean="0"/>
+              <a:t>1.</a:t>
+            </a:r>
+            <a:r>
+              <a:rPr lang="zh-CN" altLang="en-US" dirty="0" smtClean="0"/>
+              <a:t>先</a:t>
+            </a:r>
+            <a:r>
+              <a:rPr lang="en-US" altLang="zh-CN" dirty="0" smtClean="0"/>
+              <a:t>.decode()</a:t>
+            </a:r>
+            <a:r>
+              <a:rPr lang="zh-CN" altLang="en-US" dirty="0" smtClean="0"/>
+              <a:t>为</a:t>
+            </a:r>
+            <a:r>
+              <a:rPr lang="en-US" altLang="zh-CN" dirty="0" err="1" smtClean="0"/>
+              <a:t>unicode</a:t>
+            </a:r>
+            <a:r>
+              <a:rPr lang="zh-CN" altLang="en-US" dirty="0" smtClean="0"/>
+              <a:t>再</a:t>
+            </a:r>
+            <a:r>
+              <a:rPr lang="en-US" altLang="zh-CN" dirty="0" smtClean="0"/>
+              <a:t>.encode() </a:t>
+            </a:r>
+            <a:r>
+              <a:rPr lang="zh-CN" altLang="en-US" dirty="0" smtClean="0"/>
+              <a:t>为其他编码。</a:t>
+            </a:r>
+            <a:endParaRPr lang="en-US" altLang="zh-CN" dirty="0" smtClean="0"/>
+          </a:p>
+          <a:p>
+            <a:pPr lvl="1"/>
+            <a:r>
+              <a:rPr lang="zh-CN" altLang="en-US" dirty="0" smtClean="0"/>
+              <a:t>格式化：</a:t>
+            </a:r>
+            <a:r>
+              <a:rPr lang="en-US" altLang="zh-CN" dirty="0" smtClean="0"/>
+              <a:t>.format()</a:t>
+            </a:r>
+          </a:p>
+          <a:p>
+            <a:endParaRPr lang="en-US" altLang="zh-CN" dirty="0" smtClean="0"/>
+          </a:p>
+          <a:p>
+            <a:pPr marL="0" indent="0">
+              <a:buNone/>
+            </a:pPr>
+            <a:r>
+              <a:rPr lang="en-US" altLang="zh-CN" dirty="0" smtClean="0"/>
+              <a:t>          </a:t>
+            </a:r>
           </a:p>
         </p:txBody>
       </p:sp>
     </p:spTree>
     <p:extLst>
       <p:ext uri="{BB962C8B-B14F-4D97-AF65-F5344CB8AC3E}">
-        <p14:creationId xmlns:p14="http://schemas.microsoft.com/office/powerpoint/2010/main" val="3969081383"/>
+        <p14:creationId xmlns:p14="http://schemas.microsoft.com/office/powerpoint/2010/main" val="3647236681"/>
       </p:ext>
     </p:extLst>
   </p:cSld>
@@ -11661,7 +12260,7 @@
           <a:p>
             <a:r>
               <a:rPr lang="zh-CN" altLang="en-US" dirty="0" smtClean="0"/>
-              <a:t>数据库访问</a:t>
+              <a:t>列表</a:t>
             </a:r>
             <a:endParaRPr lang="zh-CN" altLang="en-US" dirty="0"/>
           </a:p>
@@ -11679,17 +12278,255 @@
         </p:nvSpPr>
         <p:spPr/>
         <p:txBody>
-          <a:bodyPr/>
+          <a:bodyPr>
+            <a:normAutofit lnSpcReduction="10000"/>
+          </a:bodyPr>
           <a:lstStyle/>
           <a:p>
-            <a:endParaRPr lang="zh-CN" altLang="en-US"/>
+            <a:r>
+              <a:rPr lang="zh-CN" altLang="en-US" dirty="0" smtClean="0"/>
+              <a:t>表示：</a:t>
+            </a:r>
+            <a:r>
+              <a:rPr lang="en-US" altLang="zh-CN" dirty="0" smtClean="0"/>
+              <a:t>[1,2,3,4]</a:t>
+            </a:r>
+          </a:p>
+          <a:p>
+            <a:r>
+              <a:rPr lang="zh-CN" altLang="en-US" dirty="0" smtClean="0"/>
+              <a:t>取值赋值：</a:t>
+            </a:r>
+            <a:endParaRPr lang="en-US" altLang="zh-CN" dirty="0" smtClean="0"/>
+          </a:p>
+          <a:p>
+            <a:pPr lvl="1"/>
+            <a:r>
+              <a:rPr lang="zh-CN" altLang="en-US" dirty="0" smtClean="0"/>
+              <a:t>索引和切片：如</a:t>
+            </a:r>
+            <a:r>
+              <a:rPr lang="en-US" altLang="zh-CN" dirty="0" smtClean="0"/>
+              <a:t>a[0] </a:t>
+            </a:r>
+            <a:r>
+              <a:rPr lang="zh-CN" altLang="en-US" dirty="0" smtClean="0"/>
+              <a:t>和</a:t>
+            </a:r>
+            <a:r>
+              <a:rPr lang="en-US" altLang="zh-CN" dirty="0" smtClean="0"/>
+              <a:t>a[1:2]</a:t>
+            </a:r>
+            <a:r>
+              <a:rPr lang="zh-CN" altLang="en-US" dirty="0" smtClean="0"/>
+              <a:t>都可以读或者写；合并：</a:t>
+            </a:r>
+            <a:r>
+              <a:rPr lang="en-US" altLang="zh-CN" dirty="0" err="1" smtClean="0"/>
+              <a:t>a+b</a:t>
+            </a:r>
+            <a:r>
+              <a:rPr lang="zh-CN" altLang="en-US" dirty="0" smtClean="0"/>
+              <a:t>拼接式合并</a:t>
+            </a:r>
+            <a:endParaRPr lang="en-US" altLang="zh-CN" dirty="0" smtClean="0"/>
+          </a:p>
+          <a:p>
+            <a:pPr lvl="1"/>
+            <a:r>
+              <a:rPr lang="zh-CN" altLang="en-US" dirty="0"/>
+              <a:t>方法：</a:t>
+            </a:r>
+            <a:r>
+              <a:rPr lang="en-US" altLang="zh-CN" dirty="0"/>
+              <a:t>append()  pop()  </a:t>
+            </a:r>
+            <a:r>
+              <a:rPr lang="en-US" altLang="zh-CN" dirty="0" err="1"/>
+              <a:t>popleft</a:t>
+            </a:r>
+            <a:r>
+              <a:rPr lang="en-US" altLang="zh-CN" dirty="0"/>
+              <a:t>() </a:t>
+            </a:r>
+            <a:r>
+              <a:rPr lang="zh-CN" altLang="en-US" dirty="0"/>
+              <a:t>从而可以当作栈和</a:t>
+            </a:r>
+            <a:r>
+              <a:rPr lang="zh-CN" altLang="en-US" dirty="0" smtClean="0"/>
+              <a:t>队列</a:t>
+            </a:r>
+            <a:endParaRPr lang="en-US" altLang="zh-CN" dirty="0" smtClean="0"/>
+          </a:p>
+          <a:p>
+            <a:r>
+              <a:rPr lang="zh-CN" altLang="en-US" dirty="0" smtClean="0"/>
+              <a:t>初始化赋值：</a:t>
+            </a:r>
+            <a:endParaRPr lang="en-US" altLang="zh-CN" dirty="0" smtClean="0"/>
+          </a:p>
+          <a:p>
+            <a:pPr lvl="1"/>
+            <a:r>
+              <a:rPr lang="zh-CN" altLang="en-US" dirty="0"/>
+              <a:t>列表推导式：</a:t>
+            </a:r>
+            <a:r>
+              <a:rPr lang="en-US" altLang="zh-CN" dirty="0"/>
+              <a:t>[_</a:t>
+            </a:r>
+            <a:r>
+              <a:rPr lang="en-US" altLang="zh-CN" dirty="0" err="1"/>
+              <a:t>val</a:t>
+            </a:r>
+            <a:r>
+              <a:rPr lang="en-US" altLang="zh-CN" dirty="0"/>
+              <a:t> for  _x in _</a:t>
+            </a:r>
+            <a:r>
+              <a:rPr lang="en-US" altLang="zh-CN" dirty="0" err="1"/>
+              <a:t>arr</a:t>
+            </a:r>
+            <a:r>
+              <a:rPr lang="en-US" altLang="zh-CN" dirty="0"/>
+              <a:t> if expression]</a:t>
+            </a:r>
+            <a:r>
+              <a:rPr lang="zh-CN" altLang="en-US" dirty="0"/>
+              <a:t>用于简化一个列表的生成</a:t>
+            </a:r>
+            <a:endParaRPr lang="en-US" altLang="zh-CN" dirty="0"/>
+          </a:p>
+          <a:p>
+            <a:pPr lvl="1"/>
+            <a:r>
+              <a:rPr lang="zh-CN" altLang="en-US" dirty="0"/>
+              <a:t>嵌套列表推导式：</a:t>
+            </a:r>
+            <a:r>
+              <a:rPr lang="en-US" altLang="zh-CN" dirty="0"/>
+              <a:t>[[_expression(_</a:t>
+            </a:r>
+            <a:r>
+              <a:rPr lang="en-US" altLang="zh-CN" dirty="0" err="1"/>
+              <a:t>i</a:t>
+            </a:r>
+            <a:r>
+              <a:rPr lang="en-US" altLang="zh-CN" dirty="0"/>
+              <a:t>,_j)</a:t>
+            </a:r>
+            <a:r>
+              <a:rPr lang="zh-CN" altLang="en-US" dirty="0"/>
+              <a:t> </a:t>
+            </a:r>
+            <a:r>
+              <a:rPr lang="en-US" altLang="zh-CN" dirty="0"/>
+              <a:t>for _j in _arr2 ] for _</a:t>
+            </a:r>
+            <a:r>
+              <a:rPr lang="en-US" altLang="zh-CN" dirty="0" err="1"/>
+              <a:t>i</a:t>
+            </a:r>
+            <a:r>
+              <a:rPr lang="en-US" altLang="zh-CN" dirty="0"/>
+              <a:t> in _</a:t>
+            </a:r>
+            <a:r>
+              <a:rPr lang="en-US" altLang="zh-CN" dirty="0" err="1"/>
+              <a:t>arr</a:t>
+            </a:r>
+            <a:r>
+              <a:rPr lang="en-US" altLang="zh-CN" dirty="0"/>
+              <a:t> ]</a:t>
+            </a:r>
+            <a:r>
+              <a:rPr lang="zh-CN" altLang="en-US" dirty="0"/>
+              <a:t>返回</a:t>
+            </a:r>
+            <a:r>
+              <a:rPr lang="en-US" altLang="zh-CN" dirty="0"/>
+              <a:t>list</a:t>
+            </a:r>
+            <a:r>
+              <a:rPr lang="zh-CN" altLang="en-US" dirty="0"/>
+              <a:t>元素的</a:t>
+            </a:r>
+            <a:r>
+              <a:rPr lang="en-US" altLang="zh-CN" dirty="0" smtClean="0"/>
+              <a:t>list</a:t>
+            </a:r>
+          </a:p>
+          <a:p>
+            <a:r>
+              <a:rPr lang="zh-CN" altLang="en-US" dirty="0"/>
+              <a:t>删除元素：按索引或者切片：</a:t>
+            </a:r>
+            <a:r>
+              <a:rPr lang="en-US" altLang="zh-CN" dirty="0"/>
+              <a:t>del a[0] del a[0:2</a:t>
+            </a:r>
+            <a:r>
+              <a:rPr lang="en-US" altLang="zh-CN" dirty="0" smtClean="0"/>
+              <a:t>]</a:t>
+            </a:r>
+          </a:p>
+          <a:p>
+            <a:r>
+              <a:rPr lang="zh-CN" altLang="en-US" dirty="0" smtClean="0"/>
+              <a:t>遍历：</a:t>
+            </a:r>
+            <a:r>
+              <a:rPr lang="en-US" altLang="zh-CN" dirty="0" smtClean="0"/>
+              <a:t>for x in _list   </a:t>
+            </a:r>
+            <a:r>
+              <a:rPr lang="zh-CN" altLang="en-US" dirty="0" smtClean="0"/>
+              <a:t>连同索引：</a:t>
+            </a:r>
+            <a:r>
+              <a:rPr lang="en-US" altLang="zh-CN" dirty="0" smtClean="0"/>
+              <a:t>for index, item </a:t>
+            </a:r>
+            <a:r>
+              <a:rPr lang="en-US" altLang="zh-CN" dirty="0"/>
+              <a:t>in </a:t>
+            </a:r>
+            <a:r>
+              <a:rPr lang="en-US" altLang="zh-CN" dirty="0" smtClean="0"/>
+              <a:t>enumerate(_list) </a:t>
+            </a:r>
+            <a:endParaRPr lang="en-US" altLang="zh-CN" dirty="0" smtClean="0"/>
+          </a:p>
+          <a:p>
+            <a:r>
+              <a:rPr lang="zh-CN" altLang="en-US" dirty="0" smtClean="0"/>
+              <a:t>复制：</a:t>
+            </a:r>
+            <a:r>
+              <a:rPr lang="en-US" altLang="zh-CN" dirty="0"/>
+              <a:t> </a:t>
+            </a:r>
+            <a:r>
+              <a:rPr lang="zh-CN" altLang="en-US" dirty="0" smtClean="0"/>
+              <a:t>切片方式</a:t>
+            </a:r>
+            <a:r>
+              <a:rPr lang="en-US" altLang="zh-CN" dirty="0" smtClean="0"/>
+              <a:t>a</a:t>
+            </a:r>
+            <a:r>
+              <a:rPr lang="en-US" altLang="zh-CN" dirty="0"/>
+              <a:t>[:]</a:t>
+            </a:r>
+            <a:endParaRPr lang="en-US" altLang="zh-CN" dirty="0" smtClean="0"/>
           </a:p>
         </p:txBody>
       </p:sp>
     </p:spTree>
     <p:extLst>
       <p:ext uri="{BB962C8B-B14F-4D97-AF65-F5344CB8AC3E}">
-        <p14:creationId xmlns:p14="http://schemas.microsoft.com/office/powerpoint/2010/main" val="4080670722"/>
+        <p14:creationId xmlns:p14="http://schemas.microsoft.com/office/powerpoint/2010/main" val="270067367"/>
       </p:ext>
     </p:extLst>
   </p:cSld>
@@ -11732,12 +12569,8 @@
           <a:lstStyle/>
           <a:p>
             <a:r>
-              <a:rPr lang="en-US" altLang="zh-CN" dirty="0" smtClean="0"/>
-              <a:t>http</a:t>
-            </a:r>
-            <a:r>
-              <a:rPr lang="zh-CN" altLang="en-US" dirty="0" smtClean="0"/>
-              <a:t>请求响应</a:t>
+              <a:rPr lang="zh-CN" altLang="en-US" dirty="0" smtClean="0"/>
+              <a:t>元组</a:t>
             </a:r>
             <a:endParaRPr lang="zh-CN" altLang="en-US" dirty="0"/>
           </a:p>
@@ -11759,9 +12592,167 @@
           <a:lstStyle/>
           <a:p>
             <a:r>
-              <a:rPr lang="zh-CN" altLang="en-US" dirty="0" smtClean="0"/>
-              <a:t>注解编程</a:t>
-            </a:r>
+              <a:rPr lang="zh-CN" altLang="en-US" dirty="0"/>
+              <a:t>创建</a:t>
+            </a:r>
+            <a:r>
+              <a:rPr lang="zh-CN" altLang="en-US" dirty="0" smtClean="0"/>
+              <a:t>：</a:t>
+            </a:r>
+            <a:r>
+              <a:rPr lang="en-US" altLang="zh-CN" dirty="0" err="1" smtClean="0"/>
+              <a:t>a,b,c</a:t>
+            </a:r>
+            <a:r>
+              <a:rPr lang="en-US" altLang="zh-CN" dirty="0" smtClean="0"/>
+              <a:t>  </a:t>
+            </a:r>
+            <a:r>
+              <a:rPr lang="zh-CN" altLang="en-US" dirty="0" smtClean="0"/>
+              <a:t>或者</a:t>
+            </a:r>
+            <a:r>
+              <a:rPr lang="en-US" altLang="zh-CN" dirty="0" smtClean="0"/>
+              <a:t>(</a:t>
+            </a:r>
+            <a:r>
+              <a:rPr lang="en-US" altLang="zh-CN" dirty="0" err="1" smtClean="0"/>
+              <a:t>a,b,c</a:t>
+            </a:r>
+            <a:r>
+              <a:rPr lang="en-US" altLang="zh-CN" dirty="0" smtClean="0"/>
+              <a:t>) </a:t>
+            </a:r>
+          </a:p>
+          <a:p>
+            <a:r>
+              <a:rPr lang="zh-CN" altLang="en-US" dirty="0" smtClean="0"/>
+              <a:t>性质：有序序列、只读，不能二次赋值，不能增加元素。</a:t>
+            </a:r>
+            <a:endParaRPr lang="en-US" altLang="zh-CN" dirty="0" smtClean="0"/>
+          </a:p>
+          <a:p>
+            <a:pPr lvl="1"/>
+            <a:r>
+              <a:rPr lang="zh-CN" altLang="en-US" dirty="0" smtClean="0"/>
+              <a:t>取值：索引和切片：</a:t>
+            </a:r>
+            <a:r>
+              <a:rPr lang="en-US" altLang="zh-CN" dirty="0" smtClean="0"/>
+              <a:t>a[0]  a[0:3] </a:t>
+            </a:r>
+          </a:p>
+          <a:p>
+            <a:pPr lvl="1"/>
+            <a:r>
+              <a:rPr lang="zh-CN" altLang="en-US" dirty="0" smtClean="0"/>
+              <a:t>合并：</a:t>
+            </a:r>
+            <a:r>
+              <a:rPr lang="en-US" altLang="zh-CN" dirty="0" smtClean="0"/>
+              <a:t>a + b</a:t>
+            </a:r>
+            <a:r>
+              <a:rPr lang="zh-CN" altLang="en-US" dirty="0" smtClean="0"/>
+              <a:t>可以形成一个新的元组</a:t>
+            </a:r>
+            <a:endParaRPr lang="en-US" altLang="zh-CN" dirty="0" smtClean="0"/>
+          </a:p>
+          <a:p>
+            <a:pPr lvl="1"/>
+            <a:r>
+              <a:rPr lang="zh-CN" altLang="en-US" dirty="0" smtClean="0"/>
+              <a:t>方法：只有：</a:t>
+            </a:r>
+            <a:r>
+              <a:rPr lang="en-US" altLang="zh-CN" dirty="0" smtClean="0"/>
+              <a:t>.count</a:t>
+            </a:r>
+            <a:r>
+              <a:rPr lang="en-US" altLang="zh-CN" dirty="0"/>
+              <a:t>() </a:t>
+            </a:r>
+            <a:r>
+              <a:rPr lang="en-US" altLang="zh-CN" dirty="0" smtClean="0"/>
+              <a:t>.index()</a:t>
+            </a:r>
+          </a:p>
+          <a:p>
+            <a:r>
+              <a:rPr lang="zh-CN" altLang="en-US" dirty="0"/>
+              <a:t>空元组和单元素元组：</a:t>
+            </a:r>
+            <a:r>
+              <a:rPr lang="en-US" altLang="zh-CN" dirty="0"/>
+              <a:t>()  'aa',   ('1</a:t>
+            </a:r>
+            <a:r>
+              <a:rPr lang="en-US" altLang="zh-CN" dirty="0" smtClean="0"/>
+              <a:t>',)</a:t>
+            </a:r>
+          </a:p>
+          <a:p>
+            <a:r>
+              <a:rPr lang="zh-CN" altLang="en-US" dirty="0"/>
+              <a:t>元组拆分：</a:t>
+            </a:r>
+            <a:r>
+              <a:rPr lang="en-US" altLang="zh-CN" dirty="0" err="1"/>
+              <a:t>t,b,c</a:t>
+            </a:r>
+            <a:r>
+              <a:rPr lang="en-US" altLang="zh-CN" dirty="0"/>
+              <a:t> = (1,2,3</a:t>
+            </a:r>
+            <a:r>
+              <a:rPr lang="en-US" altLang="zh-CN" dirty="0" smtClean="0"/>
+              <a:t>)</a:t>
+            </a:r>
+          </a:p>
+          <a:p>
+            <a:r>
+              <a:rPr lang="zh-CN" altLang="en-US" dirty="0" smtClean="0"/>
+              <a:t>元组形态的推导式：如</a:t>
+            </a:r>
+            <a:r>
+              <a:rPr lang="en-US" altLang="zh-CN" dirty="0" smtClean="0"/>
+              <a:t>( </a:t>
+            </a:r>
+            <a:r>
+              <a:rPr lang="en-US" altLang="zh-CN" dirty="0" err="1"/>
+              <a:t>i</a:t>
+            </a:r>
+            <a:r>
+              <a:rPr lang="en-US" altLang="zh-CN" dirty="0"/>
+              <a:t> for </a:t>
+            </a:r>
+            <a:r>
+              <a:rPr lang="en-US" altLang="zh-CN" dirty="0" err="1"/>
+              <a:t>i</a:t>
+            </a:r>
+            <a:r>
+              <a:rPr lang="en-US" altLang="zh-CN" dirty="0"/>
+              <a:t> in range(1,100) if </a:t>
+            </a:r>
+            <a:r>
+              <a:rPr lang="en-US" altLang="zh-CN" dirty="0" err="1"/>
+              <a:t>i</a:t>
+            </a:r>
+            <a:r>
+              <a:rPr lang="en-US" altLang="zh-CN" dirty="0"/>
+              <a:t> % 2 == </a:t>
+            </a:r>
+            <a:r>
+              <a:rPr lang="en-US" altLang="zh-CN" dirty="0" smtClean="0"/>
+              <a:t>0)</a:t>
+            </a:r>
+            <a:r>
+              <a:rPr lang="zh-CN" altLang="en-US" dirty="0" smtClean="0"/>
+              <a:t>的值是一个生成器</a:t>
+            </a:r>
+            <a:endParaRPr lang="en-US" altLang="zh-CN" dirty="0"/>
+          </a:p>
+          <a:p>
             <a:endParaRPr lang="zh-CN" altLang="en-US" dirty="0"/>
           </a:p>
         </p:txBody>
@@ -11769,7 +12760,7 @@
     </p:spTree>
     <p:extLst>
       <p:ext uri="{BB962C8B-B14F-4D97-AF65-F5344CB8AC3E}">
-        <p14:creationId xmlns:p14="http://schemas.microsoft.com/office/powerpoint/2010/main" val="3370742648"/>
+        <p14:creationId xmlns:p14="http://schemas.microsoft.com/office/powerpoint/2010/main" val="29223189"/>
       </p:ext>
     </p:extLst>
   </p:cSld>
@@ -11976,10 +12967,9 @@
           <a:lstStyle/>
           <a:p>
             <a:r>
-              <a:rPr lang="zh-CN" altLang="en-US" dirty="0" smtClean="0"/>
-              <a:t>多线程</a:t>
-            </a:r>
-            <a:endParaRPr lang="zh-CN" altLang="en-US" dirty="0"/>
+              <a:rPr lang="zh-CN" altLang="en-US" dirty="0"/>
+              <a:t>集合</a:t>
+            </a:r>
           </a:p>
         </p:txBody>
       </p:sp>
@@ -12000,15 +12990,161 @@
           <a:p>
             <a:r>
               <a:rPr lang="zh-CN" altLang="en-US" dirty="0" smtClean="0"/>
-              <a:t>同步</a:t>
+              <a:t>创建：</a:t>
             </a:r>
             <a:endParaRPr lang="en-US" altLang="zh-CN" dirty="0" smtClean="0"/>
           </a:p>
           <a:p>
-            <a:r>
-              <a:rPr lang="zh-CN" altLang="en-US" dirty="0" smtClean="0"/>
-              <a:t>锁机制</a:t>
-            </a:r>
+            <a:pPr lvl="1"/>
+            <a:r>
+              <a:rPr lang="zh-CN" altLang="en-US" dirty="0" smtClean="0"/>
+              <a:t>方法式：</a:t>
+            </a:r>
+            <a:r>
+              <a:rPr lang="en-US" altLang="zh-CN" dirty="0" smtClean="0"/>
+              <a:t>set() </a:t>
+            </a:r>
+            <a:r>
+              <a:rPr lang="zh-CN" altLang="en-US" dirty="0" smtClean="0"/>
+              <a:t>为空集合 或者 </a:t>
+            </a:r>
+            <a:r>
+              <a:rPr lang="en-US" altLang="zh-CN" dirty="0" smtClean="0"/>
+              <a:t>set(</a:t>
+            </a:r>
+            <a:r>
+              <a:rPr lang="zh-CN" altLang="en-US" dirty="0"/>
+              <a:t>序列</a:t>
+            </a:r>
+            <a:r>
+              <a:rPr lang="en-US" altLang="zh-CN" dirty="0" smtClean="0"/>
+              <a:t>)</a:t>
+            </a:r>
+            <a:r>
+              <a:rPr lang="zh-CN" altLang="en-US" dirty="0"/>
+              <a:t> </a:t>
+            </a:r>
+            <a:r>
+              <a:rPr lang="zh-CN" altLang="en-US" dirty="0" smtClean="0"/>
+              <a:t>为序列转换而来。</a:t>
+            </a:r>
+            <a:endParaRPr lang="en-US" altLang="zh-CN" dirty="0" smtClean="0"/>
+          </a:p>
+          <a:p>
+            <a:pPr lvl="1"/>
+            <a:r>
+              <a:rPr lang="zh-CN" altLang="en-US" dirty="0"/>
+              <a:t>推导式：</a:t>
+            </a:r>
+            <a:r>
+              <a:rPr lang="en-US" altLang="zh-CN" dirty="0" err="1"/>
+              <a:t>a_set</a:t>
+            </a:r>
+            <a:r>
+              <a:rPr lang="en-US" altLang="zh-CN" dirty="0"/>
+              <a:t> = </a:t>
+            </a:r>
+            <a:r>
+              <a:rPr lang="en-US" altLang="zh-CN" dirty="0" smtClean="0"/>
+              <a:t>{_</a:t>
+            </a:r>
+            <a:r>
+              <a:rPr lang="en-US" altLang="zh-CN" dirty="0" err="1" smtClean="0"/>
+              <a:t>val</a:t>
+            </a:r>
+            <a:r>
+              <a:rPr lang="en-US" altLang="zh-CN" dirty="0" smtClean="0"/>
+              <a:t> </a:t>
+            </a:r>
+            <a:r>
+              <a:rPr lang="en-US" altLang="zh-CN" dirty="0"/>
+              <a:t>for </a:t>
+            </a:r>
+            <a:r>
+              <a:rPr lang="en-US" altLang="zh-CN" dirty="0" smtClean="0"/>
+              <a:t>_</a:t>
+            </a:r>
+            <a:r>
+              <a:rPr lang="en-US" altLang="zh-CN" dirty="0" err="1" smtClean="0"/>
+              <a:t>obj</a:t>
+            </a:r>
+            <a:r>
+              <a:rPr lang="en-US" altLang="zh-CN" dirty="0" smtClean="0"/>
+              <a:t> </a:t>
+            </a:r>
+            <a:r>
+              <a:rPr lang="en-US" altLang="zh-CN" dirty="0"/>
+              <a:t>in </a:t>
+            </a:r>
+            <a:r>
+              <a:rPr lang="en-US" altLang="zh-CN" dirty="0" smtClean="0"/>
+              <a:t>_</a:t>
+            </a:r>
+            <a:r>
+              <a:rPr lang="en-US" altLang="zh-CN" dirty="0" err="1" smtClean="0"/>
+              <a:t>arr</a:t>
+            </a:r>
+            <a:r>
+              <a:rPr lang="en-US" altLang="zh-CN" dirty="0" smtClean="0"/>
+              <a:t> </a:t>
+            </a:r>
+            <a:r>
+              <a:rPr lang="en-US" altLang="zh-CN" dirty="0"/>
+              <a:t>if </a:t>
+            </a:r>
+            <a:r>
+              <a:rPr lang="en-US" altLang="zh-CN" dirty="0" smtClean="0"/>
+              <a:t>expression}</a:t>
+            </a:r>
+          </a:p>
+          <a:p>
+            <a:r>
+              <a:rPr lang="zh-CN" altLang="en-US" dirty="0" smtClean="0"/>
+              <a:t>集合方法</a:t>
+            </a:r>
+            <a:r>
+              <a:rPr lang="en-US" altLang="zh-CN" dirty="0" smtClean="0"/>
+              <a:t>:</a:t>
+            </a:r>
+            <a:r>
+              <a:rPr lang="zh-CN" altLang="en-US" dirty="0"/>
+              <a:t> </a:t>
+            </a:r>
+            <a:r>
+              <a:rPr lang="en-US" altLang="zh-CN" dirty="0" smtClean="0"/>
+              <a:t>union</a:t>
+            </a:r>
+            <a:r>
+              <a:rPr lang="zh-CN" altLang="en-US" dirty="0" smtClean="0"/>
+              <a:t>并、</a:t>
+            </a:r>
+            <a:r>
+              <a:rPr lang="en-US" altLang="zh-CN" dirty="0" smtClean="0"/>
+              <a:t>difference</a:t>
+            </a:r>
+            <a:r>
+              <a:rPr lang="zh-CN" altLang="en-US" dirty="0" smtClean="0"/>
+              <a:t>补 等</a:t>
+            </a:r>
+            <a:r>
+              <a:rPr lang="zh-CN" altLang="en-US" dirty="0"/>
+              <a:t>集合</a:t>
+            </a:r>
+            <a:r>
+              <a:rPr lang="zh-CN" altLang="en-US" dirty="0" smtClean="0"/>
+              <a:t>运算。</a:t>
+            </a:r>
+            <a:r>
+              <a:rPr lang="en-US" altLang="zh-CN" dirty="0" smtClean="0"/>
+              <a:t>add() pop()</a:t>
+            </a:r>
+            <a:r>
+              <a:rPr lang="zh-CN" altLang="en-US" dirty="0" smtClean="0"/>
+              <a:t>列表方法</a:t>
+            </a:r>
+            <a:endParaRPr lang="en-US" altLang="zh-CN" dirty="0" smtClean="0"/>
+          </a:p>
+          <a:p>
             <a:endParaRPr lang="zh-CN" altLang="en-US" dirty="0"/>
           </a:p>
         </p:txBody>
@@ -12016,7 +13152,7 @@
     </p:spTree>
     <p:extLst>
       <p:ext uri="{BB962C8B-B14F-4D97-AF65-F5344CB8AC3E}">
-        <p14:creationId xmlns:p14="http://schemas.microsoft.com/office/powerpoint/2010/main" val="1730263351"/>
+        <p14:creationId xmlns:p14="http://schemas.microsoft.com/office/powerpoint/2010/main" val="1013656583"/>
       </p:ext>
     </p:extLst>
   </p:cSld>
@@ -12060,7 +13196,7 @@
           <a:p>
             <a:r>
               <a:rPr lang="zh-CN" altLang="en-US" dirty="0" smtClean="0"/>
-              <a:t>队列</a:t>
+              <a:t>字典</a:t>
             </a:r>
             <a:endParaRPr lang="zh-CN" altLang="en-US" dirty="0"/>
           </a:p>
@@ -12081,14 +13217,244 @@
           <a:bodyPr/>
           <a:lstStyle/>
           <a:p>
-            <a:endParaRPr lang="zh-CN" altLang="en-US"/>
+            <a:r>
+              <a:rPr lang="zh-CN" altLang="en-US" dirty="0" smtClean="0"/>
+              <a:t>创建：</a:t>
+            </a:r>
+            <a:endParaRPr lang="en-US" altLang="zh-CN" dirty="0" smtClean="0"/>
+          </a:p>
+          <a:p>
+            <a:pPr lvl="1"/>
+            <a:r>
+              <a:rPr lang="zh-CN" altLang="en-US" dirty="0" smtClean="0"/>
+              <a:t>普通：</a:t>
+            </a:r>
+            <a:r>
+              <a:rPr lang="en-US" altLang="zh-CN" dirty="0" smtClean="0"/>
+              <a:t>{</a:t>
+            </a:r>
+            <a:r>
+              <a:rPr lang="en-US" altLang="zh-CN" dirty="0" err="1" smtClean="0"/>
+              <a:t>key:value</a:t>
+            </a:r>
+            <a:r>
+              <a:rPr lang="en-US" altLang="zh-CN" dirty="0" smtClean="0"/>
+              <a:t> …} </a:t>
+            </a:r>
+          </a:p>
+          <a:p>
+            <a:pPr lvl="1"/>
+            <a:r>
+              <a:rPr lang="zh-CN" altLang="en-US" dirty="0" smtClean="0"/>
+              <a:t>推导式：</a:t>
+            </a:r>
+            <a:r>
+              <a:rPr lang="en-US" altLang="zh-CN" dirty="0" smtClean="0"/>
+              <a:t>{</a:t>
+            </a:r>
+            <a:r>
+              <a:rPr lang="en-US" altLang="zh-CN" dirty="0" err="1" smtClean="0"/>
+              <a:t>key:value</a:t>
+            </a:r>
+            <a:r>
+              <a:rPr lang="en-US" altLang="zh-CN" dirty="0" smtClean="0"/>
+              <a:t> </a:t>
+            </a:r>
+            <a:r>
+              <a:rPr lang="en-US" altLang="zh-CN" dirty="0"/>
+              <a:t>for </a:t>
+            </a:r>
+            <a:r>
+              <a:rPr lang="en-US" altLang="zh-CN" dirty="0" smtClean="0"/>
+              <a:t>_</a:t>
+            </a:r>
+            <a:r>
+              <a:rPr lang="en-US" altLang="zh-CN" dirty="0" err="1" smtClean="0"/>
+              <a:t>obj</a:t>
+            </a:r>
+            <a:r>
+              <a:rPr lang="en-US" altLang="zh-CN" dirty="0" smtClean="0"/>
+              <a:t> </a:t>
+            </a:r>
+            <a:r>
+              <a:rPr lang="en-US" altLang="zh-CN" dirty="0"/>
+              <a:t>in </a:t>
+            </a:r>
+            <a:r>
+              <a:rPr lang="en-US" altLang="zh-CN" dirty="0" smtClean="0"/>
+              <a:t>_</a:t>
+            </a:r>
+            <a:r>
+              <a:rPr lang="en-US" altLang="zh-CN" dirty="0" err="1" smtClean="0"/>
+              <a:t>arr</a:t>
+            </a:r>
+            <a:r>
+              <a:rPr lang="en-US" altLang="zh-CN" dirty="0" smtClean="0"/>
+              <a:t> if expression}</a:t>
+            </a:r>
+          </a:p>
+          <a:p>
+            <a:r>
+              <a:rPr lang="zh-CN" altLang="en-US" dirty="0"/>
+              <a:t>访问</a:t>
+            </a:r>
+            <a:r>
+              <a:rPr lang="en-US" altLang="zh-CN" dirty="0"/>
+              <a:t>(key</a:t>
+            </a:r>
+            <a:r>
+              <a:rPr lang="zh-CN" altLang="en-US" dirty="0"/>
+              <a:t>或遍历</a:t>
+            </a:r>
+            <a:r>
+              <a:rPr lang="en-US" altLang="zh-CN" dirty="0" smtClean="0"/>
+              <a:t>)</a:t>
+            </a:r>
+            <a:r>
+              <a:rPr lang="zh-CN" altLang="en-US" dirty="0" smtClean="0"/>
+              <a:t>：</a:t>
+            </a:r>
+            <a:endParaRPr lang="en-US" altLang="zh-CN" dirty="0" smtClean="0"/>
+          </a:p>
+          <a:p>
+            <a:pPr lvl="1"/>
+            <a:r>
+              <a:rPr lang="zh-CN" altLang="en-US" dirty="0" smtClean="0"/>
+              <a:t>指定</a:t>
+            </a:r>
+            <a:r>
+              <a:rPr lang="en-US" altLang="zh-CN" dirty="0" smtClean="0"/>
+              <a:t>key: </a:t>
+            </a:r>
+            <a:r>
+              <a:rPr lang="zh-CN" altLang="en-US" dirty="0" smtClean="0"/>
+              <a:t>不能</a:t>
+            </a:r>
+            <a:r>
+              <a:rPr lang="zh-CN" altLang="en-US" dirty="0"/>
+              <a:t>用</a:t>
+            </a:r>
+            <a:r>
+              <a:rPr lang="en-US" altLang="zh-CN" dirty="0"/>
+              <a:t>.</a:t>
+            </a:r>
+            <a:r>
+              <a:rPr lang="zh-CN" altLang="en-US" dirty="0"/>
+              <a:t>来访问某个键的值。</a:t>
+            </a:r>
+            <a:r>
+              <a:rPr lang="zh-CN" altLang="en-US" dirty="0" smtClean="0"/>
+              <a:t>只能</a:t>
+            </a:r>
+            <a:r>
+              <a:rPr lang="en-US" altLang="zh-CN" dirty="0" err="1" smtClean="0"/>
+              <a:t>a_dict</a:t>
+            </a:r>
+            <a:r>
+              <a:rPr lang="en-US" altLang="zh-CN" dirty="0" smtClean="0"/>
+              <a:t>[key]</a:t>
+            </a:r>
+            <a:r>
+              <a:rPr lang="zh-CN" altLang="en-US" dirty="0"/>
+              <a:t>来</a:t>
+            </a:r>
+            <a:r>
+              <a:rPr lang="zh-CN" altLang="en-US" dirty="0" smtClean="0"/>
+              <a:t>访问</a:t>
+            </a:r>
+            <a:endParaRPr lang="en-US" altLang="zh-CN" dirty="0" smtClean="0"/>
+          </a:p>
+          <a:p>
+            <a:pPr lvl="1"/>
+            <a:r>
+              <a:rPr lang="en-US" altLang="zh-CN" dirty="0" smtClean="0"/>
+              <a:t>for</a:t>
+            </a:r>
+            <a:r>
+              <a:rPr lang="zh-CN" altLang="en-US" dirty="0" smtClean="0"/>
+              <a:t>遍历：</a:t>
+            </a:r>
+            <a:r>
+              <a:rPr lang="en-US" altLang="zh-CN" dirty="0"/>
+              <a:t> </a:t>
+            </a:r>
+            <a:r>
+              <a:rPr lang="en-US" altLang="zh-CN" dirty="0" err="1" smtClean="0"/>
+              <a:t>a_dict.iteritems</a:t>
+            </a:r>
+            <a:r>
+              <a:rPr lang="en-US" altLang="zh-CN" dirty="0" smtClean="0"/>
+              <a:t>() </a:t>
+            </a:r>
+            <a:r>
+              <a:rPr lang="zh-CN" altLang="en-US" dirty="0" smtClean="0"/>
+              <a:t>返回是</a:t>
+            </a:r>
+            <a:r>
+              <a:rPr lang="en-US" altLang="zh-CN" dirty="0" err="1" smtClean="0"/>
+              <a:t>key,value</a:t>
+            </a:r>
+            <a:r>
+              <a:rPr lang="zh-CN" altLang="en-US" dirty="0" smtClean="0"/>
+              <a:t>的元组</a:t>
+            </a:r>
+            <a:r>
+              <a:rPr lang="en-US" altLang="zh-CN" dirty="0" smtClean="0"/>
+              <a:t> </a:t>
+            </a:r>
+            <a:r>
+              <a:rPr lang="zh-CN" altLang="en-US" dirty="0" smtClean="0"/>
+              <a:t>。直接遍历</a:t>
+            </a:r>
+            <a:r>
+              <a:rPr lang="en-US" altLang="zh-CN" dirty="0" err="1" smtClean="0"/>
+              <a:t>a_dict</a:t>
+            </a:r>
+            <a:r>
+              <a:rPr lang="zh-CN" altLang="en-US" dirty="0" smtClean="0"/>
+              <a:t>只能取到</a:t>
+            </a:r>
+            <a:r>
+              <a:rPr lang="en-US" altLang="zh-CN" dirty="0" smtClean="0"/>
+              <a:t>values</a:t>
+            </a:r>
+          </a:p>
+          <a:p>
+            <a:r>
+              <a:rPr lang="zh-CN" altLang="en-US" dirty="0" smtClean="0"/>
+              <a:t>其他方法</a:t>
+            </a:r>
+            <a:r>
+              <a:rPr lang="en-US" altLang="zh-CN" dirty="0" smtClean="0"/>
+              <a:t>:</a:t>
+            </a:r>
+            <a:r>
+              <a:rPr lang="zh-CN" altLang="en-US" dirty="0" smtClean="0"/>
+              <a:t>如</a:t>
+            </a:r>
+            <a:r>
+              <a:rPr lang="en-US" altLang="zh-CN" dirty="0" err="1" smtClean="0"/>
+              <a:t>has_key</a:t>
+            </a:r>
+            <a:r>
+              <a:rPr lang="en-US" altLang="zh-CN" dirty="0" smtClean="0"/>
+              <a:t>(key)</a:t>
+            </a:r>
+            <a:r>
+              <a:rPr lang="zh-CN" altLang="en-US" dirty="0" smtClean="0"/>
+              <a:t>键存在判断</a:t>
+            </a:r>
+            <a:endParaRPr lang="en-US" altLang="zh-CN" dirty="0" smtClean="0"/>
+          </a:p>
+          <a:p>
+            <a:endParaRPr lang="zh-CN" altLang="en-US" dirty="0"/>
           </a:p>
         </p:txBody>
       </p:sp>
     </p:spTree>
     <p:extLst>
       <p:ext uri="{BB962C8B-B14F-4D97-AF65-F5344CB8AC3E}">
-        <p14:creationId xmlns:p14="http://schemas.microsoft.com/office/powerpoint/2010/main" val="2818670026"/>
+        <p14:creationId xmlns:p14="http://schemas.microsoft.com/office/powerpoint/2010/main" val="3346967445"/>
       </p:ext>
     </p:extLst>
   </p:cSld>
@@ -12132,7 +13498,7 @@
           <a:p>
             <a:r>
               <a:rPr lang="zh-CN" altLang="en-US" dirty="0" smtClean="0"/>
-              <a:t>数据处理</a:t>
+              <a:t>函数定义</a:t>
             </a:r>
             <a:endParaRPr lang="zh-CN" altLang="en-US" dirty="0"/>
           </a:p>
@@ -12148,19 +13514,143 @@
             <p:ph idx="1"/>
           </p:nvPr>
         </p:nvSpPr>
-        <p:spPr/>
+        <p:spPr>
+          <a:xfrm>
+            <a:off x="2589212" y="1905000"/>
+            <a:ext cx="8915400" cy="3777622"/>
+          </a:xfrm>
+        </p:spPr>
         <p:txBody>
           <a:bodyPr/>
           <a:lstStyle/>
           <a:p>
-            <a:endParaRPr lang="zh-CN" altLang="en-US"/>
+            <a:r>
+              <a:rPr lang="zh-CN" altLang="en-US" dirty="0" smtClean="0"/>
+              <a:t>定义格式：</a:t>
+            </a:r>
+            <a:r>
+              <a:rPr lang="en-US" altLang="zh-CN" dirty="0" err="1" smtClean="0"/>
+              <a:t>def</a:t>
+            </a:r>
+            <a:r>
+              <a:rPr lang="en-US" altLang="zh-CN" dirty="0" smtClean="0"/>
+              <a:t> </a:t>
+            </a:r>
+            <a:r>
+              <a:rPr lang="en-US" altLang="zh-CN" dirty="0" err="1" smtClean="0"/>
+              <a:t>function_name</a:t>
+            </a:r>
+            <a:r>
+              <a:rPr lang="en-US" altLang="zh-CN" dirty="0" smtClean="0"/>
+              <a:t>(</a:t>
+            </a:r>
+            <a:r>
+              <a:rPr lang="en-US" altLang="zh-CN" dirty="0" err="1" smtClean="0"/>
+              <a:t>params</a:t>
+            </a:r>
+            <a:r>
+              <a:rPr lang="en-US" altLang="zh-CN" dirty="0" smtClean="0"/>
+              <a:t>…):content</a:t>
+            </a:r>
+          </a:p>
+          <a:p>
+            <a:pPr lvl="1"/>
+            <a:r>
+              <a:rPr lang="zh-CN" altLang="en-US" dirty="0"/>
+              <a:t>带*的形参：是一个元组，接收调用时的</a:t>
+            </a:r>
+            <a:r>
+              <a:rPr lang="zh-CN" altLang="en-US" dirty="0" smtClean="0"/>
+              <a:t>额外实参元素</a:t>
+            </a:r>
+            <a:r>
+              <a:rPr lang="zh-CN" altLang="en-US" dirty="0"/>
+              <a:t>到元组</a:t>
+            </a:r>
+            <a:r>
+              <a:rPr lang="zh-CN" altLang="en-US" dirty="0" smtClean="0"/>
+              <a:t>里</a:t>
+            </a:r>
+            <a:endParaRPr lang="en-US" altLang="zh-CN" dirty="0" smtClean="0"/>
+          </a:p>
+          <a:p>
+            <a:pPr lvl="1"/>
+            <a:r>
+              <a:rPr lang="zh-CN" altLang="en-US" dirty="0"/>
+              <a:t>带**的形参：是一个字典</a:t>
+            </a:r>
+            <a:r>
+              <a:rPr lang="en-US" altLang="zh-CN" dirty="0" smtClean="0"/>
+              <a:t>, </a:t>
+            </a:r>
+            <a:r>
+              <a:rPr lang="zh-CN" altLang="en-US" dirty="0" smtClean="0"/>
+              <a:t>接收</a:t>
+            </a:r>
+            <a:r>
+              <a:rPr lang="zh-CN" altLang="en-US" dirty="0"/>
+              <a:t>调用时的额外键值</a:t>
+            </a:r>
+            <a:r>
+              <a:rPr lang="zh-CN" altLang="en-US" dirty="0" smtClean="0"/>
+              <a:t>对实参到</a:t>
+            </a:r>
+            <a:r>
+              <a:rPr lang="zh-CN" altLang="en-US" dirty="0"/>
+              <a:t>字典里</a:t>
+            </a:r>
+            <a:endParaRPr lang="en-US" altLang="zh-CN" dirty="0" smtClean="0"/>
+          </a:p>
+          <a:p>
+            <a:r>
+              <a:rPr lang="zh-CN" altLang="en-US" dirty="0"/>
+              <a:t>形参</a:t>
+            </a:r>
+            <a:r>
+              <a:rPr lang="zh-CN" altLang="en-US" dirty="0" smtClean="0"/>
+              <a:t>初始化：形参可以在函数定义时初始化。</a:t>
+            </a:r>
+            <a:r>
+              <a:rPr lang="zh-CN" altLang="en-US" dirty="0"/>
+              <a:t>函数调用时就</a:t>
+            </a:r>
+            <a:r>
+              <a:rPr lang="zh-CN" altLang="en-US" dirty="0" smtClean="0"/>
+              <a:t>可以不传已经初始化的</a:t>
+            </a:r>
+            <a:r>
+              <a:rPr lang="en-US" altLang="zh-CN" dirty="0" smtClean="0"/>
+              <a:t>					</a:t>
+            </a:r>
+            <a:r>
+              <a:rPr lang="zh-CN" altLang="en-US" dirty="0" smtClean="0"/>
+              <a:t>形参以实参值。（形参、实参均为代称）</a:t>
+            </a:r>
+            <a:endParaRPr lang="en-US" altLang="zh-CN" dirty="0" smtClean="0"/>
+          </a:p>
+          <a:p>
+            <a:r>
+              <a:rPr lang="zh-CN" altLang="en-US" dirty="0"/>
+              <a:t>传参</a:t>
+            </a:r>
+            <a:r>
+              <a:rPr lang="zh-CN" altLang="en-US" dirty="0" smtClean="0"/>
+              <a:t>：不变量传值，可变量传引用。本质上都是传引用</a:t>
+            </a:r>
+            <a:endParaRPr lang="en-US" altLang="zh-CN" dirty="0" smtClean="0"/>
+          </a:p>
+          <a:p>
+            <a:endParaRPr lang="en-US" altLang="zh-CN" dirty="0" smtClean="0"/>
+          </a:p>
+          <a:p>
+            <a:endParaRPr lang="zh-CN" altLang="en-US" dirty="0"/>
           </a:p>
         </p:txBody>
       </p:sp>
     </p:spTree>
     <p:extLst>
       <p:ext uri="{BB962C8B-B14F-4D97-AF65-F5344CB8AC3E}">
-        <p14:creationId xmlns:p14="http://schemas.microsoft.com/office/powerpoint/2010/main" val="2578548746"/>
+        <p14:creationId xmlns:p14="http://schemas.microsoft.com/office/powerpoint/2010/main" val="543221551"/>
       </p:ext>
     </p:extLst>
   </p:cSld>
@@ -12204,7 +13694,7 @@
           <a:p>
             <a:r>
               <a:rPr lang="zh-CN" altLang="en-US" dirty="0" smtClean="0"/>
-              <a:t>数据可视化</a:t>
+              <a:t>函数调用</a:t>
             </a:r>
             <a:endParaRPr lang="zh-CN" altLang="en-US" dirty="0"/>
           </a:p>
@@ -12226,24 +13716,233 @@
           <a:lstStyle/>
           <a:p>
             <a:r>
-              <a:rPr lang="zh-CN" altLang="en-US" dirty="0" smtClean="0"/>
-              <a:t>二维码生成</a:t>
+              <a:rPr lang="zh-CN" altLang="en-US" dirty="0"/>
+              <a:t>会生成一个局部符号表： 变量引用首先在这个符号表里查找，然后</a:t>
+            </a:r>
+            <a:r>
+              <a:rPr lang="zh-CN" altLang="en-US" dirty="0" smtClean="0"/>
+              <a:t>在定义函数语句</a:t>
+            </a:r>
+            <a:r>
+              <a:rPr lang="en-US" altLang="zh-CN" dirty="0" smtClean="0"/>
+              <a:t>							</a:t>
+            </a:r>
+            <a:r>
+              <a:rPr lang="zh-CN" altLang="en-US" dirty="0" smtClean="0"/>
+              <a:t>所在的局部</a:t>
+            </a:r>
+            <a:r>
+              <a:rPr lang="zh-CN" altLang="en-US" dirty="0"/>
+              <a:t>符号表，然后是全局符号表，最后是内置名字</a:t>
+            </a:r>
+            <a:r>
+              <a:rPr lang="zh-CN" altLang="en-US" dirty="0" smtClean="0"/>
+              <a:t>表</a:t>
             </a:r>
             <a:endParaRPr lang="en-US" altLang="zh-CN" dirty="0" smtClean="0"/>
           </a:p>
           <a:p>
             <a:r>
-              <a:rPr lang="zh-CN" altLang="en-US" dirty="0" smtClean="0"/>
-              <a:t>统计图表</a:t>
-            </a:r>
-            <a:endParaRPr lang="zh-CN" altLang="en-US" dirty="0"/>
+              <a:rPr lang="zh-CN" altLang="en-US" dirty="0"/>
+              <a:t>调用</a:t>
+            </a:r>
+            <a:r>
+              <a:rPr lang="zh-CN" altLang="en-US" dirty="0" smtClean="0"/>
+              <a:t>时形参</a:t>
+            </a:r>
+            <a:r>
+              <a:rPr lang="zh-CN" altLang="en-US" dirty="0"/>
+              <a:t>前</a:t>
+            </a:r>
+            <a:r>
+              <a:rPr lang="zh-CN" altLang="en-US" dirty="0" smtClean="0"/>
+              <a:t>带</a:t>
+            </a:r>
+            <a:r>
+              <a:rPr lang="zh-CN" altLang="en-US" dirty="0"/>
+              <a:t>*或</a:t>
+            </a:r>
+            <a:r>
+              <a:rPr lang="zh-CN" altLang="en-US" dirty="0" smtClean="0"/>
+              <a:t>**：</a:t>
+            </a:r>
+            <a:endParaRPr lang="en-US" altLang="zh-CN" dirty="0" smtClean="0"/>
+          </a:p>
+          <a:p>
+            <a:pPr lvl="1"/>
+            <a:r>
+              <a:rPr lang="zh-CN" altLang="en-US" dirty="0"/>
+              <a:t>带*：首先实参是</a:t>
+            </a:r>
+            <a:r>
+              <a:rPr lang="en-US" altLang="zh-CN" dirty="0" smtClean="0"/>
+              <a:t>list</a:t>
+            </a:r>
+            <a:r>
+              <a:rPr lang="zh-CN" altLang="en-US" dirty="0" smtClean="0"/>
+              <a:t>或者</a:t>
+            </a:r>
+            <a:r>
+              <a:rPr lang="en-US" altLang="zh-CN" dirty="0" smtClean="0"/>
+              <a:t>tuple,</a:t>
+            </a:r>
+            <a:r>
+              <a:rPr lang="zh-CN" altLang="en-US" dirty="0"/>
+              <a:t>会拆分为各个参数来有序赋值</a:t>
+            </a:r>
+            <a:r>
+              <a:rPr lang="zh-CN" altLang="en-US" dirty="0" smtClean="0"/>
+              <a:t>给各个形参</a:t>
+            </a:r>
+            <a:endParaRPr lang="en-US" altLang="zh-CN" dirty="0" smtClean="0"/>
+          </a:p>
+          <a:p>
+            <a:pPr lvl="1"/>
+            <a:r>
+              <a:rPr lang="zh-CN" altLang="en-US" dirty="0"/>
+              <a:t>带**：首先实参是</a:t>
+            </a:r>
+            <a:r>
+              <a:rPr lang="en-US" altLang="zh-CN" dirty="0" err="1"/>
+              <a:t>dict</a:t>
+            </a:r>
+            <a:r>
+              <a:rPr lang="en-US" altLang="zh-CN" dirty="0"/>
+              <a:t>,</a:t>
+            </a:r>
+            <a:r>
+              <a:rPr lang="zh-CN" altLang="en-US" dirty="0"/>
+              <a:t>会拆分为各个</a:t>
+            </a:r>
+            <a:r>
+              <a:rPr lang="en-US" altLang="zh-CN" dirty="0"/>
+              <a:t>key-value</a:t>
+            </a:r>
+            <a:r>
+              <a:rPr lang="zh-CN" altLang="en-US" dirty="0"/>
+              <a:t>来</a:t>
+            </a:r>
+            <a:r>
+              <a:rPr lang="zh-CN" altLang="en-US" dirty="0" smtClean="0"/>
+              <a:t>对应名称赋值给各个形参</a:t>
+            </a:r>
+            <a:endParaRPr lang="en-US" altLang="zh-CN" dirty="0" smtClean="0"/>
+          </a:p>
+          <a:p>
+            <a:r>
+              <a:rPr lang="zh-CN" altLang="en-US" dirty="0"/>
+              <a:t>重命名机制：一个函数定义之后，它的函数名会该函数所在空间的符号表中：</a:t>
+            </a:r>
+            <a:r>
+              <a:rPr lang="zh-CN" altLang="en-US" dirty="0" smtClean="0"/>
+              <a:t>这个</a:t>
+            </a:r>
+            <a:r>
+              <a:rPr lang="en-US" altLang="zh-CN" dirty="0" smtClean="0"/>
+              <a:t>					</a:t>
+            </a:r>
+            <a:r>
+              <a:rPr lang="zh-CN" altLang="en-US" dirty="0" smtClean="0"/>
+              <a:t>名称</a:t>
+            </a:r>
+            <a:r>
+              <a:rPr lang="zh-CN" altLang="en-US" dirty="0"/>
+              <a:t>指向该函数的函数体。所以这个名称是可以</a:t>
+            </a:r>
+            <a:r>
+              <a:rPr lang="zh-CN" altLang="en-US" dirty="0" smtClean="0"/>
+              <a:t>被当作变量来访问和</a:t>
+            </a:r>
+            <a:r>
+              <a:rPr lang="en-US" altLang="zh-CN" dirty="0" smtClean="0"/>
+              <a:t>				</a:t>
+            </a:r>
+            <a:r>
+              <a:rPr lang="zh-CN" altLang="en-US" dirty="0" smtClean="0"/>
+              <a:t>赋值给其他变量和被赋值，而</a:t>
+            </a:r>
+            <a:r>
+              <a:rPr lang="zh-CN" altLang="en-US" dirty="0"/>
+              <a:t>不是只能用来被调用</a:t>
+            </a:r>
+            <a:r>
+              <a:rPr lang="en-US" altLang="zh-CN" dirty="0"/>
+              <a:t>()</a:t>
+            </a:r>
+            <a:r>
+              <a:rPr lang="zh-CN" altLang="en-US" dirty="0" smtClean="0"/>
+              <a:t>。</a:t>
+            </a:r>
+            <a:endParaRPr lang="en-US" altLang="zh-CN" dirty="0" smtClean="0"/>
+          </a:p>
+          <a:p>
+            <a:r>
+              <a:rPr lang="zh-CN" altLang="en-US" dirty="0" smtClean="0"/>
+              <a:t>生成器函数的调用：只要</a:t>
+            </a:r>
+            <a:r>
+              <a:rPr lang="zh-CN" altLang="en-US" dirty="0"/>
+              <a:t>函数里有</a:t>
+            </a:r>
+            <a:r>
+              <a:rPr lang="en-US" altLang="zh-CN" dirty="0"/>
+              <a:t>yield</a:t>
+            </a:r>
+            <a:r>
+              <a:rPr lang="zh-CN" altLang="en-US" dirty="0"/>
+              <a:t>关键字</a:t>
+            </a:r>
+            <a:r>
+              <a:rPr lang="zh-CN" altLang="en-US" dirty="0" smtClean="0"/>
+              <a:t>，直接</a:t>
+            </a:r>
+            <a:r>
+              <a:rPr lang="zh-CN" altLang="en-US" dirty="0"/>
+              <a:t>调用该函数，则直接返回一</a:t>
+            </a:r>
+            <a:r>
+              <a:rPr lang="zh-CN" altLang="en-US" dirty="0" smtClean="0"/>
+              <a:t>个</a:t>
+            </a:r>
+            <a:r>
+              <a:rPr lang="en-US" altLang="zh-CN" dirty="0" smtClean="0"/>
+              <a:t>						</a:t>
+            </a:r>
+            <a:r>
+              <a:rPr lang="zh-CN" altLang="en-US" dirty="0" smtClean="0"/>
+              <a:t>生成器对象，函数里的代码都不会执行。</a:t>
+            </a:r>
+            <a:r>
+              <a:rPr lang="zh-CN" altLang="en-US" dirty="0"/>
+              <a:t>可以调用很多次，</a:t>
+            </a:r>
+            <a:r>
+              <a:rPr lang="zh-CN" altLang="en-US" dirty="0" smtClean="0"/>
+              <a:t>每次</a:t>
+            </a:r>
+            <a:r>
+              <a:rPr lang="en-US" altLang="zh-CN" dirty="0" smtClean="0"/>
+              <a:t>					</a:t>
+            </a:r>
+            <a:r>
+              <a:rPr lang="zh-CN" altLang="en-US" dirty="0" smtClean="0"/>
+              <a:t>返回的</a:t>
+            </a:r>
+            <a:r>
+              <a:rPr lang="zh-CN" altLang="en-US" dirty="0"/>
+              <a:t>是不同的生成器对象。</a:t>
+            </a:r>
+            <a:endParaRPr lang="en-US" altLang="zh-CN" dirty="0"/>
+          </a:p>
+          <a:p>
+            <a:endParaRPr lang="en-US" altLang="zh-CN" dirty="0" smtClean="0"/>
           </a:p>
         </p:txBody>
       </p:sp>
     </p:spTree>
     <p:extLst>
       <p:ext uri="{BB962C8B-B14F-4D97-AF65-F5344CB8AC3E}">
-        <p14:creationId xmlns:p14="http://schemas.microsoft.com/office/powerpoint/2010/main" val="3239262355"/>
+        <p14:creationId xmlns:p14="http://schemas.microsoft.com/office/powerpoint/2010/main" val="1545064672"/>
       </p:ext>
     </p:extLst>
   </p:cSld>
@@ -12282,71 +13981,414 @@
         </p:nvSpPr>
         <p:spPr/>
         <p:txBody>
+          <a:bodyPr/>
+          <a:lstStyle/>
+          <a:p>
+            <a:r>
+              <a:rPr lang="zh-CN" altLang="en-US" dirty="0" smtClean="0"/>
+              <a:t>常用函数</a:t>
+            </a:r>
+            <a:endParaRPr lang="zh-CN" altLang="en-US" dirty="0"/>
+          </a:p>
+        </p:txBody>
+      </p:sp>
+      <p:sp>
+        <p:nvSpPr>
+          <p:cNvPr id="3" name="内容占位符 2"/>
+          <p:cNvSpPr>
+            <a:spLocks noGrp="1"/>
+          </p:cNvSpPr>
+          <p:nvPr>
+            <p:ph idx="1"/>
+          </p:nvPr>
+        </p:nvSpPr>
+        <p:spPr/>
+        <p:txBody>
           <a:bodyPr>
-            <a:normAutofit fontScale="90000"/>
+            <a:normAutofit fontScale="92500" lnSpcReduction="20000"/>
           </a:bodyPr>
           <a:lstStyle/>
           <a:p>
             <a:r>
-              <a:rPr lang="zh-CN" altLang="en-US" dirty="0" smtClean="0"/>
-              <a:t>网络通信</a:t>
+              <a:rPr lang="en-US" altLang="zh-CN" dirty="0" err="1" smtClean="0"/>
+              <a:t>len</a:t>
+            </a:r>
+            <a:r>
+              <a:rPr lang="en-US" altLang="zh-CN" dirty="0" smtClean="0"/>
+              <a:t>(</a:t>
+            </a:r>
+            <a:r>
+              <a:rPr lang="zh-CN" altLang="en-US" dirty="0" smtClean="0"/>
+              <a:t>字符串</a:t>
+            </a:r>
+            <a:r>
+              <a:rPr lang="en-US" altLang="zh-CN" dirty="0" smtClean="0"/>
+              <a:t>/</a:t>
+            </a:r>
+            <a:r>
+              <a:rPr lang="zh-CN" altLang="en-US" dirty="0" smtClean="0"/>
+              <a:t>序列</a:t>
+            </a:r>
+            <a:r>
+              <a:rPr lang="en-US" altLang="zh-CN" dirty="0" smtClean="0"/>
+              <a:t>) , sorted(</a:t>
+            </a:r>
+            <a:r>
+              <a:rPr lang="zh-CN" altLang="en-US" dirty="0"/>
+              <a:t>迭代</a:t>
+            </a:r>
+            <a:r>
+              <a:rPr lang="zh-CN" altLang="en-US" dirty="0" smtClean="0"/>
+              <a:t>器对象</a:t>
+            </a:r>
+            <a:r>
+              <a:rPr lang="en-US" altLang="zh-CN" dirty="0" smtClean="0"/>
+              <a:t>)  ,</a:t>
+            </a:r>
+            <a:r>
+              <a:rPr lang="zh-CN" altLang="en-US" dirty="0"/>
+              <a:t> </a:t>
+            </a:r>
+            <a:r>
+              <a:rPr lang="zh-CN" altLang="en-US" dirty="0" smtClean="0"/>
+              <a:t>字符串序列</a:t>
+            </a:r>
+            <a:r>
+              <a:rPr lang="en-US" altLang="zh-CN" dirty="0" smtClean="0"/>
+              <a:t>.join(‘</a:t>
+            </a:r>
+            <a:r>
+              <a:rPr lang="zh-CN" altLang="en-US" dirty="0" smtClean="0"/>
+              <a:t>分隔符</a:t>
+            </a:r>
+            <a:r>
+              <a:rPr lang="en-US" altLang="zh-CN" dirty="0" smtClean="0"/>
+              <a:t>’)</a:t>
+            </a:r>
+          </a:p>
+          <a:p>
+            <a:r>
+              <a:rPr lang="en-US" altLang="zh-CN" dirty="0" smtClean="0"/>
+              <a:t>enumerate(</a:t>
+            </a:r>
+            <a:r>
+              <a:rPr lang="zh-CN" altLang="en-US" dirty="0" smtClean="0"/>
+              <a:t>序列</a:t>
+            </a:r>
+            <a:r>
+              <a:rPr lang="en-US" altLang="zh-CN" dirty="0" smtClean="0"/>
+              <a:t>/</a:t>
+            </a:r>
+            <a:r>
+              <a:rPr lang="en-US" altLang="zh-CN" dirty="0" err="1" smtClean="0"/>
+              <a:t>dict</a:t>
+            </a:r>
+            <a:r>
+              <a:rPr lang="en-US" altLang="zh-CN" dirty="0" smtClean="0"/>
+              <a:t>) </a:t>
+            </a:r>
+            <a:r>
+              <a:rPr lang="zh-CN" altLang="en-US" dirty="0" smtClean="0"/>
+              <a:t>返回一个</a:t>
+            </a:r>
+            <a:r>
+              <a:rPr lang="en-US" altLang="zh-CN" dirty="0" smtClean="0"/>
+              <a:t>index ,value</a:t>
+            </a:r>
+            <a:r>
+              <a:rPr lang="zh-CN" altLang="en-US" dirty="0" smtClean="0"/>
+              <a:t>的元组迭代器对象，便于</a:t>
+            </a:r>
+            <a:r>
+              <a:rPr lang="en-US" altLang="zh-CN" dirty="0" smtClean="0"/>
+              <a:t>for</a:t>
+            </a:r>
+            <a:r>
+              <a:rPr lang="zh-CN" altLang="en-US" dirty="0" smtClean="0"/>
+              <a:t>循环得</a:t>
+            </a:r>
+            <a:r>
+              <a:rPr lang="en-US" altLang="zh-CN" dirty="0" smtClean="0"/>
+              <a:t>							</a:t>
+            </a:r>
+            <a:r>
+              <a:rPr lang="zh-CN" altLang="en-US" dirty="0" smtClean="0"/>
+              <a:t>到索引</a:t>
+            </a:r>
+            <a:endParaRPr lang="en-US" altLang="zh-CN" dirty="0" smtClean="0"/>
+          </a:p>
+          <a:p>
+            <a:r>
+              <a:rPr lang="en-US" altLang="zh-CN" dirty="0" smtClean="0"/>
+              <a:t>zip(list1,list2)</a:t>
+            </a:r>
+            <a:r>
+              <a:rPr lang="zh-CN" altLang="en-US" dirty="0"/>
+              <a:t>可以同时对多个</a:t>
+            </a:r>
+            <a:r>
+              <a:rPr lang="en-US" altLang="zh-CN" dirty="0"/>
+              <a:t>list</a:t>
+            </a:r>
+            <a:r>
+              <a:rPr lang="zh-CN" altLang="en-US" dirty="0"/>
+              <a:t>进行</a:t>
+            </a:r>
+            <a:r>
+              <a:rPr lang="zh-CN" altLang="en-US" dirty="0" smtClean="0"/>
+              <a:t>遍历一一对应</a:t>
+            </a:r>
+            <a:endParaRPr lang="en-US" altLang="zh-CN" dirty="0" smtClean="0"/>
+          </a:p>
+          <a:p>
+            <a:r>
+              <a:rPr lang="zh-CN" altLang="en-US" dirty="0" smtClean="0"/>
+              <a:t>匿名函数：没有直接创建的方法</a:t>
             </a:r>
             <a:r>
               <a:rPr lang="en-US" altLang="zh-CN" dirty="0" smtClean="0"/>
               <a:t>	</a:t>
             </a:r>
-            <a:br>
-              <a:rPr lang="en-US" altLang="zh-CN" dirty="0" smtClean="0"/>
-            </a:br>
+          </a:p>
+          <a:p>
+            <a:pPr lvl="1"/>
             <a:r>
               <a:rPr lang="en-US" altLang="zh-CN" dirty="0"/>
-              <a:t/>
-            </a:r>
-            <a:br>
+              <a:t>l</a:t>
+            </a:r>
+            <a:r>
+              <a:rPr lang="en-US" altLang="zh-CN" dirty="0" smtClean="0"/>
+              <a:t>ambda</a:t>
+            </a:r>
+            <a:r>
+              <a:rPr lang="zh-CN" altLang="en-US" dirty="0" smtClean="0"/>
+              <a:t>表达式创建</a:t>
+            </a:r>
+            <a:r>
+              <a:rPr lang="zh-CN" altLang="en-US" dirty="0"/>
+              <a:t>简单的匿名</a:t>
+            </a:r>
+            <a:r>
+              <a:rPr lang="zh-CN" altLang="en-US" dirty="0" smtClean="0"/>
+              <a:t>函数</a:t>
+            </a:r>
+            <a:endParaRPr lang="en-US" altLang="zh-CN" dirty="0"/>
+          </a:p>
+          <a:p>
+            <a:pPr lvl="2"/>
+            <a:r>
+              <a:rPr lang="zh-CN" altLang="en-US" dirty="0" smtClean="0"/>
+              <a:t>定义格式：</a:t>
+            </a:r>
+            <a:r>
+              <a:rPr lang="en-US" altLang="zh-CN" dirty="0" smtClean="0"/>
+              <a:t>lambda </a:t>
+            </a:r>
+            <a:r>
+              <a:rPr lang="zh-CN" altLang="en-US" dirty="0"/>
+              <a:t>形参表</a:t>
+            </a:r>
+            <a:r>
+              <a:rPr lang="en-US" altLang="zh-CN" dirty="0" smtClean="0"/>
+              <a:t>:</a:t>
+            </a:r>
+            <a:r>
+              <a:rPr lang="zh-CN" altLang="en-US" dirty="0" smtClean="0"/>
+              <a:t>表达式</a:t>
+            </a:r>
+            <a:endParaRPr lang="en-US" altLang="zh-CN" dirty="0" smtClean="0"/>
+          </a:p>
+          <a:p>
+            <a:r>
               <a:rPr lang="en-US" altLang="zh-CN" dirty="0"/>
-            </a:br>
-            <a:r>
-              <a:rPr lang="en-US" altLang="zh-CN" dirty="0" smtClean="0"/>
-              <a:t/>
-            </a:r>
-            <a:br>
-              <a:rPr lang="en-US" altLang="zh-CN" dirty="0" smtClean="0"/>
-            </a:br>
-            <a:endParaRPr lang="zh-CN" altLang="en-US" dirty="0"/>
-          </a:p>
-        </p:txBody>
-      </p:sp>
-      <p:sp>
-        <p:nvSpPr>
-          <p:cNvPr id="3" name="内容占位符 2"/>
-          <p:cNvSpPr>
-            <a:spLocks noGrp="1"/>
-          </p:cNvSpPr>
-          <p:nvPr>
-            <p:ph idx="1"/>
-          </p:nvPr>
-        </p:nvSpPr>
-        <p:spPr/>
-        <p:txBody>
-          <a:bodyPr/>
-          <a:lstStyle/>
-          <a:p>
-            <a:r>
-              <a:rPr lang="en-US" altLang="zh-CN" dirty="0" smtClean="0"/>
-              <a:t>Socket</a:t>
-            </a:r>
-            <a:r>
-              <a:rPr lang="zh-CN" altLang="en-US" dirty="0" smtClean="0"/>
-              <a:t>编程</a:t>
-            </a:r>
-            <a:endParaRPr lang="zh-CN" altLang="en-US" dirty="0"/>
+              <a:t>m</a:t>
+            </a:r>
+            <a:r>
+              <a:rPr lang="en-US" altLang="zh-CN" dirty="0" smtClean="0"/>
+              <a:t>ap-reduce</a:t>
+            </a:r>
+            <a:r>
+              <a:rPr lang="zh-CN" altLang="en-US" dirty="0" smtClean="0"/>
+              <a:t>支持：</a:t>
+            </a:r>
+            <a:endParaRPr lang="en-US" altLang="zh-CN" dirty="0" smtClean="0"/>
+          </a:p>
+          <a:p>
+            <a:pPr lvl="1"/>
+            <a:r>
+              <a:rPr lang="en-US" altLang="zh-CN" dirty="0"/>
+              <a:t>filter(</a:t>
+            </a:r>
+            <a:r>
+              <a:rPr lang="en-US" altLang="zh-CN" dirty="0" err="1"/>
+              <a:t>functon</a:t>
+            </a:r>
+            <a:r>
+              <a:rPr lang="en-US" altLang="zh-CN" dirty="0"/>
+              <a:t>, list)</a:t>
+            </a:r>
+            <a:r>
+              <a:rPr lang="zh-CN" altLang="en-US" dirty="0"/>
+              <a:t>可以返回</a:t>
+            </a:r>
+            <a:r>
+              <a:rPr lang="en-US" altLang="zh-CN" dirty="0"/>
+              <a:t>list</a:t>
+            </a:r>
+            <a:r>
+              <a:rPr lang="zh-CN" altLang="en-US" dirty="0" smtClean="0"/>
+              <a:t>中</a:t>
+            </a:r>
+            <a:r>
+              <a:rPr lang="en-US" altLang="zh-CN" dirty="0" smtClean="0"/>
+              <a:t>function</a:t>
+            </a:r>
+            <a:r>
+              <a:rPr lang="zh-CN" altLang="en-US" dirty="0" smtClean="0"/>
+              <a:t>处理返回</a:t>
+            </a:r>
+            <a:r>
+              <a:rPr lang="en-US" altLang="zh-CN" dirty="0" smtClean="0"/>
+              <a:t>True</a:t>
+            </a:r>
+            <a:r>
+              <a:rPr lang="zh-CN" altLang="en-US" dirty="0" smtClean="0"/>
+              <a:t>的</a:t>
+            </a:r>
+            <a:r>
+              <a:rPr lang="zh-CN" altLang="en-US" dirty="0"/>
+              <a:t>元素</a:t>
+            </a:r>
+            <a:r>
+              <a:rPr lang="en-US" altLang="zh-CN" dirty="0" smtClean="0"/>
+              <a:t>list</a:t>
+            </a:r>
+          </a:p>
+          <a:p>
+            <a:pPr lvl="1"/>
+            <a:r>
+              <a:rPr lang="en-US" altLang="zh-CN" dirty="0"/>
+              <a:t>map(function, list)</a:t>
+            </a:r>
+            <a:r>
+              <a:rPr lang="zh-CN" altLang="en-US" dirty="0"/>
+              <a:t>可以返回对</a:t>
+            </a:r>
+            <a:r>
+              <a:rPr lang="en-US" altLang="zh-CN" dirty="0"/>
+              <a:t>list</a:t>
+            </a:r>
+            <a:r>
+              <a:rPr lang="zh-CN" altLang="en-US" dirty="0"/>
+              <a:t>每个元素都</a:t>
+            </a:r>
+            <a:r>
+              <a:rPr lang="en-US" altLang="zh-CN" dirty="0"/>
+              <a:t>function</a:t>
+            </a:r>
+            <a:r>
+              <a:rPr lang="zh-CN" altLang="en-US" dirty="0"/>
+              <a:t>处理后的结果</a:t>
+            </a:r>
+            <a:r>
+              <a:rPr lang="en-US" altLang="zh-CN" dirty="0" smtClean="0"/>
+              <a:t>list</a:t>
+            </a:r>
+          </a:p>
+          <a:p>
+            <a:pPr lvl="1"/>
+            <a:r>
+              <a:rPr lang="en-US" altLang="zh-CN" dirty="0"/>
+              <a:t>reduce(function, list, </a:t>
+            </a:r>
+            <a:r>
+              <a:rPr lang="en-US" altLang="zh-CN" dirty="0" err="1"/>
+              <a:t>initialval-iflistnull</a:t>
+            </a:r>
+            <a:r>
+              <a:rPr lang="en-US" altLang="zh-CN" dirty="0"/>
+              <a:t>) </a:t>
+            </a:r>
+            <a:r>
+              <a:rPr lang="zh-CN" altLang="en-US" dirty="0"/>
+              <a:t>先</a:t>
+            </a:r>
+            <a:r>
+              <a:rPr lang="zh-CN" altLang="en-US" dirty="0" smtClean="0"/>
+              <a:t>用</a:t>
+            </a:r>
+            <a:r>
+              <a:rPr lang="en-US" altLang="zh-CN" dirty="0"/>
+              <a:t>function</a:t>
+            </a:r>
+            <a:r>
+              <a:rPr lang="zh-CN" altLang="en-US" dirty="0"/>
+              <a:t>处理</a:t>
+            </a:r>
+            <a:r>
+              <a:rPr lang="en-US" altLang="zh-CN" dirty="0"/>
+              <a:t>list</a:t>
+            </a:r>
+            <a:r>
+              <a:rPr lang="zh-CN" altLang="en-US" dirty="0"/>
+              <a:t>前两个元素，将结果和</a:t>
+            </a:r>
+            <a:r>
+              <a:rPr lang="en-US" altLang="zh-CN" dirty="0"/>
+              <a:t>list</a:t>
+            </a:r>
+            <a:r>
+              <a:rPr lang="zh-CN" altLang="en-US" dirty="0"/>
+              <a:t>第</a:t>
+            </a:r>
+            <a:r>
+              <a:rPr lang="en-US" altLang="zh-CN" dirty="0"/>
+              <a:t>3</a:t>
+            </a:r>
+            <a:r>
+              <a:rPr lang="zh-CN" altLang="en-US" dirty="0"/>
+              <a:t>个元素用</a:t>
+            </a:r>
+            <a:r>
+              <a:rPr lang="en-US" altLang="zh-CN" dirty="0"/>
+              <a:t>function</a:t>
+            </a:r>
+            <a:r>
+              <a:rPr lang="zh-CN" altLang="en-US" dirty="0"/>
+              <a:t>处理，直至处理完</a:t>
+            </a:r>
+            <a:r>
+              <a:rPr lang="en-US" altLang="zh-CN" dirty="0"/>
+              <a:t>list</a:t>
+            </a:r>
+            <a:r>
+              <a:rPr lang="zh-CN" altLang="en-US" dirty="0"/>
+              <a:t>返回最终结果</a:t>
+            </a:r>
+            <a:r>
+              <a:rPr lang="zh-CN" altLang="en-US" dirty="0" smtClean="0"/>
+              <a:t>。</a:t>
+            </a:r>
+            <a:r>
+              <a:rPr lang="en-US" altLang="zh-CN" dirty="0" smtClean="0"/>
+              <a:t>1</a:t>
+            </a:r>
+            <a:r>
+              <a:rPr lang="zh-CN" altLang="en-US" dirty="0" smtClean="0"/>
+              <a:t>元素返回该元素，无元素返回</a:t>
+            </a:r>
+            <a:r>
+              <a:rPr lang="en-US" altLang="zh-CN" dirty="0" err="1"/>
+              <a:t>initialval-iflistnull</a:t>
+            </a:r>
+            <a:endParaRPr lang="en-US" altLang="zh-CN" dirty="0" smtClean="0"/>
           </a:p>
         </p:txBody>
       </p:sp>
     </p:spTree>
     <p:extLst>
       <p:ext uri="{BB962C8B-B14F-4D97-AF65-F5344CB8AC3E}">
-        <p14:creationId xmlns:p14="http://schemas.microsoft.com/office/powerpoint/2010/main" val="4022811799"/>
+        <p14:creationId xmlns:p14="http://schemas.microsoft.com/office/powerpoint/2010/main" val="591225041"/>
       </p:ext>
     </p:extLst>
   </p:cSld>
@@ -12388,7 +14430,11 @@
           <a:bodyPr/>
           <a:lstStyle/>
           <a:p>
-            <a:endParaRPr lang="zh-CN" altLang="en-US"/>
+            <a:r>
+              <a:rPr lang="zh-CN" altLang="en-US" dirty="0" smtClean="0"/>
+              <a:t>序列化、反序列化</a:t>
+            </a:r>
+            <a:endParaRPr lang="zh-CN" altLang="en-US" dirty="0"/>
           </a:p>
         </p:txBody>
       </p:sp>
@@ -12404,17 +14450,457 @@
         </p:nvSpPr>
         <p:spPr/>
         <p:txBody>
-          <a:bodyPr/>
+          <a:bodyPr>
+            <a:normAutofit fontScale="92500" lnSpcReduction="10000"/>
+          </a:bodyPr>
           <a:lstStyle/>
           <a:p>
-            <a:endParaRPr lang="zh-CN" altLang="en-US"/>
+            <a:r>
+              <a:rPr lang="zh-CN" altLang="en-US" dirty="0"/>
+              <a:t>序列化：将一个</a:t>
+            </a:r>
+            <a:r>
+              <a:rPr lang="en-US" altLang="zh-CN" dirty="0"/>
+              <a:t>python</a:t>
+            </a:r>
+            <a:r>
+              <a:rPr lang="zh-CN" altLang="en-US" dirty="0"/>
+              <a:t>数据结构对象转换为</a:t>
+            </a:r>
+            <a:r>
+              <a:rPr lang="en-US" altLang="zh-CN" dirty="0" err="1"/>
+              <a:t>json</a:t>
+            </a:r>
+            <a:r>
+              <a:rPr lang="zh-CN" altLang="en-US" dirty="0"/>
+              <a:t>格式</a:t>
+            </a:r>
+            <a:r>
+              <a:rPr lang="zh-CN" altLang="en-US" dirty="0" smtClean="0"/>
+              <a:t>字符串</a:t>
+            </a:r>
+            <a:endParaRPr lang="en-US" altLang="zh-CN" dirty="0" smtClean="0"/>
+          </a:p>
+          <a:p>
+            <a:pPr lvl="1"/>
+            <a:r>
+              <a:rPr lang="zh-CN" altLang="en-US" dirty="0" smtClean="0"/>
+              <a:t>基本类型的序列化：</a:t>
+            </a:r>
+            <a:r>
+              <a:rPr lang="en-US" altLang="zh-CN" dirty="0" smtClean="0"/>
+              <a:t>int,float,,</a:t>
+            </a:r>
+            <a:r>
+              <a:rPr lang="en-US" altLang="zh-CN" dirty="0" err="1" smtClean="0"/>
+              <a:t>list,set,map</a:t>
+            </a:r>
+            <a:r>
+              <a:rPr lang="zh-CN" altLang="en-US" dirty="0" smtClean="0"/>
+              <a:t>使用</a:t>
+            </a:r>
+            <a:r>
+              <a:rPr lang="en-US" altLang="zh-CN" dirty="0" err="1" smtClean="0"/>
+              <a:t>json.dumps</a:t>
+            </a:r>
+            <a:r>
+              <a:rPr lang="en-US" altLang="zh-CN" dirty="0" smtClean="0"/>
+              <a:t>(a)</a:t>
+            </a:r>
+          </a:p>
+          <a:p>
+            <a:pPr lvl="1"/>
+            <a:r>
+              <a:rPr lang="zh-CN" altLang="en-US" dirty="0" smtClean="0"/>
+              <a:t>类实例的序列化：</a:t>
+            </a:r>
+            <a:r>
+              <a:rPr lang="en-US" altLang="zh-CN" dirty="0" err="1" smtClean="0"/>
+              <a:t>json.dumps</a:t>
+            </a:r>
+            <a:r>
+              <a:rPr lang="en-US" altLang="zh-CN" dirty="0" smtClean="0"/>
+              <a:t>(</a:t>
+            </a:r>
+            <a:r>
+              <a:rPr lang="en-US" altLang="zh-CN" dirty="0" err="1" smtClean="0"/>
+              <a:t>obj</a:t>
+            </a:r>
+            <a:r>
+              <a:rPr lang="en-US" altLang="zh-CN" dirty="0" smtClean="0"/>
+              <a:t>, default=</a:t>
+            </a:r>
+            <a:r>
+              <a:rPr lang="zh-CN" altLang="en-US" dirty="0" smtClean="0"/>
+              <a:t>返回字典的函数</a:t>
+            </a:r>
+            <a:r>
+              <a:rPr lang="en-US" altLang="zh-CN" dirty="0" smtClean="0"/>
+              <a:t>),</a:t>
+            </a:r>
+            <a:r>
+              <a:rPr lang="zh-CN" altLang="en-US" dirty="0" smtClean="0"/>
+              <a:t>函数常用</a:t>
+            </a:r>
+            <a:r>
+              <a:rPr lang="en-US" altLang="zh-CN" dirty="0" smtClean="0"/>
+              <a:t>lambda</a:t>
+            </a:r>
+            <a:r>
+              <a:rPr lang="zh-CN" altLang="en-US" dirty="0" smtClean="0"/>
+              <a:t>表达式</a:t>
+            </a:r>
+            <a:r>
+              <a:rPr lang="en-US" altLang="zh-CN" dirty="0" smtClean="0"/>
+              <a:t/>
+            </a:r>
+            <a:br>
+              <a:rPr lang="en-US" altLang="zh-CN" dirty="0" smtClean="0"/>
+            </a:br>
+            <a:r>
+              <a:rPr lang="en-US" altLang="zh-CN" dirty="0" smtClean="0"/>
+              <a:t>				</a:t>
+            </a:r>
+            <a:r>
+              <a:rPr lang="zh-CN" altLang="en-US" dirty="0" smtClean="0"/>
+              <a:t>如</a:t>
+            </a:r>
+            <a:r>
+              <a:rPr lang="en-US" altLang="zh-CN" dirty="0" err="1"/>
+              <a:t>obj</a:t>
+            </a:r>
+            <a:r>
+              <a:rPr lang="en-US" altLang="zh-CN" dirty="0" err="1" smtClean="0"/>
+              <a:t>_json</a:t>
+            </a:r>
+            <a:r>
+              <a:rPr lang="en-US" altLang="zh-CN" dirty="0" smtClean="0"/>
+              <a:t> </a:t>
+            </a:r>
+            <a:r>
+              <a:rPr lang="en-US" altLang="zh-CN" dirty="0"/>
+              <a:t>= </a:t>
+            </a:r>
+            <a:r>
+              <a:rPr lang="en-US" altLang="zh-CN" dirty="0" err="1" smtClean="0"/>
+              <a:t>json.dumps</a:t>
+            </a:r>
+            <a:r>
+              <a:rPr lang="en-US" altLang="zh-CN" dirty="0" smtClean="0"/>
+              <a:t>(</a:t>
+            </a:r>
+            <a:r>
+              <a:rPr lang="en-US" altLang="zh-CN" dirty="0" err="1" smtClean="0"/>
+              <a:t>obj</a:t>
+            </a:r>
+            <a:r>
+              <a:rPr lang="en-US" altLang="zh-CN" dirty="0" smtClean="0"/>
+              <a:t>, </a:t>
+            </a:r>
+            <a:r>
+              <a:rPr lang="en-US" altLang="zh-CN" dirty="0"/>
+              <a:t>default=lambda o : o.__</a:t>
+            </a:r>
+            <a:r>
+              <a:rPr lang="en-US" altLang="zh-CN" dirty="0" err="1"/>
+              <a:t>dict</a:t>
+            </a:r>
+            <a:r>
+              <a:rPr lang="en-US" altLang="zh-CN" dirty="0"/>
+              <a:t>__)</a:t>
+            </a:r>
+            <a:endParaRPr lang="en-US" altLang="zh-CN" dirty="0" smtClean="0"/>
+          </a:p>
+          <a:p>
+            <a:pPr lvl="1"/>
+            <a:r>
+              <a:rPr lang="zh-CN" altLang="en-US" dirty="0" smtClean="0"/>
+              <a:t>键或值含有中文：</a:t>
+            </a:r>
+            <a:r>
+              <a:rPr lang="en-US" altLang="zh-CN" dirty="0"/>
+              <a:t> </a:t>
+            </a:r>
+            <a:r>
+              <a:rPr lang="en-US" altLang="zh-CN" dirty="0" err="1" smtClean="0"/>
+              <a:t>json.dumps</a:t>
+            </a:r>
+            <a:r>
+              <a:rPr lang="en-US" altLang="zh-CN" dirty="0" smtClean="0"/>
+              <a:t>(data</a:t>
+            </a:r>
+            <a:r>
+              <a:rPr lang="en-US" altLang="zh-CN" dirty="0"/>
+              <a:t>, </a:t>
+            </a:r>
+            <a:r>
+              <a:rPr lang="en-US" altLang="zh-CN" dirty="0" err="1" smtClean="0"/>
+              <a:t>ensure_ascii</a:t>
+            </a:r>
+            <a:r>
+              <a:rPr lang="en-US" altLang="zh-CN" dirty="0" smtClean="0"/>
+              <a:t>=False)</a:t>
+            </a:r>
+            <a:r>
+              <a:rPr lang="zh-CN" altLang="en-US" dirty="0" smtClean="0"/>
+              <a:t>默认中文编码</a:t>
+            </a:r>
+            <a:r>
+              <a:rPr lang="zh-CN" altLang="en-US" dirty="0" smtClean="0"/>
+              <a:t>是</a:t>
+            </a:r>
+            <a:r>
+              <a:rPr lang="en-US" altLang="zh-CN" dirty="0" smtClean="0"/>
+              <a:t>Unicode</a:t>
+            </a:r>
+            <a:br>
+              <a:rPr lang="en-US" altLang="zh-CN" dirty="0" smtClean="0"/>
+            </a:br>
+            <a:r>
+              <a:rPr lang="en-US" altLang="zh-CN" dirty="0" smtClean="0"/>
+              <a:t>				  </a:t>
+            </a:r>
+            <a:r>
+              <a:rPr lang="zh-CN" altLang="en-US" dirty="0" smtClean="0"/>
+              <a:t>对于显示和输出到文件，中文就不会是</a:t>
+            </a:r>
+            <a:r>
+              <a:rPr lang="en-US" altLang="zh-CN" dirty="0" err="1" smtClean="0"/>
+              <a:t>unicode</a:t>
+            </a:r>
+            <a:r>
+              <a:rPr lang="zh-CN" altLang="en-US" dirty="0" smtClean="0"/>
+              <a:t>代码</a:t>
+            </a:r>
+            <a:endParaRPr lang="en-US" altLang="zh-CN" dirty="0" smtClean="0"/>
+          </a:p>
+          <a:p>
+            <a:r>
+              <a:rPr lang="zh-CN" altLang="en-US" dirty="0"/>
+              <a:t>反序列化</a:t>
+            </a:r>
+            <a:r>
+              <a:rPr lang="zh-CN" altLang="en-US" dirty="0" smtClean="0"/>
+              <a:t>：</a:t>
+            </a:r>
+            <a:r>
+              <a:rPr lang="en-US" altLang="zh-CN" dirty="0"/>
+              <a:t> </a:t>
+            </a:r>
+            <a:r>
+              <a:rPr lang="en-US" altLang="zh-CN" dirty="0" err="1"/>
+              <a:t>json</a:t>
+            </a:r>
+            <a:r>
+              <a:rPr lang="zh-CN" altLang="en-US" dirty="0"/>
+              <a:t>格式</a:t>
+            </a:r>
+            <a:r>
+              <a:rPr lang="zh-CN" altLang="en-US" dirty="0" smtClean="0"/>
+              <a:t>字符串转换为</a:t>
+            </a:r>
+            <a:r>
+              <a:rPr lang="zh-CN" altLang="en-US" dirty="0"/>
+              <a:t>一个</a:t>
+            </a:r>
+            <a:r>
+              <a:rPr lang="en-US" altLang="zh-CN" dirty="0"/>
+              <a:t>python</a:t>
+            </a:r>
+            <a:r>
+              <a:rPr lang="zh-CN" altLang="en-US" dirty="0"/>
+              <a:t>数据结构</a:t>
+            </a:r>
+            <a:r>
+              <a:rPr lang="zh-CN" altLang="en-US" dirty="0" smtClean="0"/>
+              <a:t>对象</a:t>
+            </a:r>
+            <a:endParaRPr lang="en-US" altLang="zh-CN" dirty="0" smtClean="0"/>
+          </a:p>
+          <a:p>
+            <a:pPr lvl="1"/>
+            <a:r>
+              <a:rPr lang="zh-CN" altLang="en-US" dirty="0" smtClean="0"/>
+              <a:t>基本类型的反序列化：</a:t>
+            </a:r>
+            <a:r>
+              <a:rPr lang="en-US" altLang="zh-CN" dirty="0"/>
+              <a:t> int,float,,</a:t>
+            </a:r>
+            <a:r>
+              <a:rPr lang="en-US" altLang="zh-CN" dirty="0" err="1"/>
+              <a:t>list,set,map</a:t>
+            </a:r>
+            <a:r>
+              <a:rPr lang="zh-CN" altLang="en-US" dirty="0" smtClean="0"/>
+              <a:t>使用</a:t>
+            </a:r>
+            <a:r>
+              <a:rPr lang="en-US" altLang="zh-CN" dirty="0" err="1" smtClean="0"/>
+              <a:t>json.loads</a:t>
+            </a:r>
+            <a:r>
+              <a:rPr lang="en-US" altLang="zh-CN" dirty="0" smtClean="0"/>
+              <a:t>(a)</a:t>
+            </a:r>
+          </a:p>
+          <a:p>
+            <a:pPr lvl="1"/>
+            <a:r>
+              <a:rPr lang="zh-CN" altLang="en-US" dirty="0" smtClean="0"/>
+              <a:t>类实例的反序列化：</a:t>
+            </a:r>
+            <a:r>
+              <a:rPr lang="en-US" altLang="zh-CN" dirty="0" err="1" smtClean="0"/>
+              <a:t>json.loads</a:t>
+            </a:r>
+            <a:r>
+              <a:rPr lang="en-US" altLang="zh-CN" dirty="0" smtClean="0"/>
+              <a:t>(</a:t>
+            </a:r>
+            <a:r>
+              <a:rPr lang="en-US" altLang="zh-CN" dirty="0" err="1" smtClean="0"/>
+              <a:t>obj</a:t>
+            </a:r>
+            <a:r>
+              <a:rPr lang="en-US" altLang="zh-CN" dirty="0" smtClean="0"/>
+              <a:t>, </a:t>
+            </a:r>
+            <a:r>
+              <a:rPr lang="en-US" altLang="zh-CN" dirty="0" err="1" smtClean="0"/>
+              <a:t>object_hook</a:t>
+            </a:r>
+            <a:r>
+              <a:rPr lang="en-US" altLang="zh-CN" dirty="0" smtClean="0"/>
+              <a:t>=</a:t>
+            </a:r>
+            <a:r>
+              <a:rPr lang="zh-CN" altLang="en-US" dirty="0" smtClean="0"/>
+              <a:t>返回对象的函数</a:t>
+            </a:r>
+            <a:r>
+              <a:rPr lang="en-US" altLang="zh-CN" dirty="0" smtClean="0"/>
+              <a:t>)</a:t>
+            </a:r>
+            <a:r>
+              <a:rPr lang="zh-CN" altLang="en-US" dirty="0" smtClean="0"/>
+              <a:t>函数可用</a:t>
+            </a:r>
+            <a:r>
+              <a:rPr lang="en-US" altLang="zh-CN" dirty="0" smtClean="0"/>
+              <a:t>lambda</a:t>
+            </a:r>
+            <a:r>
+              <a:rPr lang="zh-CN" altLang="en-US" dirty="0" smtClean="0"/>
+              <a:t>表达式</a:t>
+            </a:r>
+            <a:endParaRPr lang="en-US" altLang="zh-CN" dirty="0" smtClean="0"/>
+          </a:p>
+          <a:p>
+            <a:pPr lvl="1"/>
+            <a:r>
+              <a:rPr lang="zh-CN" altLang="en-US" dirty="0" smtClean="0"/>
+              <a:t>键或值中含有中文：</a:t>
+            </a:r>
+            <a:r>
+              <a:rPr lang="en-US" altLang="zh-CN" dirty="0" err="1" smtClean="0"/>
+              <a:t>json.loads</a:t>
+            </a:r>
+            <a:r>
+              <a:rPr lang="en-US" altLang="zh-CN" dirty="0" smtClean="0"/>
+              <a:t>(</a:t>
+            </a:r>
+            <a:r>
+              <a:rPr lang="en-US" altLang="zh-CN" dirty="0" err="1" smtClean="0"/>
+              <a:t>obj</a:t>
+            </a:r>
+            <a:r>
+              <a:rPr lang="en-US" altLang="zh-CN" dirty="0" smtClean="0"/>
+              <a:t>)</a:t>
+            </a:r>
+            <a:r>
+              <a:rPr lang="zh-CN" altLang="en-US" dirty="0" smtClean="0"/>
+              <a:t>之后，再次</a:t>
+            </a:r>
+            <a:r>
+              <a:rPr lang="en-US" altLang="zh-CN" dirty="0" smtClean="0"/>
+              <a:t>dumps</a:t>
+            </a:r>
+            <a:r>
+              <a:rPr lang="zh-CN" altLang="en-US" dirty="0" smtClean="0"/>
+              <a:t>，来显示中文</a:t>
+            </a:r>
+            <a:r>
+              <a:rPr lang="en-US" altLang="zh-CN" dirty="0" err="1" smtClean="0"/>
+              <a:t>json.dumps</a:t>
+            </a:r>
+            <a:r>
+              <a:rPr lang="en-US" altLang="zh-CN" dirty="0" smtClean="0"/>
+              <a:t>(data</a:t>
+            </a:r>
+            <a:r>
+              <a:rPr lang="en-US" altLang="zh-CN" dirty="0"/>
+              <a:t>, </a:t>
+            </a:r>
+            <a:r>
+              <a:rPr lang="en-US" altLang="zh-CN" dirty="0" err="1" smtClean="0"/>
+              <a:t>ensure_ascii</a:t>
+            </a:r>
+            <a:r>
+              <a:rPr lang="en-US" altLang="zh-CN" dirty="0" smtClean="0"/>
+              <a:t>=False)</a:t>
+            </a:r>
+            <a:r>
+              <a:rPr lang="zh-CN" altLang="en-US" dirty="0" smtClean="0"/>
+              <a:t>。</a:t>
+            </a:r>
+            <a:endParaRPr lang="en-US" altLang="zh-CN" dirty="0" smtClean="0"/>
+          </a:p>
+          <a:p>
+            <a:r>
+              <a:rPr lang="zh-CN" altLang="en-US" dirty="0" smtClean="0"/>
+              <a:t>另：</a:t>
+            </a:r>
+            <a:r>
+              <a:rPr lang="en-US" altLang="zh-CN" dirty="0" err="1" smtClean="0"/>
+              <a:t>json.dumps</a:t>
+            </a:r>
+            <a:r>
+              <a:rPr lang="zh-CN" altLang="en-US" dirty="0" smtClean="0"/>
+              <a:t>常用参数：</a:t>
+            </a:r>
+            <a:r>
+              <a:rPr lang="en-US" altLang="zh-CN" dirty="0" smtClean="0"/>
+              <a:t>key</a:t>
+            </a:r>
+            <a:r>
+              <a:rPr lang="zh-CN" altLang="en-US" dirty="0" smtClean="0"/>
+              <a:t>排序</a:t>
+            </a:r>
+            <a:r>
+              <a:rPr lang="en-US" altLang="zh-CN" dirty="0" err="1" smtClean="0"/>
+              <a:t>sort_keys</a:t>
+            </a:r>
+            <a:r>
+              <a:rPr lang="en-US" altLang="zh-CN" dirty="0" smtClean="0"/>
+              <a:t>=True, </a:t>
+            </a:r>
+            <a:r>
+              <a:rPr lang="zh-CN" altLang="en-US" dirty="0" smtClean="0"/>
+              <a:t>格式化输出</a:t>
+            </a:r>
+            <a:r>
+              <a:rPr lang="en-US" altLang="zh-CN" dirty="0" smtClean="0"/>
+              <a:t>indent=4</a:t>
+            </a:r>
+            <a:endParaRPr lang="en-US" altLang="zh-CN" dirty="0" smtClean="0"/>
           </a:p>
         </p:txBody>
       </p:sp>
     </p:spTree>
     <p:extLst>
       <p:ext uri="{BB962C8B-B14F-4D97-AF65-F5344CB8AC3E}">
-        <p14:creationId xmlns:p14="http://schemas.microsoft.com/office/powerpoint/2010/main" val="1286602601"/>
+        <p14:creationId xmlns:p14="http://schemas.microsoft.com/office/powerpoint/2010/main" val="4075824538"/>
       </p:ext>
     </p:extLst>
   </p:cSld>
@@ -12456,15 +14942,7 @@
           <a:bodyPr/>
           <a:lstStyle/>
           <a:p>
-            <a:r>
-              <a:rPr lang="zh-CN" altLang="en-US" dirty="0" smtClean="0"/>
-              <a:t>访问</a:t>
-            </a:r>
-            <a:r>
-              <a:rPr lang="en-US" altLang="zh-CN" dirty="0" err="1" smtClean="0"/>
-              <a:t>Hadoop,spark,hbase</a:t>
-            </a:r>
-            <a:endParaRPr lang="zh-CN" altLang="en-US" dirty="0"/>
+            <a:endParaRPr lang="zh-CN" altLang="en-US"/>
           </a:p>
         </p:txBody>
       </p:sp>
@@ -12490,7 +14968,7 @@
     </p:spTree>
     <p:extLst>
       <p:ext uri="{BB962C8B-B14F-4D97-AF65-F5344CB8AC3E}">
-        <p14:creationId xmlns:p14="http://schemas.microsoft.com/office/powerpoint/2010/main" val="2792535085"/>
+        <p14:creationId xmlns:p14="http://schemas.microsoft.com/office/powerpoint/2010/main" val="4183830744"/>
       </p:ext>
     </p:extLst>
   </p:cSld>
@@ -12533,12 +15011,8 @@
           <a:lstStyle/>
           <a:p>
             <a:r>
-              <a:rPr lang="en-US" altLang="zh-CN" dirty="0" smtClean="0"/>
-              <a:t>python</a:t>
-            </a:r>
-            <a:r>
-              <a:rPr lang="zh-CN" altLang="en-US" dirty="0" smtClean="0"/>
-              <a:t>机器学习</a:t>
+              <a:rPr lang="zh-CN" altLang="en-US" dirty="0" smtClean="0"/>
+              <a:t>文件操作</a:t>
             </a:r>
             <a:endParaRPr lang="zh-CN" altLang="en-US" dirty="0"/>
           </a:p>
@@ -12559,14 +15033,14 @@
           <a:bodyPr/>
           <a:lstStyle/>
           <a:p>
-            <a:endParaRPr lang="zh-CN" altLang="en-US"/>
+            <a:endParaRPr lang="zh-CN" altLang="en-US" dirty="0"/>
           </a:p>
         </p:txBody>
       </p:sp>
     </p:spTree>
     <p:extLst>
       <p:ext uri="{BB962C8B-B14F-4D97-AF65-F5344CB8AC3E}">
-        <p14:creationId xmlns:p14="http://schemas.microsoft.com/office/powerpoint/2010/main" val="1915904830"/>
+        <p14:creationId xmlns:p14="http://schemas.microsoft.com/office/powerpoint/2010/main" val="3969081383"/>
       </p:ext>
     </p:extLst>
   </p:cSld>
@@ -12608,7 +15082,11 @@
           <a:bodyPr/>
           <a:lstStyle/>
           <a:p>
-            <a:endParaRPr lang="zh-CN" altLang="en-US"/>
+            <a:r>
+              <a:rPr lang="zh-CN" altLang="en-US" dirty="0" smtClean="0"/>
+              <a:t>数据库访问</a:t>
+            </a:r>
+            <a:endParaRPr lang="zh-CN" altLang="en-US" dirty="0"/>
           </a:p>
         </p:txBody>
       </p:sp>
@@ -12634,7 +15112,7 @@
     </p:spTree>
     <p:extLst>
       <p:ext uri="{BB962C8B-B14F-4D97-AF65-F5344CB8AC3E}">
-        <p14:creationId xmlns:p14="http://schemas.microsoft.com/office/powerpoint/2010/main" val="2102222352"/>
+        <p14:creationId xmlns:p14="http://schemas.microsoft.com/office/powerpoint/2010/main" val="4080670722"/>
       </p:ext>
     </p:extLst>
   </p:cSld>
@@ -12676,6 +15154,14 @@
           <a:bodyPr/>
           <a:lstStyle/>
           <a:p>
+            <a:r>
+              <a:rPr lang="en-US" altLang="zh-CN" dirty="0" smtClean="0"/>
+              <a:t>http</a:t>
+            </a:r>
+            <a:r>
+              <a:rPr lang="zh-CN" altLang="en-US" dirty="0" smtClean="0"/>
+              <a:t>请求响应</a:t>
+            </a:r>
             <a:endParaRPr lang="zh-CN" altLang="en-US" dirty="0"/>
           </a:p>
         </p:txBody>
@@ -12695,6 +15181,10 @@
           <a:bodyPr/>
           <a:lstStyle/>
           <a:p>
+            <a:r>
+              <a:rPr lang="zh-CN" altLang="en-US" dirty="0" smtClean="0"/>
+              <a:t>注解编程</a:t>
+            </a:r>
             <a:endParaRPr lang="zh-CN" altLang="en-US" dirty="0"/>
           </a:p>
         </p:txBody>
@@ -12702,7 +15192,7 @@
     </p:spTree>
     <p:extLst>
       <p:ext uri="{BB962C8B-B14F-4D97-AF65-F5344CB8AC3E}">
-        <p14:creationId xmlns:p14="http://schemas.microsoft.com/office/powerpoint/2010/main" val="771363723"/>
+        <p14:creationId xmlns:p14="http://schemas.microsoft.com/office/powerpoint/2010/main" val="3370742648"/>
       </p:ext>
     </p:extLst>
   </p:cSld>
@@ -12795,6 +15285,783 @@
 </p:sld>
 </file>
 
+<file path=ppt/slides/slide40.xml><?xml version="1.0" encoding="utf-8"?>
+<p:sld xmlns:a="http://schemas.openxmlformats.org/drawingml/2006/main" xmlns:r="http://schemas.openxmlformats.org/officeDocument/2006/relationships" xmlns:p="http://schemas.openxmlformats.org/presentationml/2006/main">
+  <p:cSld>
+    <p:spTree>
+      <p:nvGrpSpPr>
+        <p:cNvPr id="1" name=""/>
+        <p:cNvGrpSpPr/>
+        <p:nvPr/>
+      </p:nvGrpSpPr>
+      <p:grpSpPr>
+        <a:xfrm>
+          <a:off x="0" y="0"/>
+          <a:ext cx="0" cy="0"/>
+          <a:chOff x="0" y="0"/>
+          <a:chExt cx="0" cy="0"/>
+        </a:xfrm>
+      </p:grpSpPr>
+      <p:sp>
+        <p:nvSpPr>
+          <p:cNvPr id="2" name="标题 1"/>
+          <p:cNvSpPr>
+            <a:spLocks noGrp="1"/>
+          </p:cNvSpPr>
+          <p:nvPr>
+            <p:ph type="title"/>
+          </p:nvPr>
+        </p:nvSpPr>
+        <p:spPr/>
+        <p:txBody>
+          <a:bodyPr/>
+          <a:lstStyle/>
+          <a:p>
+            <a:r>
+              <a:rPr lang="zh-CN" altLang="en-US" dirty="0" smtClean="0"/>
+              <a:t>多线程</a:t>
+            </a:r>
+            <a:endParaRPr lang="zh-CN" altLang="en-US" dirty="0"/>
+          </a:p>
+        </p:txBody>
+      </p:sp>
+      <p:sp>
+        <p:nvSpPr>
+          <p:cNvPr id="3" name="内容占位符 2"/>
+          <p:cNvSpPr>
+            <a:spLocks noGrp="1"/>
+          </p:cNvSpPr>
+          <p:nvPr>
+            <p:ph idx="1"/>
+          </p:nvPr>
+        </p:nvSpPr>
+        <p:spPr/>
+        <p:txBody>
+          <a:bodyPr/>
+          <a:lstStyle/>
+          <a:p>
+            <a:r>
+              <a:rPr lang="zh-CN" altLang="en-US" dirty="0" smtClean="0"/>
+              <a:t>同步</a:t>
+            </a:r>
+            <a:endParaRPr lang="en-US" altLang="zh-CN" dirty="0" smtClean="0"/>
+          </a:p>
+          <a:p>
+            <a:r>
+              <a:rPr lang="zh-CN" altLang="en-US" dirty="0" smtClean="0"/>
+              <a:t>锁机制</a:t>
+            </a:r>
+            <a:endParaRPr lang="zh-CN" altLang="en-US" dirty="0"/>
+          </a:p>
+        </p:txBody>
+      </p:sp>
+    </p:spTree>
+    <p:extLst>
+      <p:ext uri="{BB962C8B-B14F-4D97-AF65-F5344CB8AC3E}">
+        <p14:creationId xmlns:p14="http://schemas.microsoft.com/office/powerpoint/2010/main" val="1730263351"/>
+      </p:ext>
+    </p:extLst>
+  </p:cSld>
+  <p:clrMapOvr>
+    <a:masterClrMapping/>
+  </p:clrMapOvr>
+</p:sld>
+</file>
+
+<file path=ppt/slides/slide41.xml><?xml version="1.0" encoding="utf-8"?>
+<p:sld xmlns:a="http://schemas.openxmlformats.org/drawingml/2006/main" xmlns:r="http://schemas.openxmlformats.org/officeDocument/2006/relationships" xmlns:p="http://schemas.openxmlformats.org/presentationml/2006/main">
+  <p:cSld>
+    <p:spTree>
+      <p:nvGrpSpPr>
+        <p:cNvPr id="1" name=""/>
+        <p:cNvGrpSpPr/>
+        <p:nvPr/>
+      </p:nvGrpSpPr>
+      <p:grpSpPr>
+        <a:xfrm>
+          <a:off x="0" y="0"/>
+          <a:ext cx="0" cy="0"/>
+          <a:chOff x="0" y="0"/>
+          <a:chExt cx="0" cy="0"/>
+        </a:xfrm>
+      </p:grpSpPr>
+      <p:sp>
+        <p:nvSpPr>
+          <p:cNvPr id="2" name="标题 1"/>
+          <p:cNvSpPr>
+            <a:spLocks noGrp="1"/>
+          </p:cNvSpPr>
+          <p:nvPr>
+            <p:ph type="title"/>
+          </p:nvPr>
+        </p:nvSpPr>
+        <p:spPr/>
+        <p:txBody>
+          <a:bodyPr/>
+          <a:lstStyle/>
+          <a:p>
+            <a:r>
+              <a:rPr lang="zh-CN" altLang="en-US" dirty="0" smtClean="0"/>
+              <a:t>队列</a:t>
+            </a:r>
+            <a:endParaRPr lang="zh-CN" altLang="en-US" dirty="0"/>
+          </a:p>
+        </p:txBody>
+      </p:sp>
+      <p:sp>
+        <p:nvSpPr>
+          <p:cNvPr id="3" name="内容占位符 2"/>
+          <p:cNvSpPr>
+            <a:spLocks noGrp="1"/>
+          </p:cNvSpPr>
+          <p:nvPr>
+            <p:ph idx="1"/>
+          </p:nvPr>
+        </p:nvSpPr>
+        <p:spPr/>
+        <p:txBody>
+          <a:bodyPr/>
+          <a:lstStyle/>
+          <a:p>
+            <a:endParaRPr lang="zh-CN" altLang="en-US"/>
+          </a:p>
+        </p:txBody>
+      </p:sp>
+    </p:spTree>
+    <p:extLst>
+      <p:ext uri="{BB962C8B-B14F-4D97-AF65-F5344CB8AC3E}">
+        <p14:creationId xmlns:p14="http://schemas.microsoft.com/office/powerpoint/2010/main" val="2818670026"/>
+      </p:ext>
+    </p:extLst>
+  </p:cSld>
+  <p:clrMapOvr>
+    <a:masterClrMapping/>
+  </p:clrMapOvr>
+</p:sld>
+</file>
+
+<file path=ppt/slides/slide42.xml><?xml version="1.0" encoding="utf-8"?>
+<p:sld xmlns:a="http://schemas.openxmlformats.org/drawingml/2006/main" xmlns:r="http://schemas.openxmlformats.org/officeDocument/2006/relationships" xmlns:p="http://schemas.openxmlformats.org/presentationml/2006/main">
+  <p:cSld>
+    <p:spTree>
+      <p:nvGrpSpPr>
+        <p:cNvPr id="1" name=""/>
+        <p:cNvGrpSpPr/>
+        <p:nvPr/>
+      </p:nvGrpSpPr>
+      <p:grpSpPr>
+        <a:xfrm>
+          <a:off x="0" y="0"/>
+          <a:ext cx="0" cy="0"/>
+          <a:chOff x="0" y="0"/>
+          <a:chExt cx="0" cy="0"/>
+        </a:xfrm>
+      </p:grpSpPr>
+      <p:sp>
+        <p:nvSpPr>
+          <p:cNvPr id="2" name="标题 1"/>
+          <p:cNvSpPr>
+            <a:spLocks noGrp="1"/>
+          </p:cNvSpPr>
+          <p:nvPr>
+            <p:ph type="title"/>
+          </p:nvPr>
+        </p:nvSpPr>
+        <p:spPr/>
+        <p:txBody>
+          <a:bodyPr/>
+          <a:lstStyle/>
+          <a:p>
+            <a:r>
+              <a:rPr lang="zh-CN" altLang="en-US" dirty="0" smtClean="0"/>
+              <a:t>数据处理</a:t>
+            </a:r>
+            <a:endParaRPr lang="zh-CN" altLang="en-US" dirty="0"/>
+          </a:p>
+        </p:txBody>
+      </p:sp>
+      <p:sp>
+        <p:nvSpPr>
+          <p:cNvPr id="3" name="内容占位符 2"/>
+          <p:cNvSpPr>
+            <a:spLocks noGrp="1"/>
+          </p:cNvSpPr>
+          <p:nvPr>
+            <p:ph idx="1"/>
+          </p:nvPr>
+        </p:nvSpPr>
+        <p:spPr/>
+        <p:txBody>
+          <a:bodyPr/>
+          <a:lstStyle/>
+          <a:p>
+            <a:endParaRPr lang="zh-CN" altLang="en-US"/>
+          </a:p>
+        </p:txBody>
+      </p:sp>
+    </p:spTree>
+    <p:extLst>
+      <p:ext uri="{BB962C8B-B14F-4D97-AF65-F5344CB8AC3E}">
+        <p14:creationId xmlns:p14="http://schemas.microsoft.com/office/powerpoint/2010/main" val="2578548746"/>
+      </p:ext>
+    </p:extLst>
+  </p:cSld>
+  <p:clrMapOvr>
+    <a:masterClrMapping/>
+  </p:clrMapOvr>
+</p:sld>
+</file>
+
+<file path=ppt/slides/slide43.xml><?xml version="1.0" encoding="utf-8"?>
+<p:sld xmlns:a="http://schemas.openxmlformats.org/drawingml/2006/main" xmlns:r="http://schemas.openxmlformats.org/officeDocument/2006/relationships" xmlns:p="http://schemas.openxmlformats.org/presentationml/2006/main">
+  <p:cSld>
+    <p:spTree>
+      <p:nvGrpSpPr>
+        <p:cNvPr id="1" name=""/>
+        <p:cNvGrpSpPr/>
+        <p:nvPr/>
+      </p:nvGrpSpPr>
+      <p:grpSpPr>
+        <a:xfrm>
+          <a:off x="0" y="0"/>
+          <a:ext cx="0" cy="0"/>
+          <a:chOff x="0" y="0"/>
+          <a:chExt cx="0" cy="0"/>
+        </a:xfrm>
+      </p:grpSpPr>
+      <p:sp>
+        <p:nvSpPr>
+          <p:cNvPr id="2" name="标题 1"/>
+          <p:cNvSpPr>
+            <a:spLocks noGrp="1"/>
+          </p:cNvSpPr>
+          <p:nvPr>
+            <p:ph type="title"/>
+          </p:nvPr>
+        </p:nvSpPr>
+        <p:spPr/>
+        <p:txBody>
+          <a:bodyPr/>
+          <a:lstStyle/>
+          <a:p>
+            <a:r>
+              <a:rPr lang="zh-CN" altLang="en-US" dirty="0" smtClean="0"/>
+              <a:t>数据可视化</a:t>
+            </a:r>
+            <a:endParaRPr lang="zh-CN" altLang="en-US" dirty="0"/>
+          </a:p>
+        </p:txBody>
+      </p:sp>
+      <p:sp>
+        <p:nvSpPr>
+          <p:cNvPr id="3" name="内容占位符 2"/>
+          <p:cNvSpPr>
+            <a:spLocks noGrp="1"/>
+          </p:cNvSpPr>
+          <p:nvPr>
+            <p:ph idx="1"/>
+          </p:nvPr>
+        </p:nvSpPr>
+        <p:spPr/>
+        <p:txBody>
+          <a:bodyPr/>
+          <a:lstStyle/>
+          <a:p>
+            <a:r>
+              <a:rPr lang="zh-CN" altLang="en-US" dirty="0" smtClean="0"/>
+              <a:t>二维码生成</a:t>
+            </a:r>
+            <a:endParaRPr lang="en-US" altLang="zh-CN" dirty="0" smtClean="0"/>
+          </a:p>
+          <a:p>
+            <a:r>
+              <a:rPr lang="zh-CN" altLang="en-US" dirty="0" smtClean="0"/>
+              <a:t>统计图表</a:t>
+            </a:r>
+            <a:endParaRPr lang="zh-CN" altLang="en-US" dirty="0"/>
+          </a:p>
+        </p:txBody>
+      </p:sp>
+    </p:spTree>
+    <p:extLst>
+      <p:ext uri="{BB962C8B-B14F-4D97-AF65-F5344CB8AC3E}">
+        <p14:creationId xmlns:p14="http://schemas.microsoft.com/office/powerpoint/2010/main" val="3239262355"/>
+      </p:ext>
+    </p:extLst>
+  </p:cSld>
+  <p:clrMapOvr>
+    <a:masterClrMapping/>
+  </p:clrMapOvr>
+</p:sld>
+</file>
+
+<file path=ppt/slides/slide44.xml><?xml version="1.0" encoding="utf-8"?>
+<p:sld xmlns:a="http://schemas.openxmlformats.org/drawingml/2006/main" xmlns:r="http://schemas.openxmlformats.org/officeDocument/2006/relationships" xmlns:p="http://schemas.openxmlformats.org/presentationml/2006/main">
+  <p:cSld>
+    <p:spTree>
+      <p:nvGrpSpPr>
+        <p:cNvPr id="1" name=""/>
+        <p:cNvGrpSpPr/>
+        <p:nvPr/>
+      </p:nvGrpSpPr>
+      <p:grpSpPr>
+        <a:xfrm>
+          <a:off x="0" y="0"/>
+          <a:ext cx="0" cy="0"/>
+          <a:chOff x="0" y="0"/>
+          <a:chExt cx="0" cy="0"/>
+        </a:xfrm>
+      </p:grpSpPr>
+      <p:sp>
+        <p:nvSpPr>
+          <p:cNvPr id="2" name="标题 1"/>
+          <p:cNvSpPr>
+            <a:spLocks noGrp="1"/>
+          </p:cNvSpPr>
+          <p:nvPr>
+            <p:ph type="title"/>
+          </p:nvPr>
+        </p:nvSpPr>
+        <p:spPr/>
+        <p:txBody>
+          <a:bodyPr>
+            <a:normAutofit fontScale="90000"/>
+          </a:bodyPr>
+          <a:lstStyle/>
+          <a:p>
+            <a:r>
+              <a:rPr lang="zh-CN" altLang="en-US" dirty="0" smtClean="0"/>
+              <a:t>网络通信</a:t>
+            </a:r>
+            <a:r>
+              <a:rPr lang="en-US" altLang="zh-CN" dirty="0" smtClean="0"/>
+              <a:t>	</a:t>
+            </a:r>
+            <a:br>
+              <a:rPr lang="en-US" altLang="zh-CN" dirty="0" smtClean="0"/>
+            </a:br>
+            <a:r>
+              <a:rPr lang="en-US" altLang="zh-CN" dirty="0"/>
+              <a:t/>
+            </a:r>
+            <a:br>
+              <a:rPr lang="en-US" altLang="zh-CN" dirty="0"/>
+            </a:br>
+            <a:r>
+              <a:rPr lang="en-US" altLang="zh-CN" dirty="0" smtClean="0"/>
+              <a:t/>
+            </a:r>
+            <a:br>
+              <a:rPr lang="en-US" altLang="zh-CN" dirty="0" smtClean="0"/>
+            </a:br>
+            <a:endParaRPr lang="zh-CN" altLang="en-US" dirty="0"/>
+          </a:p>
+        </p:txBody>
+      </p:sp>
+      <p:sp>
+        <p:nvSpPr>
+          <p:cNvPr id="3" name="内容占位符 2"/>
+          <p:cNvSpPr>
+            <a:spLocks noGrp="1"/>
+          </p:cNvSpPr>
+          <p:nvPr>
+            <p:ph idx="1"/>
+          </p:nvPr>
+        </p:nvSpPr>
+        <p:spPr/>
+        <p:txBody>
+          <a:bodyPr/>
+          <a:lstStyle/>
+          <a:p>
+            <a:r>
+              <a:rPr lang="en-US" altLang="zh-CN" dirty="0" smtClean="0"/>
+              <a:t>Socket</a:t>
+            </a:r>
+            <a:r>
+              <a:rPr lang="zh-CN" altLang="en-US" dirty="0" smtClean="0"/>
+              <a:t>编程</a:t>
+            </a:r>
+            <a:endParaRPr lang="zh-CN" altLang="en-US" dirty="0"/>
+          </a:p>
+        </p:txBody>
+      </p:sp>
+    </p:spTree>
+    <p:extLst>
+      <p:ext uri="{BB962C8B-B14F-4D97-AF65-F5344CB8AC3E}">
+        <p14:creationId xmlns:p14="http://schemas.microsoft.com/office/powerpoint/2010/main" val="4022811799"/>
+      </p:ext>
+    </p:extLst>
+  </p:cSld>
+  <p:clrMapOvr>
+    <a:masterClrMapping/>
+  </p:clrMapOvr>
+</p:sld>
+</file>
+
+<file path=ppt/slides/slide45.xml><?xml version="1.0" encoding="utf-8"?>
+<p:sld xmlns:a="http://schemas.openxmlformats.org/drawingml/2006/main" xmlns:r="http://schemas.openxmlformats.org/officeDocument/2006/relationships" xmlns:p="http://schemas.openxmlformats.org/presentationml/2006/main">
+  <p:cSld>
+    <p:spTree>
+      <p:nvGrpSpPr>
+        <p:cNvPr id="1" name=""/>
+        <p:cNvGrpSpPr/>
+        <p:nvPr/>
+      </p:nvGrpSpPr>
+      <p:grpSpPr>
+        <a:xfrm>
+          <a:off x="0" y="0"/>
+          <a:ext cx="0" cy="0"/>
+          <a:chOff x="0" y="0"/>
+          <a:chExt cx="0" cy="0"/>
+        </a:xfrm>
+      </p:grpSpPr>
+      <p:sp>
+        <p:nvSpPr>
+          <p:cNvPr id="2" name="标题 1"/>
+          <p:cNvSpPr>
+            <a:spLocks noGrp="1"/>
+          </p:cNvSpPr>
+          <p:nvPr>
+            <p:ph type="title"/>
+          </p:nvPr>
+        </p:nvSpPr>
+        <p:spPr/>
+        <p:txBody>
+          <a:bodyPr/>
+          <a:lstStyle/>
+          <a:p>
+            <a:r>
+              <a:rPr lang="en-US" altLang="zh-CN" dirty="0" smtClean="0"/>
+              <a:t>Django</a:t>
+            </a:r>
+            <a:r>
+              <a:rPr lang="zh-CN" altLang="en-US" dirty="0" smtClean="0"/>
+              <a:t>网站开发</a:t>
+            </a:r>
+            <a:endParaRPr lang="zh-CN" altLang="en-US" dirty="0"/>
+          </a:p>
+        </p:txBody>
+      </p:sp>
+      <p:sp>
+        <p:nvSpPr>
+          <p:cNvPr id="3" name="内容占位符 2"/>
+          <p:cNvSpPr>
+            <a:spLocks noGrp="1"/>
+          </p:cNvSpPr>
+          <p:nvPr>
+            <p:ph idx="1"/>
+          </p:nvPr>
+        </p:nvSpPr>
+        <p:spPr/>
+        <p:txBody>
+          <a:bodyPr/>
+          <a:lstStyle/>
+          <a:p>
+            <a:endParaRPr lang="zh-CN" altLang="en-US"/>
+          </a:p>
+        </p:txBody>
+      </p:sp>
+    </p:spTree>
+    <p:extLst>
+      <p:ext uri="{BB962C8B-B14F-4D97-AF65-F5344CB8AC3E}">
+        <p14:creationId xmlns:p14="http://schemas.microsoft.com/office/powerpoint/2010/main" val="2236027332"/>
+      </p:ext>
+    </p:extLst>
+  </p:cSld>
+  <p:clrMapOvr>
+    <a:masterClrMapping/>
+  </p:clrMapOvr>
+</p:sld>
+</file>
+
+<file path=ppt/slides/slide46.xml><?xml version="1.0" encoding="utf-8"?>
+<p:sld xmlns:a="http://schemas.openxmlformats.org/drawingml/2006/main" xmlns:r="http://schemas.openxmlformats.org/officeDocument/2006/relationships" xmlns:p="http://schemas.openxmlformats.org/presentationml/2006/main">
+  <p:cSld>
+    <p:spTree>
+      <p:nvGrpSpPr>
+        <p:cNvPr id="1" name=""/>
+        <p:cNvGrpSpPr/>
+        <p:nvPr/>
+      </p:nvGrpSpPr>
+      <p:grpSpPr>
+        <a:xfrm>
+          <a:off x="0" y="0"/>
+          <a:ext cx="0" cy="0"/>
+          <a:chOff x="0" y="0"/>
+          <a:chExt cx="0" cy="0"/>
+        </a:xfrm>
+      </p:grpSpPr>
+      <p:sp>
+        <p:nvSpPr>
+          <p:cNvPr id="2" name="标题 1"/>
+          <p:cNvSpPr>
+            <a:spLocks noGrp="1"/>
+          </p:cNvSpPr>
+          <p:nvPr>
+            <p:ph type="title"/>
+          </p:nvPr>
+        </p:nvSpPr>
+        <p:spPr/>
+        <p:txBody>
+          <a:bodyPr/>
+          <a:lstStyle/>
+          <a:p>
+            <a:r>
+              <a:rPr lang="zh-CN" altLang="en-US" dirty="0" smtClean="0"/>
+              <a:t>访问</a:t>
+            </a:r>
+            <a:r>
+              <a:rPr lang="en-US" altLang="zh-CN" dirty="0" err="1" smtClean="0"/>
+              <a:t>Hadoop,spark,hbase</a:t>
+            </a:r>
+            <a:endParaRPr lang="zh-CN" altLang="en-US" dirty="0"/>
+          </a:p>
+        </p:txBody>
+      </p:sp>
+      <p:sp>
+        <p:nvSpPr>
+          <p:cNvPr id="3" name="内容占位符 2"/>
+          <p:cNvSpPr>
+            <a:spLocks noGrp="1"/>
+          </p:cNvSpPr>
+          <p:nvPr>
+            <p:ph idx="1"/>
+          </p:nvPr>
+        </p:nvSpPr>
+        <p:spPr/>
+        <p:txBody>
+          <a:bodyPr/>
+          <a:lstStyle/>
+          <a:p>
+            <a:endParaRPr lang="zh-CN" altLang="en-US"/>
+          </a:p>
+        </p:txBody>
+      </p:sp>
+    </p:spTree>
+    <p:extLst>
+      <p:ext uri="{BB962C8B-B14F-4D97-AF65-F5344CB8AC3E}">
+        <p14:creationId xmlns:p14="http://schemas.microsoft.com/office/powerpoint/2010/main" val="2792535085"/>
+      </p:ext>
+    </p:extLst>
+  </p:cSld>
+  <p:clrMapOvr>
+    <a:masterClrMapping/>
+  </p:clrMapOvr>
+</p:sld>
+</file>
+
+<file path=ppt/slides/slide47.xml><?xml version="1.0" encoding="utf-8"?>
+<p:sld xmlns:a="http://schemas.openxmlformats.org/drawingml/2006/main" xmlns:r="http://schemas.openxmlformats.org/officeDocument/2006/relationships" xmlns:p="http://schemas.openxmlformats.org/presentationml/2006/main">
+  <p:cSld>
+    <p:spTree>
+      <p:nvGrpSpPr>
+        <p:cNvPr id="1" name=""/>
+        <p:cNvGrpSpPr/>
+        <p:nvPr/>
+      </p:nvGrpSpPr>
+      <p:grpSpPr>
+        <a:xfrm>
+          <a:off x="0" y="0"/>
+          <a:ext cx="0" cy="0"/>
+          <a:chOff x="0" y="0"/>
+          <a:chExt cx="0" cy="0"/>
+        </a:xfrm>
+      </p:grpSpPr>
+      <p:sp>
+        <p:nvSpPr>
+          <p:cNvPr id="2" name="标题 1"/>
+          <p:cNvSpPr>
+            <a:spLocks noGrp="1"/>
+          </p:cNvSpPr>
+          <p:nvPr>
+            <p:ph type="title"/>
+          </p:nvPr>
+        </p:nvSpPr>
+        <p:spPr/>
+        <p:txBody>
+          <a:bodyPr/>
+          <a:lstStyle/>
+          <a:p>
+            <a:r>
+              <a:rPr lang="en-US" altLang="zh-CN" dirty="0" smtClean="0"/>
+              <a:t>python</a:t>
+            </a:r>
+            <a:r>
+              <a:rPr lang="zh-CN" altLang="en-US" dirty="0" smtClean="0"/>
+              <a:t>机器学习</a:t>
+            </a:r>
+            <a:endParaRPr lang="zh-CN" altLang="en-US" dirty="0"/>
+          </a:p>
+        </p:txBody>
+      </p:sp>
+      <p:sp>
+        <p:nvSpPr>
+          <p:cNvPr id="3" name="内容占位符 2"/>
+          <p:cNvSpPr>
+            <a:spLocks noGrp="1"/>
+          </p:cNvSpPr>
+          <p:nvPr>
+            <p:ph idx="1"/>
+          </p:nvPr>
+        </p:nvSpPr>
+        <p:spPr/>
+        <p:txBody>
+          <a:bodyPr/>
+          <a:lstStyle/>
+          <a:p>
+            <a:endParaRPr lang="zh-CN" altLang="en-US"/>
+          </a:p>
+        </p:txBody>
+      </p:sp>
+    </p:spTree>
+    <p:extLst>
+      <p:ext uri="{BB962C8B-B14F-4D97-AF65-F5344CB8AC3E}">
+        <p14:creationId xmlns:p14="http://schemas.microsoft.com/office/powerpoint/2010/main" val="1915904830"/>
+      </p:ext>
+    </p:extLst>
+  </p:cSld>
+  <p:clrMapOvr>
+    <a:masterClrMapping/>
+  </p:clrMapOvr>
+</p:sld>
+</file>
+
+<file path=ppt/slides/slide48.xml><?xml version="1.0" encoding="utf-8"?>
+<p:sld xmlns:a="http://schemas.openxmlformats.org/drawingml/2006/main" xmlns:r="http://schemas.openxmlformats.org/officeDocument/2006/relationships" xmlns:p="http://schemas.openxmlformats.org/presentationml/2006/main">
+  <p:cSld>
+    <p:spTree>
+      <p:nvGrpSpPr>
+        <p:cNvPr id="1" name=""/>
+        <p:cNvGrpSpPr/>
+        <p:nvPr/>
+      </p:nvGrpSpPr>
+      <p:grpSpPr>
+        <a:xfrm>
+          <a:off x="0" y="0"/>
+          <a:ext cx="0" cy="0"/>
+          <a:chOff x="0" y="0"/>
+          <a:chExt cx="0" cy="0"/>
+        </a:xfrm>
+      </p:grpSpPr>
+      <p:sp>
+        <p:nvSpPr>
+          <p:cNvPr id="2" name="标题 1"/>
+          <p:cNvSpPr>
+            <a:spLocks noGrp="1"/>
+          </p:cNvSpPr>
+          <p:nvPr>
+            <p:ph type="title"/>
+          </p:nvPr>
+        </p:nvSpPr>
+        <p:spPr/>
+        <p:txBody>
+          <a:bodyPr/>
+          <a:lstStyle/>
+          <a:p>
+            <a:endParaRPr lang="zh-CN" altLang="en-US" dirty="0"/>
+          </a:p>
+        </p:txBody>
+      </p:sp>
+      <p:sp>
+        <p:nvSpPr>
+          <p:cNvPr id="3" name="内容占位符 2"/>
+          <p:cNvSpPr>
+            <a:spLocks noGrp="1"/>
+          </p:cNvSpPr>
+          <p:nvPr>
+            <p:ph idx="1"/>
+          </p:nvPr>
+        </p:nvSpPr>
+        <p:spPr/>
+        <p:txBody>
+          <a:bodyPr/>
+          <a:lstStyle/>
+          <a:p>
+            <a:endParaRPr lang="zh-CN" altLang="en-US"/>
+          </a:p>
+        </p:txBody>
+      </p:sp>
+    </p:spTree>
+    <p:extLst>
+      <p:ext uri="{BB962C8B-B14F-4D97-AF65-F5344CB8AC3E}">
+        <p14:creationId xmlns:p14="http://schemas.microsoft.com/office/powerpoint/2010/main" val="1286602601"/>
+      </p:ext>
+    </p:extLst>
+  </p:cSld>
+  <p:clrMapOvr>
+    <a:masterClrMapping/>
+  </p:clrMapOvr>
+</p:sld>
+</file>
+
+<file path=ppt/slides/slide49.xml><?xml version="1.0" encoding="utf-8"?>
+<p:sld xmlns:a="http://schemas.openxmlformats.org/drawingml/2006/main" xmlns:r="http://schemas.openxmlformats.org/officeDocument/2006/relationships" xmlns:p="http://schemas.openxmlformats.org/presentationml/2006/main">
+  <p:cSld>
+    <p:spTree>
+      <p:nvGrpSpPr>
+        <p:cNvPr id="1" name=""/>
+        <p:cNvGrpSpPr/>
+        <p:nvPr/>
+      </p:nvGrpSpPr>
+      <p:grpSpPr>
+        <a:xfrm>
+          <a:off x="0" y="0"/>
+          <a:ext cx="0" cy="0"/>
+          <a:chOff x="0" y="0"/>
+          <a:chExt cx="0" cy="0"/>
+        </a:xfrm>
+      </p:grpSpPr>
+      <p:sp>
+        <p:nvSpPr>
+          <p:cNvPr id="2" name="标题 1"/>
+          <p:cNvSpPr>
+            <a:spLocks noGrp="1"/>
+          </p:cNvSpPr>
+          <p:nvPr>
+            <p:ph type="title"/>
+          </p:nvPr>
+        </p:nvSpPr>
+        <p:spPr/>
+        <p:txBody>
+          <a:bodyPr/>
+          <a:lstStyle/>
+          <a:p>
+            <a:endParaRPr lang="zh-CN" altLang="en-US"/>
+          </a:p>
+        </p:txBody>
+      </p:sp>
+      <p:sp>
+        <p:nvSpPr>
+          <p:cNvPr id="3" name="内容占位符 2"/>
+          <p:cNvSpPr>
+            <a:spLocks noGrp="1"/>
+          </p:cNvSpPr>
+          <p:nvPr>
+            <p:ph idx="1"/>
+          </p:nvPr>
+        </p:nvSpPr>
+        <p:spPr/>
+        <p:txBody>
+          <a:bodyPr/>
+          <a:lstStyle/>
+          <a:p>
+            <a:endParaRPr lang="zh-CN" altLang="en-US"/>
+          </a:p>
+        </p:txBody>
+      </p:sp>
+    </p:spTree>
+    <p:extLst>
+      <p:ext uri="{BB962C8B-B14F-4D97-AF65-F5344CB8AC3E}">
+        <p14:creationId xmlns:p14="http://schemas.microsoft.com/office/powerpoint/2010/main" val="2102222352"/>
+      </p:ext>
+    </p:extLst>
+  </p:cSld>
+  <p:clrMapOvr>
+    <a:masterClrMapping/>
+  </p:clrMapOvr>
+</p:sld>
+</file>
+
 <file path=ppt/slides/slide5.xml><?xml version="1.0" encoding="utf-8"?>
 <p:sld xmlns:a="http://schemas.openxmlformats.org/drawingml/2006/main" xmlns:r="http://schemas.openxmlformats.org/officeDocument/2006/relationships" xmlns:p="http://schemas.openxmlformats.org/presentationml/2006/main">
   <p:cSld>
@@ -12885,6 +16152,74 @@
     <p:extLst>
       <p:ext uri="{BB962C8B-B14F-4D97-AF65-F5344CB8AC3E}">
         <p14:creationId xmlns:p14="http://schemas.microsoft.com/office/powerpoint/2010/main" val="3935723305"/>
+      </p:ext>
+    </p:extLst>
+  </p:cSld>
+  <p:clrMapOvr>
+    <a:masterClrMapping/>
+  </p:clrMapOvr>
+</p:sld>
+</file>
+
+<file path=ppt/slides/slide50.xml><?xml version="1.0" encoding="utf-8"?>
+<p:sld xmlns:a="http://schemas.openxmlformats.org/drawingml/2006/main" xmlns:r="http://schemas.openxmlformats.org/officeDocument/2006/relationships" xmlns:p="http://schemas.openxmlformats.org/presentationml/2006/main">
+  <p:cSld>
+    <p:spTree>
+      <p:nvGrpSpPr>
+        <p:cNvPr id="1" name=""/>
+        <p:cNvGrpSpPr/>
+        <p:nvPr/>
+      </p:nvGrpSpPr>
+      <p:grpSpPr>
+        <a:xfrm>
+          <a:off x="0" y="0"/>
+          <a:ext cx="0" cy="0"/>
+          <a:chOff x="0" y="0"/>
+          <a:chExt cx="0" cy="0"/>
+        </a:xfrm>
+      </p:grpSpPr>
+      <p:sp>
+        <p:nvSpPr>
+          <p:cNvPr id="2" name="标题 1"/>
+          <p:cNvSpPr>
+            <a:spLocks noGrp="1"/>
+          </p:cNvSpPr>
+          <p:nvPr>
+            <p:ph type="title"/>
+          </p:nvPr>
+        </p:nvSpPr>
+        <p:spPr/>
+        <p:txBody>
+          <a:bodyPr/>
+          <a:lstStyle/>
+          <a:p>
+            <a:endParaRPr lang="zh-CN" altLang="en-US" dirty="0"/>
+          </a:p>
+        </p:txBody>
+      </p:sp>
+      <p:sp>
+        <p:nvSpPr>
+          <p:cNvPr id="3" name="内容占位符 2"/>
+          <p:cNvSpPr>
+            <a:spLocks noGrp="1"/>
+          </p:cNvSpPr>
+          <p:nvPr>
+            <p:ph idx="1"/>
+          </p:nvPr>
+        </p:nvSpPr>
+        <p:spPr/>
+        <p:txBody>
+          <a:bodyPr/>
+          <a:lstStyle/>
+          <a:p>
+            <a:endParaRPr lang="zh-CN" altLang="en-US" dirty="0"/>
+          </a:p>
+        </p:txBody>
+      </p:sp>
+    </p:spTree>
+    <p:extLst>
+      <p:ext uri="{BB962C8B-B14F-4D97-AF65-F5344CB8AC3E}">
+        <p14:creationId xmlns:p14="http://schemas.microsoft.com/office/powerpoint/2010/main" val="771363723"/>
       </p:ext>
     </p:extLst>
   </p:cSld>

--- a/编程语言/python/Python基础入门知识分享.pptx
+++ b/编程语言/python/Python基础入门知识分享.pptx
@@ -39,22 +39,29 @@
     <p:sldId id="304" r:id="rId33"/>
     <p:sldId id="305" r:id="rId34"/>
     <p:sldId id="306" r:id="rId35"/>
-    <p:sldId id="297" r:id="rId36"/>
-    <p:sldId id="298" r:id="rId37"/>
-    <p:sldId id="270" r:id="rId38"/>
-    <p:sldId id="284" r:id="rId39"/>
-    <p:sldId id="285" r:id="rId40"/>
-    <p:sldId id="286" r:id="rId41"/>
-    <p:sldId id="287" r:id="rId42"/>
-    <p:sldId id="275" r:id="rId43"/>
-    <p:sldId id="277" r:id="rId44"/>
-    <p:sldId id="280" r:id="rId45"/>
-    <p:sldId id="296" r:id="rId46"/>
-    <p:sldId id="288" r:id="rId47"/>
-    <p:sldId id="289" r:id="rId48"/>
-    <p:sldId id="276" r:id="rId49"/>
-    <p:sldId id="278" r:id="rId50"/>
-    <p:sldId id="279" r:id="rId51"/>
+    <p:sldId id="307" r:id="rId36"/>
+    <p:sldId id="308" r:id="rId37"/>
+    <p:sldId id="309" r:id="rId38"/>
+    <p:sldId id="310" r:id="rId39"/>
+    <p:sldId id="311" r:id="rId40"/>
+    <p:sldId id="312" r:id="rId41"/>
+    <p:sldId id="313" r:id="rId42"/>
+    <p:sldId id="297" r:id="rId43"/>
+    <p:sldId id="298" r:id="rId44"/>
+    <p:sldId id="270" r:id="rId45"/>
+    <p:sldId id="284" r:id="rId46"/>
+    <p:sldId id="285" r:id="rId47"/>
+    <p:sldId id="286" r:id="rId48"/>
+    <p:sldId id="287" r:id="rId49"/>
+    <p:sldId id="275" r:id="rId50"/>
+    <p:sldId id="277" r:id="rId51"/>
+    <p:sldId id="280" r:id="rId52"/>
+    <p:sldId id="296" r:id="rId53"/>
+    <p:sldId id="288" r:id="rId54"/>
+    <p:sldId id="289" r:id="rId55"/>
+    <p:sldId id="276" r:id="rId56"/>
+    <p:sldId id="278" r:id="rId57"/>
+    <p:sldId id="279" r:id="rId58"/>
   </p:sldIdLst>
   <p:sldSz cx="12192000" cy="6858000"/>
   <p:notesSz cx="6858000" cy="9144000"/>
@@ -220,6 +227,21 @@
             <p14:sldId id="304"/>
             <p14:sldId id="305"/>
             <p14:sldId id="306"/>
+          </p14:sldIdLst>
+        </p14:section>
+        <p14:section name="语法-对面向对象编程的支持" id="{9C144958-19A7-4FF8-9994-DAAE9DFC6DA7}">
+          <p14:sldIdLst>
+            <p14:sldId id="307"/>
+            <p14:sldId id="308"/>
+            <p14:sldId id="309"/>
+            <p14:sldId id="310"/>
+          </p14:sldIdLst>
+        </p14:section>
+        <p14:section name="语法-特殊语法" id="{54EDC640-EC02-4E8D-96D3-2644DA7B00D6}">
+          <p14:sldIdLst>
+            <p14:sldId id="311"/>
+            <p14:sldId id="312"/>
+            <p14:sldId id="313"/>
           </p14:sldIdLst>
         </p14:section>
         <p14:section name="常用模块" id="{169ECFFE-A324-499C-9A3D-0CDBB73F4F0E}">
@@ -8636,11 +8658,7 @@
             </a:r>
             <a:r>
               <a:rPr lang="zh-CN" altLang="en-US" dirty="0" smtClean="0"/>
-              <a:t>文件</a:t>
-            </a:r>
-            <a:r>
-              <a:rPr lang="zh-CN" altLang="en-US" dirty="0" smtClean="0"/>
-              <a:t>：</a:t>
+              <a:t>文件：</a:t>
             </a:r>
             <a:r>
               <a:rPr lang="zh-CN" altLang="en-US" dirty="0"/>
@@ -8736,15 +8754,7 @@
           <a:p>
             <a:r>
               <a:rPr lang="zh-CN" altLang="en-US" dirty="0" smtClean="0"/>
-              <a:t>名称</a:t>
-            </a:r>
-            <a:r>
-              <a:rPr lang="zh-CN" altLang="en-US" dirty="0" smtClean="0"/>
-              <a:t>空间</a:t>
-            </a:r>
-            <a:r>
-              <a:rPr lang="zh-CN" altLang="en-US" dirty="0" smtClean="0"/>
-              <a:t>：</a:t>
+              <a:t>名称空间：</a:t>
             </a:r>
             <a:r>
               <a:rPr lang="en-US" altLang="zh-CN" dirty="0" smtClean="0"/>
@@ -8752,11 +8762,7 @@
             </a:r>
             <a:r>
               <a:rPr lang="zh-CN" altLang="en-US" dirty="0" smtClean="0"/>
-              <a:t>是</a:t>
-            </a:r>
-            <a:r>
-              <a:rPr lang="zh-CN" altLang="en-US" dirty="0" smtClean="0"/>
-              <a:t>存放</a:t>
+              <a:t>是存放</a:t>
             </a:r>
             <a:r>
               <a:rPr lang="zh-CN" altLang="en-US" dirty="0"/>
@@ -12496,7 +12502,6 @@
               <a:rPr lang="en-US" altLang="zh-CN" dirty="0" smtClean="0"/>
               <a:t>enumerate(_list) </a:t>
             </a:r>
-            <a:endParaRPr lang="en-US" altLang="zh-CN" dirty="0" smtClean="0"/>
           </a:p>
           <a:p>
             <a:r>
@@ -14432,7 +14437,7 @@
           <a:p>
             <a:r>
               <a:rPr lang="zh-CN" altLang="en-US" dirty="0" smtClean="0"/>
-              <a:t>序列化、反序列化</a:t>
+              <a:t>定义类</a:t>
             </a:r>
             <a:endParaRPr lang="zh-CN" altLang="en-US" dirty="0"/>
           </a:p>
@@ -14448,36 +14453,365 @@
             <p:ph idx="1"/>
           </p:nvPr>
         </p:nvSpPr>
-        <p:spPr/>
+        <p:spPr>
+          <a:xfrm>
+            <a:off x="2589212" y="2133600"/>
+            <a:ext cx="8915400" cy="4110446"/>
+          </a:xfrm>
+        </p:spPr>
         <p:txBody>
           <a:bodyPr>
-            <a:normAutofit fontScale="92500" lnSpcReduction="10000"/>
+            <a:normAutofit fontScale="92500" lnSpcReduction="20000"/>
           </a:bodyPr>
           <a:lstStyle/>
           <a:p>
             <a:r>
-              <a:rPr lang="zh-CN" altLang="en-US" dirty="0"/>
-              <a:t>序列化：将一个</a:t>
+              <a:rPr lang="zh-CN" altLang="en-US" dirty="0" smtClean="0"/>
+              <a:t>基本格式：</a:t>
+            </a:r>
+            <a:r>
+              <a:rPr lang="en-US" altLang="zh-CN" dirty="0" smtClean="0"/>
+              <a:t>class </a:t>
+            </a:r>
+            <a:r>
+              <a:rPr lang="en-US" altLang="zh-CN" dirty="0" err="1" smtClean="0"/>
+              <a:t>className:content</a:t>
+            </a:r>
+            <a:endParaRPr lang="en-US" altLang="zh-CN" dirty="0" smtClean="0"/>
+          </a:p>
+          <a:p>
+            <a:pPr lvl="1"/>
+            <a:r>
+              <a:rPr lang="zh-CN" altLang="en-US" dirty="0"/>
+              <a:t>属性定义</a:t>
+            </a:r>
+            <a:r>
+              <a:rPr lang="zh-CN" altLang="en-US" dirty="0" smtClean="0"/>
+              <a:t>：</a:t>
+            </a:r>
+            <a:endParaRPr lang="en-US" altLang="zh-CN" dirty="0" smtClean="0"/>
+          </a:p>
+          <a:p>
+            <a:pPr lvl="2"/>
+            <a:r>
+              <a:rPr lang="zh-CN" altLang="en-US" dirty="0" smtClean="0"/>
+              <a:t>类</a:t>
+            </a:r>
+            <a:r>
+              <a:rPr lang="zh-CN" altLang="en-US" dirty="0"/>
+              <a:t>的</a:t>
+            </a:r>
+            <a:r>
+              <a:rPr lang="zh-CN" altLang="en-US" dirty="0" smtClean="0"/>
+              <a:t>局部变量会被当作属性，会挂在</a:t>
+            </a:r>
+            <a:r>
+              <a:rPr lang="en-US" altLang="zh-CN" dirty="0" smtClean="0"/>
+              <a:t>self</a:t>
+            </a:r>
+            <a:r>
+              <a:rPr lang="zh-CN" altLang="en-US" dirty="0" smtClean="0"/>
+              <a:t>下。所有的实例只会获得这种属性的引用，不会新建。</a:t>
+            </a:r>
+            <a:r>
+              <a:rPr lang="en-US" altLang="zh-CN" dirty="0" smtClean="0"/>
+              <a:t/>
+            </a:r>
+            <a:br>
+              <a:rPr lang="en-US" altLang="zh-CN" dirty="0" smtClean="0"/>
+            </a:br>
+            <a:r>
+              <a:rPr lang="en-US" altLang="zh-CN" dirty="0" smtClean="0"/>
+              <a:t>   </a:t>
+            </a:r>
+            <a:r>
+              <a:rPr lang="zh-CN" altLang="en-US" dirty="0" smtClean="0"/>
+              <a:t>可以</a:t>
+            </a:r>
+            <a:r>
+              <a:rPr lang="en-US" altLang="zh-CN" dirty="0" err="1" smtClean="0"/>
+              <a:t>className.attri</a:t>
+            </a:r>
+            <a:r>
+              <a:rPr lang="zh-CN" altLang="en-US" dirty="0" smtClean="0"/>
+              <a:t>方式访问局部变量。但</a:t>
+            </a:r>
+            <a:r>
+              <a:rPr lang="en-US" altLang="zh-CN" dirty="0" err="1" smtClean="0"/>
+              <a:t>self.att</a:t>
+            </a:r>
+            <a:r>
+              <a:rPr lang="zh-CN" altLang="en-US" dirty="0" smtClean="0"/>
+              <a:t>方式定义的属性访问不到。</a:t>
+            </a:r>
+            <a:endParaRPr lang="en-US" altLang="zh-CN" dirty="0" smtClean="0"/>
+          </a:p>
+          <a:p>
+            <a:pPr lvl="2"/>
+            <a:r>
+              <a:rPr lang="zh-CN" altLang="en-US" dirty="0" smtClean="0"/>
+              <a:t>在方法中用</a:t>
+            </a:r>
+            <a:r>
+              <a:rPr lang="en-US" altLang="zh-CN" dirty="0" smtClean="0"/>
+              <a:t>self</a:t>
+            </a:r>
+            <a:r>
+              <a:rPr lang="zh-CN" altLang="en-US" dirty="0" smtClean="0"/>
+              <a:t>来定义</a:t>
+            </a:r>
+            <a:r>
+              <a:rPr lang="en-US" altLang="zh-CN" dirty="0" smtClean="0"/>
+              <a:t>,</a:t>
+            </a:r>
+            <a:r>
+              <a:rPr lang="zh-CN" altLang="en-US" dirty="0" smtClean="0"/>
+              <a:t>如</a:t>
+            </a:r>
+            <a:r>
+              <a:rPr lang="en-US" altLang="zh-CN" dirty="0" smtClean="0"/>
+              <a:t>self.name=‘</a:t>
+            </a:r>
+            <a:r>
+              <a:rPr lang="en-US" altLang="zh-CN" dirty="0" err="1" smtClean="0"/>
+              <a:t>xiaoming</a:t>
+            </a:r>
+            <a:r>
+              <a:rPr lang="en-US" altLang="zh-CN" dirty="0" smtClean="0"/>
+              <a:t>’</a:t>
+            </a:r>
+            <a:r>
+              <a:rPr lang="zh-CN" altLang="en-US" dirty="0" smtClean="0"/>
+              <a:t> 。</a:t>
             </a:r>
             <a:r>
               <a:rPr lang="en-US" altLang="zh-CN" dirty="0"/>
-              <a:t>python</a:t>
-            </a:r>
-            <a:r>
-              <a:rPr lang="zh-CN" altLang="en-US" dirty="0"/>
-              <a:t>数据结构对象转换为</a:t>
+              <a:t>s</a:t>
+            </a:r>
+            <a:r>
+              <a:rPr lang="en-US" altLang="zh-CN" dirty="0" smtClean="0"/>
+              <a:t>elf</a:t>
+            </a:r>
+            <a:r>
+              <a:rPr lang="zh-CN" altLang="en-US" dirty="0" smtClean="0"/>
+              <a:t>就是实例自己的指针，如</a:t>
+            </a:r>
+            <a:r>
+              <a:rPr lang="en-US" altLang="zh-CN" dirty="0" smtClean="0"/>
+              <a:t>java</a:t>
+            </a:r>
+            <a:r>
+              <a:rPr lang="zh-CN" altLang="en-US" dirty="0" smtClean="0"/>
+              <a:t>里的</a:t>
+            </a:r>
+            <a:r>
+              <a:rPr lang="en-US" altLang="zh-CN" dirty="0" smtClean="0"/>
+              <a:t>this</a:t>
+            </a:r>
+            <a:r>
+              <a:rPr lang="zh-CN" altLang="en-US" dirty="0" smtClean="0"/>
+              <a:t>。</a:t>
+            </a:r>
+            <a:r>
+              <a:rPr lang="en-US" altLang="zh-CN" dirty="0" smtClean="0"/>
+              <a:t/>
+            </a:r>
+            <a:br>
+              <a:rPr lang="en-US" altLang="zh-CN" dirty="0" smtClean="0"/>
+            </a:br>
+            <a:r>
+              <a:rPr lang="en-US" altLang="zh-CN" dirty="0"/>
+              <a:t>	</a:t>
+            </a:r>
+            <a:r>
+              <a:rPr lang="zh-CN" altLang="en-US" dirty="0" smtClean="0"/>
+              <a:t>所有的实例都会新建自己的这种属性的内存空间，互补影响。</a:t>
+            </a:r>
+            <a:endParaRPr lang="en-US" altLang="zh-CN" dirty="0" smtClean="0"/>
+          </a:p>
+          <a:p>
+            <a:pPr lvl="2"/>
+            <a:r>
+              <a:rPr lang="zh-CN" altLang="en-US" dirty="0" smtClean="0"/>
+              <a:t>实例</a:t>
+            </a:r>
+            <a:r>
+              <a:rPr lang="en-US" altLang="zh-CN" dirty="0" smtClean="0"/>
+              <a:t>.</a:t>
+            </a:r>
+            <a:r>
+              <a:rPr lang="en-US" altLang="zh-CN" dirty="0" err="1" smtClean="0"/>
+              <a:t>newAttri</a:t>
+            </a:r>
+            <a:r>
+              <a:rPr lang="zh-CN" altLang="en-US" dirty="0"/>
+              <a:t> </a:t>
+            </a:r>
+            <a:r>
+              <a:rPr lang="en-US" altLang="zh-CN" dirty="0" smtClean="0"/>
+              <a:t>= </a:t>
+            </a:r>
+            <a:r>
+              <a:rPr lang="en-US" altLang="zh-CN" dirty="0" err="1" smtClean="0"/>
+              <a:t>val</a:t>
+            </a:r>
+            <a:r>
+              <a:rPr lang="zh-CN" altLang="en-US" dirty="0" smtClean="0"/>
+              <a:t>可以给实例新增一个</a:t>
+            </a:r>
+            <a:r>
+              <a:rPr lang="en-US" altLang="zh-CN" dirty="0" err="1" smtClean="0"/>
+              <a:t>newAttri</a:t>
+            </a:r>
+            <a:r>
+              <a:rPr lang="zh-CN" altLang="en-US" dirty="0" smtClean="0"/>
+              <a:t>属性，值为</a:t>
+            </a:r>
+            <a:r>
+              <a:rPr lang="en-US" altLang="zh-CN" dirty="0" err="1" smtClean="0"/>
+              <a:t>val</a:t>
+            </a:r>
+            <a:endParaRPr lang="en-US" altLang="zh-CN" dirty="0" smtClean="0"/>
+          </a:p>
+          <a:p>
+            <a:pPr lvl="1"/>
+            <a:r>
+              <a:rPr lang="zh-CN" altLang="en-US" dirty="0" smtClean="0"/>
+              <a:t>方法定义：</a:t>
+            </a:r>
+            <a:endParaRPr lang="en-US" altLang="zh-CN" dirty="0" smtClean="0"/>
+          </a:p>
+          <a:p>
+            <a:pPr lvl="2"/>
+            <a:r>
+              <a:rPr lang="zh-CN" altLang="en-US" dirty="0" smtClean="0"/>
+              <a:t>实例方法：</a:t>
+            </a:r>
+            <a:r>
+              <a:rPr lang="en-US" altLang="zh-CN" dirty="0" err="1" smtClean="0"/>
+              <a:t>def</a:t>
+            </a:r>
+            <a:r>
+              <a:rPr lang="en-US" altLang="zh-CN" dirty="0" smtClean="0"/>
+              <a:t> </a:t>
+            </a:r>
+            <a:r>
+              <a:rPr lang="en-US" altLang="zh-CN" dirty="0" err="1" smtClean="0"/>
+              <a:t>methodName</a:t>
+            </a:r>
+            <a:r>
+              <a:rPr lang="en-US" altLang="zh-CN" dirty="0" smtClean="0"/>
+              <a:t>(self, …) :content  </a:t>
+            </a:r>
+            <a:r>
+              <a:rPr lang="zh-CN" altLang="en-US" dirty="0" smtClean="0"/>
+              <a:t>。且</a:t>
+            </a:r>
+            <a:r>
+              <a:rPr lang="zh-CN" altLang="en-US" dirty="0"/>
+              <a:t>参数至少有</a:t>
+            </a:r>
+            <a:r>
+              <a:rPr lang="en-US" altLang="zh-CN" dirty="0" smtClean="0"/>
+              <a:t>self</a:t>
+            </a:r>
+          </a:p>
+          <a:p>
+            <a:pPr lvl="2"/>
+            <a:r>
+              <a:rPr lang="zh-CN" altLang="en-US" dirty="0" smtClean="0"/>
+              <a:t>静态方法：</a:t>
+            </a:r>
+            <a:r>
+              <a:rPr lang="en-US" altLang="zh-CN" dirty="0"/>
+              <a:t> @</a:t>
+            </a:r>
+            <a:r>
+              <a:rPr lang="en-US" altLang="zh-CN" dirty="0" err="1" smtClean="0"/>
+              <a:t>staticmethod</a:t>
+            </a:r>
+            <a:r>
+              <a:rPr lang="zh-CN" altLang="en-US" dirty="0" smtClean="0"/>
+              <a:t>加到一个方法上，该方法无</a:t>
+            </a:r>
+            <a:r>
+              <a:rPr lang="en-US" altLang="zh-CN" dirty="0" smtClean="0"/>
+              <a:t>self</a:t>
+            </a:r>
+            <a:r>
+              <a:rPr lang="zh-CN" altLang="en-US" dirty="0" smtClean="0"/>
+              <a:t>参数</a:t>
+            </a:r>
+            <a:endParaRPr lang="en-US" altLang="zh-CN" dirty="0" smtClean="0"/>
+          </a:p>
+          <a:p>
+            <a:pPr lvl="1"/>
+            <a:r>
+              <a:rPr lang="zh-CN" altLang="en-US" dirty="0" smtClean="0"/>
+              <a:t>访问其他方法和属性：</a:t>
+            </a:r>
+            <a:r>
+              <a:rPr lang="en-US" altLang="zh-CN" dirty="0" err="1" smtClean="0"/>
+              <a:t>self.methodName</a:t>
+            </a:r>
+            <a:r>
+              <a:rPr lang="en-US" altLang="zh-CN" dirty="0" smtClean="0"/>
+              <a:t> (…) </a:t>
+            </a:r>
+            <a:r>
+              <a:rPr lang="en-US" altLang="zh-CN" dirty="0" err="1" smtClean="0"/>
+              <a:t>self.attrName</a:t>
+            </a:r>
+            <a:endParaRPr lang="en-US" altLang="zh-CN" dirty="0" smtClean="0"/>
+          </a:p>
+          <a:p>
+            <a:pPr lvl="1"/>
+            <a:r>
+              <a:rPr lang="zh-CN" altLang="en-US" dirty="0" smtClean="0"/>
+              <a:t>构造方法：</a:t>
+            </a:r>
+            <a:r>
+              <a:rPr lang="en-US" altLang="zh-CN" dirty="0" smtClean="0"/>
+              <a:t>__</a:t>
+            </a:r>
+            <a:r>
+              <a:rPr lang="en-US" altLang="zh-CN" dirty="0" err="1" smtClean="0"/>
+              <a:t>init</a:t>
+            </a:r>
+            <a:r>
+              <a:rPr lang="en-US" altLang="zh-CN" dirty="0" smtClean="0"/>
+              <a:t>__(self, …)</a:t>
+            </a:r>
+          </a:p>
+          <a:p>
+            <a:pPr lvl="1"/>
+            <a:r>
+              <a:rPr lang="zh-CN" altLang="en-US" dirty="0" smtClean="0"/>
+              <a:t>字符串输出</a:t>
+            </a:r>
+            <a:r>
+              <a:rPr lang="en-US" altLang="zh-CN" dirty="0" smtClean="0"/>
+              <a:t>:</a:t>
+            </a:r>
+            <a:r>
+              <a:rPr lang="zh-CN" altLang="en-US" dirty="0"/>
+              <a:t>定义</a:t>
+            </a:r>
+            <a:r>
+              <a:rPr lang="en-US" altLang="zh-CN" dirty="0"/>
+              <a:t>__</a:t>
             </a:r>
             <a:r>
               <a:rPr lang="en-US" altLang="zh-CN" dirty="0" err="1"/>
-              <a:t>json</a:t>
-            </a:r>
-            <a:r>
-              <a:rPr lang="zh-CN" altLang="en-US" dirty="0"/>
-              <a:t>格式</a:t>
-            </a:r>
-            <a:r>
-              <a:rPr lang="zh-CN" altLang="en-US" dirty="0" smtClean="0"/>
-              <a:t>字符串</a:t>
+              <a:t>repr</a:t>
+            </a:r>
+            <a:r>
+              <a:rPr lang="en-US" altLang="zh-CN" dirty="0"/>
+              <a:t>__()</a:t>
+            </a:r>
+            <a:r>
+              <a:rPr lang="zh-CN" altLang="en-US" dirty="0" smtClean="0"/>
+              <a:t>方法</a:t>
             </a:r>
             <a:endParaRPr lang="en-US" altLang="zh-CN" dirty="0" smtClean="0"/>
           </a:p>
@@ -14485,414 +14819,15 @@
             <a:pPr lvl="1"/>
             <a:r>
               <a:rPr lang="zh-CN" altLang="en-US" dirty="0" smtClean="0"/>
-              <a:t>基本类型的序列化：</a:t>
-            </a:r>
-            <a:r>
-              <a:rPr lang="en-US" altLang="zh-CN" dirty="0" smtClean="0"/>
-              <a:t>int,float,,</a:t>
-            </a:r>
-            <a:r>
-              <a:rPr lang="en-US" altLang="zh-CN" dirty="0" err="1" smtClean="0"/>
-              <a:t>list,set,map</a:t>
-            </a:r>
-            <a:r>
-              <a:rPr lang="zh-CN" altLang="en-US" dirty="0" smtClean="0"/>
-              <a:t>使用</a:t>
-            </a:r>
-            <a:r>
-              <a:rPr lang="en-US" altLang="zh-CN" dirty="0" err="1" smtClean="0"/>
-              <a:t>json.dumps</a:t>
-            </a:r>
-            <a:r>
-              <a:rPr lang="en-US" altLang="zh-CN" dirty="0" smtClean="0"/>
-              <a:t>(a)</a:t>
-            </a:r>
+              <a:t>不允许有非静态方法也非实例方法的函数 </a:t>
+            </a:r>
+            <a:endParaRPr lang="en-US" altLang="zh-CN" dirty="0" smtClean="0"/>
           </a:p>
           <a:p>
             <a:pPr lvl="1"/>
-            <a:r>
-              <a:rPr lang="zh-CN" altLang="en-US" dirty="0" smtClean="0"/>
-              <a:t>类实例的序列化：</a:t>
-            </a:r>
-            <a:r>
-              <a:rPr lang="en-US" altLang="zh-CN" dirty="0" err="1" smtClean="0"/>
-              <a:t>json.dumps</a:t>
-            </a:r>
-            <a:r>
-              <a:rPr lang="en-US" altLang="zh-CN" dirty="0" smtClean="0"/>
-              <a:t>(</a:t>
-            </a:r>
-            <a:r>
-              <a:rPr lang="en-US" altLang="zh-CN" dirty="0" err="1" smtClean="0"/>
-              <a:t>obj</a:t>
-            </a:r>
-            <a:r>
-              <a:rPr lang="en-US" altLang="zh-CN" dirty="0" smtClean="0"/>
-              <a:t>, default=</a:t>
-            </a:r>
-            <a:r>
-              <a:rPr lang="zh-CN" altLang="en-US" dirty="0" smtClean="0"/>
-              <a:t>返回字典的函数</a:t>
-            </a:r>
-            <a:r>
-              <a:rPr lang="en-US" altLang="zh-CN" dirty="0" smtClean="0"/>
-              <a:t>),</a:t>
-            </a:r>
-            <a:r>
-              <a:rPr lang="zh-CN" altLang="en-US" dirty="0" smtClean="0"/>
-              <a:t>函数常用</a:t>
-            </a:r>
-            <a:r>
-              <a:rPr lang="en-US" altLang="zh-CN" dirty="0" smtClean="0"/>
-              <a:t>lambda</a:t>
-            </a:r>
-            <a:r>
-              <a:rPr lang="zh-CN" altLang="en-US" dirty="0" smtClean="0"/>
-              <a:t>表达式</a:t>
-            </a:r>
-            <a:r>
-              <a:rPr lang="en-US" altLang="zh-CN" dirty="0" smtClean="0"/>
-              <a:t/>
-            </a:r>
-            <a:br>
-              <a:rPr lang="en-US" altLang="zh-CN" dirty="0" smtClean="0"/>
-            </a:br>
-            <a:r>
-              <a:rPr lang="en-US" altLang="zh-CN" dirty="0" smtClean="0"/>
-              <a:t>				</a:t>
-            </a:r>
-            <a:r>
-              <a:rPr lang="zh-CN" altLang="en-US" dirty="0" smtClean="0"/>
-              <a:t>如</a:t>
-            </a:r>
-            <a:r>
-              <a:rPr lang="en-US" altLang="zh-CN" dirty="0" err="1"/>
-              <a:t>obj</a:t>
-            </a:r>
-            <a:r>
-              <a:rPr lang="en-US" altLang="zh-CN" dirty="0" err="1" smtClean="0"/>
-              <a:t>_json</a:t>
-            </a:r>
-            <a:r>
-              <a:rPr lang="en-US" altLang="zh-CN" dirty="0" smtClean="0"/>
-              <a:t> </a:t>
-            </a:r>
-            <a:r>
-              <a:rPr lang="en-US" altLang="zh-CN" dirty="0"/>
-              <a:t>= </a:t>
-            </a:r>
-            <a:r>
-              <a:rPr lang="en-US" altLang="zh-CN" dirty="0" err="1" smtClean="0"/>
-              <a:t>json.dumps</a:t>
-            </a:r>
-            <a:r>
-              <a:rPr lang="en-US" altLang="zh-CN" dirty="0" smtClean="0"/>
-              <a:t>(</a:t>
-            </a:r>
-            <a:r>
-              <a:rPr lang="en-US" altLang="zh-CN" dirty="0" err="1" smtClean="0"/>
-              <a:t>obj</a:t>
-            </a:r>
-            <a:r>
-              <a:rPr lang="en-US" altLang="zh-CN" dirty="0" smtClean="0"/>
-              <a:t>, </a:t>
-            </a:r>
-            <a:r>
-              <a:rPr lang="en-US" altLang="zh-CN" dirty="0"/>
-              <a:t>default=lambda o : o.__</a:t>
-            </a:r>
-            <a:r>
-              <a:rPr lang="en-US" altLang="zh-CN" dirty="0" err="1"/>
-              <a:t>dict</a:t>
-            </a:r>
-            <a:r>
-              <a:rPr lang="en-US" altLang="zh-CN" dirty="0"/>
-              <a:t>__)</a:t>
-            </a:r>
             <a:endParaRPr lang="en-US" altLang="zh-CN" dirty="0" smtClean="0"/>
           </a:p>
           <a:p>
-            <a:pPr lvl="1"/>
-            <a:r>
-              <a:rPr lang="zh-CN" altLang="en-US" dirty="0" smtClean="0"/>
-              <a:t>键或值含有中文：</a:t>
-            </a:r>
-            <a:r>
-              <a:rPr lang="en-US" altLang="zh-CN" dirty="0"/>
-              <a:t> </a:t>
-            </a:r>
-            <a:r>
-              <a:rPr lang="en-US" altLang="zh-CN" dirty="0" err="1" smtClean="0"/>
-              <a:t>json.dumps</a:t>
-            </a:r>
-            <a:r>
-              <a:rPr lang="en-US" altLang="zh-CN" dirty="0" smtClean="0"/>
-              <a:t>(data</a:t>
-            </a:r>
-            <a:r>
-              <a:rPr lang="en-US" altLang="zh-CN" dirty="0"/>
-              <a:t>, </a:t>
-            </a:r>
-            <a:r>
-              <a:rPr lang="en-US" altLang="zh-CN" dirty="0" err="1" smtClean="0"/>
-              <a:t>ensure_ascii</a:t>
-            </a:r>
-            <a:r>
-              <a:rPr lang="en-US" altLang="zh-CN" dirty="0" smtClean="0"/>
-              <a:t>=False)</a:t>
-            </a:r>
-            <a:r>
-              <a:rPr lang="zh-CN" altLang="en-US" dirty="0" smtClean="0"/>
-              <a:t>默认中文编码</a:t>
-            </a:r>
-            <a:r>
-              <a:rPr lang="zh-CN" altLang="en-US" dirty="0" smtClean="0"/>
-              <a:t>是</a:t>
-            </a:r>
-            <a:r>
-              <a:rPr lang="en-US" altLang="zh-CN" dirty="0" smtClean="0"/>
-              <a:t>Unicode</a:t>
-            </a:r>
-            <a:br>
-              <a:rPr lang="en-US" altLang="zh-CN" dirty="0" smtClean="0"/>
-            </a:br>
-            <a:r>
-              <a:rPr lang="en-US" altLang="zh-CN" dirty="0" smtClean="0"/>
-              <a:t>				  </a:t>
-            </a:r>
-            <a:r>
-              <a:rPr lang="zh-CN" altLang="en-US" dirty="0" smtClean="0"/>
-              <a:t>对于显示和输出到文件，中文就不会是</a:t>
-            </a:r>
-            <a:r>
-              <a:rPr lang="en-US" altLang="zh-CN" dirty="0" err="1" smtClean="0"/>
-              <a:t>unicode</a:t>
-            </a:r>
-            <a:r>
-              <a:rPr lang="zh-CN" altLang="en-US" dirty="0" smtClean="0"/>
-              <a:t>代码</a:t>
-            </a:r>
-            <a:endParaRPr lang="en-US" altLang="zh-CN" dirty="0" smtClean="0"/>
-          </a:p>
-          <a:p>
-            <a:r>
-              <a:rPr lang="zh-CN" altLang="en-US" dirty="0"/>
-              <a:t>反序列化</a:t>
-            </a:r>
-            <a:r>
-              <a:rPr lang="zh-CN" altLang="en-US" dirty="0" smtClean="0"/>
-              <a:t>：</a:t>
-            </a:r>
-            <a:r>
-              <a:rPr lang="en-US" altLang="zh-CN" dirty="0"/>
-              <a:t> </a:t>
-            </a:r>
-            <a:r>
-              <a:rPr lang="en-US" altLang="zh-CN" dirty="0" err="1"/>
-              <a:t>json</a:t>
-            </a:r>
-            <a:r>
-              <a:rPr lang="zh-CN" altLang="en-US" dirty="0"/>
-              <a:t>格式</a:t>
-            </a:r>
-            <a:r>
-              <a:rPr lang="zh-CN" altLang="en-US" dirty="0" smtClean="0"/>
-              <a:t>字符串转换为</a:t>
-            </a:r>
-            <a:r>
-              <a:rPr lang="zh-CN" altLang="en-US" dirty="0"/>
-              <a:t>一个</a:t>
-            </a:r>
-            <a:r>
-              <a:rPr lang="en-US" altLang="zh-CN" dirty="0"/>
-              <a:t>python</a:t>
-            </a:r>
-            <a:r>
-              <a:rPr lang="zh-CN" altLang="en-US" dirty="0"/>
-              <a:t>数据结构</a:t>
-            </a:r>
-            <a:r>
-              <a:rPr lang="zh-CN" altLang="en-US" dirty="0" smtClean="0"/>
-              <a:t>对象</a:t>
-            </a:r>
-            <a:endParaRPr lang="en-US" altLang="zh-CN" dirty="0" smtClean="0"/>
-          </a:p>
-          <a:p>
-            <a:pPr lvl="1"/>
-            <a:r>
-              <a:rPr lang="zh-CN" altLang="en-US" dirty="0" smtClean="0"/>
-              <a:t>基本类型的反序列化：</a:t>
-            </a:r>
-            <a:r>
-              <a:rPr lang="en-US" altLang="zh-CN" dirty="0"/>
-              <a:t> int,float,,</a:t>
-            </a:r>
-            <a:r>
-              <a:rPr lang="en-US" altLang="zh-CN" dirty="0" err="1"/>
-              <a:t>list,set,map</a:t>
-            </a:r>
-            <a:r>
-              <a:rPr lang="zh-CN" altLang="en-US" dirty="0" smtClean="0"/>
-              <a:t>使用</a:t>
-            </a:r>
-            <a:r>
-              <a:rPr lang="en-US" altLang="zh-CN" dirty="0" err="1" smtClean="0"/>
-              <a:t>json.loads</a:t>
-            </a:r>
-            <a:r>
-              <a:rPr lang="en-US" altLang="zh-CN" dirty="0" smtClean="0"/>
-              <a:t>(a)</a:t>
-            </a:r>
-          </a:p>
-          <a:p>
-            <a:pPr lvl="1"/>
-            <a:r>
-              <a:rPr lang="zh-CN" altLang="en-US" dirty="0" smtClean="0"/>
-              <a:t>类实例的反序列化：</a:t>
-            </a:r>
-            <a:r>
-              <a:rPr lang="en-US" altLang="zh-CN" dirty="0" err="1" smtClean="0"/>
-              <a:t>json.loads</a:t>
-            </a:r>
-            <a:r>
-              <a:rPr lang="en-US" altLang="zh-CN" dirty="0" smtClean="0"/>
-              <a:t>(</a:t>
-            </a:r>
-            <a:r>
-              <a:rPr lang="en-US" altLang="zh-CN" dirty="0" err="1" smtClean="0"/>
-              <a:t>obj</a:t>
-            </a:r>
-            <a:r>
-              <a:rPr lang="en-US" altLang="zh-CN" dirty="0" smtClean="0"/>
-              <a:t>, </a:t>
-            </a:r>
-            <a:r>
-              <a:rPr lang="en-US" altLang="zh-CN" dirty="0" err="1" smtClean="0"/>
-              <a:t>object_hook</a:t>
-            </a:r>
-            <a:r>
-              <a:rPr lang="en-US" altLang="zh-CN" dirty="0" smtClean="0"/>
-              <a:t>=</a:t>
-            </a:r>
-            <a:r>
-              <a:rPr lang="zh-CN" altLang="en-US" dirty="0" smtClean="0"/>
-              <a:t>返回对象的函数</a:t>
-            </a:r>
-            <a:r>
-              <a:rPr lang="en-US" altLang="zh-CN" dirty="0" smtClean="0"/>
-              <a:t>)</a:t>
-            </a:r>
-            <a:r>
-              <a:rPr lang="zh-CN" altLang="en-US" dirty="0" smtClean="0"/>
-              <a:t>函数可用</a:t>
-            </a:r>
-            <a:r>
-              <a:rPr lang="en-US" altLang="zh-CN" dirty="0" smtClean="0"/>
-              <a:t>lambda</a:t>
-            </a:r>
-            <a:r>
-              <a:rPr lang="zh-CN" altLang="en-US" dirty="0" smtClean="0"/>
-              <a:t>表达式</a:t>
-            </a:r>
-            <a:endParaRPr lang="en-US" altLang="zh-CN" dirty="0" smtClean="0"/>
-          </a:p>
-          <a:p>
-            <a:pPr lvl="1"/>
-            <a:r>
-              <a:rPr lang="zh-CN" altLang="en-US" dirty="0" smtClean="0"/>
-              <a:t>键或值中含有中文：</a:t>
-            </a:r>
-            <a:r>
-              <a:rPr lang="en-US" altLang="zh-CN" dirty="0" err="1" smtClean="0"/>
-              <a:t>json.loads</a:t>
-            </a:r>
-            <a:r>
-              <a:rPr lang="en-US" altLang="zh-CN" dirty="0" smtClean="0"/>
-              <a:t>(</a:t>
-            </a:r>
-            <a:r>
-              <a:rPr lang="en-US" altLang="zh-CN" dirty="0" err="1" smtClean="0"/>
-              <a:t>obj</a:t>
-            </a:r>
-            <a:r>
-              <a:rPr lang="en-US" altLang="zh-CN" dirty="0" smtClean="0"/>
-              <a:t>)</a:t>
-            </a:r>
-            <a:r>
-              <a:rPr lang="zh-CN" altLang="en-US" dirty="0" smtClean="0"/>
-              <a:t>之后，再次</a:t>
-            </a:r>
-            <a:r>
-              <a:rPr lang="en-US" altLang="zh-CN" dirty="0" smtClean="0"/>
-              <a:t>dumps</a:t>
-            </a:r>
-            <a:r>
-              <a:rPr lang="zh-CN" altLang="en-US" dirty="0" smtClean="0"/>
-              <a:t>，来显示中文</a:t>
-            </a:r>
-            <a:r>
-              <a:rPr lang="en-US" altLang="zh-CN" dirty="0" err="1" smtClean="0"/>
-              <a:t>json.dumps</a:t>
-            </a:r>
-            <a:r>
-              <a:rPr lang="en-US" altLang="zh-CN" dirty="0" smtClean="0"/>
-              <a:t>(data</a:t>
-            </a:r>
-            <a:r>
-              <a:rPr lang="en-US" altLang="zh-CN" dirty="0"/>
-              <a:t>, </a:t>
-            </a:r>
-            <a:r>
-              <a:rPr lang="en-US" altLang="zh-CN" dirty="0" err="1" smtClean="0"/>
-              <a:t>ensure_ascii</a:t>
-            </a:r>
-            <a:r>
-              <a:rPr lang="en-US" altLang="zh-CN" dirty="0" smtClean="0"/>
-              <a:t>=False)</a:t>
-            </a:r>
-            <a:r>
-              <a:rPr lang="zh-CN" altLang="en-US" dirty="0" smtClean="0"/>
-              <a:t>。</a:t>
-            </a:r>
-            <a:endParaRPr lang="en-US" altLang="zh-CN" dirty="0" smtClean="0"/>
-          </a:p>
-          <a:p>
-            <a:r>
-              <a:rPr lang="zh-CN" altLang="en-US" dirty="0" smtClean="0"/>
-              <a:t>另：</a:t>
-            </a:r>
-            <a:r>
-              <a:rPr lang="en-US" altLang="zh-CN" dirty="0" err="1" smtClean="0"/>
-              <a:t>json.dumps</a:t>
-            </a:r>
-            <a:r>
-              <a:rPr lang="zh-CN" altLang="en-US" dirty="0" smtClean="0"/>
-              <a:t>常用参数：</a:t>
-            </a:r>
-            <a:r>
-              <a:rPr lang="en-US" altLang="zh-CN" dirty="0" smtClean="0"/>
-              <a:t>key</a:t>
-            </a:r>
-            <a:r>
-              <a:rPr lang="zh-CN" altLang="en-US" dirty="0" smtClean="0"/>
-              <a:t>排序</a:t>
-            </a:r>
-            <a:r>
-              <a:rPr lang="en-US" altLang="zh-CN" dirty="0" err="1" smtClean="0"/>
-              <a:t>sort_keys</a:t>
-            </a:r>
-            <a:r>
-              <a:rPr lang="en-US" altLang="zh-CN" dirty="0" smtClean="0"/>
-              <a:t>=True, </a:t>
-            </a:r>
-            <a:r>
-              <a:rPr lang="zh-CN" altLang="en-US" dirty="0" smtClean="0"/>
-              <a:t>格式化输出</a:t>
-            </a:r>
-            <a:r>
-              <a:rPr lang="en-US" altLang="zh-CN" dirty="0" smtClean="0"/>
-              <a:t>indent=4</a:t>
-            </a:r>
             <a:endParaRPr lang="en-US" altLang="zh-CN" dirty="0" smtClean="0"/>
           </a:p>
         </p:txBody>
@@ -14900,7 +14835,7 @@
     </p:spTree>
     <p:extLst>
       <p:ext uri="{BB962C8B-B14F-4D97-AF65-F5344CB8AC3E}">
-        <p14:creationId xmlns:p14="http://schemas.microsoft.com/office/powerpoint/2010/main" val="4075824538"/>
+        <p14:creationId xmlns:p14="http://schemas.microsoft.com/office/powerpoint/2010/main" val="1191307897"/>
       </p:ext>
     </p:extLst>
   </p:cSld>
@@ -14942,7 +14877,11 @@
           <a:bodyPr/>
           <a:lstStyle/>
           <a:p>
-            <a:endParaRPr lang="zh-CN" altLang="en-US"/>
+            <a:r>
+              <a:rPr lang="zh-CN" altLang="en-US" dirty="0" smtClean="0"/>
+              <a:t>类的实例化</a:t>
+            </a:r>
+            <a:endParaRPr lang="zh-CN" altLang="en-US" dirty="0"/>
           </a:p>
         </p:txBody>
       </p:sp>
@@ -14961,14 +14900,48 @@
           <a:bodyPr/>
           <a:lstStyle/>
           <a:p>
-            <a:endParaRPr lang="zh-CN" altLang="en-US"/>
+            <a:r>
+              <a:rPr lang="zh-CN" altLang="en-US" dirty="0" smtClean="0"/>
+              <a:t>格式：直接 </a:t>
+            </a:r>
+            <a:r>
+              <a:rPr lang="en-US" altLang="zh-CN" dirty="0" err="1" smtClean="0"/>
+              <a:t>className</a:t>
+            </a:r>
+            <a:r>
+              <a:rPr lang="en-US" altLang="zh-CN" dirty="0" smtClean="0"/>
+              <a:t>(…)  </a:t>
+            </a:r>
+          </a:p>
+          <a:p>
+            <a:pPr lvl="1"/>
+            <a:r>
+              <a:rPr lang="zh-CN" altLang="en-US" dirty="0"/>
+              <a:t>调用的方法：</a:t>
+            </a:r>
+            <a:r>
+              <a:rPr lang="en-US" altLang="zh-CN" dirty="0"/>
+              <a:t>__</a:t>
+            </a:r>
+            <a:r>
+              <a:rPr lang="en-US" altLang="zh-CN" dirty="0" err="1"/>
+              <a:t>init</a:t>
+            </a:r>
+            <a:r>
+              <a:rPr lang="en-US" altLang="zh-CN" dirty="0"/>
+              <a:t>__()</a:t>
+            </a:r>
+            <a:endParaRPr lang="en-US" altLang="zh-CN" dirty="0" smtClean="0"/>
+          </a:p>
+          <a:p>
+            <a:endParaRPr lang="en-US" altLang="zh-CN" dirty="0" smtClean="0"/>
           </a:p>
         </p:txBody>
       </p:sp>
     </p:spTree>
     <p:extLst>
       <p:ext uri="{BB962C8B-B14F-4D97-AF65-F5344CB8AC3E}">
-        <p14:creationId xmlns:p14="http://schemas.microsoft.com/office/powerpoint/2010/main" val="4183830744"/>
+        <p14:creationId xmlns:p14="http://schemas.microsoft.com/office/powerpoint/2010/main" val="1601910119"/>
       </p:ext>
     </p:extLst>
   </p:cSld>
@@ -15011,8 +14984,12 @@
           <a:lstStyle/>
           <a:p>
             <a:r>
-              <a:rPr lang="zh-CN" altLang="en-US" dirty="0" smtClean="0"/>
-              <a:t>文件操作</a:t>
+              <a:rPr lang="zh-CN" altLang="en-US" dirty="0"/>
+              <a:t>封装、</a:t>
+            </a:r>
+            <a:r>
+              <a:rPr lang="zh-CN" altLang="en-US" dirty="0" smtClean="0"/>
+              <a:t>继承、多态</a:t>
             </a:r>
             <a:endParaRPr lang="zh-CN" altLang="en-US" dirty="0"/>
           </a:p>
@@ -15032,6 +15009,196 @@
         <p:txBody>
           <a:bodyPr/>
           <a:lstStyle/>
+          <a:p>
+            <a:r>
+              <a:rPr lang="zh-CN" altLang="en-US" dirty="0"/>
+              <a:t>封装： </a:t>
+            </a:r>
+            <a:r>
+              <a:rPr lang="zh-CN" altLang="en-US" dirty="0" smtClean="0"/>
+              <a:t>方法、属性以</a:t>
+            </a:r>
+            <a:r>
+              <a:rPr lang="en-US" altLang="zh-CN" dirty="0" smtClean="0"/>
+              <a:t>__</a:t>
+            </a:r>
+            <a:r>
+              <a:rPr lang="zh-CN" altLang="en-US" dirty="0" smtClean="0"/>
+              <a:t>开头即被私有化的，其他地方不能访问，包括子类，其他都</a:t>
+            </a:r>
+            <a:r>
+              <a:rPr lang="en-US" altLang="zh-CN" dirty="0" smtClean="0"/>
+              <a:t>				</a:t>
+            </a:r>
+            <a:r>
+              <a:rPr lang="zh-CN" altLang="en-US" dirty="0" smtClean="0"/>
+              <a:t>可以访问。</a:t>
+            </a:r>
+            <a:endParaRPr lang="en-US" altLang="zh-CN" dirty="0" smtClean="0"/>
+          </a:p>
+          <a:p>
+            <a:r>
+              <a:rPr lang="zh-CN" altLang="en-US" dirty="0" smtClean="0"/>
+              <a:t>继承</a:t>
+            </a:r>
+            <a:r>
+              <a:rPr lang="zh-CN" altLang="en-US" dirty="0"/>
+              <a:t>：需要显式从</a:t>
+            </a:r>
+            <a:r>
+              <a:rPr lang="en-US" altLang="zh-CN" dirty="0"/>
+              <a:t>object</a:t>
+            </a:r>
+            <a:r>
+              <a:rPr lang="zh-CN" altLang="en-US" dirty="0"/>
+              <a:t>继承：</a:t>
+            </a:r>
+            <a:r>
+              <a:rPr lang="en-US" altLang="zh-CN" dirty="0"/>
+              <a:t>class A(object):</a:t>
+            </a:r>
+            <a:r>
+              <a:rPr lang="en-US" altLang="zh-CN" dirty="0" smtClean="0"/>
+              <a:t>pass</a:t>
+            </a:r>
+          </a:p>
+          <a:p>
+            <a:pPr lvl="1"/>
+            <a:r>
+              <a:rPr lang="zh-CN" altLang="en-US" dirty="0"/>
+              <a:t>基类属性和方法的访问：用</a:t>
+            </a:r>
+            <a:r>
+              <a:rPr lang="en-US" altLang="zh-CN" dirty="0"/>
+              <a:t>self.</a:t>
+            </a:r>
+            <a:r>
+              <a:rPr lang="zh-CN" altLang="en-US" dirty="0"/>
+              <a:t>来访问到基类定义在类空间</a:t>
+            </a:r>
+            <a:r>
+              <a:rPr lang="zh-CN" altLang="en-US" dirty="0" smtClean="0"/>
+              <a:t>的非</a:t>
+            </a:r>
+            <a:r>
+              <a:rPr lang="en-US" altLang="zh-CN" dirty="0" smtClean="0"/>
+              <a:t>__</a:t>
+            </a:r>
+            <a:r>
+              <a:rPr lang="zh-CN" altLang="en-US" dirty="0" smtClean="0"/>
+              <a:t>开头的名称</a:t>
+            </a:r>
+            <a:endParaRPr lang="en-US" altLang="zh-CN" dirty="0" smtClean="0"/>
+          </a:p>
+          <a:p>
+            <a:r>
+              <a:rPr lang="zh-CN" altLang="en-US" dirty="0" smtClean="0"/>
+              <a:t>覆盖：同名方法里需要</a:t>
+            </a:r>
+            <a:r>
+              <a:rPr lang="zh-CN" altLang="en-US" dirty="0"/>
+              <a:t>访问父类同名方法</a:t>
+            </a:r>
+            <a:r>
+              <a:rPr lang="zh-CN" altLang="en-US" dirty="0" smtClean="0"/>
+              <a:t>：</a:t>
+            </a:r>
+            <a:endParaRPr lang="en-US" altLang="zh-CN" dirty="0" smtClean="0"/>
+          </a:p>
+          <a:p>
+            <a:pPr lvl="1"/>
+            <a:r>
+              <a:rPr lang="zh-CN" altLang="en-US" dirty="0" smtClean="0"/>
+              <a:t>静态方法：</a:t>
+            </a:r>
+            <a:r>
+              <a:rPr lang="en-US" altLang="zh-CN" dirty="0" err="1" smtClean="0"/>
+              <a:t>BaseClassName.methodName</a:t>
+            </a:r>
+            <a:r>
+              <a:rPr lang="en-US" altLang="zh-CN" dirty="0" smtClean="0"/>
+              <a:t>()</a:t>
+            </a:r>
+          </a:p>
+          <a:p>
+            <a:pPr lvl="1"/>
+            <a:r>
+              <a:rPr lang="zh-CN" altLang="en-US" dirty="0" smtClean="0"/>
+              <a:t>实例方法：</a:t>
+            </a:r>
+            <a:r>
+              <a:rPr lang="en-US" altLang="zh-CN" dirty="0" err="1" smtClean="0"/>
+              <a:t>BaseClassName</a:t>
+            </a:r>
+            <a:r>
+              <a:rPr lang="en-US" altLang="zh-CN" dirty="0" smtClean="0"/>
+              <a:t>().</a:t>
+            </a:r>
+            <a:r>
+              <a:rPr lang="en-US" altLang="zh-CN" dirty="0" err="1" smtClean="0"/>
+              <a:t>methodName</a:t>
+            </a:r>
+            <a:r>
+              <a:rPr lang="en-US" altLang="zh-CN" dirty="0" smtClean="0"/>
+              <a:t>()</a:t>
+            </a:r>
+          </a:p>
+          <a:p>
+            <a:r>
+              <a:rPr lang="zh-CN" altLang="en-US" dirty="0" smtClean="0"/>
+              <a:t>多态：继承和覆盖保证了多态：同一个方法，可以选择不同的实现。</a:t>
+            </a:r>
+            <a:r>
+              <a:rPr lang="zh-CN" altLang="en-US" dirty="0"/>
+              <a:t>既可以使用</a:t>
+            </a:r>
+            <a:r>
+              <a:rPr lang="zh-CN" altLang="en-US" dirty="0" smtClean="0"/>
+              <a:t>自</a:t>
+            </a:r>
+            <a:r>
+              <a:rPr lang="en-US" altLang="zh-CN" dirty="0" smtClean="0"/>
+              <a:t>				</a:t>
+            </a:r>
+            <a:r>
+              <a:rPr lang="zh-CN" altLang="en-US" dirty="0" smtClean="0"/>
+              <a:t>己</a:t>
+            </a:r>
+            <a:r>
+              <a:rPr lang="zh-CN" altLang="en-US" dirty="0"/>
+              <a:t>重写的同父类名</a:t>
+            </a:r>
+            <a:r>
+              <a:rPr lang="zh-CN" altLang="en-US" dirty="0" smtClean="0"/>
+              <a:t>方法来实现，</a:t>
+            </a:r>
+            <a:r>
+              <a:rPr lang="zh-CN" altLang="en-US" dirty="0"/>
+              <a:t>也</a:t>
+            </a:r>
+            <a:r>
+              <a:rPr lang="zh-CN" altLang="en-US" dirty="0" smtClean="0"/>
+              <a:t>可以直接使用父</a:t>
+            </a:r>
+            <a:r>
+              <a:rPr lang="zh-CN" altLang="en-US" dirty="0"/>
+              <a:t>类的</a:t>
+            </a:r>
+            <a:r>
+              <a:rPr lang="zh-CN" altLang="en-US" dirty="0" smtClean="0"/>
+              <a:t>方法实现。</a:t>
+            </a:r>
+            <a:endParaRPr lang="en-US" altLang="zh-CN" dirty="0" smtClean="0"/>
+          </a:p>
+          <a:p>
+            <a:pPr marL="457200" lvl="1" indent="0">
+              <a:buNone/>
+            </a:pPr>
+            <a:endParaRPr lang="en-US" altLang="zh-CN" dirty="0" smtClean="0"/>
+          </a:p>
+          <a:p>
+            <a:endParaRPr lang="en-US" altLang="zh-CN" dirty="0" smtClean="0"/>
+          </a:p>
           <a:p>
             <a:endParaRPr lang="zh-CN" altLang="en-US" dirty="0"/>
           </a:p>
@@ -15040,7 +15207,7 @@
     </p:spTree>
     <p:extLst>
       <p:ext uri="{BB962C8B-B14F-4D97-AF65-F5344CB8AC3E}">
-        <p14:creationId xmlns:p14="http://schemas.microsoft.com/office/powerpoint/2010/main" val="3969081383"/>
+        <p14:creationId xmlns:p14="http://schemas.microsoft.com/office/powerpoint/2010/main" val="2919723777"/>
       </p:ext>
     </p:extLst>
   </p:cSld>
@@ -15083,10 +15250,9 @@
           <a:lstStyle/>
           <a:p>
             <a:r>
-              <a:rPr lang="zh-CN" altLang="en-US" dirty="0" smtClean="0"/>
-              <a:t>数据库访问</a:t>
-            </a:r>
-            <a:endParaRPr lang="zh-CN" altLang="en-US" dirty="0"/>
+              <a:rPr lang="zh-CN" altLang="en-US" dirty="0"/>
+              <a:t>其他</a:t>
+            </a:r>
           </a:p>
         </p:txBody>
       </p:sp>
@@ -15105,14 +15271,147 @@
           <a:bodyPr/>
           <a:lstStyle/>
           <a:p>
-            <a:endParaRPr lang="zh-CN" altLang="en-US"/>
+            <a:r>
+              <a:rPr lang="zh-CN" altLang="en-US" dirty="0"/>
+              <a:t>空类的作用：</a:t>
+            </a:r>
+            <a:r>
+              <a:rPr lang="en-US" altLang="zh-CN" dirty="0"/>
+              <a:t>class A():pass </a:t>
+            </a:r>
+            <a:r>
+              <a:rPr lang="zh-CN" altLang="en-US" dirty="0"/>
+              <a:t>可以绑定数据结构：。比如 </a:t>
+            </a:r>
+            <a:r>
+              <a:rPr lang="en-US" altLang="zh-CN" dirty="0"/>
+              <a:t>a = A() </a:t>
+            </a:r>
+            <a:r>
+              <a:rPr lang="en-US" altLang="zh-CN" dirty="0" err="1"/>
+              <a:t>a.data</a:t>
+            </a:r>
+            <a:r>
+              <a:rPr lang="en-US" altLang="zh-CN" dirty="0"/>
+              <a:t> = ‘</a:t>
+            </a:r>
+            <a:r>
+              <a:rPr lang="en-US" altLang="zh-CN" dirty="0" err="1"/>
+              <a:t>abc</a:t>
+            </a:r>
+            <a:r>
+              <a:rPr lang="en-US" altLang="zh-CN" dirty="0"/>
+              <a:t>’  </a:t>
+            </a:r>
+            <a:r>
+              <a:rPr lang="zh-CN" altLang="en-US" dirty="0" smtClean="0"/>
+              <a:t>。</a:t>
+            </a:r>
+            <a:endParaRPr lang="en-US" altLang="zh-CN" dirty="0" smtClean="0"/>
+          </a:p>
+          <a:p>
+            <a:pPr marL="0" indent="0">
+              <a:buNone/>
+            </a:pPr>
+            <a:r>
+              <a:rPr lang="en-US" altLang="zh-CN" dirty="0" smtClean="0"/>
+              <a:t>				</a:t>
+            </a:r>
+            <a:r>
+              <a:rPr lang="zh-CN" altLang="en-US" dirty="0"/>
+              <a:t>因为实例可以新增属性</a:t>
+            </a:r>
+            <a:r>
+              <a:rPr lang="zh-CN" altLang="en-US" dirty="0" smtClean="0"/>
+              <a:t>。</a:t>
+            </a:r>
+            <a:endParaRPr lang="en-US" altLang="zh-CN" dirty="0"/>
+          </a:p>
+          <a:p>
+            <a:r>
+              <a:rPr lang="zh-CN" altLang="en-US" dirty="0" smtClean="0"/>
+              <a:t>相关函数：</a:t>
+            </a:r>
+            <a:endParaRPr lang="en-US" altLang="zh-CN" dirty="0" smtClean="0"/>
+          </a:p>
+          <a:p>
+            <a:pPr lvl="1"/>
+            <a:r>
+              <a:rPr lang="en-US" altLang="zh-CN" dirty="0" err="1" smtClean="0"/>
+              <a:t>isinstance</a:t>
+            </a:r>
+            <a:r>
+              <a:rPr lang="en-US" altLang="zh-CN" dirty="0" smtClean="0"/>
+              <a:t>(</a:t>
+            </a:r>
+            <a:r>
+              <a:rPr lang="en-US" altLang="zh-CN" dirty="0" err="1" smtClean="0"/>
+              <a:t>obj</a:t>
+            </a:r>
+            <a:r>
+              <a:rPr lang="en-US" altLang="zh-CN" dirty="0" smtClean="0"/>
+              <a:t>, type) </a:t>
+            </a:r>
+            <a:r>
+              <a:rPr lang="zh-CN" altLang="en-US" dirty="0" smtClean="0"/>
+              <a:t>类型判断</a:t>
+            </a:r>
+            <a:endParaRPr lang="en-US" altLang="zh-CN" dirty="0" smtClean="0"/>
+          </a:p>
+          <a:p>
+            <a:pPr lvl="1"/>
+            <a:r>
+              <a:rPr lang="en-US" altLang="zh-CN" dirty="0" err="1" smtClean="0"/>
+              <a:t>issubclass</a:t>
+            </a:r>
+            <a:r>
+              <a:rPr lang="en-US" altLang="zh-CN" dirty="0" smtClean="0"/>
+              <a:t>(subclass, superclass)</a:t>
+            </a:r>
+            <a:r>
+              <a:rPr lang="zh-CN" altLang="en-US" dirty="0" smtClean="0"/>
+              <a:t>是则为</a:t>
+            </a:r>
+            <a:r>
+              <a:rPr lang="en-US" altLang="zh-CN" dirty="0" smtClean="0"/>
+              <a:t>true</a:t>
+            </a:r>
+            <a:endParaRPr lang="en-US" altLang="zh-CN" dirty="0"/>
+          </a:p>
+          <a:p>
+            <a:pPr marL="0" indent="0">
+              <a:buNone/>
+            </a:pPr>
+            <a:r>
+              <a:rPr lang="en-US" altLang="zh-CN" dirty="0"/>
+              <a:t>				</a:t>
+            </a:r>
+          </a:p>
+          <a:p>
+            <a:pPr marL="0" indent="0">
+              <a:buNone/>
+            </a:pPr>
+            <a:endParaRPr lang="en-US" altLang="zh-CN" dirty="0" smtClean="0"/>
+          </a:p>
+          <a:p>
+            <a:pPr marL="0" indent="0">
+              <a:buNone/>
+            </a:pPr>
+            <a:r>
+              <a:rPr lang="en-US" altLang="zh-CN" dirty="0"/>
+              <a:t/>
+            </a:r>
+            <a:br>
+              <a:rPr lang="en-US" altLang="zh-CN" dirty="0"/>
+            </a:br>
+            <a:endParaRPr lang="en-US" altLang="zh-CN" dirty="0" smtClean="0"/>
           </a:p>
         </p:txBody>
       </p:sp>
     </p:spTree>
     <p:extLst>
       <p:ext uri="{BB962C8B-B14F-4D97-AF65-F5344CB8AC3E}">
-        <p14:creationId xmlns:p14="http://schemas.microsoft.com/office/powerpoint/2010/main" val="4080670722"/>
+        <p14:creationId xmlns:p14="http://schemas.microsoft.com/office/powerpoint/2010/main" val="3279869379"/>
       </p:ext>
     </p:extLst>
   </p:cSld>
@@ -15155,12 +15454,8 @@
           <a:lstStyle/>
           <a:p>
             <a:r>
-              <a:rPr lang="en-US" altLang="zh-CN" dirty="0" smtClean="0"/>
-              <a:t>http</a:t>
-            </a:r>
-            <a:r>
-              <a:rPr lang="zh-CN" altLang="en-US" dirty="0" smtClean="0"/>
-              <a:t>请求响应</a:t>
+              <a:rPr lang="zh-CN" altLang="en-US" dirty="0" smtClean="0"/>
+              <a:t>生成器</a:t>
             </a:r>
             <a:endParaRPr lang="zh-CN" altLang="en-US" dirty="0"/>
           </a:p>
@@ -15182,9 +15477,238 @@
           <a:lstStyle/>
           <a:p>
             <a:r>
-              <a:rPr lang="zh-CN" altLang="en-US" dirty="0" smtClean="0"/>
-              <a:t>注解编程</a:t>
-            </a:r>
+              <a:rPr lang="zh-CN" altLang="en-US" dirty="0"/>
+              <a:t>生成器型</a:t>
+            </a:r>
+            <a:r>
+              <a:rPr lang="zh-CN" altLang="en-US" dirty="0" smtClean="0"/>
+              <a:t>列表：定义：</a:t>
+            </a:r>
+            <a:r>
+              <a:rPr lang="en-US" altLang="zh-CN" dirty="0"/>
+              <a:t>gen = (</a:t>
+            </a:r>
+            <a:r>
+              <a:rPr lang="en-US" altLang="zh-CN" dirty="0" err="1"/>
+              <a:t>i</a:t>
+            </a:r>
+            <a:r>
+              <a:rPr lang="en-US" altLang="zh-CN" dirty="0"/>
+              <a:t> * </a:t>
+            </a:r>
+            <a:r>
+              <a:rPr lang="en-US" altLang="zh-CN" dirty="0" err="1"/>
+              <a:t>i</a:t>
+            </a:r>
+            <a:r>
+              <a:rPr lang="en-US" altLang="zh-CN" dirty="0"/>
+              <a:t> for </a:t>
+            </a:r>
+            <a:r>
+              <a:rPr lang="en-US" altLang="zh-CN" dirty="0" err="1"/>
+              <a:t>i</a:t>
+            </a:r>
+            <a:r>
+              <a:rPr lang="en-US" altLang="zh-CN" dirty="0"/>
+              <a:t> in range(1,100,1</a:t>
+            </a:r>
+            <a:r>
+              <a:rPr lang="en-US" altLang="zh-CN" dirty="0" smtClean="0"/>
+              <a:t>)) </a:t>
+            </a:r>
+            <a:r>
+              <a:rPr lang="zh-CN" altLang="en-US" dirty="0" smtClean="0"/>
+              <a:t>则</a:t>
+            </a:r>
+            <a:r>
+              <a:rPr lang="en-US" altLang="zh-CN" dirty="0" smtClean="0"/>
+              <a:t>gen</a:t>
+            </a:r>
+            <a:r>
+              <a:rPr lang="zh-CN" altLang="en-US" dirty="0" smtClean="0"/>
+              <a:t>是一个生成器</a:t>
+            </a:r>
+            <a:endParaRPr lang="en-US" altLang="zh-CN" dirty="0" smtClean="0"/>
+          </a:p>
+          <a:p>
+            <a:pPr lvl="1"/>
+            <a:r>
+              <a:rPr lang="zh-CN" altLang="en-US" dirty="0" smtClean="0"/>
+              <a:t>定义时，没有生成列表元素在内存中。迭代生成器时，每次迭代计算出下一个列表元素。</a:t>
+            </a:r>
+            <a:endParaRPr lang="en-US" altLang="zh-CN" dirty="0" smtClean="0"/>
+          </a:p>
+          <a:p>
+            <a:pPr lvl="1"/>
+            <a:r>
+              <a:rPr lang="zh-CN" altLang="en-US" dirty="0" smtClean="0"/>
+              <a:t>生成器是用来迭代的，且只能迭代一次。迭代完不会再产生元素。可以减少内存开销。</a:t>
+            </a:r>
+            <a:endParaRPr lang="en-US" altLang="zh-CN" dirty="0" smtClean="0"/>
+          </a:p>
+          <a:p>
+            <a:r>
+              <a:rPr lang="zh-CN" altLang="en-US" dirty="0" smtClean="0"/>
+              <a:t>函数里有</a:t>
+            </a:r>
+            <a:r>
+              <a:rPr lang="en-US" altLang="zh-CN" dirty="0" err="1" smtClean="0"/>
+              <a:t>yeild</a:t>
+            </a:r>
+            <a:r>
+              <a:rPr lang="zh-CN" altLang="en-US" dirty="0" smtClean="0"/>
+              <a:t>语句</a:t>
+            </a:r>
+            <a:r>
+              <a:rPr lang="en-US" altLang="zh-CN" dirty="0" smtClean="0"/>
+              <a:t>: </a:t>
+            </a:r>
+            <a:r>
+              <a:rPr lang="zh-CN" altLang="en-US" dirty="0" smtClean="0"/>
+              <a:t>调用函数返回</a:t>
+            </a:r>
+            <a:r>
+              <a:rPr lang="zh-CN" altLang="en-US" dirty="0"/>
+              <a:t>一个生成器</a:t>
+            </a:r>
+            <a:r>
+              <a:rPr lang="zh-CN" altLang="en-US" dirty="0" smtClean="0"/>
+              <a:t>对象。函数本身未执行。</a:t>
+            </a:r>
+            <a:endParaRPr lang="en-US" altLang="zh-CN" dirty="0" smtClean="0"/>
+          </a:p>
+          <a:p>
+            <a:pPr lvl="1"/>
+            <a:r>
+              <a:rPr lang="zh-CN" altLang="en-US" dirty="0" smtClean="0"/>
+              <a:t>迭代生成器：第一次迭代，执行函数到遇到</a:t>
+            </a:r>
+            <a:r>
+              <a:rPr lang="en-US" altLang="zh-CN" dirty="0" smtClean="0"/>
+              <a:t>yield</a:t>
+            </a:r>
+            <a:r>
+              <a:rPr lang="zh-CN" altLang="en-US" dirty="0" smtClean="0"/>
+              <a:t>语句</a:t>
+            </a:r>
+            <a:r>
+              <a:rPr lang="en-US" altLang="zh-CN" dirty="0" smtClean="0"/>
+              <a:t>,</a:t>
+            </a:r>
+            <a:r>
+              <a:rPr lang="zh-CN" altLang="en-US" dirty="0" smtClean="0"/>
+              <a:t>将</a:t>
+            </a:r>
+            <a:r>
+              <a:rPr lang="en-US" altLang="zh-CN" dirty="0" smtClean="0"/>
+              <a:t>yield</a:t>
+            </a:r>
+            <a:r>
+              <a:rPr lang="zh-CN" altLang="en-US" dirty="0" smtClean="0"/>
+              <a:t>后的表达式的值返回</a:t>
+            </a:r>
+            <a:r>
+              <a:rPr lang="en-US" altLang="zh-CN" dirty="0"/>
+              <a:t/>
+            </a:r>
+            <a:br>
+              <a:rPr lang="en-US" altLang="zh-CN" dirty="0"/>
+            </a:br>
+            <a:r>
+              <a:rPr lang="en-US" altLang="zh-CN" dirty="0" smtClean="0"/>
+              <a:t>				</a:t>
+            </a:r>
+            <a:r>
+              <a:rPr lang="zh-CN" altLang="en-US" dirty="0" smtClean="0"/>
+              <a:t>没遇到则退出迭代器。第二次迭代，继续</a:t>
+            </a:r>
+            <a:r>
+              <a:rPr lang="en-US" altLang="zh-CN" dirty="0" smtClean="0"/>
+              <a:t>yield</a:t>
+            </a:r>
+            <a:r>
+              <a:rPr lang="zh-CN" altLang="en-US" dirty="0" smtClean="0"/>
+              <a:t>语句的下一条语句，直至</a:t>
+            </a:r>
+            <a:r>
+              <a:rPr lang="en-US" altLang="zh-CN" dirty="0" smtClean="0"/>
+              <a:t>					</a:t>
+            </a:r>
+            <a:r>
+              <a:rPr lang="zh-CN" altLang="en-US" dirty="0" smtClean="0"/>
+              <a:t>再遇到</a:t>
+            </a:r>
+            <a:r>
+              <a:rPr lang="en-US" altLang="zh-CN" dirty="0" smtClean="0"/>
+              <a:t>yield</a:t>
+            </a:r>
+            <a:r>
+              <a:rPr lang="zh-CN" altLang="en-US" dirty="0" smtClean="0"/>
+              <a:t>语句，计算</a:t>
+            </a:r>
+            <a:r>
+              <a:rPr lang="en-US" altLang="zh-CN" dirty="0" smtClean="0"/>
+              <a:t>yield</a:t>
+            </a:r>
+            <a:r>
+              <a:rPr lang="zh-CN" altLang="en-US" dirty="0" smtClean="0"/>
+              <a:t>后的表达式的值返回。</a:t>
+            </a:r>
+            <a:r>
+              <a:rPr lang="en-US" altLang="zh-CN" dirty="0" smtClean="0"/>
+              <a:t>….</a:t>
+            </a:r>
+            <a:r>
+              <a:rPr lang="zh-CN" altLang="en-US" dirty="0" smtClean="0"/>
+              <a:t>直至函数执行完</a:t>
+            </a:r>
+            <a:endParaRPr lang="en-US" altLang="zh-CN" dirty="0" smtClean="0"/>
+          </a:p>
+          <a:p>
+            <a:pPr lvl="1"/>
+            <a:r>
+              <a:rPr lang="zh-CN" altLang="en-US" dirty="0" smtClean="0"/>
+              <a:t>用</a:t>
+            </a:r>
+            <a:r>
+              <a:rPr lang="en-US" altLang="zh-CN" dirty="0"/>
+              <a:t>next</a:t>
+            </a:r>
+            <a:r>
+              <a:rPr lang="zh-CN" altLang="en-US" dirty="0"/>
+              <a:t>或用</a:t>
+            </a:r>
+            <a:r>
+              <a:rPr lang="en-US" altLang="zh-CN" dirty="0"/>
+              <a:t>for in </a:t>
+            </a:r>
+            <a:r>
+              <a:rPr lang="zh-CN" altLang="en-US" dirty="0"/>
+              <a:t>才能让迭代器对象运行</a:t>
+            </a:r>
+            <a:r>
+              <a:rPr lang="en-US" altLang="zh-CN" dirty="0"/>
+              <a:t>-</a:t>
+            </a:r>
+            <a:r>
+              <a:rPr lang="zh-CN" altLang="en-US" dirty="0"/>
+              <a:t>取值退出</a:t>
+            </a:r>
+            <a:r>
+              <a:rPr lang="en-US" altLang="zh-CN" dirty="0"/>
+              <a:t>-</a:t>
+            </a:r>
+            <a:r>
+              <a:rPr lang="zh-CN" altLang="en-US" dirty="0"/>
+              <a:t>再</a:t>
+            </a:r>
+            <a:r>
+              <a:rPr lang="zh-CN" altLang="en-US" dirty="0" smtClean="0"/>
+              <a:t>运行</a:t>
+            </a:r>
+            <a:endParaRPr lang="en-US" altLang="zh-CN" dirty="0" smtClean="0"/>
+          </a:p>
+          <a:p>
             <a:endParaRPr lang="zh-CN" altLang="en-US" dirty="0"/>
           </a:p>
         </p:txBody>
@@ -15192,7 +15716,7 @@
     </p:spTree>
     <p:extLst>
       <p:ext uri="{BB962C8B-B14F-4D97-AF65-F5344CB8AC3E}">
-        <p14:creationId xmlns:p14="http://schemas.microsoft.com/office/powerpoint/2010/main" val="3370742648"/>
+        <p14:creationId xmlns:p14="http://schemas.microsoft.com/office/powerpoint/2010/main" val="952082166"/>
       </p:ext>
     </p:extLst>
   </p:cSld>
@@ -15319,7 +15843,7 @@
           <a:p>
             <a:r>
               <a:rPr lang="zh-CN" altLang="en-US" dirty="0" smtClean="0"/>
-              <a:t>多线程</a:t>
+              <a:t>闭包</a:t>
             </a:r>
             <a:endParaRPr lang="zh-CN" altLang="en-US" dirty="0"/>
           </a:p>
@@ -15342,14 +15866,138 @@
           <a:p>
             <a:r>
               <a:rPr lang="zh-CN" altLang="en-US" dirty="0" smtClean="0"/>
-              <a:t>同步</a:t>
+              <a:t>一个闭包是一个包含</a:t>
+            </a:r>
+            <a:r>
+              <a:rPr lang="zh-CN" altLang="en-US" dirty="0"/>
+              <a:t>独立的</a:t>
+            </a:r>
+            <a:r>
+              <a:rPr lang="zh-CN" altLang="en-US" dirty="0" smtClean="0"/>
+              <a:t>变量、函数的实体、实例。闭包之间不共享数据。</a:t>
             </a:r>
             <a:endParaRPr lang="en-US" altLang="zh-CN" dirty="0" smtClean="0"/>
           </a:p>
           <a:p>
             <a:r>
               <a:rPr lang="zh-CN" altLang="en-US" dirty="0" smtClean="0"/>
-              <a:t>锁机制</a:t>
+              <a:t>闭包的声明：</a:t>
+            </a:r>
+            <a:r>
+              <a:rPr lang="en-US" altLang="zh-CN" dirty="0" smtClean="0"/>
+              <a:t>{</a:t>
+            </a:r>
+            <a:r>
+              <a:rPr lang="en-US" altLang="zh-CN" dirty="0" err="1" smtClean="0"/>
+              <a:t>key:value</a:t>
+            </a:r>
+            <a:r>
+              <a:rPr lang="en-US" altLang="zh-CN" dirty="0" smtClean="0"/>
+              <a:t>,,,}//</a:t>
+            </a:r>
+            <a:r>
+              <a:rPr lang="en-US" altLang="zh-CN" dirty="0" err="1" smtClean="0"/>
+              <a:t>js</a:t>
+            </a:r>
+            <a:r>
+              <a:rPr lang="zh-CN" altLang="en-US" dirty="0" smtClean="0"/>
+              <a:t>中</a:t>
+            </a:r>
+            <a:r>
+              <a:rPr lang="en-US" altLang="zh-CN" dirty="0" smtClean="0"/>
+              <a:t>map</a:t>
+            </a:r>
+            <a:r>
+              <a:rPr lang="zh-CN" altLang="en-US" dirty="0" smtClean="0"/>
+              <a:t>、</a:t>
+            </a:r>
+            <a:r>
+              <a:rPr lang="en-US" altLang="zh-CN" dirty="0" err="1" smtClean="0"/>
+              <a:t>obj</a:t>
+            </a:r>
+            <a:r>
+              <a:rPr lang="zh-CN" altLang="en-US" dirty="0" smtClean="0"/>
+              <a:t>实例看作是快速的函数</a:t>
+            </a:r>
+            <a:endParaRPr lang="en-US" altLang="zh-CN" dirty="0" smtClean="0"/>
+          </a:p>
+          <a:p>
+            <a:pPr lvl="1"/>
+            <a:r>
+              <a:rPr lang="zh-CN" altLang="en-US" dirty="0" smtClean="0"/>
+              <a:t>闭包的性质：其中值为函数的函数可以访问到其他键值对。如</a:t>
+            </a:r>
+            <a:r>
+              <a:rPr lang="en-US" altLang="zh-CN" dirty="0" err="1" smtClean="0"/>
+              <a:t>js</a:t>
+            </a:r>
+            <a:r>
+              <a:rPr lang="zh-CN" altLang="en-US" dirty="0" smtClean="0"/>
+              <a:t>中</a:t>
+            </a:r>
+            <a:r>
+              <a:rPr lang="en-US" altLang="zh-CN" dirty="0" smtClean="0"/>
+              <a:t>,{}</a:t>
+            </a:r>
+            <a:r>
+              <a:rPr lang="zh-CN" altLang="en-US" dirty="0" smtClean="0"/>
+              <a:t>中的函数中可以用</a:t>
+            </a:r>
+            <a:r>
+              <a:rPr lang="en-US" altLang="zh-CN" dirty="0" smtClean="0"/>
+              <a:t>this</a:t>
+            </a:r>
+          </a:p>
+          <a:p>
+            <a:r>
+              <a:rPr lang="zh-CN" altLang="en-US" dirty="0" smtClean="0"/>
+              <a:t>内存空间中创建一个闭包：如内存空间中创建一个实体实例一样。</a:t>
+            </a:r>
+            <a:endParaRPr lang="en-US" altLang="zh-CN" dirty="0"/>
+          </a:p>
+          <a:p>
+            <a:r>
+              <a:rPr lang="zh-CN" altLang="en-US" dirty="0" smtClean="0"/>
+              <a:t>产生一个闭包：创建一个实例，调用一个返回自定义函数的函数。</a:t>
+            </a:r>
+            <a:endParaRPr lang="en-US" altLang="zh-CN" dirty="0" smtClean="0"/>
+          </a:p>
+          <a:p>
+            <a:r>
+              <a:rPr lang="zh-CN" altLang="en-US" dirty="0" smtClean="0"/>
+              <a:t>定义闭包的方便性：</a:t>
+            </a:r>
+            <a:r>
+              <a:rPr lang="en-US" altLang="zh-CN" dirty="0" err="1" smtClean="0"/>
+              <a:t>js</a:t>
+            </a:r>
+            <a:r>
+              <a:rPr lang="zh-CN" altLang="en-US" dirty="0" smtClean="0"/>
+              <a:t>直接定义一个实例，且后面可加属性。</a:t>
+            </a:r>
+            <a:r>
+              <a:rPr lang="en-US" altLang="zh-CN" dirty="0" smtClean="0"/>
+              <a:t>Python</a:t>
+            </a:r>
+            <a:r>
+              <a:rPr lang="zh-CN" altLang="en-US" dirty="0" smtClean="0"/>
+              <a:t>需要先定义方法</a:t>
+            </a:r>
+            <a:r>
+              <a:rPr lang="en-US" altLang="zh-CN" dirty="0" smtClean="0"/>
+              <a:t>-</a:t>
+            </a:r>
+            <a:r>
+              <a:rPr lang="zh-CN" altLang="en-US" dirty="0" smtClean="0"/>
+              <a:t>该方法才能访问到新属性，实例创建后可以新加属性。</a:t>
+            </a:r>
+            <a:r>
+              <a:rPr lang="en-US" altLang="zh-CN" dirty="0" smtClean="0"/>
+              <a:t>Java</a:t>
+            </a:r>
+            <a:r>
+              <a:rPr lang="zh-CN" altLang="en-US" dirty="0" smtClean="0"/>
+              <a:t>实例不能新加属性。</a:t>
             </a:r>
             <a:endParaRPr lang="zh-CN" altLang="en-US" dirty="0"/>
           </a:p>
@@ -15358,7 +16006,7 @@
     </p:spTree>
     <p:extLst>
       <p:ext uri="{BB962C8B-B14F-4D97-AF65-F5344CB8AC3E}">
-        <p14:creationId xmlns:p14="http://schemas.microsoft.com/office/powerpoint/2010/main" val="1730263351"/>
+        <p14:creationId xmlns:p14="http://schemas.microsoft.com/office/powerpoint/2010/main" val="1326787777"/>
       </p:ext>
     </p:extLst>
   </p:cSld>
@@ -15402,7 +16050,7 @@
           <a:p>
             <a:r>
               <a:rPr lang="zh-CN" altLang="en-US" dirty="0" smtClean="0"/>
-              <a:t>队列</a:t>
+              <a:t>注解</a:t>
             </a:r>
             <a:endParaRPr lang="zh-CN" altLang="en-US" dirty="0"/>
           </a:p>
@@ -15430,7 +16078,7 @@
     </p:spTree>
     <p:extLst>
       <p:ext uri="{BB962C8B-B14F-4D97-AF65-F5344CB8AC3E}">
-        <p14:creationId xmlns:p14="http://schemas.microsoft.com/office/powerpoint/2010/main" val="2818670026"/>
+        <p14:creationId xmlns:p14="http://schemas.microsoft.com/office/powerpoint/2010/main" val="529162244"/>
       </p:ext>
     </p:extLst>
   </p:cSld>
@@ -15474,7 +16122,7 @@
           <a:p>
             <a:r>
               <a:rPr lang="zh-CN" altLang="en-US" dirty="0" smtClean="0"/>
-              <a:t>数据处理</a:t>
+              <a:t>序列化、反序列化</a:t>
             </a:r>
             <a:endParaRPr lang="zh-CN" altLang="en-US" dirty="0"/>
           </a:p>
@@ -15492,17 +16140,452 @@
         </p:nvSpPr>
         <p:spPr/>
         <p:txBody>
-          <a:bodyPr/>
+          <a:bodyPr>
+            <a:normAutofit fontScale="92500" lnSpcReduction="10000"/>
+          </a:bodyPr>
           <a:lstStyle/>
           <a:p>
-            <a:endParaRPr lang="zh-CN" altLang="en-US"/>
+            <a:r>
+              <a:rPr lang="zh-CN" altLang="en-US" dirty="0"/>
+              <a:t>序列化：将一个</a:t>
+            </a:r>
+            <a:r>
+              <a:rPr lang="en-US" altLang="zh-CN" dirty="0"/>
+              <a:t>python</a:t>
+            </a:r>
+            <a:r>
+              <a:rPr lang="zh-CN" altLang="en-US" dirty="0"/>
+              <a:t>数据结构对象转换为</a:t>
+            </a:r>
+            <a:r>
+              <a:rPr lang="en-US" altLang="zh-CN" dirty="0" err="1"/>
+              <a:t>json</a:t>
+            </a:r>
+            <a:r>
+              <a:rPr lang="zh-CN" altLang="en-US" dirty="0"/>
+              <a:t>格式</a:t>
+            </a:r>
+            <a:r>
+              <a:rPr lang="zh-CN" altLang="en-US" dirty="0" smtClean="0"/>
+              <a:t>字符串</a:t>
+            </a:r>
+            <a:endParaRPr lang="en-US" altLang="zh-CN" dirty="0" smtClean="0"/>
+          </a:p>
+          <a:p>
+            <a:pPr lvl="1"/>
+            <a:r>
+              <a:rPr lang="zh-CN" altLang="en-US" dirty="0" smtClean="0"/>
+              <a:t>基本类型的序列化：</a:t>
+            </a:r>
+            <a:r>
+              <a:rPr lang="en-US" altLang="zh-CN" dirty="0" smtClean="0"/>
+              <a:t>int,float,,</a:t>
+            </a:r>
+            <a:r>
+              <a:rPr lang="en-US" altLang="zh-CN" dirty="0" err="1" smtClean="0"/>
+              <a:t>list,set,map</a:t>
+            </a:r>
+            <a:r>
+              <a:rPr lang="zh-CN" altLang="en-US" dirty="0" smtClean="0"/>
+              <a:t>使用</a:t>
+            </a:r>
+            <a:r>
+              <a:rPr lang="en-US" altLang="zh-CN" dirty="0" err="1" smtClean="0"/>
+              <a:t>json.dumps</a:t>
+            </a:r>
+            <a:r>
+              <a:rPr lang="en-US" altLang="zh-CN" dirty="0" smtClean="0"/>
+              <a:t>(a)</a:t>
+            </a:r>
+          </a:p>
+          <a:p>
+            <a:pPr lvl="1"/>
+            <a:r>
+              <a:rPr lang="zh-CN" altLang="en-US" dirty="0" smtClean="0"/>
+              <a:t>类实例的序列化：</a:t>
+            </a:r>
+            <a:r>
+              <a:rPr lang="en-US" altLang="zh-CN" dirty="0" err="1" smtClean="0"/>
+              <a:t>json.dumps</a:t>
+            </a:r>
+            <a:r>
+              <a:rPr lang="en-US" altLang="zh-CN" dirty="0" smtClean="0"/>
+              <a:t>(</a:t>
+            </a:r>
+            <a:r>
+              <a:rPr lang="en-US" altLang="zh-CN" dirty="0" err="1" smtClean="0"/>
+              <a:t>obj</a:t>
+            </a:r>
+            <a:r>
+              <a:rPr lang="en-US" altLang="zh-CN" dirty="0" smtClean="0"/>
+              <a:t>, default=</a:t>
+            </a:r>
+            <a:r>
+              <a:rPr lang="zh-CN" altLang="en-US" dirty="0" smtClean="0"/>
+              <a:t>返回字典的函数</a:t>
+            </a:r>
+            <a:r>
+              <a:rPr lang="en-US" altLang="zh-CN" dirty="0" smtClean="0"/>
+              <a:t>),</a:t>
+            </a:r>
+            <a:r>
+              <a:rPr lang="zh-CN" altLang="en-US" dirty="0" smtClean="0"/>
+              <a:t>函数常用</a:t>
+            </a:r>
+            <a:r>
+              <a:rPr lang="en-US" altLang="zh-CN" dirty="0" smtClean="0"/>
+              <a:t>lambda</a:t>
+            </a:r>
+            <a:r>
+              <a:rPr lang="zh-CN" altLang="en-US" dirty="0" smtClean="0"/>
+              <a:t>表达式</a:t>
+            </a:r>
+            <a:r>
+              <a:rPr lang="en-US" altLang="zh-CN" dirty="0" smtClean="0"/>
+              <a:t/>
+            </a:r>
+            <a:br>
+              <a:rPr lang="en-US" altLang="zh-CN" dirty="0" smtClean="0"/>
+            </a:br>
+            <a:r>
+              <a:rPr lang="en-US" altLang="zh-CN" dirty="0" smtClean="0"/>
+              <a:t>				</a:t>
+            </a:r>
+            <a:r>
+              <a:rPr lang="zh-CN" altLang="en-US" dirty="0" smtClean="0"/>
+              <a:t>如</a:t>
+            </a:r>
+            <a:r>
+              <a:rPr lang="en-US" altLang="zh-CN" dirty="0" err="1"/>
+              <a:t>obj</a:t>
+            </a:r>
+            <a:r>
+              <a:rPr lang="en-US" altLang="zh-CN" dirty="0" err="1" smtClean="0"/>
+              <a:t>_json</a:t>
+            </a:r>
+            <a:r>
+              <a:rPr lang="en-US" altLang="zh-CN" dirty="0" smtClean="0"/>
+              <a:t> </a:t>
+            </a:r>
+            <a:r>
+              <a:rPr lang="en-US" altLang="zh-CN" dirty="0"/>
+              <a:t>= </a:t>
+            </a:r>
+            <a:r>
+              <a:rPr lang="en-US" altLang="zh-CN" dirty="0" err="1" smtClean="0"/>
+              <a:t>json.dumps</a:t>
+            </a:r>
+            <a:r>
+              <a:rPr lang="en-US" altLang="zh-CN" dirty="0" smtClean="0"/>
+              <a:t>(</a:t>
+            </a:r>
+            <a:r>
+              <a:rPr lang="en-US" altLang="zh-CN" dirty="0" err="1" smtClean="0"/>
+              <a:t>obj</a:t>
+            </a:r>
+            <a:r>
+              <a:rPr lang="en-US" altLang="zh-CN" dirty="0" smtClean="0"/>
+              <a:t>, </a:t>
+            </a:r>
+            <a:r>
+              <a:rPr lang="en-US" altLang="zh-CN" dirty="0"/>
+              <a:t>default=lambda o : o.__</a:t>
+            </a:r>
+            <a:r>
+              <a:rPr lang="en-US" altLang="zh-CN" dirty="0" err="1"/>
+              <a:t>dict</a:t>
+            </a:r>
+            <a:r>
+              <a:rPr lang="en-US" altLang="zh-CN" dirty="0"/>
+              <a:t>__)</a:t>
+            </a:r>
+            <a:endParaRPr lang="en-US" altLang="zh-CN" dirty="0" smtClean="0"/>
+          </a:p>
+          <a:p>
+            <a:pPr lvl="1"/>
+            <a:r>
+              <a:rPr lang="zh-CN" altLang="en-US" dirty="0" smtClean="0"/>
+              <a:t>键或值含有中文：</a:t>
+            </a:r>
+            <a:r>
+              <a:rPr lang="en-US" altLang="zh-CN" dirty="0"/>
+              <a:t> </a:t>
+            </a:r>
+            <a:r>
+              <a:rPr lang="en-US" altLang="zh-CN" dirty="0" err="1" smtClean="0"/>
+              <a:t>json.dumps</a:t>
+            </a:r>
+            <a:r>
+              <a:rPr lang="en-US" altLang="zh-CN" dirty="0" smtClean="0"/>
+              <a:t>(data</a:t>
+            </a:r>
+            <a:r>
+              <a:rPr lang="en-US" altLang="zh-CN" dirty="0"/>
+              <a:t>, </a:t>
+            </a:r>
+            <a:r>
+              <a:rPr lang="en-US" altLang="zh-CN" dirty="0" err="1" smtClean="0"/>
+              <a:t>ensure_ascii</a:t>
+            </a:r>
+            <a:r>
+              <a:rPr lang="en-US" altLang="zh-CN" dirty="0" smtClean="0"/>
+              <a:t>=False)</a:t>
+            </a:r>
+            <a:r>
+              <a:rPr lang="zh-CN" altLang="en-US" dirty="0" smtClean="0"/>
+              <a:t>默认中文编码是</a:t>
+            </a:r>
+            <a:r>
+              <a:rPr lang="en-US" altLang="zh-CN" dirty="0" smtClean="0"/>
+              <a:t>Unicode</a:t>
+            </a:r>
+            <a:br>
+              <a:rPr lang="en-US" altLang="zh-CN" dirty="0" smtClean="0"/>
+            </a:br>
+            <a:r>
+              <a:rPr lang="en-US" altLang="zh-CN" dirty="0" smtClean="0"/>
+              <a:t>				  </a:t>
+            </a:r>
+            <a:r>
+              <a:rPr lang="zh-CN" altLang="en-US" dirty="0" smtClean="0"/>
+              <a:t>对于显示和输出到文件，中文就不会是</a:t>
+            </a:r>
+            <a:r>
+              <a:rPr lang="en-US" altLang="zh-CN" dirty="0" err="1" smtClean="0"/>
+              <a:t>unicode</a:t>
+            </a:r>
+            <a:r>
+              <a:rPr lang="zh-CN" altLang="en-US" dirty="0" smtClean="0"/>
+              <a:t>代码</a:t>
+            </a:r>
+            <a:endParaRPr lang="en-US" altLang="zh-CN" dirty="0" smtClean="0"/>
+          </a:p>
+          <a:p>
+            <a:r>
+              <a:rPr lang="zh-CN" altLang="en-US" dirty="0"/>
+              <a:t>反序列化</a:t>
+            </a:r>
+            <a:r>
+              <a:rPr lang="zh-CN" altLang="en-US" dirty="0" smtClean="0"/>
+              <a:t>：</a:t>
+            </a:r>
+            <a:r>
+              <a:rPr lang="en-US" altLang="zh-CN" dirty="0"/>
+              <a:t> </a:t>
+            </a:r>
+            <a:r>
+              <a:rPr lang="en-US" altLang="zh-CN" dirty="0" err="1"/>
+              <a:t>json</a:t>
+            </a:r>
+            <a:r>
+              <a:rPr lang="zh-CN" altLang="en-US" dirty="0"/>
+              <a:t>格式</a:t>
+            </a:r>
+            <a:r>
+              <a:rPr lang="zh-CN" altLang="en-US" dirty="0" smtClean="0"/>
+              <a:t>字符串转换为</a:t>
+            </a:r>
+            <a:r>
+              <a:rPr lang="zh-CN" altLang="en-US" dirty="0"/>
+              <a:t>一个</a:t>
+            </a:r>
+            <a:r>
+              <a:rPr lang="en-US" altLang="zh-CN" dirty="0"/>
+              <a:t>python</a:t>
+            </a:r>
+            <a:r>
+              <a:rPr lang="zh-CN" altLang="en-US" dirty="0"/>
+              <a:t>数据结构</a:t>
+            </a:r>
+            <a:r>
+              <a:rPr lang="zh-CN" altLang="en-US" dirty="0" smtClean="0"/>
+              <a:t>对象</a:t>
+            </a:r>
+            <a:endParaRPr lang="en-US" altLang="zh-CN" dirty="0" smtClean="0"/>
+          </a:p>
+          <a:p>
+            <a:pPr lvl="1"/>
+            <a:r>
+              <a:rPr lang="zh-CN" altLang="en-US" dirty="0" smtClean="0"/>
+              <a:t>基本类型的反序列化：</a:t>
+            </a:r>
+            <a:r>
+              <a:rPr lang="en-US" altLang="zh-CN" dirty="0"/>
+              <a:t> int,float,,</a:t>
+            </a:r>
+            <a:r>
+              <a:rPr lang="en-US" altLang="zh-CN" dirty="0" err="1"/>
+              <a:t>list,set,map</a:t>
+            </a:r>
+            <a:r>
+              <a:rPr lang="zh-CN" altLang="en-US" dirty="0" smtClean="0"/>
+              <a:t>使用</a:t>
+            </a:r>
+            <a:r>
+              <a:rPr lang="en-US" altLang="zh-CN" dirty="0" err="1" smtClean="0"/>
+              <a:t>json.loads</a:t>
+            </a:r>
+            <a:r>
+              <a:rPr lang="en-US" altLang="zh-CN" dirty="0" smtClean="0"/>
+              <a:t>(a)</a:t>
+            </a:r>
+          </a:p>
+          <a:p>
+            <a:pPr lvl="1"/>
+            <a:r>
+              <a:rPr lang="zh-CN" altLang="en-US" dirty="0" smtClean="0"/>
+              <a:t>类实例的反序列化：</a:t>
+            </a:r>
+            <a:r>
+              <a:rPr lang="en-US" altLang="zh-CN" dirty="0" err="1" smtClean="0"/>
+              <a:t>json.loads</a:t>
+            </a:r>
+            <a:r>
+              <a:rPr lang="en-US" altLang="zh-CN" dirty="0" smtClean="0"/>
+              <a:t>(</a:t>
+            </a:r>
+            <a:r>
+              <a:rPr lang="en-US" altLang="zh-CN" dirty="0" err="1" smtClean="0"/>
+              <a:t>obj</a:t>
+            </a:r>
+            <a:r>
+              <a:rPr lang="en-US" altLang="zh-CN" dirty="0" smtClean="0"/>
+              <a:t>, </a:t>
+            </a:r>
+            <a:r>
+              <a:rPr lang="en-US" altLang="zh-CN" dirty="0" err="1" smtClean="0"/>
+              <a:t>object_hook</a:t>
+            </a:r>
+            <a:r>
+              <a:rPr lang="en-US" altLang="zh-CN" dirty="0" smtClean="0"/>
+              <a:t>=</a:t>
+            </a:r>
+            <a:r>
+              <a:rPr lang="zh-CN" altLang="en-US" dirty="0" smtClean="0"/>
+              <a:t>返回对象的函数</a:t>
+            </a:r>
+            <a:r>
+              <a:rPr lang="en-US" altLang="zh-CN" dirty="0" smtClean="0"/>
+              <a:t>)</a:t>
+            </a:r>
+            <a:r>
+              <a:rPr lang="zh-CN" altLang="en-US" dirty="0" smtClean="0"/>
+              <a:t>函数可用</a:t>
+            </a:r>
+            <a:r>
+              <a:rPr lang="en-US" altLang="zh-CN" dirty="0" smtClean="0"/>
+              <a:t>lambda</a:t>
+            </a:r>
+            <a:r>
+              <a:rPr lang="zh-CN" altLang="en-US" dirty="0" smtClean="0"/>
+              <a:t>表达式</a:t>
+            </a:r>
+            <a:endParaRPr lang="en-US" altLang="zh-CN" dirty="0" smtClean="0"/>
+          </a:p>
+          <a:p>
+            <a:pPr lvl="1"/>
+            <a:r>
+              <a:rPr lang="zh-CN" altLang="en-US" dirty="0" smtClean="0"/>
+              <a:t>键或值中含有中文：</a:t>
+            </a:r>
+            <a:r>
+              <a:rPr lang="en-US" altLang="zh-CN" dirty="0" err="1" smtClean="0"/>
+              <a:t>json.loads</a:t>
+            </a:r>
+            <a:r>
+              <a:rPr lang="en-US" altLang="zh-CN" dirty="0" smtClean="0"/>
+              <a:t>(</a:t>
+            </a:r>
+            <a:r>
+              <a:rPr lang="en-US" altLang="zh-CN" dirty="0" err="1" smtClean="0"/>
+              <a:t>obj</a:t>
+            </a:r>
+            <a:r>
+              <a:rPr lang="en-US" altLang="zh-CN" dirty="0" smtClean="0"/>
+              <a:t>)</a:t>
+            </a:r>
+            <a:r>
+              <a:rPr lang="zh-CN" altLang="en-US" dirty="0" smtClean="0"/>
+              <a:t>之后，再次</a:t>
+            </a:r>
+            <a:r>
+              <a:rPr lang="en-US" altLang="zh-CN" dirty="0" smtClean="0"/>
+              <a:t>dumps</a:t>
+            </a:r>
+            <a:r>
+              <a:rPr lang="zh-CN" altLang="en-US" dirty="0" smtClean="0"/>
+              <a:t>，来显示中文</a:t>
+            </a:r>
+            <a:r>
+              <a:rPr lang="en-US" altLang="zh-CN" dirty="0" err="1" smtClean="0"/>
+              <a:t>json.dumps</a:t>
+            </a:r>
+            <a:r>
+              <a:rPr lang="en-US" altLang="zh-CN" dirty="0" smtClean="0"/>
+              <a:t>(data</a:t>
+            </a:r>
+            <a:r>
+              <a:rPr lang="en-US" altLang="zh-CN" dirty="0"/>
+              <a:t>, </a:t>
+            </a:r>
+            <a:r>
+              <a:rPr lang="en-US" altLang="zh-CN" dirty="0" err="1" smtClean="0"/>
+              <a:t>ensure_ascii</a:t>
+            </a:r>
+            <a:r>
+              <a:rPr lang="en-US" altLang="zh-CN" dirty="0" smtClean="0"/>
+              <a:t>=False)</a:t>
+            </a:r>
+            <a:r>
+              <a:rPr lang="zh-CN" altLang="en-US" dirty="0" smtClean="0"/>
+              <a:t>。</a:t>
+            </a:r>
+            <a:endParaRPr lang="en-US" altLang="zh-CN" dirty="0" smtClean="0"/>
+          </a:p>
+          <a:p>
+            <a:r>
+              <a:rPr lang="zh-CN" altLang="en-US" dirty="0" smtClean="0"/>
+              <a:t>另：</a:t>
+            </a:r>
+            <a:r>
+              <a:rPr lang="en-US" altLang="zh-CN" dirty="0" err="1" smtClean="0"/>
+              <a:t>json.dumps</a:t>
+            </a:r>
+            <a:r>
+              <a:rPr lang="zh-CN" altLang="en-US" dirty="0" smtClean="0"/>
+              <a:t>常用参数：</a:t>
+            </a:r>
+            <a:r>
+              <a:rPr lang="en-US" altLang="zh-CN" dirty="0" smtClean="0"/>
+              <a:t>key</a:t>
+            </a:r>
+            <a:r>
+              <a:rPr lang="zh-CN" altLang="en-US" dirty="0" smtClean="0"/>
+              <a:t>排序</a:t>
+            </a:r>
+            <a:r>
+              <a:rPr lang="en-US" altLang="zh-CN" dirty="0" err="1" smtClean="0"/>
+              <a:t>sort_keys</a:t>
+            </a:r>
+            <a:r>
+              <a:rPr lang="en-US" altLang="zh-CN" dirty="0" smtClean="0"/>
+              <a:t>=True, </a:t>
+            </a:r>
+            <a:r>
+              <a:rPr lang="zh-CN" altLang="en-US" dirty="0" smtClean="0"/>
+              <a:t>格式化输出</a:t>
+            </a:r>
+            <a:r>
+              <a:rPr lang="en-US" altLang="zh-CN" dirty="0" smtClean="0"/>
+              <a:t>indent=4</a:t>
+            </a:r>
           </a:p>
         </p:txBody>
       </p:sp>
     </p:spTree>
     <p:extLst>
       <p:ext uri="{BB962C8B-B14F-4D97-AF65-F5344CB8AC3E}">
-        <p14:creationId xmlns:p14="http://schemas.microsoft.com/office/powerpoint/2010/main" val="2578548746"/>
+        <p14:creationId xmlns:p14="http://schemas.microsoft.com/office/powerpoint/2010/main" val="4075824538"/>
       </p:ext>
     </p:extLst>
   </p:cSld>
@@ -15544,11 +16627,7 @@
           <a:bodyPr/>
           <a:lstStyle/>
           <a:p>
-            <a:r>
-              <a:rPr lang="zh-CN" altLang="en-US" dirty="0" smtClean="0"/>
-              <a:t>数据可视化</a:t>
-            </a:r>
-            <a:endParaRPr lang="zh-CN" altLang="en-US" dirty="0"/>
+            <a:endParaRPr lang="zh-CN" altLang="en-US"/>
           </a:p>
         </p:txBody>
       </p:sp>
@@ -15567,25 +16646,14 @@
           <a:bodyPr/>
           <a:lstStyle/>
           <a:p>
-            <a:r>
-              <a:rPr lang="zh-CN" altLang="en-US" dirty="0" smtClean="0"/>
-              <a:t>二维码生成</a:t>
-            </a:r>
-            <a:endParaRPr lang="en-US" altLang="zh-CN" dirty="0" smtClean="0"/>
-          </a:p>
-          <a:p>
-            <a:r>
-              <a:rPr lang="zh-CN" altLang="en-US" dirty="0" smtClean="0"/>
-              <a:t>统计图表</a:t>
-            </a:r>
-            <a:endParaRPr lang="zh-CN" altLang="en-US" dirty="0"/>
+            <a:endParaRPr lang="zh-CN" altLang="en-US"/>
           </a:p>
         </p:txBody>
       </p:sp>
     </p:spTree>
     <p:extLst>
       <p:ext uri="{BB962C8B-B14F-4D97-AF65-F5344CB8AC3E}">
-        <p14:creationId xmlns:p14="http://schemas.microsoft.com/office/powerpoint/2010/main" val="3239262355"/>
+        <p14:creationId xmlns:p14="http://schemas.microsoft.com/office/powerpoint/2010/main" val="4183830744"/>
       </p:ext>
     </p:extLst>
   </p:cSld>
@@ -15624,63 +16692,32 @@
         </p:nvSpPr>
         <p:spPr/>
         <p:txBody>
-          <a:bodyPr>
-            <a:normAutofit fontScale="90000"/>
-          </a:bodyPr>
-          <a:lstStyle/>
-          <a:p>
-            <a:r>
-              <a:rPr lang="zh-CN" altLang="en-US" dirty="0" smtClean="0"/>
-              <a:t>网络通信</a:t>
-            </a:r>
-            <a:r>
-              <a:rPr lang="en-US" altLang="zh-CN" dirty="0" smtClean="0"/>
-              <a:t>	</a:t>
-            </a:r>
-            <a:br>
-              <a:rPr lang="en-US" altLang="zh-CN" dirty="0" smtClean="0"/>
-            </a:br>
-            <a:r>
-              <a:rPr lang="en-US" altLang="zh-CN" dirty="0"/>
-              <a:t/>
-            </a:r>
-            <a:br>
-              <a:rPr lang="en-US" altLang="zh-CN" dirty="0"/>
-            </a:br>
-            <a:r>
-              <a:rPr lang="en-US" altLang="zh-CN" dirty="0" smtClean="0"/>
-              <a:t/>
-            </a:r>
-            <a:br>
-              <a:rPr lang="en-US" altLang="zh-CN" dirty="0" smtClean="0"/>
-            </a:br>
-            <a:endParaRPr lang="zh-CN" altLang="en-US" dirty="0"/>
-          </a:p>
-        </p:txBody>
-      </p:sp>
-      <p:sp>
-        <p:nvSpPr>
-          <p:cNvPr id="3" name="内容占位符 2"/>
-          <p:cNvSpPr>
-            <a:spLocks noGrp="1"/>
-          </p:cNvSpPr>
-          <p:nvPr>
-            <p:ph idx="1"/>
-          </p:nvPr>
-        </p:nvSpPr>
-        <p:spPr/>
-        <p:txBody>
           <a:bodyPr/>
           <a:lstStyle/>
           <a:p>
             <a:r>
-              <a:rPr lang="en-US" altLang="zh-CN" dirty="0" smtClean="0"/>
-              <a:t>Socket</a:t>
-            </a:r>
-            <a:r>
-              <a:rPr lang="zh-CN" altLang="en-US" dirty="0" smtClean="0"/>
-              <a:t>编程</a:t>
-            </a:r>
+              <a:rPr lang="zh-CN" altLang="en-US" dirty="0" smtClean="0"/>
+              <a:t>文件操作</a:t>
+            </a:r>
+            <a:endParaRPr lang="zh-CN" altLang="en-US" dirty="0"/>
+          </a:p>
+        </p:txBody>
+      </p:sp>
+      <p:sp>
+        <p:nvSpPr>
+          <p:cNvPr id="3" name="内容占位符 2"/>
+          <p:cNvSpPr>
+            <a:spLocks noGrp="1"/>
+          </p:cNvSpPr>
+          <p:nvPr>
+            <p:ph idx="1"/>
+          </p:nvPr>
+        </p:nvSpPr>
+        <p:spPr/>
+        <p:txBody>
+          <a:bodyPr/>
+          <a:lstStyle/>
+          <a:p>
             <a:endParaRPr lang="zh-CN" altLang="en-US" dirty="0"/>
           </a:p>
         </p:txBody>
@@ -15688,7 +16725,7 @@
     </p:spTree>
     <p:extLst>
       <p:ext uri="{BB962C8B-B14F-4D97-AF65-F5344CB8AC3E}">
-        <p14:creationId xmlns:p14="http://schemas.microsoft.com/office/powerpoint/2010/main" val="4022811799"/>
+        <p14:creationId xmlns:p14="http://schemas.microsoft.com/office/powerpoint/2010/main" val="3969081383"/>
       </p:ext>
     </p:extLst>
   </p:cSld>
@@ -15731,12 +16768,8 @@
           <a:lstStyle/>
           <a:p>
             <a:r>
-              <a:rPr lang="en-US" altLang="zh-CN" dirty="0" smtClean="0"/>
-              <a:t>Django</a:t>
-            </a:r>
-            <a:r>
-              <a:rPr lang="zh-CN" altLang="en-US" dirty="0" smtClean="0"/>
-              <a:t>网站开发</a:t>
+              <a:rPr lang="zh-CN" altLang="en-US" dirty="0" smtClean="0"/>
+              <a:t>数据库访问</a:t>
             </a:r>
             <a:endParaRPr lang="zh-CN" altLang="en-US" dirty="0"/>
           </a:p>
@@ -15764,7 +16797,7 @@
     </p:spTree>
     <p:extLst>
       <p:ext uri="{BB962C8B-B14F-4D97-AF65-F5344CB8AC3E}">
-        <p14:creationId xmlns:p14="http://schemas.microsoft.com/office/powerpoint/2010/main" val="2236027332"/>
+        <p14:creationId xmlns:p14="http://schemas.microsoft.com/office/powerpoint/2010/main" val="4080670722"/>
       </p:ext>
     </p:extLst>
   </p:cSld>
@@ -15807,12 +16840,12 @@
           <a:lstStyle/>
           <a:p>
             <a:r>
-              <a:rPr lang="zh-CN" altLang="en-US" dirty="0" smtClean="0"/>
-              <a:t>访问</a:t>
-            </a:r>
-            <a:r>
-              <a:rPr lang="en-US" altLang="zh-CN" dirty="0" err="1" smtClean="0"/>
-              <a:t>Hadoop,spark,hbase</a:t>
+              <a:rPr lang="en-US" altLang="zh-CN" dirty="0" smtClean="0"/>
+              <a:t>http</a:t>
+            </a:r>
+            <a:r>
+              <a:rPr lang="zh-CN" altLang="en-US" dirty="0" smtClean="0"/>
+              <a:t>请求响应</a:t>
             </a:r>
             <a:endParaRPr lang="zh-CN" altLang="en-US" dirty="0"/>
           </a:p>
@@ -15833,14 +16866,18 @@
           <a:bodyPr/>
           <a:lstStyle/>
           <a:p>
-            <a:endParaRPr lang="zh-CN" altLang="en-US"/>
+            <a:r>
+              <a:rPr lang="zh-CN" altLang="en-US" dirty="0" smtClean="0"/>
+              <a:t>注解编程</a:t>
+            </a:r>
+            <a:endParaRPr lang="zh-CN" altLang="en-US" dirty="0"/>
           </a:p>
         </p:txBody>
       </p:sp>
     </p:spTree>
     <p:extLst>
       <p:ext uri="{BB962C8B-B14F-4D97-AF65-F5344CB8AC3E}">
-        <p14:creationId xmlns:p14="http://schemas.microsoft.com/office/powerpoint/2010/main" val="2792535085"/>
+        <p14:creationId xmlns:p14="http://schemas.microsoft.com/office/powerpoint/2010/main" val="3370742648"/>
       </p:ext>
     </p:extLst>
   </p:cSld>
@@ -15883,12 +16920,8 @@
           <a:lstStyle/>
           <a:p>
             <a:r>
-              <a:rPr lang="en-US" altLang="zh-CN" dirty="0" smtClean="0"/>
-              <a:t>python</a:t>
-            </a:r>
-            <a:r>
-              <a:rPr lang="zh-CN" altLang="en-US" dirty="0" smtClean="0"/>
-              <a:t>机器学习</a:t>
+              <a:rPr lang="zh-CN" altLang="en-US" dirty="0" smtClean="0"/>
+              <a:t>多线程</a:t>
             </a:r>
             <a:endParaRPr lang="zh-CN" altLang="en-US" dirty="0"/>
           </a:p>
@@ -15909,14 +16942,25 @@
           <a:bodyPr/>
           <a:lstStyle/>
           <a:p>
-            <a:endParaRPr lang="zh-CN" altLang="en-US"/>
+            <a:r>
+              <a:rPr lang="zh-CN" altLang="en-US" dirty="0" smtClean="0"/>
+              <a:t>同步</a:t>
+            </a:r>
+            <a:endParaRPr lang="en-US" altLang="zh-CN" dirty="0" smtClean="0"/>
+          </a:p>
+          <a:p>
+            <a:r>
+              <a:rPr lang="zh-CN" altLang="en-US" dirty="0" smtClean="0"/>
+              <a:t>锁机制</a:t>
+            </a:r>
+            <a:endParaRPr lang="zh-CN" altLang="en-US" dirty="0"/>
           </a:p>
         </p:txBody>
       </p:sp>
     </p:spTree>
     <p:extLst>
       <p:ext uri="{BB962C8B-B14F-4D97-AF65-F5344CB8AC3E}">
-        <p14:creationId xmlns:p14="http://schemas.microsoft.com/office/powerpoint/2010/main" val="1915904830"/>
+        <p14:creationId xmlns:p14="http://schemas.microsoft.com/office/powerpoint/2010/main" val="1730263351"/>
       </p:ext>
     </p:extLst>
   </p:cSld>
@@ -15958,6 +17002,10 @@
           <a:bodyPr/>
           <a:lstStyle/>
           <a:p>
+            <a:r>
+              <a:rPr lang="zh-CN" altLang="en-US" dirty="0" smtClean="0"/>
+              <a:t>队列</a:t>
+            </a:r>
             <a:endParaRPr lang="zh-CN" altLang="en-US" dirty="0"/>
           </a:p>
         </p:txBody>
@@ -15984,7 +17032,7 @@
     </p:spTree>
     <p:extLst>
       <p:ext uri="{BB962C8B-B14F-4D97-AF65-F5344CB8AC3E}">
-        <p14:creationId xmlns:p14="http://schemas.microsoft.com/office/powerpoint/2010/main" val="1286602601"/>
+        <p14:creationId xmlns:p14="http://schemas.microsoft.com/office/powerpoint/2010/main" val="2818670026"/>
       </p:ext>
     </p:extLst>
   </p:cSld>
@@ -16026,7 +17074,11 @@
           <a:bodyPr/>
           <a:lstStyle/>
           <a:p>
-            <a:endParaRPr lang="zh-CN" altLang="en-US"/>
+            <a:r>
+              <a:rPr lang="zh-CN" altLang="en-US" dirty="0" smtClean="0"/>
+              <a:t>数据处理</a:t>
+            </a:r>
+            <a:endParaRPr lang="zh-CN" altLang="en-US" dirty="0"/>
           </a:p>
         </p:txBody>
       </p:sp>
@@ -16052,7 +17104,7 @@
     </p:spTree>
     <p:extLst>
       <p:ext uri="{BB962C8B-B14F-4D97-AF65-F5344CB8AC3E}">
-        <p14:creationId xmlns:p14="http://schemas.microsoft.com/office/powerpoint/2010/main" val="2102222352"/>
+        <p14:creationId xmlns:p14="http://schemas.microsoft.com/office/powerpoint/2010/main" val="2578548746"/>
       </p:ext>
     </p:extLst>
   </p:cSld>
@@ -16162,6 +17214,556 @@
 </file>
 
 <file path=ppt/slides/slide50.xml><?xml version="1.0" encoding="utf-8"?>
+<p:sld xmlns:a="http://schemas.openxmlformats.org/drawingml/2006/main" xmlns:r="http://schemas.openxmlformats.org/officeDocument/2006/relationships" xmlns:p="http://schemas.openxmlformats.org/presentationml/2006/main">
+  <p:cSld>
+    <p:spTree>
+      <p:nvGrpSpPr>
+        <p:cNvPr id="1" name=""/>
+        <p:cNvGrpSpPr/>
+        <p:nvPr/>
+      </p:nvGrpSpPr>
+      <p:grpSpPr>
+        <a:xfrm>
+          <a:off x="0" y="0"/>
+          <a:ext cx="0" cy="0"/>
+          <a:chOff x="0" y="0"/>
+          <a:chExt cx="0" cy="0"/>
+        </a:xfrm>
+      </p:grpSpPr>
+      <p:sp>
+        <p:nvSpPr>
+          <p:cNvPr id="2" name="标题 1"/>
+          <p:cNvSpPr>
+            <a:spLocks noGrp="1"/>
+          </p:cNvSpPr>
+          <p:nvPr>
+            <p:ph type="title"/>
+          </p:nvPr>
+        </p:nvSpPr>
+        <p:spPr/>
+        <p:txBody>
+          <a:bodyPr/>
+          <a:lstStyle/>
+          <a:p>
+            <a:r>
+              <a:rPr lang="zh-CN" altLang="en-US" dirty="0" smtClean="0"/>
+              <a:t>数据可视化</a:t>
+            </a:r>
+            <a:endParaRPr lang="zh-CN" altLang="en-US" dirty="0"/>
+          </a:p>
+        </p:txBody>
+      </p:sp>
+      <p:sp>
+        <p:nvSpPr>
+          <p:cNvPr id="3" name="内容占位符 2"/>
+          <p:cNvSpPr>
+            <a:spLocks noGrp="1"/>
+          </p:cNvSpPr>
+          <p:nvPr>
+            <p:ph idx="1"/>
+          </p:nvPr>
+        </p:nvSpPr>
+        <p:spPr/>
+        <p:txBody>
+          <a:bodyPr/>
+          <a:lstStyle/>
+          <a:p>
+            <a:r>
+              <a:rPr lang="zh-CN" altLang="en-US" dirty="0" smtClean="0"/>
+              <a:t>二维码生成</a:t>
+            </a:r>
+            <a:endParaRPr lang="en-US" altLang="zh-CN" dirty="0" smtClean="0"/>
+          </a:p>
+          <a:p>
+            <a:r>
+              <a:rPr lang="zh-CN" altLang="en-US" dirty="0" smtClean="0"/>
+              <a:t>统计图表</a:t>
+            </a:r>
+            <a:endParaRPr lang="zh-CN" altLang="en-US" dirty="0"/>
+          </a:p>
+        </p:txBody>
+      </p:sp>
+    </p:spTree>
+    <p:extLst>
+      <p:ext uri="{BB962C8B-B14F-4D97-AF65-F5344CB8AC3E}">
+        <p14:creationId xmlns:p14="http://schemas.microsoft.com/office/powerpoint/2010/main" val="3239262355"/>
+      </p:ext>
+    </p:extLst>
+  </p:cSld>
+  <p:clrMapOvr>
+    <a:masterClrMapping/>
+  </p:clrMapOvr>
+</p:sld>
+</file>
+
+<file path=ppt/slides/slide51.xml><?xml version="1.0" encoding="utf-8"?>
+<p:sld xmlns:a="http://schemas.openxmlformats.org/drawingml/2006/main" xmlns:r="http://schemas.openxmlformats.org/officeDocument/2006/relationships" xmlns:p="http://schemas.openxmlformats.org/presentationml/2006/main">
+  <p:cSld>
+    <p:spTree>
+      <p:nvGrpSpPr>
+        <p:cNvPr id="1" name=""/>
+        <p:cNvGrpSpPr/>
+        <p:nvPr/>
+      </p:nvGrpSpPr>
+      <p:grpSpPr>
+        <a:xfrm>
+          <a:off x="0" y="0"/>
+          <a:ext cx="0" cy="0"/>
+          <a:chOff x="0" y="0"/>
+          <a:chExt cx="0" cy="0"/>
+        </a:xfrm>
+      </p:grpSpPr>
+      <p:sp>
+        <p:nvSpPr>
+          <p:cNvPr id="2" name="标题 1"/>
+          <p:cNvSpPr>
+            <a:spLocks noGrp="1"/>
+          </p:cNvSpPr>
+          <p:nvPr>
+            <p:ph type="title"/>
+          </p:nvPr>
+        </p:nvSpPr>
+        <p:spPr/>
+        <p:txBody>
+          <a:bodyPr>
+            <a:normAutofit fontScale="90000"/>
+          </a:bodyPr>
+          <a:lstStyle/>
+          <a:p>
+            <a:r>
+              <a:rPr lang="zh-CN" altLang="en-US" dirty="0" smtClean="0"/>
+              <a:t>网络通信</a:t>
+            </a:r>
+            <a:r>
+              <a:rPr lang="en-US" altLang="zh-CN" dirty="0" smtClean="0"/>
+              <a:t>	</a:t>
+            </a:r>
+            <a:br>
+              <a:rPr lang="en-US" altLang="zh-CN" dirty="0" smtClean="0"/>
+            </a:br>
+            <a:r>
+              <a:rPr lang="en-US" altLang="zh-CN" dirty="0"/>
+              <a:t/>
+            </a:r>
+            <a:br>
+              <a:rPr lang="en-US" altLang="zh-CN" dirty="0"/>
+            </a:br>
+            <a:r>
+              <a:rPr lang="en-US" altLang="zh-CN" dirty="0" smtClean="0"/>
+              <a:t/>
+            </a:r>
+            <a:br>
+              <a:rPr lang="en-US" altLang="zh-CN" dirty="0" smtClean="0"/>
+            </a:br>
+            <a:endParaRPr lang="zh-CN" altLang="en-US" dirty="0"/>
+          </a:p>
+        </p:txBody>
+      </p:sp>
+      <p:sp>
+        <p:nvSpPr>
+          <p:cNvPr id="3" name="内容占位符 2"/>
+          <p:cNvSpPr>
+            <a:spLocks noGrp="1"/>
+          </p:cNvSpPr>
+          <p:nvPr>
+            <p:ph idx="1"/>
+          </p:nvPr>
+        </p:nvSpPr>
+        <p:spPr/>
+        <p:txBody>
+          <a:bodyPr/>
+          <a:lstStyle/>
+          <a:p>
+            <a:r>
+              <a:rPr lang="en-US" altLang="zh-CN" dirty="0" smtClean="0"/>
+              <a:t>Socket</a:t>
+            </a:r>
+            <a:r>
+              <a:rPr lang="zh-CN" altLang="en-US" dirty="0" smtClean="0"/>
+              <a:t>编程</a:t>
+            </a:r>
+            <a:endParaRPr lang="zh-CN" altLang="en-US" dirty="0"/>
+          </a:p>
+        </p:txBody>
+      </p:sp>
+    </p:spTree>
+    <p:extLst>
+      <p:ext uri="{BB962C8B-B14F-4D97-AF65-F5344CB8AC3E}">
+        <p14:creationId xmlns:p14="http://schemas.microsoft.com/office/powerpoint/2010/main" val="4022811799"/>
+      </p:ext>
+    </p:extLst>
+  </p:cSld>
+  <p:clrMapOvr>
+    <a:masterClrMapping/>
+  </p:clrMapOvr>
+</p:sld>
+</file>
+
+<file path=ppt/slides/slide52.xml><?xml version="1.0" encoding="utf-8"?>
+<p:sld xmlns:a="http://schemas.openxmlformats.org/drawingml/2006/main" xmlns:r="http://schemas.openxmlformats.org/officeDocument/2006/relationships" xmlns:p="http://schemas.openxmlformats.org/presentationml/2006/main">
+  <p:cSld>
+    <p:spTree>
+      <p:nvGrpSpPr>
+        <p:cNvPr id="1" name=""/>
+        <p:cNvGrpSpPr/>
+        <p:nvPr/>
+      </p:nvGrpSpPr>
+      <p:grpSpPr>
+        <a:xfrm>
+          <a:off x="0" y="0"/>
+          <a:ext cx="0" cy="0"/>
+          <a:chOff x="0" y="0"/>
+          <a:chExt cx="0" cy="0"/>
+        </a:xfrm>
+      </p:grpSpPr>
+      <p:sp>
+        <p:nvSpPr>
+          <p:cNvPr id="2" name="标题 1"/>
+          <p:cNvSpPr>
+            <a:spLocks noGrp="1"/>
+          </p:cNvSpPr>
+          <p:nvPr>
+            <p:ph type="title"/>
+          </p:nvPr>
+        </p:nvSpPr>
+        <p:spPr/>
+        <p:txBody>
+          <a:bodyPr/>
+          <a:lstStyle/>
+          <a:p>
+            <a:r>
+              <a:rPr lang="en-US" altLang="zh-CN" dirty="0" smtClean="0"/>
+              <a:t>Django</a:t>
+            </a:r>
+            <a:r>
+              <a:rPr lang="zh-CN" altLang="en-US" dirty="0" smtClean="0"/>
+              <a:t>网站开发</a:t>
+            </a:r>
+            <a:endParaRPr lang="zh-CN" altLang="en-US" dirty="0"/>
+          </a:p>
+        </p:txBody>
+      </p:sp>
+      <p:sp>
+        <p:nvSpPr>
+          <p:cNvPr id="3" name="内容占位符 2"/>
+          <p:cNvSpPr>
+            <a:spLocks noGrp="1"/>
+          </p:cNvSpPr>
+          <p:nvPr>
+            <p:ph idx="1"/>
+          </p:nvPr>
+        </p:nvSpPr>
+        <p:spPr/>
+        <p:txBody>
+          <a:bodyPr/>
+          <a:lstStyle/>
+          <a:p>
+            <a:endParaRPr lang="zh-CN" altLang="en-US"/>
+          </a:p>
+        </p:txBody>
+      </p:sp>
+    </p:spTree>
+    <p:extLst>
+      <p:ext uri="{BB962C8B-B14F-4D97-AF65-F5344CB8AC3E}">
+        <p14:creationId xmlns:p14="http://schemas.microsoft.com/office/powerpoint/2010/main" val="2236027332"/>
+      </p:ext>
+    </p:extLst>
+  </p:cSld>
+  <p:clrMapOvr>
+    <a:masterClrMapping/>
+  </p:clrMapOvr>
+</p:sld>
+</file>
+
+<file path=ppt/slides/slide53.xml><?xml version="1.0" encoding="utf-8"?>
+<p:sld xmlns:a="http://schemas.openxmlformats.org/drawingml/2006/main" xmlns:r="http://schemas.openxmlformats.org/officeDocument/2006/relationships" xmlns:p="http://schemas.openxmlformats.org/presentationml/2006/main">
+  <p:cSld>
+    <p:spTree>
+      <p:nvGrpSpPr>
+        <p:cNvPr id="1" name=""/>
+        <p:cNvGrpSpPr/>
+        <p:nvPr/>
+      </p:nvGrpSpPr>
+      <p:grpSpPr>
+        <a:xfrm>
+          <a:off x="0" y="0"/>
+          <a:ext cx="0" cy="0"/>
+          <a:chOff x="0" y="0"/>
+          <a:chExt cx="0" cy="0"/>
+        </a:xfrm>
+      </p:grpSpPr>
+      <p:sp>
+        <p:nvSpPr>
+          <p:cNvPr id="2" name="标题 1"/>
+          <p:cNvSpPr>
+            <a:spLocks noGrp="1"/>
+          </p:cNvSpPr>
+          <p:nvPr>
+            <p:ph type="title"/>
+          </p:nvPr>
+        </p:nvSpPr>
+        <p:spPr/>
+        <p:txBody>
+          <a:bodyPr/>
+          <a:lstStyle/>
+          <a:p>
+            <a:r>
+              <a:rPr lang="zh-CN" altLang="en-US" dirty="0" smtClean="0"/>
+              <a:t>访问</a:t>
+            </a:r>
+            <a:r>
+              <a:rPr lang="en-US" altLang="zh-CN" dirty="0" err="1" smtClean="0"/>
+              <a:t>Hadoop,spark,hbase</a:t>
+            </a:r>
+            <a:endParaRPr lang="zh-CN" altLang="en-US" dirty="0"/>
+          </a:p>
+        </p:txBody>
+      </p:sp>
+      <p:sp>
+        <p:nvSpPr>
+          <p:cNvPr id="3" name="内容占位符 2"/>
+          <p:cNvSpPr>
+            <a:spLocks noGrp="1"/>
+          </p:cNvSpPr>
+          <p:nvPr>
+            <p:ph idx="1"/>
+          </p:nvPr>
+        </p:nvSpPr>
+        <p:spPr/>
+        <p:txBody>
+          <a:bodyPr/>
+          <a:lstStyle/>
+          <a:p>
+            <a:endParaRPr lang="zh-CN" altLang="en-US"/>
+          </a:p>
+        </p:txBody>
+      </p:sp>
+    </p:spTree>
+    <p:extLst>
+      <p:ext uri="{BB962C8B-B14F-4D97-AF65-F5344CB8AC3E}">
+        <p14:creationId xmlns:p14="http://schemas.microsoft.com/office/powerpoint/2010/main" val="2792535085"/>
+      </p:ext>
+    </p:extLst>
+  </p:cSld>
+  <p:clrMapOvr>
+    <a:masterClrMapping/>
+  </p:clrMapOvr>
+</p:sld>
+</file>
+
+<file path=ppt/slides/slide54.xml><?xml version="1.0" encoding="utf-8"?>
+<p:sld xmlns:a="http://schemas.openxmlformats.org/drawingml/2006/main" xmlns:r="http://schemas.openxmlformats.org/officeDocument/2006/relationships" xmlns:p="http://schemas.openxmlformats.org/presentationml/2006/main">
+  <p:cSld>
+    <p:spTree>
+      <p:nvGrpSpPr>
+        <p:cNvPr id="1" name=""/>
+        <p:cNvGrpSpPr/>
+        <p:nvPr/>
+      </p:nvGrpSpPr>
+      <p:grpSpPr>
+        <a:xfrm>
+          <a:off x="0" y="0"/>
+          <a:ext cx="0" cy="0"/>
+          <a:chOff x="0" y="0"/>
+          <a:chExt cx="0" cy="0"/>
+        </a:xfrm>
+      </p:grpSpPr>
+      <p:sp>
+        <p:nvSpPr>
+          <p:cNvPr id="2" name="标题 1"/>
+          <p:cNvSpPr>
+            <a:spLocks noGrp="1"/>
+          </p:cNvSpPr>
+          <p:nvPr>
+            <p:ph type="title"/>
+          </p:nvPr>
+        </p:nvSpPr>
+        <p:spPr/>
+        <p:txBody>
+          <a:bodyPr/>
+          <a:lstStyle/>
+          <a:p>
+            <a:r>
+              <a:rPr lang="en-US" altLang="zh-CN" dirty="0" smtClean="0"/>
+              <a:t>python</a:t>
+            </a:r>
+            <a:r>
+              <a:rPr lang="zh-CN" altLang="en-US" dirty="0" smtClean="0"/>
+              <a:t>机器学习</a:t>
+            </a:r>
+            <a:endParaRPr lang="zh-CN" altLang="en-US" dirty="0"/>
+          </a:p>
+        </p:txBody>
+      </p:sp>
+      <p:sp>
+        <p:nvSpPr>
+          <p:cNvPr id="3" name="内容占位符 2"/>
+          <p:cNvSpPr>
+            <a:spLocks noGrp="1"/>
+          </p:cNvSpPr>
+          <p:nvPr>
+            <p:ph idx="1"/>
+          </p:nvPr>
+        </p:nvSpPr>
+        <p:spPr/>
+        <p:txBody>
+          <a:bodyPr/>
+          <a:lstStyle/>
+          <a:p>
+            <a:endParaRPr lang="zh-CN" altLang="en-US"/>
+          </a:p>
+        </p:txBody>
+      </p:sp>
+    </p:spTree>
+    <p:extLst>
+      <p:ext uri="{BB962C8B-B14F-4D97-AF65-F5344CB8AC3E}">
+        <p14:creationId xmlns:p14="http://schemas.microsoft.com/office/powerpoint/2010/main" val="1915904830"/>
+      </p:ext>
+    </p:extLst>
+  </p:cSld>
+  <p:clrMapOvr>
+    <a:masterClrMapping/>
+  </p:clrMapOvr>
+</p:sld>
+</file>
+
+<file path=ppt/slides/slide55.xml><?xml version="1.0" encoding="utf-8"?>
+<p:sld xmlns:a="http://schemas.openxmlformats.org/drawingml/2006/main" xmlns:r="http://schemas.openxmlformats.org/officeDocument/2006/relationships" xmlns:p="http://schemas.openxmlformats.org/presentationml/2006/main">
+  <p:cSld>
+    <p:spTree>
+      <p:nvGrpSpPr>
+        <p:cNvPr id="1" name=""/>
+        <p:cNvGrpSpPr/>
+        <p:nvPr/>
+      </p:nvGrpSpPr>
+      <p:grpSpPr>
+        <a:xfrm>
+          <a:off x="0" y="0"/>
+          <a:ext cx="0" cy="0"/>
+          <a:chOff x="0" y="0"/>
+          <a:chExt cx="0" cy="0"/>
+        </a:xfrm>
+      </p:grpSpPr>
+      <p:sp>
+        <p:nvSpPr>
+          <p:cNvPr id="2" name="标题 1"/>
+          <p:cNvSpPr>
+            <a:spLocks noGrp="1"/>
+          </p:cNvSpPr>
+          <p:nvPr>
+            <p:ph type="title"/>
+          </p:nvPr>
+        </p:nvSpPr>
+        <p:spPr/>
+        <p:txBody>
+          <a:bodyPr/>
+          <a:lstStyle/>
+          <a:p>
+            <a:endParaRPr lang="zh-CN" altLang="en-US" dirty="0"/>
+          </a:p>
+        </p:txBody>
+      </p:sp>
+      <p:sp>
+        <p:nvSpPr>
+          <p:cNvPr id="3" name="内容占位符 2"/>
+          <p:cNvSpPr>
+            <a:spLocks noGrp="1"/>
+          </p:cNvSpPr>
+          <p:nvPr>
+            <p:ph idx="1"/>
+          </p:nvPr>
+        </p:nvSpPr>
+        <p:spPr/>
+        <p:txBody>
+          <a:bodyPr/>
+          <a:lstStyle/>
+          <a:p>
+            <a:endParaRPr lang="zh-CN" altLang="en-US"/>
+          </a:p>
+        </p:txBody>
+      </p:sp>
+    </p:spTree>
+    <p:extLst>
+      <p:ext uri="{BB962C8B-B14F-4D97-AF65-F5344CB8AC3E}">
+        <p14:creationId xmlns:p14="http://schemas.microsoft.com/office/powerpoint/2010/main" val="1286602601"/>
+      </p:ext>
+    </p:extLst>
+  </p:cSld>
+  <p:clrMapOvr>
+    <a:masterClrMapping/>
+  </p:clrMapOvr>
+</p:sld>
+</file>
+
+<file path=ppt/slides/slide56.xml><?xml version="1.0" encoding="utf-8"?>
+<p:sld xmlns:a="http://schemas.openxmlformats.org/drawingml/2006/main" xmlns:r="http://schemas.openxmlformats.org/officeDocument/2006/relationships" xmlns:p="http://schemas.openxmlformats.org/presentationml/2006/main">
+  <p:cSld>
+    <p:spTree>
+      <p:nvGrpSpPr>
+        <p:cNvPr id="1" name=""/>
+        <p:cNvGrpSpPr/>
+        <p:nvPr/>
+      </p:nvGrpSpPr>
+      <p:grpSpPr>
+        <a:xfrm>
+          <a:off x="0" y="0"/>
+          <a:ext cx="0" cy="0"/>
+          <a:chOff x="0" y="0"/>
+          <a:chExt cx="0" cy="0"/>
+        </a:xfrm>
+      </p:grpSpPr>
+      <p:sp>
+        <p:nvSpPr>
+          <p:cNvPr id="2" name="标题 1"/>
+          <p:cNvSpPr>
+            <a:spLocks noGrp="1"/>
+          </p:cNvSpPr>
+          <p:nvPr>
+            <p:ph type="title"/>
+          </p:nvPr>
+        </p:nvSpPr>
+        <p:spPr/>
+        <p:txBody>
+          <a:bodyPr/>
+          <a:lstStyle/>
+          <a:p>
+            <a:endParaRPr lang="zh-CN" altLang="en-US"/>
+          </a:p>
+        </p:txBody>
+      </p:sp>
+      <p:sp>
+        <p:nvSpPr>
+          <p:cNvPr id="3" name="内容占位符 2"/>
+          <p:cNvSpPr>
+            <a:spLocks noGrp="1"/>
+          </p:cNvSpPr>
+          <p:nvPr>
+            <p:ph idx="1"/>
+          </p:nvPr>
+        </p:nvSpPr>
+        <p:spPr/>
+        <p:txBody>
+          <a:bodyPr/>
+          <a:lstStyle/>
+          <a:p>
+            <a:endParaRPr lang="zh-CN" altLang="en-US"/>
+          </a:p>
+        </p:txBody>
+      </p:sp>
+    </p:spTree>
+    <p:extLst>
+      <p:ext uri="{BB962C8B-B14F-4D97-AF65-F5344CB8AC3E}">
+        <p14:creationId xmlns:p14="http://schemas.microsoft.com/office/powerpoint/2010/main" val="2102222352"/>
+      </p:ext>
+    </p:extLst>
+  </p:cSld>
+  <p:clrMapOvr>
+    <a:masterClrMapping/>
+  </p:clrMapOvr>
+</p:sld>
+</file>
+
+<file path=ppt/slides/slide57.xml><?xml version="1.0" encoding="utf-8"?>
 <p:sld xmlns:a="http://schemas.openxmlformats.org/drawingml/2006/main" xmlns:r="http://schemas.openxmlformats.org/officeDocument/2006/relationships" xmlns:p="http://schemas.openxmlformats.org/presentationml/2006/main">
   <p:cSld>
     <p:spTree>

--- a/编程语言/python/Python基础入门知识分享.pptx
+++ b/编程语言/python/Python基础入门知识分享.pptx
@@ -46,22 +46,24 @@
     <p:sldId id="311" r:id="rId40"/>
     <p:sldId id="312" r:id="rId41"/>
     <p:sldId id="313" r:id="rId42"/>
-    <p:sldId id="297" r:id="rId43"/>
-    <p:sldId id="298" r:id="rId44"/>
-    <p:sldId id="270" r:id="rId45"/>
-    <p:sldId id="284" r:id="rId46"/>
-    <p:sldId id="285" r:id="rId47"/>
-    <p:sldId id="286" r:id="rId48"/>
-    <p:sldId id="287" r:id="rId49"/>
-    <p:sldId id="275" r:id="rId50"/>
-    <p:sldId id="277" r:id="rId51"/>
-    <p:sldId id="280" r:id="rId52"/>
-    <p:sldId id="296" r:id="rId53"/>
-    <p:sldId id="288" r:id="rId54"/>
-    <p:sldId id="289" r:id="rId55"/>
-    <p:sldId id="276" r:id="rId56"/>
-    <p:sldId id="278" r:id="rId57"/>
-    <p:sldId id="279" r:id="rId58"/>
+    <p:sldId id="315" r:id="rId43"/>
+    <p:sldId id="314" r:id="rId44"/>
+    <p:sldId id="297" r:id="rId45"/>
+    <p:sldId id="298" r:id="rId46"/>
+    <p:sldId id="270" r:id="rId47"/>
+    <p:sldId id="284" r:id="rId48"/>
+    <p:sldId id="285" r:id="rId49"/>
+    <p:sldId id="286" r:id="rId50"/>
+    <p:sldId id="287" r:id="rId51"/>
+    <p:sldId id="275" r:id="rId52"/>
+    <p:sldId id="277" r:id="rId53"/>
+    <p:sldId id="280" r:id="rId54"/>
+    <p:sldId id="296" r:id="rId55"/>
+    <p:sldId id="288" r:id="rId56"/>
+    <p:sldId id="289" r:id="rId57"/>
+    <p:sldId id="276" r:id="rId58"/>
+    <p:sldId id="278" r:id="rId59"/>
+    <p:sldId id="279" r:id="rId60"/>
   </p:sldIdLst>
   <p:sldSz cx="12192000" cy="6858000"/>
   <p:notesSz cx="6858000" cy="9144000"/>
@@ -242,6 +244,8 @@
             <p14:sldId id="311"/>
             <p14:sldId id="312"/>
             <p14:sldId id="313"/>
+            <p14:sldId id="315"/>
+            <p14:sldId id="314"/>
           </p14:sldIdLst>
         </p14:section>
         <p14:section name="常用模块" id="{169ECFFE-A324-499C-9A3D-0CDBB73F4F0E}">
@@ -478,7 +482,7 @@
             <a:fld id="{B61BEF0D-F0BB-DE4B-95CE-6DB70DBA9567}" type="datetimeFigureOut">
               <a:rPr lang="en-US" dirty="0"/>
               <a:pPr/>
-              <a:t>3/31/2018</a:t>
+              <a:t>4/1/2018</a:t>
             </a:fld>
             <a:endParaRPr lang="en-US" dirty="0"/>
           </a:p>
@@ -813,7 +817,7 @@
             <a:fld id="{B61BEF0D-F0BB-DE4B-95CE-6DB70DBA9567}" type="datetimeFigureOut">
               <a:rPr lang="en-US" dirty="0"/>
               <a:pPr/>
-              <a:t>3/31/2018</a:t>
+              <a:t>4/1/2018</a:t>
             </a:fld>
             <a:endParaRPr lang="en-US" dirty="0"/>
           </a:p>
@@ -1211,7 +1215,7 @@
             <a:fld id="{B61BEF0D-F0BB-DE4B-95CE-6DB70DBA9567}" type="datetimeFigureOut">
               <a:rPr lang="en-US" dirty="0"/>
               <a:pPr/>
-              <a:t>3/31/2018</a:t>
+              <a:t>4/1/2018</a:t>
             </a:fld>
             <a:endParaRPr lang="en-US" dirty="0"/>
           </a:p>
@@ -1544,7 +1548,7 @@
             <a:fld id="{B61BEF0D-F0BB-DE4B-95CE-6DB70DBA9567}" type="datetimeFigureOut">
               <a:rPr lang="en-US" dirty="0"/>
               <a:pPr/>
-              <a:t>3/31/2018</a:t>
+              <a:t>4/1/2018</a:t>
             </a:fld>
             <a:endParaRPr lang="en-US" dirty="0"/>
           </a:p>
@@ -1861,7 +1865,7 @@
             <a:fld id="{B61BEF0D-F0BB-DE4B-95CE-6DB70DBA9567}" type="datetimeFigureOut">
               <a:rPr lang="en-US" dirty="0"/>
               <a:pPr/>
-              <a:t>3/31/2018</a:t>
+              <a:t>4/1/2018</a:t>
             </a:fld>
             <a:endParaRPr lang="en-US" dirty="0"/>
           </a:p>
@@ -2254,7 +2258,7 @@
             <a:fld id="{B61BEF0D-F0BB-DE4B-95CE-6DB70DBA9567}" type="datetimeFigureOut">
               <a:rPr lang="en-US" dirty="0"/>
               <a:pPr/>
-              <a:t>3/31/2018</a:t>
+              <a:t>4/1/2018</a:t>
             </a:fld>
             <a:endParaRPr lang="en-US" dirty="0"/>
           </a:p>
@@ -2508,7 +2512,7 @@
             <a:fld id="{B61BEF0D-F0BB-DE4B-95CE-6DB70DBA9567}" type="datetimeFigureOut">
               <a:rPr lang="en-US" dirty="0"/>
               <a:pPr/>
-              <a:t>3/31/2018</a:t>
+              <a:t>4/1/2018</a:t>
             </a:fld>
             <a:endParaRPr lang="en-US" dirty="0"/>
           </a:p>
@@ -2767,7 +2771,7 @@
             <a:fld id="{B61BEF0D-F0BB-DE4B-95CE-6DB70DBA9567}" type="datetimeFigureOut">
               <a:rPr lang="en-US" dirty="0"/>
               <a:pPr/>
-              <a:t>3/31/2018</a:t>
+              <a:t>4/1/2018</a:t>
             </a:fld>
             <a:endParaRPr lang="en-US" dirty="0"/>
           </a:p>
@@ -3026,7 +3030,7 @@
             <a:fld id="{B61BEF0D-F0BB-DE4B-95CE-6DB70DBA9567}" type="datetimeFigureOut">
               <a:rPr lang="en-US" dirty="0"/>
               <a:pPr/>
-              <a:t>3/31/2018</a:t>
+              <a:t>4/1/2018</a:t>
             </a:fld>
             <a:endParaRPr lang="en-US" dirty="0"/>
           </a:p>
@@ -3352,7 +3356,7 @@
             <a:fld id="{B61BEF0D-F0BB-DE4B-95CE-6DB70DBA9567}" type="datetimeFigureOut">
               <a:rPr lang="en-US" dirty="0"/>
               <a:pPr/>
-              <a:t>3/31/2018</a:t>
+              <a:t>4/1/2018</a:t>
             </a:fld>
             <a:endParaRPr lang="en-US" dirty="0"/>
           </a:p>
@@ -3672,7 +3676,7 @@
             <a:fld id="{B61BEF0D-F0BB-DE4B-95CE-6DB70DBA9567}" type="datetimeFigureOut">
               <a:rPr lang="en-US" dirty="0"/>
               <a:pPr/>
-              <a:t>3/31/2018</a:t>
+              <a:t>4/1/2018</a:t>
             </a:fld>
             <a:endParaRPr lang="en-US" dirty="0"/>
           </a:p>
@@ -4126,7 +4130,7 @@
             <a:fld id="{B61BEF0D-F0BB-DE4B-95CE-6DB70DBA9567}" type="datetimeFigureOut">
               <a:rPr lang="en-US" dirty="0"/>
               <a:pPr/>
-              <a:t>3/31/2018</a:t>
+              <a:t>4/1/2018</a:t>
             </a:fld>
             <a:endParaRPr lang="en-US" dirty="0"/>
           </a:p>
@@ -4328,7 +4332,7 @@
             <a:fld id="{B61BEF0D-F0BB-DE4B-95CE-6DB70DBA9567}" type="datetimeFigureOut">
               <a:rPr lang="en-US" dirty="0"/>
               <a:pPr/>
-              <a:t>3/31/2018</a:t>
+              <a:t>4/1/2018</a:t>
             </a:fld>
             <a:endParaRPr lang="en-US" dirty="0"/>
           </a:p>
@@ -4502,7 +4506,7 @@
             <a:fld id="{B61BEF0D-F0BB-DE4B-95CE-6DB70DBA9567}" type="datetimeFigureOut">
               <a:rPr lang="en-US" dirty="0"/>
               <a:pPr/>
-              <a:t>3/31/2018</a:t>
+              <a:t>4/1/2018</a:t>
             </a:fld>
             <a:endParaRPr lang="en-US" dirty="0"/>
           </a:p>
@@ -4832,7 +4836,7 @@
             <a:fld id="{B61BEF0D-F0BB-DE4B-95CE-6DB70DBA9567}" type="datetimeFigureOut">
               <a:rPr lang="en-US" dirty="0"/>
               <a:pPr/>
-              <a:t>3/31/2018</a:t>
+              <a:t>4/1/2018</a:t>
             </a:fld>
             <a:endParaRPr lang="en-US" dirty="0"/>
           </a:p>
@@ -5174,7 +5178,7 @@
             <a:fld id="{B61BEF0D-F0BB-DE4B-95CE-6DB70DBA9567}" type="datetimeFigureOut">
               <a:rPr lang="en-US" dirty="0"/>
               <a:pPr/>
-              <a:t>3/31/2018</a:t>
+              <a:t>4/1/2018</a:t>
             </a:fld>
             <a:endParaRPr lang="en-US" dirty="0"/>
           </a:p>
@@ -7288,7 +7292,7 @@
             <a:fld id="{B61BEF0D-F0BB-DE4B-95CE-6DB70DBA9567}" type="datetimeFigureOut">
               <a:rPr lang="en-US" dirty="0"/>
               <a:pPr/>
-              <a:t>3/31/2018</a:t>
+              <a:t>4/1/2018</a:t>
             </a:fld>
             <a:endParaRPr lang="en-US" dirty="0"/>
           </a:p>
@@ -14461,7 +14465,7 @@
         </p:spPr>
         <p:txBody>
           <a:bodyPr>
-            <a:normAutofit fontScale="92500" lnSpcReduction="20000"/>
+            <a:normAutofit fontScale="85000" lnSpcReduction="20000"/>
           </a:bodyPr>
           <a:lstStyle/>
           <a:p>
@@ -14503,15 +14507,15 @@
             </a:r>
             <a:r>
               <a:rPr lang="zh-CN" altLang="en-US" dirty="0" smtClean="0"/>
-              <a:t>局部变量会被当作属性，会挂在</a:t>
-            </a:r>
-            <a:r>
-              <a:rPr lang="en-US" altLang="zh-CN" dirty="0" smtClean="0"/>
-              <a:t>self</a:t>
-            </a:r>
-            <a:r>
-              <a:rPr lang="zh-CN" altLang="en-US" dirty="0" smtClean="0"/>
-              <a:t>下。所有的实例只会获得这种属性的引用，不会新建。</a:t>
+              <a:t>局部变量会被</a:t>
+            </a:r>
+            <a:r>
+              <a:rPr lang="zh-CN" altLang="en-US" dirty="0" smtClean="0"/>
+              <a:t>当作静态属性。</a:t>
+            </a:r>
+            <a:r>
+              <a:rPr lang="zh-CN" altLang="en-US" dirty="0" smtClean="0"/>
+              <a:t>所有的实例只会获得这种属性的引用，不会新建。</a:t>
             </a:r>
             <a:r>
               <a:rPr lang="en-US" altLang="zh-CN" dirty="0" smtClean="0"/>
@@ -14582,52 +14586,17 @@
             </a:r>
             <a:r>
               <a:rPr lang="zh-CN" altLang="en-US" dirty="0" smtClean="0"/>
-              <a:t> 。</a:t>
-            </a:r>
-            <a:r>
-              <a:rPr lang="en-US" altLang="zh-CN" dirty="0"/>
-              <a:t>s</a:t>
-            </a:r>
-            <a:r>
-              <a:rPr lang="en-US" altLang="zh-CN" dirty="0" smtClean="0"/>
-              <a:t>elf</a:t>
-            </a:r>
-            <a:r>
-              <a:rPr lang="zh-CN" altLang="en-US" dirty="0" smtClean="0"/>
-              <a:t>就是实例自己的指针，如</a:t>
-            </a:r>
-            <a:r>
-              <a:rPr lang="en-US" altLang="zh-CN" dirty="0" smtClean="0"/>
-              <a:t>java</a:t>
-            </a:r>
-            <a:r>
-              <a:rPr lang="zh-CN" altLang="en-US" dirty="0" smtClean="0"/>
-              <a:t>里的</a:t>
-            </a:r>
-            <a:r>
-              <a:rPr lang="en-US" altLang="zh-CN" dirty="0" smtClean="0"/>
-              <a:t>this</a:t>
-            </a:r>
-            <a:r>
-              <a:rPr lang="zh-CN" altLang="en-US" dirty="0" smtClean="0"/>
-              <a:t>。</a:t>
-            </a:r>
-            <a:r>
-              <a:rPr lang="en-US" altLang="zh-CN" dirty="0" smtClean="0"/>
-              <a:t/>
-            </a:r>
-            <a:br>
-              <a:rPr lang="en-US" altLang="zh-CN" dirty="0" smtClean="0"/>
-            </a:br>
-            <a:r>
-              <a:rPr lang="en-US" altLang="zh-CN" dirty="0"/>
-              <a:t>	</a:t>
-            </a:r>
-            <a:r>
-              <a:rPr lang="zh-CN" altLang="en-US" dirty="0" smtClean="0"/>
-              <a:t>所有的实例都会新建自己的这种属性的内存空间，互补影响。</a:t>
-            </a:r>
-            <a:endParaRPr lang="en-US" altLang="zh-CN" dirty="0" smtClean="0"/>
+              <a:t> </a:t>
+            </a:r>
+            <a:r>
+              <a:rPr lang="zh-CN" altLang="en-US" dirty="0" smtClean="0"/>
+              <a:t>。静态方法中定义的是静态属性，实例方法中定义的是实例</a:t>
+            </a:r>
+            <a:r>
+              <a:rPr lang="zh-CN" altLang="en-US" dirty="0"/>
+              <a:t>属性。所有的实例都会新建自己的这种属性的内存空间，互补影响。</a:t>
+            </a:r>
+            <a:endParaRPr lang="en-US" altLang="zh-CN" dirty="0"/>
           </a:p>
           <a:p>
             <a:pPr lvl="2"/>
@@ -14674,6 +14643,34 @@
             <a:endParaRPr lang="en-US" altLang="zh-CN" dirty="0" smtClean="0"/>
           </a:p>
           <a:p>
+            <a:pPr lvl="2"/>
+            <a:r>
+              <a:rPr lang="en-US" altLang="zh-CN" dirty="0" err="1" smtClean="0"/>
+              <a:t>className.newAttri</a:t>
+            </a:r>
+            <a:r>
+              <a:rPr lang="en-US" altLang="zh-CN" dirty="0" smtClean="0"/>
+              <a:t> = </a:t>
+            </a:r>
+            <a:r>
+              <a:rPr lang="en-US" altLang="zh-CN" dirty="0" err="1" smtClean="0"/>
+              <a:t>val</a:t>
+            </a:r>
+            <a:r>
+              <a:rPr lang="zh-CN" altLang="en-US" dirty="0" smtClean="0"/>
+              <a:t>可以给类新增一个</a:t>
+            </a:r>
+            <a:r>
+              <a:rPr lang="en-US" altLang="zh-CN" dirty="0" err="1" smtClean="0"/>
+              <a:t>newAttri</a:t>
+            </a:r>
+            <a:r>
+              <a:rPr lang="zh-CN" altLang="en-US" dirty="0" smtClean="0"/>
+              <a:t>属性</a:t>
+            </a:r>
+            <a:endParaRPr lang="en-US" altLang="zh-CN" dirty="0" smtClean="0"/>
+          </a:p>
+          <a:p>
             <a:pPr lvl="1"/>
             <a:r>
               <a:rPr lang="zh-CN" altLang="en-US" dirty="0" smtClean="0"/>
@@ -14732,7 +14729,23 @@
             </a:r>
             <a:r>
               <a:rPr lang="zh-CN" altLang="en-US" dirty="0" smtClean="0"/>
-              <a:t>加到一个方法上，该方法无</a:t>
+              <a:t>或者</a:t>
+            </a:r>
+            <a:r>
+              <a:rPr lang="en-US" altLang="zh-CN" dirty="0"/>
+              <a:t>@</a:t>
+            </a:r>
+            <a:r>
+              <a:rPr lang="en-US" altLang="zh-CN" dirty="0" err="1"/>
+              <a:t>classmethod</a:t>
+            </a:r>
+            <a:r>
+              <a:rPr lang="zh-CN" altLang="en-US" dirty="0" smtClean="0"/>
+              <a:t>加</a:t>
+            </a:r>
+            <a:r>
+              <a:rPr lang="zh-CN" altLang="en-US" dirty="0" smtClean="0"/>
+              <a:t>到一个方法上，该方法无</a:t>
             </a:r>
             <a:r>
               <a:rPr lang="en-US" altLang="zh-CN" dirty="0" smtClean="0"/>
@@ -14934,6 +14947,81 @@
             <a:endParaRPr lang="en-US" altLang="zh-CN" dirty="0" smtClean="0"/>
           </a:p>
           <a:p>
+            <a:r>
+              <a:rPr lang="zh-CN" altLang="en-US" dirty="0" smtClean="0"/>
+              <a:t>实例直接访问属性：实例</a:t>
+            </a:r>
+            <a:r>
+              <a:rPr lang="en-US" altLang="zh-CN" dirty="0" smtClean="0"/>
+              <a:t>.</a:t>
+            </a:r>
+            <a:r>
+              <a:rPr lang="en-US" altLang="zh-CN" dirty="0" err="1" smtClean="0"/>
+              <a:t>attri</a:t>
+            </a:r>
+            <a:r>
+              <a:rPr lang="en-US" altLang="zh-CN" dirty="0" smtClean="0"/>
+              <a:t>     </a:t>
+            </a:r>
+            <a:r>
+              <a:rPr lang="zh-CN" altLang="en-US" dirty="0" smtClean="0"/>
+              <a:t>一种格式。不像</a:t>
+            </a:r>
+            <a:r>
+              <a:rPr lang="en-US" altLang="zh-CN" dirty="0" err="1" smtClean="0"/>
+              <a:t>js</a:t>
+            </a:r>
+            <a:r>
+              <a:rPr lang="zh-CN" altLang="en-US" dirty="0" smtClean="0"/>
+              <a:t>还有</a:t>
+            </a:r>
+            <a:r>
+              <a:rPr lang="en-US" altLang="zh-CN" dirty="0" smtClean="0"/>
+              <a:t>: </a:t>
+            </a:r>
+            <a:r>
+              <a:rPr lang="zh-CN" altLang="en-US" dirty="0" smtClean="0"/>
+              <a:t>实例</a:t>
+            </a:r>
+            <a:r>
+              <a:rPr lang="en-US" altLang="zh-CN" dirty="0" smtClean="0"/>
+              <a:t>[</a:t>
+            </a:r>
+            <a:r>
+              <a:rPr lang="en-US" altLang="zh-CN" dirty="0" err="1" smtClean="0"/>
+              <a:t>attri</a:t>
+            </a:r>
+            <a:r>
+              <a:rPr lang="en-US" altLang="zh-CN" dirty="0" smtClean="0"/>
+              <a:t>] </a:t>
+            </a:r>
+            <a:r>
+              <a:rPr lang="zh-CN" altLang="en-US" dirty="0" smtClean="0"/>
+              <a:t>这种动态格式。</a:t>
+            </a:r>
+            <a:endParaRPr lang="en-US" altLang="zh-CN" dirty="0" smtClean="0"/>
+          </a:p>
+          <a:p>
+            <a:r>
+              <a:rPr lang="zh-CN" altLang="en-US" dirty="0" smtClean="0"/>
+              <a:t>实例访问方法：类似访问属性只能</a:t>
+            </a:r>
+            <a:r>
+              <a:rPr lang="en-US" altLang="zh-CN" dirty="0" smtClean="0"/>
+              <a:t>: </a:t>
+            </a:r>
+            <a:r>
+              <a:rPr lang="zh-CN" altLang="en-US" dirty="0" smtClean="0"/>
+              <a:t>实例</a:t>
+            </a:r>
+            <a:r>
+              <a:rPr lang="en-US" altLang="zh-CN" dirty="0" smtClean="0"/>
+              <a:t>.</a:t>
+            </a:r>
+            <a:r>
+              <a:rPr lang="en-US" altLang="zh-CN" dirty="0" err="1" smtClean="0"/>
+              <a:t>attri</a:t>
+            </a:r>
             <a:endParaRPr lang="en-US" altLang="zh-CN" dirty="0" smtClean="0"/>
           </a:p>
         </p:txBody>
@@ -16052,6 +16140,22 @@
               <a:rPr lang="zh-CN" altLang="en-US" dirty="0" smtClean="0"/>
               <a:t>注解</a:t>
             </a:r>
+            <a:r>
+              <a:rPr lang="en-US" altLang="zh-CN" dirty="0" smtClean="0"/>
+              <a:t>(</a:t>
+            </a:r>
+            <a:r>
+              <a:rPr lang="zh-CN" altLang="en-US" dirty="0" smtClean="0"/>
+              <a:t>一</a:t>
+            </a:r>
+            <a:r>
+              <a:rPr lang="en-US" altLang="zh-CN" dirty="0" smtClean="0"/>
+              <a:t>)</a:t>
+            </a:r>
+            <a:r>
+              <a:rPr lang="zh-CN" altLang="en-US" dirty="0" smtClean="0"/>
+              <a:t>：无参注解</a:t>
+            </a:r>
             <a:endParaRPr lang="zh-CN" altLang="en-US" dirty="0"/>
           </a:p>
         </p:txBody>
@@ -16068,10 +16172,165 @@
         </p:nvSpPr>
         <p:spPr/>
         <p:txBody>
-          <a:bodyPr/>
+          <a:bodyPr>
+            <a:normAutofit/>
+          </a:bodyPr>
           <a:lstStyle/>
           <a:p>
-            <a:endParaRPr lang="zh-CN" altLang="en-US"/>
+            <a:r>
+              <a:rPr lang="zh-CN" altLang="en-US" dirty="0" smtClean="0"/>
+              <a:t>注解的效果：让被注解函数名称指向注解函数的返回值。</a:t>
+            </a:r>
+            <a:endParaRPr lang="en-US" altLang="zh-CN" dirty="0" smtClean="0"/>
+          </a:p>
+          <a:p>
+            <a:r>
+              <a:rPr lang="zh-CN" altLang="en-US" dirty="0" smtClean="0"/>
+              <a:t>对一个函数注解</a:t>
+            </a:r>
+            <a:r>
+              <a:rPr lang="zh-CN" altLang="en-US" dirty="0" smtClean="0"/>
+              <a:t>：</a:t>
+            </a:r>
+            <a:r>
+              <a:rPr lang="en-US" altLang="zh-CN" dirty="0" smtClean="0"/>
+              <a:t>@</a:t>
+            </a:r>
+            <a:r>
+              <a:rPr lang="en-US" altLang="zh-CN" dirty="0" err="1" smtClean="0"/>
+              <a:t>functionName|className</a:t>
+            </a:r>
+            <a:r>
+              <a:rPr lang="zh-CN" altLang="en-US" dirty="0" smtClean="0"/>
+              <a:t>加在函数定义上，</a:t>
+            </a:r>
+            <a:r>
+              <a:rPr lang="en-US" altLang="zh-CN" dirty="0" smtClean="0"/>
+              <a:t>									</a:t>
+            </a:r>
+            <a:r>
+              <a:rPr lang="en-US" altLang="zh-CN" dirty="0" err="1" smtClean="0"/>
+              <a:t>functionName|className</a:t>
+            </a:r>
+            <a:r>
+              <a:rPr lang="zh-CN" altLang="en-US" dirty="0" smtClean="0"/>
+              <a:t>就是注解函数名称</a:t>
+            </a:r>
+            <a:endParaRPr lang="en-US" altLang="zh-CN" dirty="0" smtClean="0"/>
+          </a:p>
+          <a:p>
+            <a:r>
+              <a:rPr lang="zh-CN" altLang="en-US" dirty="0" smtClean="0"/>
+              <a:t>注解函数：</a:t>
+            </a:r>
+            <a:endParaRPr lang="en-US" altLang="zh-CN" dirty="0" smtClean="0"/>
+          </a:p>
+          <a:p>
+            <a:pPr lvl="1"/>
+            <a:r>
+              <a:rPr lang="zh-CN" altLang="en-US" dirty="0" smtClean="0"/>
+              <a:t>已有的比如：静态方法注解</a:t>
+            </a:r>
+            <a:r>
+              <a:rPr lang="en-US" altLang="zh-CN" dirty="0" smtClean="0"/>
+              <a:t>@</a:t>
+            </a:r>
+            <a:r>
+              <a:rPr lang="en-US" altLang="zh-CN" dirty="0" err="1" smtClean="0"/>
+              <a:t>staticmethod</a:t>
+            </a:r>
+            <a:r>
+              <a:rPr lang="zh-CN" altLang="en-US" dirty="0" smtClean="0"/>
+              <a:t>， </a:t>
+            </a:r>
+            <a:r>
+              <a:rPr lang="en-US" altLang="zh-CN" dirty="0" smtClean="0"/>
+              <a:t>@</a:t>
+            </a:r>
+            <a:r>
+              <a:rPr lang="en-US" altLang="zh-CN" dirty="0" err="1" smtClean="0"/>
+              <a:t>classmethod</a:t>
+            </a:r>
+            <a:r>
+              <a:rPr lang="zh-CN" altLang="en-US" dirty="0" smtClean="0"/>
+              <a:t>。</a:t>
+            </a:r>
+            <a:endParaRPr lang="en-US" altLang="zh-CN" dirty="0" smtClean="0"/>
+          </a:p>
+          <a:p>
+            <a:pPr lvl="1"/>
+            <a:r>
+              <a:rPr lang="zh-CN" altLang="en-US" dirty="0" smtClean="0"/>
+              <a:t>自定义：有且只有一个形参，该形参会被赋值为被</a:t>
+            </a:r>
+            <a:r>
+              <a:rPr lang="zh-CN" altLang="en-US" dirty="0"/>
+              <a:t>注解</a:t>
+            </a:r>
+            <a:r>
+              <a:rPr lang="zh-CN" altLang="en-US" dirty="0" smtClean="0"/>
+              <a:t>函数</a:t>
+            </a:r>
+            <a:r>
+              <a:rPr lang="zh-CN" altLang="en-US" dirty="0"/>
+              <a:t>的</a:t>
+            </a:r>
+            <a:r>
+              <a:rPr lang="zh-CN" altLang="en-US" dirty="0" smtClean="0"/>
+              <a:t>引用</a:t>
+            </a:r>
+            <a:r>
+              <a:rPr lang="zh-CN" altLang="en-US" dirty="0"/>
+              <a:t>，返回值会赋给被</a:t>
+            </a:r>
+            <a:r>
+              <a:rPr lang="zh-CN" altLang="en-US" dirty="0" smtClean="0"/>
+              <a:t>注解</a:t>
+            </a:r>
+            <a:r>
+              <a:rPr lang="en-US" altLang="zh-CN" dirty="0" smtClean="0"/>
+              <a:t>				</a:t>
+            </a:r>
+            <a:r>
+              <a:rPr lang="zh-CN" altLang="en-US" dirty="0" smtClean="0"/>
+              <a:t>函数</a:t>
+            </a:r>
+            <a:r>
+              <a:rPr lang="zh-CN" altLang="en-US" dirty="0"/>
+              <a:t>名称</a:t>
+            </a:r>
+            <a:r>
+              <a:rPr lang="zh-CN" altLang="en-US" dirty="0" smtClean="0"/>
+              <a:t>。（可以没有返回值）</a:t>
+            </a:r>
+          </a:p>
+          <a:p>
+            <a:pPr marL="342900" lvl="1" indent="-342900"/>
+            <a:r>
+              <a:rPr lang="zh-CN" altLang="en-US" dirty="0" smtClean="0"/>
+              <a:t>注解用于包装、代理一个函数：</a:t>
+            </a:r>
+            <a:endParaRPr lang="en-US" altLang="zh-CN" dirty="0" smtClean="0"/>
+          </a:p>
+          <a:p>
+            <a:pPr marL="742950" lvl="2" indent="-342900"/>
+            <a:r>
+              <a:rPr lang="zh-CN" altLang="en-US" dirty="0" smtClean="0"/>
+              <a:t>注解函数需要定义为闭包格式，即内部自定义一个函数，并返回这个函数。</a:t>
+            </a:r>
+            <a:endParaRPr lang="en-US" altLang="zh-CN" dirty="0" smtClean="0"/>
+          </a:p>
+          <a:p>
+            <a:pPr marL="742950" lvl="2" indent="-342900"/>
+            <a:r>
+              <a:rPr lang="zh-CN" altLang="en-US" dirty="0" smtClean="0"/>
+              <a:t>这个返回的函数就是被注解函数的代理函数</a:t>
+            </a:r>
+            <a:endParaRPr lang="en-US" altLang="zh-CN" dirty="0" smtClean="0"/>
+          </a:p>
+          <a:p>
+            <a:pPr marL="342900" lvl="1" indent="-342900"/>
+            <a:endParaRPr lang="en-US" altLang="zh-CN" dirty="0" smtClean="0"/>
           </a:p>
         </p:txBody>
       </p:sp>
@@ -16122,7 +16381,23 @@
           <a:p>
             <a:r>
               <a:rPr lang="zh-CN" altLang="en-US" dirty="0" smtClean="0"/>
-              <a:t>序列化、反序列化</a:t>
+              <a:t>注解</a:t>
+            </a:r>
+            <a:r>
+              <a:rPr lang="en-US" altLang="zh-CN" dirty="0" smtClean="0"/>
+              <a:t>(</a:t>
+            </a:r>
+            <a:r>
+              <a:rPr lang="zh-CN" altLang="en-US" dirty="0" smtClean="0"/>
+              <a:t>二</a:t>
+            </a:r>
+            <a:r>
+              <a:rPr lang="en-US" altLang="zh-CN" dirty="0" smtClean="0"/>
+              <a:t>)</a:t>
+            </a:r>
+            <a:r>
+              <a:rPr lang="zh-CN" altLang="en-US" dirty="0" smtClean="0"/>
+              <a:t>：带参注解</a:t>
             </a:r>
             <a:endParaRPr lang="zh-CN" altLang="en-US" dirty="0"/>
           </a:p>
@@ -16140,164 +16415,143 @@
         </p:nvSpPr>
         <p:spPr/>
         <p:txBody>
-          <a:bodyPr>
-            <a:normAutofit fontScale="92500" lnSpcReduction="10000"/>
-          </a:bodyPr>
+          <a:bodyPr/>
           <a:lstStyle/>
           <a:p>
             <a:r>
               <a:rPr lang="zh-CN" altLang="en-US" dirty="0"/>
-              <a:t>序列化：将一个</a:t>
+              <a:t>注解的效果：让被注解函数名称指向注解函数的返回</a:t>
+            </a:r>
+            <a:r>
+              <a:rPr lang="zh-CN" altLang="en-US" dirty="0" smtClean="0"/>
+              <a:t>值的调用的返回值。</a:t>
+            </a:r>
+            <a:endParaRPr lang="en-US" altLang="zh-CN" dirty="0" smtClean="0"/>
+          </a:p>
+          <a:p>
+            <a:r>
+              <a:rPr lang="zh-CN" altLang="en-US" dirty="0" smtClean="0"/>
+              <a:t>对一个函数注解：</a:t>
             </a:r>
             <a:r>
               <a:rPr lang="en-US" altLang="zh-CN" dirty="0"/>
-              <a:t>python</a:t>
-            </a:r>
-            <a:r>
-              <a:rPr lang="zh-CN" altLang="en-US" dirty="0"/>
-              <a:t>数据结构对象转换为</a:t>
-            </a:r>
-            <a:r>
-              <a:rPr lang="en-US" altLang="zh-CN" dirty="0" err="1"/>
-              <a:t>json</a:t>
-            </a:r>
-            <a:r>
-              <a:rPr lang="zh-CN" altLang="en-US" dirty="0"/>
-              <a:t>格式</a:t>
-            </a:r>
-            <a:r>
-              <a:rPr lang="zh-CN" altLang="en-US" dirty="0" smtClean="0"/>
-              <a:t>字符串</a:t>
+              <a:t>@</a:t>
+            </a:r>
+            <a:r>
+              <a:rPr lang="en-US" altLang="zh-CN" dirty="0" err="1" smtClean="0"/>
+              <a:t>functionName</a:t>
+            </a:r>
+            <a:r>
+              <a:rPr lang="en-US" altLang="zh-CN" dirty="0" smtClean="0"/>
+              <a:t>(key1=val2,…)</a:t>
+            </a:r>
+            <a:r>
+              <a:rPr lang="zh-CN" altLang="en-US" dirty="0" smtClean="0"/>
+              <a:t>加</a:t>
+            </a:r>
+            <a:r>
+              <a:rPr lang="zh-CN" altLang="en-US" dirty="0"/>
+              <a:t>在函数定义上，</a:t>
+            </a:r>
+            <a:r>
+              <a:rPr lang="en-US" altLang="zh-CN" dirty="0"/>
+              <a:t>								</a:t>
+            </a:r>
+            <a:r>
+              <a:rPr lang="en-US" altLang="zh-CN" dirty="0" smtClean="0"/>
+              <a:t>	</a:t>
+            </a:r>
+            <a:r>
+              <a:rPr lang="en-US" altLang="zh-CN" dirty="0" err="1" smtClean="0"/>
+              <a:t>functionName</a:t>
+            </a:r>
+            <a:r>
+              <a:rPr lang="zh-CN" altLang="en-US" dirty="0" smtClean="0"/>
+              <a:t>就是</a:t>
+            </a:r>
+            <a:r>
+              <a:rPr lang="zh-CN" altLang="en-US" dirty="0"/>
+              <a:t>注解</a:t>
+            </a:r>
+            <a:r>
+              <a:rPr lang="zh-CN" altLang="en-US" dirty="0" smtClean="0"/>
+              <a:t>函数名称</a:t>
             </a:r>
             <a:endParaRPr lang="en-US" altLang="zh-CN" dirty="0" smtClean="0"/>
           </a:p>
           <a:p>
+            <a:r>
+              <a:rPr lang="zh-CN" altLang="en-US" dirty="0" smtClean="0"/>
+              <a:t>注解函数：</a:t>
+            </a:r>
+            <a:endParaRPr lang="en-US" altLang="zh-CN" dirty="0" smtClean="0"/>
+          </a:p>
+          <a:p>
             <a:pPr lvl="1"/>
             <a:r>
-              <a:rPr lang="zh-CN" altLang="en-US" dirty="0" smtClean="0"/>
-              <a:t>基本类型的序列化：</a:t>
-            </a:r>
-            <a:r>
-              <a:rPr lang="en-US" altLang="zh-CN" dirty="0" smtClean="0"/>
-              <a:t>int,float,,</a:t>
-            </a:r>
-            <a:r>
-              <a:rPr lang="en-US" altLang="zh-CN" dirty="0" err="1" smtClean="0"/>
-              <a:t>list,set,map</a:t>
-            </a:r>
-            <a:r>
-              <a:rPr lang="zh-CN" altLang="en-US" dirty="0" smtClean="0"/>
-              <a:t>使用</a:t>
-            </a:r>
-            <a:r>
-              <a:rPr lang="en-US" altLang="zh-CN" dirty="0" err="1" smtClean="0"/>
-              <a:t>json.dumps</a:t>
-            </a:r>
-            <a:r>
-              <a:rPr lang="en-US" altLang="zh-CN" dirty="0" smtClean="0"/>
-              <a:t>(a)</a:t>
+              <a:rPr lang="zh-CN" altLang="en-US" dirty="0"/>
+              <a:t>自定义</a:t>
+            </a:r>
+            <a:r>
+              <a:rPr lang="zh-CN" altLang="en-US" dirty="0" smtClean="0"/>
+              <a:t>：形参是注解需要的参数，返回值会被当作函数名称再次调用所以须是函数名称，</a:t>
+            </a:r>
+            <a:r>
+              <a:rPr lang="en-US" altLang="zh-CN" dirty="0"/>
+              <a:t/>
+            </a:r>
+            <a:br>
+              <a:rPr lang="en-US" altLang="zh-CN" dirty="0"/>
+            </a:br>
+            <a:r>
+              <a:rPr lang="en-US" altLang="zh-CN" dirty="0" smtClean="0"/>
+              <a:t>			</a:t>
+            </a:r>
+            <a:r>
+              <a:rPr lang="zh-CN" altLang="en-US" dirty="0" smtClean="0"/>
+              <a:t>而返回值被调用之后的返回值会被赋值给被注解函数名称。返回值函数的输</a:t>
+            </a:r>
+            <a:r>
+              <a:rPr lang="en-US" altLang="zh-CN" dirty="0" smtClean="0"/>
+              <a:t>				</a:t>
+            </a:r>
+            <a:r>
+              <a:rPr lang="zh-CN" altLang="en-US" dirty="0" smtClean="0"/>
+              <a:t>入有且只有一个形参，调用时会被赋值为被注解函数名称。</a:t>
+            </a:r>
+            <a:endParaRPr lang="en-US" altLang="zh-CN" dirty="0" smtClean="0"/>
+          </a:p>
+          <a:p>
+            <a:r>
+              <a:rPr lang="zh-CN" altLang="en-US" dirty="0"/>
+              <a:t>注解用于包装、代理一个</a:t>
+            </a:r>
+            <a:r>
+              <a:rPr lang="zh-CN" altLang="en-US" dirty="0" smtClean="0"/>
+              <a:t>函数</a:t>
+            </a:r>
+            <a:r>
+              <a:rPr lang="en-US" altLang="zh-CN" dirty="0" smtClean="0"/>
+              <a:t>:</a:t>
             </a:r>
           </a:p>
           <a:p>
             <a:pPr lvl="1"/>
             <a:r>
-              <a:rPr lang="zh-CN" altLang="en-US" dirty="0" smtClean="0"/>
-              <a:t>类实例的序列化：</a:t>
-            </a:r>
-            <a:r>
-              <a:rPr lang="en-US" altLang="zh-CN" dirty="0" err="1" smtClean="0"/>
-              <a:t>json.dumps</a:t>
-            </a:r>
-            <a:r>
-              <a:rPr lang="en-US" altLang="zh-CN" dirty="0" smtClean="0"/>
-              <a:t>(</a:t>
-            </a:r>
-            <a:r>
-              <a:rPr lang="en-US" altLang="zh-CN" dirty="0" err="1" smtClean="0"/>
-              <a:t>obj</a:t>
-            </a:r>
-            <a:r>
-              <a:rPr lang="en-US" altLang="zh-CN" dirty="0" smtClean="0"/>
-              <a:t>, default=</a:t>
-            </a:r>
-            <a:r>
-              <a:rPr lang="zh-CN" altLang="en-US" dirty="0" smtClean="0"/>
-              <a:t>返回字典的函数</a:t>
-            </a:r>
-            <a:r>
-              <a:rPr lang="en-US" altLang="zh-CN" dirty="0" smtClean="0"/>
-              <a:t>),</a:t>
-            </a:r>
-            <a:r>
-              <a:rPr lang="zh-CN" altLang="en-US" dirty="0" smtClean="0"/>
-              <a:t>函数常用</a:t>
-            </a:r>
-            <a:r>
-              <a:rPr lang="en-US" altLang="zh-CN" dirty="0" smtClean="0"/>
-              <a:t>lambda</a:t>
-            </a:r>
-            <a:r>
-              <a:rPr lang="zh-CN" altLang="en-US" dirty="0" smtClean="0"/>
-              <a:t>表达式</a:t>
-            </a:r>
-            <a:r>
-              <a:rPr lang="en-US" altLang="zh-CN" dirty="0" smtClean="0"/>
-              <a:t/>
-            </a:r>
-            <a:br>
-              <a:rPr lang="en-US" altLang="zh-CN" dirty="0" smtClean="0"/>
-            </a:br>
-            <a:r>
-              <a:rPr lang="en-US" altLang="zh-CN" dirty="0" smtClean="0"/>
-              <a:t>				</a:t>
-            </a:r>
-            <a:r>
-              <a:rPr lang="zh-CN" altLang="en-US" dirty="0" smtClean="0"/>
-              <a:t>如</a:t>
-            </a:r>
-            <a:r>
-              <a:rPr lang="en-US" altLang="zh-CN" dirty="0" err="1"/>
-              <a:t>obj</a:t>
-            </a:r>
-            <a:r>
-              <a:rPr lang="en-US" altLang="zh-CN" dirty="0" err="1" smtClean="0"/>
-              <a:t>_json</a:t>
-            </a:r>
-            <a:r>
-              <a:rPr lang="en-US" altLang="zh-CN" dirty="0" smtClean="0"/>
-              <a:t> </a:t>
-            </a:r>
-            <a:r>
-              <a:rPr lang="en-US" altLang="zh-CN" dirty="0"/>
-              <a:t>= </a:t>
-            </a:r>
-            <a:r>
-              <a:rPr lang="en-US" altLang="zh-CN" dirty="0" err="1" smtClean="0"/>
-              <a:t>json.dumps</a:t>
-            </a:r>
-            <a:r>
-              <a:rPr lang="en-US" altLang="zh-CN" dirty="0" smtClean="0"/>
-              <a:t>(</a:t>
-            </a:r>
-            <a:r>
-              <a:rPr lang="en-US" altLang="zh-CN" dirty="0" err="1" smtClean="0"/>
-              <a:t>obj</a:t>
-            </a:r>
-            <a:r>
-              <a:rPr lang="en-US" altLang="zh-CN" dirty="0" smtClean="0"/>
-              <a:t>, </a:t>
-            </a:r>
-            <a:r>
-              <a:rPr lang="en-US" altLang="zh-CN" dirty="0"/>
-              <a:t>default=lambda o : o.__</a:t>
-            </a:r>
-            <a:r>
-              <a:rPr lang="en-US" altLang="zh-CN" dirty="0" err="1"/>
-              <a:t>dict</a:t>
-            </a:r>
-            <a:r>
-              <a:rPr lang="en-US" altLang="zh-CN" dirty="0"/>
-              <a:t>__)</a:t>
+              <a:rPr lang="zh-CN" altLang="en-US" dirty="0"/>
+              <a:t>注解</a:t>
+            </a:r>
+            <a:r>
+              <a:rPr lang="zh-CN" altLang="en-US" dirty="0" smtClean="0"/>
+              <a:t>函数及其返回值函数需要</a:t>
+            </a:r>
+            <a:r>
+              <a:rPr lang="zh-CN" altLang="en-US" dirty="0"/>
+              <a:t>定义为闭包格式，即内部自定义一个函数，并返回这个函数</a:t>
+            </a:r>
+            <a:r>
+              <a:rPr lang="zh-CN" altLang="en-US" dirty="0" smtClean="0"/>
+              <a:t>。</a:t>
             </a:r>
             <a:endParaRPr lang="en-US" altLang="zh-CN" dirty="0" smtClean="0"/>
           </a:p>
@@ -16305,287 +16559,28 @@
             <a:pPr lvl="1"/>
             <a:r>
               <a:rPr lang="zh-CN" altLang="en-US" dirty="0" smtClean="0"/>
-              <a:t>键或值含有中文：</a:t>
-            </a:r>
-            <a:r>
-              <a:rPr lang="en-US" altLang="zh-CN" dirty="0"/>
-              <a:t> </a:t>
-            </a:r>
-            <a:r>
-              <a:rPr lang="en-US" altLang="zh-CN" dirty="0" err="1" smtClean="0"/>
-              <a:t>json.dumps</a:t>
-            </a:r>
-            <a:r>
-              <a:rPr lang="en-US" altLang="zh-CN" dirty="0" smtClean="0"/>
-              <a:t>(data</a:t>
-            </a:r>
-            <a:r>
-              <a:rPr lang="en-US" altLang="zh-CN" dirty="0"/>
-              <a:t>, </a:t>
-            </a:r>
-            <a:r>
-              <a:rPr lang="en-US" altLang="zh-CN" dirty="0" err="1" smtClean="0"/>
-              <a:t>ensure_ascii</a:t>
-            </a:r>
-            <a:r>
-              <a:rPr lang="en-US" altLang="zh-CN" dirty="0" smtClean="0"/>
-              <a:t>=False)</a:t>
-            </a:r>
-            <a:r>
-              <a:rPr lang="zh-CN" altLang="en-US" dirty="0" smtClean="0"/>
-              <a:t>默认中文编码是</a:t>
-            </a:r>
-            <a:r>
-              <a:rPr lang="en-US" altLang="zh-CN" dirty="0" smtClean="0"/>
-              <a:t>Unicode</a:t>
-            </a:r>
-            <a:br>
-              <a:rPr lang="en-US" altLang="zh-CN" dirty="0" smtClean="0"/>
-            </a:br>
-            <a:r>
-              <a:rPr lang="en-US" altLang="zh-CN" dirty="0" smtClean="0"/>
-              <a:t>				  </a:t>
-            </a:r>
-            <a:r>
-              <a:rPr lang="zh-CN" altLang="en-US" dirty="0" smtClean="0"/>
-              <a:t>对于显示和输出到文件，中文就不会是</a:t>
-            </a:r>
-            <a:r>
-              <a:rPr lang="en-US" altLang="zh-CN" dirty="0" err="1" smtClean="0"/>
-              <a:t>unicode</a:t>
-            </a:r>
-            <a:r>
-              <a:rPr lang="zh-CN" altLang="en-US" dirty="0" smtClean="0"/>
-              <a:t>代码</a:t>
-            </a:r>
-            <a:endParaRPr lang="en-US" altLang="zh-CN" dirty="0" smtClean="0"/>
-          </a:p>
-          <a:p>
-            <a:r>
-              <a:rPr lang="zh-CN" altLang="en-US" dirty="0"/>
-              <a:t>反序列化</a:t>
-            </a:r>
-            <a:r>
-              <a:rPr lang="zh-CN" altLang="en-US" dirty="0" smtClean="0"/>
-              <a:t>：</a:t>
-            </a:r>
-            <a:r>
-              <a:rPr lang="en-US" altLang="zh-CN" dirty="0"/>
-              <a:t> </a:t>
-            </a:r>
-            <a:r>
-              <a:rPr lang="en-US" altLang="zh-CN" dirty="0" err="1"/>
-              <a:t>json</a:t>
-            </a:r>
-            <a:r>
-              <a:rPr lang="zh-CN" altLang="en-US" dirty="0"/>
-              <a:t>格式</a:t>
-            </a:r>
-            <a:r>
-              <a:rPr lang="zh-CN" altLang="en-US" dirty="0" smtClean="0"/>
-              <a:t>字符串转换为</a:t>
-            </a:r>
-            <a:r>
-              <a:rPr lang="zh-CN" altLang="en-US" dirty="0"/>
-              <a:t>一个</a:t>
-            </a:r>
-            <a:r>
-              <a:rPr lang="en-US" altLang="zh-CN" dirty="0"/>
-              <a:t>python</a:t>
-            </a:r>
-            <a:r>
-              <a:rPr lang="zh-CN" altLang="en-US" dirty="0"/>
-              <a:t>数据结构</a:t>
-            </a:r>
-            <a:r>
-              <a:rPr lang="zh-CN" altLang="en-US" dirty="0" smtClean="0"/>
-              <a:t>对象</a:t>
-            </a:r>
-            <a:endParaRPr lang="en-US" altLang="zh-CN" dirty="0" smtClean="0"/>
+              <a:t>注解函数的返回值调用返回的函数</a:t>
+            </a:r>
+            <a:r>
+              <a:rPr lang="zh-CN" altLang="en-US" dirty="0"/>
+              <a:t>就是被注解函数的代理</a:t>
+            </a:r>
+            <a:r>
+              <a:rPr lang="zh-CN" altLang="en-US" dirty="0" smtClean="0"/>
+              <a:t>函数</a:t>
+            </a:r>
+            <a:endParaRPr lang="en-US" altLang="zh-CN" dirty="0"/>
           </a:p>
           <a:p>
             <a:pPr lvl="1"/>
-            <a:r>
-              <a:rPr lang="zh-CN" altLang="en-US" dirty="0" smtClean="0"/>
-              <a:t>基本类型的反序列化：</a:t>
-            </a:r>
-            <a:r>
-              <a:rPr lang="en-US" altLang="zh-CN" dirty="0"/>
-              <a:t> int,float,,</a:t>
-            </a:r>
-            <a:r>
-              <a:rPr lang="en-US" altLang="zh-CN" dirty="0" err="1"/>
-              <a:t>list,set,map</a:t>
-            </a:r>
-            <a:r>
-              <a:rPr lang="zh-CN" altLang="en-US" dirty="0" smtClean="0"/>
-              <a:t>使用</a:t>
-            </a:r>
-            <a:r>
-              <a:rPr lang="en-US" altLang="zh-CN" dirty="0" err="1" smtClean="0"/>
-              <a:t>json.loads</a:t>
-            </a:r>
-            <a:r>
-              <a:rPr lang="en-US" altLang="zh-CN" dirty="0" smtClean="0"/>
-              <a:t>(a)</a:t>
-            </a:r>
-          </a:p>
-          <a:p>
-            <a:pPr lvl="1"/>
-            <a:r>
-              <a:rPr lang="zh-CN" altLang="en-US" dirty="0" smtClean="0"/>
-              <a:t>类实例的反序列化：</a:t>
-            </a:r>
-            <a:r>
-              <a:rPr lang="en-US" altLang="zh-CN" dirty="0" err="1" smtClean="0"/>
-              <a:t>json.loads</a:t>
-            </a:r>
-            <a:r>
-              <a:rPr lang="en-US" altLang="zh-CN" dirty="0" smtClean="0"/>
-              <a:t>(</a:t>
-            </a:r>
-            <a:r>
-              <a:rPr lang="en-US" altLang="zh-CN" dirty="0" err="1" smtClean="0"/>
-              <a:t>obj</a:t>
-            </a:r>
-            <a:r>
-              <a:rPr lang="en-US" altLang="zh-CN" dirty="0" smtClean="0"/>
-              <a:t>, </a:t>
-            </a:r>
-            <a:r>
-              <a:rPr lang="en-US" altLang="zh-CN" dirty="0" err="1" smtClean="0"/>
-              <a:t>object_hook</a:t>
-            </a:r>
-            <a:r>
-              <a:rPr lang="en-US" altLang="zh-CN" dirty="0" smtClean="0"/>
-              <a:t>=</a:t>
-            </a:r>
-            <a:r>
-              <a:rPr lang="zh-CN" altLang="en-US" dirty="0" smtClean="0"/>
-              <a:t>返回对象的函数</a:t>
-            </a:r>
-            <a:r>
-              <a:rPr lang="en-US" altLang="zh-CN" dirty="0" smtClean="0"/>
-              <a:t>)</a:t>
-            </a:r>
-            <a:r>
-              <a:rPr lang="zh-CN" altLang="en-US" dirty="0" smtClean="0"/>
-              <a:t>函数可用</a:t>
-            </a:r>
-            <a:r>
-              <a:rPr lang="en-US" altLang="zh-CN" dirty="0" smtClean="0"/>
-              <a:t>lambda</a:t>
-            </a:r>
-            <a:r>
-              <a:rPr lang="zh-CN" altLang="en-US" dirty="0" smtClean="0"/>
-              <a:t>表达式</a:t>
-            </a:r>
-            <a:endParaRPr lang="en-US" altLang="zh-CN" dirty="0" smtClean="0"/>
-          </a:p>
-          <a:p>
-            <a:pPr lvl="1"/>
-            <a:r>
-              <a:rPr lang="zh-CN" altLang="en-US" dirty="0" smtClean="0"/>
-              <a:t>键或值中含有中文：</a:t>
-            </a:r>
-            <a:r>
-              <a:rPr lang="en-US" altLang="zh-CN" dirty="0" err="1" smtClean="0"/>
-              <a:t>json.loads</a:t>
-            </a:r>
-            <a:r>
-              <a:rPr lang="en-US" altLang="zh-CN" dirty="0" smtClean="0"/>
-              <a:t>(</a:t>
-            </a:r>
-            <a:r>
-              <a:rPr lang="en-US" altLang="zh-CN" dirty="0" err="1" smtClean="0"/>
-              <a:t>obj</a:t>
-            </a:r>
-            <a:r>
-              <a:rPr lang="en-US" altLang="zh-CN" dirty="0" smtClean="0"/>
-              <a:t>)</a:t>
-            </a:r>
-            <a:r>
-              <a:rPr lang="zh-CN" altLang="en-US" dirty="0" smtClean="0"/>
-              <a:t>之后，再次</a:t>
-            </a:r>
-            <a:r>
-              <a:rPr lang="en-US" altLang="zh-CN" dirty="0" smtClean="0"/>
-              <a:t>dumps</a:t>
-            </a:r>
-            <a:r>
-              <a:rPr lang="zh-CN" altLang="en-US" dirty="0" smtClean="0"/>
-              <a:t>，来显示中文</a:t>
-            </a:r>
-            <a:r>
-              <a:rPr lang="en-US" altLang="zh-CN" dirty="0" err="1" smtClean="0"/>
-              <a:t>json.dumps</a:t>
-            </a:r>
-            <a:r>
-              <a:rPr lang="en-US" altLang="zh-CN" dirty="0" smtClean="0"/>
-              <a:t>(data</a:t>
-            </a:r>
-            <a:r>
-              <a:rPr lang="en-US" altLang="zh-CN" dirty="0"/>
-              <a:t>, </a:t>
-            </a:r>
-            <a:r>
-              <a:rPr lang="en-US" altLang="zh-CN" dirty="0" err="1" smtClean="0"/>
-              <a:t>ensure_ascii</a:t>
-            </a:r>
-            <a:r>
-              <a:rPr lang="en-US" altLang="zh-CN" dirty="0" smtClean="0"/>
-              <a:t>=False)</a:t>
-            </a:r>
-            <a:r>
-              <a:rPr lang="zh-CN" altLang="en-US" dirty="0" smtClean="0"/>
-              <a:t>。</a:t>
-            </a:r>
-            <a:endParaRPr lang="en-US" altLang="zh-CN" dirty="0" smtClean="0"/>
-          </a:p>
-          <a:p>
-            <a:r>
-              <a:rPr lang="zh-CN" altLang="en-US" dirty="0" smtClean="0"/>
-              <a:t>另：</a:t>
-            </a:r>
-            <a:r>
-              <a:rPr lang="en-US" altLang="zh-CN" dirty="0" err="1" smtClean="0"/>
-              <a:t>json.dumps</a:t>
-            </a:r>
-            <a:r>
-              <a:rPr lang="zh-CN" altLang="en-US" dirty="0" smtClean="0"/>
-              <a:t>常用参数：</a:t>
-            </a:r>
-            <a:r>
-              <a:rPr lang="en-US" altLang="zh-CN" dirty="0" smtClean="0"/>
-              <a:t>key</a:t>
-            </a:r>
-            <a:r>
-              <a:rPr lang="zh-CN" altLang="en-US" dirty="0" smtClean="0"/>
-              <a:t>排序</a:t>
-            </a:r>
-            <a:r>
-              <a:rPr lang="en-US" altLang="zh-CN" dirty="0" err="1" smtClean="0"/>
-              <a:t>sort_keys</a:t>
-            </a:r>
-            <a:r>
-              <a:rPr lang="en-US" altLang="zh-CN" dirty="0" smtClean="0"/>
-              <a:t>=True, </a:t>
-            </a:r>
-            <a:r>
-              <a:rPr lang="zh-CN" altLang="en-US" dirty="0" smtClean="0"/>
-              <a:t>格式化输出</a:t>
-            </a:r>
-            <a:r>
-              <a:rPr lang="en-US" altLang="zh-CN" dirty="0" smtClean="0"/>
-              <a:t>indent=4</a:t>
-            </a:r>
+            <a:endParaRPr lang="en-US" altLang="zh-CN" dirty="0"/>
           </a:p>
         </p:txBody>
       </p:sp>
     </p:spTree>
     <p:extLst>
       <p:ext uri="{BB962C8B-B14F-4D97-AF65-F5344CB8AC3E}">
-        <p14:creationId xmlns:p14="http://schemas.microsoft.com/office/powerpoint/2010/main" val="4075824538"/>
+        <p14:creationId xmlns:p14="http://schemas.microsoft.com/office/powerpoint/2010/main" val="578777252"/>
       </p:ext>
     </p:extLst>
   </p:cSld>
@@ -16627,7 +16622,23 @@
           <a:bodyPr/>
           <a:lstStyle/>
           <a:p>
-            <a:endParaRPr lang="zh-CN" altLang="en-US"/>
+            <a:r>
+              <a:rPr lang="zh-CN" altLang="en-US" dirty="0" smtClean="0"/>
+              <a:t>注解</a:t>
+            </a:r>
+            <a:r>
+              <a:rPr lang="en-US" altLang="zh-CN" dirty="0" smtClean="0"/>
+              <a:t>(</a:t>
+            </a:r>
+            <a:r>
+              <a:rPr lang="zh-CN" altLang="en-US" dirty="0"/>
+              <a:t>三</a:t>
+            </a:r>
+            <a:r>
+              <a:rPr lang="en-US" altLang="zh-CN" dirty="0" smtClean="0"/>
+              <a:t>)</a:t>
+            </a:r>
+            <a:endParaRPr lang="zh-CN" altLang="en-US" dirty="0"/>
           </a:p>
         </p:txBody>
       </p:sp>
@@ -16646,14 +16657,45 @@
           <a:bodyPr/>
           <a:lstStyle/>
           <a:p>
-            <a:endParaRPr lang="zh-CN" altLang="en-US"/>
+            <a:r>
+              <a:rPr lang="zh-CN" altLang="en-US" dirty="0" smtClean="0"/>
+              <a:t>注解函数的执行时间：扫描被注解的函数的时候。</a:t>
+            </a:r>
+            <a:endParaRPr lang="en-US" altLang="zh-CN" dirty="0" smtClean="0"/>
+          </a:p>
+          <a:p>
+            <a:r>
+              <a:rPr lang="zh-CN" altLang="en-US" dirty="0"/>
+              <a:t>一</a:t>
+            </a:r>
+            <a:r>
+              <a:rPr lang="zh-CN" altLang="en-US" dirty="0" smtClean="0"/>
+              <a:t>个函数可以多次被注解：</a:t>
+            </a:r>
+            <a:endParaRPr lang="en-US" altLang="zh-CN" dirty="0" smtClean="0"/>
+          </a:p>
+          <a:p>
+            <a:pPr lvl="1"/>
+            <a:r>
+              <a:rPr lang="zh-CN" altLang="en-US" dirty="0" smtClean="0"/>
+              <a:t>多个注解函数的执行顺序：由下到上。</a:t>
+            </a:r>
+            <a:endParaRPr lang="en-US" altLang="zh-CN" dirty="0" smtClean="0"/>
+          </a:p>
+          <a:p>
+            <a:pPr lvl="1"/>
+            <a:r>
+              <a:rPr lang="zh-CN" altLang="en-US" dirty="0" smtClean="0"/>
+              <a:t>最上面的注解函数的返回值被赋值给被注解函数名称。</a:t>
+            </a:r>
+            <a:endParaRPr lang="en-US" altLang="zh-CN" dirty="0" smtClean="0"/>
           </a:p>
         </p:txBody>
       </p:sp>
     </p:spTree>
     <p:extLst>
       <p:ext uri="{BB962C8B-B14F-4D97-AF65-F5344CB8AC3E}">
-        <p14:creationId xmlns:p14="http://schemas.microsoft.com/office/powerpoint/2010/main" val="4183830744"/>
+        <p14:creationId xmlns:p14="http://schemas.microsoft.com/office/powerpoint/2010/main" val="1403820250"/>
       </p:ext>
     </p:extLst>
   </p:cSld>
@@ -16697,7 +16739,7 @@
           <a:p>
             <a:r>
               <a:rPr lang="zh-CN" altLang="en-US" dirty="0" smtClean="0"/>
-              <a:t>文件操作</a:t>
+              <a:t>序列化、反序列化</a:t>
             </a:r>
             <a:endParaRPr lang="zh-CN" altLang="en-US" dirty="0"/>
           </a:p>
@@ -16715,17 +16757,452 @@
         </p:nvSpPr>
         <p:spPr/>
         <p:txBody>
-          <a:bodyPr/>
+          <a:bodyPr>
+            <a:normAutofit fontScale="92500" lnSpcReduction="10000"/>
+          </a:bodyPr>
           <a:lstStyle/>
           <a:p>
-            <a:endParaRPr lang="zh-CN" altLang="en-US" dirty="0"/>
+            <a:r>
+              <a:rPr lang="zh-CN" altLang="en-US" dirty="0"/>
+              <a:t>序列化：将一个</a:t>
+            </a:r>
+            <a:r>
+              <a:rPr lang="en-US" altLang="zh-CN" dirty="0"/>
+              <a:t>python</a:t>
+            </a:r>
+            <a:r>
+              <a:rPr lang="zh-CN" altLang="en-US" dirty="0"/>
+              <a:t>数据结构对象转换为</a:t>
+            </a:r>
+            <a:r>
+              <a:rPr lang="en-US" altLang="zh-CN" dirty="0" err="1"/>
+              <a:t>json</a:t>
+            </a:r>
+            <a:r>
+              <a:rPr lang="zh-CN" altLang="en-US" dirty="0"/>
+              <a:t>格式</a:t>
+            </a:r>
+            <a:r>
+              <a:rPr lang="zh-CN" altLang="en-US" dirty="0" smtClean="0"/>
+              <a:t>字符串</a:t>
+            </a:r>
+            <a:endParaRPr lang="en-US" altLang="zh-CN" dirty="0" smtClean="0"/>
+          </a:p>
+          <a:p>
+            <a:pPr lvl="1"/>
+            <a:r>
+              <a:rPr lang="zh-CN" altLang="en-US" dirty="0" smtClean="0"/>
+              <a:t>基本类型的序列化：</a:t>
+            </a:r>
+            <a:r>
+              <a:rPr lang="en-US" altLang="zh-CN" dirty="0" smtClean="0"/>
+              <a:t>int,float,,</a:t>
+            </a:r>
+            <a:r>
+              <a:rPr lang="en-US" altLang="zh-CN" dirty="0" err="1" smtClean="0"/>
+              <a:t>list,set,map</a:t>
+            </a:r>
+            <a:r>
+              <a:rPr lang="zh-CN" altLang="en-US" dirty="0" smtClean="0"/>
+              <a:t>使用</a:t>
+            </a:r>
+            <a:r>
+              <a:rPr lang="en-US" altLang="zh-CN" dirty="0" err="1" smtClean="0"/>
+              <a:t>json.dumps</a:t>
+            </a:r>
+            <a:r>
+              <a:rPr lang="en-US" altLang="zh-CN" dirty="0" smtClean="0"/>
+              <a:t>(a)</a:t>
+            </a:r>
+          </a:p>
+          <a:p>
+            <a:pPr lvl="1"/>
+            <a:r>
+              <a:rPr lang="zh-CN" altLang="en-US" dirty="0" smtClean="0"/>
+              <a:t>类实例的序列化：</a:t>
+            </a:r>
+            <a:r>
+              <a:rPr lang="en-US" altLang="zh-CN" dirty="0" err="1" smtClean="0"/>
+              <a:t>json.dumps</a:t>
+            </a:r>
+            <a:r>
+              <a:rPr lang="en-US" altLang="zh-CN" dirty="0" smtClean="0"/>
+              <a:t>(</a:t>
+            </a:r>
+            <a:r>
+              <a:rPr lang="en-US" altLang="zh-CN" dirty="0" err="1" smtClean="0"/>
+              <a:t>obj</a:t>
+            </a:r>
+            <a:r>
+              <a:rPr lang="en-US" altLang="zh-CN" dirty="0" smtClean="0"/>
+              <a:t>, default=</a:t>
+            </a:r>
+            <a:r>
+              <a:rPr lang="zh-CN" altLang="en-US" dirty="0" smtClean="0"/>
+              <a:t>返回字典的函数</a:t>
+            </a:r>
+            <a:r>
+              <a:rPr lang="en-US" altLang="zh-CN" dirty="0" smtClean="0"/>
+              <a:t>),</a:t>
+            </a:r>
+            <a:r>
+              <a:rPr lang="zh-CN" altLang="en-US" dirty="0" smtClean="0"/>
+              <a:t>函数常用</a:t>
+            </a:r>
+            <a:r>
+              <a:rPr lang="en-US" altLang="zh-CN" dirty="0" smtClean="0"/>
+              <a:t>lambda</a:t>
+            </a:r>
+            <a:r>
+              <a:rPr lang="zh-CN" altLang="en-US" dirty="0" smtClean="0"/>
+              <a:t>表达式</a:t>
+            </a:r>
+            <a:r>
+              <a:rPr lang="en-US" altLang="zh-CN" dirty="0" smtClean="0"/>
+              <a:t/>
+            </a:r>
+            <a:br>
+              <a:rPr lang="en-US" altLang="zh-CN" dirty="0" smtClean="0"/>
+            </a:br>
+            <a:r>
+              <a:rPr lang="en-US" altLang="zh-CN" dirty="0" smtClean="0"/>
+              <a:t>				</a:t>
+            </a:r>
+            <a:r>
+              <a:rPr lang="zh-CN" altLang="en-US" dirty="0" smtClean="0"/>
+              <a:t>如</a:t>
+            </a:r>
+            <a:r>
+              <a:rPr lang="en-US" altLang="zh-CN" dirty="0" err="1"/>
+              <a:t>obj</a:t>
+            </a:r>
+            <a:r>
+              <a:rPr lang="en-US" altLang="zh-CN" dirty="0" err="1" smtClean="0"/>
+              <a:t>_json</a:t>
+            </a:r>
+            <a:r>
+              <a:rPr lang="en-US" altLang="zh-CN" dirty="0" smtClean="0"/>
+              <a:t> </a:t>
+            </a:r>
+            <a:r>
+              <a:rPr lang="en-US" altLang="zh-CN" dirty="0"/>
+              <a:t>= </a:t>
+            </a:r>
+            <a:r>
+              <a:rPr lang="en-US" altLang="zh-CN" dirty="0" err="1" smtClean="0"/>
+              <a:t>json.dumps</a:t>
+            </a:r>
+            <a:r>
+              <a:rPr lang="en-US" altLang="zh-CN" dirty="0" smtClean="0"/>
+              <a:t>(</a:t>
+            </a:r>
+            <a:r>
+              <a:rPr lang="en-US" altLang="zh-CN" dirty="0" err="1" smtClean="0"/>
+              <a:t>obj</a:t>
+            </a:r>
+            <a:r>
+              <a:rPr lang="en-US" altLang="zh-CN" dirty="0" smtClean="0"/>
+              <a:t>, </a:t>
+            </a:r>
+            <a:r>
+              <a:rPr lang="en-US" altLang="zh-CN" dirty="0"/>
+              <a:t>default=lambda o : o.__</a:t>
+            </a:r>
+            <a:r>
+              <a:rPr lang="en-US" altLang="zh-CN" dirty="0" err="1"/>
+              <a:t>dict</a:t>
+            </a:r>
+            <a:r>
+              <a:rPr lang="en-US" altLang="zh-CN" dirty="0"/>
+              <a:t>__)</a:t>
+            </a:r>
+            <a:endParaRPr lang="en-US" altLang="zh-CN" dirty="0" smtClean="0"/>
+          </a:p>
+          <a:p>
+            <a:pPr lvl="1"/>
+            <a:r>
+              <a:rPr lang="zh-CN" altLang="en-US" dirty="0" smtClean="0"/>
+              <a:t>键或值含有中文：</a:t>
+            </a:r>
+            <a:r>
+              <a:rPr lang="en-US" altLang="zh-CN" dirty="0"/>
+              <a:t> </a:t>
+            </a:r>
+            <a:r>
+              <a:rPr lang="en-US" altLang="zh-CN" dirty="0" err="1" smtClean="0"/>
+              <a:t>json.dumps</a:t>
+            </a:r>
+            <a:r>
+              <a:rPr lang="en-US" altLang="zh-CN" dirty="0" smtClean="0"/>
+              <a:t>(data</a:t>
+            </a:r>
+            <a:r>
+              <a:rPr lang="en-US" altLang="zh-CN" dirty="0"/>
+              <a:t>, </a:t>
+            </a:r>
+            <a:r>
+              <a:rPr lang="en-US" altLang="zh-CN" dirty="0" err="1" smtClean="0"/>
+              <a:t>ensure_ascii</a:t>
+            </a:r>
+            <a:r>
+              <a:rPr lang="en-US" altLang="zh-CN" dirty="0" smtClean="0"/>
+              <a:t>=False)</a:t>
+            </a:r>
+            <a:r>
+              <a:rPr lang="zh-CN" altLang="en-US" dirty="0" smtClean="0"/>
+              <a:t>默认中文编码是</a:t>
+            </a:r>
+            <a:r>
+              <a:rPr lang="en-US" altLang="zh-CN" dirty="0" smtClean="0"/>
+              <a:t>Unicode</a:t>
+            </a:r>
+            <a:br>
+              <a:rPr lang="en-US" altLang="zh-CN" dirty="0" smtClean="0"/>
+            </a:br>
+            <a:r>
+              <a:rPr lang="en-US" altLang="zh-CN" dirty="0" smtClean="0"/>
+              <a:t>				  </a:t>
+            </a:r>
+            <a:r>
+              <a:rPr lang="zh-CN" altLang="en-US" dirty="0" smtClean="0"/>
+              <a:t>对于显示和输出到文件，中文就不会是</a:t>
+            </a:r>
+            <a:r>
+              <a:rPr lang="en-US" altLang="zh-CN" dirty="0" err="1" smtClean="0"/>
+              <a:t>unicode</a:t>
+            </a:r>
+            <a:r>
+              <a:rPr lang="zh-CN" altLang="en-US" dirty="0" smtClean="0"/>
+              <a:t>代码</a:t>
+            </a:r>
+            <a:endParaRPr lang="en-US" altLang="zh-CN" dirty="0" smtClean="0"/>
+          </a:p>
+          <a:p>
+            <a:r>
+              <a:rPr lang="zh-CN" altLang="en-US" dirty="0"/>
+              <a:t>反序列化</a:t>
+            </a:r>
+            <a:r>
+              <a:rPr lang="zh-CN" altLang="en-US" dirty="0" smtClean="0"/>
+              <a:t>：</a:t>
+            </a:r>
+            <a:r>
+              <a:rPr lang="en-US" altLang="zh-CN" dirty="0"/>
+              <a:t> </a:t>
+            </a:r>
+            <a:r>
+              <a:rPr lang="en-US" altLang="zh-CN" dirty="0" err="1"/>
+              <a:t>json</a:t>
+            </a:r>
+            <a:r>
+              <a:rPr lang="zh-CN" altLang="en-US" dirty="0"/>
+              <a:t>格式</a:t>
+            </a:r>
+            <a:r>
+              <a:rPr lang="zh-CN" altLang="en-US" dirty="0" smtClean="0"/>
+              <a:t>字符串转换为</a:t>
+            </a:r>
+            <a:r>
+              <a:rPr lang="zh-CN" altLang="en-US" dirty="0"/>
+              <a:t>一个</a:t>
+            </a:r>
+            <a:r>
+              <a:rPr lang="en-US" altLang="zh-CN" dirty="0"/>
+              <a:t>python</a:t>
+            </a:r>
+            <a:r>
+              <a:rPr lang="zh-CN" altLang="en-US" dirty="0"/>
+              <a:t>数据结构</a:t>
+            </a:r>
+            <a:r>
+              <a:rPr lang="zh-CN" altLang="en-US" dirty="0" smtClean="0"/>
+              <a:t>对象</a:t>
+            </a:r>
+            <a:endParaRPr lang="en-US" altLang="zh-CN" dirty="0" smtClean="0"/>
+          </a:p>
+          <a:p>
+            <a:pPr lvl="1"/>
+            <a:r>
+              <a:rPr lang="zh-CN" altLang="en-US" dirty="0" smtClean="0"/>
+              <a:t>基本类型的反序列化：</a:t>
+            </a:r>
+            <a:r>
+              <a:rPr lang="en-US" altLang="zh-CN" dirty="0"/>
+              <a:t> int,float,,</a:t>
+            </a:r>
+            <a:r>
+              <a:rPr lang="en-US" altLang="zh-CN" dirty="0" err="1"/>
+              <a:t>list,set,map</a:t>
+            </a:r>
+            <a:r>
+              <a:rPr lang="zh-CN" altLang="en-US" dirty="0" smtClean="0"/>
+              <a:t>使用</a:t>
+            </a:r>
+            <a:r>
+              <a:rPr lang="en-US" altLang="zh-CN" dirty="0" err="1" smtClean="0"/>
+              <a:t>json.loads</a:t>
+            </a:r>
+            <a:r>
+              <a:rPr lang="en-US" altLang="zh-CN" dirty="0" smtClean="0"/>
+              <a:t>(a)</a:t>
+            </a:r>
+          </a:p>
+          <a:p>
+            <a:pPr lvl="1"/>
+            <a:r>
+              <a:rPr lang="zh-CN" altLang="en-US" dirty="0" smtClean="0"/>
+              <a:t>类实例的反序列化：</a:t>
+            </a:r>
+            <a:r>
+              <a:rPr lang="en-US" altLang="zh-CN" dirty="0" err="1" smtClean="0"/>
+              <a:t>json.loads</a:t>
+            </a:r>
+            <a:r>
+              <a:rPr lang="en-US" altLang="zh-CN" dirty="0" smtClean="0"/>
+              <a:t>(</a:t>
+            </a:r>
+            <a:r>
+              <a:rPr lang="en-US" altLang="zh-CN" dirty="0" err="1" smtClean="0"/>
+              <a:t>obj</a:t>
+            </a:r>
+            <a:r>
+              <a:rPr lang="en-US" altLang="zh-CN" dirty="0" smtClean="0"/>
+              <a:t>, </a:t>
+            </a:r>
+            <a:r>
+              <a:rPr lang="en-US" altLang="zh-CN" dirty="0" err="1" smtClean="0"/>
+              <a:t>object_hook</a:t>
+            </a:r>
+            <a:r>
+              <a:rPr lang="en-US" altLang="zh-CN" dirty="0" smtClean="0"/>
+              <a:t>=</a:t>
+            </a:r>
+            <a:r>
+              <a:rPr lang="zh-CN" altLang="en-US" dirty="0" smtClean="0"/>
+              <a:t>返回对象的函数</a:t>
+            </a:r>
+            <a:r>
+              <a:rPr lang="en-US" altLang="zh-CN" dirty="0" smtClean="0"/>
+              <a:t>)</a:t>
+            </a:r>
+            <a:r>
+              <a:rPr lang="zh-CN" altLang="en-US" dirty="0" smtClean="0"/>
+              <a:t>函数可用</a:t>
+            </a:r>
+            <a:r>
+              <a:rPr lang="en-US" altLang="zh-CN" dirty="0" smtClean="0"/>
+              <a:t>lambda</a:t>
+            </a:r>
+            <a:r>
+              <a:rPr lang="zh-CN" altLang="en-US" dirty="0" smtClean="0"/>
+              <a:t>表达式</a:t>
+            </a:r>
+            <a:endParaRPr lang="en-US" altLang="zh-CN" dirty="0" smtClean="0"/>
+          </a:p>
+          <a:p>
+            <a:pPr lvl="1"/>
+            <a:r>
+              <a:rPr lang="zh-CN" altLang="en-US" dirty="0" smtClean="0"/>
+              <a:t>键或值中含有中文：</a:t>
+            </a:r>
+            <a:r>
+              <a:rPr lang="en-US" altLang="zh-CN" dirty="0" err="1" smtClean="0"/>
+              <a:t>json.loads</a:t>
+            </a:r>
+            <a:r>
+              <a:rPr lang="en-US" altLang="zh-CN" dirty="0" smtClean="0"/>
+              <a:t>(</a:t>
+            </a:r>
+            <a:r>
+              <a:rPr lang="en-US" altLang="zh-CN" dirty="0" err="1" smtClean="0"/>
+              <a:t>obj</a:t>
+            </a:r>
+            <a:r>
+              <a:rPr lang="en-US" altLang="zh-CN" dirty="0" smtClean="0"/>
+              <a:t>)</a:t>
+            </a:r>
+            <a:r>
+              <a:rPr lang="zh-CN" altLang="en-US" dirty="0" smtClean="0"/>
+              <a:t>之后，再次</a:t>
+            </a:r>
+            <a:r>
+              <a:rPr lang="en-US" altLang="zh-CN" dirty="0" smtClean="0"/>
+              <a:t>dumps</a:t>
+            </a:r>
+            <a:r>
+              <a:rPr lang="zh-CN" altLang="en-US" dirty="0" smtClean="0"/>
+              <a:t>，来显示中文</a:t>
+            </a:r>
+            <a:r>
+              <a:rPr lang="en-US" altLang="zh-CN" dirty="0" err="1" smtClean="0"/>
+              <a:t>json.dumps</a:t>
+            </a:r>
+            <a:r>
+              <a:rPr lang="en-US" altLang="zh-CN" dirty="0" smtClean="0"/>
+              <a:t>(data</a:t>
+            </a:r>
+            <a:r>
+              <a:rPr lang="en-US" altLang="zh-CN" dirty="0"/>
+              <a:t>, </a:t>
+            </a:r>
+            <a:r>
+              <a:rPr lang="en-US" altLang="zh-CN" dirty="0" err="1" smtClean="0"/>
+              <a:t>ensure_ascii</a:t>
+            </a:r>
+            <a:r>
+              <a:rPr lang="en-US" altLang="zh-CN" dirty="0" smtClean="0"/>
+              <a:t>=False)</a:t>
+            </a:r>
+            <a:r>
+              <a:rPr lang="zh-CN" altLang="en-US" dirty="0" smtClean="0"/>
+              <a:t>。</a:t>
+            </a:r>
+            <a:endParaRPr lang="en-US" altLang="zh-CN" dirty="0" smtClean="0"/>
+          </a:p>
+          <a:p>
+            <a:r>
+              <a:rPr lang="zh-CN" altLang="en-US" dirty="0" smtClean="0"/>
+              <a:t>另：</a:t>
+            </a:r>
+            <a:r>
+              <a:rPr lang="en-US" altLang="zh-CN" dirty="0" err="1" smtClean="0"/>
+              <a:t>json.dumps</a:t>
+            </a:r>
+            <a:r>
+              <a:rPr lang="zh-CN" altLang="en-US" dirty="0" smtClean="0"/>
+              <a:t>常用参数：</a:t>
+            </a:r>
+            <a:r>
+              <a:rPr lang="en-US" altLang="zh-CN" dirty="0" smtClean="0"/>
+              <a:t>key</a:t>
+            </a:r>
+            <a:r>
+              <a:rPr lang="zh-CN" altLang="en-US" dirty="0" smtClean="0"/>
+              <a:t>排序</a:t>
+            </a:r>
+            <a:r>
+              <a:rPr lang="en-US" altLang="zh-CN" dirty="0" err="1" smtClean="0"/>
+              <a:t>sort_keys</a:t>
+            </a:r>
+            <a:r>
+              <a:rPr lang="en-US" altLang="zh-CN" dirty="0" smtClean="0"/>
+              <a:t>=True, </a:t>
+            </a:r>
+            <a:r>
+              <a:rPr lang="zh-CN" altLang="en-US" dirty="0" smtClean="0"/>
+              <a:t>格式化输出</a:t>
+            </a:r>
+            <a:r>
+              <a:rPr lang="en-US" altLang="zh-CN" dirty="0" smtClean="0"/>
+              <a:t>indent=4</a:t>
+            </a:r>
           </a:p>
         </p:txBody>
       </p:sp>
     </p:spTree>
     <p:extLst>
       <p:ext uri="{BB962C8B-B14F-4D97-AF65-F5344CB8AC3E}">
-        <p14:creationId xmlns:p14="http://schemas.microsoft.com/office/powerpoint/2010/main" val="3969081383"/>
+        <p14:creationId xmlns:p14="http://schemas.microsoft.com/office/powerpoint/2010/main" val="4075824538"/>
       </p:ext>
     </p:extLst>
   </p:cSld>
@@ -16767,11 +17244,7 @@
           <a:bodyPr/>
           <a:lstStyle/>
           <a:p>
-            <a:r>
-              <a:rPr lang="zh-CN" altLang="en-US" dirty="0" smtClean="0"/>
-              <a:t>数据库访问</a:t>
-            </a:r>
-            <a:endParaRPr lang="zh-CN" altLang="en-US" dirty="0"/>
+            <a:endParaRPr lang="zh-CN" altLang="en-US"/>
           </a:p>
         </p:txBody>
       </p:sp>
@@ -16797,7 +17270,7 @@
     </p:spTree>
     <p:extLst>
       <p:ext uri="{BB962C8B-B14F-4D97-AF65-F5344CB8AC3E}">
-        <p14:creationId xmlns:p14="http://schemas.microsoft.com/office/powerpoint/2010/main" val="4080670722"/>
+        <p14:creationId xmlns:p14="http://schemas.microsoft.com/office/powerpoint/2010/main" val="4183830744"/>
       </p:ext>
     </p:extLst>
   </p:cSld>
@@ -16840,12 +17313,8 @@
           <a:lstStyle/>
           <a:p>
             <a:r>
-              <a:rPr lang="en-US" altLang="zh-CN" dirty="0" smtClean="0"/>
-              <a:t>http</a:t>
-            </a:r>
-            <a:r>
-              <a:rPr lang="zh-CN" altLang="en-US" dirty="0" smtClean="0"/>
-              <a:t>请求响应</a:t>
+              <a:rPr lang="zh-CN" altLang="en-US" dirty="0" smtClean="0"/>
+              <a:t>文件操作</a:t>
             </a:r>
             <a:endParaRPr lang="zh-CN" altLang="en-US" dirty="0"/>
           </a:p>
@@ -16866,10 +17335,6 @@
           <a:bodyPr/>
           <a:lstStyle/>
           <a:p>
-            <a:r>
-              <a:rPr lang="zh-CN" altLang="en-US" dirty="0" smtClean="0"/>
-              <a:t>注解编程</a:t>
-            </a:r>
             <a:endParaRPr lang="zh-CN" altLang="en-US" dirty="0"/>
           </a:p>
         </p:txBody>
@@ -16877,7 +17342,7 @@
     </p:spTree>
     <p:extLst>
       <p:ext uri="{BB962C8B-B14F-4D97-AF65-F5344CB8AC3E}">
-        <p14:creationId xmlns:p14="http://schemas.microsoft.com/office/powerpoint/2010/main" val="3370742648"/>
+        <p14:creationId xmlns:p14="http://schemas.microsoft.com/office/powerpoint/2010/main" val="3969081383"/>
       </p:ext>
     </p:extLst>
   </p:cSld>
@@ -16921,7 +17386,7 @@
           <a:p>
             <a:r>
               <a:rPr lang="zh-CN" altLang="en-US" dirty="0" smtClean="0"/>
-              <a:t>多线程</a:t>
+              <a:t>数据库访问</a:t>
             </a:r>
             <a:endParaRPr lang="zh-CN" altLang="en-US" dirty="0"/>
           </a:p>
@@ -16942,25 +17407,14 @@
           <a:bodyPr/>
           <a:lstStyle/>
           <a:p>
-            <a:r>
-              <a:rPr lang="zh-CN" altLang="en-US" dirty="0" smtClean="0"/>
-              <a:t>同步</a:t>
-            </a:r>
-            <a:endParaRPr lang="en-US" altLang="zh-CN" dirty="0" smtClean="0"/>
-          </a:p>
-          <a:p>
-            <a:r>
-              <a:rPr lang="zh-CN" altLang="en-US" dirty="0" smtClean="0"/>
-              <a:t>锁机制</a:t>
-            </a:r>
-            <a:endParaRPr lang="zh-CN" altLang="en-US" dirty="0"/>
+            <a:endParaRPr lang="zh-CN" altLang="en-US"/>
           </a:p>
         </p:txBody>
       </p:sp>
     </p:spTree>
     <p:extLst>
       <p:ext uri="{BB962C8B-B14F-4D97-AF65-F5344CB8AC3E}">
-        <p14:creationId xmlns:p14="http://schemas.microsoft.com/office/powerpoint/2010/main" val="1730263351"/>
+        <p14:creationId xmlns:p14="http://schemas.microsoft.com/office/powerpoint/2010/main" val="4080670722"/>
       </p:ext>
     </p:extLst>
   </p:cSld>
@@ -17003,8 +17457,12 @@
           <a:lstStyle/>
           <a:p>
             <a:r>
-              <a:rPr lang="zh-CN" altLang="en-US" dirty="0" smtClean="0"/>
-              <a:t>队列</a:t>
+              <a:rPr lang="en-US" altLang="zh-CN" dirty="0" smtClean="0"/>
+              <a:t>http</a:t>
+            </a:r>
+            <a:r>
+              <a:rPr lang="zh-CN" altLang="en-US" dirty="0" smtClean="0"/>
+              <a:t>请求响应</a:t>
             </a:r>
             <a:endParaRPr lang="zh-CN" altLang="en-US" dirty="0"/>
           </a:p>
@@ -17025,14 +17483,18 @@
           <a:bodyPr/>
           <a:lstStyle/>
           <a:p>
-            <a:endParaRPr lang="zh-CN" altLang="en-US"/>
+            <a:r>
+              <a:rPr lang="zh-CN" altLang="en-US" dirty="0" smtClean="0"/>
+              <a:t>注解编程</a:t>
+            </a:r>
+            <a:endParaRPr lang="zh-CN" altLang="en-US" dirty="0"/>
           </a:p>
         </p:txBody>
       </p:sp>
     </p:spTree>
     <p:extLst>
       <p:ext uri="{BB962C8B-B14F-4D97-AF65-F5344CB8AC3E}">
-        <p14:creationId xmlns:p14="http://schemas.microsoft.com/office/powerpoint/2010/main" val="2818670026"/>
+        <p14:creationId xmlns:p14="http://schemas.microsoft.com/office/powerpoint/2010/main" val="3370742648"/>
       </p:ext>
     </p:extLst>
   </p:cSld>
@@ -17076,7 +17538,7 @@
           <a:p>
             <a:r>
               <a:rPr lang="zh-CN" altLang="en-US" dirty="0" smtClean="0"/>
-              <a:t>数据处理</a:t>
+              <a:t>多线程</a:t>
             </a:r>
             <a:endParaRPr lang="zh-CN" altLang="en-US" dirty="0"/>
           </a:p>
@@ -17097,14 +17559,25 @@
           <a:bodyPr/>
           <a:lstStyle/>
           <a:p>
-            <a:endParaRPr lang="zh-CN" altLang="en-US"/>
+            <a:r>
+              <a:rPr lang="zh-CN" altLang="en-US" dirty="0" smtClean="0"/>
+              <a:t>同步</a:t>
+            </a:r>
+            <a:endParaRPr lang="en-US" altLang="zh-CN" dirty="0" smtClean="0"/>
+          </a:p>
+          <a:p>
+            <a:r>
+              <a:rPr lang="zh-CN" altLang="en-US" dirty="0" smtClean="0"/>
+              <a:t>锁机制</a:t>
+            </a:r>
+            <a:endParaRPr lang="zh-CN" altLang="en-US" dirty="0"/>
           </a:p>
         </p:txBody>
       </p:sp>
     </p:spTree>
     <p:extLst>
       <p:ext uri="{BB962C8B-B14F-4D97-AF65-F5344CB8AC3E}">
-        <p14:creationId xmlns:p14="http://schemas.microsoft.com/office/powerpoint/2010/main" val="2578548746"/>
+        <p14:creationId xmlns:p14="http://schemas.microsoft.com/office/powerpoint/2010/main" val="1730263351"/>
       </p:ext>
     </p:extLst>
   </p:cSld>
@@ -17247,7 +17720,7 @@
           <a:p>
             <a:r>
               <a:rPr lang="zh-CN" altLang="en-US" dirty="0" smtClean="0"/>
-              <a:t>数据可视化</a:t>
+              <a:t>队列</a:t>
             </a:r>
             <a:endParaRPr lang="zh-CN" altLang="en-US" dirty="0"/>
           </a:p>
@@ -17268,25 +17741,14 @@
           <a:bodyPr/>
           <a:lstStyle/>
           <a:p>
-            <a:r>
-              <a:rPr lang="zh-CN" altLang="en-US" dirty="0" smtClean="0"/>
-              <a:t>二维码生成</a:t>
-            </a:r>
-            <a:endParaRPr lang="en-US" altLang="zh-CN" dirty="0" smtClean="0"/>
-          </a:p>
-          <a:p>
-            <a:r>
-              <a:rPr lang="zh-CN" altLang="en-US" dirty="0" smtClean="0"/>
-              <a:t>统计图表</a:t>
-            </a:r>
-            <a:endParaRPr lang="zh-CN" altLang="en-US" dirty="0"/>
+            <a:endParaRPr lang="zh-CN" altLang="en-US"/>
           </a:p>
         </p:txBody>
       </p:sp>
     </p:spTree>
     <p:extLst>
       <p:ext uri="{BB962C8B-B14F-4D97-AF65-F5344CB8AC3E}">
-        <p14:creationId xmlns:p14="http://schemas.microsoft.com/office/powerpoint/2010/main" val="3239262355"/>
+        <p14:creationId xmlns:p14="http://schemas.microsoft.com/office/powerpoint/2010/main" val="2818670026"/>
       </p:ext>
     </p:extLst>
   </p:cSld>
@@ -17325,71 +17787,40 @@
         </p:nvSpPr>
         <p:spPr/>
         <p:txBody>
-          <a:bodyPr>
-            <a:normAutofit fontScale="90000"/>
-          </a:bodyPr>
-          <a:lstStyle/>
-          <a:p>
-            <a:r>
-              <a:rPr lang="zh-CN" altLang="en-US" dirty="0" smtClean="0"/>
-              <a:t>网络通信</a:t>
-            </a:r>
-            <a:r>
-              <a:rPr lang="en-US" altLang="zh-CN" dirty="0" smtClean="0"/>
-              <a:t>	</a:t>
-            </a:r>
-            <a:br>
-              <a:rPr lang="en-US" altLang="zh-CN" dirty="0" smtClean="0"/>
-            </a:br>
-            <a:r>
-              <a:rPr lang="en-US" altLang="zh-CN" dirty="0"/>
-              <a:t/>
-            </a:r>
-            <a:br>
-              <a:rPr lang="en-US" altLang="zh-CN" dirty="0"/>
-            </a:br>
-            <a:r>
-              <a:rPr lang="en-US" altLang="zh-CN" dirty="0" smtClean="0"/>
-              <a:t/>
-            </a:r>
-            <a:br>
-              <a:rPr lang="en-US" altLang="zh-CN" dirty="0" smtClean="0"/>
-            </a:br>
-            <a:endParaRPr lang="zh-CN" altLang="en-US" dirty="0"/>
-          </a:p>
-        </p:txBody>
-      </p:sp>
-      <p:sp>
-        <p:nvSpPr>
-          <p:cNvPr id="3" name="内容占位符 2"/>
-          <p:cNvSpPr>
-            <a:spLocks noGrp="1"/>
-          </p:cNvSpPr>
-          <p:nvPr>
-            <p:ph idx="1"/>
-          </p:nvPr>
-        </p:nvSpPr>
-        <p:spPr/>
-        <p:txBody>
           <a:bodyPr/>
           <a:lstStyle/>
           <a:p>
             <a:r>
-              <a:rPr lang="en-US" altLang="zh-CN" dirty="0" smtClean="0"/>
-              <a:t>Socket</a:t>
-            </a:r>
-            <a:r>
-              <a:rPr lang="zh-CN" altLang="en-US" dirty="0" smtClean="0"/>
-              <a:t>编程</a:t>
+              <a:rPr lang="zh-CN" altLang="en-US" dirty="0" smtClean="0"/>
+              <a:t>数据处理</a:t>
             </a:r>
             <a:endParaRPr lang="zh-CN" altLang="en-US" dirty="0"/>
+          </a:p>
+        </p:txBody>
+      </p:sp>
+      <p:sp>
+        <p:nvSpPr>
+          <p:cNvPr id="3" name="内容占位符 2"/>
+          <p:cNvSpPr>
+            <a:spLocks noGrp="1"/>
+          </p:cNvSpPr>
+          <p:nvPr>
+            <p:ph idx="1"/>
+          </p:nvPr>
+        </p:nvSpPr>
+        <p:spPr/>
+        <p:txBody>
+          <a:bodyPr/>
+          <a:lstStyle/>
+          <a:p>
+            <a:endParaRPr lang="zh-CN" altLang="en-US"/>
           </a:p>
         </p:txBody>
       </p:sp>
     </p:spTree>
     <p:extLst>
       <p:ext uri="{BB962C8B-B14F-4D97-AF65-F5344CB8AC3E}">
-        <p14:creationId xmlns:p14="http://schemas.microsoft.com/office/powerpoint/2010/main" val="4022811799"/>
+        <p14:creationId xmlns:p14="http://schemas.microsoft.com/office/powerpoint/2010/main" val="2578548746"/>
       </p:ext>
     </p:extLst>
   </p:cSld>
@@ -17432,12 +17863,8 @@
           <a:lstStyle/>
           <a:p>
             <a:r>
-              <a:rPr lang="en-US" altLang="zh-CN" dirty="0" smtClean="0"/>
-              <a:t>Django</a:t>
-            </a:r>
-            <a:r>
-              <a:rPr lang="zh-CN" altLang="en-US" dirty="0" smtClean="0"/>
-              <a:t>网站开发</a:t>
+              <a:rPr lang="zh-CN" altLang="en-US" dirty="0" smtClean="0"/>
+              <a:t>数据可视化</a:t>
             </a:r>
             <a:endParaRPr lang="zh-CN" altLang="en-US" dirty="0"/>
           </a:p>
@@ -17458,14 +17885,25 @@
           <a:bodyPr/>
           <a:lstStyle/>
           <a:p>
-            <a:endParaRPr lang="zh-CN" altLang="en-US"/>
+            <a:r>
+              <a:rPr lang="zh-CN" altLang="en-US" dirty="0" smtClean="0"/>
+              <a:t>二维码生成</a:t>
+            </a:r>
+            <a:endParaRPr lang="en-US" altLang="zh-CN" dirty="0" smtClean="0"/>
+          </a:p>
+          <a:p>
+            <a:r>
+              <a:rPr lang="zh-CN" altLang="en-US" dirty="0" smtClean="0"/>
+              <a:t>统计图表</a:t>
+            </a:r>
+            <a:endParaRPr lang="zh-CN" altLang="en-US" dirty="0"/>
           </a:p>
         </p:txBody>
       </p:sp>
     </p:spTree>
     <p:extLst>
       <p:ext uri="{BB962C8B-B14F-4D97-AF65-F5344CB8AC3E}">
-        <p14:creationId xmlns:p14="http://schemas.microsoft.com/office/powerpoint/2010/main" val="2236027332"/>
+        <p14:creationId xmlns:p14="http://schemas.microsoft.com/office/powerpoint/2010/main" val="3239262355"/>
       </p:ext>
     </p:extLst>
   </p:cSld>
@@ -17504,44 +17942,71 @@
         </p:nvSpPr>
         <p:spPr/>
         <p:txBody>
+          <a:bodyPr>
+            <a:normAutofit fontScale="90000"/>
+          </a:bodyPr>
+          <a:lstStyle/>
+          <a:p>
+            <a:r>
+              <a:rPr lang="zh-CN" altLang="en-US" dirty="0" smtClean="0"/>
+              <a:t>网络通信</a:t>
+            </a:r>
+            <a:r>
+              <a:rPr lang="en-US" altLang="zh-CN" dirty="0" smtClean="0"/>
+              <a:t>	</a:t>
+            </a:r>
+            <a:br>
+              <a:rPr lang="en-US" altLang="zh-CN" dirty="0" smtClean="0"/>
+            </a:br>
+            <a:r>
+              <a:rPr lang="en-US" altLang="zh-CN" dirty="0"/>
+              <a:t/>
+            </a:r>
+            <a:br>
+              <a:rPr lang="en-US" altLang="zh-CN" dirty="0"/>
+            </a:br>
+            <a:r>
+              <a:rPr lang="en-US" altLang="zh-CN" dirty="0" smtClean="0"/>
+              <a:t/>
+            </a:r>
+            <a:br>
+              <a:rPr lang="en-US" altLang="zh-CN" dirty="0" smtClean="0"/>
+            </a:br>
+            <a:endParaRPr lang="zh-CN" altLang="en-US" dirty="0"/>
+          </a:p>
+        </p:txBody>
+      </p:sp>
+      <p:sp>
+        <p:nvSpPr>
+          <p:cNvPr id="3" name="内容占位符 2"/>
+          <p:cNvSpPr>
+            <a:spLocks noGrp="1"/>
+          </p:cNvSpPr>
+          <p:nvPr>
+            <p:ph idx="1"/>
+          </p:nvPr>
+        </p:nvSpPr>
+        <p:spPr/>
+        <p:txBody>
           <a:bodyPr/>
           <a:lstStyle/>
           <a:p>
             <a:r>
-              <a:rPr lang="zh-CN" altLang="en-US" dirty="0" smtClean="0"/>
-              <a:t>访问</a:t>
-            </a:r>
-            <a:r>
-              <a:rPr lang="en-US" altLang="zh-CN" dirty="0" err="1" smtClean="0"/>
-              <a:t>Hadoop,spark,hbase</a:t>
+              <a:rPr lang="en-US" altLang="zh-CN" dirty="0" smtClean="0"/>
+              <a:t>Socket</a:t>
+            </a:r>
+            <a:r>
+              <a:rPr lang="zh-CN" altLang="en-US" dirty="0" smtClean="0"/>
+              <a:t>编程</a:t>
             </a:r>
             <a:endParaRPr lang="zh-CN" altLang="en-US" dirty="0"/>
-          </a:p>
-        </p:txBody>
-      </p:sp>
-      <p:sp>
-        <p:nvSpPr>
-          <p:cNvPr id="3" name="内容占位符 2"/>
-          <p:cNvSpPr>
-            <a:spLocks noGrp="1"/>
-          </p:cNvSpPr>
-          <p:nvPr>
-            <p:ph idx="1"/>
-          </p:nvPr>
-        </p:nvSpPr>
-        <p:spPr/>
-        <p:txBody>
-          <a:bodyPr/>
-          <a:lstStyle/>
-          <a:p>
-            <a:endParaRPr lang="zh-CN" altLang="en-US"/>
           </a:p>
         </p:txBody>
       </p:sp>
     </p:spTree>
     <p:extLst>
       <p:ext uri="{BB962C8B-B14F-4D97-AF65-F5344CB8AC3E}">
-        <p14:creationId xmlns:p14="http://schemas.microsoft.com/office/powerpoint/2010/main" val="2792535085"/>
+        <p14:creationId xmlns:p14="http://schemas.microsoft.com/office/powerpoint/2010/main" val="4022811799"/>
       </p:ext>
     </p:extLst>
   </p:cSld>
@@ -17585,11 +18050,11 @@
           <a:p>
             <a:r>
               <a:rPr lang="en-US" altLang="zh-CN" dirty="0" smtClean="0"/>
-              <a:t>python</a:t>
-            </a:r>
-            <a:r>
-              <a:rPr lang="zh-CN" altLang="en-US" dirty="0" smtClean="0"/>
-              <a:t>机器学习</a:t>
+              <a:t>Django</a:t>
+            </a:r>
+            <a:r>
+              <a:rPr lang="zh-CN" altLang="en-US" dirty="0" smtClean="0"/>
+              <a:t>网站开发</a:t>
             </a:r>
             <a:endParaRPr lang="zh-CN" altLang="en-US" dirty="0"/>
           </a:p>
@@ -17617,7 +18082,7 @@
     </p:spTree>
     <p:extLst>
       <p:ext uri="{BB962C8B-B14F-4D97-AF65-F5344CB8AC3E}">
-        <p14:creationId xmlns:p14="http://schemas.microsoft.com/office/powerpoint/2010/main" val="1915904830"/>
+        <p14:creationId xmlns:p14="http://schemas.microsoft.com/office/powerpoint/2010/main" val="2236027332"/>
       </p:ext>
     </p:extLst>
   </p:cSld>
@@ -17659,6 +18124,14 @@
           <a:bodyPr/>
           <a:lstStyle/>
           <a:p>
+            <a:r>
+              <a:rPr lang="zh-CN" altLang="en-US" dirty="0" smtClean="0"/>
+              <a:t>访问</a:t>
+            </a:r>
+            <a:r>
+              <a:rPr lang="en-US" altLang="zh-CN" dirty="0" err="1" smtClean="0"/>
+              <a:t>Hadoop,spark,hbase</a:t>
+            </a:r>
             <a:endParaRPr lang="zh-CN" altLang="en-US" dirty="0"/>
           </a:p>
         </p:txBody>
@@ -17685,7 +18158,7 @@
     </p:spTree>
     <p:extLst>
       <p:ext uri="{BB962C8B-B14F-4D97-AF65-F5344CB8AC3E}">
-        <p14:creationId xmlns:p14="http://schemas.microsoft.com/office/powerpoint/2010/main" val="1286602601"/>
+        <p14:creationId xmlns:p14="http://schemas.microsoft.com/office/powerpoint/2010/main" val="2792535085"/>
       </p:ext>
     </p:extLst>
   </p:cSld>
@@ -17727,6 +18200,150 @@
           <a:bodyPr/>
           <a:lstStyle/>
           <a:p>
+            <a:r>
+              <a:rPr lang="en-US" altLang="zh-CN" dirty="0" smtClean="0"/>
+              <a:t>python</a:t>
+            </a:r>
+            <a:r>
+              <a:rPr lang="zh-CN" altLang="en-US" dirty="0" smtClean="0"/>
+              <a:t>机器学习</a:t>
+            </a:r>
+            <a:endParaRPr lang="zh-CN" altLang="en-US" dirty="0"/>
+          </a:p>
+        </p:txBody>
+      </p:sp>
+      <p:sp>
+        <p:nvSpPr>
+          <p:cNvPr id="3" name="内容占位符 2"/>
+          <p:cNvSpPr>
+            <a:spLocks noGrp="1"/>
+          </p:cNvSpPr>
+          <p:nvPr>
+            <p:ph idx="1"/>
+          </p:nvPr>
+        </p:nvSpPr>
+        <p:spPr/>
+        <p:txBody>
+          <a:bodyPr/>
+          <a:lstStyle/>
+          <a:p>
+            <a:endParaRPr lang="zh-CN" altLang="en-US"/>
+          </a:p>
+        </p:txBody>
+      </p:sp>
+    </p:spTree>
+    <p:extLst>
+      <p:ext uri="{BB962C8B-B14F-4D97-AF65-F5344CB8AC3E}">
+        <p14:creationId xmlns:p14="http://schemas.microsoft.com/office/powerpoint/2010/main" val="1915904830"/>
+      </p:ext>
+    </p:extLst>
+  </p:cSld>
+  <p:clrMapOvr>
+    <a:masterClrMapping/>
+  </p:clrMapOvr>
+</p:sld>
+</file>
+
+<file path=ppt/slides/slide57.xml><?xml version="1.0" encoding="utf-8"?>
+<p:sld xmlns:a="http://schemas.openxmlformats.org/drawingml/2006/main" xmlns:r="http://schemas.openxmlformats.org/officeDocument/2006/relationships" xmlns:p="http://schemas.openxmlformats.org/presentationml/2006/main">
+  <p:cSld>
+    <p:spTree>
+      <p:nvGrpSpPr>
+        <p:cNvPr id="1" name=""/>
+        <p:cNvGrpSpPr/>
+        <p:nvPr/>
+      </p:nvGrpSpPr>
+      <p:grpSpPr>
+        <a:xfrm>
+          <a:off x="0" y="0"/>
+          <a:ext cx="0" cy="0"/>
+          <a:chOff x="0" y="0"/>
+          <a:chExt cx="0" cy="0"/>
+        </a:xfrm>
+      </p:grpSpPr>
+      <p:sp>
+        <p:nvSpPr>
+          <p:cNvPr id="2" name="标题 1"/>
+          <p:cNvSpPr>
+            <a:spLocks noGrp="1"/>
+          </p:cNvSpPr>
+          <p:nvPr>
+            <p:ph type="title"/>
+          </p:nvPr>
+        </p:nvSpPr>
+        <p:spPr/>
+        <p:txBody>
+          <a:bodyPr/>
+          <a:lstStyle/>
+          <a:p>
+            <a:endParaRPr lang="zh-CN" altLang="en-US" dirty="0"/>
+          </a:p>
+        </p:txBody>
+      </p:sp>
+      <p:sp>
+        <p:nvSpPr>
+          <p:cNvPr id="3" name="内容占位符 2"/>
+          <p:cNvSpPr>
+            <a:spLocks noGrp="1"/>
+          </p:cNvSpPr>
+          <p:nvPr>
+            <p:ph idx="1"/>
+          </p:nvPr>
+        </p:nvSpPr>
+        <p:spPr/>
+        <p:txBody>
+          <a:bodyPr/>
+          <a:lstStyle/>
+          <a:p>
+            <a:endParaRPr lang="zh-CN" altLang="en-US"/>
+          </a:p>
+        </p:txBody>
+      </p:sp>
+    </p:spTree>
+    <p:extLst>
+      <p:ext uri="{BB962C8B-B14F-4D97-AF65-F5344CB8AC3E}">
+        <p14:creationId xmlns:p14="http://schemas.microsoft.com/office/powerpoint/2010/main" val="1286602601"/>
+      </p:ext>
+    </p:extLst>
+  </p:cSld>
+  <p:clrMapOvr>
+    <a:masterClrMapping/>
+  </p:clrMapOvr>
+</p:sld>
+</file>
+
+<file path=ppt/slides/slide58.xml><?xml version="1.0" encoding="utf-8"?>
+<p:sld xmlns:a="http://schemas.openxmlformats.org/drawingml/2006/main" xmlns:r="http://schemas.openxmlformats.org/officeDocument/2006/relationships" xmlns:p="http://schemas.openxmlformats.org/presentationml/2006/main">
+  <p:cSld>
+    <p:spTree>
+      <p:nvGrpSpPr>
+        <p:cNvPr id="1" name=""/>
+        <p:cNvGrpSpPr/>
+        <p:nvPr/>
+      </p:nvGrpSpPr>
+      <p:grpSpPr>
+        <a:xfrm>
+          <a:off x="0" y="0"/>
+          <a:ext cx="0" cy="0"/>
+          <a:chOff x="0" y="0"/>
+          <a:chExt cx="0" cy="0"/>
+        </a:xfrm>
+      </p:grpSpPr>
+      <p:sp>
+        <p:nvSpPr>
+          <p:cNvPr id="2" name="标题 1"/>
+          <p:cNvSpPr>
+            <a:spLocks noGrp="1"/>
+          </p:cNvSpPr>
+          <p:nvPr>
+            <p:ph type="title"/>
+          </p:nvPr>
+        </p:nvSpPr>
+        <p:spPr/>
+        <p:txBody>
+          <a:bodyPr/>
+          <a:lstStyle/>
+          <a:p>
             <a:endParaRPr lang="zh-CN" altLang="en-US"/>
           </a:p>
         </p:txBody>
@@ -17763,7 +18380,7 @@
 </p:sld>
 </file>
 
-<file path=ppt/slides/slide57.xml><?xml version="1.0" encoding="utf-8"?>
+<file path=ppt/slides/slide59.xml><?xml version="1.0" encoding="utf-8"?>
 <p:sld xmlns:a="http://schemas.openxmlformats.org/drawingml/2006/main" xmlns:r="http://schemas.openxmlformats.org/officeDocument/2006/relationships" xmlns:p="http://schemas.openxmlformats.org/presentationml/2006/main">
   <p:cSld>
     <p:spTree>

--- a/编程语言/python/Python基础入门知识分享.pptx
+++ b/编程语言/python/Python基础入门知识分享.pptx
@@ -49,10 +49,10 @@
     <p:sldId id="315" r:id="rId43"/>
     <p:sldId id="314" r:id="rId44"/>
     <p:sldId id="297" r:id="rId45"/>
-    <p:sldId id="298" r:id="rId46"/>
-    <p:sldId id="270" r:id="rId47"/>
-    <p:sldId id="284" r:id="rId48"/>
-    <p:sldId id="285" r:id="rId49"/>
+    <p:sldId id="270" r:id="rId46"/>
+    <p:sldId id="284" r:id="rId47"/>
+    <p:sldId id="285" r:id="rId48"/>
+    <p:sldId id="316" r:id="rId49"/>
     <p:sldId id="286" r:id="rId50"/>
     <p:sldId id="287" r:id="rId51"/>
     <p:sldId id="275" r:id="rId52"/>
@@ -251,10 +251,10 @@
         <p14:section name="常用模块" id="{169ECFFE-A324-499C-9A3D-0CDBB73F4F0E}">
           <p14:sldIdLst>
             <p14:sldId id="297"/>
-            <p14:sldId id="298"/>
             <p14:sldId id="270"/>
             <p14:sldId id="284"/>
             <p14:sldId id="285"/>
+            <p14:sldId id="316"/>
             <p14:sldId id="286"/>
             <p14:sldId id="287"/>
           </p14:sldIdLst>
@@ -9887,6 +9887,22 @@
           <a:bodyPr/>
           <a:lstStyle/>
           <a:p>
+            <a:r>
+              <a:rPr lang="zh-CN" altLang="en-US" dirty="0" smtClean="0"/>
+              <a:t>变量引用的对象的回收机制：引用</a:t>
+            </a:r>
+            <a:r>
+              <a:rPr lang="zh-CN" altLang="en-US" dirty="0"/>
+              <a:t>计数，为</a:t>
+            </a:r>
+            <a:r>
+              <a:rPr lang="en-US" altLang="zh-CN" dirty="0"/>
+              <a:t>0</a:t>
+            </a:r>
+            <a:r>
+              <a:rPr lang="zh-CN" altLang="en-US" dirty="0"/>
+              <a:t>则会被回收机制定期自动回收</a:t>
+            </a:r>
             <a:endParaRPr lang="zh-CN" altLang="en-US" dirty="0"/>
           </a:p>
         </p:txBody>
@@ -14507,15 +14523,7 @@
             </a:r>
             <a:r>
               <a:rPr lang="zh-CN" altLang="en-US" dirty="0" smtClean="0"/>
-              <a:t>局部变量会被</a:t>
-            </a:r>
-            <a:r>
-              <a:rPr lang="zh-CN" altLang="en-US" dirty="0" smtClean="0"/>
-              <a:t>当作静态属性。</a:t>
-            </a:r>
-            <a:r>
-              <a:rPr lang="zh-CN" altLang="en-US" dirty="0" smtClean="0"/>
-              <a:t>所有的实例只会获得这种属性的引用，不会新建。</a:t>
+              <a:t>局部变量会被当作静态属性。所有的实例只会获得这种属性的引用，不会新建。</a:t>
             </a:r>
             <a:r>
               <a:rPr lang="en-US" altLang="zh-CN" dirty="0" smtClean="0"/>
@@ -14586,11 +14594,7 @@
             </a:r>
             <a:r>
               <a:rPr lang="zh-CN" altLang="en-US" dirty="0" smtClean="0"/>
-              <a:t> </a:t>
-            </a:r>
-            <a:r>
-              <a:rPr lang="zh-CN" altLang="en-US" dirty="0" smtClean="0"/>
-              <a:t>。静态方法中定义的是静态属性，实例方法中定义的是实例</a:t>
+              <a:t> 。静态方法中定义的是静态属性，实例方法中定义的是实例</a:t>
             </a:r>
             <a:r>
               <a:rPr lang="zh-CN" altLang="en-US" dirty="0"/>
@@ -14741,11 +14745,7 @@
             </a:r>
             <a:r>
               <a:rPr lang="zh-CN" altLang="en-US" dirty="0" smtClean="0"/>
-              <a:t>加</a:t>
-            </a:r>
-            <a:r>
-              <a:rPr lang="zh-CN" altLang="en-US" dirty="0" smtClean="0"/>
-              <a:t>到一个方法上，该方法无</a:t>
+              <a:t>加到一个方法上，该方法无</a:t>
             </a:r>
             <a:r>
               <a:rPr lang="en-US" altLang="zh-CN" dirty="0" smtClean="0"/>
@@ -16186,11 +16186,7 @@
           <a:p>
             <a:r>
               <a:rPr lang="zh-CN" altLang="en-US" dirty="0" smtClean="0"/>
-              <a:t>对一个函数注解</a:t>
-            </a:r>
-            <a:r>
-              <a:rPr lang="zh-CN" altLang="en-US" dirty="0" smtClean="0"/>
-              <a:t>：</a:t>
+              <a:t>对一个函数注解：</a:t>
             </a:r>
             <a:r>
               <a:rPr lang="en-US" altLang="zh-CN" dirty="0" smtClean="0"/>
@@ -16415,7 +16411,9 @@
         </p:nvSpPr>
         <p:spPr/>
         <p:txBody>
-          <a:bodyPr/>
+          <a:bodyPr>
+            <a:normAutofit lnSpcReduction="10000"/>
+          </a:bodyPr>
           <a:lstStyle/>
           <a:p>
             <a:r>
@@ -16482,7 +16480,27 @@
           <a:p>
             <a:r>
               <a:rPr lang="zh-CN" altLang="en-US" dirty="0" smtClean="0"/>
-              <a:t>注解函数：</a:t>
+              <a:t>注解函数</a:t>
+            </a:r>
+            <a:r>
+              <a:rPr lang="zh-CN" altLang="en-US" dirty="0" smtClean="0"/>
+              <a:t>：</a:t>
+            </a:r>
+            <a:endParaRPr lang="en-US" altLang="zh-CN" dirty="0" smtClean="0"/>
+          </a:p>
+          <a:p>
+            <a:pPr lvl="1"/>
+            <a:r>
+              <a:rPr lang="zh-CN" altLang="en-US" dirty="0" smtClean="0"/>
+              <a:t>框架中：如</a:t>
+            </a:r>
+            <a:r>
+              <a:rPr lang="en-US" altLang="zh-CN" dirty="0" err="1" smtClean="0"/>
+              <a:t>requestmapping</a:t>
+            </a:r>
+            <a:r>
+              <a:rPr lang="zh-CN" altLang="en-US" dirty="0" smtClean="0"/>
+              <a:t>路径匹配注解</a:t>
             </a:r>
             <a:endParaRPr lang="en-US" altLang="zh-CN" dirty="0" smtClean="0"/>
           </a:p>
@@ -17244,7 +17262,11 @@
           <a:bodyPr/>
           <a:lstStyle/>
           <a:p>
-            <a:endParaRPr lang="zh-CN" altLang="en-US"/>
+            <a:r>
+              <a:rPr lang="zh-CN" altLang="en-US" dirty="0" smtClean="0"/>
+              <a:t>文件操作</a:t>
+            </a:r>
+            <a:endParaRPr lang="zh-CN" altLang="en-US" dirty="0"/>
           </a:p>
         </p:txBody>
       </p:sp>
@@ -17263,14 +17285,265 @@
           <a:bodyPr/>
           <a:lstStyle/>
           <a:p>
-            <a:endParaRPr lang="zh-CN" altLang="en-US"/>
+            <a:r>
+              <a:rPr lang="zh-CN" altLang="en-US" dirty="0"/>
+              <a:t>打开</a:t>
+            </a:r>
+            <a:r>
+              <a:rPr lang="en-US" altLang="zh-CN" dirty="0"/>
+              <a:t>-</a:t>
+            </a:r>
+            <a:r>
+              <a:rPr lang="zh-CN" altLang="en-US" dirty="0" smtClean="0"/>
+              <a:t>读写</a:t>
+            </a:r>
+            <a:r>
+              <a:rPr lang="en-US" altLang="zh-CN" dirty="0" smtClean="0"/>
+              <a:t>-</a:t>
+            </a:r>
+            <a:r>
+              <a:rPr lang="zh-CN" altLang="en-US" dirty="0" smtClean="0"/>
+              <a:t>关闭：</a:t>
+            </a:r>
+            <a:r>
+              <a:rPr lang="en-US" altLang="zh-CN" dirty="0"/>
+              <a:t>f = open(file, mode)</a:t>
+            </a:r>
+            <a:r>
+              <a:rPr lang="zh-CN" altLang="en-US" dirty="0"/>
+              <a:t>返回文件对象</a:t>
+            </a:r>
+            <a:r>
+              <a:rPr lang="en-US" altLang="zh-CN" dirty="0"/>
+              <a:t>.. w</a:t>
+            </a:r>
+            <a:r>
+              <a:rPr lang="zh-CN" altLang="en-US" dirty="0"/>
+              <a:t>、</a:t>
+            </a:r>
+            <a:r>
+              <a:rPr lang="en-US" altLang="zh-CN" dirty="0"/>
+              <a:t>a</a:t>
+            </a:r>
+            <a:r>
+              <a:rPr lang="zh-CN" altLang="en-US" dirty="0"/>
+              <a:t>都可以没文件自动</a:t>
+            </a:r>
+            <a:r>
+              <a:rPr lang="zh-CN" altLang="en-US" dirty="0" smtClean="0"/>
+              <a:t>创建</a:t>
+            </a:r>
+            <a:endParaRPr lang="en-US" altLang="zh-CN" dirty="0" smtClean="0"/>
+          </a:p>
+          <a:p>
+            <a:pPr lvl="1"/>
+            <a:r>
+              <a:rPr lang="zh-CN" altLang="en-US" dirty="0" smtClean="0"/>
+              <a:t>读：</a:t>
+            </a:r>
+            <a:r>
+              <a:rPr lang="en-US" altLang="zh-CN" dirty="0" err="1" smtClean="0"/>
+              <a:t>f.read</a:t>
+            </a:r>
+            <a:r>
+              <a:rPr lang="en-US" altLang="zh-CN" dirty="0" smtClean="0"/>
+              <a:t>(size</a:t>
+            </a:r>
+            <a:r>
+              <a:rPr lang="en-US" altLang="zh-CN" dirty="0"/>
+              <a:t>)  </a:t>
+            </a:r>
+            <a:r>
+              <a:rPr lang="en-US" altLang="zh-CN" dirty="0" err="1"/>
+              <a:t>f.readline</a:t>
+            </a:r>
+            <a:r>
+              <a:rPr lang="en-US" altLang="zh-CN" dirty="0"/>
+              <a:t>() </a:t>
+            </a:r>
+            <a:r>
+              <a:rPr lang="zh-CN" altLang="en-US" dirty="0"/>
+              <a:t>返回第一行：换行符会自动加上</a:t>
+            </a:r>
+            <a:r>
+              <a:rPr lang="en-US" altLang="zh-CN" dirty="0"/>
+              <a:t>--</a:t>
+            </a:r>
+            <a:r>
+              <a:rPr lang="zh-CN" altLang="en-US" dirty="0"/>
+              <a:t>即保留</a:t>
+            </a:r>
+            <a:r>
+              <a:rPr lang="zh-CN" altLang="en-US" dirty="0" smtClean="0"/>
+              <a:t>了</a:t>
+            </a:r>
+            <a:endParaRPr lang="en-US" altLang="zh-CN" dirty="0"/>
+          </a:p>
+          <a:p>
+            <a:pPr lvl="1"/>
+            <a:r>
+              <a:rPr lang="zh-CN" altLang="en-US" dirty="0" smtClean="0"/>
+              <a:t>写：</a:t>
+            </a:r>
+            <a:r>
+              <a:rPr lang="en-US" altLang="zh-CN" dirty="0" err="1" smtClean="0"/>
+              <a:t>f.write</a:t>
+            </a:r>
+            <a:r>
+              <a:rPr lang="en-US" altLang="zh-CN" dirty="0" smtClean="0"/>
+              <a:t>(</a:t>
+            </a:r>
+            <a:r>
+              <a:rPr lang="en-US" altLang="zh-CN" dirty="0" err="1" smtClean="0"/>
+              <a:t>str</a:t>
+            </a:r>
+            <a:r>
+              <a:rPr lang="en-US" altLang="zh-CN" dirty="0" smtClean="0"/>
+              <a:t>)</a:t>
+            </a:r>
+          </a:p>
+          <a:p>
+            <a:pPr lvl="1"/>
+            <a:r>
+              <a:rPr lang="zh-CN" altLang="en-US" dirty="0" smtClean="0"/>
+              <a:t>关闭：</a:t>
+            </a:r>
+            <a:r>
+              <a:rPr lang="en-US" altLang="zh-CN" dirty="0" err="1" smtClean="0"/>
+              <a:t>f.close</a:t>
+            </a:r>
+            <a:r>
+              <a:rPr lang="en-US" altLang="zh-CN" dirty="0" smtClean="0"/>
+              <a:t>()</a:t>
+            </a:r>
+          </a:p>
+          <a:p>
+            <a:r>
+              <a:rPr lang="zh-CN" altLang="en-US" dirty="0"/>
+              <a:t>文件指针移动：</a:t>
+            </a:r>
+            <a:r>
+              <a:rPr lang="en-US" altLang="zh-CN" dirty="0" smtClean="0"/>
+              <a:t>seek(</a:t>
+            </a:r>
+            <a:r>
+              <a:rPr lang="en-US" altLang="zh-CN" dirty="0"/>
+              <a:t>offset [,from</a:t>
+            </a:r>
+            <a:r>
+              <a:rPr lang="en-US" altLang="zh-CN" dirty="0" smtClean="0"/>
+              <a:t>])</a:t>
+            </a:r>
+            <a:r>
+              <a:rPr lang="zh-CN" altLang="en-US" dirty="0" smtClean="0"/>
+              <a:t>文件指针移动位置</a:t>
+            </a:r>
+            <a:r>
+              <a:rPr lang="en-US" altLang="zh-CN" dirty="0" smtClean="0"/>
+              <a:t>   tell()</a:t>
+            </a:r>
+            <a:r>
+              <a:rPr lang="zh-CN" altLang="en-US" dirty="0" smtClean="0"/>
+              <a:t>当前位置</a:t>
+            </a:r>
+            <a:endParaRPr lang="en-US" altLang="zh-CN" dirty="0" smtClean="0"/>
+          </a:p>
+          <a:p>
+            <a:r>
+              <a:rPr lang="zh-CN" altLang="en-US" dirty="0"/>
+              <a:t>用完文件自动关闭：</a:t>
+            </a:r>
+            <a:r>
+              <a:rPr lang="en-US" altLang="zh-CN" dirty="0"/>
+              <a:t>with  open</a:t>
+            </a:r>
+            <a:r>
+              <a:rPr lang="en-US" altLang="zh-CN" dirty="0" smtClean="0"/>
+              <a:t>(…) </a:t>
+            </a:r>
+            <a:r>
+              <a:rPr lang="en-US" altLang="zh-CN" dirty="0"/>
+              <a:t>as f:   </a:t>
+            </a:r>
+            <a:r>
+              <a:rPr lang="zh-CN" altLang="en-US" dirty="0"/>
+              <a:t>并且不会抛出异常 </a:t>
+            </a:r>
+            <a:r>
+              <a:rPr lang="zh-CN" altLang="en-US" dirty="0" smtClean="0"/>
+              <a:t>。</a:t>
+            </a:r>
+            <a:endParaRPr lang="en-US" altLang="zh-CN" dirty="0" smtClean="0"/>
+          </a:p>
+          <a:p>
+            <a:pPr lvl="1"/>
+            <a:r>
+              <a:rPr lang="zh-CN" altLang="en-US" dirty="0" smtClean="0"/>
+              <a:t>支持</a:t>
+            </a:r>
+            <a:r>
+              <a:rPr lang="zh-CN" altLang="en-US" dirty="0"/>
+              <a:t>上下文管理协议的对象，就可以</a:t>
+            </a:r>
+            <a:r>
+              <a:rPr lang="zh-CN" altLang="en-US" dirty="0" smtClean="0"/>
+              <a:t>用</a:t>
+            </a:r>
+            <a:r>
+              <a:rPr lang="en-US" altLang="zh-CN" dirty="0" smtClean="0"/>
+              <a:t>open</a:t>
+            </a:r>
+            <a:r>
+              <a:rPr lang="zh-CN" altLang="en-US" dirty="0"/>
+              <a:t>函数</a:t>
+            </a:r>
+            <a:r>
+              <a:rPr lang="zh-CN" altLang="en-US" dirty="0" smtClean="0"/>
+              <a:t>实现</a:t>
+            </a:r>
+            <a:endParaRPr lang="en-US" altLang="zh-CN" dirty="0" smtClean="0"/>
+          </a:p>
+          <a:p>
+            <a:pPr lvl="1"/>
+            <a:r>
+              <a:rPr lang="zh-CN" altLang="en-US" dirty="0" smtClean="0"/>
+              <a:t>管理</a:t>
+            </a:r>
+            <a:r>
+              <a:rPr lang="zh-CN" altLang="en-US" dirty="0"/>
+              <a:t>协议包括</a:t>
+            </a:r>
+            <a:r>
+              <a:rPr lang="en-US" altLang="zh-CN" dirty="0"/>
+              <a:t>enter</a:t>
+            </a:r>
+            <a:r>
+              <a:rPr lang="zh-CN" altLang="en-US" dirty="0"/>
+              <a:t>和</a:t>
+            </a:r>
+            <a:r>
+              <a:rPr lang="en-US" altLang="zh-CN" dirty="0"/>
+              <a:t>exit</a:t>
+            </a:r>
+            <a:r>
+              <a:rPr lang="zh-CN" altLang="en-US" dirty="0"/>
+              <a:t>两个方法</a:t>
+            </a:r>
+            <a:r>
+              <a:rPr lang="zh-CN" altLang="en-US" dirty="0" smtClean="0"/>
+              <a:t>。</a:t>
+            </a:r>
+            <a:endParaRPr lang="en-US" altLang="zh-CN" dirty="0" smtClean="0"/>
+          </a:p>
+          <a:p>
+            <a:endParaRPr lang="zh-CN" altLang="en-US" dirty="0"/>
           </a:p>
         </p:txBody>
       </p:sp>
     </p:spTree>
     <p:extLst>
       <p:ext uri="{BB962C8B-B14F-4D97-AF65-F5344CB8AC3E}">
-        <p14:creationId xmlns:p14="http://schemas.microsoft.com/office/powerpoint/2010/main" val="4183830744"/>
+        <p14:creationId xmlns:p14="http://schemas.microsoft.com/office/powerpoint/2010/main" val="3969081383"/>
       </p:ext>
     </p:extLst>
   </p:cSld>
@@ -17314,7 +17587,7 @@
           <a:p>
             <a:r>
               <a:rPr lang="zh-CN" altLang="en-US" dirty="0" smtClean="0"/>
-              <a:t>文件操作</a:t>
+              <a:t>数据库访问</a:t>
             </a:r>
             <a:endParaRPr lang="zh-CN" altLang="en-US" dirty="0"/>
           </a:p>
@@ -17335,6 +17608,52 @@
           <a:bodyPr/>
           <a:lstStyle/>
           <a:p>
+            <a:r>
+              <a:rPr lang="zh-CN" altLang="en-US" dirty="0" smtClean="0"/>
+              <a:t>访问</a:t>
+            </a:r>
+            <a:r>
+              <a:rPr lang="en-US" altLang="zh-CN" dirty="0" err="1" smtClean="0"/>
+              <a:t>Mysql</a:t>
+            </a:r>
+            <a:r>
+              <a:rPr lang="zh-CN" altLang="en-US" dirty="0" smtClean="0"/>
+              <a:t>的模块：</a:t>
+            </a:r>
+            <a:r>
+              <a:rPr lang="en-US" altLang="zh-CN" dirty="0" err="1" smtClean="0"/>
+              <a:t>MySQLdb</a:t>
+            </a:r>
+            <a:r>
+              <a:rPr lang="zh-CN" altLang="en-US" dirty="0" smtClean="0"/>
+              <a:t>， </a:t>
+            </a:r>
+            <a:r>
+              <a:rPr lang="en-US" altLang="zh-CN" dirty="0" err="1" smtClean="0"/>
+              <a:t>pymysql</a:t>
+            </a:r>
+            <a:endParaRPr lang="en-US" altLang="zh-CN" dirty="0" smtClean="0"/>
+          </a:p>
+          <a:p>
+            <a:r>
+              <a:rPr lang="zh-CN" altLang="en-US" dirty="0" smtClean="0"/>
+              <a:t>访问</a:t>
+            </a:r>
+            <a:r>
+              <a:rPr lang="en-US" altLang="zh-CN" dirty="0" err="1" smtClean="0"/>
+              <a:t>mongodb</a:t>
+            </a:r>
+            <a:r>
+              <a:rPr lang="zh-CN" altLang="en-US" dirty="0" smtClean="0"/>
+              <a:t>的模块：</a:t>
+            </a:r>
+            <a:r>
+              <a:rPr lang="en-US" altLang="zh-CN" dirty="0" err="1" smtClean="0"/>
+              <a:t>pymongo</a:t>
+            </a:r>
+            <a:endParaRPr lang="en-US" altLang="zh-CN" dirty="0" smtClean="0"/>
+          </a:p>
+          <a:p>
             <a:endParaRPr lang="zh-CN" altLang="en-US" dirty="0"/>
           </a:p>
         </p:txBody>
@@ -17342,7 +17661,7 @@
     </p:spTree>
     <p:extLst>
       <p:ext uri="{BB962C8B-B14F-4D97-AF65-F5344CB8AC3E}">
-        <p14:creationId xmlns:p14="http://schemas.microsoft.com/office/powerpoint/2010/main" val="3969081383"/>
+        <p14:creationId xmlns:p14="http://schemas.microsoft.com/office/powerpoint/2010/main" val="4080670722"/>
       </p:ext>
     </p:extLst>
   </p:cSld>
@@ -17385,8 +17704,12 @@
           <a:lstStyle/>
           <a:p>
             <a:r>
-              <a:rPr lang="zh-CN" altLang="en-US" dirty="0" smtClean="0"/>
-              <a:t>数据库访问</a:t>
+              <a:rPr lang="en-US" altLang="zh-CN" dirty="0" smtClean="0"/>
+              <a:t>http</a:t>
+            </a:r>
+            <a:r>
+              <a:rPr lang="zh-CN" altLang="en-US" dirty="0" smtClean="0"/>
+              <a:t>请求响应</a:t>
             </a:r>
             <a:endParaRPr lang="zh-CN" altLang="en-US" dirty="0"/>
           </a:p>
@@ -17407,14 +17730,83 @@
           <a:bodyPr/>
           <a:lstStyle/>
           <a:p>
-            <a:endParaRPr lang="zh-CN" altLang="en-US"/>
+            <a:r>
+              <a:rPr lang="en-US" altLang="zh-CN" dirty="0" smtClean="0"/>
+              <a:t>requests</a:t>
+            </a:r>
+            <a:r>
+              <a:rPr lang="zh-CN" altLang="en-US" dirty="0" smtClean="0"/>
+              <a:t>网络请求：</a:t>
+            </a:r>
+            <a:endParaRPr lang="en-US" altLang="zh-CN" dirty="0" smtClean="0"/>
+          </a:p>
+          <a:p>
+            <a:pPr lvl="1"/>
+            <a:r>
+              <a:rPr lang="en-US" altLang="zh-CN" dirty="0" smtClean="0"/>
+              <a:t>response </a:t>
+            </a:r>
+            <a:r>
+              <a:rPr lang="en-US" altLang="zh-CN" dirty="0"/>
+              <a:t>= </a:t>
+            </a:r>
+            <a:r>
+              <a:rPr lang="en-US" altLang="zh-CN" dirty="0" err="1"/>
+              <a:t>requests.get</a:t>
+            </a:r>
+            <a:r>
+              <a:rPr lang="en-US" altLang="zh-CN" dirty="0"/>
+              <a:t>(</a:t>
+            </a:r>
+            <a:r>
+              <a:rPr lang="en-US" altLang="zh-CN" dirty="0" err="1"/>
+              <a:t>url</a:t>
+            </a:r>
+            <a:r>
+              <a:rPr lang="en-US" altLang="zh-CN" dirty="0"/>
+              <a:t>, headers=header, </a:t>
+            </a:r>
+            <a:r>
+              <a:rPr lang="en-US" altLang="zh-CN" dirty="0" smtClean="0"/>
+              <a:t>timeout=80, …)</a:t>
+            </a:r>
+          </a:p>
+          <a:p>
+            <a:pPr lvl="1"/>
+            <a:r>
+              <a:rPr lang="en-US" altLang="zh-CN" dirty="0"/>
+              <a:t>r</a:t>
+            </a:r>
+            <a:r>
+              <a:rPr lang="en-US" altLang="zh-CN" dirty="0" smtClean="0"/>
+              <a:t>esponse = </a:t>
+            </a:r>
+            <a:r>
+              <a:rPr lang="en-US" altLang="zh-CN" dirty="0" err="1" smtClean="0"/>
+              <a:t>requests.post</a:t>
+            </a:r>
+            <a:r>
+              <a:rPr lang="en-US" altLang="zh-CN" dirty="0" smtClean="0"/>
+              <a:t>(</a:t>
+            </a:r>
+            <a:r>
+              <a:rPr lang="en-US" altLang="zh-CN" dirty="0" err="1" smtClean="0"/>
+              <a:t>url</a:t>
+            </a:r>
+            <a:r>
+              <a:rPr lang="en-US" altLang="zh-CN" dirty="0" smtClean="0"/>
+              <a:t>, data={},…)</a:t>
+            </a:r>
+          </a:p>
+          <a:p>
+            <a:endParaRPr lang="zh-CN" altLang="en-US" dirty="0"/>
           </a:p>
         </p:txBody>
       </p:sp>
     </p:spTree>
     <p:extLst>
       <p:ext uri="{BB962C8B-B14F-4D97-AF65-F5344CB8AC3E}">
-        <p14:creationId xmlns:p14="http://schemas.microsoft.com/office/powerpoint/2010/main" val="4080670722"/>
+        <p14:creationId xmlns:p14="http://schemas.microsoft.com/office/powerpoint/2010/main" val="3370742648"/>
       </p:ext>
     </p:extLst>
   </p:cSld>
@@ -17457,12 +17849,8 @@
           <a:lstStyle/>
           <a:p>
             <a:r>
-              <a:rPr lang="en-US" altLang="zh-CN" dirty="0" smtClean="0"/>
-              <a:t>http</a:t>
-            </a:r>
-            <a:r>
-              <a:rPr lang="zh-CN" altLang="en-US" dirty="0" smtClean="0"/>
-              <a:t>请求响应</a:t>
+              <a:rPr lang="zh-CN" altLang="en-US" dirty="0" smtClean="0"/>
+              <a:t>小网站</a:t>
             </a:r>
             <a:endParaRPr lang="zh-CN" altLang="en-US" dirty="0"/>
           </a:p>
@@ -17485,7 +17873,126 @@
           <a:p>
             <a:r>
               <a:rPr lang="zh-CN" altLang="en-US" dirty="0" smtClean="0"/>
-              <a:t>注解编程</a:t>
+              <a:t>在一个目录新建一个</a:t>
+            </a:r>
+            <a:r>
+              <a:rPr lang="en-US" altLang="zh-CN" dirty="0" smtClean="0"/>
+              <a:t>http</a:t>
+            </a:r>
+            <a:r>
+              <a:rPr lang="zh-CN" altLang="en-US" dirty="0" smtClean="0"/>
+              <a:t>服务器：在此目录下执行：</a:t>
+            </a:r>
+            <a:r>
+              <a:rPr lang="en-US" altLang="zh-CN" dirty="0" smtClean="0"/>
+              <a:t>python –m </a:t>
+            </a:r>
+            <a:r>
+              <a:rPr lang="en-US" altLang="zh-CN" dirty="0" err="1" smtClean="0"/>
+              <a:t>SimpleHTTPServer</a:t>
+            </a:r>
+            <a:endParaRPr lang="en-US" altLang="zh-CN" dirty="0" smtClean="0"/>
+          </a:p>
+          <a:p>
+            <a:pPr lvl="1"/>
+            <a:r>
+              <a:rPr lang="zh-CN" altLang="en-US" dirty="0" smtClean="0"/>
+              <a:t>指定端口：</a:t>
+            </a:r>
+            <a:r>
+              <a:rPr lang="en-US" altLang="zh-CN" dirty="0"/>
+              <a:t>python –m </a:t>
+            </a:r>
+            <a:r>
+              <a:rPr lang="en-US" altLang="zh-CN" dirty="0" err="1" smtClean="0"/>
+              <a:t>SimpleHTTPServer</a:t>
+            </a:r>
+            <a:r>
+              <a:rPr lang="en-US" altLang="zh-CN" dirty="0" smtClean="0"/>
+              <a:t> 8090 </a:t>
+            </a:r>
+            <a:r>
+              <a:rPr lang="zh-CN" altLang="en-US" dirty="0" smtClean="0"/>
+              <a:t>默认端口是</a:t>
+            </a:r>
+            <a:r>
+              <a:rPr lang="en-US" altLang="zh-CN" dirty="0" smtClean="0"/>
+              <a:t>8000</a:t>
+            </a:r>
+          </a:p>
+          <a:p>
+            <a:r>
+              <a:rPr lang="zh-CN" altLang="en-US" dirty="0" smtClean="0"/>
+              <a:t>用带参注解 </a:t>
+            </a:r>
+            <a:r>
+              <a:rPr lang="en-US" altLang="zh-CN" dirty="0" smtClean="0"/>
+              <a:t>+ </a:t>
+            </a:r>
+            <a:r>
+              <a:rPr lang="zh-CN" altLang="en-US" dirty="0" smtClean="0"/>
+              <a:t>请求正则匹配 </a:t>
+            </a:r>
+            <a:r>
+              <a:rPr lang="en-US" altLang="zh-CN" dirty="0" smtClean="0"/>
+              <a:t>+ </a:t>
+            </a:r>
+            <a:r>
+              <a:rPr lang="en-US" altLang="zh-CN" dirty="0" err="1" smtClean="0"/>
+              <a:t>BaseHTTPServer</a:t>
+            </a:r>
+            <a:r>
+              <a:rPr lang="zh-CN" altLang="en-US" dirty="0" smtClean="0"/>
+              <a:t>构造一个</a:t>
+            </a:r>
+            <a:r>
+              <a:rPr lang="en-US" altLang="zh-CN" dirty="0" err="1" smtClean="0"/>
+              <a:t>urlmapping</a:t>
+            </a:r>
+            <a:r>
+              <a:rPr lang="zh-CN" altLang="en-US" dirty="0" smtClean="0"/>
+              <a:t>风格的简略服</a:t>
+            </a:r>
+            <a:r>
+              <a:rPr lang="en-US" altLang="zh-CN" dirty="0" smtClean="0"/>
+              <a:t>		</a:t>
+            </a:r>
+            <a:r>
+              <a:rPr lang="zh-CN" altLang="en-US" dirty="0" smtClean="0"/>
+              <a:t>务器</a:t>
+            </a:r>
+            <a:r>
+              <a:rPr lang="en-US" altLang="zh-CN" dirty="0"/>
+              <a:t>(</a:t>
+            </a:r>
+            <a:r>
+              <a:rPr lang="zh-CN" altLang="en-US" dirty="0"/>
+              <a:t>不到</a:t>
+            </a:r>
+            <a:r>
+              <a:rPr lang="en-US" altLang="zh-CN" dirty="0"/>
+              <a:t>100</a:t>
+            </a:r>
+            <a:r>
+              <a:rPr lang="zh-CN" altLang="en-US" dirty="0"/>
+              <a:t>行代码</a:t>
+            </a:r>
+            <a:r>
+              <a:rPr lang="en-US" altLang="zh-CN" dirty="0"/>
+              <a:t>)</a:t>
+            </a:r>
+            <a:br>
+              <a:rPr lang="en-US" altLang="zh-CN" dirty="0"/>
+            </a:br>
+            <a:endParaRPr lang="en-US" altLang="zh-CN" dirty="0" smtClean="0"/>
+          </a:p>
+          <a:p>
+            <a:pPr marL="0" indent="0">
+              <a:buNone/>
+            </a:pPr>
+            <a:r>
+              <a:rPr lang="en-US" altLang="zh-CN" dirty="0" smtClean="0"/>
+              <a:t>				</a:t>
             </a:r>
             <a:endParaRPr lang="zh-CN" altLang="en-US" dirty="0"/>
           </a:p>
@@ -17494,7 +18001,7 @@
     </p:spTree>
     <p:extLst>
       <p:ext uri="{BB962C8B-B14F-4D97-AF65-F5344CB8AC3E}">
-        <p14:creationId xmlns:p14="http://schemas.microsoft.com/office/powerpoint/2010/main" val="3370742648"/>
+        <p14:creationId xmlns:p14="http://schemas.microsoft.com/office/powerpoint/2010/main" val="2520386108"/>
       </p:ext>
     </p:extLst>
   </p:cSld>
@@ -17556,19 +18063,266 @@
         </p:nvSpPr>
         <p:spPr/>
         <p:txBody>
-          <a:bodyPr/>
+          <a:bodyPr>
+            <a:normAutofit lnSpcReduction="10000"/>
+          </a:bodyPr>
           <a:lstStyle/>
           <a:p>
             <a:r>
               <a:rPr lang="zh-CN" altLang="en-US" dirty="0" smtClean="0"/>
-              <a:t>同步</a:t>
+              <a:t>创建：</a:t>
             </a:r>
             <a:endParaRPr lang="en-US" altLang="zh-CN" dirty="0" smtClean="0"/>
           </a:p>
           <a:p>
-            <a:r>
-              <a:rPr lang="zh-CN" altLang="en-US" dirty="0" smtClean="0"/>
-              <a:t>锁机制</a:t>
+            <a:pPr lvl="1"/>
+            <a:r>
+              <a:rPr lang="zh-CN" altLang="en-US" dirty="0"/>
+              <a:t>类</a:t>
+            </a:r>
+            <a:r>
+              <a:rPr lang="zh-CN" altLang="en-US" dirty="0" smtClean="0"/>
+              <a:t>方式：继承</a:t>
+            </a:r>
+            <a:r>
+              <a:rPr lang="en-US" altLang="zh-CN" dirty="0" err="1" smtClean="0"/>
+              <a:t>threading.Thread</a:t>
+            </a:r>
+            <a:r>
+              <a:rPr lang="zh-CN" altLang="en-US" dirty="0" smtClean="0"/>
+              <a:t>类，实现</a:t>
+            </a:r>
+            <a:r>
+              <a:rPr lang="en-US" altLang="zh-CN" dirty="0" smtClean="0"/>
+              <a:t>run()</a:t>
+            </a:r>
+            <a:r>
+              <a:rPr lang="zh-CN" altLang="en-US" dirty="0" smtClean="0"/>
+              <a:t>方法。</a:t>
+            </a:r>
+            <a:r>
+              <a:rPr lang="en-US" altLang="zh-CN" dirty="0" smtClean="0"/>
+              <a:t>.start()</a:t>
+            </a:r>
+            <a:r>
+              <a:rPr lang="zh-CN" altLang="en-US" dirty="0" smtClean="0"/>
+              <a:t>启动</a:t>
+            </a:r>
+            <a:endParaRPr lang="en-US" altLang="zh-CN" dirty="0" smtClean="0"/>
+          </a:p>
+          <a:p>
+            <a:pPr lvl="1"/>
+            <a:r>
+              <a:rPr lang="zh-CN" altLang="en-US" dirty="0" smtClean="0"/>
+              <a:t>函数方式：</a:t>
+            </a:r>
+            <a:r>
+              <a:rPr lang="en-US" altLang="zh-CN" dirty="0" err="1" smtClean="0"/>
+              <a:t>thread.start_new_thread</a:t>
+            </a:r>
+            <a:r>
+              <a:rPr lang="en-US" altLang="zh-CN" dirty="0" smtClean="0"/>
+              <a:t>(function, (param1, param2,…))</a:t>
+            </a:r>
+            <a:r>
+              <a:rPr lang="zh-CN" altLang="en-US" dirty="0" smtClean="0"/>
+              <a:t>。创建即启动</a:t>
+            </a:r>
+            <a:endParaRPr lang="en-US" altLang="zh-CN" dirty="0" smtClean="0"/>
+          </a:p>
+          <a:p>
+            <a:r>
+              <a:rPr lang="zh-CN" altLang="en-US" dirty="0" smtClean="0"/>
+              <a:t>线程同步：</a:t>
+            </a:r>
+            <a:endParaRPr lang="en-US" altLang="zh-CN" dirty="0" smtClean="0"/>
+          </a:p>
+          <a:p>
+            <a:pPr lvl="1"/>
+            <a:r>
+              <a:rPr lang="zh-CN" altLang="en-US" dirty="0" smtClean="0"/>
+              <a:t>子线程之间同步：使用</a:t>
+            </a:r>
+            <a:r>
+              <a:rPr lang="en-US" altLang="zh-CN" dirty="0" err="1" smtClean="0"/>
+              <a:t>threading.Lock</a:t>
+            </a:r>
+            <a:r>
+              <a:rPr lang="en-US" altLang="zh-CN" dirty="0" smtClean="0"/>
+              <a:t>()</a:t>
+            </a:r>
+            <a:r>
+              <a:rPr lang="zh-CN" altLang="en-US" dirty="0" smtClean="0"/>
+              <a:t>锁对象的</a:t>
+            </a:r>
+            <a:r>
+              <a:rPr lang="en-US" altLang="zh-CN" dirty="0" smtClean="0"/>
+              <a:t>acquire()</a:t>
+            </a:r>
+            <a:r>
+              <a:rPr lang="zh-CN" altLang="en-US" dirty="0" smtClean="0"/>
+              <a:t>获取锁，和</a:t>
+            </a:r>
+            <a:r>
+              <a:rPr lang="en-US" altLang="zh-CN" dirty="0" smtClean="0"/>
+              <a:t>release()</a:t>
+            </a:r>
+            <a:r>
+              <a:rPr lang="zh-CN" altLang="en-US" dirty="0" smtClean="0"/>
+              <a:t>释放锁方法</a:t>
+            </a:r>
+            <a:r>
+              <a:rPr lang="en-US" altLang="zh-CN" dirty="0" smtClean="0"/>
+              <a:t>				</a:t>
+            </a:r>
+            <a:r>
+              <a:rPr lang="zh-CN" altLang="en-US" dirty="0" smtClean="0"/>
+              <a:t>完成。</a:t>
+            </a:r>
+            <a:endParaRPr lang="en-US" altLang="zh-CN" dirty="0" smtClean="0"/>
+          </a:p>
+          <a:p>
+            <a:pPr lvl="1"/>
+            <a:r>
+              <a:rPr lang="zh-CN" altLang="en-US" dirty="0"/>
+              <a:t>子</a:t>
+            </a:r>
+            <a:r>
+              <a:rPr lang="zh-CN" altLang="en-US" dirty="0" smtClean="0"/>
+              <a:t>线程和主线程同步：子线程</a:t>
+            </a:r>
+            <a:r>
+              <a:rPr lang="en-US" altLang="zh-CN" dirty="0" smtClean="0"/>
+              <a:t>.</a:t>
+            </a:r>
+            <a:r>
+              <a:rPr lang="en-US" altLang="zh-CN" dirty="0" smtClean="0"/>
+              <a:t>join()</a:t>
+            </a:r>
+            <a:r>
+              <a:rPr lang="zh-CN" altLang="en-US" dirty="0" smtClean="0"/>
+              <a:t>方法可以让主线程阻塞等待子线程执行完毕。</a:t>
+            </a:r>
+            <a:endParaRPr lang="en-US" altLang="zh-CN" dirty="0" smtClean="0"/>
+          </a:p>
+          <a:p>
+            <a:r>
+              <a:rPr lang="zh-CN" altLang="en-US" dirty="0" smtClean="0"/>
+              <a:t>睡眠函数：</a:t>
+            </a:r>
+            <a:r>
+              <a:rPr lang="en-US" altLang="zh-CN" dirty="0" err="1" smtClean="0"/>
+              <a:t>time.sleep</a:t>
+            </a:r>
+            <a:r>
+              <a:rPr lang="en-US" altLang="zh-CN" dirty="0" smtClean="0"/>
+              <a:t>(long) </a:t>
+            </a:r>
+            <a:r>
+              <a:rPr lang="zh-CN" altLang="en-US" dirty="0" smtClean="0"/>
+              <a:t>单位</a:t>
+            </a:r>
+            <a:r>
+              <a:rPr lang="en-US" altLang="zh-CN" dirty="0" smtClean="0"/>
+              <a:t>:s</a:t>
+            </a:r>
+          </a:p>
+          <a:p>
+            <a:r>
+              <a:rPr lang="zh-CN" altLang="en-US" dirty="0"/>
+              <a:t>线程</a:t>
+            </a:r>
+            <a:r>
+              <a:rPr lang="zh-CN" altLang="en-US" dirty="0" smtClean="0"/>
+              <a:t>池：</a:t>
+            </a:r>
+            <a:r>
+              <a:rPr lang="en-US" altLang="zh-CN" dirty="0" err="1" smtClean="0"/>
+              <a:t>threadpool</a:t>
+            </a:r>
+            <a:r>
+              <a:rPr lang="zh-CN" altLang="en-US" dirty="0" smtClean="0"/>
+              <a:t>模块</a:t>
+            </a:r>
+            <a:endParaRPr lang="en-US" altLang="zh-CN" dirty="0" smtClean="0"/>
+          </a:p>
+          <a:p>
+            <a:pPr lvl="1"/>
+            <a:r>
+              <a:rPr lang="zh-CN" altLang="en-US" dirty="0" smtClean="0"/>
+              <a:t>创建线程池</a:t>
+            </a:r>
+            <a:r>
+              <a:rPr lang="en-US" altLang="zh-CN" dirty="0" smtClean="0">
+                <a:sym typeface="Wingdings" panose="05000000000000000000" pitchFamily="2" charset="2"/>
+              </a:rPr>
+              <a:t></a:t>
+            </a:r>
+            <a:r>
+              <a:rPr lang="zh-CN" altLang="en-US" dirty="0" smtClean="0">
+                <a:sym typeface="Wingdings" panose="05000000000000000000" pitchFamily="2" charset="2"/>
+              </a:rPr>
+              <a:t>构造处理函数</a:t>
+            </a:r>
+            <a:r>
+              <a:rPr lang="en-US" altLang="zh-CN" dirty="0" smtClean="0">
+                <a:sym typeface="Wingdings" panose="05000000000000000000" pitchFamily="2" charset="2"/>
+              </a:rPr>
+              <a:t>-</a:t>
+            </a:r>
+            <a:r>
+              <a:rPr lang="zh-CN" altLang="en-US" dirty="0" smtClean="0">
+                <a:sym typeface="Wingdings" panose="05000000000000000000" pitchFamily="2" charset="2"/>
+              </a:rPr>
+              <a:t>参数对</a:t>
+            </a:r>
+            <a:r>
+              <a:rPr lang="en-US" altLang="zh-CN" dirty="0" smtClean="0">
+                <a:sym typeface="Wingdings" panose="05000000000000000000" pitchFamily="2" charset="2"/>
+              </a:rPr>
+              <a:t></a:t>
+            </a:r>
+            <a:r>
+              <a:rPr lang="zh-CN" altLang="en-US" dirty="0" smtClean="0">
+                <a:sym typeface="Wingdings" panose="05000000000000000000" pitchFamily="2" charset="2"/>
+              </a:rPr>
+              <a:t>将构造的函数</a:t>
+            </a:r>
+            <a:r>
+              <a:rPr lang="en-US" altLang="zh-CN" dirty="0" smtClean="0">
+                <a:sym typeface="Wingdings" panose="05000000000000000000" pitchFamily="2" charset="2"/>
+              </a:rPr>
+              <a:t>-</a:t>
+            </a:r>
+            <a:r>
+              <a:rPr lang="zh-CN" altLang="en-US" dirty="0" smtClean="0">
+                <a:sym typeface="Wingdings" panose="05000000000000000000" pitchFamily="2" charset="2"/>
+              </a:rPr>
+              <a:t>参数对</a:t>
+            </a:r>
+            <a:r>
+              <a:rPr lang="en-US" altLang="zh-CN" dirty="0" smtClean="0">
+                <a:sym typeface="Wingdings" panose="05000000000000000000" pitchFamily="2" charset="2"/>
+              </a:rPr>
+              <a:t>request</a:t>
+            </a:r>
+            <a:r>
+              <a:rPr lang="zh-CN" altLang="en-US" dirty="0" smtClean="0">
+                <a:sym typeface="Wingdings" panose="05000000000000000000" pitchFamily="2" charset="2"/>
+              </a:rPr>
+              <a:t>放进</a:t>
+            </a:r>
+            <a:r>
+              <a:rPr lang="en-US" altLang="zh-CN" dirty="0" smtClean="0">
+                <a:sym typeface="Wingdings" panose="05000000000000000000" pitchFamily="2" charset="2"/>
+              </a:rPr>
+              <a:t>pool,</a:t>
+            </a:r>
+            <a:r>
+              <a:rPr lang="zh-CN" altLang="en-US" dirty="0" smtClean="0">
+                <a:sym typeface="Wingdings" panose="05000000000000000000" pitchFamily="2" charset="2"/>
+              </a:rPr>
+              <a:t>启动线程池等待结束</a:t>
             </a:r>
             <a:endParaRPr lang="zh-CN" altLang="en-US" dirty="0"/>
           </a:p>
@@ -17741,7 +18495,116 @@
           <a:bodyPr/>
           <a:lstStyle/>
           <a:p>
-            <a:endParaRPr lang="zh-CN" altLang="en-US"/>
+            <a:r>
+              <a:rPr lang="zh-CN" altLang="en-US" dirty="0" smtClean="0"/>
+              <a:t>模块：</a:t>
+            </a:r>
+            <a:r>
+              <a:rPr lang="en-US" altLang="zh-CN" dirty="0" smtClean="0"/>
+              <a:t>Queue</a:t>
+            </a:r>
+            <a:r>
+              <a:rPr lang="zh-CN" altLang="en-US" dirty="0" smtClean="0"/>
+              <a:t>线程安全的，读写都加互斥锁</a:t>
+            </a:r>
+            <a:endParaRPr lang="en-US" altLang="zh-CN" dirty="0" smtClean="0"/>
+          </a:p>
+          <a:p>
+            <a:pPr lvl="1"/>
+            <a:r>
+              <a:rPr lang="zh-CN" altLang="en-US" dirty="0" smtClean="0"/>
+              <a:t>创建：</a:t>
+            </a:r>
+            <a:r>
+              <a:rPr lang="en-US" altLang="zh-CN" dirty="0"/>
+              <a:t>q = </a:t>
+            </a:r>
+            <a:r>
+              <a:rPr lang="en-US" altLang="zh-CN" dirty="0" err="1"/>
+              <a:t>Queue.Queue</a:t>
+            </a:r>
+            <a:r>
+              <a:rPr lang="en-US" altLang="zh-CN" dirty="0"/>
+              <a:t>(10</a:t>
+            </a:r>
+            <a:r>
+              <a:rPr lang="en-US" altLang="zh-CN" dirty="0" smtClean="0"/>
+              <a:t>)</a:t>
+            </a:r>
+          </a:p>
+          <a:p>
+            <a:pPr lvl="1"/>
+            <a:r>
+              <a:rPr lang="zh-CN" altLang="en-US" dirty="0" smtClean="0"/>
+              <a:t>阻塞地添加元素：</a:t>
+            </a:r>
+            <a:r>
+              <a:rPr lang="en-US" altLang="zh-CN" dirty="0" err="1"/>
+              <a:t>q.put</a:t>
+            </a:r>
+            <a:r>
+              <a:rPr lang="en-US" altLang="zh-CN" dirty="0" smtClean="0"/>
+              <a:t>(‘A’,</a:t>
+            </a:r>
+            <a:r>
+              <a:rPr lang="en-US" altLang="zh-CN" dirty="0"/>
+              <a:t> block=True, timeout=None</a:t>
+            </a:r>
+            <a:r>
+              <a:rPr lang="en-US" altLang="zh-CN" dirty="0" smtClean="0"/>
+              <a:t>)</a:t>
+            </a:r>
+            <a:r>
+              <a:rPr lang="zh-CN" altLang="en-US" dirty="0" smtClean="0"/>
+              <a:t>，即写满了会阻塞</a:t>
+            </a:r>
+            <a:endParaRPr lang="en-US" altLang="zh-CN" dirty="0" smtClean="0"/>
+          </a:p>
+          <a:p>
+            <a:pPr lvl="1"/>
+            <a:r>
+              <a:rPr lang="zh-CN" altLang="en-US" dirty="0" smtClean="0"/>
+              <a:t>阻塞地读取元素：</a:t>
+            </a:r>
+            <a:r>
+              <a:rPr lang="en-US" altLang="zh-CN" dirty="0" err="1" smtClean="0"/>
+              <a:t>q.get</a:t>
+            </a:r>
+            <a:r>
+              <a:rPr lang="en-US" altLang="zh-CN" dirty="0" smtClean="0"/>
+              <a:t>(block=True, timeout=None)</a:t>
+            </a:r>
+            <a:r>
+              <a:rPr lang="zh-CN" altLang="en-US" dirty="0" smtClean="0"/>
+              <a:t>空队列会阻塞</a:t>
+            </a:r>
+            <a:endParaRPr lang="en-US" altLang="zh-CN" dirty="0" smtClean="0"/>
+          </a:p>
+          <a:p>
+            <a:pPr lvl="1"/>
+            <a:r>
+              <a:rPr lang="zh-CN" altLang="en-US" dirty="0"/>
+              <a:t>互斥</a:t>
+            </a:r>
+            <a:r>
+              <a:rPr lang="zh-CN" altLang="en-US" dirty="0" smtClean="0"/>
+              <a:t>锁：队列实例</a:t>
+            </a:r>
+            <a:r>
+              <a:rPr lang="en-US" altLang="zh-CN" dirty="0" err="1" smtClean="0"/>
+              <a:t>self.mutex</a:t>
+            </a:r>
+            <a:r>
+              <a:rPr lang="en-US" altLang="zh-CN" dirty="0" smtClean="0"/>
+              <a:t>   </a:t>
+            </a:r>
+          </a:p>
+          <a:p>
+            <a:pPr lvl="1"/>
+            <a:endParaRPr lang="en-US" altLang="zh-CN" dirty="0" smtClean="0"/>
+          </a:p>
+          <a:p>
+            <a:endParaRPr lang="zh-CN" altLang="en-US" dirty="0"/>
           </a:p>
         </p:txBody>
       </p:sp>
@@ -17794,6 +18657,17 @@
               <a:rPr lang="zh-CN" altLang="en-US" dirty="0" smtClean="0"/>
               <a:t>数据处理</a:t>
             </a:r>
+            <a:r>
+              <a:rPr lang="en-US" altLang="zh-CN" dirty="0" err="1"/>
+              <a:t>numpy</a:t>
+            </a:r>
+            <a:r>
+              <a:rPr lang="en-US" altLang="zh-CN" dirty="0"/>
+              <a:t/>
+            </a:r>
+            <a:br>
+              <a:rPr lang="en-US" altLang="zh-CN" dirty="0"/>
+            </a:br>
             <a:endParaRPr lang="zh-CN" altLang="en-US" dirty="0"/>
           </a:p>
         </p:txBody>
@@ -17813,7 +18687,198 @@
           <a:bodyPr/>
           <a:lstStyle/>
           <a:p>
-            <a:endParaRPr lang="zh-CN" altLang="en-US"/>
+            <a:r>
+              <a:rPr lang="zh-CN" altLang="en-US" dirty="0"/>
+              <a:t>线</a:t>
+            </a:r>
+            <a:r>
+              <a:rPr lang="zh-CN" altLang="en-US" dirty="0" smtClean="0"/>
+              <a:t>代</a:t>
+            </a:r>
+            <a:r>
+              <a:rPr lang="zh-CN" altLang="en-US" dirty="0" smtClean="0"/>
+              <a:t>模块：</a:t>
+            </a:r>
+            <a:endParaRPr lang="en-US" altLang="zh-CN" dirty="0" smtClean="0"/>
+          </a:p>
+          <a:p>
+            <a:pPr lvl="1"/>
+            <a:r>
+              <a:rPr lang="zh-CN" altLang="en-US" dirty="0" smtClean="0"/>
+              <a:t>矩阵点乘：</a:t>
+            </a:r>
+            <a:r>
+              <a:rPr lang="en-US" altLang="zh-CN" dirty="0"/>
+              <a:t>b = </a:t>
+            </a:r>
+            <a:r>
+              <a:rPr lang="en-US" altLang="zh-CN" dirty="0" err="1"/>
+              <a:t>np.array</a:t>
+            </a:r>
+            <a:r>
+              <a:rPr lang="en-US" altLang="zh-CN" dirty="0"/>
+              <a:t>([[1, 2, 3],[4, 5, 6],[7, 8, 9]]) c = </a:t>
+            </a:r>
+            <a:r>
+              <a:rPr lang="en-US" altLang="zh-CN" dirty="0" err="1"/>
+              <a:t>np.array</a:t>
+            </a:r>
+            <a:r>
+              <a:rPr lang="en-US" altLang="zh-CN" dirty="0"/>
+              <a:t>([1, 0, 1]) np.dot(</a:t>
+            </a:r>
+            <a:r>
+              <a:rPr lang="en-US" altLang="zh-CN" dirty="0" err="1"/>
+              <a:t>b,c</a:t>
+            </a:r>
+            <a:r>
+              <a:rPr lang="en-US" altLang="zh-CN" dirty="0" smtClean="0"/>
+              <a:t>)</a:t>
+            </a:r>
+          </a:p>
+          <a:p>
+            <a:pPr lvl="1"/>
+            <a:r>
+              <a:rPr lang="zh-CN" altLang="en-US" dirty="0" smtClean="0"/>
+              <a:t>矩阵的行列式：</a:t>
+            </a:r>
+            <a:r>
+              <a:rPr lang="en-US" altLang="zh-CN" dirty="0" err="1"/>
+              <a:t>np.linalg.det</a:t>
+            </a:r>
+            <a:r>
+              <a:rPr lang="en-US" altLang="zh-CN" dirty="0"/>
+              <a:t>(b</a:t>
+            </a:r>
+            <a:r>
+              <a:rPr lang="en-US" altLang="zh-CN" dirty="0" smtClean="0"/>
+              <a:t>) </a:t>
+            </a:r>
+          </a:p>
+          <a:p>
+            <a:pPr lvl="1"/>
+            <a:r>
+              <a:rPr lang="zh-CN" altLang="en-US" dirty="0" smtClean="0"/>
+              <a:t>矩阵的</a:t>
+            </a:r>
+            <a:r>
+              <a:rPr lang="zh-CN" altLang="en-US" i="1" dirty="0" smtClean="0"/>
+              <a:t>秩：</a:t>
+            </a:r>
+            <a:r>
+              <a:rPr lang="en-US" altLang="zh-CN" dirty="0"/>
+              <a:t> </a:t>
+            </a:r>
+            <a:r>
+              <a:rPr lang="en-US" altLang="zh-CN" dirty="0" err="1"/>
+              <a:t>np.linalg.matrix_rank</a:t>
+            </a:r>
+            <a:r>
+              <a:rPr lang="en-US" altLang="zh-CN" dirty="0"/>
+              <a:t>(b)</a:t>
+            </a:r>
+            <a:endParaRPr lang="en-US" altLang="zh-CN" dirty="0" smtClean="0"/>
+          </a:p>
+          <a:p>
+            <a:r>
+              <a:rPr lang="zh-CN" altLang="en-US" dirty="0" smtClean="0"/>
+              <a:t>随机模块：</a:t>
+            </a:r>
+            <a:endParaRPr lang="en-US" altLang="zh-CN" dirty="0" smtClean="0"/>
+          </a:p>
+          <a:p>
+            <a:pPr lvl="1"/>
+            <a:r>
+              <a:rPr lang="zh-CN" altLang="en-US" dirty="0" smtClean="0"/>
+              <a:t>随机取几个值：</a:t>
+            </a:r>
+            <a:r>
+              <a:rPr lang="en-US" altLang="zh-CN" dirty="0" err="1"/>
+              <a:t>random.choice</a:t>
+            </a:r>
+            <a:r>
+              <a:rPr lang="en-US" altLang="zh-CN" dirty="0"/>
+              <a:t>(a, 7</a:t>
+            </a:r>
+            <a:r>
+              <a:rPr lang="en-US" altLang="zh-CN" dirty="0" smtClean="0"/>
+              <a:t>)  </a:t>
+            </a:r>
+            <a:r>
+              <a:rPr lang="zh-CN" altLang="en-US" dirty="0" smtClean="0"/>
+              <a:t>其中</a:t>
+            </a:r>
+            <a:r>
+              <a:rPr lang="en-US" altLang="zh-CN" dirty="0"/>
+              <a:t>a = </a:t>
+            </a:r>
+            <a:r>
+              <a:rPr lang="en-US" altLang="zh-CN" dirty="0" err="1"/>
+              <a:t>np.array</a:t>
+            </a:r>
+            <a:r>
+              <a:rPr lang="en-US" altLang="zh-CN" dirty="0"/>
+              <a:t>([3,4</a:t>
+            </a:r>
+            <a:r>
+              <a:rPr lang="en-US" altLang="zh-CN" dirty="0" smtClean="0"/>
+              <a:t>])</a:t>
+            </a:r>
+          </a:p>
+          <a:p>
+            <a:pPr lvl="1"/>
+            <a:r>
+              <a:rPr lang="zh-CN" altLang="en-US" dirty="0"/>
+              <a:t>乱</a:t>
+            </a:r>
+            <a:r>
+              <a:rPr lang="zh-CN" altLang="en-US" dirty="0" smtClean="0"/>
+              <a:t>序：</a:t>
+            </a:r>
+            <a:r>
+              <a:rPr lang="en-US" altLang="zh-CN" dirty="0" err="1"/>
+              <a:t>random.shuffle</a:t>
+            </a:r>
+            <a:r>
+              <a:rPr lang="en-US" altLang="zh-CN" dirty="0"/>
+              <a:t>(a</a:t>
+            </a:r>
+            <a:r>
+              <a:rPr lang="en-US" altLang="zh-CN" dirty="0" smtClean="0"/>
+              <a:t>) </a:t>
+            </a:r>
+            <a:r>
+              <a:rPr lang="zh-CN" altLang="en-US" dirty="0" smtClean="0"/>
+              <a:t>改变了</a:t>
+            </a:r>
+            <a:r>
+              <a:rPr lang="en-US" altLang="zh-CN" dirty="0"/>
+              <a:t>a  ; </a:t>
+            </a:r>
+            <a:r>
+              <a:rPr lang="en-US" altLang="zh-CN" dirty="0" err="1" smtClean="0"/>
+              <a:t>random.permutation</a:t>
+            </a:r>
+            <a:r>
+              <a:rPr lang="en-US" altLang="zh-CN" dirty="0" smtClean="0"/>
+              <a:t>(a)</a:t>
+            </a:r>
+            <a:r>
+              <a:rPr lang="zh-CN" altLang="en-US" dirty="0" smtClean="0"/>
+              <a:t>没有改变</a:t>
+            </a:r>
+            <a:r>
+              <a:rPr lang="en-US" altLang="zh-CN" dirty="0" smtClean="0"/>
+              <a:t>a,</a:t>
+            </a:r>
+            <a:r>
+              <a:rPr lang="zh-CN" altLang="en-US" dirty="0" smtClean="0"/>
+              <a:t>返回一个新的</a:t>
+            </a:r>
+            <a:endParaRPr lang="en-US" altLang="zh-CN" dirty="0" smtClean="0"/>
+          </a:p>
+          <a:p>
+            <a:endParaRPr lang="en-US" altLang="zh-CN" dirty="0" smtClean="0"/>
           </a:p>
         </p:txBody>
       </p:sp>
@@ -17864,7 +18929,15 @@
           <a:p>
             <a:r>
               <a:rPr lang="zh-CN" altLang="en-US" dirty="0" smtClean="0"/>
-              <a:t>数据可视化</a:t>
+              <a:t>数据</a:t>
+            </a:r>
+            <a:r>
+              <a:rPr lang="zh-CN" altLang="en-US" dirty="0" smtClean="0"/>
+              <a:t>可视化</a:t>
+            </a:r>
+            <a:r>
+              <a:rPr lang="en-US" altLang="zh-CN" dirty="0" err="1"/>
+              <a:t>matplotlib</a:t>
             </a:r>
             <a:endParaRPr lang="zh-CN" altLang="en-US" dirty="0"/>
           </a:p>
@@ -17872,7 +18945,7 @@
       </p:sp>
       <p:sp>
         <p:nvSpPr>
-          <p:cNvPr id="3" name="内容占位符 2"/>
+          <p:cNvPr id="5" name="内容占位符 4"/>
           <p:cNvSpPr>
             <a:spLocks noGrp="1"/>
           </p:cNvSpPr>
@@ -17886,16 +18959,89 @@
           <a:lstStyle/>
           <a:p>
             <a:r>
-              <a:rPr lang="zh-CN" altLang="en-US" dirty="0" smtClean="0"/>
-              <a:t>二维码生成</a:t>
-            </a:r>
-            <a:endParaRPr lang="en-US" altLang="zh-CN" dirty="0" smtClean="0"/>
-          </a:p>
-          <a:p>
-            <a:r>
-              <a:rPr lang="zh-CN" altLang="en-US" dirty="0" smtClean="0"/>
-              <a:t>统计图表</a:t>
-            </a:r>
+              <a:rPr lang="zh-CN" altLang="en-US" dirty="0"/>
+              <a:t>数据展示：</a:t>
+            </a:r>
+            <a:r>
+              <a:rPr lang="en-US" altLang="zh-CN" dirty="0" err="1"/>
+              <a:t>matplotlib.pyplot</a:t>
+            </a:r>
+            <a:r>
+              <a:rPr lang="en-US" altLang="zh-CN" dirty="0"/>
+              <a:t>  </a:t>
+            </a:r>
+            <a:r>
+              <a:rPr lang="zh-CN" altLang="en-US" dirty="0"/>
+              <a:t>三维图片： </a:t>
+            </a:r>
+            <a:r>
+              <a:rPr lang="en-US" altLang="zh-CN" dirty="0"/>
+              <a:t>+ mpl_toolkits.mplot3d</a:t>
+            </a:r>
+          </a:p>
+          <a:p>
+            <a:r>
+              <a:rPr lang="zh-CN" altLang="en-US" dirty="0"/>
+              <a:t>二维码生成：</a:t>
+            </a:r>
+            <a:r>
+              <a:rPr lang="en-US" altLang="zh-CN" dirty="0" err="1"/>
+              <a:t>matplotlib.pyplot</a:t>
+            </a:r>
+            <a:r>
+              <a:rPr lang="en-US" altLang="zh-CN" dirty="0"/>
+              <a:t> + </a:t>
+            </a:r>
+            <a:r>
+              <a:rPr lang="en-US" altLang="zh-CN" dirty="0" err="1"/>
+              <a:t>qrcode</a:t>
+            </a:r>
+            <a:endParaRPr lang="en-US" altLang="zh-CN" dirty="0"/>
+          </a:p>
+          <a:p>
+            <a:r>
+              <a:rPr lang="zh-CN" altLang="en-US" dirty="0"/>
+              <a:t>实时</a:t>
+            </a:r>
+            <a:r>
+              <a:rPr lang="zh-CN" altLang="en-US" dirty="0" smtClean="0"/>
+              <a:t>统计</a:t>
+            </a:r>
+            <a:r>
+              <a:rPr lang="en-US" altLang="zh-CN" dirty="0" err="1" smtClean="0"/>
+              <a:t>cpu</a:t>
+            </a:r>
+            <a:r>
+              <a:rPr lang="zh-CN" altLang="en-US" dirty="0" smtClean="0"/>
+              <a:t>利用率：</a:t>
+            </a:r>
+            <a:r>
+              <a:rPr lang="en-US" altLang="zh-CN" dirty="0" smtClean="0"/>
+              <a:t> </a:t>
+            </a:r>
+            <a:r>
+              <a:rPr lang="en-US" altLang="zh-CN" dirty="0" err="1" smtClean="0"/>
+              <a:t>matplotlib.pyplot</a:t>
+            </a:r>
+            <a:r>
+              <a:rPr lang="en-US" altLang="zh-CN" dirty="0" smtClean="0"/>
+              <a:t> + </a:t>
+            </a:r>
+            <a:r>
+              <a:rPr lang="en-US" altLang="zh-CN" dirty="0" err="1" smtClean="0"/>
+              <a:t>psutil</a:t>
+            </a:r>
+            <a:r>
+              <a:rPr lang="en-US" altLang="zh-CN" dirty="0"/>
+              <a:t> + </a:t>
+            </a:r>
+            <a:r>
+              <a:rPr lang="en-US" altLang="zh-CN" dirty="0" err="1"/>
+              <a:t>matplotlib.font_manager</a:t>
+            </a:r>
+            <a:endParaRPr lang="zh-CN" altLang="en-US" dirty="0"/>
+          </a:p>
+          <a:p>
             <a:endParaRPr lang="zh-CN" altLang="en-US" dirty="0"/>
           </a:p>
         </p:txBody>

--- a/编程语言/python/Python基础入门知识分享.pptx
+++ b/编程语言/python/Python基础入门知识分享.pptx
@@ -482,7 +482,7 @@
             <a:fld id="{B61BEF0D-F0BB-DE4B-95CE-6DB70DBA9567}" type="datetimeFigureOut">
               <a:rPr lang="en-US" dirty="0"/>
               <a:pPr/>
-              <a:t>4/1/2018</a:t>
+              <a:t>4/3/2018</a:t>
             </a:fld>
             <a:endParaRPr lang="en-US" dirty="0"/>
           </a:p>
@@ -817,7 +817,7 @@
             <a:fld id="{B61BEF0D-F0BB-DE4B-95CE-6DB70DBA9567}" type="datetimeFigureOut">
               <a:rPr lang="en-US" dirty="0"/>
               <a:pPr/>
-              <a:t>4/1/2018</a:t>
+              <a:t>4/3/2018</a:t>
             </a:fld>
             <a:endParaRPr lang="en-US" dirty="0"/>
           </a:p>
@@ -1215,7 +1215,7 @@
             <a:fld id="{B61BEF0D-F0BB-DE4B-95CE-6DB70DBA9567}" type="datetimeFigureOut">
               <a:rPr lang="en-US" dirty="0"/>
               <a:pPr/>
-              <a:t>4/1/2018</a:t>
+              <a:t>4/3/2018</a:t>
             </a:fld>
             <a:endParaRPr lang="en-US" dirty="0"/>
           </a:p>
@@ -1548,7 +1548,7 @@
             <a:fld id="{B61BEF0D-F0BB-DE4B-95CE-6DB70DBA9567}" type="datetimeFigureOut">
               <a:rPr lang="en-US" dirty="0"/>
               <a:pPr/>
-              <a:t>4/1/2018</a:t>
+              <a:t>4/3/2018</a:t>
             </a:fld>
             <a:endParaRPr lang="en-US" dirty="0"/>
           </a:p>
@@ -1865,7 +1865,7 @@
             <a:fld id="{B61BEF0D-F0BB-DE4B-95CE-6DB70DBA9567}" type="datetimeFigureOut">
               <a:rPr lang="en-US" dirty="0"/>
               <a:pPr/>
-              <a:t>4/1/2018</a:t>
+              <a:t>4/3/2018</a:t>
             </a:fld>
             <a:endParaRPr lang="en-US" dirty="0"/>
           </a:p>
@@ -2258,7 +2258,7 @@
             <a:fld id="{B61BEF0D-F0BB-DE4B-95CE-6DB70DBA9567}" type="datetimeFigureOut">
               <a:rPr lang="en-US" dirty="0"/>
               <a:pPr/>
-              <a:t>4/1/2018</a:t>
+              <a:t>4/3/2018</a:t>
             </a:fld>
             <a:endParaRPr lang="en-US" dirty="0"/>
           </a:p>
@@ -2512,7 +2512,7 @@
             <a:fld id="{B61BEF0D-F0BB-DE4B-95CE-6DB70DBA9567}" type="datetimeFigureOut">
               <a:rPr lang="en-US" dirty="0"/>
               <a:pPr/>
-              <a:t>4/1/2018</a:t>
+              <a:t>4/3/2018</a:t>
             </a:fld>
             <a:endParaRPr lang="en-US" dirty="0"/>
           </a:p>
@@ -2771,7 +2771,7 @@
             <a:fld id="{B61BEF0D-F0BB-DE4B-95CE-6DB70DBA9567}" type="datetimeFigureOut">
               <a:rPr lang="en-US" dirty="0"/>
               <a:pPr/>
-              <a:t>4/1/2018</a:t>
+              <a:t>4/3/2018</a:t>
             </a:fld>
             <a:endParaRPr lang="en-US" dirty="0"/>
           </a:p>
@@ -3030,7 +3030,7 @@
             <a:fld id="{B61BEF0D-F0BB-DE4B-95CE-6DB70DBA9567}" type="datetimeFigureOut">
               <a:rPr lang="en-US" dirty="0"/>
               <a:pPr/>
-              <a:t>4/1/2018</a:t>
+              <a:t>4/3/2018</a:t>
             </a:fld>
             <a:endParaRPr lang="en-US" dirty="0"/>
           </a:p>
@@ -3356,7 +3356,7 @@
             <a:fld id="{B61BEF0D-F0BB-DE4B-95CE-6DB70DBA9567}" type="datetimeFigureOut">
               <a:rPr lang="en-US" dirty="0"/>
               <a:pPr/>
-              <a:t>4/1/2018</a:t>
+              <a:t>4/3/2018</a:t>
             </a:fld>
             <a:endParaRPr lang="en-US" dirty="0"/>
           </a:p>
@@ -3676,7 +3676,7 @@
             <a:fld id="{B61BEF0D-F0BB-DE4B-95CE-6DB70DBA9567}" type="datetimeFigureOut">
               <a:rPr lang="en-US" dirty="0"/>
               <a:pPr/>
-              <a:t>4/1/2018</a:t>
+              <a:t>4/3/2018</a:t>
             </a:fld>
             <a:endParaRPr lang="en-US" dirty="0"/>
           </a:p>
@@ -4130,7 +4130,7 @@
             <a:fld id="{B61BEF0D-F0BB-DE4B-95CE-6DB70DBA9567}" type="datetimeFigureOut">
               <a:rPr lang="en-US" dirty="0"/>
               <a:pPr/>
-              <a:t>4/1/2018</a:t>
+              <a:t>4/3/2018</a:t>
             </a:fld>
             <a:endParaRPr lang="en-US" dirty="0"/>
           </a:p>
@@ -4332,7 +4332,7 @@
             <a:fld id="{B61BEF0D-F0BB-DE4B-95CE-6DB70DBA9567}" type="datetimeFigureOut">
               <a:rPr lang="en-US" dirty="0"/>
               <a:pPr/>
-              <a:t>4/1/2018</a:t>
+              <a:t>4/3/2018</a:t>
             </a:fld>
             <a:endParaRPr lang="en-US" dirty="0"/>
           </a:p>
@@ -4506,7 +4506,7 @@
             <a:fld id="{B61BEF0D-F0BB-DE4B-95CE-6DB70DBA9567}" type="datetimeFigureOut">
               <a:rPr lang="en-US" dirty="0"/>
               <a:pPr/>
-              <a:t>4/1/2018</a:t>
+              <a:t>4/3/2018</a:t>
             </a:fld>
             <a:endParaRPr lang="en-US" dirty="0"/>
           </a:p>
@@ -4836,7 +4836,7 @@
             <a:fld id="{B61BEF0D-F0BB-DE4B-95CE-6DB70DBA9567}" type="datetimeFigureOut">
               <a:rPr lang="en-US" dirty="0"/>
               <a:pPr/>
-              <a:t>4/1/2018</a:t>
+              <a:t>4/3/2018</a:t>
             </a:fld>
             <a:endParaRPr lang="en-US" dirty="0"/>
           </a:p>
@@ -5178,7 +5178,7 @@
             <a:fld id="{B61BEF0D-F0BB-DE4B-95CE-6DB70DBA9567}" type="datetimeFigureOut">
               <a:rPr lang="en-US" dirty="0"/>
               <a:pPr/>
-              <a:t>4/1/2018</a:t>
+              <a:t>4/3/2018</a:t>
             </a:fld>
             <a:endParaRPr lang="en-US" dirty="0"/>
           </a:p>
@@ -7292,7 +7292,7 @@
             <a:fld id="{B61BEF0D-F0BB-DE4B-95CE-6DB70DBA9567}" type="datetimeFigureOut">
               <a:rPr lang="en-US" dirty="0"/>
               <a:pPr/>
-              <a:t>4/1/2018</a:t>
+              <a:t>4/3/2018</a:t>
             </a:fld>
             <a:endParaRPr lang="en-US" dirty="0"/>
           </a:p>
@@ -9903,7 +9903,6 @@
               <a:rPr lang="zh-CN" altLang="en-US" dirty="0"/>
               <a:t>则会被回收机制定期自动回收</a:t>
             </a:r>
-            <a:endParaRPr lang="zh-CN" altLang="en-US" dirty="0"/>
           </a:p>
         </p:txBody>
       </p:sp>
@@ -16480,11 +16479,7 @@
           <a:p>
             <a:r>
               <a:rPr lang="zh-CN" altLang="en-US" dirty="0" smtClean="0"/>
-              <a:t>注解函数</a:t>
-            </a:r>
-            <a:r>
-              <a:rPr lang="zh-CN" altLang="en-US" dirty="0" smtClean="0"/>
-              <a:t>：</a:t>
+              <a:t>注解函数：</a:t>
             </a:r>
             <a:endParaRPr lang="en-US" altLang="zh-CN" dirty="0" smtClean="0"/>
           </a:p>
@@ -18193,11 +18188,7 @@
             </a:r>
             <a:r>
               <a:rPr lang="en-US" altLang="zh-CN" dirty="0" smtClean="0"/>
-              <a:t>.</a:t>
-            </a:r>
-            <a:r>
-              <a:rPr lang="en-US" altLang="zh-CN" dirty="0" smtClean="0"/>
-              <a:t>join()</a:t>
+              <a:t>.join()</a:t>
             </a:r>
             <a:r>
               <a:rPr lang="zh-CN" altLang="en-US" dirty="0" smtClean="0"/>
@@ -18693,11 +18684,7 @@
             </a:r>
             <a:r>
               <a:rPr lang="zh-CN" altLang="en-US" dirty="0" smtClean="0"/>
-              <a:t>代</a:t>
-            </a:r>
-            <a:r>
-              <a:rPr lang="zh-CN" altLang="en-US" dirty="0" smtClean="0"/>
-              <a:t>模块：</a:t>
+              <a:t>代模块：</a:t>
             </a:r>
             <a:endParaRPr lang="en-US" altLang="zh-CN" dirty="0" smtClean="0"/>
           </a:p>
@@ -18929,11 +18916,7 @@
           <a:p>
             <a:r>
               <a:rPr lang="zh-CN" altLang="en-US" dirty="0" smtClean="0"/>
-              <a:t>数据</a:t>
-            </a:r>
-            <a:r>
-              <a:rPr lang="zh-CN" altLang="en-US" dirty="0" smtClean="0"/>
-              <a:t>可视化</a:t>
+              <a:t>数据可视化</a:t>
             </a:r>
             <a:r>
               <a:rPr lang="en-US" altLang="zh-CN" dirty="0" err="1"/>
@@ -19094,12 +19077,16 @@
           <a:lstStyle/>
           <a:p>
             <a:r>
-              <a:rPr lang="zh-CN" altLang="en-US" dirty="0" smtClean="0"/>
-              <a:t>网络通信</a:t>
-            </a:r>
-            <a:r>
-              <a:rPr lang="en-US" altLang="zh-CN" dirty="0" smtClean="0"/>
-              <a:t>	</a:t>
+              <a:rPr lang="en-US" altLang="zh-CN" dirty="0" smtClean="0"/>
+              <a:t>Socket</a:t>
+            </a:r>
+            <a:r>
+              <a:rPr lang="zh-CN" altLang="en-US" dirty="0" smtClean="0"/>
+              <a:t>编程</a:t>
+            </a:r>
+            <a:r>
+              <a:rPr lang="en-US" altLang="zh-CN" dirty="0" smtClean="0"/>
+              <a:t>(windows)</a:t>
             </a:r>
             <a:br>
               <a:rPr lang="en-US" altLang="zh-CN" dirty="0" smtClean="0"/>
@@ -19138,12 +19125,227 @@
           <a:lstStyle/>
           <a:p>
             <a:r>
-              <a:rPr lang="en-US" altLang="zh-CN" dirty="0" smtClean="0"/>
-              <a:t>Socket</a:t>
-            </a:r>
-            <a:r>
-              <a:rPr lang="zh-CN" altLang="en-US" dirty="0" smtClean="0"/>
-              <a:t>编程</a:t>
+              <a:rPr lang="zh-CN" altLang="en-US" dirty="0" smtClean="0"/>
+              <a:t>基本</a:t>
+            </a:r>
+            <a:r>
+              <a:rPr lang="en-US" altLang="zh-CN" dirty="0" smtClean="0"/>
+              <a:t>socket</a:t>
+            </a:r>
+            <a:r>
+              <a:rPr lang="zh-CN" altLang="en-US" dirty="0"/>
+              <a:t>编程：创建</a:t>
+            </a:r>
+            <a:r>
+              <a:rPr lang="en-US" altLang="zh-CN" dirty="0"/>
+              <a:t>socket</a:t>
+            </a:r>
+            <a:r>
+              <a:rPr lang="zh-CN" altLang="en-US" dirty="0"/>
+              <a:t>并</a:t>
+            </a:r>
+            <a:r>
+              <a:rPr lang="zh-CN" altLang="en-US" dirty="0" smtClean="0"/>
+              <a:t>初始化</a:t>
+            </a:r>
+            <a:r>
+              <a:rPr lang="en-US" altLang="zh-CN" dirty="0" smtClean="0">
+                <a:sym typeface="Wingdings" panose="05000000000000000000" pitchFamily="2" charset="2"/>
+              </a:rPr>
+              <a:t></a:t>
+            </a:r>
+            <a:r>
+              <a:rPr lang="zh-CN" altLang="en-US" dirty="0" smtClean="0"/>
+              <a:t>绑定</a:t>
+            </a:r>
+            <a:r>
+              <a:rPr lang="zh-CN" altLang="en-US" dirty="0"/>
+              <a:t>端口</a:t>
+            </a:r>
+            <a:r>
+              <a:rPr lang="en-US" altLang="zh-CN" dirty="0" err="1" smtClean="0"/>
+              <a:t>ip</a:t>
+            </a:r>
+            <a:r>
+              <a:rPr lang="en-US" altLang="zh-CN" dirty="0" smtClean="0">
+                <a:sym typeface="Wingdings" panose="05000000000000000000" pitchFamily="2" charset="2"/>
+              </a:rPr>
+              <a:t></a:t>
+            </a:r>
+            <a:r>
+              <a:rPr lang="zh-CN" altLang="en-US" dirty="0" smtClean="0"/>
+              <a:t>收发数据   </a:t>
+            </a:r>
+            <a:r>
+              <a:rPr lang="en-US" altLang="zh-CN" dirty="0" smtClean="0"/>
+              <a:t>client</a:t>
+            </a:r>
+          </a:p>
+          <a:p>
+            <a:pPr lvl="1"/>
+            <a:r>
+              <a:rPr lang="zh-CN" altLang="en-US" dirty="0" smtClean="0"/>
+              <a:t>创建：</a:t>
+            </a:r>
+            <a:r>
+              <a:rPr lang="en-US" altLang="zh-CN" dirty="0"/>
+              <a:t> </a:t>
+            </a:r>
+            <a:r>
+              <a:rPr lang="en-US" altLang="zh-CN" dirty="0" err="1"/>
+              <a:t>socket.socket</a:t>
+            </a:r>
+            <a:r>
+              <a:rPr lang="en-US" altLang="zh-CN" dirty="0"/>
+              <a:t>() </a:t>
+            </a:r>
+            <a:endParaRPr lang="en-US" altLang="zh-CN" dirty="0" smtClean="0"/>
+          </a:p>
+          <a:p>
+            <a:r>
+              <a:rPr lang="zh-CN" altLang="en-US" dirty="0" smtClean="0"/>
+              <a:t>链路层的</a:t>
+            </a:r>
+            <a:r>
+              <a:rPr lang="en-US" altLang="zh-CN" dirty="0" smtClean="0"/>
+              <a:t>socket</a:t>
+            </a:r>
+            <a:r>
+              <a:rPr lang="zh-CN" altLang="en-US" dirty="0" smtClean="0"/>
+              <a:t>编程：</a:t>
+            </a:r>
+            <a:r>
+              <a:rPr lang="zh-CN" altLang="en-US" dirty="0"/>
+              <a:t>创建</a:t>
+            </a:r>
+            <a:r>
+              <a:rPr lang="en-US" altLang="zh-CN" dirty="0"/>
+              <a:t>socket</a:t>
+            </a:r>
+            <a:r>
+              <a:rPr lang="zh-CN" altLang="en-US" dirty="0"/>
+              <a:t>并</a:t>
+            </a:r>
+            <a:r>
+              <a:rPr lang="zh-CN" altLang="en-US" dirty="0" smtClean="0"/>
+              <a:t>初始化</a:t>
+            </a:r>
+            <a:r>
+              <a:rPr lang="en-US" altLang="zh-CN" dirty="0" smtClean="0">
+                <a:sym typeface="Wingdings" panose="05000000000000000000" pitchFamily="2" charset="2"/>
+              </a:rPr>
+              <a:t></a:t>
+            </a:r>
+            <a:r>
+              <a:rPr lang="zh-CN" altLang="en-US" dirty="0" smtClean="0">
+                <a:sym typeface="Wingdings" panose="05000000000000000000" pitchFamily="2" charset="2"/>
+              </a:rPr>
+              <a:t>绑定收发地址</a:t>
+            </a:r>
+            <a:r>
+              <a:rPr lang="en-US" altLang="zh-CN" dirty="0" smtClean="0">
+                <a:sym typeface="Wingdings" panose="05000000000000000000" pitchFamily="2" charset="2"/>
+              </a:rPr>
+              <a:t></a:t>
+            </a:r>
+            <a:r>
+              <a:rPr lang="zh-CN" altLang="en-US" dirty="0" smtClean="0">
+                <a:sym typeface="Wingdings" panose="05000000000000000000" pitchFamily="2" charset="2"/>
+              </a:rPr>
+              <a:t>构造</a:t>
+            </a:r>
+            <a:r>
+              <a:rPr lang="en-US" altLang="zh-CN" dirty="0" smtClean="0">
+                <a:sym typeface="Wingdings" panose="05000000000000000000" pitchFamily="2" charset="2"/>
+              </a:rPr>
+              <a:t>packet</a:t>
+            </a:r>
+            <a:r>
+              <a:rPr lang="zh-CN" altLang="en-US" dirty="0" smtClean="0">
+                <a:sym typeface="Wingdings" panose="05000000000000000000" pitchFamily="2" charset="2"/>
+              </a:rPr>
+              <a:t>发收</a:t>
+            </a:r>
+            <a:r>
+              <a:rPr lang="en-US" altLang="zh-CN" dirty="0" smtClean="0">
+                <a:sym typeface="Wingdings" panose="05000000000000000000" pitchFamily="2" charset="2"/>
+              </a:rPr>
+              <a:t>							</a:t>
+            </a:r>
+            <a:r>
+              <a:rPr lang="zh-CN" altLang="en-US" dirty="0" smtClean="0">
+                <a:sym typeface="Wingdings" panose="05000000000000000000" pitchFamily="2" charset="2"/>
+              </a:rPr>
+              <a:t>数据      </a:t>
+            </a:r>
+            <a:r>
+              <a:rPr lang="en-US" altLang="zh-CN" dirty="0" smtClean="0">
+                <a:sym typeface="Wingdings" panose="05000000000000000000" pitchFamily="2" charset="2"/>
+              </a:rPr>
+              <a:t>client</a:t>
+            </a:r>
+          </a:p>
+          <a:p>
+            <a:pPr lvl="1"/>
+            <a:r>
+              <a:rPr lang="zh-CN" altLang="en-US" dirty="0" smtClean="0">
+                <a:sym typeface="Wingdings" panose="05000000000000000000" pitchFamily="2" charset="2"/>
+              </a:rPr>
+              <a:t>创建：</a:t>
+            </a:r>
+            <a:r>
+              <a:rPr lang="en-US" altLang="zh-CN" dirty="0">
+                <a:sym typeface="Wingdings" panose="05000000000000000000" pitchFamily="2" charset="2"/>
+              </a:rPr>
+              <a:t> </a:t>
+            </a:r>
+            <a:r>
+              <a:rPr lang="en-US" altLang="zh-CN" dirty="0" err="1">
+                <a:sym typeface="Wingdings" panose="05000000000000000000" pitchFamily="2" charset="2"/>
+              </a:rPr>
+              <a:t>socket.socket</a:t>
+            </a:r>
+            <a:r>
+              <a:rPr lang="en-US" altLang="zh-CN" dirty="0">
+                <a:sym typeface="Wingdings" panose="05000000000000000000" pitchFamily="2" charset="2"/>
+              </a:rPr>
+              <a:t>(</a:t>
+            </a:r>
+            <a:r>
+              <a:rPr lang="en-US" altLang="zh-CN" dirty="0" err="1">
+                <a:sym typeface="Wingdings" panose="05000000000000000000" pitchFamily="2" charset="2"/>
+              </a:rPr>
+              <a:t>socket.AF_INET</a:t>
+            </a:r>
+            <a:r>
+              <a:rPr lang="en-US" altLang="zh-CN" dirty="0">
+                <a:sym typeface="Wingdings" panose="05000000000000000000" pitchFamily="2" charset="2"/>
+              </a:rPr>
+              <a:t>, </a:t>
+            </a:r>
+            <a:r>
+              <a:rPr lang="en-US" altLang="zh-CN" dirty="0" err="1">
+                <a:sym typeface="Wingdings" panose="05000000000000000000" pitchFamily="2" charset="2"/>
+              </a:rPr>
+              <a:t>socket.SOCK_RAW</a:t>
+            </a:r>
+            <a:r>
+              <a:rPr lang="en-US" altLang="zh-CN" dirty="0">
+                <a:sym typeface="Wingdings" panose="05000000000000000000" pitchFamily="2" charset="2"/>
+              </a:rPr>
+              <a:t>, </a:t>
+            </a:r>
+            <a:r>
+              <a:rPr lang="en-US" altLang="zh-CN" dirty="0" err="1">
+                <a:sym typeface="Wingdings" panose="05000000000000000000" pitchFamily="2" charset="2"/>
+              </a:rPr>
+              <a:t>socket.IPPROTO_RAW</a:t>
+            </a:r>
+            <a:r>
+              <a:rPr lang="en-US" altLang="zh-CN" dirty="0">
+                <a:sym typeface="Wingdings" panose="05000000000000000000" pitchFamily="2" charset="2"/>
+              </a:rPr>
+              <a:t>)</a:t>
             </a:r>
             <a:endParaRPr lang="zh-CN" altLang="en-US" dirty="0"/>
           </a:p>
@@ -19218,10 +19420,271 @@
         </p:nvSpPr>
         <p:spPr/>
         <p:txBody>
-          <a:bodyPr/>
+          <a:bodyPr>
+            <a:normAutofit fontScale="92500" lnSpcReduction="20000"/>
+          </a:bodyPr>
           <a:lstStyle/>
           <a:p>
-            <a:endParaRPr lang="zh-CN" altLang="en-US"/>
+            <a:r>
+              <a:rPr lang="zh-CN" altLang="en-US" dirty="0" smtClean="0"/>
+              <a:t>开发模式：</a:t>
+            </a:r>
+            <a:r>
+              <a:rPr lang="en-US" altLang="zh-CN" dirty="0" smtClean="0"/>
+              <a:t>MTV </a:t>
+            </a:r>
+            <a:r>
+              <a:rPr lang="zh-CN" altLang="en-US" dirty="0" smtClean="0"/>
+              <a:t>模型</a:t>
+            </a:r>
+            <a:r>
+              <a:rPr lang="en-US" altLang="zh-CN" dirty="0" smtClean="0"/>
+              <a:t>-</a:t>
+            </a:r>
+            <a:r>
+              <a:rPr lang="zh-CN" altLang="en-US" dirty="0" smtClean="0"/>
+              <a:t>模板</a:t>
+            </a:r>
+            <a:r>
+              <a:rPr lang="en-US" altLang="zh-CN" dirty="0" smtClean="0"/>
+              <a:t>-</a:t>
+            </a:r>
+            <a:r>
+              <a:rPr lang="zh-CN" altLang="en-US" dirty="0" smtClean="0"/>
+              <a:t>视图</a:t>
+            </a:r>
+            <a:endParaRPr lang="en-US" altLang="zh-CN" dirty="0" smtClean="0"/>
+          </a:p>
+          <a:p>
+            <a:pPr lvl="1"/>
+            <a:r>
+              <a:rPr lang="zh-CN" altLang="en-US" dirty="0" smtClean="0"/>
+              <a:t>请求转发：</a:t>
+            </a:r>
+            <a:r>
+              <a:rPr lang="en-US" altLang="zh-CN" dirty="0"/>
+              <a:t> </a:t>
+            </a:r>
+            <a:r>
+              <a:rPr lang="en-US" altLang="zh-CN" dirty="0" smtClean="0"/>
+              <a:t>urls.py</a:t>
+            </a:r>
+          </a:p>
+          <a:p>
+            <a:pPr lvl="1"/>
+            <a:r>
+              <a:rPr lang="zh-CN" altLang="en-US" dirty="0" smtClean="0"/>
+              <a:t>视图控制：用户自定义开发，只写函数也可以，配置到</a:t>
+            </a:r>
+            <a:r>
+              <a:rPr lang="en-US" altLang="zh-CN" dirty="0" smtClean="0"/>
+              <a:t>urls.py</a:t>
+            </a:r>
+          </a:p>
+          <a:p>
+            <a:pPr lvl="1"/>
+            <a:r>
+              <a:rPr lang="zh-CN" altLang="en-US" dirty="0" smtClean="0"/>
+              <a:t>视图模板：</a:t>
+            </a:r>
+            <a:r>
+              <a:rPr lang="en-US" altLang="zh-CN" dirty="0" smtClean="0"/>
+              <a:t>settings.py</a:t>
+            </a:r>
+            <a:r>
+              <a:rPr lang="zh-CN" altLang="en-US" dirty="0" smtClean="0"/>
+              <a:t>配置视图目录、数据库连接等。</a:t>
+            </a:r>
+            <a:endParaRPr lang="en-US" altLang="zh-CN" dirty="0" smtClean="0"/>
+          </a:p>
+          <a:p>
+            <a:r>
+              <a:rPr lang="zh-CN" altLang="en-US" dirty="0" smtClean="0"/>
+              <a:t>安装：</a:t>
+            </a:r>
+            <a:r>
+              <a:rPr lang="en-US" altLang="zh-CN" dirty="0"/>
+              <a:t>pip install </a:t>
+            </a:r>
+            <a:r>
+              <a:rPr lang="en-US" altLang="zh-CN" dirty="0" err="1"/>
+              <a:t>django</a:t>
+            </a:r>
+            <a:r>
+              <a:rPr lang="en-US" altLang="zh-CN" dirty="0"/>
+              <a:t> </a:t>
+            </a:r>
+            <a:endParaRPr lang="en-US" altLang="zh-CN" dirty="0"/>
+          </a:p>
+          <a:p>
+            <a:r>
+              <a:rPr lang="zh-CN" altLang="en-US" dirty="0"/>
+              <a:t>新建</a:t>
+            </a:r>
+            <a:r>
+              <a:rPr lang="zh-CN" altLang="en-US" dirty="0" smtClean="0"/>
+              <a:t>工程：</a:t>
+            </a:r>
+            <a:r>
+              <a:rPr lang="en-US" altLang="zh-CN" dirty="0" err="1" smtClean="0"/>
+              <a:t>django</a:t>
+            </a:r>
+            <a:r>
+              <a:rPr lang="en-US" altLang="zh-CN" dirty="0" smtClean="0"/>
+              <a:t>-admin </a:t>
+            </a:r>
+            <a:r>
+              <a:rPr lang="en-US" altLang="zh-CN" dirty="0" err="1"/>
+              <a:t>startproject</a:t>
+            </a:r>
+            <a:r>
+              <a:rPr lang="en-US" altLang="zh-CN" dirty="0"/>
+              <a:t> </a:t>
+            </a:r>
+            <a:r>
+              <a:rPr lang="en-US" altLang="zh-CN" dirty="0" err="1" smtClean="0"/>
+              <a:t>projectname</a:t>
+            </a:r>
+            <a:endParaRPr lang="en-US" altLang="zh-CN" dirty="0" smtClean="0"/>
+          </a:p>
+          <a:p>
+            <a:r>
+              <a:rPr lang="zh-CN" altLang="en-US" dirty="0"/>
+              <a:t>启动</a:t>
+            </a:r>
+            <a:r>
+              <a:rPr lang="zh-CN" altLang="en-US" dirty="0" smtClean="0"/>
+              <a:t>项目</a:t>
+            </a:r>
+            <a:r>
+              <a:rPr lang="en-US" altLang="zh-CN" dirty="0" smtClean="0"/>
+              <a:t>-</a:t>
+            </a:r>
+            <a:r>
+              <a:rPr lang="zh-CN" altLang="en-US" dirty="0" smtClean="0"/>
+              <a:t>使用非生产服务器：</a:t>
+            </a:r>
+            <a:endParaRPr lang="en-US" altLang="zh-CN" dirty="0" smtClean="0"/>
+          </a:p>
+          <a:p>
+            <a:pPr lvl="1"/>
+            <a:r>
+              <a:rPr lang="zh-CN" altLang="en-US" dirty="0" smtClean="0"/>
+              <a:t>进入项目目录，</a:t>
+            </a:r>
+            <a:r>
+              <a:rPr lang="en-US" altLang="zh-CN" dirty="0" smtClean="0"/>
+              <a:t>python </a:t>
+            </a:r>
+            <a:r>
+              <a:rPr lang="en-US" altLang="zh-CN" dirty="0"/>
+              <a:t>manage.py </a:t>
+            </a:r>
+            <a:r>
+              <a:rPr lang="en-US" altLang="zh-CN" dirty="0" err="1"/>
+              <a:t>runserver</a:t>
+            </a:r>
+            <a:r>
+              <a:rPr lang="en-US" altLang="zh-CN" dirty="0"/>
+              <a:t> </a:t>
+            </a:r>
+            <a:r>
+              <a:rPr lang="en-US" altLang="zh-CN" dirty="0" smtClean="0"/>
+              <a:t>0.0.0.0:port</a:t>
+            </a:r>
+          </a:p>
+          <a:p>
+            <a:r>
+              <a:rPr lang="zh-CN" altLang="en-US" dirty="0" smtClean="0"/>
+              <a:t>部署到生产服务器</a:t>
+            </a:r>
+            <a:r>
+              <a:rPr lang="en-US" altLang="zh-CN" dirty="0" smtClean="0"/>
+              <a:t>Apache: </a:t>
+            </a:r>
+            <a:r>
+              <a:rPr lang="zh-CN" altLang="en-US" dirty="0" smtClean="0"/>
+              <a:t>使用</a:t>
+            </a:r>
+            <a:r>
+              <a:rPr lang="en-US" altLang="zh-CN" dirty="0" smtClean="0"/>
+              <a:t>apache</a:t>
+            </a:r>
+            <a:r>
+              <a:rPr lang="zh-CN" altLang="en-US" dirty="0" smtClean="0"/>
+              <a:t>模块：</a:t>
+            </a:r>
+            <a:r>
+              <a:rPr lang="en-US" altLang="zh-CN" b="1" dirty="0"/>
+              <a:t> </a:t>
+            </a:r>
+            <a:r>
+              <a:rPr lang="en-US" altLang="zh-CN" b="1" dirty="0" err="1"/>
+              <a:t>mod_python</a:t>
+            </a:r>
+            <a:r>
+              <a:rPr lang="en-US" altLang="zh-CN" b="1" dirty="0"/>
+              <a:t> </a:t>
+            </a:r>
+          </a:p>
+          <a:p>
+            <a:pPr lvl="1"/>
+            <a:r>
+              <a:rPr lang="zh-CN" altLang="en-US" dirty="0" smtClean="0"/>
+              <a:t>配置</a:t>
+            </a:r>
+            <a:r>
+              <a:rPr lang="en-US" altLang="zh-CN" dirty="0" err="1"/>
+              <a:t>httpd.conf</a:t>
+            </a:r>
+            <a:r>
+              <a:rPr lang="en-US" altLang="zh-CN" dirty="0"/>
+              <a:t> </a:t>
+            </a:r>
+            <a:r>
+              <a:rPr lang="zh-CN" altLang="en-US" dirty="0" smtClean="0"/>
+              <a:t>：</a:t>
+            </a:r>
+            <a:r>
+              <a:rPr lang="en-US" altLang="zh-CN" dirty="0" smtClean="0"/>
+              <a:t> </a:t>
+            </a:r>
+            <a:r>
+              <a:rPr lang="en-US" altLang="zh-CN" dirty="0" err="1" smtClean="0"/>
+              <a:t>LoadModule</a:t>
+            </a:r>
+            <a:r>
+              <a:rPr lang="en-US" altLang="zh-CN" dirty="0" smtClean="0"/>
+              <a:t> </a:t>
+            </a:r>
+            <a:r>
+              <a:rPr lang="en-US" altLang="zh-CN" dirty="0" err="1" smtClean="0"/>
+              <a:t>python_module</a:t>
+            </a:r>
+            <a:r>
+              <a:rPr lang="en-US" altLang="zh-CN" dirty="0" smtClean="0"/>
+              <a:t> </a:t>
+            </a:r>
+            <a:r>
+              <a:rPr lang="en-US" altLang="zh-CN" dirty="0"/>
+              <a:t>/</a:t>
+            </a:r>
+            <a:r>
+              <a:rPr lang="en-US" altLang="zh-CN" dirty="0" smtClean="0"/>
+              <a:t>usr/lib/apache2/modules/mod_python.so</a:t>
+            </a:r>
+          </a:p>
+          <a:p>
+            <a:pPr lvl="1"/>
+            <a:r>
+              <a:rPr lang="en-US" altLang="zh-CN" dirty="0" smtClean="0"/>
+              <a:t>…</a:t>
+            </a:r>
+            <a:endParaRPr lang="en-US" altLang="zh-CN" dirty="0"/>
+          </a:p>
+          <a:p>
+            <a:pPr lvl="1"/>
+            <a:endParaRPr lang="zh-CN" altLang="en-US" dirty="0"/>
           </a:p>
         </p:txBody>
       </p:sp>

--- a/编程语言/python/Python基础入门知识分享.pptx
+++ b/编程语言/python/Python基础入门知识分享.pptx
@@ -259,7 +259,7 @@
             <p14:sldId id="287"/>
           </p14:sldIdLst>
         </p14:section>
-        <p14:section name="小应用" id="{21E72A6C-0296-485F-B228-0D33632EE6C2}">
+        <p14:section name="小综合-高级模块" id="{21E72A6C-0296-485F-B228-0D33632EE6C2}">
           <p14:sldIdLst>
             <p14:sldId id="275"/>
             <p14:sldId id="277"/>
@@ -482,7 +482,7 @@
             <a:fld id="{B61BEF0D-F0BB-DE4B-95CE-6DB70DBA9567}" type="datetimeFigureOut">
               <a:rPr lang="en-US" dirty="0"/>
               <a:pPr/>
-              <a:t>4/3/2018</a:t>
+              <a:t>4/4/2018</a:t>
             </a:fld>
             <a:endParaRPr lang="en-US" dirty="0"/>
           </a:p>
@@ -817,7 +817,7 @@
             <a:fld id="{B61BEF0D-F0BB-DE4B-95CE-6DB70DBA9567}" type="datetimeFigureOut">
               <a:rPr lang="en-US" dirty="0"/>
               <a:pPr/>
-              <a:t>4/3/2018</a:t>
+              <a:t>4/4/2018</a:t>
             </a:fld>
             <a:endParaRPr lang="en-US" dirty="0"/>
           </a:p>
@@ -1215,7 +1215,7 @@
             <a:fld id="{B61BEF0D-F0BB-DE4B-95CE-6DB70DBA9567}" type="datetimeFigureOut">
               <a:rPr lang="en-US" dirty="0"/>
               <a:pPr/>
-              <a:t>4/3/2018</a:t>
+              <a:t>4/4/2018</a:t>
             </a:fld>
             <a:endParaRPr lang="en-US" dirty="0"/>
           </a:p>
@@ -1548,7 +1548,7 @@
             <a:fld id="{B61BEF0D-F0BB-DE4B-95CE-6DB70DBA9567}" type="datetimeFigureOut">
               <a:rPr lang="en-US" dirty="0"/>
               <a:pPr/>
-              <a:t>4/3/2018</a:t>
+              <a:t>4/4/2018</a:t>
             </a:fld>
             <a:endParaRPr lang="en-US" dirty="0"/>
           </a:p>
@@ -1865,7 +1865,7 @@
             <a:fld id="{B61BEF0D-F0BB-DE4B-95CE-6DB70DBA9567}" type="datetimeFigureOut">
               <a:rPr lang="en-US" dirty="0"/>
               <a:pPr/>
-              <a:t>4/3/2018</a:t>
+              <a:t>4/4/2018</a:t>
             </a:fld>
             <a:endParaRPr lang="en-US" dirty="0"/>
           </a:p>
@@ -2258,7 +2258,7 @@
             <a:fld id="{B61BEF0D-F0BB-DE4B-95CE-6DB70DBA9567}" type="datetimeFigureOut">
               <a:rPr lang="en-US" dirty="0"/>
               <a:pPr/>
-              <a:t>4/3/2018</a:t>
+              <a:t>4/4/2018</a:t>
             </a:fld>
             <a:endParaRPr lang="en-US" dirty="0"/>
           </a:p>
@@ -2512,7 +2512,7 @@
             <a:fld id="{B61BEF0D-F0BB-DE4B-95CE-6DB70DBA9567}" type="datetimeFigureOut">
               <a:rPr lang="en-US" dirty="0"/>
               <a:pPr/>
-              <a:t>4/3/2018</a:t>
+              <a:t>4/4/2018</a:t>
             </a:fld>
             <a:endParaRPr lang="en-US" dirty="0"/>
           </a:p>
@@ -2771,7 +2771,7 @@
             <a:fld id="{B61BEF0D-F0BB-DE4B-95CE-6DB70DBA9567}" type="datetimeFigureOut">
               <a:rPr lang="en-US" dirty="0"/>
               <a:pPr/>
-              <a:t>4/3/2018</a:t>
+              <a:t>4/4/2018</a:t>
             </a:fld>
             <a:endParaRPr lang="en-US" dirty="0"/>
           </a:p>
@@ -3030,7 +3030,7 @@
             <a:fld id="{B61BEF0D-F0BB-DE4B-95CE-6DB70DBA9567}" type="datetimeFigureOut">
               <a:rPr lang="en-US" dirty="0"/>
               <a:pPr/>
-              <a:t>4/3/2018</a:t>
+              <a:t>4/4/2018</a:t>
             </a:fld>
             <a:endParaRPr lang="en-US" dirty="0"/>
           </a:p>
@@ -3356,7 +3356,7 @@
             <a:fld id="{B61BEF0D-F0BB-DE4B-95CE-6DB70DBA9567}" type="datetimeFigureOut">
               <a:rPr lang="en-US" dirty="0"/>
               <a:pPr/>
-              <a:t>4/3/2018</a:t>
+              <a:t>4/4/2018</a:t>
             </a:fld>
             <a:endParaRPr lang="en-US" dirty="0"/>
           </a:p>
@@ -3676,7 +3676,7 @@
             <a:fld id="{B61BEF0D-F0BB-DE4B-95CE-6DB70DBA9567}" type="datetimeFigureOut">
               <a:rPr lang="en-US" dirty="0"/>
               <a:pPr/>
-              <a:t>4/3/2018</a:t>
+              <a:t>4/4/2018</a:t>
             </a:fld>
             <a:endParaRPr lang="en-US" dirty="0"/>
           </a:p>
@@ -4130,7 +4130,7 @@
             <a:fld id="{B61BEF0D-F0BB-DE4B-95CE-6DB70DBA9567}" type="datetimeFigureOut">
               <a:rPr lang="en-US" dirty="0"/>
               <a:pPr/>
-              <a:t>4/3/2018</a:t>
+              <a:t>4/4/2018</a:t>
             </a:fld>
             <a:endParaRPr lang="en-US" dirty="0"/>
           </a:p>
@@ -4332,7 +4332,7 @@
             <a:fld id="{B61BEF0D-F0BB-DE4B-95CE-6DB70DBA9567}" type="datetimeFigureOut">
               <a:rPr lang="en-US" dirty="0"/>
               <a:pPr/>
-              <a:t>4/3/2018</a:t>
+              <a:t>4/4/2018</a:t>
             </a:fld>
             <a:endParaRPr lang="en-US" dirty="0"/>
           </a:p>
@@ -4506,7 +4506,7 @@
             <a:fld id="{B61BEF0D-F0BB-DE4B-95CE-6DB70DBA9567}" type="datetimeFigureOut">
               <a:rPr lang="en-US" dirty="0"/>
               <a:pPr/>
-              <a:t>4/3/2018</a:t>
+              <a:t>4/4/2018</a:t>
             </a:fld>
             <a:endParaRPr lang="en-US" dirty="0"/>
           </a:p>
@@ -4836,7 +4836,7 @@
             <a:fld id="{B61BEF0D-F0BB-DE4B-95CE-6DB70DBA9567}" type="datetimeFigureOut">
               <a:rPr lang="en-US" dirty="0"/>
               <a:pPr/>
-              <a:t>4/3/2018</a:t>
+              <a:t>4/4/2018</a:t>
             </a:fld>
             <a:endParaRPr lang="en-US" dirty="0"/>
           </a:p>
@@ -5178,7 +5178,7 @@
             <a:fld id="{B61BEF0D-F0BB-DE4B-95CE-6DB70DBA9567}" type="datetimeFigureOut">
               <a:rPr lang="en-US" dirty="0"/>
               <a:pPr/>
-              <a:t>4/3/2018</a:t>
+              <a:t>4/4/2018</a:t>
             </a:fld>
             <a:endParaRPr lang="en-US" dirty="0"/>
           </a:p>
@@ -7292,7 +7292,7 @@
             <a:fld id="{B61BEF0D-F0BB-DE4B-95CE-6DB70DBA9567}" type="datetimeFigureOut">
               <a:rPr lang="en-US" dirty="0"/>
               <a:pPr/>
-              <a:t>4/3/2018</a:t>
+              <a:t>4/4/2018</a:t>
             </a:fld>
             <a:endParaRPr lang="en-US" dirty="0"/>
           </a:p>
@@ -19514,7 +19514,6 @@
               <a:rPr lang="en-US" altLang="zh-CN" dirty="0"/>
               <a:t> </a:t>
             </a:r>
-            <a:endParaRPr lang="en-US" altLang="zh-CN" dirty="0"/>
           </a:p>
           <a:p>
             <a:r>
@@ -19735,11 +19734,31 @@
           <a:p>
             <a:r>
               <a:rPr lang="zh-CN" altLang="en-US" dirty="0" smtClean="0"/>
-              <a:t>访问</a:t>
+              <a:t>编写</a:t>
+            </a:r>
+            <a:r>
+              <a:rPr lang="en-US" altLang="zh-CN" dirty="0" smtClean="0"/>
+              <a:t>spark</a:t>
+            </a:r>
+            <a:r>
+              <a:rPr lang="zh-CN" altLang="en-US" dirty="0" smtClean="0"/>
+              <a:t>任务</a:t>
+            </a:r>
+            <a:r>
+              <a:rPr lang="en-US" altLang="zh-CN" dirty="0" smtClean="0"/>
+              <a:t>(</a:t>
+            </a:r>
+            <a:r>
+              <a:rPr lang="zh-CN" altLang="en-US" dirty="0" smtClean="0"/>
+              <a:t>本地开发、不依赖</a:t>
             </a:r>
             <a:r>
               <a:rPr lang="en-US" altLang="zh-CN" dirty="0" err="1" smtClean="0"/>
-              <a:t>Hadoop,spark,hbase</a:t>
+              <a:t>hadoop</a:t>
+            </a:r>
+            <a:r>
+              <a:rPr lang="en-US" altLang="zh-CN" dirty="0" smtClean="0"/>
+              <a:t>)</a:t>
             </a:r>
             <a:endParaRPr lang="zh-CN" altLang="en-US" dirty="0"/>
           </a:p>
@@ -19757,10 +19776,379 @@
         </p:nvSpPr>
         <p:spPr/>
         <p:txBody>
-          <a:bodyPr/>
+          <a:bodyPr>
+            <a:normAutofit fontScale="92500" lnSpcReduction="20000"/>
+          </a:bodyPr>
           <a:lstStyle/>
           <a:p>
-            <a:endParaRPr lang="zh-CN" altLang="en-US"/>
+            <a:r>
+              <a:rPr lang="en-US" altLang="zh-CN" dirty="0" smtClean="0"/>
+              <a:t>python</a:t>
+            </a:r>
+            <a:r>
+              <a:rPr lang="zh-CN" altLang="en-US" dirty="0" smtClean="0"/>
+              <a:t>依赖包：</a:t>
+            </a:r>
+            <a:r>
+              <a:rPr lang="en-US" altLang="zh-CN" dirty="0" smtClean="0"/>
+              <a:t>py4j   </a:t>
+            </a:r>
+            <a:r>
+              <a:rPr lang="zh-CN" altLang="en-US" dirty="0" smtClean="0"/>
+              <a:t>、 </a:t>
+            </a:r>
+            <a:r>
+              <a:rPr lang="en-US" altLang="zh-CN" dirty="0" err="1" smtClean="0"/>
+              <a:t>pyspark</a:t>
+            </a:r>
+            <a:endParaRPr lang="en-US" altLang="zh-CN" dirty="0" smtClean="0"/>
+          </a:p>
+          <a:p>
+            <a:r>
+              <a:rPr lang="en-US" altLang="zh-CN" dirty="0"/>
+              <a:t>s</a:t>
+            </a:r>
+            <a:r>
+              <a:rPr lang="en-US" altLang="zh-CN" dirty="0" smtClean="0"/>
+              <a:t>park</a:t>
+            </a:r>
+            <a:r>
+              <a:rPr lang="zh-CN" altLang="en-US" dirty="0" smtClean="0"/>
+              <a:t>环境：下载解压</a:t>
+            </a:r>
+            <a:r>
+              <a:rPr lang="en-US" altLang="zh-CN" dirty="0" smtClean="0">
+                <a:hlinkClick r:id="rId2"/>
+              </a:rPr>
+              <a:t>spark-2.3.0-bin-hadoop2.7.tgz</a:t>
+            </a:r>
+            <a:endParaRPr lang="en-US" altLang="zh-CN" dirty="0" smtClean="0"/>
+          </a:p>
+          <a:p>
+            <a:pPr lvl="1"/>
+            <a:r>
+              <a:rPr lang="zh-CN" altLang="en-US" dirty="0" smtClean="0"/>
+              <a:t>配置：</a:t>
+            </a:r>
+            <a:r>
+              <a:rPr lang="en-US" altLang="zh-CN" dirty="0" smtClean="0"/>
+              <a:t>SPARK_HOME</a:t>
+            </a:r>
+            <a:r>
+              <a:rPr lang="zh-CN" altLang="en-US" dirty="0" smtClean="0"/>
+              <a:t>、</a:t>
+            </a:r>
+            <a:r>
+              <a:rPr lang="en-US" altLang="zh-CN" dirty="0" smtClean="0"/>
+              <a:t>PYTHONPATH</a:t>
+            </a:r>
+            <a:r>
+              <a:rPr lang="zh-CN" altLang="en-US" dirty="0" smtClean="0"/>
+              <a:t>增加</a:t>
+            </a:r>
+            <a:r>
+              <a:rPr lang="en-US" altLang="zh-CN" dirty="0"/>
+              <a:t>%SPARK_HOME%\</a:t>
+            </a:r>
+            <a:r>
+              <a:rPr lang="en-US" altLang="zh-CN" dirty="0" smtClean="0"/>
+              <a:t>python\lib\py4j-0.10.4-src.zip </a:t>
+            </a:r>
+            <a:r>
+              <a:rPr lang="zh-CN" altLang="en-US" dirty="0" smtClean="0"/>
+              <a:t>、</a:t>
+            </a:r>
+            <a:r>
+              <a:rPr lang="en-US" altLang="zh-CN" dirty="0" smtClean="0"/>
+              <a:t>path</a:t>
+            </a:r>
+            <a:r>
+              <a:rPr lang="zh-CN" altLang="en-US" dirty="0" smtClean="0"/>
+              <a:t>中增加</a:t>
+            </a:r>
+            <a:r>
+              <a:rPr lang="en-US" altLang="zh-CN" dirty="0" smtClean="0"/>
+              <a:t>SPARK_HOME</a:t>
+            </a:r>
+            <a:r>
+              <a:rPr lang="zh-CN" altLang="en-US" dirty="0" smtClean="0"/>
+              <a:t>的</a:t>
+            </a:r>
+            <a:r>
+              <a:rPr lang="en-US" altLang="zh-CN" dirty="0" smtClean="0"/>
+              <a:t>bin</a:t>
+            </a:r>
+            <a:r>
+              <a:rPr lang="zh-CN" altLang="en-US" dirty="0" smtClean="0"/>
+              <a:t>目录</a:t>
+            </a:r>
+            <a:endParaRPr lang="en-US" altLang="zh-CN" dirty="0" smtClean="0"/>
+          </a:p>
+          <a:p>
+            <a:pPr lvl="1"/>
+            <a:r>
+              <a:rPr lang="zh-CN" altLang="en-US" dirty="0" smtClean="0"/>
+              <a:t>下载</a:t>
+            </a:r>
+            <a:r>
+              <a:rPr lang="en-US" altLang="zh-CN" dirty="0" smtClean="0"/>
+              <a:t>winutils.exe,</a:t>
+            </a:r>
+            <a:r>
+              <a:rPr lang="zh-CN" altLang="en-US" dirty="0" smtClean="0"/>
+              <a:t>放在</a:t>
+            </a:r>
+            <a:r>
+              <a:rPr lang="en-US" altLang="zh-CN" dirty="0" smtClean="0"/>
+              <a:t>%SPARK_HOME%</a:t>
+            </a:r>
+            <a:r>
+              <a:rPr lang="en-US" altLang="zh-CN" dirty="0"/>
+              <a:t> </a:t>
+            </a:r>
+            <a:r>
+              <a:rPr lang="en-US" altLang="zh-CN" dirty="0" smtClean="0"/>
+              <a:t>\HADOOP_HOME\bin</a:t>
+            </a:r>
+            <a:r>
+              <a:rPr lang="zh-CN" altLang="en-US" dirty="0" smtClean="0"/>
+              <a:t>目录</a:t>
+            </a:r>
+            <a:endParaRPr lang="en-US" altLang="zh-CN" dirty="0" smtClean="0"/>
+          </a:p>
+          <a:p>
+            <a:pPr lvl="1"/>
+            <a:r>
+              <a:rPr lang="zh-CN" altLang="en-US" dirty="0" smtClean="0"/>
+              <a:t>本地开发：</a:t>
+            </a:r>
+            <a:r>
+              <a:rPr lang="en-US" altLang="zh-CN" dirty="0" smtClean="0"/>
+              <a:t>master</a:t>
+            </a:r>
+            <a:r>
+              <a:rPr lang="zh-CN" altLang="en-US" dirty="0" smtClean="0"/>
+              <a:t>和</a:t>
+            </a:r>
+            <a:r>
+              <a:rPr lang="en-US" altLang="zh-CN" dirty="0" smtClean="0"/>
+              <a:t>work</a:t>
+            </a:r>
+            <a:r>
+              <a:rPr lang="zh-CN" altLang="en-US" dirty="0" smtClean="0"/>
+              <a:t>运行在一个</a:t>
+            </a:r>
+            <a:r>
+              <a:rPr lang="en-US" altLang="zh-CN" dirty="0" err="1" smtClean="0"/>
+              <a:t>jvm</a:t>
+            </a:r>
+            <a:r>
+              <a:rPr lang="zh-CN" altLang="en-US" dirty="0" smtClean="0"/>
+              <a:t>中。仅为测试</a:t>
+            </a:r>
+            <a:r>
+              <a:rPr lang="en-US" altLang="zh-CN" dirty="0" smtClean="0"/>
+              <a:t>spark</a:t>
+            </a:r>
+            <a:r>
+              <a:rPr lang="zh-CN" altLang="en-US" dirty="0" smtClean="0"/>
+              <a:t>任务用。</a:t>
+            </a:r>
+            <a:endParaRPr lang="en-US" altLang="zh-CN" dirty="0" smtClean="0"/>
+          </a:p>
+          <a:p>
+            <a:r>
+              <a:rPr lang="zh-CN" altLang="en-US" dirty="0" smtClean="0"/>
+              <a:t>常用操作：</a:t>
+            </a:r>
+            <a:r>
+              <a:rPr lang="en-US" altLang="zh-CN" dirty="0"/>
+              <a:t> </a:t>
+            </a:r>
+            <a:r>
+              <a:rPr lang="en-US" altLang="zh-CN" dirty="0" err="1"/>
+              <a:t>sc</a:t>
+            </a:r>
+            <a:r>
+              <a:rPr lang="en-US" altLang="zh-CN" dirty="0"/>
+              <a:t> = </a:t>
+            </a:r>
+            <a:r>
+              <a:rPr lang="en-US" altLang="zh-CN" dirty="0" err="1"/>
+              <a:t>SparkContext</a:t>
+            </a:r>
+            <a:r>
+              <a:rPr lang="en-US" altLang="zh-CN" dirty="0"/>
+              <a:t>("</a:t>
+            </a:r>
+            <a:r>
+              <a:rPr lang="en-US" altLang="zh-CN" dirty="0" err="1"/>
+              <a:t>local</a:t>
+            </a:r>
+            <a:r>
+              <a:rPr lang="en-US" altLang="zh-CN" dirty="0" err="1" smtClean="0"/>
+              <a:t>",“app</a:t>
+            </a:r>
+            <a:r>
+              <a:rPr lang="en-US" altLang="zh-CN" dirty="0"/>
+              <a:t>"); </a:t>
+            </a:r>
+            <a:endParaRPr lang="en-US" altLang="zh-CN" dirty="0" smtClean="0"/>
+          </a:p>
+          <a:p>
+            <a:pPr lvl="1"/>
+            <a:r>
+              <a:rPr lang="zh-CN" altLang="en-US" dirty="0" smtClean="0"/>
+              <a:t>生成</a:t>
+            </a:r>
+            <a:r>
+              <a:rPr lang="en-US" altLang="zh-CN" dirty="0" smtClean="0"/>
+              <a:t>RDD:</a:t>
+            </a:r>
+            <a:r>
+              <a:rPr lang="en-US" altLang="zh-CN" dirty="0"/>
+              <a:t> </a:t>
+            </a:r>
+            <a:r>
+              <a:rPr lang="en-US" altLang="zh-CN" dirty="0" smtClean="0"/>
+              <a:t>	</a:t>
+            </a:r>
+            <a:r>
+              <a:rPr lang="zh-CN" altLang="en-US" dirty="0" smtClean="0"/>
+              <a:t>文件：</a:t>
+            </a:r>
+            <a:r>
+              <a:rPr lang="en-US" altLang="zh-CN" dirty="0" err="1" smtClean="0"/>
+              <a:t>sc.textFile</a:t>
+            </a:r>
+            <a:r>
+              <a:rPr lang="en-US" altLang="zh-CN" dirty="0" smtClean="0"/>
+              <a:t>(“data.txt”) 												</a:t>
+            </a:r>
+            <a:r>
+              <a:rPr lang="zh-CN" altLang="en-US" dirty="0" smtClean="0"/>
+              <a:t>内存：</a:t>
+            </a:r>
+            <a:r>
+              <a:rPr lang="en-US" altLang="zh-CN" dirty="0" err="1" smtClean="0"/>
+              <a:t>sc.parallelize</a:t>
+            </a:r>
+            <a:r>
+              <a:rPr lang="en-US" altLang="zh-CN" dirty="0"/>
+              <a:t>([['</a:t>
+            </a:r>
+            <a:r>
+              <a:rPr lang="en-US" altLang="zh-CN" dirty="0" err="1"/>
+              <a:t>a','b','c</a:t>
+            </a:r>
+            <a:r>
+              <a:rPr lang="en-US" altLang="zh-CN" dirty="0"/>
+              <a:t>'],['</a:t>
+            </a:r>
+            <a:r>
+              <a:rPr lang="en-US" altLang="zh-CN" dirty="0" err="1"/>
+              <a:t>b','d','d</a:t>
+            </a:r>
+            <a:r>
+              <a:rPr lang="en-US" altLang="zh-CN" dirty="0" smtClean="0"/>
+              <a:t>']])</a:t>
+            </a:r>
+          </a:p>
+          <a:p>
+            <a:pPr lvl="1"/>
+            <a:r>
+              <a:rPr lang="en-US" altLang="zh-CN" dirty="0" smtClean="0"/>
+              <a:t>transformation: map(fun)  filter(fun)  </a:t>
+            </a:r>
+            <a:r>
+              <a:rPr lang="en-US" altLang="zh-CN" dirty="0" err="1" smtClean="0"/>
+              <a:t>flatMap</a:t>
+            </a:r>
+            <a:r>
+              <a:rPr lang="en-US" altLang="zh-CN" dirty="0" smtClean="0"/>
+              <a:t>(fun) distinct() </a:t>
+            </a:r>
+            <a:r>
+              <a:rPr lang="en-US" altLang="zh-CN" dirty="0" err="1" smtClean="0"/>
+              <a:t>groupByKey</a:t>
+            </a:r>
+            <a:r>
+              <a:rPr lang="en-US" altLang="zh-CN" dirty="0" smtClean="0"/>
+              <a:t>() </a:t>
+            </a:r>
+            <a:r>
+              <a:rPr lang="en-US" altLang="zh-CN" dirty="0" err="1" smtClean="0"/>
+              <a:t>reduceByKey</a:t>
+            </a:r>
+            <a:r>
+              <a:rPr lang="en-US" altLang="zh-CN" dirty="0" smtClean="0"/>
+              <a:t>()</a:t>
+            </a:r>
+          </a:p>
+          <a:p>
+            <a:pPr lvl="1"/>
+            <a:r>
+              <a:rPr lang="en-US" altLang="zh-CN" dirty="0" smtClean="0"/>
+              <a:t>a</a:t>
+            </a:r>
+            <a:r>
+              <a:rPr lang="en-US" altLang="zh-CN" dirty="0" smtClean="0"/>
+              <a:t>ction: collect() count()  first() </a:t>
+            </a:r>
+            <a:r>
+              <a:rPr lang="en-US" altLang="zh-CN" dirty="0" err="1" smtClean="0"/>
+              <a:t>saveAsText</a:t>
+            </a:r>
+            <a:r>
+              <a:rPr lang="en-US" altLang="zh-CN" dirty="0" smtClean="0"/>
+              <a:t>(path) </a:t>
+            </a:r>
+            <a:r>
+              <a:rPr lang="en-US" altLang="zh-CN" dirty="0" err="1" smtClean="0"/>
+              <a:t>countByKey</a:t>
+            </a:r>
+            <a:r>
+              <a:rPr lang="en-US" altLang="zh-CN" dirty="0" smtClean="0"/>
+              <a:t>()  </a:t>
+            </a:r>
+            <a:r>
+              <a:rPr lang="en-US" altLang="zh-CN" dirty="0" err="1" smtClean="0"/>
+              <a:t>foreach</a:t>
+            </a:r>
+            <a:r>
+              <a:rPr lang="en-US" altLang="zh-CN" dirty="0" smtClean="0"/>
+              <a:t>(</a:t>
+            </a:r>
+            <a:r>
+              <a:rPr lang="en-US" altLang="zh-CN" dirty="0" err="1" smtClean="0"/>
+              <a:t>func</a:t>
+            </a:r>
+            <a:r>
+              <a:rPr lang="en-US" altLang="zh-CN" dirty="0" smtClean="0"/>
+              <a:t>)</a:t>
+            </a:r>
+          </a:p>
+          <a:p>
+            <a:r>
+              <a:rPr lang="zh-CN" altLang="en-US" dirty="0" smtClean="0"/>
+              <a:t>任务提交：</a:t>
+            </a:r>
+            <a:r>
+              <a:rPr lang="en-US" altLang="zh-CN" dirty="0"/>
+              <a:t> ./bin/spark-submit --master local[4] </a:t>
+            </a:r>
+            <a:r>
+              <a:rPr lang="en-US" altLang="zh-CN" dirty="0" smtClean="0"/>
+              <a:t>app.py</a:t>
+            </a:r>
+            <a:endParaRPr lang="en-US" altLang="zh-CN" dirty="0" smtClean="0"/>
+          </a:p>
+          <a:p>
+            <a:pPr lvl="1"/>
+            <a:endParaRPr lang="en-US" altLang="zh-CN" dirty="0" smtClean="0"/>
+          </a:p>
+          <a:p>
+            <a:endParaRPr lang="zh-CN" altLang="en-US" dirty="0"/>
           </a:p>
         </p:txBody>
       </p:sp>
@@ -19836,7 +20224,120 @@
           <a:bodyPr/>
           <a:lstStyle/>
           <a:p>
-            <a:endParaRPr lang="zh-CN" altLang="en-US"/>
+            <a:r>
+              <a:rPr lang="zh-CN" altLang="en-US" dirty="0" smtClean="0"/>
+              <a:t>运行速度：</a:t>
+            </a:r>
+            <a:r>
+              <a:rPr lang="en-US" altLang="zh-CN" dirty="0" err="1" smtClean="0"/>
+              <a:t>numpy</a:t>
+            </a:r>
+            <a:r>
+              <a:rPr lang="zh-CN" altLang="en-US" dirty="0" smtClean="0"/>
+              <a:t>、</a:t>
+            </a:r>
+            <a:r>
+              <a:rPr lang="en-US" altLang="zh-CN" dirty="0"/>
+              <a:t> </a:t>
+            </a:r>
+            <a:r>
+              <a:rPr lang="en-US" altLang="zh-CN" dirty="0" err="1"/>
+              <a:t>scipy</a:t>
+            </a:r>
+            <a:r>
+              <a:rPr lang="zh-CN" altLang="en-US" dirty="0" smtClean="0"/>
+              <a:t>是</a:t>
+            </a:r>
+            <a:r>
+              <a:rPr lang="en-US" altLang="zh-CN" dirty="0"/>
+              <a:t>c</a:t>
+            </a:r>
+            <a:r>
+              <a:rPr lang="zh-CN" altLang="en-US" dirty="0"/>
+              <a:t>写的，所以</a:t>
+            </a:r>
+            <a:r>
+              <a:rPr lang="zh-CN" altLang="en-US" dirty="0" smtClean="0"/>
+              <a:t>速度快</a:t>
+            </a:r>
+            <a:endParaRPr lang="en-US" altLang="zh-CN" dirty="0" smtClean="0"/>
+          </a:p>
+          <a:p>
+            <a:r>
+              <a:rPr lang="zh-CN" altLang="en-US" dirty="0" smtClean="0"/>
+              <a:t>经典算法开发库：</a:t>
+            </a:r>
+            <a:r>
+              <a:rPr lang="en-US" altLang="zh-CN" dirty="0" err="1" smtClean="0"/>
+              <a:t>scikit</a:t>
+            </a:r>
+            <a:r>
+              <a:rPr lang="en-US" altLang="zh-CN" dirty="0" smtClean="0"/>
+              <a:t>-learn:</a:t>
+            </a:r>
+          </a:p>
+          <a:p>
+            <a:pPr lvl="1"/>
+            <a:r>
+              <a:rPr lang="en-US" altLang="zh-CN" dirty="0" err="1"/>
+              <a:t>scikit</a:t>
+            </a:r>
+            <a:r>
+              <a:rPr lang="en-US" altLang="zh-CN" dirty="0"/>
+              <a:t>-learn</a:t>
+            </a:r>
+            <a:r>
+              <a:rPr lang="zh-CN" altLang="en-US" dirty="0"/>
+              <a:t>构建在</a:t>
+            </a:r>
+            <a:r>
+              <a:rPr lang="en-US" altLang="zh-CN" dirty="0" err="1"/>
+              <a:t>numpy</a:t>
+            </a:r>
+            <a:r>
+              <a:rPr lang="en-US" altLang="zh-CN" dirty="0"/>
+              <a:t> </a:t>
+            </a:r>
+            <a:r>
+              <a:rPr lang="en-US" altLang="zh-CN" dirty="0" err="1"/>
+              <a:t>scipy</a:t>
+            </a:r>
+            <a:r>
+              <a:rPr lang="zh-CN" altLang="en-US" dirty="0"/>
+              <a:t>之上，所以速度也快。实现了经典的机器学习算法，</a:t>
+            </a:r>
+            <a:r>
+              <a:rPr lang="zh-CN" altLang="en-US" dirty="0" smtClean="0"/>
+              <a:t>如逻辑回归、贝叶斯</a:t>
+            </a:r>
+            <a:r>
+              <a:rPr lang="zh-CN" altLang="en-US" dirty="0"/>
+              <a:t>、随机</a:t>
+            </a:r>
+            <a:r>
+              <a:rPr lang="zh-CN" altLang="en-US" dirty="0" smtClean="0"/>
+              <a:t>森林</a:t>
+            </a:r>
+            <a:endParaRPr lang="en-US" altLang="zh-CN" dirty="0" smtClean="0"/>
+          </a:p>
+          <a:p>
+            <a:r>
+              <a:rPr lang="zh-CN" altLang="en-US" dirty="0"/>
+              <a:t>神经网络库：</a:t>
+            </a:r>
+            <a:r>
+              <a:rPr lang="en-US" altLang="zh-CN" dirty="0" err="1"/>
+              <a:t>tensorflow</a:t>
+            </a:r>
+            <a:r>
+              <a:rPr lang="en-US" altLang="zh-CN" dirty="0"/>
+              <a:t>\</a:t>
+            </a:r>
+            <a:r>
+              <a:rPr lang="en-US" altLang="zh-CN" dirty="0" err="1"/>
+              <a:t>keras</a:t>
+            </a:r>
+            <a:endParaRPr lang="en-US" altLang="zh-CN" dirty="0" smtClean="0"/>
           </a:p>
         </p:txBody>
       </p:sp>
@@ -19885,6 +20386,10 @@
           <a:bodyPr/>
           <a:lstStyle/>
           <a:p>
+            <a:r>
+              <a:rPr lang="zh-CN" altLang="en-US" dirty="0" smtClean="0"/>
+              <a:t>常见问题</a:t>
+            </a:r>
             <a:endParaRPr lang="zh-CN" altLang="en-US" dirty="0"/>
           </a:p>
         </p:txBody>
@@ -19901,10 +20406,239 @@
         </p:nvSpPr>
         <p:spPr/>
         <p:txBody>
-          <a:bodyPr/>
+          <a:bodyPr>
+            <a:normAutofit fontScale="92500" lnSpcReduction="10000"/>
+          </a:bodyPr>
           <a:lstStyle/>
           <a:p>
-            <a:endParaRPr lang="zh-CN" altLang="en-US"/>
+            <a:r>
+              <a:rPr lang="zh-CN" altLang="en-US" dirty="0"/>
+              <a:t>版本问题：</a:t>
+            </a:r>
+            <a:r>
+              <a:rPr lang="en-US" altLang="zh-CN" dirty="0"/>
+              <a:t>python 32 /64</a:t>
+            </a:r>
+            <a:r>
+              <a:rPr lang="zh-CN" altLang="en-US" dirty="0" smtClean="0"/>
+              <a:t>位  和系统匹配</a:t>
+            </a:r>
+            <a:endParaRPr lang="en-US" altLang="zh-CN" dirty="0" smtClean="0"/>
+          </a:p>
+          <a:p>
+            <a:r>
+              <a:rPr lang="zh-CN" altLang="en-US" dirty="0"/>
+              <a:t>编码问题</a:t>
+            </a:r>
+            <a:r>
+              <a:rPr lang="zh-CN" altLang="en-US" dirty="0" smtClean="0"/>
+              <a:t>：</a:t>
+            </a:r>
+            <a:endParaRPr lang="en-US" altLang="zh-CN" dirty="0" smtClean="0"/>
+          </a:p>
+          <a:p>
+            <a:pPr lvl="1"/>
+            <a:r>
+              <a:rPr lang="zh-CN" altLang="en-US" dirty="0"/>
+              <a:t>查看系统编码</a:t>
+            </a:r>
+            <a:r>
+              <a:rPr lang="en-US" altLang="zh-CN" dirty="0"/>
+              <a:t>(</a:t>
+            </a:r>
+            <a:r>
+              <a:rPr lang="en-US" altLang="zh-CN" dirty="0" err="1"/>
+              <a:t>ascii</a:t>
+            </a:r>
+            <a:r>
+              <a:rPr lang="en-US" altLang="zh-CN" dirty="0"/>
+              <a:t>)</a:t>
+            </a:r>
+            <a:r>
+              <a:rPr lang="zh-CN" altLang="en-US" dirty="0"/>
+              <a:t>：</a:t>
+            </a:r>
+            <a:r>
+              <a:rPr lang="en-US" altLang="zh-CN" dirty="0" err="1"/>
+              <a:t>sys.getdefaultencoding</a:t>
+            </a:r>
+            <a:r>
+              <a:rPr lang="en-US" altLang="zh-CN" dirty="0" smtClean="0"/>
+              <a:t>()</a:t>
+            </a:r>
+          </a:p>
+          <a:p>
+            <a:pPr lvl="1"/>
+            <a:r>
+              <a:rPr lang="zh-CN" altLang="en-US" dirty="0"/>
+              <a:t>设置系统编码</a:t>
+            </a:r>
+            <a:r>
+              <a:rPr lang="en-US" altLang="zh-CN" dirty="0"/>
+              <a:t>reload(sys) </a:t>
+            </a:r>
+            <a:r>
+              <a:rPr lang="en-US" altLang="zh-CN" dirty="0" err="1"/>
+              <a:t>sys.setdefaultencoding</a:t>
+            </a:r>
+            <a:r>
+              <a:rPr lang="en-US" altLang="zh-CN" dirty="0"/>
+              <a:t>('utf8</a:t>
+            </a:r>
+            <a:r>
+              <a:rPr lang="en-US" altLang="zh-CN" dirty="0" smtClean="0"/>
+              <a:t>')</a:t>
+            </a:r>
+          </a:p>
+          <a:p>
+            <a:pPr lvl="1"/>
+            <a:r>
+              <a:rPr lang="zh-CN" altLang="en-US" dirty="0"/>
+              <a:t>永久设置系统编码：方便</a:t>
+            </a:r>
+            <a:r>
+              <a:rPr lang="en-US" altLang="zh-CN" dirty="0"/>
+              <a:t>pip</a:t>
+            </a:r>
+            <a:r>
+              <a:rPr lang="zh-CN" altLang="en-US" dirty="0"/>
+              <a:t>安装包的时候不报编码错：</a:t>
+            </a:r>
+            <a:r>
+              <a:rPr lang="en-US" altLang="zh-CN" dirty="0" err="1"/>
+              <a:t>UnicodeEncodeError</a:t>
+            </a:r>
+            <a:r>
+              <a:rPr lang="en-US" altLang="zh-CN" dirty="0"/>
+              <a:t>: '</a:t>
+            </a:r>
+            <a:r>
+              <a:rPr lang="en-US" altLang="zh-CN" dirty="0" err="1"/>
+              <a:t>ascii</a:t>
+            </a:r>
+            <a:r>
+              <a:rPr lang="en-US" altLang="zh-CN" dirty="0"/>
+              <a:t>' codec can't </a:t>
+            </a:r>
+            <a:r>
+              <a:rPr lang="en-US" altLang="zh-CN" dirty="0" smtClean="0"/>
+              <a:t>encode</a:t>
+            </a:r>
+          </a:p>
+          <a:p>
+            <a:pPr lvl="2"/>
+            <a:r>
+              <a:rPr lang="zh-CN" altLang="en-US" dirty="0" smtClean="0"/>
+              <a:t>新建</a:t>
+            </a:r>
+            <a:r>
+              <a:rPr lang="zh-CN" altLang="en-US" dirty="0"/>
+              <a:t>文件：</a:t>
+            </a:r>
+            <a:r>
+              <a:rPr lang="en-US" altLang="zh-CN" dirty="0"/>
+              <a:t>Lib/site-packages/sitecustomize.py  </a:t>
+            </a:r>
+            <a:r>
+              <a:rPr lang="zh-CN" altLang="en-US" dirty="0"/>
+              <a:t>内容</a:t>
+            </a:r>
+            <a:r>
+              <a:rPr lang="zh-CN" altLang="en-US" dirty="0" smtClean="0"/>
+              <a:t>为</a:t>
+            </a:r>
+            <a:r>
+              <a:rPr lang="en-US" altLang="zh-CN" dirty="0" smtClean="0"/>
+              <a:t>import reload </a:t>
+            </a:r>
+            <a:r>
+              <a:rPr lang="en-US" altLang="zh-CN" dirty="0" err="1" smtClean="0"/>
+              <a:t>setdefaultencoding</a:t>
+            </a:r>
+            <a:endParaRPr lang="en-US" altLang="zh-CN" dirty="0" smtClean="0"/>
+          </a:p>
+          <a:p>
+            <a:pPr lvl="1"/>
+            <a:r>
+              <a:rPr lang="zh-CN" altLang="en-US" dirty="0"/>
+              <a:t>源文件编码：文件内容编码</a:t>
+            </a:r>
+            <a:r>
+              <a:rPr lang="en-US" altLang="zh-CN" dirty="0"/>
+              <a:t>-</a:t>
+            </a:r>
+            <a:r>
+              <a:rPr lang="zh-CN" altLang="en-US" dirty="0"/>
+              <a:t>首行标记：</a:t>
+            </a:r>
+            <a:r>
+              <a:rPr lang="en-US" altLang="zh-CN" dirty="0"/>
+              <a:t>#coding=utf-8 #coding:utf-8 #-*- coding:utf-8 -*-</a:t>
+            </a:r>
+            <a:endParaRPr lang="en-US" altLang="zh-CN" dirty="0" smtClean="0"/>
+          </a:p>
+          <a:p>
+            <a:r>
+              <a:rPr lang="zh-CN" altLang="en-US" dirty="0"/>
+              <a:t>包找不到</a:t>
+            </a:r>
+            <a:r>
+              <a:rPr lang="zh-CN" altLang="en-US" dirty="0" smtClean="0"/>
+              <a:t>：</a:t>
+            </a:r>
+            <a:endParaRPr lang="en-US" altLang="zh-CN" dirty="0" smtClean="0"/>
+          </a:p>
+          <a:p>
+            <a:pPr lvl="1"/>
+            <a:r>
+              <a:rPr lang="zh-CN" altLang="en-US" dirty="0" smtClean="0"/>
+              <a:t>当</a:t>
+            </a:r>
+            <a:r>
+              <a:rPr lang="zh-CN" altLang="en-US" dirty="0"/>
+              <a:t>某个模块是拷贝过来的时候，需要拷完</a:t>
+            </a:r>
+            <a:r>
+              <a:rPr lang="en-US" altLang="zh-CN" dirty="0"/>
+              <a:t>---</a:t>
+            </a:r>
+            <a:r>
+              <a:rPr lang="zh-CN" altLang="en-US" dirty="0"/>
+              <a:t>不仅是文件夹</a:t>
+            </a:r>
+            <a:r>
+              <a:rPr lang="en-US" altLang="zh-CN" dirty="0"/>
+              <a:t>--</a:t>
+            </a:r>
+            <a:r>
+              <a:rPr lang="zh-CN" altLang="en-US" dirty="0"/>
+              <a:t>可能还有单个文件</a:t>
+            </a:r>
+            <a:r>
+              <a:rPr lang="zh-CN" altLang="en-US" dirty="0" smtClean="0"/>
+              <a:t>。</a:t>
+            </a:r>
+            <a:endParaRPr lang="en-US" altLang="zh-CN" dirty="0" smtClean="0"/>
+          </a:p>
+          <a:p>
+            <a:pPr lvl="1"/>
+            <a:r>
+              <a:rPr lang="en-US" altLang="zh-CN" dirty="0" smtClean="0"/>
+              <a:t>Pip</a:t>
+            </a:r>
+            <a:r>
+              <a:rPr lang="zh-CN" altLang="en-US" dirty="0" smtClean="0"/>
+              <a:t>安装或者到</a:t>
+            </a:r>
+            <a:r>
+              <a:rPr lang="en-US" altLang="zh-CN" dirty="0" err="1" smtClean="0"/>
+              <a:t>pypi</a:t>
+            </a:r>
+            <a:r>
+              <a:rPr lang="zh-CN" altLang="en-US" dirty="0" smtClean="0"/>
+              <a:t>上下载</a:t>
+            </a:r>
+            <a:endParaRPr lang="zh-CN" altLang="en-US" dirty="0"/>
           </a:p>
         </p:txBody>
       </p:sp>
@@ -19953,7 +20687,11 @@
           <a:bodyPr/>
           <a:lstStyle/>
           <a:p>
-            <a:endParaRPr lang="zh-CN" altLang="en-US"/>
+            <a:r>
+              <a:rPr lang="zh-CN" altLang="en-US" dirty="0" smtClean="0"/>
+              <a:t>编码规范</a:t>
+            </a:r>
+            <a:endParaRPr lang="zh-CN" altLang="en-US" dirty="0"/>
           </a:p>
         </p:txBody>
       </p:sp>
@@ -19969,10 +20707,215 @@
         </p:nvSpPr>
         <p:spPr/>
         <p:txBody>
-          <a:bodyPr/>
+          <a:bodyPr>
+            <a:normAutofit fontScale="92500" lnSpcReduction="10000"/>
+          </a:bodyPr>
           <a:lstStyle/>
           <a:p>
-            <a:endParaRPr lang="zh-CN" altLang="en-US"/>
+            <a:r>
+              <a:rPr lang="zh-CN" altLang="en-US" dirty="0"/>
+              <a:t>代码块：包围不用大括号（包括流程控制</a:t>
+            </a:r>
+            <a:r>
+              <a:rPr lang="en-US" altLang="zh-CN" dirty="0"/>
+              <a:t>if-</a:t>
+            </a:r>
+            <a:r>
+              <a:rPr lang="en-US" altLang="zh-CN" dirty="0" err="1"/>
+              <a:t>else,for</a:t>
+            </a:r>
+            <a:r>
+              <a:rPr lang="en-US" altLang="zh-CN" dirty="0"/>
+              <a:t>-while</a:t>
+            </a:r>
+            <a:r>
+              <a:rPr lang="zh-CN" altLang="en-US" dirty="0"/>
+              <a:t>，函数定义方法定义），只用缩进和冒号。大括号是定义字典的</a:t>
+            </a:r>
+            <a:r>
+              <a:rPr lang="zh-CN" altLang="en-US" dirty="0" smtClean="0"/>
+              <a:t>。</a:t>
+            </a:r>
+            <a:endParaRPr lang="en-US" altLang="zh-CN" dirty="0" smtClean="0"/>
+          </a:p>
+          <a:p>
+            <a:pPr lvl="1"/>
+            <a:r>
+              <a:rPr lang="zh-CN" altLang="en-US" dirty="0"/>
+              <a:t>函数</a:t>
+            </a:r>
+            <a:r>
+              <a:rPr lang="en-US" altLang="zh-CN" dirty="0"/>
+              <a:t>-</a:t>
+            </a:r>
+            <a:r>
+              <a:rPr lang="zh-CN" altLang="en-US" dirty="0"/>
+              <a:t>类之间空</a:t>
+            </a:r>
+            <a:r>
+              <a:rPr lang="en-US" altLang="zh-CN" dirty="0"/>
+              <a:t>2</a:t>
+            </a:r>
+            <a:r>
+              <a:rPr lang="zh-CN" altLang="en-US" dirty="0"/>
+              <a:t>行，方法之间空一行（非强制，会告警）</a:t>
+            </a:r>
+            <a:endParaRPr lang="en-US" altLang="zh-CN" dirty="0" smtClean="0"/>
+          </a:p>
+          <a:p>
+            <a:r>
+              <a:rPr lang="zh-CN" altLang="en-US" dirty="0" smtClean="0"/>
+              <a:t>文件</a:t>
+            </a:r>
+            <a:r>
+              <a:rPr lang="zh-CN" altLang="en-US" dirty="0"/>
+              <a:t>和</a:t>
+            </a:r>
+            <a:r>
+              <a:rPr lang="en-US" altLang="zh-CN" dirty="0" smtClean="0"/>
+              <a:t>socket:</a:t>
+            </a:r>
+          </a:p>
+          <a:p>
+            <a:pPr lvl="1"/>
+            <a:r>
+              <a:rPr lang="zh-CN" altLang="en-US" dirty="0"/>
+              <a:t>关闭：减小消耗文件描述符、减少处理它们的</a:t>
+            </a:r>
+            <a:r>
+              <a:rPr lang="zh-CN" altLang="en-US" dirty="0" smtClean="0"/>
+              <a:t>资源</a:t>
+            </a:r>
+            <a:endParaRPr lang="en-US" altLang="zh-CN" dirty="0"/>
+          </a:p>
+          <a:p>
+            <a:pPr lvl="1"/>
+            <a:r>
+              <a:rPr lang="zh-CN" altLang="en-US" dirty="0"/>
+              <a:t>使用</a:t>
+            </a:r>
+            <a:r>
+              <a:rPr lang="en-US" altLang="zh-CN" dirty="0"/>
+              <a:t>with</a:t>
+            </a:r>
+            <a:r>
+              <a:rPr lang="zh-CN" altLang="en-US" dirty="0"/>
+              <a:t>管理文件</a:t>
+            </a:r>
+            <a:endParaRPr lang="en-US" altLang="zh-CN" dirty="0" smtClean="0"/>
+          </a:p>
+          <a:p>
+            <a:r>
+              <a:rPr lang="zh-CN" altLang="en-US" dirty="0"/>
+              <a:t>命名</a:t>
+            </a:r>
+            <a:r>
+              <a:rPr lang="zh-CN" altLang="en-US" dirty="0" smtClean="0"/>
+              <a:t>规范</a:t>
+            </a:r>
+            <a:r>
+              <a:rPr lang="en-US" altLang="zh-CN" dirty="0" smtClean="0"/>
+              <a:t>:</a:t>
+            </a:r>
+          </a:p>
+          <a:p>
+            <a:pPr lvl="1"/>
+            <a:r>
+              <a:rPr lang="en-US" altLang="zh-CN" dirty="0" err="1"/>
+              <a:t>module_name</a:t>
+            </a:r>
+            <a:r>
+              <a:rPr lang="en-US" altLang="zh-CN" dirty="0"/>
+              <a:t>, </a:t>
+            </a:r>
+            <a:r>
+              <a:rPr lang="en-US" altLang="zh-CN" dirty="0" err="1"/>
+              <a:t>package_name</a:t>
+            </a:r>
+            <a:r>
+              <a:rPr lang="en-US" altLang="zh-CN" dirty="0"/>
+              <a:t>, </a:t>
+            </a:r>
+            <a:r>
+              <a:rPr lang="en-US" altLang="zh-CN" dirty="0" err="1"/>
+              <a:t>ClassName</a:t>
+            </a:r>
+            <a:r>
+              <a:rPr lang="en-US" altLang="zh-CN" dirty="0"/>
+              <a:t>, </a:t>
+            </a:r>
+            <a:r>
+              <a:rPr lang="en-US" altLang="zh-CN" dirty="0" err="1"/>
+              <a:t>method_name</a:t>
+            </a:r>
+            <a:r>
+              <a:rPr lang="en-US" altLang="zh-CN" dirty="0"/>
+              <a:t>, </a:t>
+            </a:r>
+            <a:r>
+              <a:rPr lang="en-US" altLang="zh-CN" dirty="0" err="1"/>
+              <a:t>ExceptionName</a:t>
+            </a:r>
+            <a:r>
+              <a:rPr lang="en-US" altLang="zh-CN" dirty="0"/>
+              <a:t>, </a:t>
+            </a:r>
+            <a:r>
+              <a:rPr lang="en-US" altLang="zh-CN" dirty="0" err="1"/>
+              <a:t>function_name</a:t>
+            </a:r>
+            <a:r>
+              <a:rPr lang="en-US" altLang="zh-CN" dirty="0"/>
+              <a:t>, GLOBAL_VAR_NAME, </a:t>
+            </a:r>
+            <a:r>
+              <a:rPr lang="en-US" altLang="zh-CN" dirty="0" err="1"/>
+              <a:t>instance_var_name</a:t>
+            </a:r>
+            <a:r>
+              <a:rPr lang="en-US" altLang="zh-CN" dirty="0"/>
+              <a:t>, </a:t>
+            </a:r>
+            <a:r>
+              <a:rPr lang="en-US" altLang="zh-CN" dirty="0" err="1"/>
+              <a:t>function_parameter_name</a:t>
+            </a:r>
+            <a:r>
+              <a:rPr lang="en-US" altLang="zh-CN" dirty="0"/>
+              <a:t>, </a:t>
+            </a:r>
+            <a:r>
+              <a:rPr lang="en-US" altLang="zh-CN" dirty="0" err="1"/>
+              <a:t>local_var_name</a:t>
+            </a:r>
+            <a:r>
+              <a:rPr lang="en-US" altLang="zh-CN" dirty="0"/>
+              <a:t>.</a:t>
+            </a:r>
+            <a:endParaRPr lang="en-US" altLang="zh-CN" dirty="0" smtClean="0"/>
+          </a:p>
+          <a:p>
+            <a:r>
+              <a:rPr lang="zh-CN" altLang="en-US" dirty="0"/>
+              <a:t>导入文件时文件主功能不能执行：所以主功能放在</a:t>
+            </a:r>
+            <a:r>
+              <a:rPr lang="en-US" altLang="zh-CN" dirty="0"/>
+              <a:t>main</a:t>
+            </a:r>
+            <a:r>
+              <a:rPr lang="zh-CN" altLang="en-US" dirty="0"/>
+              <a:t>函数中，且要有 </a:t>
+            </a:r>
+            <a:r>
+              <a:rPr lang="en-US" altLang="zh-CN" dirty="0"/>
+              <a:t>if __name__ == '__main__'</a:t>
+            </a:r>
+            <a:r>
+              <a:rPr lang="zh-CN" altLang="en-US" dirty="0"/>
+              <a:t>检查</a:t>
+            </a:r>
+            <a:endParaRPr lang="en-US" altLang="zh-CN" dirty="0" smtClean="0"/>
           </a:p>
         </p:txBody>
       </p:sp>
@@ -20021,6 +20964,10 @@
           <a:bodyPr/>
           <a:lstStyle/>
           <a:p>
+            <a:r>
+              <a:rPr lang="zh-CN" altLang="en-US" dirty="0" smtClean="0"/>
+              <a:t>参考资料</a:t>
+            </a:r>
             <a:endParaRPr lang="zh-CN" altLang="en-US" dirty="0"/>
           </a:p>
         </p:txBody>
@@ -20037,9 +20984,107 @@
         </p:nvSpPr>
         <p:spPr/>
         <p:txBody>
-          <a:bodyPr/>
+          <a:bodyPr>
+            <a:normAutofit lnSpcReduction="10000"/>
+          </a:bodyPr>
           <a:lstStyle/>
           <a:p>
+            <a:r>
+              <a:rPr lang="en-US" altLang="zh-CN" dirty="0"/>
+              <a:t>1.http://www.runoob.com/w3cnote/google-python-styleguide.html</a:t>
+            </a:r>
+            <a:r>
+              <a:rPr lang="zh-CN" altLang="en-US" dirty="0"/>
+              <a:t>（编码规范）</a:t>
+            </a:r>
+          </a:p>
+          <a:p>
+            <a:r>
+              <a:rPr lang="en-US" altLang="zh-CN" dirty="0"/>
+              <a:t>2.https://pypi.python.org/</a:t>
+            </a:r>
+            <a:r>
+              <a:rPr lang="en-US" altLang="zh-CN" dirty="0" err="1"/>
+              <a:t>pypi</a:t>
+            </a:r>
+            <a:r>
+              <a:rPr lang="zh-CN" altLang="en-US" dirty="0"/>
+              <a:t>（包网址）</a:t>
+            </a:r>
+          </a:p>
+          <a:p>
+            <a:r>
+              <a:rPr lang="en-US" altLang="zh-CN" dirty="0"/>
+              <a:t>3.http://blog.csdn.net/qy924565830/article/details/53992708(</a:t>
+            </a:r>
+            <a:r>
+              <a:rPr lang="zh-CN" altLang="en-US" dirty="0"/>
+              <a:t>各种模块的安装</a:t>
+            </a:r>
+            <a:r>
+              <a:rPr lang="en-US" altLang="zh-CN" dirty="0"/>
+              <a:t>)</a:t>
+            </a:r>
+          </a:p>
+          <a:p>
+            <a:r>
+              <a:rPr lang="en-US" altLang="zh-CN" dirty="0"/>
+              <a:t>4.https://www.lfd.uci.edu/~gohlke/pythonlibs/</a:t>
+            </a:r>
+            <a:r>
+              <a:rPr lang="zh-CN" altLang="en-US" dirty="0"/>
+              <a:t>（</a:t>
+            </a:r>
+            <a:r>
+              <a:rPr lang="en-US" altLang="zh-CN" dirty="0"/>
+              <a:t>64</a:t>
+            </a:r>
+            <a:r>
+              <a:rPr lang="zh-CN" altLang="en-US" dirty="0"/>
+              <a:t>位模块的安装）</a:t>
+            </a:r>
+          </a:p>
+          <a:p>
+            <a:r>
+              <a:rPr lang="en-US" altLang="zh-CN" dirty="0"/>
+              <a:t>5.https://www.cnblogs.com/wumingxiaoyao/p/7047658.html(socket</a:t>
+            </a:r>
+            <a:r>
+              <a:rPr lang="zh-CN" altLang="en-US" dirty="0"/>
+              <a:t>编程详细</a:t>
+            </a:r>
+            <a:r>
+              <a:rPr lang="en-US" altLang="zh-CN" dirty="0"/>
+              <a:t>)</a:t>
+            </a:r>
+          </a:p>
+          <a:p>
+            <a:r>
+              <a:rPr lang="en-US" altLang="zh-CN" dirty="0"/>
+              <a:t>6.http://www.runoob.com/manual/pythontutorial/docs/html/errors.html</a:t>
+            </a:r>
+            <a:r>
+              <a:rPr lang="zh-CN" altLang="en-US" dirty="0"/>
+              <a:t>（参考资料</a:t>
+            </a:r>
+            <a:r>
+              <a:rPr lang="en-US" altLang="zh-CN" dirty="0"/>
+              <a:t>2</a:t>
+            </a:r>
+            <a:r>
+              <a:rPr lang="zh-CN" altLang="en-US" dirty="0"/>
+              <a:t>）</a:t>
+            </a:r>
+          </a:p>
+          <a:p>
+            <a:r>
+              <a:rPr lang="en-US" altLang="zh-CN" dirty="0"/>
+              <a:t>7.http://blog.csdn.net/qq_31776303/article/details/78994763</a:t>
+            </a:r>
+            <a:r>
+              <a:rPr lang="zh-CN" altLang="en-US"/>
+              <a:t>（微信小程序跳一跳）</a:t>
+            </a:r>
             <a:endParaRPr lang="zh-CN" altLang="en-US" dirty="0"/>
           </a:p>
         </p:txBody>

--- a/编程语言/python/Python基础入门知识分享.pptx
+++ b/编程语言/python/Python基础入门知识分享.pptx
@@ -64,6 +64,7 @@
     <p:sldId id="276" r:id="rId58"/>
     <p:sldId id="278" r:id="rId59"/>
     <p:sldId id="279" r:id="rId60"/>
+    <p:sldId id="317" r:id="rId61"/>
   </p:sldIdLst>
   <p:sldSz cx="12192000" cy="6858000"/>
   <p:notesSz cx="6858000" cy="9144000"/>
@@ -282,6 +283,7 @@
         <p14:section name="参考资料" id="{D3E59079-F45A-402F-BCF2-F83634D87EFE}">
           <p14:sldIdLst>
             <p14:sldId id="279"/>
+            <p14:sldId id="317"/>
           </p14:sldIdLst>
         </p14:section>
       </p14:sectionLst>
@@ -482,7 +484,7 @@
             <a:fld id="{B61BEF0D-F0BB-DE4B-95CE-6DB70DBA9567}" type="datetimeFigureOut">
               <a:rPr lang="en-US" dirty="0"/>
               <a:pPr/>
-              <a:t>4/4/2018</a:t>
+              <a:t>4/7/2018</a:t>
             </a:fld>
             <a:endParaRPr lang="en-US" dirty="0"/>
           </a:p>
@@ -817,7 +819,7 @@
             <a:fld id="{B61BEF0D-F0BB-DE4B-95CE-6DB70DBA9567}" type="datetimeFigureOut">
               <a:rPr lang="en-US" dirty="0"/>
               <a:pPr/>
-              <a:t>4/4/2018</a:t>
+              <a:t>4/7/2018</a:t>
             </a:fld>
             <a:endParaRPr lang="en-US" dirty="0"/>
           </a:p>
@@ -1215,7 +1217,7 @@
             <a:fld id="{B61BEF0D-F0BB-DE4B-95CE-6DB70DBA9567}" type="datetimeFigureOut">
               <a:rPr lang="en-US" dirty="0"/>
               <a:pPr/>
-              <a:t>4/4/2018</a:t>
+              <a:t>4/7/2018</a:t>
             </a:fld>
             <a:endParaRPr lang="en-US" dirty="0"/>
           </a:p>
@@ -1548,7 +1550,7 @@
             <a:fld id="{B61BEF0D-F0BB-DE4B-95CE-6DB70DBA9567}" type="datetimeFigureOut">
               <a:rPr lang="en-US" dirty="0"/>
               <a:pPr/>
-              <a:t>4/4/2018</a:t>
+              <a:t>4/7/2018</a:t>
             </a:fld>
             <a:endParaRPr lang="en-US" dirty="0"/>
           </a:p>
@@ -1865,7 +1867,7 @@
             <a:fld id="{B61BEF0D-F0BB-DE4B-95CE-6DB70DBA9567}" type="datetimeFigureOut">
               <a:rPr lang="en-US" dirty="0"/>
               <a:pPr/>
-              <a:t>4/4/2018</a:t>
+              <a:t>4/7/2018</a:t>
             </a:fld>
             <a:endParaRPr lang="en-US" dirty="0"/>
           </a:p>
@@ -2258,7 +2260,7 @@
             <a:fld id="{B61BEF0D-F0BB-DE4B-95CE-6DB70DBA9567}" type="datetimeFigureOut">
               <a:rPr lang="en-US" dirty="0"/>
               <a:pPr/>
-              <a:t>4/4/2018</a:t>
+              <a:t>4/7/2018</a:t>
             </a:fld>
             <a:endParaRPr lang="en-US" dirty="0"/>
           </a:p>
@@ -2512,7 +2514,7 @@
             <a:fld id="{B61BEF0D-F0BB-DE4B-95CE-6DB70DBA9567}" type="datetimeFigureOut">
               <a:rPr lang="en-US" dirty="0"/>
               <a:pPr/>
-              <a:t>4/4/2018</a:t>
+              <a:t>4/7/2018</a:t>
             </a:fld>
             <a:endParaRPr lang="en-US" dirty="0"/>
           </a:p>
@@ -2771,7 +2773,7 @@
             <a:fld id="{B61BEF0D-F0BB-DE4B-95CE-6DB70DBA9567}" type="datetimeFigureOut">
               <a:rPr lang="en-US" dirty="0"/>
               <a:pPr/>
-              <a:t>4/4/2018</a:t>
+              <a:t>4/7/2018</a:t>
             </a:fld>
             <a:endParaRPr lang="en-US" dirty="0"/>
           </a:p>
@@ -3030,7 +3032,7 @@
             <a:fld id="{B61BEF0D-F0BB-DE4B-95CE-6DB70DBA9567}" type="datetimeFigureOut">
               <a:rPr lang="en-US" dirty="0"/>
               <a:pPr/>
-              <a:t>4/4/2018</a:t>
+              <a:t>4/7/2018</a:t>
             </a:fld>
             <a:endParaRPr lang="en-US" dirty="0"/>
           </a:p>
@@ -3356,7 +3358,7 @@
             <a:fld id="{B61BEF0D-F0BB-DE4B-95CE-6DB70DBA9567}" type="datetimeFigureOut">
               <a:rPr lang="en-US" dirty="0"/>
               <a:pPr/>
-              <a:t>4/4/2018</a:t>
+              <a:t>4/7/2018</a:t>
             </a:fld>
             <a:endParaRPr lang="en-US" dirty="0"/>
           </a:p>
@@ -3676,7 +3678,7 @@
             <a:fld id="{B61BEF0D-F0BB-DE4B-95CE-6DB70DBA9567}" type="datetimeFigureOut">
               <a:rPr lang="en-US" dirty="0"/>
               <a:pPr/>
-              <a:t>4/4/2018</a:t>
+              <a:t>4/7/2018</a:t>
             </a:fld>
             <a:endParaRPr lang="en-US" dirty="0"/>
           </a:p>
@@ -4130,7 +4132,7 @@
             <a:fld id="{B61BEF0D-F0BB-DE4B-95CE-6DB70DBA9567}" type="datetimeFigureOut">
               <a:rPr lang="en-US" dirty="0"/>
               <a:pPr/>
-              <a:t>4/4/2018</a:t>
+              <a:t>4/7/2018</a:t>
             </a:fld>
             <a:endParaRPr lang="en-US" dirty="0"/>
           </a:p>
@@ -4332,7 +4334,7 @@
             <a:fld id="{B61BEF0D-F0BB-DE4B-95CE-6DB70DBA9567}" type="datetimeFigureOut">
               <a:rPr lang="en-US" dirty="0"/>
               <a:pPr/>
-              <a:t>4/4/2018</a:t>
+              <a:t>4/7/2018</a:t>
             </a:fld>
             <a:endParaRPr lang="en-US" dirty="0"/>
           </a:p>
@@ -4506,7 +4508,7 @@
             <a:fld id="{B61BEF0D-F0BB-DE4B-95CE-6DB70DBA9567}" type="datetimeFigureOut">
               <a:rPr lang="en-US" dirty="0"/>
               <a:pPr/>
-              <a:t>4/4/2018</a:t>
+              <a:t>4/7/2018</a:t>
             </a:fld>
             <a:endParaRPr lang="en-US" dirty="0"/>
           </a:p>
@@ -4836,7 +4838,7 @@
             <a:fld id="{B61BEF0D-F0BB-DE4B-95CE-6DB70DBA9567}" type="datetimeFigureOut">
               <a:rPr lang="en-US" dirty="0"/>
               <a:pPr/>
-              <a:t>4/4/2018</a:t>
+              <a:t>4/7/2018</a:t>
             </a:fld>
             <a:endParaRPr lang="en-US" dirty="0"/>
           </a:p>
@@ -5178,7 +5180,7 @@
             <a:fld id="{B61BEF0D-F0BB-DE4B-95CE-6DB70DBA9567}" type="datetimeFigureOut">
               <a:rPr lang="en-US" dirty="0"/>
               <a:pPr/>
-              <a:t>4/4/2018</a:t>
+              <a:t>4/7/2018</a:t>
             </a:fld>
             <a:endParaRPr lang="en-US" dirty="0"/>
           </a:p>
@@ -7292,7 +7294,7 @@
             <a:fld id="{B61BEF0D-F0BB-DE4B-95CE-6DB70DBA9567}" type="datetimeFigureOut">
               <a:rPr lang="en-US" dirty="0"/>
               <a:pPr/>
-              <a:t>4/4/2018</a:t>
+              <a:t>4/7/2018</a:t>
             </a:fld>
             <a:endParaRPr lang="en-US" dirty="0"/>
           </a:p>
@@ -7870,6 +7872,13 @@
   <p:clrMapOvr>
     <a:masterClrMapping/>
   </p:clrMapOvr>
+  <p:timing>
+    <p:tnLst>
+      <p:par>
+        <p:cTn id="1" dur="indefinite" restart="never" nodeType="tmRoot"/>
+      </p:par>
+    </p:tnLst>
+  </p:timing>
 </p:sld>
 </file>
 
@@ -7995,6 +8004,13 @@
   <p:clrMapOvr>
     <a:masterClrMapping/>
   </p:clrMapOvr>
+  <p:timing>
+    <p:tnLst>
+      <p:par>
+        <p:cTn id="1" dur="indefinite" restart="never" nodeType="tmRoot"/>
+      </p:par>
+    </p:tnLst>
+  </p:timing>
 </p:sld>
 </file>
 
@@ -8132,6 +8148,13 @@
   <p:clrMapOvr>
     <a:masterClrMapping/>
   </p:clrMapOvr>
+  <p:timing>
+    <p:tnLst>
+      <p:par>
+        <p:cTn id="1" dur="indefinite" restart="never" nodeType="tmRoot"/>
+      </p:par>
+    </p:tnLst>
+  </p:timing>
 </p:sld>
 </file>
 
@@ -8596,6 +8619,13 @@
   <p:clrMapOvr>
     <a:masterClrMapping/>
   </p:clrMapOvr>
+  <p:timing>
+    <p:tnLst>
+      <p:par>
+        <p:cTn id="1" dur="indefinite" restart="never" nodeType="tmRoot"/>
+      </p:par>
+    </p:tnLst>
+  </p:timing>
 </p:sld>
 </file>
 
@@ -8883,6 +8913,13 @@
   <p:clrMapOvr>
     <a:masterClrMapping/>
   </p:clrMapOvr>
+  <p:timing>
+    <p:tnLst>
+      <p:par>
+        <p:cTn id="1" dur="indefinite" restart="never" nodeType="tmRoot"/>
+      </p:par>
+    </p:tnLst>
+  </p:timing>
 </p:sld>
 </file>
 
@@ -9081,6 +9118,13 @@
   <p:clrMapOvr>
     <a:masterClrMapping/>
   </p:clrMapOvr>
+  <p:timing>
+    <p:tnLst>
+      <p:par>
+        <p:cTn id="1" dur="indefinite" restart="never" nodeType="tmRoot"/>
+      </p:par>
+    </p:tnLst>
+  </p:timing>
 </p:sld>
 </file>
 
@@ -9439,6 +9483,13 @@
   <p:clrMapOvr>
     <a:masterClrMapping/>
   </p:clrMapOvr>
+  <p:timing>
+    <p:tnLst>
+      <p:par>
+        <p:cTn id="1" dur="indefinite" restart="never" nodeType="tmRoot"/>
+      </p:par>
+    </p:tnLst>
+  </p:timing>
 </p:sld>
 </file>
 
@@ -9631,6 +9682,13 @@
   <p:clrMapOvr>
     <a:masterClrMapping/>
   </p:clrMapOvr>
+  <p:timing>
+    <p:tnLst>
+      <p:par>
+        <p:cTn id="1" dur="indefinite" restart="never" nodeType="tmRoot"/>
+      </p:par>
+    </p:tnLst>
+  </p:timing>
 </p:sld>
 </file>
 
@@ -9829,6 +9887,13 @@
   <p:clrMapOvr>
     <a:masterClrMapping/>
   </p:clrMapOvr>
+  <p:timing>
+    <p:tnLst>
+      <p:par>
+        <p:cTn id="1" dur="indefinite" restart="never" nodeType="tmRoot"/>
+      </p:par>
+    </p:tnLst>
+  </p:timing>
 </p:sld>
 </file>
 
@@ -9916,6 +9981,13 @@
   <p:clrMapOvr>
     <a:masterClrMapping/>
   </p:clrMapOvr>
+  <p:timing>
+    <p:tnLst>
+      <p:par>
+        <p:cTn id="1" dur="indefinite" restart="never" nodeType="tmRoot"/>
+      </p:par>
+    </p:tnLst>
+  </p:timing>
 </p:sld>
 </file>
 
@@ -10069,6 +10141,13 @@
   <p:clrMapOvr>
     <a:masterClrMapping/>
   </p:clrMapOvr>
+  <p:timing>
+    <p:tnLst>
+      <p:par>
+        <p:cTn id="1" dur="indefinite" restart="never" nodeType="tmRoot"/>
+      </p:par>
+    </p:tnLst>
+  </p:timing>
 </p:sld>
 </file>
 
@@ -10133,8 +10212,9 @@
           <a:p>
             <a:r>
               <a:rPr lang="zh-CN" altLang="en-US" dirty="0"/>
-              <a:t>解释型编程语言</a:t>
-            </a:r>
+              <a:t>解释型、面向对象、动态数据类型的高级程序设计语言</a:t>
+            </a:r>
+            <a:endParaRPr lang="zh-CN" altLang="en-US" dirty="0"/>
           </a:p>
         </p:txBody>
       </p:sp>
@@ -10148,6 +10228,13 @@
   <p:clrMapOvr>
     <a:masterClrMapping/>
   </p:clrMapOvr>
+  <p:timing>
+    <p:tnLst>
+      <p:par>
+        <p:cTn id="1" dur="indefinite" restart="never" nodeType="tmRoot"/>
+      </p:par>
+    </p:tnLst>
+  </p:timing>
 </p:sld>
 </file>
 
@@ -10372,6 +10459,13 @@
   <p:clrMapOvr>
     <a:masterClrMapping/>
   </p:clrMapOvr>
+  <p:timing>
+    <p:tnLst>
+      <p:par>
+        <p:cTn id="1" dur="indefinite" restart="never" nodeType="tmRoot"/>
+      </p:par>
+    </p:tnLst>
+  </p:timing>
 </p:sld>
 </file>
 
@@ -10646,6 +10740,13 @@
   <p:clrMapOvr>
     <a:masterClrMapping/>
   </p:clrMapOvr>
+  <p:timing>
+    <p:tnLst>
+      <p:par>
+        <p:cTn id="1" dur="indefinite" restart="never" nodeType="tmRoot"/>
+      </p:par>
+    </p:tnLst>
+  </p:timing>
 </p:sld>
 </file>
 
@@ -10759,6 +10860,13 @@
   <p:clrMapOvr>
     <a:masterClrMapping/>
   </p:clrMapOvr>
+  <p:timing>
+    <p:tnLst>
+      <p:par>
+        <p:cTn id="1" dur="indefinite" restart="never" nodeType="tmRoot"/>
+      </p:par>
+    </p:tnLst>
+  </p:timing>
 </p:sld>
 </file>
 
@@ -11096,6 +11204,13 @@
   <p:clrMapOvr>
     <a:masterClrMapping/>
   </p:clrMapOvr>
+  <p:timing>
+    <p:tnLst>
+      <p:par>
+        <p:cTn id="1" dur="indefinite" restart="never" nodeType="tmRoot"/>
+      </p:par>
+    </p:tnLst>
+  </p:timing>
 </p:sld>
 </file>
 
@@ -11409,6 +11524,13 @@
   <p:clrMapOvr>
     <a:masterClrMapping/>
   </p:clrMapOvr>
+  <p:timing>
+    <p:tnLst>
+      <p:par>
+        <p:cTn id="1" dur="indefinite" restart="never" nodeType="tmRoot"/>
+      </p:par>
+    </p:tnLst>
+  </p:timing>
 </p:sld>
 </file>
 
@@ -11481,6 +11603,13 @@
   <p:clrMapOvr>
     <a:masterClrMapping/>
   </p:clrMapOvr>
+  <p:timing>
+    <p:tnLst>
+      <p:par>
+        <p:cTn id="1" dur="indefinite" restart="never" nodeType="tmRoot"/>
+      </p:par>
+    </p:tnLst>
+  </p:timing>
 </p:sld>
 </file>
 
@@ -11839,6 +11968,13 @@
   <p:clrMapOvr>
     <a:masterClrMapping/>
   </p:clrMapOvr>
+  <p:timing>
+    <p:tnLst>
+      <p:par>
+        <p:cTn id="1" dur="indefinite" restart="never" nodeType="tmRoot"/>
+      </p:par>
+    </p:tnLst>
+  </p:timing>
 </p:sld>
 </file>
 
@@ -12248,6 +12384,13 @@
   <p:clrMapOvr>
     <a:masterClrMapping/>
   </p:clrMapOvr>
+  <p:timing>
+    <p:tnLst>
+      <p:par>
+        <p:cTn id="1" dur="indefinite" restart="never" nodeType="tmRoot"/>
+      </p:par>
+    </p:tnLst>
+  </p:timing>
 </p:sld>
 </file>
 
@@ -12557,6 +12700,13 @@
   <p:clrMapOvr>
     <a:masterClrMapping/>
   </p:clrMapOvr>
+  <p:timing>
+    <p:tnLst>
+      <p:par>
+        <p:cTn id="1" dur="indefinite" restart="never" nodeType="tmRoot"/>
+      </p:par>
+    </p:tnLst>
+  </p:timing>
 </p:sld>
 </file>
 
@@ -12791,6 +12941,13 @@
   <p:clrMapOvr>
     <a:masterClrMapping/>
   </p:clrMapOvr>
+  <p:timing>
+    <p:tnLst>
+      <p:par>
+        <p:cTn id="1" dur="indefinite" restart="never" nodeType="tmRoot"/>
+      </p:par>
+    </p:tnLst>
+  </p:timing>
 </p:sld>
 </file>
 
@@ -12834,7 +12991,15 @@
             </a:r>
             <a:r>
               <a:rPr lang="zh-CN" altLang="en-US" dirty="0" smtClean="0"/>
-              <a:t>可以解决什么问题？</a:t>
+              <a:t>常用于</a:t>
+            </a:r>
+            <a:r>
+              <a:rPr lang="zh-CN" altLang="en-US" dirty="0" smtClean="0"/>
+              <a:t>解决</a:t>
+            </a:r>
+            <a:r>
+              <a:rPr lang="zh-CN" altLang="en-US" dirty="0" smtClean="0"/>
+              <a:t>什么问题？</a:t>
             </a:r>
             <a:r>
               <a:rPr lang="en-US" altLang="zh-CN" dirty="0" smtClean="0"/>
@@ -12857,7 +13022,12 @@
             <p:ph idx="1"/>
           </p:nvPr>
         </p:nvSpPr>
-        <p:spPr/>
+        <p:spPr>
+          <a:xfrm>
+            <a:off x="2589212" y="1905000"/>
+            <a:ext cx="8915400" cy="3777622"/>
+          </a:xfrm>
+        </p:spPr>
         <p:txBody>
           <a:bodyPr/>
           <a:lstStyle/>
@@ -12868,77 +13038,166 @@
             </a:r>
             <a:r>
               <a:rPr lang="zh-CN" altLang="en-US" dirty="0" smtClean="0"/>
-              <a:t>问题、计算问题</a:t>
+              <a:t>：如网站开发</a:t>
+            </a:r>
+            <a:r>
+              <a:rPr lang="en-US" altLang="zh-CN" dirty="0" smtClean="0"/>
+              <a:t>(</a:t>
+            </a:r>
+            <a:r>
+              <a:rPr lang="en-US" altLang="zh-CN" dirty="0" err="1" smtClean="0"/>
+              <a:t>Django,flask</a:t>
+            </a:r>
+            <a:r>
+              <a:rPr lang="en-US" altLang="zh-CN" dirty="0" smtClean="0"/>
+              <a:t>)</a:t>
+            </a:r>
+            <a:r>
+              <a:rPr lang="zh-CN" altLang="en-US" dirty="0" smtClean="0"/>
+              <a:t>、爬虫</a:t>
+            </a:r>
+            <a:r>
+              <a:rPr lang="en-US" altLang="zh-CN" dirty="0" smtClean="0"/>
+              <a:t>(</a:t>
+            </a:r>
+            <a:r>
+              <a:rPr lang="en-US" altLang="zh-CN" dirty="0" err="1" smtClean="0"/>
+              <a:t>scrapy</a:t>
+            </a:r>
+            <a:r>
+              <a:rPr lang="en-US" altLang="zh-CN" dirty="0" smtClean="0"/>
+              <a:t>)</a:t>
+            </a:r>
+            <a:r>
+              <a:rPr lang="zh-CN" altLang="en-US" dirty="0" smtClean="0"/>
+              <a:t>、网络扫描</a:t>
+            </a:r>
+            <a:r>
+              <a:rPr lang="en-US" altLang="zh-CN" dirty="0" smtClean="0"/>
+              <a:t>(socket)</a:t>
+            </a:r>
+          </a:p>
+          <a:p>
+            <a:r>
+              <a:rPr lang="zh-CN" altLang="en-US" dirty="0"/>
+              <a:t>大</a:t>
+            </a:r>
+            <a:r>
+              <a:rPr lang="zh-CN" altLang="en-US" dirty="0" smtClean="0"/>
+              <a:t>数据处理：如大数据处理模块</a:t>
+            </a:r>
+            <a:r>
+              <a:rPr lang="en-US" altLang="zh-CN" dirty="0" smtClean="0"/>
+              <a:t>pandas</a:t>
+            </a:r>
+            <a:r>
+              <a:rPr lang="zh-CN" altLang="en-US" dirty="0" smtClean="0"/>
+              <a:t>可以处理文件、数据库、</a:t>
+            </a:r>
+            <a:r>
+              <a:rPr lang="en-US" altLang="zh-CN" dirty="0" err="1" smtClean="0"/>
+              <a:t>hdfs</a:t>
+            </a:r>
+            <a:r>
+              <a:rPr lang="zh-CN" altLang="en-US" dirty="0" smtClean="0"/>
+              <a:t>里的数据</a:t>
+            </a:r>
+            <a:r>
+              <a:rPr lang="en-US" altLang="zh-CN" dirty="0" smtClean="0"/>
+              <a:t/>
+            </a:r>
+            <a:br>
+              <a:rPr lang="en-US" altLang="zh-CN" dirty="0" smtClean="0"/>
+            </a:br>
+            <a:r>
+              <a:rPr lang="en-US" altLang="zh-CN" dirty="0" smtClean="0"/>
+              <a:t>				</a:t>
+            </a:r>
+            <a:r>
+              <a:rPr lang="zh-CN" altLang="en-US" dirty="0" smtClean="0"/>
+              <a:t>如</a:t>
+            </a:r>
+            <a:r>
+              <a:rPr lang="en-US" altLang="zh-CN" dirty="0" err="1" smtClean="0"/>
+              <a:t>pyspark</a:t>
+            </a:r>
+            <a:r>
+              <a:rPr lang="zh-CN" altLang="en-US" dirty="0" smtClean="0"/>
+              <a:t>模块可以编写</a:t>
+            </a:r>
+            <a:r>
+              <a:rPr lang="en-US" altLang="zh-CN" dirty="0" smtClean="0"/>
+              <a:t>spark</a:t>
+            </a:r>
+            <a:r>
+              <a:rPr lang="zh-CN" altLang="en-US" dirty="0" smtClean="0"/>
+              <a:t>任务提交到</a:t>
+            </a:r>
+            <a:r>
+              <a:rPr lang="en-US" altLang="zh-CN" dirty="0" smtClean="0"/>
+              <a:t>spark</a:t>
+            </a:r>
+            <a:r>
+              <a:rPr lang="zh-CN" altLang="en-US" dirty="0" smtClean="0"/>
+              <a:t>集群</a:t>
+            </a:r>
+            <a:endParaRPr lang="en-US" altLang="zh-CN" dirty="0"/>
+          </a:p>
+          <a:p>
+            <a:r>
+              <a:rPr lang="zh-CN" altLang="en-US" dirty="0" smtClean="0"/>
+              <a:t>处理数据、数据可视化：如</a:t>
+            </a:r>
+            <a:r>
+              <a:rPr lang="en-US" altLang="zh-CN" dirty="0" err="1" smtClean="0"/>
+              <a:t>numpy</a:t>
+            </a:r>
+            <a:r>
+              <a:rPr lang="zh-CN" altLang="en-US" dirty="0"/>
+              <a:t>、</a:t>
+            </a:r>
+            <a:r>
+              <a:rPr lang="en-US" altLang="zh-CN" dirty="0" err="1" smtClean="0"/>
+              <a:t>matplotlib</a:t>
             </a:r>
             <a:endParaRPr lang="en-US" altLang="zh-CN" dirty="0" smtClean="0"/>
           </a:p>
           <a:p>
             <a:r>
-              <a:rPr lang="zh-CN" altLang="en-US" dirty="0"/>
-              <a:t>给出许多代码、实际生活工作科研中使用的带来方便的</a:t>
-            </a:r>
-            <a:r>
-              <a:rPr lang="zh-CN" altLang="en-US" dirty="0" smtClean="0"/>
-              <a:t>案例</a:t>
+              <a:rPr lang="zh-CN" altLang="en-US" dirty="0" smtClean="0"/>
+              <a:t>机器学习：如经典机器学习算法库</a:t>
+            </a:r>
+            <a:r>
+              <a:rPr lang="en-US" altLang="zh-CN" dirty="0" err="1" smtClean="0"/>
+              <a:t>scikit</a:t>
+            </a:r>
+            <a:r>
+              <a:rPr lang="en-US" altLang="zh-CN" dirty="0" smtClean="0"/>
+              <a:t>-learn   </a:t>
+            </a:r>
+            <a:r>
+              <a:rPr lang="zh-CN" altLang="en-US" dirty="0" smtClean="0"/>
+              <a:t>神经网络库</a:t>
+            </a:r>
+            <a:r>
+              <a:rPr lang="en-US" altLang="zh-CN" dirty="0" err="1" smtClean="0"/>
+              <a:t>tensorflow</a:t>
             </a:r>
             <a:endParaRPr lang="en-US" altLang="zh-CN" dirty="0" smtClean="0"/>
           </a:p>
           <a:p>
             <a:r>
-              <a:rPr lang="zh-CN" altLang="en-US" dirty="0"/>
-              <a:t>计算处理数据、数据可视化：（如</a:t>
-            </a:r>
-            <a:r>
-              <a:rPr lang="en-US" altLang="zh-CN" dirty="0" err="1"/>
-              <a:t>matplot</a:t>
-            </a:r>
-            <a:r>
-              <a:rPr lang="en-US" altLang="zh-CN" dirty="0"/>
-              <a:t>, </a:t>
-            </a:r>
-            <a:r>
-              <a:rPr lang="en-US" altLang="zh-CN" dirty="0" err="1"/>
-              <a:t>numpy</a:t>
-            </a:r>
-            <a:r>
-              <a:rPr lang="en-US" altLang="zh-CN" dirty="0"/>
-              <a:t>, </a:t>
-            </a:r>
-            <a:r>
-              <a:rPr lang="en-US" altLang="zh-CN" dirty="0" err="1"/>
-              <a:t>tensorflow</a:t>
-            </a:r>
-            <a:r>
-              <a:rPr lang="zh-CN" altLang="en-US" dirty="0"/>
-              <a:t>）</a:t>
-            </a:r>
-            <a:r>
-              <a:rPr lang="en-US" altLang="zh-CN" dirty="0"/>
-              <a:t>(excel</a:t>
-            </a:r>
-            <a:r>
-              <a:rPr lang="zh-CN" altLang="en-US" dirty="0"/>
-              <a:t>简单处理</a:t>
-            </a:r>
-            <a:r>
-              <a:rPr lang="en-US" altLang="zh-CN" dirty="0" smtClean="0"/>
-              <a:t>)</a:t>
-            </a:r>
-          </a:p>
-          <a:p>
-            <a:r>
-              <a:rPr lang="zh-CN" altLang="en-US" dirty="0"/>
-              <a:t>网络编程</a:t>
-            </a:r>
-            <a:r>
-              <a:rPr lang="zh-CN" altLang="en-US" dirty="0" smtClean="0"/>
-              <a:t>：网站测试、</a:t>
-            </a:r>
-            <a:r>
-              <a:rPr lang="zh-CN" altLang="en-US" dirty="0"/>
-              <a:t>简单的网站</a:t>
-            </a:r>
-            <a:endParaRPr lang="en-US" altLang="zh-CN" dirty="0" smtClean="0"/>
+              <a:rPr lang="zh-CN" altLang="en-US" dirty="0" smtClean="0"/>
+              <a:t>网站自动化测试：</a:t>
+            </a:r>
+            <a:r>
+              <a:rPr lang="zh-CN" altLang="en-US" dirty="0"/>
+              <a:t>如</a:t>
+            </a:r>
+            <a:r>
+              <a:rPr lang="en-US" altLang="zh-CN" dirty="0" smtClean="0"/>
+              <a:t>selenium</a:t>
+            </a:r>
           </a:p>
           <a:p>
             <a:endParaRPr lang="zh-CN" altLang="en-US" dirty="0"/>
@@ -12955,6 +13214,13 @@
   <p:clrMapOvr>
     <a:masterClrMapping/>
   </p:clrMapOvr>
+  <p:timing>
+    <p:tnLst>
+      <p:par>
+        <p:cTn id="1" dur="indefinite" restart="never" nodeType="tmRoot"/>
+      </p:par>
+    </p:tnLst>
+  </p:timing>
 </p:sld>
 </file>
 
@@ -13183,6 +13449,13 @@
   <p:clrMapOvr>
     <a:masterClrMapping/>
   </p:clrMapOvr>
+  <p:timing>
+    <p:tnLst>
+      <p:par>
+        <p:cTn id="1" dur="indefinite" restart="never" nodeType="tmRoot"/>
+      </p:par>
+    </p:tnLst>
+  </p:timing>
 </p:sld>
 </file>
 
@@ -13485,6 +13758,13 @@
   <p:clrMapOvr>
     <a:masterClrMapping/>
   </p:clrMapOvr>
+  <p:timing>
+    <p:tnLst>
+      <p:par>
+        <p:cTn id="1" dur="indefinite" restart="never" nodeType="tmRoot"/>
+      </p:par>
+    </p:tnLst>
+  </p:timing>
 </p:sld>
 </file>
 
@@ -13681,6 +13961,13 @@
   <p:clrMapOvr>
     <a:masterClrMapping/>
   </p:clrMapOvr>
+  <p:timing>
+    <p:tnLst>
+      <p:par>
+        <p:cTn id="1" dur="indefinite" restart="never" nodeType="tmRoot"/>
+      </p:par>
+    </p:tnLst>
+  </p:timing>
 </p:sld>
 </file>
 
@@ -13973,6 +14260,13 @@
   <p:clrMapOvr>
     <a:masterClrMapping/>
   </p:clrMapOvr>
+  <p:timing>
+    <p:tnLst>
+      <p:par>
+        <p:cTn id="1" dur="indefinite" restart="never" nodeType="tmRoot"/>
+      </p:par>
+    </p:tnLst>
+  </p:timing>
 </p:sld>
 </file>
 
@@ -14419,6 +14713,13 @@
   <p:clrMapOvr>
     <a:masterClrMapping/>
   </p:clrMapOvr>
+  <p:timing>
+    <p:tnLst>
+      <p:par>
+        <p:cTn id="1" dur="indefinite" restart="never" nodeType="tmRoot"/>
+      </p:par>
+    </p:tnLst>
+  </p:timing>
 </p:sld>
 </file>
 
@@ -14854,6 +15155,13 @@
   <p:clrMapOvr>
     <a:masterClrMapping/>
   </p:clrMapOvr>
+  <p:timing>
+    <p:tnLst>
+      <p:par>
+        <p:cTn id="1" dur="indefinite" restart="never" nodeType="tmRoot"/>
+      </p:par>
+    </p:tnLst>
+  </p:timing>
 </p:sld>
 </file>
 
@@ -15035,6 +15343,13 @@
   <p:clrMapOvr>
     <a:masterClrMapping/>
   </p:clrMapOvr>
+  <p:timing>
+    <p:tnLst>
+      <p:par>
+        <p:cTn id="1" dur="indefinite" restart="never" nodeType="tmRoot"/>
+      </p:par>
+    </p:tnLst>
+  </p:timing>
 </p:sld>
 </file>
 
@@ -15301,6 +15616,13 @@
   <p:clrMapOvr>
     <a:masterClrMapping/>
   </p:clrMapOvr>
+  <p:timing>
+    <p:tnLst>
+      <p:par>
+        <p:cTn id="1" dur="indefinite" restart="never" nodeType="tmRoot"/>
+      </p:par>
+    </p:tnLst>
+  </p:timing>
 </p:sld>
 </file>
 
@@ -15505,6 +15827,13 @@
   <p:clrMapOvr>
     <a:masterClrMapping/>
   </p:clrMapOvr>
+  <p:timing>
+    <p:tnLst>
+      <p:par>
+        <p:cTn id="1" dur="indefinite" restart="never" nodeType="tmRoot"/>
+      </p:par>
+    </p:tnLst>
+  </p:timing>
 </p:sld>
 </file>
 
@@ -15810,6 +16139,13 @@
   <p:clrMapOvr>
     <a:masterClrMapping/>
   </p:clrMapOvr>
+  <p:timing>
+    <p:tnLst>
+      <p:par>
+        <p:cTn id="1" dur="indefinite" restart="never" nodeType="tmRoot"/>
+      </p:par>
+    </p:tnLst>
+  </p:timing>
 </p:sld>
 </file>
 
@@ -15874,11 +16210,43 @@
           <a:p>
             <a:r>
               <a:rPr lang="en-US" altLang="zh-CN" dirty="0"/>
+              <a:t>p</a:t>
+            </a:r>
+            <a:r>
+              <a:rPr lang="en-US" altLang="zh-CN" dirty="0" smtClean="0"/>
+              <a:t>ython</a:t>
+            </a:r>
+            <a:r>
+              <a:rPr lang="zh-CN" altLang="en-US" dirty="0" smtClean="0"/>
+              <a:t>语言的描述和</a:t>
+            </a:r>
+            <a:r>
+              <a:rPr lang="en-US" altLang="zh-CN" dirty="0" smtClean="0"/>
               <a:t>python</a:t>
             </a:r>
             <a:r>
-              <a:rPr lang="zh-CN" altLang="en-US" dirty="0"/>
-              <a:t>解释器的原因部分和语言设计的原因部分</a:t>
+              <a:rPr lang="zh-CN" altLang="en-US" dirty="0" smtClean="0"/>
+              <a:t>解释器的解释执行</a:t>
+            </a:r>
+            <a:r>
+              <a:rPr lang="en-US" altLang="zh-CN" dirty="0" smtClean="0"/>
+              <a:t>(</a:t>
+            </a:r>
+            <a:r>
+              <a:rPr lang="zh-CN" altLang="en-US" dirty="0" smtClean="0"/>
+              <a:t>包括调用运行速度更快的</a:t>
+            </a:r>
+            <a:r>
+              <a:rPr lang="en-US" altLang="zh-CN" dirty="0" smtClean="0"/>
+              <a:t>c</a:t>
+            </a:r>
+            <a:r>
+              <a:rPr lang="zh-CN" altLang="en-US" dirty="0" smtClean="0"/>
+              <a:t>语言实现模块</a:t>
+            </a:r>
+            <a:r>
+              <a:rPr lang="en-US" altLang="zh-CN" dirty="0" smtClean="0"/>
+              <a:t>)</a:t>
             </a:r>
           </a:p>
         </p:txBody>
@@ -15893,6 +16261,13 @@
   <p:clrMapOvr>
     <a:masterClrMapping/>
   </p:clrMapOvr>
+  <p:timing>
+    <p:tnLst>
+      <p:par>
+        <p:cTn id="1" dur="indefinite" restart="never" nodeType="tmRoot"/>
+      </p:par>
+    </p:tnLst>
+  </p:timing>
 </p:sld>
 </file>
 
@@ -16100,6 +16475,13 @@
   <p:clrMapOvr>
     <a:masterClrMapping/>
   </p:clrMapOvr>
+  <p:timing>
+    <p:tnLst>
+      <p:par>
+        <p:cTn id="1" dur="indefinite" restart="never" nodeType="tmRoot"/>
+      </p:par>
+    </p:tnLst>
+  </p:timing>
 </p:sld>
 </file>
 
@@ -16339,6 +16721,13 @@
   <p:clrMapOvr>
     <a:masterClrMapping/>
   </p:clrMapOvr>
+  <p:timing>
+    <p:tnLst>
+      <p:par>
+        <p:cTn id="1" dur="indefinite" restart="never" nodeType="tmRoot"/>
+      </p:par>
+    </p:tnLst>
+  </p:timing>
 </p:sld>
 </file>
 
@@ -16600,6 +16989,13 @@
   <p:clrMapOvr>
     <a:masterClrMapping/>
   </p:clrMapOvr>
+  <p:timing>
+    <p:tnLst>
+      <p:par>
+        <p:cTn id="1" dur="indefinite" restart="never" nodeType="tmRoot"/>
+      </p:par>
+    </p:tnLst>
+  </p:timing>
 </p:sld>
 </file>
 
@@ -16715,6 +17111,13 @@
   <p:clrMapOvr>
     <a:masterClrMapping/>
   </p:clrMapOvr>
+  <p:timing>
+    <p:tnLst>
+      <p:par>
+        <p:cTn id="1" dur="indefinite" restart="never" nodeType="tmRoot"/>
+      </p:par>
+    </p:tnLst>
+  </p:timing>
 </p:sld>
 </file>
 
@@ -17222,6 +17625,13 @@
   <p:clrMapOvr>
     <a:masterClrMapping/>
   </p:clrMapOvr>
+  <p:timing>
+    <p:tnLst>
+      <p:par>
+        <p:cTn id="1" dur="indefinite" restart="never" nodeType="tmRoot"/>
+      </p:par>
+    </p:tnLst>
+  </p:timing>
 </p:sld>
 </file>
 
@@ -17545,6 +17955,13 @@
   <p:clrMapOvr>
     <a:masterClrMapping/>
   </p:clrMapOvr>
+  <p:timing>
+    <p:tnLst>
+      <p:par>
+        <p:cTn id="1" dur="indefinite" restart="never" nodeType="tmRoot"/>
+      </p:par>
+    </p:tnLst>
+  </p:timing>
 </p:sld>
 </file>
 
@@ -17663,6 +18080,13 @@
   <p:clrMapOvr>
     <a:masterClrMapping/>
   </p:clrMapOvr>
+  <p:timing>
+    <p:tnLst>
+      <p:par>
+        <p:cTn id="1" dur="indefinite" restart="never" nodeType="tmRoot"/>
+      </p:par>
+    </p:tnLst>
+  </p:timing>
 </p:sld>
 </file>
 
@@ -17808,6 +18232,13 @@
   <p:clrMapOvr>
     <a:masterClrMapping/>
   </p:clrMapOvr>
+  <p:timing>
+    <p:tnLst>
+      <p:par>
+        <p:cTn id="1" dur="indefinite" restart="never" nodeType="tmRoot"/>
+      </p:par>
+    </p:tnLst>
+  </p:timing>
 </p:sld>
 </file>
 
@@ -18003,6 +18434,13 @@
   <p:clrMapOvr>
     <a:masterClrMapping/>
   </p:clrMapOvr>
+  <p:timing>
+    <p:tnLst>
+      <p:par>
+        <p:cTn id="1" dur="indefinite" restart="never" nodeType="tmRoot"/>
+      </p:par>
+    </p:tnLst>
+  </p:timing>
 </p:sld>
 </file>
 
@@ -18329,6 +18767,13 @@
   <p:clrMapOvr>
     <a:masterClrMapping/>
   </p:clrMapOvr>
+  <p:timing>
+    <p:tnLst>
+      <p:par>
+        <p:cTn id="1" dur="indefinite" restart="never" nodeType="tmRoot"/>
+      </p:par>
+    </p:tnLst>
+  </p:timing>
 </p:sld>
 </file>
 
@@ -18400,20 +18845,142 @@
           <a:lstStyle/>
           <a:p>
             <a:r>
-              <a:rPr lang="zh-CN" altLang="en-US" dirty="0"/>
-              <a:t>语言特点和解释器</a:t>
-            </a:r>
-            <a:r>
-              <a:rPr lang="zh-CN" altLang="en-US" dirty="0" smtClean="0"/>
-              <a:t>特点</a:t>
+              <a:rPr lang="zh-CN" altLang="en-US" dirty="0" smtClean="0"/>
+              <a:t>语言</a:t>
+            </a:r>
+            <a:r>
+              <a:rPr lang="zh-CN" altLang="en-US" dirty="0"/>
+              <a:t>简洁，</a:t>
+            </a:r>
+            <a:r>
+              <a:rPr lang="zh-CN" altLang="en-US" dirty="0" smtClean="0"/>
+              <a:t>数据结构丰富且定义</a:t>
+            </a:r>
+            <a:r>
+              <a:rPr lang="zh-CN" altLang="en-US" dirty="0"/>
+              <a:t>方便，模块多，开发效率高</a:t>
             </a:r>
             <a:endParaRPr lang="en-US" altLang="zh-CN" dirty="0" smtClean="0"/>
           </a:p>
           <a:p>
             <a:r>
-              <a:rPr lang="zh-CN" altLang="en-US" dirty="0" smtClean="0"/>
-              <a:t>运行效果</a:t>
-            </a:r>
+              <a:rPr lang="zh-CN" altLang="en-US" dirty="0"/>
+              <a:t>计算</a:t>
+            </a:r>
+            <a:r>
+              <a:rPr lang="zh-CN" altLang="en-US" dirty="0" smtClean="0"/>
+              <a:t>速度的弥补：通过</a:t>
+            </a:r>
+            <a:r>
+              <a:rPr lang="en-US" altLang="zh-CN" dirty="0" err="1" smtClean="0"/>
+              <a:t>ctypes</a:t>
+            </a:r>
+            <a:r>
+              <a:rPr lang="zh-CN" altLang="en-US" dirty="0" smtClean="0"/>
+              <a:t>模块加载</a:t>
+            </a:r>
+            <a:r>
+              <a:rPr lang="en-US" altLang="zh-CN" dirty="0" smtClean="0"/>
+              <a:t>c</a:t>
+            </a:r>
+            <a:r>
+              <a:rPr lang="zh-CN" altLang="en-US" dirty="0" smtClean="0"/>
+              <a:t>的动态库</a:t>
+            </a:r>
+            <a:r>
+              <a:rPr lang="en-US" altLang="zh-CN" dirty="0" smtClean="0"/>
+              <a:t>so</a:t>
+            </a:r>
+            <a:r>
+              <a:rPr lang="zh-CN" altLang="en-US" dirty="0" smtClean="0"/>
+              <a:t>文件来调用</a:t>
+            </a:r>
+            <a:r>
+              <a:rPr lang="en-US" altLang="zh-CN" dirty="0" smtClean="0"/>
+              <a:t>c</a:t>
+            </a:r>
+            <a:r>
+              <a:rPr lang="zh-CN" altLang="en-US" dirty="0" smtClean="0"/>
+              <a:t>函数</a:t>
+            </a:r>
+            <a:endParaRPr lang="en-US" altLang="zh-CN" dirty="0" smtClean="0"/>
+          </a:p>
+          <a:p>
+            <a:r>
+              <a:rPr lang="zh-CN" altLang="en-US" dirty="0" smtClean="0"/>
+              <a:t>可移植性：</a:t>
+            </a:r>
+            <a:r>
+              <a:rPr lang="en-US" altLang="zh-CN" dirty="0" smtClean="0"/>
+              <a:t>Linux</a:t>
+            </a:r>
+            <a:r>
+              <a:rPr lang="zh-CN" altLang="en-US" dirty="0"/>
+              <a:t>、</a:t>
+            </a:r>
+            <a:r>
+              <a:rPr lang="en-US" altLang="zh-CN" dirty="0"/>
+              <a:t>Windows</a:t>
+            </a:r>
+            <a:r>
+              <a:rPr lang="zh-CN" altLang="en-US" dirty="0"/>
+              <a:t>、</a:t>
+            </a:r>
+            <a:r>
+              <a:rPr lang="en-US" altLang="zh-CN" dirty="0"/>
+              <a:t>FreeBSD</a:t>
+            </a:r>
+            <a:r>
+              <a:rPr lang="zh-CN" altLang="en-US" dirty="0"/>
+              <a:t>、</a:t>
+            </a:r>
+            <a:r>
+              <a:rPr lang="en-US" altLang="zh-CN" dirty="0" smtClean="0"/>
+              <a:t>Macintosh…</a:t>
+            </a:r>
+          </a:p>
+          <a:p>
+            <a:r>
+              <a:rPr lang="zh-CN" altLang="en-US" dirty="0" smtClean="0"/>
+              <a:t>解释性：直接源代码执行，不用</a:t>
+            </a:r>
+            <a:r>
+              <a:rPr lang="zh-CN" altLang="en-US" dirty="0"/>
+              <a:t>担心编译连接问题，解释器会将</a:t>
+            </a:r>
+            <a:r>
+              <a:rPr lang="zh-CN" altLang="en-US" dirty="0" smtClean="0"/>
+              <a:t>源</a:t>
+            </a:r>
+            <a:r>
+              <a:rPr lang="zh-CN" altLang="en-US" dirty="0"/>
+              <a:t>代码</a:t>
+            </a:r>
+            <a:r>
+              <a:rPr lang="zh-CN" altLang="en-US" dirty="0" smtClean="0"/>
+              <a:t>转换</a:t>
+            </a:r>
+            <a:r>
+              <a:rPr lang="zh-CN" altLang="en-US" dirty="0"/>
+              <a:t>为字节码直至平台使用的机器语言</a:t>
+            </a:r>
+            <a:r>
+              <a:rPr lang="zh-CN" altLang="en-US" dirty="0" smtClean="0"/>
+              <a:t>。</a:t>
+            </a:r>
+            <a:endParaRPr lang="en-US" altLang="zh-CN" dirty="0" smtClean="0"/>
+          </a:p>
+          <a:p>
+            <a:r>
+              <a:rPr lang="zh-CN" altLang="en-US" dirty="0" smtClean="0"/>
+              <a:t>其他：面向对象、可嵌入</a:t>
+            </a:r>
+            <a:r>
+              <a:rPr lang="en-US" altLang="zh-CN" dirty="0" smtClean="0"/>
+              <a:t>…</a:t>
+            </a:r>
+          </a:p>
+          <a:p>
             <a:endParaRPr lang="zh-CN" altLang="en-US" dirty="0"/>
           </a:p>
         </p:txBody>
@@ -18428,6 +18995,13 @@
   <p:clrMapOvr>
     <a:masterClrMapping/>
   </p:clrMapOvr>
+  <p:timing>
+    <p:tnLst>
+      <p:par>
+        <p:cTn id="1" dur="indefinite" restart="never" nodeType="tmRoot"/>
+      </p:par>
+    </p:tnLst>
+  </p:timing>
 </p:sld>
 </file>
 
@@ -18609,6 +19183,13 @@
   <p:clrMapOvr>
     <a:masterClrMapping/>
   </p:clrMapOvr>
+  <p:timing>
+    <p:tnLst>
+      <p:par>
+        <p:cTn id="1" dur="indefinite" restart="never" nodeType="tmRoot"/>
+      </p:par>
+    </p:tnLst>
+  </p:timing>
 </p:sld>
 </file>
 
@@ -18879,6 +19460,13 @@
   <p:clrMapOvr>
     <a:masterClrMapping/>
   </p:clrMapOvr>
+  <p:timing>
+    <p:tnLst>
+      <p:par>
+        <p:cTn id="1" dur="indefinite" restart="never" nodeType="tmRoot"/>
+      </p:par>
+    </p:tnLst>
+  </p:timing>
 </p:sld>
 </file>
 
@@ -19039,6 +19627,13 @@
   <p:clrMapOvr>
     <a:masterClrMapping/>
   </p:clrMapOvr>
+  <p:timing>
+    <p:tnLst>
+      <p:par>
+        <p:cTn id="1" dur="indefinite" restart="never" nodeType="tmRoot"/>
+      </p:par>
+    </p:tnLst>
+  </p:timing>
 </p:sld>
 </file>
 
@@ -19361,6 +19956,13 @@
   <p:clrMapOvr>
     <a:masterClrMapping/>
   </p:clrMapOvr>
+  <p:timing>
+    <p:tnLst>
+      <p:par>
+        <p:cTn id="1" dur="indefinite" restart="never" nodeType="tmRoot"/>
+      </p:par>
+    </p:tnLst>
+  </p:timing>
 </p:sld>
 </file>
 
@@ -19697,6 +20299,13 @@
   <p:clrMapOvr>
     <a:masterClrMapping/>
   </p:clrMapOvr>
+  <p:timing>
+    <p:tnLst>
+      <p:par>
+        <p:cTn id="1" dur="indefinite" restart="never" nodeType="tmRoot"/>
+      </p:par>
+    </p:tnLst>
+  </p:timing>
 </p:sld>
 </file>
 
@@ -20089,11 +20698,7 @@
             <a:pPr lvl="1"/>
             <a:r>
               <a:rPr lang="en-US" altLang="zh-CN" dirty="0" smtClean="0"/>
-              <a:t>a</a:t>
-            </a:r>
-            <a:r>
-              <a:rPr lang="en-US" altLang="zh-CN" dirty="0" smtClean="0"/>
-              <a:t>ction: collect() count()  first() </a:t>
+              <a:t>action: collect() count()  first() </a:t>
             </a:r>
             <a:r>
               <a:rPr lang="en-US" altLang="zh-CN" dirty="0" err="1" smtClean="0"/>
@@ -20141,7 +20746,6 @@
               <a:rPr lang="en-US" altLang="zh-CN" dirty="0" smtClean="0"/>
               <a:t>app.py</a:t>
             </a:r>
-            <a:endParaRPr lang="en-US" altLang="zh-CN" dirty="0" smtClean="0"/>
           </a:p>
           <a:p>
             <a:pPr lvl="1"/>
@@ -20162,6 +20766,13 @@
   <p:clrMapOvr>
     <a:masterClrMapping/>
   </p:clrMapOvr>
+  <p:timing>
+    <p:tnLst>
+      <p:par>
+        <p:cTn id="1" dur="indefinite" restart="never" nodeType="tmRoot"/>
+      </p:par>
+    </p:tnLst>
+  </p:timing>
 </p:sld>
 </file>
 
@@ -20351,6 +20962,13 @@
   <p:clrMapOvr>
     <a:masterClrMapping/>
   </p:clrMapOvr>
+  <p:timing>
+    <p:tnLst>
+      <p:par>
+        <p:cTn id="1" dur="indefinite" restart="never" nodeType="tmRoot"/>
+      </p:par>
+    </p:tnLst>
+  </p:timing>
 </p:sld>
 </file>
 
@@ -20652,6 +21270,13 @@
   <p:clrMapOvr>
     <a:masterClrMapping/>
   </p:clrMapOvr>
+  <p:timing>
+    <p:tnLst>
+      <p:par>
+        <p:cTn id="1" dur="indefinite" restart="never" nodeType="tmRoot"/>
+      </p:par>
+    </p:tnLst>
+  </p:timing>
 </p:sld>
 </file>
 
@@ -20929,6 +21554,13 @@
   <p:clrMapOvr>
     <a:masterClrMapping/>
   </p:clrMapOvr>
+  <p:timing>
+    <p:tnLst>
+      <p:par>
+        <p:cTn id="1" dur="indefinite" restart="never" nodeType="tmRoot"/>
+      </p:par>
+    </p:tnLst>
+  </p:timing>
 </p:sld>
 </file>
 
@@ -21099,6 +21731,13 @@
   <p:clrMapOvr>
     <a:masterClrMapping/>
   </p:clrMapOvr>
+  <p:timing>
+    <p:tnLst>
+      <p:par>
+        <p:cTn id="1" dur="indefinite" restart="never" nodeType="tmRoot"/>
+      </p:par>
+    </p:tnLst>
+  </p:timing>
 </p:sld>
 </file>
 
@@ -21136,16 +21775,158 @@
           <a:p>
             <a:r>
               <a:rPr lang="en-US" altLang="zh-CN" dirty="0"/>
-              <a:t>python</a:t>
-            </a:r>
-            <a:r>
-              <a:rPr lang="zh-CN" altLang="en-US" dirty="0"/>
-              <a:t>不能解决什么</a:t>
-            </a:r>
-            <a:r>
-              <a:rPr lang="zh-CN" altLang="en-US" dirty="0" smtClean="0"/>
-              <a:t>问题？</a:t>
-            </a:r>
+              <a:t>p</a:t>
+            </a:r>
+            <a:r>
+              <a:rPr lang="en-US" altLang="zh-CN" dirty="0" smtClean="0"/>
+              <a:t>ython</a:t>
+            </a:r>
+            <a:r>
+              <a:rPr lang="zh-CN" altLang="en-US" dirty="0" smtClean="0"/>
+              <a:t>的缺点？</a:t>
+            </a:r>
+            <a:endParaRPr lang="zh-CN" altLang="en-US" dirty="0"/>
+          </a:p>
+        </p:txBody>
+      </p:sp>
+      <p:sp>
+        <p:nvSpPr>
+          <p:cNvPr id="3" name="内容占位符 2"/>
+          <p:cNvSpPr>
+            <a:spLocks noGrp="1"/>
+          </p:cNvSpPr>
+          <p:nvPr>
+            <p:ph idx="1"/>
+          </p:nvPr>
+        </p:nvSpPr>
+        <p:spPr>
+          <a:xfrm>
+            <a:off x="2589212" y="1905000"/>
+            <a:ext cx="8915400" cy="3777622"/>
+          </a:xfrm>
+        </p:spPr>
+        <p:txBody>
+          <a:bodyPr/>
+          <a:lstStyle/>
+          <a:p>
+            <a:pPr marL="0" indent="0">
+              <a:buNone/>
+            </a:pPr>
+            <a:endParaRPr lang="en-US" altLang="zh-CN" dirty="0" smtClean="0"/>
+          </a:p>
+          <a:p>
+            <a:r>
+              <a:rPr lang="zh-CN" altLang="en-US" dirty="0" smtClean="0"/>
+              <a:t>本身的运行速度不快</a:t>
+            </a:r>
+            <a:endParaRPr lang="en-US" altLang="zh-CN" dirty="0" smtClean="0"/>
+          </a:p>
+          <a:p>
+            <a:r>
+              <a:rPr lang="en-US" altLang="zh-CN" dirty="0"/>
+              <a:t>p</a:t>
+            </a:r>
+            <a:r>
+              <a:rPr lang="en-US" altLang="zh-CN" dirty="0" smtClean="0"/>
+              <a:t>ython</a:t>
+            </a:r>
+            <a:r>
+              <a:rPr lang="zh-CN" altLang="en-US" dirty="0"/>
+              <a:t>语言不能</a:t>
+            </a:r>
+            <a:r>
+              <a:rPr lang="zh-CN" altLang="en-US" dirty="0" smtClean="0"/>
+              <a:t>加密</a:t>
+            </a:r>
+            <a:endParaRPr lang="en-US" altLang="zh-CN" dirty="0" smtClean="0"/>
+          </a:p>
+          <a:p>
+            <a:r>
+              <a:rPr lang="zh-CN" altLang="en-US" dirty="0" smtClean="0"/>
+              <a:t>语法强制用空白缩进</a:t>
+            </a:r>
+            <a:r>
+              <a:rPr lang="zh-CN" altLang="en-US" dirty="0"/>
+              <a:t>使</a:t>
+            </a:r>
+            <a:r>
+              <a:rPr lang="zh-CN" altLang="en-US" dirty="0" smtClean="0"/>
+              <a:t>结构层次直觉上不太明确</a:t>
+            </a:r>
+            <a:endParaRPr lang="en-US" altLang="zh-CN" dirty="0" smtClean="0"/>
+          </a:p>
+          <a:p>
+            <a:r>
+              <a:rPr lang="zh-CN" altLang="en-US" dirty="0" smtClean="0"/>
+              <a:t>不能直接定义匿名函数</a:t>
+            </a:r>
+            <a:endParaRPr lang="zh-CN" altLang="en-US" dirty="0"/>
+          </a:p>
+        </p:txBody>
+      </p:sp>
+    </p:spTree>
+    <p:extLst>
+      <p:ext uri="{BB962C8B-B14F-4D97-AF65-F5344CB8AC3E}">
+        <p14:creationId xmlns:p14="http://schemas.microsoft.com/office/powerpoint/2010/main" val="1136852827"/>
+      </p:ext>
+    </p:extLst>
+  </p:cSld>
+  <p:clrMapOvr>
+    <a:masterClrMapping/>
+  </p:clrMapOvr>
+  <p:timing>
+    <p:tnLst>
+      <p:par>
+        <p:cTn id="1" dur="indefinite" restart="never" nodeType="tmRoot"/>
+      </p:par>
+    </p:tnLst>
+  </p:timing>
+</p:sld>
+</file>
+
+<file path=ppt/slides/slide60.xml><?xml version="1.0" encoding="utf-8"?>
+<p:sld xmlns:a="http://schemas.openxmlformats.org/drawingml/2006/main" xmlns:r="http://schemas.openxmlformats.org/officeDocument/2006/relationships" xmlns:p="http://schemas.openxmlformats.org/presentationml/2006/main">
+  <p:cSld>
+    <p:spTree>
+      <p:nvGrpSpPr>
+        <p:cNvPr id="1" name=""/>
+        <p:cNvGrpSpPr/>
+        <p:nvPr/>
+      </p:nvGrpSpPr>
+      <p:grpSpPr>
+        <a:xfrm>
+          <a:off x="0" y="0"/>
+          <a:ext cx="0" cy="0"/>
+          <a:chOff x="0" y="0"/>
+          <a:chExt cx="0" cy="0"/>
+        </a:xfrm>
+      </p:grpSpPr>
+      <p:sp>
+        <p:nvSpPr>
+          <p:cNvPr id="2" name="标题 1"/>
+          <p:cNvSpPr>
+            <a:spLocks noGrp="1"/>
+          </p:cNvSpPr>
+          <p:nvPr>
+            <p:ph type="title"/>
+          </p:nvPr>
+        </p:nvSpPr>
+        <p:spPr/>
+        <p:txBody>
+          <a:bodyPr/>
+          <a:lstStyle/>
+          <a:p>
+            <a:r>
+              <a:rPr lang="zh-CN" altLang="en-US" dirty="0" smtClean="0"/>
+              <a:t>参考资料</a:t>
+            </a:r>
+            <a:r>
+              <a:rPr lang="en-US" altLang="zh-CN" dirty="0" smtClean="0"/>
+              <a:t/>
+            </a:r>
+            <a:br>
+              <a:rPr lang="en-US" altLang="zh-CN" dirty="0" smtClean="0"/>
+            </a:br>
             <a:endParaRPr lang="zh-CN" altLang="en-US" dirty="0"/>
           </a:p>
         </p:txBody>
@@ -21166,22 +21947,50 @@
           <a:lstStyle/>
           <a:p>
             <a:r>
-              <a:rPr lang="zh-CN" altLang="en-US" dirty="0"/>
-              <a:t>不建议用来解决什么问题，相对的，特性决定的</a:t>
-            </a:r>
+              <a:rPr lang="en-US" altLang="zh-CN" dirty="0">
+                <a:hlinkClick r:id="rId2"/>
+              </a:rPr>
+              <a:t>https://</a:t>
+            </a:r>
+            <a:r>
+              <a:rPr lang="en-US" altLang="zh-CN" dirty="0" smtClean="0">
+                <a:hlinkClick r:id="rId2"/>
+              </a:rPr>
+              <a:t>www.cnblogs.com/huanjing/p/6701396.html</a:t>
+            </a:r>
+            <a:r>
+              <a:rPr lang="en-US" altLang="zh-CN" dirty="0" smtClean="0"/>
+              <a:t>(</a:t>
+            </a:r>
+            <a:r>
+              <a:rPr lang="zh-CN" altLang="en-US" dirty="0" smtClean="0"/>
+              <a:t>大数据模块</a:t>
+            </a:r>
+            <a:r>
+              <a:rPr lang="en-US" altLang="zh-CN" dirty="0" smtClean="0"/>
+              <a:t>pandas)</a:t>
+            </a:r>
+            <a:endParaRPr lang="zh-CN" altLang="en-US" dirty="0"/>
           </a:p>
         </p:txBody>
       </p:sp>
     </p:spTree>
     <p:extLst>
       <p:ext uri="{BB962C8B-B14F-4D97-AF65-F5344CB8AC3E}">
-        <p14:creationId xmlns:p14="http://schemas.microsoft.com/office/powerpoint/2010/main" val="1136852827"/>
+        <p14:creationId xmlns:p14="http://schemas.microsoft.com/office/powerpoint/2010/main" val="2903757371"/>
       </p:ext>
     </p:extLst>
   </p:cSld>
   <p:clrMapOvr>
     <a:masterClrMapping/>
   </p:clrMapOvr>
+  <p:timing>
+    <p:tnLst>
+      <p:par>
+        <p:cTn id="1" dur="indefinite" restart="never" nodeType="tmRoot"/>
+      </p:par>
+    </p:tnLst>
+  </p:timing>
 </p:sld>
 </file>
 
@@ -21418,6 +22227,13 @@
   <p:clrMapOvr>
     <a:masterClrMapping/>
   </p:clrMapOvr>
+  <p:timing>
+    <p:tnLst>
+      <p:par>
+        <p:cTn id="1" dur="indefinite" restart="never" nodeType="tmRoot"/>
+      </p:par>
+    </p:tnLst>
+  </p:timing>
 </p:sld>
 </file>
 
@@ -21643,6 +22459,13 @@
   <p:clrMapOvr>
     <a:masterClrMapping/>
   </p:clrMapOvr>
+  <p:timing>
+    <p:tnLst>
+      <p:par>
+        <p:cTn id="1" dur="indefinite" restart="never" nodeType="tmRoot"/>
+      </p:par>
+    </p:tnLst>
+  </p:timing>
 </p:sld>
 </file>
 
@@ -22804,6 +23627,13 @@
   <p:clrMapOvr>
     <a:masterClrMapping/>
   </p:clrMapOvr>
+  <p:timing>
+    <p:tnLst>
+      <p:par>
+        <p:cTn id="1" dur="indefinite" restart="never" nodeType="tmRoot"/>
+      </p:par>
+    </p:tnLst>
+  </p:timing>
 </p:sld>
 </file>
 

--- a/编程语言/python/Python基础入门知识分享.pptx
+++ b/编程语言/python/Python基础入门知识分享.pptx
@@ -56,14 +56,15 @@
     <p:sldId id="287" r:id="rId50"/>
     <p:sldId id="275" r:id="rId51"/>
     <p:sldId id="277" r:id="rId52"/>
-    <p:sldId id="280" r:id="rId53"/>
-    <p:sldId id="296" r:id="rId54"/>
-    <p:sldId id="288" r:id="rId55"/>
-    <p:sldId id="289" r:id="rId56"/>
-    <p:sldId id="276" r:id="rId57"/>
-    <p:sldId id="278" r:id="rId58"/>
-    <p:sldId id="279" r:id="rId59"/>
-    <p:sldId id="317" r:id="rId60"/>
+    <p:sldId id="318" r:id="rId53"/>
+    <p:sldId id="280" r:id="rId54"/>
+    <p:sldId id="296" r:id="rId55"/>
+    <p:sldId id="288" r:id="rId56"/>
+    <p:sldId id="289" r:id="rId57"/>
+    <p:sldId id="276" r:id="rId58"/>
+    <p:sldId id="278" r:id="rId59"/>
+    <p:sldId id="279" r:id="rId60"/>
+    <p:sldId id="317" r:id="rId61"/>
   </p:sldIdLst>
   <p:sldSz cx="12192000" cy="6858000"/>
   <p:notesSz cx="6858000" cy="9144000"/>
@@ -262,6 +263,7 @@
           <p14:sldIdLst>
             <p14:sldId id="275"/>
             <p14:sldId id="277"/>
+            <p14:sldId id="318"/>
             <p14:sldId id="280"/>
             <p14:sldId id="296"/>
             <p14:sldId id="288"/>
@@ -11454,6 +11456,10 @@
           <a:bodyPr/>
           <a:lstStyle/>
           <a:p>
+            <a:r>
+              <a:rPr lang="zh-CN" altLang="en-US" dirty="0" smtClean="0"/>
+              <a:t>函数内的名称表</a:t>
+            </a:r>
             <a:endParaRPr lang="zh-CN" altLang="en-US" dirty="0"/>
           </a:p>
         </p:txBody>
@@ -13237,8 +13243,16 @@
           </a:p>
           <a:p>
             <a:r>
-              <a:rPr lang="zh-CN" altLang="en-US" dirty="0" smtClean="0"/>
-              <a:t>处理数据、数据可视化：如</a:t>
+              <a:rPr lang="zh-CN" altLang="en-US" dirty="0"/>
+              <a:t>科学计算</a:t>
+            </a:r>
+            <a:r>
+              <a:rPr lang="zh-CN" altLang="en-US" dirty="0" smtClean="0"/>
+              <a:t>、</a:t>
+            </a:r>
+            <a:r>
+              <a:rPr lang="zh-CN" altLang="en-US" dirty="0" smtClean="0"/>
+              <a:t>数据可视化：如</a:t>
             </a:r>
             <a:r>
               <a:rPr lang="en-US" altLang="zh-CN" dirty="0" err="1" smtClean="0"/>
@@ -13251,6 +13265,17 @@
             <a:r>
               <a:rPr lang="en-US" altLang="zh-CN" dirty="0" err="1" smtClean="0"/>
               <a:t>matplotlib</a:t>
+            </a:r>
+            <a:endParaRPr lang="en-US" altLang="zh-CN" dirty="0" smtClean="0"/>
+          </a:p>
+          <a:p>
+            <a:r>
+              <a:rPr lang="zh-CN" altLang="en-US" dirty="0" smtClean="0"/>
+              <a:t>图像处理：</a:t>
+            </a:r>
+            <a:r>
+              <a:rPr lang="en-US" altLang="zh-CN" dirty="0" err="1" smtClean="0"/>
+              <a:t>opencv</a:t>
             </a:r>
             <a:endParaRPr lang="en-US" altLang="zh-CN" dirty="0" smtClean="0"/>
           </a:p>
@@ -19544,40 +19569,25 @@
         </p:nvSpPr>
         <p:spPr/>
         <p:txBody>
-          <a:bodyPr>
-            <a:normAutofit fontScale="90000"/>
-          </a:bodyPr>
+          <a:bodyPr/>
           <a:lstStyle/>
           <a:p>
             <a:r>
-              <a:rPr lang="en-US" altLang="zh-CN" dirty="0" smtClean="0"/>
-              <a:t>Socket</a:t>
-            </a:r>
-            <a:r>
-              <a:rPr lang="zh-CN" altLang="en-US" dirty="0" smtClean="0"/>
-              <a:t>编程</a:t>
-            </a:r>
-            <a:r>
-              <a:rPr lang="en-US" altLang="zh-CN" dirty="0" smtClean="0"/>
-              <a:t>(windows)</a:t>
-            </a:r>
-            <a:br>
-              <a:rPr lang="en-US" altLang="zh-CN" dirty="0" smtClean="0"/>
-            </a:br>
-            <a:r>
-              <a:rPr lang="en-US" altLang="zh-CN" dirty="0"/>
-              <a:t/>
-            </a:r>
-            <a:br>
-              <a:rPr lang="en-US" altLang="zh-CN" dirty="0"/>
-            </a:br>
-            <a:r>
-              <a:rPr lang="en-US" altLang="zh-CN" dirty="0" smtClean="0"/>
-              <a:t/>
-            </a:r>
-            <a:br>
-              <a:rPr lang="en-US" altLang="zh-CN" dirty="0" smtClean="0"/>
-            </a:br>
+              <a:rPr lang="en-US" altLang="zh-CN" dirty="0" err="1" smtClean="0"/>
+              <a:t>opencv</a:t>
+            </a:r>
+            <a:r>
+              <a:rPr lang="zh-CN" altLang="en-US" dirty="0" smtClean="0"/>
+              <a:t>图像处理</a:t>
+            </a:r>
+            <a:r>
+              <a:rPr lang="en-US" altLang="zh-CN" dirty="0" smtClean="0"/>
+              <a:t>-</a:t>
+            </a:r>
+            <a:r>
+              <a:rPr lang="zh-CN" altLang="en-US" dirty="0" smtClean="0"/>
+              <a:t>轮廓检测</a:t>
+            </a:r>
             <a:endParaRPr lang="zh-CN" altLang="en-US" dirty="0"/>
           </a:p>
         </p:txBody>
@@ -19594,32 +19604,85 @@
         </p:nvSpPr>
         <p:spPr/>
         <p:txBody>
-          <a:bodyPr/>
+          <a:bodyPr>
+            <a:normAutofit fontScale="85000" lnSpcReduction="20000"/>
+          </a:bodyPr>
           <a:lstStyle/>
           <a:p>
             <a:r>
               <a:rPr lang="zh-CN" altLang="en-US" dirty="0" smtClean="0"/>
-              <a:t>基本</a:t>
-            </a:r>
-            <a:r>
-              <a:rPr lang="en-US" altLang="zh-CN" dirty="0" smtClean="0"/>
-              <a:t>socket</a:t>
-            </a:r>
-            <a:r>
-              <a:rPr lang="zh-CN" altLang="en-US" dirty="0"/>
-              <a:t>编程：创建</a:t>
-            </a:r>
-            <a:r>
-              <a:rPr lang="en-US" altLang="zh-CN" dirty="0"/>
-              <a:t>socket</a:t>
-            </a:r>
-            <a:r>
-              <a:rPr lang="zh-CN" altLang="en-US" dirty="0"/>
-              <a:t>并</a:t>
-            </a:r>
-            <a:r>
-              <a:rPr lang="zh-CN" altLang="en-US" dirty="0" smtClean="0"/>
-              <a:t>初始化</a:t>
+              <a:t>依赖</a:t>
+            </a:r>
+            <a:r>
+              <a:rPr lang="zh-CN" altLang="en-US" dirty="0"/>
+              <a:t>安装</a:t>
+            </a:r>
+            <a:r>
+              <a:rPr lang="zh-CN" altLang="en-US" dirty="0" smtClean="0"/>
+              <a:t>：</a:t>
+            </a:r>
+            <a:r>
+              <a:rPr lang="en-US" altLang="zh-CN" dirty="0"/>
+              <a:t>pip install </a:t>
+            </a:r>
+            <a:r>
+              <a:rPr lang="en-US" altLang="zh-CN" dirty="0" err="1"/>
+              <a:t>opencv</a:t>
+            </a:r>
+            <a:r>
+              <a:rPr lang="en-US" altLang="zh-CN" dirty="0"/>
+              <a:t>-python  </a:t>
+            </a:r>
+            <a:r>
+              <a:rPr lang="en-US" altLang="zh-CN" dirty="0" smtClean="0"/>
+              <a:t/>
+            </a:r>
+            <a:br>
+              <a:rPr lang="en-US" altLang="zh-CN" dirty="0" smtClean="0"/>
+            </a:br>
+            <a:r>
+              <a:rPr lang="en-US" altLang="zh-CN" dirty="0" smtClean="0"/>
+              <a:t>				pip </a:t>
+            </a:r>
+            <a:r>
+              <a:rPr lang="en-US" altLang="zh-CN" dirty="0"/>
+              <a:t>install </a:t>
+            </a:r>
+            <a:r>
+              <a:rPr lang="en-US" altLang="zh-CN" dirty="0" err="1" smtClean="0"/>
+              <a:t>scikit</a:t>
+            </a:r>
+            <a:r>
+              <a:rPr lang="en-US" altLang="zh-CN" dirty="0" smtClean="0"/>
+              <a:t>-image</a:t>
+            </a:r>
+          </a:p>
+          <a:p>
+            <a:r>
+              <a:rPr lang="zh-CN" altLang="en-US" dirty="0" smtClean="0"/>
+              <a:t>轮廓检测方法：灰度</a:t>
+            </a:r>
+            <a:r>
+              <a:rPr lang="en-US" altLang="zh-CN" dirty="0" smtClean="0">
+                <a:sym typeface="Wingdings" panose="05000000000000000000" pitchFamily="2" charset="2"/>
+              </a:rPr>
+              <a:t>(</a:t>
+            </a:r>
+            <a:r>
+              <a:rPr lang="zh-CN" altLang="en-US" dirty="0" smtClean="0">
+                <a:sym typeface="Wingdings" panose="05000000000000000000" pitchFamily="2" charset="2"/>
+              </a:rPr>
+              <a:t>去噪</a:t>
+            </a:r>
+            <a:r>
+              <a:rPr lang="en-US" altLang="zh-CN" dirty="0" smtClean="0">
+                <a:sym typeface="Wingdings" panose="05000000000000000000" pitchFamily="2" charset="2"/>
+              </a:rPr>
+              <a:t>)</a:t>
+            </a:r>
+            <a:r>
+              <a:rPr lang="zh-CN" altLang="en-US" dirty="0" smtClean="0"/>
+              <a:t>计算</a:t>
             </a:r>
             <a:r>
               <a:rPr lang="en-US" altLang="zh-CN" dirty="0" smtClean="0">
@@ -19629,218 +19692,167 @@
             </a:r>
             <a:r>
               <a:rPr lang="zh-CN" altLang="en-US" dirty="0" smtClean="0"/>
-              <a:t>绑定</a:t>
-            </a:r>
-            <a:r>
-              <a:rPr lang="zh-CN" altLang="en-US" dirty="0"/>
-              <a:t>端口</a:t>
-            </a:r>
-            <a:r>
-              <a:rPr lang="en-US" altLang="zh-CN" dirty="0" err="1" smtClean="0"/>
-              <a:t>ip</a:t>
-            </a:r>
-            <a:r>
-              <a:rPr lang="en-US" altLang="zh-CN" dirty="0" smtClean="0">
-                <a:sym typeface="Wingdings" panose="05000000000000000000" pitchFamily="2" charset="2"/>
-              </a:rPr>
-              <a:t></a:t>
-            </a:r>
-            <a:r>
-              <a:rPr lang="zh-CN" altLang="en-US" dirty="0" smtClean="0"/>
-              <a:t>收发数据   </a:t>
-            </a:r>
-            <a:r>
-              <a:rPr lang="en-US" altLang="zh-CN" dirty="0" smtClean="0"/>
-              <a:t>client</a:t>
+              <a:t>绘制等值线</a:t>
+            </a:r>
+            <a:r>
+              <a:rPr lang="en-US" altLang="zh-CN" dirty="0" smtClean="0"/>
+              <a:t>contours</a:t>
+            </a:r>
+          </a:p>
+          <a:p>
+            <a:r>
+              <a:rPr lang="zh-CN" altLang="en-US" dirty="0" smtClean="0"/>
+              <a:t>例子：查找绘制图片的轮廓</a:t>
+            </a:r>
+            <a:r>
+              <a:rPr lang="en-US" altLang="zh-CN" dirty="0" smtClean="0"/>
+              <a:t>(10 </a:t>
+            </a:r>
+            <a:r>
+              <a:rPr lang="zh-CN" altLang="en-US" dirty="0" smtClean="0"/>
+              <a:t>行</a:t>
+            </a:r>
+            <a:r>
+              <a:rPr lang="en-US" altLang="zh-CN" dirty="0" smtClean="0"/>
+              <a:t>)</a:t>
+            </a:r>
+            <a:r>
+              <a:rPr lang="zh-CN" altLang="en-US" dirty="0" smtClean="0"/>
+              <a:t>、视频人脸动态捕捉</a:t>
+            </a:r>
+            <a:r>
+              <a:rPr lang="en-US" altLang="zh-CN" dirty="0" smtClean="0"/>
+              <a:t>(20</a:t>
+            </a:r>
+            <a:r>
+              <a:rPr lang="zh-CN" altLang="en-US" dirty="0" smtClean="0"/>
+              <a:t>行</a:t>
+            </a:r>
+            <a:r>
+              <a:rPr lang="en-US" altLang="zh-CN" dirty="0" smtClean="0"/>
+              <a:t>)</a:t>
             </a:r>
           </a:p>
           <a:p>
             <a:pPr lvl="1"/>
             <a:r>
-              <a:rPr lang="zh-CN" altLang="en-US" dirty="0" smtClean="0"/>
-              <a:t>创建：</a:t>
-            </a:r>
-            <a:r>
-              <a:rPr lang="en-US" altLang="zh-CN" dirty="0"/>
-              <a:t> </a:t>
-            </a:r>
+              <a:rPr lang="en-US" altLang="zh-CN" dirty="0" smtClean="0"/>
+              <a:t>import </a:t>
+            </a:r>
+            <a:r>
+              <a:rPr lang="en-US" altLang="zh-CN" dirty="0"/>
+              <a:t>cv2</a:t>
+            </a:r>
+          </a:p>
+          <a:p>
+            <a:pPr lvl="1"/>
             <a:r>
               <a:rPr lang="en-US" altLang="zh-CN" dirty="0" err="1"/>
-              <a:t>socket.socket</a:t>
-            </a:r>
-            <a:r>
-              <a:rPr lang="en-US" altLang="zh-CN" dirty="0"/>
-              <a:t>() </a:t>
-            </a:r>
+              <a:t>img</a:t>
+            </a:r>
+            <a:r>
+              <a:rPr lang="en-US" altLang="zh-CN" dirty="0"/>
+              <a:t> = cv2.imread('fang2.jpg')</a:t>
+            </a:r>
+          </a:p>
+          <a:p>
+            <a:pPr lvl="1"/>
+            <a:r>
+              <a:rPr lang="en-US" altLang="zh-CN" dirty="0"/>
+              <a:t>cv2.imshow("old", </a:t>
+            </a:r>
+            <a:r>
+              <a:rPr lang="en-US" altLang="zh-CN" dirty="0" err="1"/>
+              <a:t>img</a:t>
+            </a:r>
+            <a:r>
+              <a:rPr lang="en-US" altLang="zh-CN" dirty="0" smtClean="0"/>
+              <a:t>)</a:t>
+            </a:r>
+            <a:endParaRPr lang="zh-CN" altLang="en-US" dirty="0"/>
+          </a:p>
+          <a:p>
+            <a:pPr lvl="1"/>
+            <a:r>
+              <a:rPr lang="en-US" altLang="zh-CN" dirty="0"/>
+              <a:t>gray = cv2.cvtColor(</a:t>
+            </a:r>
+            <a:r>
+              <a:rPr lang="en-US" altLang="zh-CN" dirty="0" err="1"/>
+              <a:t>img</a:t>
+            </a:r>
+            <a:r>
+              <a:rPr lang="en-US" altLang="zh-CN" dirty="0"/>
+              <a:t>, cv2.COLOR_BGR2GRAY)</a:t>
+            </a:r>
+          </a:p>
+          <a:p>
+            <a:pPr lvl="1"/>
+            <a:r>
+              <a:rPr lang="en-US" altLang="zh-CN" dirty="0"/>
+              <a:t>ret, binary = cv2.threshold(gray, 127, 255, cv2.THRESH_BINARY)</a:t>
+            </a:r>
+          </a:p>
+          <a:p>
+            <a:pPr lvl="1"/>
+            <a:r>
+              <a:rPr lang="en-US" altLang="zh-CN" dirty="0"/>
+              <a:t>_, contours, hierarchy = cv2.findContours(binary, cv2.RETR_TREE, cv2.CHAIN_APPROX_SIMPLE)</a:t>
+            </a:r>
+          </a:p>
+          <a:p>
+            <a:pPr lvl="1"/>
+            <a:r>
+              <a:rPr lang="en-US" altLang="zh-CN" dirty="0"/>
+              <a:t>cv2.drawContours(</a:t>
+            </a:r>
+            <a:r>
+              <a:rPr lang="en-US" altLang="zh-CN" dirty="0" err="1"/>
+              <a:t>img</a:t>
+            </a:r>
+            <a:r>
+              <a:rPr lang="en-US" altLang="zh-CN" dirty="0"/>
+              <a:t>, contours, -1, (0, 0, 255), 3)</a:t>
+            </a:r>
+          </a:p>
+          <a:p>
+            <a:pPr lvl="1"/>
+            <a:r>
+              <a:rPr lang="en-US" altLang="zh-CN" dirty="0"/>
+              <a:t>cv2.imshow("new", </a:t>
+            </a:r>
+            <a:r>
+              <a:rPr lang="en-US" altLang="zh-CN" dirty="0" err="1"/>
+              <a:t>img</a:t>
+            </a:r>
+            <a:r>
+              <a:rPr lang="en-US" altLang="zh-CN" dirty="0"/>
+              <a:t>)</a:t>
+            </a:r>
+          </a:p>
+          <a:p>
+            <a:pPr lvl="1"/>
+            <a:r>
+              <a:rPr lang="en-US" altLang="zh-CN" dirty="0"/>
+              <a:t>cv2.waitKey(0)</a:t>
+            </a:r>
+            <a:endParaRPr lang="zh-CN" altLang="en-US" dirty="0"/>
+          </a:p>
+          <a:p>
             <a:endParaRPr lang="en-US" altLang="zh-CN" dirty="0" smtClean="0"/>
-          </a:p>
-          <a:p>
-            <a:r>
-              <a:rPr lang="zh-CN" altLang="en-US" dirty="0" smtClean="0"/>
-              <a:t>链路层的</a:t>
-            </a:r>
-            <a:r>
-              <a:rPr lang="en-US" altLang="zh-CN" dirty="0" smtClean="0"/>
-              <a:t>socket</a:t>
-            </a:r>
-            <a:r>
-              <a:rPr lang="zh-CN" altLang="en-US" dirty="0" smtClean="0"/>
-              <a:t>编程：</a:t>
-            </a:r>
-            <a:r>
-              <a:rPr lang="zh-CN" altLang="en-US" dirty="0"/>
-              <a:t>创建</a:t>
-            </a:r>
-            <a:r>
-              <a:rPr lang="en-US" altLang="zh-CN" dirty="0"/>
-              <a:t>socket</a:t>
-            </a:r>
-            <a:r>
-              <a:rPr lang="zh-CN" altLang="en-US" dirty="0"/>
-              <a:t>并</a:t>
-            </a:r>
-            <a:r>
-              <a:rPr lang="zh-CN" altLang="en-US" dirty="0" smtClean="0"/>
-              <a:t>初始化</a:t>
-            </a:r>
-            <a:r>
-              <a:rPr lang="en-US" altLang="zh-CN" dirty="0" smtClean="0">
-                <a:sym typeface="Wingdings" panose="05000000000000000000" pitchFamily="2" charset="2"/>
-              </a:rPr>
-              <a:t></a:t>
-            </a:r>
-            <a:r>
-              <a:rPr lang="zh-CN" altLang="en-US" dirty="0" smtClean="0">
-                <a:sym typeface="Wingdings" panose="05000000000000000000" pitchFamily="2" charset="2"/>
-              </a:rPr>
-              <a:t>绑定收发地址</a:t>
-            </a:r>
-            <a:r>
-              <a:rPr lang="en-US" altLang="zh-CN" dirty="0" smtClean="0">
-                <a:sym typeface="Wingdings" panose="05000000000000000000" pitchFamily="2" charset="2"/>
-              </a:rPr>
-              <a:t></a:t>
-            </a:r>
-            <a:r>
-              <a:rPr lang="zh-CN" altLang="en-US" dirty="0" smtClean="0">
-                <a:sym typeface="Wingdings" panose="05000000000000000000" pitchFamily="2" charset="2"/>
-              </a:rPr>
-              <a:t>构造</a:t>
-            </a:r>
-            <a:r>
-              <a:rPr lang="en-US" altLang="zh-CN" dirty="0" smtClean="0">
-                <a:sym typeface="Wingdings" panose="05000000000000000000" pitchFamily="2" charset="2"/>
-              </a:rPr>
-              <a:t>packet</a:t>
-            </a:r>
-            <a:r>
-              <a:rPr lang="zh-CN" altLang="en-US" dirty="0" smtClean="0">
-                <a:sym typeface="Wingdings" panose="05000000000000000000" pitchFamily="2" charset="2"/>
-              </a:rPr>
-              <a:t>发收</a:t>
-            </a:r>
-            <a:r>
-              <a:rPr lang="en-US" altLang="zh-CN" dirty="0" smtClean="0">
-                <a:sym typeface="Wingdings" panose="05000000000000000000" pitchFamily="2" charset="2"/>
-              </a:rPr>
-              <a:t>							</a:t>
-            </a:r>
-            <a:r>
-              <a:rPr lang="zh-CN" altLang="en-US" dirty="0" smtClean="0">
-                <a:sym typeface="Wingdings" panose="05000000000000000000" pitchFamily="2" charset="2"/>
-              </a:rPr>
-              <a:t>数据      </a:t>
-            </a:r>
-            <a:r>
-              <a:rPr lang="en-US" altLang="zh-CN" dirty="0" smtClean="0">
-                <a:sym typeface="Wingdings" panose="05000000000000000000" pitchFamily="2" charset="2"/>
-              </a:rPr>
-              <a:t>client</a:t>
-            </a:r>
-          </a:p>
-          <a:p>
-            <a:pPr lvl="1"/>
-            <a:r>
-              <a:rPr lang="zh-CN" altLang="en-US" dirty="0" smtClean="0">
-                <a:sym typeface="Wingdings" panose="05000000000000000000" pitchFamily="2" charset="2"/>
-              </a:rPr>
-              <a:t>创建：</a:t>
-            </a:r>
-            <a:r>
-              <a:rPr lang="en-US" altLang="zh-CN" dirty="0">
-                <a:sym typeface="Wingdings" panose="05000000000000000000" pitchFamily="2" charset="2"/>
-              </a:rPr>
-              <a:t> </a:t>
-            </a:r>
-            <a:r>
-              <a:rPr lang="en-US" altLang="zh-CN" dirty="0" err="1">
-                <a:sym typeface="Wingdings" panose="05000000000000000000" pitchFamily="2" charset="2"/>
-              </a:rPr>
-              <a:t>socket.socket</a:t>
-            </a:r>
-            <a:r>
-              <a:rPr lang="en-US" altLang="zh-CN" dirty="0">
-                <a:sym typeface="Wingdings" panose="05000000000000000000" pitchFamily="2" charset="2"/>
-              </a:rPr>
-              <a:t>(</a:t>
-            </a:r>
-            <a:r>
-              <a:rPr lang="en-US" altLang="zh-CN" dirty="0" err="1">
-                <a:sym typeface="Wingdings" panose="05000000000000000000" pitchFamily="2" charset="2"/>
-              </a:rPr>
-              <a:t>socket.AF_INET</a:t>
-            </a:r>
-            <a:r>
-              <a:rPr lang="en-US" altLang="zh-CN" dirty="0">
-                <a:sym typeface="Wingdings" panose="05000000000000000000" pitchFamily="2" charset="2"/>
-              </a:rPr>
-              <a:t>, </a:t>
-            </a:r>
-            <a:r>
-              <a:rPr lang="en-US" altLang="zh-CN" dirty="0" err="1">
-                <a:sym typeface="Wingdings" panose="05000000000000000000" pitchFamily="2" charset="2"/>
-              </a:rPr>
-              <a:t>socket.SOCK_RAW</a:t>
-            </a:r>
-            <a:r>
-              <a:rPr lang="en-US" altLang="zh-CN" dirty="0">
-                <a:sym typeface="Wingdings" panose="05000000000000000000" pitchFamily="2" charset="2"/>
-              </a:rPr>
-              <a:t>, </a:t>
-            </a:r>
-            <a:r>
-              <a:rPr lang="en-US" altLang="zh-CN" dirty="0" err="1">
-                <a:sym typeface="Wingdings" panose="05000000000000000000" pitchFamily="2" charset="2"/>
-              </a:rPr>
-              <a:t>socket.IPPROTO_RAW</a:t>
-            </a:r>
-            <a:r>
-              <a:rPr lang="en-US" altLang="zh-CN" dirty="0">
-                <a:sym typeface="Wingdings" panose="05000000000000000000" pitchFamily="2" charset="2"/>
-              </a:rPr>
-              <a:t>)</a:t>
-            </a:r>
-            <a:endParaRPr lang="zh-CN" altLang="en-US" dirty="0"/>
           </a:p>
         </p:txBody>
       </p:sp>
     </p:spTree>
     <p:extLst>
       <p:ext uri="{BB962C8B-B14F-4D97-AF65-F5344CB8AC3E}">
-        <p14:creationId xmlns:p14="http://schemas.microsoft.com/office/powerpoint/2010/main" val="4022811799"/>
+        <p14:creationId xmlns:p14="http://schemas.microsoft.com/office/powerpoint/2010/main" val="2919622957"/>
       </p:ext>
     </p:extLst>
   </p:cSld>
   <p:clrMapOvr>
     <a:masterClrMapping/>
   </p:clrMapOvr>
-  <p:timing>
-    <p:tnLst>
-      <p:par>
-        <p:cTn id="1" dur="indefinite" restart="never" nodeType="tmRoot"/>
-      </p:par>
-    </p:tnLst>
-  </p:timing>
 </p:sld>
 </file>
 
@@ -19873,17 +19885,40 @@
         </p:nvSpPr>
         <p:spPr/>
         <p:txBody>
-          <a:bodyPr/>
+          <a:bodyPr>
+            <a:normAutofit fontScale="90000"/>
+          </a:bodyPr>
           <a:lstStyle/>
           <a:p>
             <a:r>
               <a:rPr lang="en-US" altLang="zh-CN" dirty="0" smtClean="0"/>
-              <a:t>Django</a:t>
-            </a:r>
-            <a:r>
-              <a:rPr lang="zh-CN" altLang="en-US" dirty="0" smtClean="0"/>
-              <a:t>网站开发</a:t>
-            </a:r>
+              <a:t>Socket</a:t>
+            </a:r>
+            <a:r>
+              <a:rPr lang="zh-CN" altLang="en-US" dirty="0" smtClean="0"/>
+              <a:t>编程</a:t>
+            </a:r>
+            <a:r>
+              <a:rPr lang="en-US" altLang="zh-CN" dirty="0" smtClean="0"/>
+              <a:t>(windows)</a:t>
+            </a:r>
+            <a:br>
+              <a:rPr lang="en-US" altLang="zh-CN" dirty="0" smtClean="0"/>
+            </a:br>
+            <a:r>
+              <a:rPr lang="en-US" altLang="zh-CN" dirty="0"/>
+              <a:t/>
+            </a:r>
+            <a:br>
+              <a:rPr lang="en-US" altLang="zh-CN" dirty="0"/>
+            </a:br>
+            <a:r>
+              <a:rPr lang="en-US" altLang="zh-CN" dirty="0" smtClean="0"/>
+              <a:t/>
+            </a:r>
+            <a:br>
+              <a:rPr lang="en-US" altLang="zh-CN" dirty="0" smtClean="0"/>
+            </a:br>
             <a:endParaRPr lang="zh-CN" altLang="en-US" dirty="0"/>
           </a:p>
         </p:txBody>
@@ -19900,269 +19935,232 @@
         </p:nvSpPr>
         <p:spPr/>
         <p:txBody>
-          <a:bodyPr>
-            <a:normAutofit fontScale="92500" lnSpcReduction="20000"/>
-          </a:bodyPr>
+          <a:bodyPr/>
           <a:lstStyle/>
           <a:p>
             <a:r>
               <a:rPr lang="zh-CN" altLang="en-US" dirty="0" smtClean="0"/>
-              <a:t>开发模式：</a:t>
-            </a:r>
-            <a:r>
-              <a:rPr lang="en-US" altLang="zh-CN" dirty="0" smtClean="0"/>
-              <a:t>MTV </a:t>
-            </a:r>
-            <a:r>
-              <a:rPr lang="zh-CN" altLang="en-US" dirty="0" smtClean="0"/>
-              <a:t>模型</a:t>
-            </a:r>
-            <a:r>
-              <a:rPr lang="en-US" altLang="zh-CN" dirty="0" smtClean="0"/>
-              <a:t>-</a:t>
-            </a:r>
-            <a:r>
-              <a:rPr lang="zh-CN" altLang="en-US" dirty="0" smtClean="0"/>
-              <a:t>模板</a:t>
-            </a:r>
-            <a:r>
-              <a:rPr lang="en-US" altLang="zh-CN" dirty="0" smtClean="0"/>
-              <a:t>-</a:t>
-            </a:r>
-            <a:r>
-              <a:rPr lang="zh-CN" altLang="en-US" dirty="0" smtClean="0"/>
-              <a:t>视图</a:t>
+              <a:t>基本</a:t>
+            </a:r>
+            <a:r>
+              <a:rPr lang="en-US" altLang="zh-CN" dirty="0" smtClean="0"/>
+              <a:t>socket</a:t>
+            </a:r>
+            <a:r>
+              <a:rPr lang="zh-CN" altLang="en-US" dirty="0"/>
+              <a:t>编程：创建</a:t>
+            </a:r>
+            <a:r>
+              <a:rPr lang="en-US" altLang="zh-CN" dirty="0"/>
+              <a:t>socket</a:t>
+            </a:r>
+            <a:r>
+              <a:rPr lang="zh-CN" altLang="en-US" dirty="0"/>
+              <a:t>并</a:t>
+            </a:r>
+            <a:r>
+              <a:rPr lang="zh-CN" altLang="en-US" dirty="0" smtClean="0"/>
+              <a:t>初始化</a:t>
+            </a:r>
+            <a:r>
+              <a:rPr lang="en-US" altLang="zh-CN" dirty="0" smtClean="0">
+                <a:sym typeface="Wingdings" panose="05000000000000000000" pitchFamily="2" charset="2"/>
+              </a:rPr>
+              <a:t></a:t>
+            </a:r>
+            <a:r>
+              <a:rPr lang="zh-CN" altLang="en-US" dirty="0" smtClean="0"/>
+              <a:t>绑定</a:t>
+            </a:r>
+            <a:r>
+              <a:rPr lang="zh-CN" altLang="en-US" dirty="0"/>
+              <a:t>端口</a:t>
+            </a:r>
+            <a:r>
+              <a:rPr lang="en-US" altLang="zh-CN" dirty="0" err="1" smtClean="0"/>
+              <a:t>ip</a:t>
+            </a:r>
+            <a:r>
+              <a:rPr lang="en-US" altLang="zh-CN" dirty="0" smtClean="0">
+                <a:sym typeface="Wingdings" panose="05000000000000000000" pitchFamily="2" charset="2"/>
+              </a:rPr>
+              <a:t></a:t>
+            </a:r>
+            <a:r>
+              <a:rPr lang="zh-CN" altLang="en-US" dirty="0" smtClean="0"/>
+              <a:t>收发数据   </a:t>
+            </a:r>
+            <a:r>
+              <a:rPr lang="en-US" altLang="zh-CN" dirty="0" smtClean="0"/>
+              <a:t>client</a:t>
+            </a:r>
+          </a:p>
+          <a:p>
+            <a:pPr lvl="1"/>
+            <a:r>
+              <a:rPr lang="zh-CN" altLang="en-US" dirty="0" smtClean="0"/>
+              <a:t>创建：</a:t>
+            </a:r>
+            <a:r>
+              <a:rPr lang="en-US" altLang="zh-CN" dirty="0"/>
+              <a:t> </a:t>
+            </a:r>
+            <a:r>
+              <a:rPr lang="en-US" altLang="zh-CN" dirty="0" err="1"/>
+              <a:t>socket.socket</a:t>
+            </a:r>
+            <a:r>
+              <a:rPr lang="en-US" altLang="zh-CN" dirty="0"/>
+              <a:t>() </a:t>
             </a:r>
             <a:endParaRPr lang="en-US" altLang="zh-CN" dirty="0" smtClean="0"/>
           </a:p>
           <a:p>
+            <a:r>
+              <a:rPr lang="zh-CN" altLang="en-US" dirty="0" smtClean="0"/>
+              <a:t>链路层的</a:t>
+            </a:r>
+            <a:r>
+              <a:rPr lang="en-US" altLang="zh-CN" dirty="0" smtClean="0"/>
+              <a:t>socket</a:t>
+            </a:r>
+            <a:r>
+              <a:rPr lang="zh-CN" altLang="en-US" dirty="0" smtClean="0"/>
+              <a:t>编程：</a:t>
+            </a:r>
+            <a:r>
+              <a:rPr lang="zh-CN" altLang="en-US" dirty="0"/>
+              <a:t>创建</a:t>
+            </a:r>
+            <a:r>
+              <a:rPr lang="en-US" altLang="zh-CN" dirty="0"/>
+              <a:t>socket</a:t>
+            </a:r>
+            <a:r>
+              <a:rPr lang="zh-CN" altLang="en-US" dirty="0"/>
+              <a:t>并</a:t>
+            </a:r>
+            <a:r>
+              <a:rPr lang="zh-CN" altLang="en-US" dirty="0" smtClean="0"/>
+              <a:t>初始化</a:t>
+            </a:r>
+            <a:r>
+              <a:rPr lang="en-US" altLang="zh-CN" dirty="0" smtClean="0">
+                <a:sym typeface="Wingdings" panose="05000000000000000000" pitchFamily="2" charset="2"/>
+              </a:rPr>
+              <a:t></a:t>
+            </a:r>
+            <a:r>
+              <a:rPr lang="zh-CN" altLang="en-US" dirty="0" smtClean="0">
+                <a:sym typeface="Wingdings" panose="05000000000000000000" pitchFamily="2" charset="2"/>
+              </a:rPr>
+              <a:t>绑定收发地址</a:t>
+            </a:r>
+            <a:r>
+              <a:rPr lang="en-US" altLang="zh-CN" dirty="0" smtClean="0">
+                <a:sym typeface="Wingdings" panose="05000000000000000000" pitchFamily="2" charset="2"/>
+              </a:rPr>
+              <a:t></a:t>
+            </a:r>
+            <a:r>
+              <a:rPr lang="zh-CN" altLang="en-US" dirty="0" smtClean="0">
+                <a:sym typeface="Wingdings" panose="05000000000000000000" pitchFamily="2" charset="2"/>
+              </a:rPr>
+              <a:t>构造</a:t>
+            </a:r>
+            <a:r>
+              <a:rPr lang="en-US" altLang="zh-CN" dirty="0" smtClean="0">
+                <a:sym typeface="Wingdings" panose="05000000000000000000" pitchFamily="2" charset="2"/>
+              </a:rPr>
+              <a:t>packet</a:t>
+            </a:r>
+            <a:r>
+              <a:rPr lang="zh-CN" altLang="en-US" dirty="0" smtClean="0">
+                <a:sym typeface="Wingdings" panose="05000000000000000000" pitchFamily="2" charset="2"/>
+              </a:rPr>
+              <a:t>发收</a:t>
+            </a:r>
+            <a:r>
+              <a:rPr lang="en-US" altLang="zh-CN" dirty="0" smtClean="0">
+                <a:sym typeface="Wingdings" panose="05000000000000000000" pitchFamily="2" charset="2"/>
+              </a:rPr>
+              <a:t>							</a:t>
+            </a:r>
+            <a:r>
+              <a:rPr lang="zh-CN" altLang="en-US" dirty="0" smtClean="0">
+                <a:sym typeface="Wingdings" panose="05000000000000000000" pitchFamily="2" charset="2"/>
+              </a:rPr>
+              <a:t>数据      </a:t>
+            </a:r>
+            <a:r>
+              <a:rPr lang="en-US" altLang="zh-CN" dirty="0" smtClean="0">
+                <a:sym typeface="Wingdings" panose="05000000000000000000" pitchFamily="2" charset="2"/>
+              </a:rPr>
+              <a:t>client</a:t>
+            </a:r>
+          </a:p>
+          <a:p>
             <a:pPr lvl="1"/>
             <a:r>
-              <a:rPr lang="zh-CN" altLang="en-US" dirty="0" smtClean="0"/>
-              <a:t>请求转发：</a:t>
-            </a:r>
-            <a:r>
-              <a:rPr lang="en-US" altLang="zh-CN" dirty="0"/>
+              <a:rPr lang="zh-CN" altLang="en-US" dirty="0" smtClean="0">
+                <a:sym typeface="Wingdings" panose="05000000000000000000" pitchFamily="2" charset="2"/>
+              </a:rPr>
+              <a:t>创建：</a:t>
+            </a:r>
+            <a:r>
+              <a:rPr lang="en-US" altLang="zh-CN" dirty="0">
+                <a:sym typeface="Wingdings" panose="05000000000000000000" pitchFamily="2" charset="2"/>
+              </a:rPr>
               <a:t> </a:t>
             </a:r>
             <a:r>
-              <a:rPr lang="en-US" altLang="zh-CN" dirty="0" smtClean="0"/>
-              <a:t>urls.py</a:t>
-            </a:r>
-          </a:p>
-          <a:p>
-            <a:pPr lvl="1"/>
-            <a:r>
-              <a:rPr lang="zh-CN" altLang="en-US" dirty="0" smtClean="0"/>
-              <a:t>视图控制：用户自定义开发，只写函数也可以，配置到</a:t>
-            </a:r>
-            <a:r>
-              <a:rPr lang="en-US" altLang="zh-CN" dirty="0" smtClean="0"/>
-              <a:t>urls.py</a:t>
-            </a:r>
-          </a:p>
-          <a:p>
-            <a:pPr lvl="1"/>
-            <a:r>
-              <a:rPr lang="zh-CN" altLang="en-US" dirty="0" smtClean="0"/>
-              <a:t>视图模板：</a:t>
-            </a:r>
-            <a:r>
-              <a:rPr lang="en-US" altLang="zh-CN" dirty="0" smtClean="0"/>
-              <a:t>settings.py</a:t>
-            </a:r>
-            <a:r>
-              <a:rPr lang="zh-CN" altLang="en-US" dirty="0" smtClean="0"/>
-              <a:t>配置视图目录、数据库连接等。</a:t>
-            </a:r>
-            <a:endParaRPr lang="en-US" altLang="zh-CN" dirty="0" smtClean="0"/>
-          </a:p>
-          <a:p>
-            <a:r>
-              <a:rPr lang="zh-CN" altLang="en-US" dirty="0" smtClean="0"/>
-              <a:t>安装：</a:t>
-            </a:r>
-            <a:r>
-              <a:rPr lang="en-US" altLang="zh-CN" dirty="0"/>
-              <a:t>pip install </a:t>
-            </a:r>
-            <a:r>
-              <a:rPr lang="en-US" altLang="zh-CN" dirty="0" err="1"/>
-              <a:t>django</a:t>
-            </a:r>
-            <a:r>
-              <a:rPr lang="en-US" altLang="zh-CN" dirty="0"/>
-              <a:t> </a:t>
-            </a:r>
-          </a:p>
-          <a:p>
-            <a:r>
-              <a:rPr lang="zh-CN" altLang="en-US" dirty="0"/>
-              <a:t>新建</a:t>
-            </a:r>
-            <a:r>
-              <a:rPr lang="zh-CN" altLang="en-US" dirty="0" smtClean="0"/>
-              <a:t>工程：</a:t>
-            </a:r>
-            <a:r>
-              <a:rPr lang="en-US" altLang="zh-CN" dirty="0" err="1" smtClean="0"/>
-              <a:t>django</a:t>
-            </a:r>
-            <a:r>
-              <a:rPr lang="en-US" altLang="zh-CN" dirty="0" smtClean="0"/>
-              <a:t>-admin </a:t>
-            </a:r>
-            <a:r>
-              <a:rPr lang="en-US" altLang="zh-CN" dirty="0" err="1"/>
-              <a:t>startproject</a:t>
-            </a:r>
-            <a:r>
-              <a:rPr lang="en-US" altLang="zh-CN" dirty="0"/>
-              <a:t> </a:t>
-            </a:r>
-            <a:r>
-              <a:rPr lang="en-US" altLang="zh-CN" dirty="0" err="1" smtClean="0"/>
-              <a:t>projectname</a:t>
-            </a:r>
-            <a:endParaRPr lang="en-US" altLang="zh-CN" dirty="0" smtClean="0"/>
-          </a:p>
-          <a:p>
-            <a:r>
-              <a:rPr lang="zh-CN" altLang="en-US" dirty="0"/>
-              <a:t>启动</a:t>
-            </a:r>
-            <a:r>
-              <a:rPr lang="zh-CN" altLang="en-US" dirty="0" smtClean="0"/>
-              <a:t>项目</a:t>
-            </a:r>
-            <a:r>
-              <a:rPr lang="en-US" altLang="zh-CN" dirty="0" smtClean="0"/>
-              <a:t>-</a:t>
-            </a:r>
-            <a:r>
-              <a:rPr lang="zh-CN" altLang="en-US" dirty="0" smtClean="0"/>
-              <a:t>使用非生产服务器：</a:t>
-            </a:r>
-            <a:endParaRPr lang="en-US" altLang="zh-CN" dirty="0" smtClean="0"/>
-          </a:p>
-          <a:p>
-            <a:pPr lvl="1"/>
-            <a:r>
-              <a:rPr lang="zh-CN" altLang="en-US" dirty="0" smtClean="0"/>
-              <a:t>进入项目目录，</a:t>
-            </a:r>
-            <a:r>
-              <a:rPr lang="en-US" altLang="zh-CN" dirty="0" smtClean="0"/>
-              <a:t>python </a:t>
-            </a:r>
-            <a:r>
-              <a:rPr lang="en-US" altLang="zh-CN" dirty="0"/>
-              <a:t>manage.py </a:t>
-            </a:r>
-            <a:r>
-              <a:rPr lang="en-US" altLang="zh-CN" dirty="0" err="1"/>
-              <a:t>runserver</a:t>
-            </a:r>
-            <a:r>
-              <a:rPr lang="en-US" altLang="zh-CN" dirty="0"/>
-              <a:t> </a:t>
-            </a:r>
-            <a:r>
-              <a:rPr lang="en-US" altLang="zh-CN" dirty="0" smtClean="0"/>
-              <a:t>0.0.0.0:port</a:t>
-            </a:r>
-          </a:p>
-          <a:p>
-            <a:r>
-              <a:rPr lang="zh-CN" altLang="en-US" dirty="0" smtClean="0"/>
-              <a:t>部署到生产服务器</a:t>
-            </a:r>
-            <a:r>
-              <a:rPr lang="en-US" altLang="zh-CN" dirty="0" smtClean="0"/>
-              <a:t>Apache: </a:t>
-            </a:r>
-            <a:r>
-              <a:rPr lang="zh-CN" altLang="en-US" dirty="0" smtClean="0"/>
-              <a:t>使用</a:t>
-            </a:r>
-            <a:r>
-              <a:rPr lang="en-US" altLang="zh-CN" dirty="0" smtClean="0"/>
-              <a:t>apache</a:t>
-            </a:r>
-            <a:r>
-              <a:rPr lang="zh-CN" altLang="en-US" dirty="0" smtClean="0"/>
-              <a:t>模块：</a:t>
-            </a:r>
-            <a:r>
-              <a:rPr lang="en-US" altLang="zh-CN" b="1" dirty="0"/>
-              <a:t> </a:t>
-            </a:r>
-            <a:r>
-              <a:rPr lang="en-US" altLang="zh-CN" b="1" dirty="0" err="1"/>
-              <a:t>mod_python</a:t>
-            </a:r>
-            <a:r>
-              <a:rPr lang="en-US" altLang="zh-CN" b="1" dirty="0"/>
-              <a:t> </a:t>
-            </a:r>
-          </a:p>
-          <a:p>
-            <a:pPr lvl="1"/>
-            <a:r>
-              <a:rPr lang="zh-CN" altLang="en-US" dirty="0" smtClean="0"/>
-              <a:t>配置</a:t>
-            </a:r>
-            <a:r>
-              <a:rPr lang="en-US" altLang="zh-CN" dirty="0" err="1"/>
-              <a:t>httpd.conf</a:t>
-            </a:r>
-            <a:r>
-              <a:rPr lang="en-US" altLang="zh-CN" dirty="0"/>
-              <a:t> </a:t>
-            </a:r>
-            <a:r>
-              <a:rPr lang="zh-CN" altLang="en-US" dirty="0" smtClean="0"/>
-              <a:t>：</a:t>
-            </a:r>
-            <a:r>
-              <a:rPr lang="en-US" altLang="zh-CN" dirty="0" smtClean="0"/>
-              <a:t> </a:t>
-            </a:r>
-            <a:r>
-              <a:rPr lang="en-US" altLang="zh-CN" dirty="0" err="1" smtClean="0"/>
-              <a:t>LoadModule</a:t>
-            </a:r>
-            <a:r>
-              <a:rPr lang="en-US" altLang="zh-CN" dirty="0" smtClean="0"/>
-              <a:t> </a:t>
-            </a:r>
-            <a:r>
-              <a:rPr lang="en-US" altLang="zh-CN" dirty="0" err="1" smtClean="0"/>
-              <a:t>python_module</a:t>
-            </a:r>
-            <a:r>
-              <a:rPr lang="en-US" altLang="zh-CN" dirty="0" smtClean="0"/>
-              <a:t> </a:t>
-            </a:r>
-            <a:r>
-              <a:rPr lang="en-US" altLang="zh-CN" dirty="0"/>
-              <a:t>/</a:t>
-            </a:r>
-            <a:r>
-              <a:rPr lang="en-US" altLang="zh-CN" dirty="0" smtClean="0"/>
-              <a:t>usr/lib/apache2/modules/mod_python.so</a:t>
-            </a:r>
-          </a:p>
-          <a:p>
-            <a:pPr lvl="1"/>
-            <a:r>
-              <a:rPr lang="en-US" altLang="zh-CN" dirty="0" smtClean="0"/>
-              <a:t>…</a:t>
-            </a:r>
-            <a:endParaRPr lang="en-US" altLang="zh-CN" dirty="0"/>
-          </a:p>
-          <a:p>
-            <a:pPr lvl="1"/>
+              <a:rPr lang="en-US" altLang="zh-CN" dirty="0" err="1">
+                <a:sym typeface="Wingdings" panose="05000000000000000000" pitchFamily="2" charset="2"/>
+              </a:rPr>
+              <a:t>socket.socket</a:t>
+            </a:r>
+            <a:r>
+              <a:rPr lang="en-US" altLang="zh-CN" dirty="0">
+                <a:sym typeface="Wingdings" panose="05000000000000000000" pitchFamily="2" charset="2"/>
+              </a:rPr>
+              <a:t>(</a:t>
+            </a:r>
+            <a:r>
+              <a:rPr lang="en-US" altLang="zh-CN" dirty="0" err="1">
+                <a:sym typeface="Wingdings" panose="05000000000000000000" pitchFamily="2" charset="2"/>
+              </a:rPr>
+              <a:t>socket.AF_INET</a:t>
+            </a:r>
+            <a:r>
+              <a:rPr lang="en-US" altLang="zh-CN" dirty="0">
+                <a:sym typeface="Wingdings" panose="05000000000000000000" pitchFamily="2" charset="2"/>
+              </a:rPr>
+              <a:t>, </a:t>
+            </a:r>
+            <a:r>
+              <a:rPr lang="en-US" altLang="zh-CN" dirty="0" err="1">
+                <a:sym typeface="Wingdings" panose="05000000000000000000" pitchFamily="2" charset="2"/>
+              </a:rPr>
+              <a:t>socket.SOCK_RAW</a:t>
+            </a:r>
+            <a:r>
+              <a:rPr lang="en-US" altLang="zh-CN" dirty="0">
+                <a:sym typeface="Wingdings" panose="05000000000000000000" pitchFamily="2" charset="2"/>
+              </a:rPr>
+              <a:t>, </a:t>
+            </a:r>
+            <a:r>
+              <a:rPr lang="en-US" altLang="zh-CN" dirty="0" err="1">
+                <a:sym typeface="Wingdings" panose="05000000000000000000" pitchFamily="2" charset="2"/>
+              </a:rPr>
+              <a:t>socket.IPPROTO_RAW</a:t>
+            </a:r>
+            <a:r>
+              <a:rPr lang="en-US" altLang="zh-CN" dirty="0">
+                <a:sym typeface="Wingdings" panose="05000000000000000000" pitchFamily="2" charset="2"/>
+              </a:rPr>
+              <a:t>)</a:t>
+            </a:r>
             <a:endParaRPr lang="zh-CN" altLang="en-US" dirty="0"/>
           </a:p>
         </p:txBody>
@@ -20170,7 +20168,7 @@
     </p:spTree>
     <p:extLst>
       <p:ext uri="{BB962C8B-B14F-4D97-AF65-F5344CB8AC3E}">
-        <p14:creationId xmlns:p14="http://schemas.microsoft.com/office/powerpoint/2010/main" val="2236027332"/>
+        <p14:creationId xmlns:p14="http://schemas.microsoft.com/office/powerpoint/2010/main" val="4022811799"/>
       </p:ext>
     </p:extLst>
   </p:cSld>
@@ -20220,32 +20218,12 @@
           <a:lstStyle/>
           <a:p>
             <a:r>
-              <a:rPr lang="zh-CN" altLang="en-US" dirty="0" smtClean="0"/>
-              <a:t>编写</a:t>
-            </a:r>
-            <a:r>
-              <a:rPr lang="en-US" altLang="zh-CN" dirty="0" smtClean="0"/>
-              <a:t>spark</a:t>
-            </a:r>
-            <a:r>
-              <a:rPr lang="zh-CN" altLang="en-US" dirty="0" smtClean="0"/>
-              <a:t>任务</a:t>
-            </a:r>
-            <a:r>
-              <a:rPr lang="en-US" altLang="zh-CN" dirty="0" smtClean="0"/>
-              <a:t>(</a:t>
-            </a:r>
-            <a:r>
-              <a:rPr lang="zh-CN" altLang="en-US" dirty="0" smtClean="0"/>
-              <a:t>本地开发、不依赖</a:t>
-            </a:r>
-            <a:r>
-              <a:rPr lang="en-US" altLang="zh-CN" dirty="0" err="1" smtClean="0"/>
-              <a:t>hadoop</a:t>
-            </a:r>
-            <a:r>
-              <a:rPr lang="en-US" altLang="zh-CN" dirty="0" smtClean="0"/>
-              <a:t>)</a:t>
+              <a:rPr lang="en-US" altLang="zh-CN" dirty="0" smtClean="0"/>
+              <a:t>Django</a:t>
+            </a:r>
+            <a:r>
+              <a:rPr lang="zh-CN" altLang="en-US" dirty="0" smtClean="0"/>
+              <a:t>网站开发</a:t>
             </a:r>
             <a:endParaRPr lang="zh-CN" altLang="en-US" dirty="0"/>
           </a:p>
@@ -20269,45 +20247,142 @@
           <a:lstStyle/>
           <a:p>
             <a:r>
-              <a:rPr lang="en-US" altLang="zh-CN" dirty="0" smtClean="0"/>
-              <a:t>python</a:t>
-            </a:r>
-            <a:r>
-              <a:rPr lang="zh-CN" altLang="en-US" dirty="0" smtClean="0"/>
-              <a:t>依赖包：</a:t>
-            </a:r>
-            <a:r>
-              <a:rPr lang="en-US" altLang="zh-CN" dirty="0" smtClean="0"/>
-              <a:t>py4j   </a:t>
-            </a:r>
-            <a:r>
-              <a:rPr lang="zh-CN" altLang="en-US" dirty="0" smtClean="0"/>
-              <a:t>、 </a:t>
+              <a:rPr lang="zh-CN" altLang="en-US" dirty="0" smtClean="0"/>
+              <a:t>开发模式：</a:t>
+            </a:r>
+            <a:r>
+              <a:rPr lang="en-US" altLang="zh-CN" dirty="0" smtClean="0"/>
+              <a:t>MTV </a:t>
+            </a:r>
+            <a:r>
+              <a:rPr lang="zh-CN" altLang="en-US" dirty="0" smtClean="0"/>
+              <a:t>模型</a:t>
+            </a:r>
+            <a:r>
+              <a:rPr lang="en-US" altLang="zh-CN" dirty="0" smtClean="0"/>
+              <a:t>-</a:t>
+            </a:r>
+            <a:r>
+              <a:rPr lang="zh-CN" altLang="en-US" dirty="0" smtClean="0"/>
+              <a:t>模板</a:t>
+            </a:r>
+            <a:r>
+              <a:rPr lang="en-US" altLang="zh-CN" dirty="0" smtClean="0"/>
+              <a:t>-</a:t>
+            </a:r>
+            <a:r>
+              <a:rPr lang="zh-CN" altLang="en-US" dirty="0" smtClean="0"/>
+              <a:t>视图</a:t>
+            </a:r>
+            <a:endParaRPr lang="en-US" altLang="zh-CN" dirty="0" smtClean="0"/>
+          </a:p>
+          <a:p>
+            <a:pPr lvl="1"/>
+            <a:r>
+              <a:rPr lang="zh-CN" altLang="en-US" dirty="0" smtClean="0"/>
+              <a:t>请求转发：</a:t>
+            </a:r>
+            <a:r>
+              <a:rPr lang="en-US" altLang="zh-CN" dirty="0"/>
+              <a:t> </a:t>
+            </a:r>
+            <a:r>
+              <a:rPr lang="en-US" altLang="zh-CN" dirty="0" smtClean="0"/>
+              <a:t>urls.py</a:t>
+            </a:r>
+          </a:p>
+          <a:p>
+            <a:pPr lvl="1"/>
+            <a:r>
+              <a:rPr lang="zh-CN" altLang="en-US" dirty="0" smtClean="0"/>
+              <a:t>视图控制：用户自定义开发，只写函数也可以，配置到</a:t>
+            </a:r>
+            <a:r>
+              <a:rPr lang="en-US" altLang="zh-CN" dirty="0" smtClean="0"/>
+              <a:t>urls.py</a:t>
+            </a:r>
+          </a:p>
+          <a:p>
+            <a:pPr lvl="1"/>
+            <a:r>
+              <a:rPr lang="zh-CN" altLang="en-US" dirty="0" smtClean="0"/>
+              <a:t>视图模板：</a:t>
+            </a:r>
+            <a:r>
+              <a:rPr lang="en-US" altLang="zh-CN" dirty="0" smtClean="0"/>
+              <a:t>settings.py</a:t>
+            </a:r>
+            <a:r>
+              <a:rPr lang="zh-CN" altLang="en-US" dirty="0" smtClean="0"/>
+              <a:t>配置视图目录、数据库连接等。</a:t>
+            </a:r>
+            <a:endParaRPr lang="en-US" altLang="zh-CN" dirty="0" smtClean="0"/>
+          </a:p>
+          <a:p>
+            <a:r>
+              <a:rPr lang="zh-CN" altLang="en-US" dirty="0" smtClean="0"/>
+              <a:t>安装：</a:t>
+            </a:r>
+            <a:r>
+              <a:rPr lang="en-US" altLang="zh-CN" dirty="0"/>
+              <a:t>pip install </a:t>
+            </a:r>
+            <a:r>
+              <a:rPr lang="en-US" altLang="zh-CN" dirty="0" err="1"/>
+              <a:t>django</a:t>
+            </a:r>
+            <a:r>
+              <a:rPr lang="en-US" altLang="zh-CN" dirty="0"/>
+              <a:t> </a:t>
+            </a:r>
+          </a:p>
+          <a:p>
+            <a:r>
+              <a:rPr lang="zh-CN" altLang="en-US" dirty="0"/>
+              <a:t>新建</a:t>
+            </a:r>
+            <a:r>
+              <a:rPr lang="zh-CN" altLang="en-US" dirty="0" smtClean="0"/>
+              <a:t>工程：</a:t>
             </a:r>
             <a:r>
               <a:rPr lang="en-US" altLang="zh-CN" dirty="0" err="1" smtClean="0"/>
-              <a:t>pyspark</a:t>
+              <a:t>django</a:t>
+            </a:r>
+            <a:r>
+              <a:rPr lang="en-US" altLang="zh-CN" dirty="0" smtClean="0"/>
+              <a:t>-admin </a:t>
+            </a:r>
+            <a:r>
+              <a:rPr lang="en-US" altLang="zh-CN" dirty="0" err="1"/>
+              <a:t>startproject</a:t>
+            </a:r>
+            <a:r>
+              <a:rPr lang="en-US" altLang="zh-CN" dirty="0"/>
+              <a:t> </a:t>
+            </a:r>
+            <a:r>
+              <a:rPr lang="en-US" altLang="zh-CN" dirty="0" err="1" smtClean="0"/>
+              <a:t>projectname</a:t>
             </a:r>
             <a:endParaRPr lang="en-US" altLang="zh-CN" dirty="0" smtClean="0"/>
           </a:p>
           <a:p>
             <a:r>
-              <a:rPr lang="en-US" altLang="zh-CN" dirty="0"/>
-              <a:t>s</a:t>
-            </a:r>
-            <a:r>
-              <a:rPr lang="en-US" altLang="zh-CN" dirty="0" smtClean="0"/>
-              <a:t>park</a:t>
-            </a:r>
-            <a:r>
-              <a:rPr lang="zh-CN" altLang="en-US" dirty="0" smtClean="0"/>
-              <a:t>环境：下载解压</a:t>
-            </a:r>
-            <a:r>
-              <a:rPr lang="en-US" altLang="zh-CN" dirty="0" smtClean="0">
-                <a:hlinkClick r:id="rId2"/>
-              </a:rPr>
-              <a:t>spark-2.3.0-bin-hadoop2.7.tgz</a:t>
+              <a:rPr lang="zh-CN" altLang="en-US" dirty="0"/>
+              <a:t>启动</a:t>
+            </a:r>
+            <a:r>
+              <a:rPr lang="zh-CN" altLang="en-US" dirty="0" smtClean="0"/>
+              <a:t>项目</a:t>
+            </a:r>
+            <a:r>
+              <a:rPr lang="en-US" altLang="zh-CN" dirty="0" smtClean="0"/>
+              <a:t>-</a:t>
+            </a:r>
+            <a:r>
+              <a:rPr lang="zh-CN" altLang="en-US" dirty="0" smtClean="0"/>
+              <a:t>使用非生产服务器：</a:t>
             </a:r>
             <a:endParaRPr lang="en-US" altLang="zh-CN" dirty="0" smtClean="0"/>
           </a:p>
@@ -20315,321 +20390,120 @@
             <a:pPr lvl="1"/>
             <a:r>
               <a:rPr lang="zh-CN" altLang="en-US" dirty="0" smtClean="0"/>
-              <a:t>配置：</a:t>
-            </a:r>
-            <a:r>
-              <a:rPr lang="en-US" altLang="zh-CN" dirty="0" smtClean="0"/>
-              <a:t>SPARK_HOME</a:t>
-            </a:r>
-            <a:r>
-              <a:rPr lang="zh-CN" altLang="en-US" dirty="0" smtClean="0"/>
-              <a:t>、</a:t>
-            </a:r>
-            <a:r>
-              <a:rPr lang="en-US" altLang="zh-CN" dirty="0" smtClean="0"/>
-              <a:t>PYTHONPATH</a:t>
-            </a:r>
-            <a:r>
-              <a:rPr lang="zh-CN" altLang="en-US" dirty="0" smtClean="0"/>
-              <a:t>增加</a:t>
-            </a:r>
-            <a:r>
-              <a:rPr lang="en-US" altLang="zh-CN" dirty="0"/>
-              <a:t>%SPARK_HOME%\</a:t>
-            </a:r>
-            <a:r>
-              <a:rPr lang="en-US" altLang="zh-CN" dirty="0" smtClean="0"/>
-              <a:t>python\lib\py4j-0.10.4-src.zip </a:t>
-            </a:r>
-            <a:r>
-              <a:rPr lang="zh-CN" altLang="en-US" dirty="0" smtClean="0"/>
-              <a:t>、</a:t>
-            </a:r>
-            <a:r>
-              <a:rPr lang="en-US" altLang="zh-CN" dirty="0" smtClean="0"/>
-              <a:t>path</a:t>
-            </a:r>
-            <a:r>
-              <a:rPr lang="zh-CN" altLang="en-US" dirty="0" smtClean="0"/>
-              <a:t>中增加</a:t>
-            </a:r>
-            <a:r>
-              <a:rPr lang="en-US" altLang="zh-CN" dirty="0" smtClean="0"/>
-              <a:t>SPARK_HOME</a:t>
-            </a:r>
-            <a:r>
-              <a:rPr lang="zh-CN" altLang="en-US" dirty="0" smtClean="0"/>
-              <a:t>的</a:t>
-            </a:r>
-            <a:r>
-              <a:rPr lang="en-US" altLang="zh-CN" dirty="0" smtClean="0"/>
-              <a:t>bin</a:t>
-            </a:r>
-            <a:r>
-              <a:rPr lang="zh-CN" altLang="en-US" dirty="0" smtClean="0"/>
-              <a:t>目录</a:t>
-            </a:r>
-            <a:endParaRPr lang="en-US" altLang="zh-CN" dirty="0" smtClean="0"/>
+              <a:t>进入项目目录，</a:t>
+            </a:r>
+            <a:r>
+              <a:rPr lang="en-US" altLang="zh-CN" dirty="0" smtClean="0"/>
+              <a:t>python </a:t>
+            </a:r>
+            <a:r>
+              <a:rPr lang="en-US" altLang="zh-CN" dirty="0"/>
+              <a:t>manage.py </a:t>
+            </a:r>
+            <a:r>
+              <a:rPr lang="en-US" altLang="zh-CN" dirty="0" err="1"/>
+              <a:t>runserver</a:t>
+            </a:r>
+            <a:r>
+              <a:rPr lang="en-US" altLang="zh-CN" dirty="0"/>
+              <a:t> </a:t>
+            </a:r>
+            <a:r>
+              <a:rPr lang="en-US" altLang="zh-CN" dirty="0" smtClean="0"/>
+              <a:t>0.0.0.0:port</a:t>
+            </a:r>
+          </a:p>
+          <a:p>
+            <a:r>
+              <a:rPr lang="zh-CN" altLang="en-US" dirty="0" smtClean="0"/>
+              <a:t>部署到生产服务器</a:t>
+            </a:r>
+            <a:r>
+              <a:rPr lang="en-US" altLang="zh-CN" dirty="0" smtClean="0"/>
+              <a:t>Apache: </a:t>
+            </a:r>
+            <a:r>
+              <a:rPr lang="zh-CN" altLang="en-US" dirty="0" smtClean="0"/>
+              <a:t>使用</a:t>
+            </a:r>
+            <a:r>
+              <a:rPr lang="en-US" altLang="zh-CN" dirty="0" smtClean="0"/>
+              <a:t>apache</a:t>
+            </a:r>
+            <a:r>
+              <a:rPr lang="zh-CN" altLang="en-US" dirty="0" smtClean="0"/>
+              <a:t>模块：</a:t>
+            </a:r>
+            <a:r>
+              <a:rPr lang="en-US" altLang="zh-CN" b="1" dirty="0"/>
+              <a:t> </a:t>
+            </a:r>
+            <a:r>
+              <a:rPr lang="en-US" altLang="zh-CN" b="1" dirty="0" err="1"/>
+              <a:t>mod_python</a:t>
+            </a:r>
+            <a:r>
+              <a:rPr lang="en-US" altLang="zh-CN" b="1" dirty="0"/>
+              <a:t> </a:t>
+            </a:r>
           </a:p>
           <a:p>
             <a:pPr lvl="1"/>
             <a:r>
               <a:rPr lang="zh-CN" altLang="en-US" dirty="0" smtClean="0"/>
-              <a:t>下载</a:t>
-            </a:r>
-            <a:r>
-              <a:rPr lang="en-US" altLang="zh-CN" dirty="0" smtClean="0"/>
-              <a:t>winutils.exe,</a:t>
-            </a:r>
-            <a:r>
-              <a:rPr lang="zh-CN" altLang="en-US" dirty="0" smtClean="0"/>
-              <a:t>放在</a:t>
-            </a:r>
-            <a:r>
-              <a:rPr lang="en-US" altLang="zh-CN" dirty="0" smtClean="0"/>
-              <a:t>%SPARK_HOME%</a:t>
+              <a:t>配置</a:t>
+            </a:r>
+            <a:r>
+              <a:rPr lang="en-US" altLang="zh-CN" dirty="0" err="1"/>
+              <a:t>httpd.conf</a:t>
             </a:r>
             <a:r>
               <a:rPr lang="en-US" altLang="zh-CN" dirty="0"/>
               <a:t> </a:t>
             </a:r>
             <a:r>
-              <a:rPr lang="en-US" altLang="zh-CN" dirty="0" smtClean="0"/>
-              <a:t>\HADOOP_HOME\bin</a:t>
-            </a:r>
-            <a:r>
-              <a:rPr lang="zh-CN" altLang="en-US" dirty="0" smtClean="0"/>
-              <a:t>目录</a:t>
-            </a:r>
-            <a:endParaRPr lang="en-US" altLang="zh-CN" dirty="0" smtClean="0"/>
+              <a:rPr lang="zh-CN" altLang="en-US" dirty="0" smtClean="0"/>
+              <a:t>：</a:t>
+            </a:r>
+            <a:r>
+              <a:rPr lang="en-US" altLang="zh-CN" dirty="0" smtClean="0"/>
+              <a:t> </a:t>
+            </a:r>
+            <a:r>
+              <a:rPr lang="en-US" altLang="zh-CN" dirty="0" err="1" smtClean="0"/>
+              <a:t>LoadModule</a:t>
+            </a:r>
+            <a:r>
+              <a:rPr lang="en-US" altLang="zh-CN" dirty="0" smtClean="0"/>
+              <a:t> </a:t>
+            </a:r>
+            <a:r>
+              <a:rPr lang="en-US" altLang="zh-CN" dirty="0" err="1" smtClean="0"/>
+              <a:t>python_module</a:t>
+            </a:r>
+            <a:r>
+              <a:rPr lang="en-US" altLang="zh-CN" dirty="0" smtClean="0"/>
+              <a:t> </a:t>
+            </a:r>
+            <a:r>
+              <a:rPr lang="en-US" altLang="zh-CN" dirty="0"/>
+              <a:t>/</a:t>
+            </a:r>
+            <a:r>
+              <a:rPr lang="en-US" altLang="zh-CN" dirty="0" smtClean="0"/>
+              <a:t>usr/lib/apache2/modules/mod_python.so</a:t>
+            </a:r>
           </a:p>
           <a:p>
             <a:pPr lvl="1"/>
             <a:r>
-              <a:rPr lang="zh-CN" altLang="en-US" dirty="0" smtClean="0"/>
-              <a:t>本地开发：</a:t>
-            </a:r>
-            <a:r>
-              <a:rPr lang="en-US" altLang="zh-CN" dirty="0" smtClean="0"/>
-              <a:t>master</a:t>
-            </a:r>
-            <a:r>
-              <a:rPr lang="zh-CN" altLang="en-US" dirty="0" smtClean="0"/>
-              <a:t>和</a:t>
-            </a:r>
-            <a:r>
-              <a:rPr lang="en-US" altLang="zh-CN" dirty="0" smtClean="0"/>
-              <a:t>work</a:t>
-            </a:r>
-            <a:r>
-              <a:rPr lang="zh-CN" altLang="en-US" dirty="0" smtClean="0"/>
-              <a:t>运行在一个</a:t>
-            </a:r>
-            <a:r>
-              <a:rPr lang="en-US" altLang="zh-CN" dirty="0" err="1" smtClean="0"/>
-              <a:t>jvm</a:t>
-            </a:r>
-            <a:r>
-              <a:rPr lang="zh-CN" altLang="en-US" dirty="0" smtClean="0"/>
-              <a:t>中。仅为测试</a:t>
-            </a:r>
-            <a:r>
-              <a:rPr lang="en-US" altLang="zh-CN" dirty="0" smtClean="0"/>
-              <a:t>spark</a:t>
-            </a:r>
-            <a:r>
-              <a:rPr lang="zh-CN" altLang="en-US" dirty="0" smtClean="0"/>
-              <a:t>任务用。</a:t>
-            </a:r>
-            <a:endParaRPr lang="en-US" altLang="zh-CN" dirty="0" smtClean="0"/>
-          </a:p>
-          <a:p>
-            <a:r>
-              <a:rPr lang="zh-CN" altLang="en-US" dirty="0" smtClean="0"/>
-              <a:t>常用操作：</a:t>
-            </a:r>
-            <a:r>
-              <a:rPr lang="en-US" altLang="zh-CN" dirty="0"/>
-              <a:t> </a:t>
-            </a:r>
-            <a:r>
-              <a:rPr lang="en-US" altLang="zh-CN" dirty="0" err="1"/>
-              <a:t>sc</a:t>
-            </a:r>
-            <a:r>
-              <a:rPr lang="en-US" altLang="zh-CN" dirty="0"/>
-              <a:t> = </a:t>
-            </a:r>
-            <a:r>
-              <a:rPr lang="en-US" altLang="zh-CN" dirty="0" err="1"/>
-              <a:t>SparkContext</a:t>
-            </a:r>
-            <a:r>
-              <a:rPr lang="en-US" altLang="zh-CN" dirty="0"/>
-              <a:t>("</a:t>
-            </a:r>
-            <a:r>
-              <a:rPr lang="en-US" altLang="zh-CN" dirty="0" err="1"/>
-              <a:t>local</a:t>
-            </a:r>
-            <a:r>
-              <a:rPr lang="en-US" altLang="zh-CN" dirty="0" err="1" smtClean="0"/>
-              <a:t>",“app</a:t>
-            </a:r>
-            <a:r>
-              <a:rPr lang="en-US" altLang="zh-CN" dirty="0"/>
-              <a:t>"); </a:t>
-            </a:r>
-            <a:endParaRPr lang="en-US" altLang="zh-CN" dirty="0" smtClean="0"/>
+              <a:rPr lang="en-US" altLang="zh-CN" dirty="0" smtClean="0"/>
+              <a:t>…</a:t>
+            </a:r>
+            <a:endParaRPr lang="en-US" altLang="zh-CN" dirty="0"/>
           </a:p>
           <a:p>
             <a:pPr lvl="1"/>
-            <a:r>
-              <a:rPr lang="zh-CN" altLang="en-US" dirty="0" smtClean="0"/>
-              <a:t>生成</a:t>
-            </a:r>
-            <a:r>
-              <a:rPr lang="en-US" altLang="zh-CN" dirty="0" smtClean="0"/>
-              <a:t>RDD:</a:t>
-            </a:r>
-            <a:r>
-              <a:rPr lang="en-US" altLang="zh-CN" dirty="0"/>
-              <a:t> </a:t>
-            </a:r>
-            <a:r>
-              <a:rPr lang="en-US" altLang="zh-CN" dirty="0" smtClean="0"/>
-              <a:t>	</a:t>
-            </a:r>
-            <a:r>
-              <a:rPr lang="zh-CN" altLang="en-US" dirty="0" smtClean="0"/>
-              <a:t>文件：</a:t>
-            </a:r>
-            <a:r>
-              <a:rPr lang="en-US" altLang="zh-CN" dirty="0" err="1" smtClean="0"/>
-              <a:t>sc.textFile</a:t>
-            </a:r>
-            <a:r>
-              <a:rPr lang="en-US" altLang="zh-CN" dirty="0" smtClean="0"/>
-              <a:t>(“data.txt”) 												</a:t>
-            </a:r>
-            <a:r>
-              <a:rPr lang="zh-CN" altLang="en-US" dirty="0" smtClean="0"/>
-              <a:t>内存：</a:t>
-            </a:r>
-            <a:r>
-              <a:rPr lang="en-US" altLang="zh-CN" dirty="0" err="1" smtClean="0"/>
-              <a:t>sc.parallelize</a:t>
-            </a:r>
-            <a:r>
-              <a:rPr lang="en-US" altLang="zh-CN" dirty="0"/>
-              <a:t>([['</a:t>
-            </a:r>
-            <a:r>
-              <a:rPr lang="en-US" altLang="zh-CN" dirty="0" err="1"/>
-              <a:t>a','b','c</a:t>
-            </a:r>
-            <a:r>
-              <a:rPr lang="en-US" altLang="zh-CN" dirty="0"/>
-              <a:t>'],['</a:t>
-            </a:r>
-            <a:r>
-              <a:rPr lang="en-US" altLang="zh-CN" dirty="0" err="1"/>
-              <a:t>b','d','d</a:t>
-            </a:r>
-            <a:r>
-              <a:rPr lang="en-US" altLang="zh-CN" dirty="0" smtClean="0"/>
-              <a:t>']])</a:t>
-            </a:r>
-          </a:p>
-          <a:p>
-            <a:pPr lvl="1"/>
-            <a:r>
-              <a:rPr lang="en-US" altLang="zh-CN" dirty="0" smtClean="0"/>
-              <a:t>transformation: map(fun)  filter(fun)  </a:t>
-            </a:r>
-            <a:r>
-              <a:rPr lang="en-US" altLang="zh-CN" dirty="0" err="1" smtClean="0"/>
-              <a:t>flatMap</a:t>
-            </a:r>
-            <a:r>
-              <a:rPr lang="en-US" altLang="zh-CN" dirty="0" smtClean="0"/>
-              <a:t>(fun) distinct() </a:t>
-            </a:r>
-            <a:r>
-              <a:rPr lang="en-US" altLang="zh-CN" dirty="0" err="1" smtClean="0"/>
-              <a:t>groupByKey</a:t>
-            </a:r>
-            <a:r>
-              <a:rPr lang="en-US" altLang="zh-CN" dirty="0" smtClean="0"/>
-              <a:t>() </a:t>
-            </a:r>
-            <a:r>
-              <a:rPr lang="en-US" altLang="zh-CN" dirty="0" err="1" smtClean="0"/>
-              <a:t>reduceByKey</a:t>
-            </a:r>
-            <a:r>
-              <a:rPr lang="en-US" altLang="zh-CN" dirty="0" smtClean="0"/>
-              <a:t>()</a:t>
-            </a:r>
-          </a:p>
-          <a:p>
-            <a:pPr lvl="1"/>
-            <a:r>
-              <a:rPr lang="en-US" altLang="zh-CN" dirty="0" smtClean="0"/>
-              <a:t>action: collect() count()  first() </a:t>
-            </a:r>
-            <a:r>
-              <a:rPr lang="en-US" altLang="zh-CN" dirty="0" err="1" smtClean="0"/>
-              <a:t>saveAsText</a:t>
-            </a:r>
-            <a:r>
-              <a:rPr lang="en-US" altLang="zh-CN" dirty="0" smtClean="0"/>
-              <a:t>(path) </a:t>
-            </a:r>
-            <a:r>
-              <a:rPr lang="en-US" altLang="zh-CN" dirty="0" err="1" smtClean="0"/>
-              <a:t>countByKey</a:t>
-            </a:r>
-            <a:r>
-              <a:rPr lang="en-US" altLang="zh-CN" dirty="0" smtClean="0"/>
-              <a:t>()  </a:t>
-            </a:r>
-            <a:r>
-              <a:rPr lang="en-US" altLang="zh-CN" dirty="0" err="1" smtClean="0"/>
-              <a:t>foreach</a:t>
-            </a:r>
-            <a:r>
-              <a:rPr lang="en-US" altLang="zh-CN" dirty="0" smtClean="0"/>
-              <a:t>(</a:t>
-            </a:r>
-            <a:r>
-              <a:rPr lang="en-US" altLang="zh-CN" dirty="0" err="1" smtClean="0"/>
-              <a:t>func</a:t>
-            </a:r>
-            <a:r>
-              <a:rPr lang="en-US" altLang="zh-CN" dirty="0" smtClean="0"/>
-              <a:t>)</a:t>
-            </a:r>
-          </a:p>
-          <a:p>
-            <a:r>
-              <a:rPr lang="zh-CN" altLang="en-US" dirty="0" smtClean="0"/>
-              <a:t>任务提交：</a:t>
-            </a:r>
-            <a:r>
-              <a:rPr lang="en-US" altLang="zh-CN" dirty="0"/>
-              <a:t> ./bin/spark-submit --master local[4] </a:t>
-            </a:r>
-            <a:r>
-              <a:rPr lang="en-US" altLang="zh-CN" dirty="0" smtClean="0"/>
-              <a:t>app.py</a:t>
-            </a:r>
-          </a:p>
-          <a:p>
-            <a:pPr lvl="1"/>
-            <a:endParaRPr lang="en-US" altLang="zh-CN" dirty="0" smtClean="0"/>
-          </a:p>
-          <a:p>
             <a:endParaRPr lang="zh-CN" altLang="en-US" dirty="0"/>
           </a:p>
         </p:txBody>
@@ -20637,7 +20511,7 @@
     </p:spTree>
     <p:extLst>
       <p:ext uri="{BB962C8B-B14F-4D97-AF65-F5344CB8AC3E}">
-        <p14:creationId xmlns:p14="http://schemas.microsoft.com/office/powerpoint/2010/main" val="2792535085"/>
+        <p14:creationId xmlns:p14="http://schemas.microsoft.com/office/powerpoint/2010/main" val="2236027332"/>
       </p:ext>
     </p:extLst>
   </p:cSld>
@@ -20687,12 +20561,32 @@
           <a:lstStyle/>
           <a:p>
             <a:r>
-              <a:rPr lang="en-US" altLang="zh-CN" dirty="0" smtClean="0"/>
-              <a:t>python</a:t>
-            </a:r>
-            <a:r>
-              <a:rPr lang="zh-CN" altLang="en-US" dirty="0" smtClean="0"/>
-              <a:t>机器学习</a:t>
+              <a:rPr lang="zh-CN" altLang="en-US" dirty="0" smtClean="0"/>
+              <a:t>编写</a:t>
+            </a:r>
+            <a:r>
+              <a:rPr lang="en-US" altLang="zh-CN" dirty="0" smtClean="0"/>
+              <a:t>spark</a:t>
+            </a:r>
+            <a:r>
+              <a:rPr lang="zh-CN" altLang="en-US" dirty="0" smtClean="0"/>
+              <a:t>任务</a:t>
+            </a:r>
+            <a:r>
+              <a:rPr lang="en-US" altLang="zh-CN" dirty="0" smtClean="0"/>
+              <a:t>(</a:t>
+            </a:r>
+            <a:r>
+              <a:rPr lang="zh-CN" altLang="en-US" dirty="0" smtClean="0"/>
+              <a:t>本地开发、不依赖</a:t>
+            </a:r>
+            <a:r>
+              <a:rPr lang="en-US" altLang="zh-CN" dirty="0" err="1" smtClean="0"/>
+              <a:t>hadoop</a:t>
+            </a:r>
+            <a:r>
+              <a:rPr lang="en-US" altLang="zh-CN" dirty="0" smtClean="0"/>
+              <a:t>)</a:t>
             </a:r>
             <a:endParaRPr lang="zh-CN" altLang="en-US" dirty="0"/>
           </a:p>
@@ -20710,130 +20604,382 @@
         </p:nvSpPr>
         <p:spPr/>
         <p:txBody>
-          <a:bodyPr/>
+          <a:bodyPr>
+            <a:normAutofit fontScale="92500" lnSpcReduction="20000"/>
+          </a:bodyPr>
           <a:lstStyle/>
           <a:p>
             <a:r>
-              <a:rPr lang="zh-CN" altLang="en-US" dirty="0" smtClean="0"/>
-              <a:t>运行速度：</a:t>
+              <a:rPr lang="en-US" altLang="zh-CN" dirty="0" smtClean="0"/>
+              <a:t>python</a:t>
+            </a:r>
+            <a:r>
+              <a:rPr lang="zh-CN" altLang="en-US" dirty="0" smtClean="0"/>
+              <a:t>依赖包：</a:t>
+            </a:r>
+            <a:r>
+              <a:rPr lang="en-US" altLang="zh-CN" dirty="0" smtClean="0"/>
+              <a:t>py4j   </a:t>
+            </a:r>
+            <a:r>
+              <a:rPr lang="zh-CN" altLang="en-US" dirty="0" smtClean="0"/>
+              <a:t>、 </a:t>
             </a:r>
             <a:r>
               <a:rPr lang="en-US" altLang="zh-CN" dirty="0" err="1" smtClean="0"/>
-              <a:t>numpy</a:t>
+              <a:t>pyspark</a:t>
+            </a:r>
+            <a:endParaRPr lang="en-US" altLang="zh-CN" dirty="0" smtClean="0"/>
+          </a:p>
+          <a:p>
+            <a:r>
+              <a:rPr lang="en-US" altLang="zh-CN" dirty="0"/>
+              <a:t>s</a:t>
+            </a:r>
+            <a:r>
+              <a:rPr lang="en-US" altLang="zh-CN" dirty="0" smtClean="0"/>
+              <a:t>park</a:t>
+            </a:r>
+            <a:r>
+              <a:rPr lang="zh-CN" altLang="en-US" dirty="0" smtClean="0"/>
+              <a:t>环境：下载解压</a:t>
+            </a:r>
+            <a:r>
+              <a:rPr lang="en-US" altLang="zh-CN" dirty="0" smtClean="0">
+                <a:hlinkClick r:id="rId2"/>
+              </a:rPr>
+              <a:t>spark-2.3.0-bin-hadoop2.7.tgz</a:t>
+            </a:r>
+            <a:endParaRPr lang="en-US" altLang="zh-CN" dirty="0" smtClean="0"/>
+          </a:p>
+          <a:p>
+            <a:pPr lvl="1"/>
+            <a:r>
+              <a:rPr lang="zh-CN" altLang="en-US" dirty="0" smtClean="0"/>
+              <a:t>配置：</a:t>
+            </a:r>
+            <a:r>
+              <a:rPr lang="en-US" altLang="zh-CN" dirty="0" smtClean="0"/>
+              <a:t>SPARK_HOME</a:t>
             </a:r>
             <a:r>
               <a:rPr lang="zh-CN" altLang="en-US" dirty="0" smtClean="0"/>
               <a:t>、</a:t>
             </a:r>
             <a:r>
+              <a:rPr lang="en-US" altLang="zh-CN" dirty="0" smtClean="0"/>
+              <a:t>PYTHONPATH</a:t>
+            </a:r>
+            <a:r>
+              <a:rPr lang="zh-CN" altLang="en-US" dirty="0" smtClean="0"/>
+              <a:t>增加</a:t>
+            </a:r>
+            <a:r>
+              <a:rPr lang="en-US" altLang="zh-CN" dirty="0"/>
+              <a:t>%SPARK_HOME%\</a:t>
+            </a:r>
+            <a:r>
+              <a:rPr lang="en-US" altLang="zh-CN" dirty="0" smtClean="0"/>
+              <a:t>python\lib\py4j-0.10.4-src.zip </a:t>
+            </a:r>
+            <a:r>
+              <a:rPr lang="zh-CN" altLang="en-US" dirty="0" smtClean="0"/>
+              <a:t>、</a:t>
+            </a:r>
+            <a:r>
+              <a:rPr lang="en-US" altLang="zh-CN" dirty="0" smtClean="0"/>
+              <a:t>path</a:t>
+            </a:r>
+            <a:r>
+              <a:rPr lang="zh-CN" altLang="en-US" dirty="0" smtClean="0"/>
+              <a:t>中增加</a:t>
+            </a:r>
+            <a:r>
+              <a:rPr lang="en-US" altLang="zh-CN" dirty="0" smtClean="0"/>
+              <a:t>SPARK_HOME</a:t>
+            </a:r>
+            <a:r>
+              <a:rPr lang="zh-CN" altLang="en-US" dirty="0" smtClean="0"/>
+              <a:t>的</a:t>
+            </a:r>
+            <a:r>
+              <a:rPr lang="en-US" altLang="zh-CN" dirty="0" smtClean="0"/>
+              <a:t>bin</a:t>
+            </a:r>
+            <a:r>
+              <a:rPr lang="zh-CN" altLang="en-US" dirty="0" smtClean="0"/>
+              <a:t>目录</a:t>
+            </a:r>
+            <a:endParaRPr lang="en-US" altLang="zh-CN" dirty="0" smtClean="0"/>
+          </a:p>
+          <a:p>
+            <a:pPr lvl="1"/>
+            <a:r>
+              <a:rPr lang="zh-CN" altLang="en-US" dirty="0" smtClean="0"/>
+              <a:t>下载</a:t>
+            </a:r>
+            <a:r>
+              <a:rPr lang="en-US" altLang="zh-CN" dirty="0" smtClean="0"/>
+              <a:t>winutils.exe,</a:t>
+            </a:r>
+            <a:r>
+              <a:rPr lang="zh-CN" altLang="en-US" dirty="0" smtClean="0"/>
+              <a:t>放在</a:t>
+            </a:r>
+            <a:r>
+              <a:rPr lang="en-US" altLang="zh-CN" dirty="0" smtClean="0"/>
+              <a:t>%SPARK_HOME%</a:t>
+            </a:r>
+            <a:r>
               <a:rPr lang="en-US" altLang="zh-CN" dirty="0"/>
               <a:t> </a:t>
             </a:r>
             <a:r>
+              <a:rPr lang="en-US" altLang="zh-CN" dirty="0" smtClean="0"/>
+              <a:t>\HADOOP_HOME\bin</a:t>
+            </a:r>
+            <a:r>
+              <a:rPr lang="zh-CN" altLang="en-US" dirty="0" smtClean="0"/>
+              <a:t>目录</a:t>
+            </a:r>
+            <a:endParaRPr lang="en-US" altLang="zh-CN" dirty="0" smtClean="0"/>
+          </a:p>
+          <a:p>
+            <a:pPr lvl="1"/>
+            <a:r>
+              <a:rPr lang="zh-CN" altLang="en-US" dirty="0" smtClean="0"/>
+              <a:t>本地开发：</a:t>
+            </a:r>
+            <a:r>
+              <a:rPr lang="en-US" altLang="zh-CN" dirty="0" smtClean="0"/>
+              <a:t>master</a:t>
+            </a:r>
+            <a:r>
+              <a:rPr lang="zh-CN" altLang="en-US" dirty="0" smtClean="0"/>
+              <a:t>和</a:t>
+            </a:r>
+            <a:r>
+              <a:rPr lang="en-US" altLang="zh-CN" dirty="0" smtClean="0"/>
+              <a:t>work</a:t>
+            </a:r>
+            <a:r>
+              <a:rPr lang="zh-CN" altLang="en-US" dirty="0" smtClean="0"/>
+              <a:t>运行在一个</a:t>
+            </a:r>
+            <a:r>
+              <a:rPr lang="en-US" altLang="zh-CN" dirty="0" err="1" smtClean="0"/>
+              <a:t>jvm</a:t>
+            </a:r>
+            <a:r>
+              <a:rPr lang="zh-CN" altLang="en-US" dirty="0" smtClean="0"/>
+              <a:t>中。仅为测试</a:t>
+            </a:r>
+            <a:r>
+              <a:rPr lang="en-US" altLang="zh-CN" dirty="0" smtClean="0"/>
+              <a:t>spark</a:t>
+            </a:r>
+            <a:r>
+              <a:rPr lang="zh-CN" altLang="en-US" dirty="0" smtClean="0"/>
+              <a:t>任务用。</a:t>
+            </a:r>
+            <a:endParaRPr lang="en-US" altLang="zh-CN" dirty="0" smtClean="0"/>
+          </a:p>
+          <a:p>
+            <a:r>
+              <a:rPr lang="zh-CN" altLang="en-US" dirty="0" smtClean="0"/>
+              <a:t>常用操作：</a:t>
+            </a:r>
+            <a:r>
+              <a:rPr lang="en-US" altLang="zh-CN" dirty="0"/>
+              <a:t> </a:t>
+            </a:r>
+            <a:r>
               <a:rPr lang="en-US" altLang="zh-CN" dirty="0" err="1"/>
-              <a:t>scipy</a:t>
-            </a:r>
-            <a:r>
-              <a:rPr lang="zh-CN" altLang="en-US" dirty="0" smtClean="0"/>
-              <a:t>是</a:t>
-            </a:r>
-            <a:r>
-              <a:rPr lang="en-US" altLang="zh-CN" dirty="0"/>
-              <a:t>c</a:t>
-            </a:r>
-            <a:r>
-              <a:rPr lang="zh-CN" altLang="en-US" dirty="0"/>
-              <a:t>写的，所以</a:t>
-            </a:r>
-            <a:r>
-              <a:rPr lang="zh-CN" altLang="en-US" dirty="0" smtClean="0"/>
-              <a:t>速度快</a:t>
+              <a:t>sc</a:t>
+            </a:r>
+            <a:r>
+              <a:rPr lang="en-US" altLang="zh-CN" dirty="0"/>
+              <a:t> = </a:t>
+            </a:r>
+            <a:r>
+              <a:rPr lang="en-US" altLang="zh-CN" dirty="0" err="1"/>
+              <a:t>SparkContext</a:t>
+            </a:r>
+            <a:r>
+              <a:rPr lang="en-US" altLang="zh-CN" dirty="0"/>
+              <a:t>("</a:t>
+            </a:r>
+            <a:r>
+              <a:rPr lang="en-US" altLang="zh-CN" dirty="0" err="1"/>
+              <a:t>local</a:t>
+            </a:r>
+            <a:r>
+              <a:rPr lang="en-US" altLang="zh-CN" dirty="0" err="1" smtClean="0"/>
+              <a:t>",“app</a:t>
+            </a:r>
+            <a:r>
+              <a:rPr lang="en-US" altLang="zh-CN" dirty="0"/>
+              <a:t>"); </a:t>
             </a:r>
             <a:endParaRPr lang="en-US" altLang="zh-CN" dirty="0" smtClean="0"/>
           </a:p>
           <a:p>
-            <a:r>
-              <a:rPr lang="zh-CN" altLang="en-US" dirty="0" smtClean="0"/>
-              <a:t>经典算法开发库：</a:t>
+            <a:pPr lvl="1"/>
+            <a:r>
+              <a:rPr lang="zh-CN" altLang="en-US" dirty="0" smtClean="0"/>
+              <a:t>生成</a:t>
+            </a:r>
+            <a:r>
+              <a:rPr lang="en-US" altLang="zh-CN" dirty="0" smtClean="0"/>
+              <a:t>RDD:</a:t>
+            </a:r>
+            <a:r>
+              <a:rPr lang="en-US" altLang="zh-CN" dirty="0"/>
+              <a:t> </a:t>
+            </a:r>
+            <a:r>
+              <a:rPr lang="en-US" altLang="zh-CN" dirty="0" smtClean="0"/>
+              <a:t>	</a:t>
+            </a:r>
+            <a:r>
+              <a:rPr lang="zh-CN" altLang="en-US" dirty="0" smtClean="0"/>
+              <a:t>文件：</a:t>
             </a:r>
             <a:r>
               <a:rPr lang="en-US" altLang="zh-CN" dirty="0" err="1" smtClean="0"/>
-              <a:t>scikit</a:t>
-            </a:r>
-            <a:r>
-              <a:rPr lang="en-US" altLang="zh-CN" dirty="0" smtClean="0"/>
-              <a:t>-learn:</a:t>
+              <a:t>sc.textFile</a:t>
+            </a:r>
+            <a:r>
+              <a:rPr lang="en-US" altLang="zh-CN" dirty="0" smtClean="0"/>
+              <a:t>(“data.txt”) 												</a:t>
+            </a:r>
+            <a:r>
+              <a:rPr lang="zh-CN" altLang="en-US" dirty="0" smtClean="0"/>
+              <a:t>内存：</a:t>
+            </a:r>
+            <a:r>
+              <a:rPr lang="en-US" altLang="zh-CN" dirty="0" err="1" smtClean="0"/>
+              <a:t>sc.parallelize</a:t>
+            </a:r>
+            <a:r>
+              <a:rPr lang="en-US" altLang="zh-CN" dirty="0"/>
+              <a:t>([['</a:t>
+            </a:r>
+            <a:r>
+              <a:rPr lang="en-US" altLang="zh-CN" dirty="0" err="1"/>
+              <a:t>a','b','c</a:t>
+            </a:r>
+            <a:r>
+              <a:rPr lang="en-US" altLang="zh-CN" dirty="0"/>
+              <a:t>'],['</a:t>
+            </a:r>
+            <a:r>
+              <a:rPr lang="en-US" altLang="zh-CN" dirty="0" err="1"/>
+              <a:t>b','d','d</a:t>
+            </a:r>
+            <a:r>
+              <a:rPr lang="en-US" altLang="zh-CN" dirty="0" smtClean="0"/>
+              <a:t>']])</a:t>
             </a:r>
           </a:p>
           <a:p>
             <a:pPr lvl="1"/>
             <a:r>
-              <a:rPr lang="en-US" altLang="zh-CN" dirty="0" err="1"/>
-              <a:t>scikit</a:t>
-            </a:r>
-            <a:r>
-              <a:rPr lang="en-US" altLang="zh-CN" dirty="0"/>
-              <a:t>-learn</a:t>
-            </a:r>
-            <a:r>
-              <a:rPr lang="zh-CN" altLang="en-US" dirty="0"/>
-              <a:t>构建在</a:t>
-            </a:r>
-            <a:r>
-              <a:rPr lang="en-US" altLang="zh-CN" dirty="0" err="1"/>
-              <a:t>numpy</a:t>
-            </a:r>
-            <a:r>
-              <a:rPr lang="en-US" altLang="zh-CN" dirty="0"/>
-              <a:t> </a:t>
-            </a:r>
-            <a:r>
-              <a:rPr lang="en-US" altLang="zh-CN" dirty="0" err="1"/>
-              <a:t>scipy</a:t>
-            </a:r>
-            <a:r>
-              <a:rPr lang="zh-CN" altLang="en-US" dirty="0"/>
-              <a:t>之上，所以速度也快。实现了经典的机器学习算法，</a:t>
-            </a:r>
-            <a:r>
-              <a:rPr lang="zh-CN" altLang="en-US" dirty="0" smtClean="0"/>
-              <a:t>如逻辑回归、贝叶斯</a:t>
-            </a:r>
-            <a:r>
-              <a:rPr lang="zh-CN" altLang="en-US" dirty="0"/>
-              <a:t>、随机</a:t>
-            </a:r>
-            <a:r>
-              <a:rPr lang="zh-CN" altLang="en-US" dirty="0" smtClean="0"/>
-              <a:t>森林</a:t>
+              <a:rPr lang="en-US" altLang="zh-CN" dirty="0" smtClean="0"/>
+              <a:t>transformation: map(fun)  filter(fun)  </a:t>
+            </a:r>
+            <a:r>
+              <a:rPr lang="en-US" altLang="zh-CN" dirty="0" err="1" smtClean="0"/>
+              <a:t>flatMap</a:t>
+            </a:r>
+            <a:r>
+              <a:rPr lang="en-US" altLang="zh-CN" dirty="0" smtClean="0"/>
+              <a:t>(fun) distinct() </a:t>
+            </a:r>
+            <a:r>
+              <a:rPr lang="en-US" altLang="zh-CN" dirty="0" err="1" smtClean="0"/>
+              <a:t>groupByKey</a:t>
+            </a:r>
+            <a:r>
+              <a:rPr lang="en-US" altLang="zh-CN" dirty="0" smtClean="0"/>
+              <a:t>() </a:t>
+            </a:r>
+            <a:r>
+              <a:rPr lang="en-US" altLang="zh-CN" dirty="0" err="1" smtClean="0"/>
+              <a:t>reduceByKey</a:t>
+            </a:r>
+            <a:r>
+              <a:rPr lang="en-US" altLang="zh-CN" dirty="0" smtClean="0"/>
+              <a:t>()</a:t>
+            </a:r>
+          </a:p>
+          <a:p>
+            <a:pPr lvl="1"/>
+            <a:r>
+              <a:rPr lang="en-US" altLang="zh-CN" dirty="0" smtClean="0"/>
+              <a:t>action: collect() count()  first() </a:t>
+            </a:r>
+            <a:r>
+              <a:rPr lang="en-US" altLang="zh-CN" dirty="0" err="1" smtClean="0"/>
+              <a:t>saveAsText</a:t>
+            </a:r>
+            <a:r>
+              <a:rPr lang="en-US" altLang="zh-CN" dirty="0" smtClean="0"/>
+              <a:t>(path) </a:t>
+            </a:r>
+            <a:r>
+              <a:rPr lang="en-US" altLang="zh-CN" dirty="0" err="1" smtClean="0"/>
+              <a:t>countByKey</a:t>
+            </a:r>
+            <a:r>
+              <a:rPr lang="en-US" altLang="zh-CN" dirty="0" smtClean="0"/>
+              <a:t>()  </a:t>
+            </a:r>
+            <a:r>
+              <a:rPr lang="en-US" altLang="zh-CN" dirty="0" err="1" smtClean="0"/>
+              <a:t>foreach</a:t>
+            </a:r>
+            <a:r>
+              <a:rPr lang="en-US" altLang="zh-CN" dirty="0" smtClean="0"/>
+              <a:t>(</a:t>
+            </a:r>
+            <a:r>
+              <a:rPr lang="en-US" altLang="zh-CN" dirty="0" err="1" smtClean="0"/>
+              <a:t>func</a:t>
+            </a:r>
+            <a:r>
+              <a:rPr lang="en-US" altLang="zh-CN" dirty="0" smtClean="0"/>
+              <a:t>)</a:t>
+            </a:r>
+          </a:p>
+          <a:p>
+            <a:r>
+              <a:rPr lang="zh-CN" altLang="en-US" dirty="0" smtClean="0"/>
+              <a:t>任务提交：</a:t>
+            </a:r>
+            <a:r>
+              <a:rPr lang="en-US" altLang="zh-CN" dirty="0"/>
+              <a:t> ./bin/spark-submit --master local[4] </a:t>
+            </a:r>
+            <a:r>
+              <a:rPr lang="en-US" altLang="zh-CN" dirty="0" smtClean="0"/>
+              <a:t>app.py</a:t>
             </a:r>
             <a:endParaRPr lang="en-US" altLang="zh-CN" dirty="0" smtClean="0"/>
           </a:p>
           <a:p>
-            <a:r>
-              <a:rPr lang="zh-CN" altLang="en-US" dirty="0"/>
-              <a:t>神经网络库：</a:t>
-            </a:r>
-            <a:r>
-              <a:rPr lang="en-US" altLang="zh-CN" dirty="0" err="1"/>
-              <a:t>tensorflow</a:t>
-            </a:r>
-            <a:r>
-              <a:rPr lang="en-US" altLang="zh-CN" dirty="0"/>
-              <a:t>\</a:t>
-            </a:r>
-            <a:r>
-              <a:rPr lang="en-US" altLang="zh-CN" dirty="0" err="1"/>
-              <a:t>keras</a:t>
-            </a:r>
+            <a:pPr lvl="1"/>
             <a:endParaRPr lang="en-US" altLang="zh-CN" dirty="0" smtClean="0"/>
+          </a:p>
+          <a:p>
+            <a:endParaRPr lang="zh-CN" altLang="en-US" dirty="0"/>
           </a:p>
         </p:txBody>
       </p:sp>
     </p:spTree>
     <p:extLst>
       <p:ext uri="{BB962C8B-B14F-4D97-AF65-F5344CB8AC3E}">
-        <p14:creationId xmlns:p14="http://schemas.microsoft.com/office/powerpoint/2010/main" val="1915904830"/>
+        <p14:creationId xmlns:p14="http://schemas.microsoft.com/office/powerpoint/2010/main" val="2792535085"/>
       </p:ext>
     </p:extLst>
   </p:cSld>
@@ -20883,8 +21029,12 @@
           <a:lstStyle/>
           <a:p>
             <a:r>
-              <a:rPr lang="zh-CN" altLang="en-US" dirty="0" smtClean="0"/>
-              <a:t>常见问题</a:t>
+              <a:rPr lang="en-US" altLang="zh-CN" dirty="0" smtClean="0"/>
+              <a:t>python</a:t>
+            </a:r>
+            <a:r>
+              <a:rPr lang="zh-CN" altLang="en-US" dirty="0" smtClean="0"/>
+              <a:t>机器学习</a:t>
             </a:r>
             <a:endParaRPr lang="zh-CN" altLang="en-US" dirty="0"/>
           </a:p>
@@ -20902,246 +21052,130 @@
         </p:nvSpPr>
         <p:spPr/>
         <p:txBody>
-          <a:bodyPr>
-            <a:normAutofit fontScale="92500" lnSpcReduction="10000"/>
-          </a:bodyPr>
+          <a:bodyPr/>
           <a:lstStyle/>
           <a:p>
             <a:r>
-              <a:rPr lang="zh-CN" altLang="en-US" dirty="0"/>
-              <a:t>版本问题：</a:t>
-            </a:r>
-            <a:r>
-              <a:rPr lang="en-US" altLang="zh-CN" dirty="0"/>
-              <a:t>python 32 /64</a:t>
-            </a:r>
-            <a:r>
-              <a:rPr lang="zh-CN" altLang="en-US" dirty="0" smtClean="0"/>
-              <a:t>位  和系统匹配</a:t>
+              <a:rPr lang="zh-CN" altLang="en-US" dirty="0" smtClean="0"/>
+              <a:t>运行速度：</a:t>
+            </a:r>
+            <a:r>
+              <a:rPr lang="en-US" altLang="zh-CN" dirty="0" err="1" smtClean="0"/>
+              <a:t>numpy</a:t>
+            </a:r>
+            <a:r>
+              <a:rPr lang="zh-CN" altLang="en-US" dirty="0" smtClean="0"/>
+              <a:t>、</a:t>
+            </a:r>
+            <a:r>
+              <a:rPr lang="en-US" altLang="zh-CN" dirty="0"/>
+              <a:t> </a:t>
+            </a:r>
+            <a:r>
+              <a:rPr lang="en-US" altLang="zh-CN" dirty="0" err="1"/>
+              <a:t>scipy</a:t>
+            </a:r>
+            <a:r>
+              <a:rPr lang="zh-CN" altLang="en-US" dirty="0" smtClean="0"/>
+              <a:t>是</a:t>
+            </a:r>
+            <a:r>
+              <a:rPr lang="en-US" altLang="zh-CN" dirty="0"/>
+              <a:t>c</a:t>
+            </a:r>
+            <a:r>
+              <a:rPr lang="zh-CN" altLang="en-US" dirty="0"/>
+              <a:t>写的，所以</a:t>
+            </a:r>
+            <a:r>
+              <a:rPr lang="zh-CN" altLang="en-US" dirty="0" smtClean="0"/>
+              <a:t>速度快</a:t>
             </a:r>
             <a:endParaRPr lang="en-US" altLang="zh-CN" dirty="0" smtClean="0"/>
           </a:p>
           <a:p>
             <a:r>
-              <a:rPr lang="zh-CN" altLang="en-US" dirty="0"/>
-              <a:t>编码问题</a:t>
-            </a:r>
-            <a:r>
-              <a:rPr lang="zh-CN" altLang="en-US" dirty="0" smtClean="0"/>
-              <a:t>：</a:t>
+              <a:rPr lang="zh-CN" altLang="en-US" dirty="0" smtClean="0"/>
+              <a:t>经典算法开发库：</a:t>
+            </a:r>
+            <a:r>
+              <a:rPr lang="en-US" altLang="zh-CN" dirty="0" err="1" smtClean="0"/>
+              <a:t>scikit</a:t>
+            </a:r>
+            <a:r>
+              <a:rPr lang="en-US" altLang="zh-CN" dirty="0" smtClean="0"/>
+              <a:t>-learn:</a:t>
+            </a:r>
+          </a:p>
+          <a:p>
+            <a:pPr lvl="1"/>
+            <a:r>
+              <a:rPr lang="en-US" altLang="zh-CN" dirty="0" err="1"/>
+              <a:t>scikit</a:t>
+            </a:r>
+            <a:r>
+              <a:rPr lang="en-US" altLang="zh-CN" dirty="0"/>
+              <a:t>-learn</a:t>
+            </a:r>
+            <a:r>
+              <a:rPr lang="zh-CN" altLang="en-US" dirty="0"/>
+              <a:t>构建在</a:t>
+            </a:r>
+            <a:r>
+              <a:rPr lang="en-US" altLang="zh-CN" dirty="0" err="1"/>
+              <a:t>numpy</a:t>
+            </a:r>
+            <a:r>
+              <a:rPr lang="en-US" altLang="zh-CN" dirty="0"/>
+              <a:t> </a:t>
+            </a:r>
+            <a:r>
+              <a:rPr lang="en-US" altLang="zh-CN" dirty="0" err="1"/>
+              <a:t>scipy</a:t>
+            </a:r>
+            <a:r>
+              <a:rPr lang="zh-CN" altLang="en-US" dirty="0"/>
+              <a:t>之上，所以速度也快。实现了经典的机器学习算法，</a:t>
+            </a:r>
+            <a:r>
+              <a:rPr lang="zh-CN" altLang="en-US" dirty="0" smtClean="0"/>
+              <a:t>如逻辑回归、贝叶斯</a:t>
+            </a:r>
+            <a:r>
+              <a:rPr lang="zh-CN" altLang="en-US" dirty="0"/>
+              <a:t>、随机</a:t>
+            </a:r>
+            <a:r>
+              <a:rPr lang="zh-CN" altLang="en-US" dirty="0" smtClean="0"/>
+              <a:t>森林</a:t>
             </a:r>
             <a:endParaRPr lang="en-US" altLang="zh-CN" dirty="0" smtClean="0"/>
           </a:p>
           <a:p>
-            <a:pPr lvl="1"/>
-            <a:r>
-              <a:rPr lang="zh-CN" altLang="en-US" dirty="0"/>
-              <a:t>查看系统编码</a:t>
-            </a:r>
-            <a:r>
-              <a:rPr lang="en-US" altLang="zh-CN" dirty="0"/>
-              <a:t>(</a:t>
+            <a:r>
+              <a:rPr lang="zh-CN" altLang="en-US" dirty="0"/>
+              <a:t>神经网络库：</a:t>
             </a:r>
             <a:r>
               <a:rPr lang="en-US" altLang="zh-CN" dirty="0" err="1"/>
-              <a:t>ascii</a:t>
-            </a:r>
-            <a:r>
-              <a:rPr lang="en-US" altLang="zh-CN" dirty="0"/>
-              <a:t>)</a:t>
-            </a:r>
-            <a:r>
-              <a:rPr lang="zh-CN" altLang="en-US" dirty="0"/>
-              <a:t>：</a:t>
+              <a:t>tensorflow</a:t>
+            </a:r>
+            <a:r>
+              <a:rPr lang="en-US" altLang="zh-CN" dirty="0"/>
+              <a:t>\</a:t>
             </a:r>
             <a:r>
               <a:rPr lang="en-US" altLang="zh-CN" dirty="0" err="1"/>
-              <a:t>sys.getdefaultencoding</a:t>
-            </a:r>
-            <a:r>
-              <a:rPr lang="en-US" altLang="zh-CN" dirty="0" smtClean="0"/>
-              <a:t>()</a:t>
-            </a:r>
-          </a:p>
-          <a:p>
-            <a:pPr lvl="1"/>
-            <a:r>
-              <a:rPr lang="zh-CN" altLang="en-US" dirty="0"/>
-              <a:t>设置系统编码</a:t>
-            </a:r>
-            <a:r>
-              <a:rPr lang="en-US" altLang="zh-CN" dirty="0"/>
-              <a:t>reload(sys) </a:t>
-            </a:r>
-            <a:r>
-              <a:rPr lang="en-US" altLang="zh-CN" dirty="0" err="1"/>
-              <a:t>sys.setdefaultencoding</a:t>
-            </a:r>
-            <a:r>
-              <a:rPr lang="en-US" altLang="zh-CN" dirty="0"/>
-              <a:t>('utf8</a:t>
-            </a:r>
-            <a:r>
-              <a:rPr lang="en-US" altLang="zh-CN" dirty="0" smtClean="0"/>
-              <a:t>')</a:t>
-            </a:r>
-          </a:p>
-          <a:p>
-            <a:pPr lvl="1"/>
-            <a:r>
-              <a:rPr lang="zh-CN" altLang="en-US" dirty="0"/>
-              <a:t>永久设置系统编码：方便</a:t>
-            </a:r>
-            <a:r>
-              <a:rPr lang="en-US" altLang="zh-CN" dirty="0"/>
-              <a:t>pip</a:t>
-            </a:r>
-            <a:r>
-              <a:rPr lang="zh-CN" altLang="en-US" dirty="0"/>
-              <a:t>安装包的时候不报编码错：</a:t>
-            </a:r>
-            <a:r>
-              <a:rPr lang="en-US" altLang="zh-CN" dirty="0" err="1"/>
-              <a:t>UnicodeEncodeError</a:t>
-            </a:r>
-            <a:r>
-              <a:rPr lang="en-US" altLang="zh-CN" dirty="0"/>
-              <a:t>: '</a:t>
-            </a:r>
-            <a:r>
-              <a:rPr lang="en-US" altLang="zh-CN" dirty="0" err="1"/>
-              <a:t>ascii</a:t>
-            </a:r>
-            <a:r>
-              <a:rPr lang="en-US" altLang="zh-CN" dirty="0"/>
-              <a:t>' codec can't </a:t>
-            </a:r>
-            <a:r>
-              <a:rPr lang="en-US" altLang="zh-CN" dirty="0" smtClean="0"/>
-              <a:t>encode</a:t>
-            </a:r>
-          </a:p>
-          <a:p>
-            <a:pPr lvl="2"/>
-            <a:r>
-              <a:rPr lang="zh-CN" altLang="en-US" dirty="0" smtClean="0"/>
-              <a:t>新建</a:t>
-            </a:r>
-            <a:r>
-              <a:rPr lang="zh-CN" altLang="en-US" dirty="0"/>
-              <a:t>文件：</a:t>
-            </a:r>
-            <a:r>
-              <a:rPr lang="en-US" altLang="zh-CN" dirty="0"/>
-              <a:t>Lib/site-packages/sitecustomize.py  </a:t>
-            </a:r>
-            <a:r>
-              <a:rPr lang="zh-CN" altLang="en-US" dirty="0"/>
-              <a:t>内容</a:t>
-            </a:r>
-            <a:r>
-              <a:rPr lang="zh-CN" altLang="en-US" dirty="0" smtClean="0"/>
-              <a:t>为</a:t>
-            </a:r>
-            <a:r>
-              <a:rPr lang="en-US" altLang="zh-CN" dirty="0" smtClean="0"/>
-              <a:t>import reload </a:t>
-            </a:r>
-            <a:r>
-              <a:rPr lang="en-US" altLang="zh-CN" dirty="0" err="1" smtClean="0"/>
-              <a:t>setdefaultencoding</a:t>
+              <a:t>keras</a:t>
             </a:r>
             <a:endParaRPr lang="en-US" altLang="zh-CN" dirty="0" smtClean="0"/>
-          </a:p>
-          <a:p>
-            <a:pPr lvl="1"/>
-            <a:r>
-              <a:rPr lang="zh-CN" altLang="en-US" dirty="0"/>
-              <a:t>源文件编码：文件内容编码</a:t>
-            </a:r>
-            <a:r>
-              <a:rPr lang="en-US" altLang="zh-CN" dirty="0"/>
-              <a:t>-</a:t>
-            </a:r>
-            <a:r>
-              <a:rPr lang="zh-CN" altLang="en-US" dirty="0"/>
-              <a:t>首行标记：</a:t>
-            </a:r>
-            <a:r>
-              <a:rPr lang="en-US" altLang="zh-CN" dirty="0"/>
-              <a:t>#coding=utf-8 #coding:utf-8 #-*- coding:utf-8 -*-</a:t>
-            </a:r>
-            <a:endParaRPr lang="en-US" altLang="zh-CN" dirty="0" smtClean="0"/>
-          </a:p>
-          <a:p>
-            <a:r>
-              <a:rPr lang="zh-CN" altLang="en-US" dirty="0"/>
-              <a:t>包找不到</a:t>
-            </a:r>
-            <a:r>
-              <a:rPr lang="zh-CN" altLang="en-US" dirty="0" smtClean="0"/>
-              <a:t>：</a:t>
-            </a:r>
-            <a:endParaRPr lang="en-US" altLang="zh-CN" dirty="0" smtClean="0"/>
-          </a:p>
-          <a:p>
-            <a:pPr lvl="1"/>
-            <a:r>
-              <a:rPr lang="zh-CN" altLang="en-US" dirty="0" smtClean="0"/>
-              <a:t>当</a:t>
-            </a:r>
-            <a:r>
-              <a:rPr lang="zh-CN" altLang="en-US" dirty="0"/>
-              <a:t>某个模块是拷贝过来的时候，需要拷完</a:t>
-            </a:r>
-            <a:r>
-              <a:rPr lang="en-US" altLang="zh-CN" dirty="0"/>
-              <a:t>---</a:t>
-            </a:r>
-            <a:r>
-              <a:rPr lang="zh-CN" altLang="en-US" dirty="0"/>
-              <a:t>不仅是文件夹</a:t>
-            </a:r>
-            <a:r>
-              <a:rPr lang="en-US" altLang="zh-CN" dirty="0"/>
-              <a:t>--</a:t>
-            </a:r>
-            <a:r>
-              <a:rPr lang="zh-CN" altLang="en-US" dirty="0"/>
-              <a:t>可能还有单个文件</a:t>
-            </a:r>
-            <a:r>
-              <a:rPr lang="zh-CN" altLang="en-US" dirty="0" smtClean="0"/>
-              <a:t>。</a:t>
-            </a:r>
-            <a:endParaRPr lang="en-US" altLang="zh-CN" dirty="0" smtClean="0"/>
-          </a:p>
-          <a:p>
-            <a:pPr lvl="1"/>
-            <a:r>
-              <a:rPr lang="en-US" altLang="zh-CN" dirty="0" smtClean="0"/>
-              <a:t>Pip</a:t>
-            </a:r>
-            <a:r>
-              <a:rPr lang="zh-CN" altLang="en-US" dirty="0" smtClean="0"/>
-              <a:t>安装或者到</a:t>
-            </a:r>
-            <a:r>
-              <a:rPr lang="en-US" altLang="zh-CN" dirty="0" err="1" smtClean="0"/>
-              <a:t>pypi</a:t>
-            </a:r>
-            <a:r>
-              <a:rPr lang="zh-CN" altLang="en-US" dirty="0" smtClean="0"/>
-              <a:t>上下载</a:t>
-            </a:r>
-            <a:endParaRPr lang="zh-CN" altLang="en-US" dirty="0"/>
           </a:p>
         </p:txBody>
       </p:sp>
     </p:spTree>
     <p:extLst>
       <p:ext uri="{BB962C8B-B14F-4D97-AF65-F5344CB8AC3E}">
-        <p14:creationId xmlns:p14="http://schemas.microsoft.com/office/powerpoint/2010/main" val="1286602601"/>
+        <p14:creationId xmlns:p14="http://schemas.microsoft.com/office/powerpoint/2010/main" val="1915904830"/>
       </p:ext>
     </p:extLst>
   </p:cSld>
@@ -21192,7 +21226,7 @@
           <a:p>
             <a:r>
               <a:rPr lang="zh-CN" altLang="en-US" dirty="0" smtClean="0"/>
-              <a:t>编码规范</a:t>
+              <a:t>常见问题</a:t>
             </a:r>
             <a:endParaRPr lang="zh-CN" altLang="en-US" dirty="0"/>
           </a:p>
@@ -21211,29 +21245,212 @@
         <p:spPr/>
         <p:txBody>
           <a:bodyPr>
-            <a:normAutofit fontScale="92500" lnSpcReduction="10000"/>
+            <a:normAutofit fontScale="92500" lnSpcReduction="20000"/>
           </a:bodyPr>
           <a:lstStyle/>
           <a:p>
             <a:r>
               <a:rPr lang="zh-CN" altLang="en-US" dirty="0"/>
-              <a:t>代码块：包围不用大括号（包括流程控制</a:t>
-            </a:r>
-            <a:r>
-              <a:rPr lang="en-US" altLang="zh-CN" dirty="0"/>
-              <a:t>if-</a:t>
+              <a:t>版本问题：</a:t>
+            </a:r>
+            <a:r>
+              <a:rPr lang="en-US" altLang="zh-CN" dirty="0"/>
+              <a:t>python 32 /64</a:t>
+            </a:r>
+            <a:r>
+              <a:rPr lang="zh-CN" altLang="en-US" dirty="0" smtClean="0"/>
+              <a:t>位  和系统匹配</a:t>
+            </a:r>
+            <a:endParaRPr lang="en-US" altLang="zh-CN" dirty="0" smtClean="0"/>
+          </a:p>
+          <a:p>
+            <a:r>
+              <a:rPr lang="zh-CN" altLang="en-US" dirty="0"/>
+              <a:t>编码问题</a:t>
+            </a:r>
+            <a:r>
+              <a:rPr lang="zh-CN" altLang="en-US" dirty="0" smtClean="0"/>
+              <a:t>：</a:t>
+            </a:r>
+            <a:endParaRPr lang="en-US" altLang="zh-CN" dirty="0" smtClean="0"/>
+          </a:p>
+          <a:p>
+            <a:pPr lvl="1"/>
+            <a:r>
+              <a:rPr lang="zh-CN" altLang="en-US" dirty="0"/>
+              <a:t>查看系统编码</a:t>
+            </a:r>
+            <a:r>
+              <a:rPr lang="en-US" altLang="zh-CN" dirty="0"/>
+              <a:t>(</a:t>
             </a:r>
             <a:r>
               <a:rPr lang="en-US" altLang="zh-CN" dirty="0" err="1"/>
-              <a:t>else,for</a:t>
-            </a:r>
-            <a:r>
-              <a:rPr lang="en-US" altLang="zh-CN" dirty="0"/>
-              <a:t>-while</a:t>
-            </a:r>
-            <a:r>
-              <a:rPr lang="zh-CN" altLang="en-US" dirty="0"/>
-              <a:t>，函数定义方法定义），只用缩进和冒号。大括号是定义字典的</a:t>
+              <a:t>ascii</a:t>
+            </a:r>
+            <a:r>
+              <a:rPr lang="en-US" altLang="zh-CN" dirty="0"/>
+              <a:t>)</a:t>
+            </a:r>
+            <a:r>
+              <a:rPr lang="zh-CN" altLang="en-US" dirty="0"/>
+              <a:t>：</a:t>
+            </a:r>
+            <a:r>
+              <a:rPr lang="en-US" altLang="zh-CN" dirty="0" err="1"/>
+              <a:t>sys.getdefaultencoding</a:t>
+            </a:r>
+            <a:r>
+              <a:rPr lang="en-US" altLang="zh-CN" dirty="0" smtClean="0"/>
+              <a:t>()</a:t>
+            </a:r>
+          </a:p>
+          <a:p>
+            <a:pPr lvl="1"/>
+            <a:r>
+              <a:rPr lang="zh-CN" altLang="en-US" dirty="0"/>
+              <a:t>设置系统编码</a:t>
+            </a:r>
+            <a:r>
+              <a:rPr lang="en-US" altLang="zh-CN" dirty="0"/>
+              <a:t>reload(sys) </a:t>
+            </a:r>
+            <a:r>
+              <a:rPr lang="en-US" altLang="zh-CN" dirty="0" err="1"/>
+              <a:t>sys.setdefaultencoding</a:t>
+            </a:r>
+            <a:r>
+              <a:rPr lang="en-US" altLang="zh-CN" dirty="0"/>
+              <a:t>('utf8</a:t>
+            </a:r>
+            <a:r>
+              <a:rPr lang="en-US" altLang="zh-CN" dirty="0" smtClean="0"/>
+              <a:t>')</a:t>
+            </a:r>
+          </a:p>
+          <a:p>
+            <a:pPr lvl="1"/>
+            <a:r>
+              <a:rPr lang="zh-CN" altLang="en-US" dirty="0"/>
+              <a:t>永久设置系统编码：方便</a:t>
+            </a:r>
+            <a:r>
+              <a:rPr lang="en-US" altLang="zh-CN" dirty="0"/>
+              <a:t>pip</a:t>
+            </a:r>
+            <a:r>
+              <a:rPr lang="zh-CN" altLang="en-US" dirty="0"/>
+              <a:t>安装包的时候不报编码错：</a:t>
+            </a:r>
+            <a:r>
+              <a:rPr lang="en-US" altLang="zh-CN" dirty="0" err="1"/>
+              <a:t>UnicodeEncodeError</a:t>
+            </a:r>
+            <a:r>
+              <a:rPr lang="en-US" altLang="zh-CN" dirty="0"/>
+              <a:t>: '</a:t>
+            </a:r>
+            <a:r>
+              <a:rPr lang="en-US" altLang="zh-CN" dirty="0" err="1"/>
+              <a:t>ascii</a:t>
+            </a:r>
+            <a:r>
+              <a:rPr lang="en-US" altLang="zh-CN" dirty="0"/>
+              <a:t>' codec can't </a:t>
+            </a:r>
+            <a:r>
+              <a:rPr lang="en-US" altLang="zh-CN" dirty="0" smtClean="0"/>
+              <a:t>encode</a:t>
+            </a:r>
+          </a:p>
+          <a:p>
+            <a:pPr lvl="2"/>
+            <a:r>
+              <a:rPr lang="zh-CN" altLang="en-US" dirty="0" smtClean="0"/>
+              <a:t>新建</a:t>
+            </a:r>
+            <a:r>
+              <a:rPr lang="zh-CN" altLang="en-US" dirty="0"/>
+              <a:t>文件：</a:t>
+            </a:r>
+            <a:r>
+              <a:rPr lang="en-US" altLang="zh-CN" dirty="0"/>
+              <a:t>Lib/site-packages/sitecustomize.py  </a:t>
+            </a:r>
+            <a:r>
+              <a:rPr lang="zh-CN" altLang="en-US" dirty="0"/>
+              <a:t>内容</a:t>
+            </a:r>
+            <a:r>
+              <a:rPr lang="zh-CN" altLang="en-US" dirty="0" smtClean="0"/>
+              <a:t>为</a:t>
+            </a:r>
+            <a:r>
+              <a:rPr lang="en-US" altLang="zh-CN" dirty="0" smtClean="0"/>
+              <a:t>import reload </a:t>
+            </a:r>
+            <a:r>
+              <a:rPr lang="en-US" altLang="zh-CN" dirty="0" err="1" smtClean="0"/>
+              <a:t>setdefaultencoding</a:t>
+            </a:r>
+            <a:endParaRPr lang="en-US" altLang="zh-CN" dirty="0" smtClean="0"/>
+          </a:p>
+          <a:p>
+            <a:pPr lvl="1"/>
+            <a:r>
+              <a:rPr lang="zh-CN" altLang="en-US" dirty="0"/>
+              <a:t>源文件编码：文件内容编码</a:t>
+            </a:r>
+            <a:r>
+              <a:rPr lang="en-US" altLang="zh-CN" dirty="0"/>
+              <a:t>-</a:t>
+            </a:r>
+            <a:r>
+              <a:rPr lang="zh-CN" altLang="en-US" dirty="0"/>
+              <a:t>首行标记：</a:t>
+            </a:r>
+            <a:r>
+              <a:rPr lang="en-US" altLang="zh-CN" dirty="0"/>
+              <a:t>#coding=utf-8 #coding:utf-8 #-*- coding:utf-8 -*-</a:t>
+            </a:r>
+            <a:endParaRPr lang="en-US" altLang="zh-CN" dirty="0" smtClean="0"/>
+          </a:p>
+          <a:p>
+            <a:r>
+              <a:rPr lang="zh-CN" altLang="en-US" dirty="0"/>
+              <a:t>包找不到</a:t>
+            </a:r>
+            <a:r>
+              <a:rPr lang="zh-CN" altLang="en-US" dirty="0" smtClean="0"/>
+              <a:t>：</a:t>
+            </a:r>
+            <a:endParaRPr lang="en-US" altLang="zh-CN" dirty="0" smtClean="0"/>
+          </a:p>
+          <a:p>
+            <a:pPr lvl="1"/>
+            <a:r>
+              <a:rPr lang="zh-CN" altLang="en-US" dirty="0" smtClean="0"/>
+              <a:t>当</a:t>
+            </a:r>
+            <a:r>
+              <a:rPr lang="zh-CN" altLang="en-US" dirty="0"/>
+              <a:t>某个模块是拷贝过来的时候，需要拷完</a:t>
+            </a:r>
+            <a:r>
+              <a:rPr lang="en-US" altLang="zh-CN" dirty="0"/>
+              <a:t>---</a:t>
+            </a:r>
+            <a:r>
+              <a:rPr lang="zh-CN" altLang="en-US" dirty="0"/>
+              <a:t>不仅是文件夹</a:t>
+            </a:r>
+            <a:r>
+              <a:rPr lang="en-US" altLang="zh-CN" dirty="0"/>
+              <a:t>--</a:t>
+            </a:r>
+            <a:r>
+              <a:rPr lang="zh-CN" altLang="en-US" dirty="0"/>
+              <a:t>可能还有单个文件</a:t>
             </a:r>
             <a:r>
               <a:rPr lang="zh-CN" altLang="en-US" dirty="0" smtClean="0"/>
@@ -21244,188 +21461,53 @@
           <a:p>
             <a:pPr lvl="1"/>
             <a:r>
-              <a:rPr lang="zh-CN" altLang="en-US" dirty="0"/>
-              <a:t>函数</a:t>
-            </a:r>
-            <a:r>
-              <a:rPr lang="en-US" altLang="zh-CN" dirty="0"/>
-              <a:t>-</a:t>
-            </a:r>
-            <a:r>
-              <a:rPr lang="zh-CN" altLang="en-US" dirty="0"/>
-              <a:t>类之间空</a:t>
-            </a:r>
-            <a:r>
-              <a:rPr lang="en-US" altLang="zh-CN" dirty="0"/>
-              <a:t>2</a:t>
-            </a:r>
-            <a:r>
-              <a:rPr lang="zh-CN" altLang="en-US" dirty="0"/>
-              <a:t>行，方法之间空一行（非强制，会告警）</a:t>
+              <a:rPr lang="en-US" altLang="zh-CN" dirty="0" smtClean="0"/>
+              <a:t>Pip</a:t>
+            </a:r>
+            <a:r>
+              <a:rPr lang="zh-CN" altLang="en-US" dirty="0" smtClean="0"/>
+              <a:t>安装或者到</a:t>
+            </a:r>
+            <a:r>
+              <a:rPr lang="en-US" altLang="zh-CN" dirty="0" err="1" smtClean="0"/>
+              <a:t>pypi</a:t>
+            </a:r>
+            <a:r>
+              <a:rPr lang="zh-CN" altLang="en-US" dirty="0" smtClean="0"/>
+              <a:t>上</a:t>
+            </a:r>
+            <a:r>
+              <a:rPr lang="zh-CN" altLang="en-US" dirty="0" smtClean="0"/>
+              <a:t>下载</a:t>
             </a:r>
             <a:endParaRPr lang="en-US" altLang="zh-CN" dirty="0" smtClean="0"/>
           </a:p>
           <a:p>
-            <a:r>
-              <a:rPr lang="zh-CN" altLang="en-US" dirty="0" smtClean="0"/>
-              <a:t>文件</a:t>
-            </a:r>
-            <a:r>
-              <a:rPr lang="zh-CN" altLang="en-US" dirty="0"/>
-              <a:t>和</a:t>
-            </a:r>
-            <a:r>
-              <a:rPr lang="en-US" altLang="zh-CN" dirty="0" smtClean="0"/>
-              <a:t>socket:</a:t>
-            </a:r>
-          </a:p>
-          <a:p>
             <a:pPr lvl="1"/>
             <a:r>
-              <a:rPr lang="zh-CN" altLang="en-US" dirty="0"/>
-              <a:t>关闭：减小消耗文件描述符、减少处理它们的</a:t>
-            </a:r>
-            <a:r>
-              <a:rPr lang="zh-CN" altLang="en-US" dirty="0" smtClean="0"/>
-              <a:t>资源</a:t>
-            </a:r>
-            <a:endParaRPr lang="en-US" altLang="zh-CN" dirty="0"/>
-          </a:p>
-          <a:p>
-            <a:pPr lvl="1"/>
-            <a:r>
-              <a:rPr lang="zh-CN" altLang="en-US" dirty="0"/>
-              <a:t>使用</a:t>
-            </a:r>
-            <a:r>
-              <a:rPr lang="en-US" altLang="zh-CN" dirty="0"/>
-              <a:t>with</a:t>
-            </a:r>
-            <a:r>
-              <a:rPr lang="zh-CN" altLang="en-US" dirty="0"/>
-              <a:t>管理文件</a:t>
-            </a:r>
-            <a:endParaRPr lang="en-US" altLang="zh-CN" dirty="0" smtClean="0"/>
-          </a:p>
-          <a:p>
-            <a:r>
-              <a:rPr lang="zh-CN" altLang="en-US" dirty="0"/>
-              <a:t>命名</a:t>
-            </a:r>
-            <a:r>
-              <a:rPr lang="zh-CN" altLang="en-US" dirty="0" smtClean="0"/>
-              <a:t>规范</a:t>
-            </a:r>
-            <a:r>
-              <a:rPr lang="en-US" altLang="zh-CN" dirty="0" smtClean="0"/>
-              <a:t>:</a:t>
-            </a:r>
-          </a:p>
-          <a:p>
-            <a:pPr lvl="1"/>
-            <a:r>
               <a:rPr lang="en-US" altLang="zh-CN" dirty="0" err="1"/>
-              <a:t>module_name</a:t>
-            </a:r>
-            <a:r>
-              <a:rPr lang="en-US" altLang="zh-CN" dirty="0"/>
-              <a:t>, </a:t>
-            </a:r>
-            <a:r>
-              <a:rPr lang="en-US" altLang="zh-CN" dirty="0" err="1"/>
-              <a:t>package_name</a:t>
-            </a:r>
-            <a:r>
-              <a:rPr lang="en-US" altLang="zh-CN" dirty="0"/>
-              <a:t>, </a:t>
-            </a:r>
-            <a:r>
-              <a:rPr lang="en-US" altLang="zh-CN" dirty="0" err="1"/>
-              <a:t>ClassName</a:t>
-            </a:r>
-            <a:r>
-              <a:rPr lang="en-US" altLang="zh-CN" dirty="0"/>
-              <a:t>, </a:t>
-            </a:r>
-            <a:r>
-              <a:rPr lang="en-US" altLang="zh-CN" dirty="0" err="1"/>
-              <a:t>method_name</a:t>
-            </a:r>
-            <a:r>
-              <a:rPr lang="en-US" altLang="zh-CN" dirty="0"/>
-              <a:t>, </a:t>
-            </a:r>
-            <a:r>
-              <a:rPr lang="en-US" altLang="zh-CN" dirty="0" err="1"/>
-              <a:t>ExceptionName</a:t>
-            </a:r>
-            <a:r>
-              <a:rPr lang="en-US" altLang="zh-CN" dirty="0"/>
-              <a:t>, </a:t>
-            </a:r>
-            <a:r>
-              <a:rPr lang="en-US" altLang="zh-CN" dirty="0" err="1"/>
-              <a:t>function_name</a:t>
-            </a:r>
-            <a:r>
-              <a:rPr lang="en-US" altLang="zh-CN" dirty="0"/>
-              <a:t>, GLOBAL_VAR_NAME, </a:t>
-            </a:r>
-            <a:r>
-              <a:rPr lang="en-US" altLang="zh-CN" dirty="0" err="1"/>
-              <a:t>instance_var_name</a:t>
-            </a:r>
-            <a:r>
-              <a:rPr lang="en-US" altLang="zh-CN" dirty="0"/>
-              <a:t>, </a:t>
-            </a:r>
-            <a:r>
-              <a:rPr lang="en-US" altLang="zh-CN" dirty="0" err="1"/>
-              <a:t>function_parameter_name</a:t>
-            </a:r>
-            <a:r>
-              <a:rPr lang="en-US" altLang="zh-CN" dirty="0"/>
-              <a:t>, </a:t>
-            </a:r>
-            <a:r>
-              <a:rPr lang="en-US" altLang="zh-CN" dirty="0" err="1"/>
-              <a:t>local_var_name</a:t>
-            </a:r>
-            <a:r>
-              <a:rPr lang="en-US" altLang="zh-CN" dirty="0"/>
-              <a:t>.</a:t>
-            </a:r>
-            <a:endParaRPr lang="en-US" altLang="zh-CN" dirty="0" smtClean="0"/>
-          </a:p>
-          <a:p>
-            <a:r>
-              <a:rPr lang="zh-CN" altLang="en-US" dirty="0"/>
-              <a:t>导入文件时文件主功能不能执行：所以主功能放在</a:t>
-            </a:r>
-            <a:r>
-              <a:rPr lang="en-US" altLang="zh-CN" dirty="0"/>
-              <a:t>main</a:t>
-            </a:r>
-            <a:r>
-              <a:rPr lang="zh-CN" altLang="en-US" dirty="0"/>
-              <a:t>函数中，且要有 </a:t>
-            </a:r>
-            <a:r>
-              <a:rPr lang="en-US" altLang="zh-CN" dirty="0"/>
-              <a:t>if __name__ == '__main__'</a:t>
-            </a:r>
-            <a:r>
-              <a:rPr lang="zh-CN" altLang="en-US" dirty="0"/>
-              <a:t>检查</a:t>
-            </a:r>
-            <a:endParaRPr lang="en-US" altLang="zh-CN" dirty="0" smtClean="0"/>
+              <a:t>p</a:t>
+            </a:r>
+            <a:r>
+              <a:rPr lang="en-US" altLang="zh-CN" dirty="0" err="1" smtClean="0"/>
+              <a:t>ycharms</a:t>
+            </a:r>
+            <a:r>
+              <a:rPr lang="en-US" altLang="zh-CN" dirty="0" smtClean="0"/>
+              <a:t> settings</a:t>
+            </a:r>
+            <a:r>
+              <a:rPr lang="zh-CN" altLang="en-US" dirty="0" smtClean="0"/>
+              <a:t>配置好</a:t>
+            </a:r>
+            <a:endParaRPr lang="zh-CN" altLang="en-US" dirty="0"/>
           </a:p>
         </p:txBody>
       </p:sp>
     </p:spTree>
     <p:extLst>
       <p:ext uri="{BB962C8B-B14F-4D97-AF65-F5344CB8AC3E}">
-        <p14:creationId xmlns:p14="http://schemas.microsoft.com/office/powerpoint/2010/main" val="2102222352"/>
+        <p14:creationId xmlns:p14="http://schemas.microsoft.com/office/powerpoint/2010/main" val="1286602601"/>
       </p:ext>
     </p:extLst>
   </p:cSld>
@@ -21476,7 +21558,7 @@
           <a:p>
             <a:r>
               <a:rPr lang="zh-CN" altLang="en-US" dirty="0" smtClean="0"/>
-              <a:t>参考资料</a:t>
+              <a:t>编码规范</a:t>
             </a:r>
             <a:endParaRPr lang="zh-CN" altLang="en-US" dirty="0"/>
           </a:p>
@@ -21495,87 +21577,49 @@
         <p:spPr/>
         <p:txBody>
           <a:bodyPr>
-            <a:normAutofit lnSpcReduction="10000"/>
+            <a:normAutofit fontScale="92500" lnSpcReduction="10000"/>
           </a:bodyPr>
           <a:lstStyle/>
           <a:p>
             <a:r>
-              <a:rPr lang="en-US" altLang="zh-CN" dirty="0"/>
-              <a:t>1.http://www.runoob.com/w3cnote/google-python-styleguide.html</a:t>
-            </a:r>
-            <a:r>
-              <a:rPr lang="zh-CN" altLang="en-US" dirty="0"/>
-              <a:t>（编码规范）</a:t>
-            </a:r>
-          </a:p>
-          <a:p>
-            <a:r>
-              <a:rPr lang="en-US" altLang="zh-CN" dirty="0"/>
-              <a:t>2.https://pypi.python.org/</a:t>
+              <a:rPr lang="zh-CN" altLang="en-US" dirty="0"/>
+              <a:t>代码块：包围不用大括号（包括流程控制</a:t>
+            </a:r>
+            <a:r>
+              <a:rPr lang="en-US" altLang="zh-CN" dirty="0"/>
+              <a:t>if-</a:t>
             </a:r>
             <a:r>
               <a:rPr lang="en-US" altLang="zh-CN" dirty="0" err="1"/>
-              <a:t>pypi</a:t>
-            </a:r>
-            <a:r>
-              <a:rPr lang="zh-CN" altLang="en-US" dirty="0"/>
-              <a:t>（包网址）</a:t>
-            </a:r>
-          </a:p>
-          <a:p>
-            <a:r>
-              <a:rPr lang="en-US" altLang="zh-CN" dirty="0"/>
-              <a:t>3.http://blog.csdn.net/qy924565830/article/details/53992708(</a:t>
-            </a:r>
-            <a:r>
-              <a:rPr lang="zh-CN" altLang="en-US" dirty="0"/>
-              <a:t>各种模块的安装</a:t>
-            </a:r>
-            <a:r>
-              <a:rPr lang="en-US" altLang="zh-CN" dirty="0"/>
-              <a:t>)</a:t>
-            </a:r>
-          </a:p>
-          <a:p>
-            <a:r>
-              <a:rPr lang="en-US" altLang="zh-CN" dirty="0"/>
-              <a:t>4.https://www.lfd.uci.edu/~gohlke/pythonlibs/</a:t>
-            </a:r>
-            <a:r>
-              <a:rPr lang="zh-CN" altLang="en-US" dirty="0"/>
-              <a:t>（</a:t>
-            </a:r>
-            <a:r>
-              <a:rPr lang="en-US" altLang="zh-CN" dirty="0"/>
-              <a:t>64</a:t>
-            </a:r>
-            <a:r>
-              <a:rPr lang="zh-CN" altLang="en-US" dirty="0"/>
-              <a:t>位模块的安装）</a:t>
-            </a:r>
-          </a:p>
-          <a:p>
-            <a:r>
-              <a:rPr lang="en-US" altLang="zh-CN" dirty="0"/>
-              <a:t>5.https://www.cnblogs.com/wumingxiaoyao/p/7047658.html(socket</a:t>
-            </a:r>
-            <a:r>
-              <a:rPr lang="zh-CN" altLang="en-US" dirty="0"/>
-              <a:t>编程详细</a:t>
-            </a:r>
-            <a:r>
-              <a:rPr lang="en-US" altLang="zh-CN" dirty="0"/>
-              <a:t>)</a:t>
-            </a:r>
-          </a:p>
-          <a:p>
-            <a:r>
-              <a:rPr lang="en-US" altLang="zh-CN" dirty="0"/>
-              <a:t>6.http://www.runoob.com/manual/pythontutorial/docs/html/errors.html</a:t>
-            </a:r>
-            <a:r>
-              <a:rPr lang="zh-CN" altLang="en-US" dirty="0"/>
-              <a:t>（参考资料</a:t>
+              <a:t>else,for</a:t>
+            </a:r>
+            <a:r>
+              <a:rPr lang="en-US" altLang="zh-CN" dirty="0"/>
+              <a:t>-while</a:t>
+            </a:r>
+            <a:r>
+              <a:rPr lang="zh-CN" altLang="en-US" dirty="0"/>
+              <a:t>，函数定义方法定义），只用缩进和冒号。大括号是定义字典的</a:t>
+            </a:r>
+            <a:r>
+              <a:rPr lang="zh-CN" altLang="en-US" dirty="0" smtClean="0"/>
+              <a:t>。</a:t>
+            </a:r>
+            <a:endParaRPr lang="en-US" altLang="zh-CN" dirty="0" smtClean="0"/>
+          </a:p>
+          <a:p>
+            <a:pPr lvl="1"/>
+            <a:r>
+              <a:rPr lang="zh-CN" altLang="en-US" dirty="0"/>
+              <a:t>函数</a:t>
+            </a:r>
+            <a:r>
+              <a:rPr lang="en-US" altLang="zh-CN" dirty="0"/>
+              <a:t>-</a:t>
+            </a:r>
+            <a:r>
+              <a:rPr lang="zh-CN" altLang="en-US" dirty="0"/>
+              <a:t>类之间空</a:t>
             </a:r>
             <a:r>
               <a:rPr lang="en-US" altLang="zh-CN" dirty="0"/>
@@ -21583,26 +21627,171 @@
             </a:r>
             <a:r>
               <a:rPr lang="zh-CN" altLang="en-US" dirty="0"/>
-              <a:t>）</a:t>
-            </a:r>
-          </a:p>
-          <a:p>
-            <a:r>
-              <a:rPr lang="en-US" altLang="zh-CN" dirty="0"/>
-              <a:t>7.http://blog.csdn.net/qq_31776303/article/details/78994763</a:t>
-            </a:r>
-            <a:r>
-              <a:rPr lang="zh-CN" altLang="en-US"/>
-              <a:t>（微信小程序跳一跳）</a:t>
-            </a:r>
-            <a:endParaRPr lang="zh-CN" altLang="en-US" dirty="0"/>
+              <a:t>行，方法之间空一行（非强制，会告警）</a:t>
+            </a:r>
+            <a:endParaRPr lang="en-US" altLang="zh-CN" dirty="0" smtClean="0"/>
+          </a:p>
+          <a:p>
+            <a:r>
+              <a:rPr lang="zh-CN" altLang="en-US" dirty="0" smtClean="0"/>
+              <a:t>文件</a:t>
+            </a:r>
+            <a:r>
+              <a:rPr lang="zh-CN" altLang="en-US" dirty="0"/>
+              <a:t>和</a:t>
+            </a:r>
+            <a:r>
+              <a:rPr lang="en-US" altLang="zh-CN" dirty="0" smtClean="0"/>
+              <a:t>socket:</a:t>
+            </a:r>
+          </a:p>
+          <a:p>
+            <a:pPr lvl="1"/>
+            <a:r>
+              <a:rPr lang="zh-CN" altLang="en-US" dirty="0"/>
+              <a:t>关闭：减小消耗文件描述符、减少处理它们的</a:t>
+            </a:r>
+            <a:r>
+              <a:rPr lang="zh-CN" altLang="en-US" dirty="0" smtClean="0"/>
+              <a:t>资源</a:t>
+            </a:r>
+            <a:endParaRPr lang="en-US" altLang="zh-CN" dirty="0"/>
+          </a:p>
+          <a:p>
+            <a:pPr lvl="1"/>
+            <a:r>
+              <a:rPr lang="zh-CN" altLang="en-US" dirty="0"/>
+              <a:t>使用</a:t>
+            </a:r>
+            <a:r>
+              <a:rPr lang="en-US" altLang="zh-CN" dirty="0"/>
+              <a:t>with</a:t>
+            </a:r>
+            <a:r>
+              <a:rPr lang="zh-CN" altLang="en-US" dirty="0"/>
+              <a:t>管理文件</a:t>
+            </a:r>
+            <a:endParaRPr lang="en-US" altLang="zh-CN" dirty="0" smtClean="0"/>
+          </a:p>
+          <a:p>
+            <a:r>
+              <a:rPr lang="zh-CN" altLang="en-US" dirty="0"/>
+              <a:t>命名</a:t>
+            </a:r>
+            <a:r>
+              <a:rPr lang="zh-CN" altLang="en-US" dirty="0" smtClean="0"/>
+              <a:t>规范</a:t>
+            </a:r>
+            <a:r>
+              <a:rPr lang="en-US" altLang="zh-CN" dirty="0" smtClean="0"/>
+              <a:t>:</a:t>
+            </a:r>
+          </a:p>
+          <a:p>
+            <a:pPr lvl="1"/>
+            <a:r>
+              <a:rPr lang="en-US" altLang="zh-CN" dirty="0" err="1"/>
+              <a:t>module_name</a:t>
+            </a:r>
+            <a:r>
+              <a:rPr lang="en-US" altLang="zh-CN" dirty="0"/>
+              <a:t>, </a:t>
+            </a:r>
+            <a:r>
+              <a:rPr lang="en-US" altLang="zh-CN" dirty="0" err="1"/>
+              <a:t>package_name</a:t>
+            </a:r>
+            <a:r>
+              <a:rPr lang="en-US" altLang="zh-CN" dirty="0"/>
+              <a:t>, </a:t>
+            </a:r>
+            <a:r>
+              <a:rPr lang="en-US" altLang="zh-CN" dirty="0" err="1"/>
+              <a:t>ClassName</a:t>
+            </a:r>
+            <a:r>
+              <a:rPr lang="en-US" altLang="zh-CN" dirty="0"/>
+              <a:t>, </a:t>
+            </a:r>
+            <a:r>
+              <a:rPr lang="en-US" altLang="zh-CN" dirty="0" err="1"/>
+              <a:t>method_name</a:t>
+            </a:r>
+            <a:r>
+              <a:rPr lang="en-US" altLang="zh-CN" dirty="0"/>
+              <a:t>, </a:t>
+            </a:r>
+            <a:r>
+              <a:rPr lang="en-US" altLang="zh-CN" dirty="0" err="1"/>
+              <a:t>ExceptionName</a:t>
+            </a:r>
+            <a:r>
+              <a:rPr lang="en-US" altLang="zh-CN" dirty="0"/>
+              <a:t>, </a:t>
+            </a:r>
+            <a:r>
+              <a:rPr lang="en-US" altLang="zh-CN" dirty="0" err="1"/>
+              <a:t>function_name</a:t>
+            </a:r>
+            <a:r>
+              <a:rPr lang="en-US" altLang="zh-CN" dirty="0"/>
+              <a:t>, GLOBAL_VAR_NAME, </a:t>
+            </a:r>
+            <a:r>
+              <a:rPr lang="en-US" altLang="zh-CN" dirty="0" err="1"/>
+              <a:t>instance_var_name</a:t>
+            </a:r>
+            <a:r>
+              <a:rPr lang="en-US" altLang="zh-CN" dirty="0"/>
+              <a:t>, </a:t>
+            </a:r>
+            <a:r>
+              <a:rPr lang="en-US" altLang="zh-CN" dirty="0" err="1"/>
+              <a:t>function_parameter_name</a:t>
+            </a:r>
+            <a:r>
+              <a:rPr lang="en-US" altLang="zh-CN" dirty="0"/>
+              <a:t>, </a:t>
+            </a:r>
+            <a:r>
+              <a:rPr lang="en-US" altLang="zh-CN" dirty="0" err="1"/>
+              <a:t>local_var_name</a:t>
+            </a:r>
+            <a:r>
+              <a:rPr lang="en-US" altLang="zh-CN" dirty="0"/>
+              <a:t>.</a:t>
+            </a:r>
+            <a:endParaRPr lang="en-US" altLang="zh-CN" dirty="0" smtClean="0"/>
+          </a:p>
+          <a:p>
+            <a:r>
+              <a:rPr lang="zh-CN" altLang="en-US" dirty="0"/>
+              <a:t>导入文件时文件主功能不能执行：所以主功能放在</a:t>
+            </a:r>
+            <a:r>
+              <a:rPr lang="en-US" altLang="zh-CN" dirty="0"/>
+              <a:t>main</a:t>
+            </a:r>
+            <a:r>
+              <a:rPr lang="zh-CN" altLang="en-US" dirty="0"/>
+              <a:t>函数中，且要有 </a:t>
+            </a:r>
+            <a:r>
+              <a:rPr lang="en-US" altLang="zh-CN" dirty="0"/>
+              <a:t>if __name__ == '__main__'</a:t>
+            </a:r>
+            <a:r>
+              <a:rPr lang="zh-CN" altLang="en-US" dirty="0"/>
+              <a:t>检查</a:t>
+            </a:r>
+            <a:endParaRPr lang="en-US" altLang="zh-CN" dirty="0" smtClean="0"/>
           </a:p>
         </p:txBody>
       </p:sp>
     </p:spTree>
     <p:extLst>
       <p:ext uri="{BB962C8B-B14F-4D97-AF65-F5344CB8AC3E}">
-        <p14:creationId xmlns:p14="http://schemas.microsoft.com/office/powerpoint/2010/main" val="771363723"/>
+        <p14:creationId xmlns:p14="http://schemas.microsoft.com/office/powerpoint/2010/main" val="2102222352"/>
       </p:ext>
     </p:extLst>
   </p:cSld>
@@ -21655,13 +21844,6 @@
               <a:rPr lang="zh-CN" altLang="en-US" dirty="0" smtClean="0"/>
               <a:t>参考资料</a:t>
             </a:r>
-            <a:r>
-              <a:rPr lang="en-US" altLang="zh-CN" dirty="0" smtClean="0"/>
-              <a:t/>
-            </a:r>
-            <a:br>
-              <a:rPr lang="en-US" altLang="zh-CN" dirty="0" smtClean="0"/>
-            </a:br>
             <a:endParaRPr lang="zh-CN" altLang="en-US" dirty="0"/>
           </a:p>
         </p:txBody>
@@ -21678,32 +21860,106 @@
         </p:nvSpPr>
         <p:spPr/>
         <p:txBody>
-          <a:bodyPr/>
+          <a:bodyPr>
+            <a:normAutofit lnSpcReduction="10000"/>
+          </a:bodyPr>
           <a:lstStyle/>
           <a:p>
             <a:r>
-              <a:rPr lang="en-US" altLang="zh-CN" dirty="0">
-                <a:hlinkClick r:id="rId2"/>
-              </a:rPr>
-              <a:t>https://</a:t>
-            </a:r>
-            <a:r>
-              <a:rPr lang="en-US" altLang="zh-CN" dirty="0" smtClean="0">
-                <a:hlinkClick r:id="rId2"/>
-              </a:rPr>
-              <a:t>www.cnblogs.com/huanjing/p/6701396.html</a:t>
-            </a:r>
-            <a:r>
-              <a:rPr lang="en-US" altLang="zh-CN" dirty="0" smtClean="0"/>
-              <a:t>(</a:t>
-            </a:r>
-            <a:r>
-              <a:rPr lang="zh-CN" altLang="en-US" dirty="0" smtClean="0"/>
-              <a:t>大数据模块</a:t>
-            </a:r>
-            <a:r>
-              <a:rPr lang="en-US" altLang="zh-CN" dirty="0" smtClean="0"/>
-              <a:t>pandas)</a:t>
+              <a:rPr lang="en-US" altLang="zh-CN" dirty="0"/>
+              <a:t>1.http://www.runoob.com/w3cnote/google-python-styleguide.html</a:t>
+            </a:r>
+            <a:r>
+              <a:rPr lang="zh-CN" altLang="en-US" dirty="0"/>
+              <a:t>（编码规范）</a:t>
+            </a:r>
+          </a:p>
+          <a:p>
+            <a:r>
+              <a:rPr lang="en-US" altLang="zh-CN" dirty="0"/>
+              <a:t>2.https://pypi.python.org/</a:t>
+            </a:r>
+            <a:r>
+              <a:rPr lang="en-US" altLang="zh-CN" dirty="0" err="1"/>
+              <a:t>pypi</a:t>
+            </a:r>
+            <a:r>
+              <a:rPr lang="zh-CN" altLang="en-US" dirty="0"/>
+              <a:t>（包网址）</a:t>
+            </a:r>
+          </a:p>
+          <a:p>
+            <a:r>
+              <a:rPr lang="en-US" altLang="zh-CN" dirty="0"/>
+              <a:t>3.http://blog.csdn.net/qy924565830/article/details/53992708(</a:t>
+            </a:r>
+            <a:r>
+              <a:rPr lang="zh-CN" altLang="en-US" dirty="0"/>
+              <a:t>各种模块的安装</a:t>
+            </a:r>
+            <a:r>
+              <a:rPr lang="en-US" altLang="zh-CN" dirty="0"/>
+              <a:t>)</a:t>
+            </a:r>
+          </a:p>
+          <a:p>
+            <a:r>
+              <a:rPr lang="en-US" altLang="zh-CN" dirty="0"/>
+              <a:t>4.https://www.lfd.uci.edu/~gohlke/pythonlibs/</a:t>
+            </a:r>
+            <a:r>
+              <a:rPr lang="zh-CN" altLang="en-US" dirty="0"/>
+              <a:t>（</a:t>
+            </a:r>
+            <a:r>
+              <a:rPr lang="en-US" altLang="zh-CN" dirty="0"/>
+              <a:t>64</a:t>
+            </a:r>
+            <a:r>
+              <a:rPr lang="zh-CN" altLang="en-US" dirty="0"/>
+              <a:t>位模块的安装）</a:t>
+            </a:r>
+          </a:p>
+          <a:p>
+            <a:r>
+              <a:rPr lang="en-US" altLang="zh-CN" dirty="0"/>
+              <a:t>5.https://www.cnblogs.com/wumingxiaoyao/p/7047658.html(socket</a:t>
+            </a:r>
+            <a:r>
+              <a:rPr lang="zh-CN" altLang="en-US" dirty="0"/>
+              <a:t>编程详细</a:t>
+            </a:r>
+            <a:r>
+              <a:rPr lang="en-US" altLang="zh-CN" dirty="0"/>
+              <a:t>)</a:t>
+            </a:r>
+          </a:p>
+          <a:p>
+            <a:r>
+              <a:rPr lang="en-US" altLang="zh-CN" dirty="0"/>
+              <a:t>6.http://www.runoob.com/manual/pythontutorial/docs/html/errors.html</a:t>
+            </a:r>
+            <a:r>
+              <a:rPr lang="zh-CN" altLang="en-US" dirty="0"/>
+              <a:t>（参考资料</a:t>
+            </a:r>
+            <a:r>
+              <a:rPr lang="en-US" altLang="zh-CN" dirty="0"/>
+              <a:t>2</a:t>
+            </a:r>
+            <a:r>
+              <a:rPr lang="zh-CN" altLang="en-US" dirty="0"/>
+              <a:t>）</a:t>
+            </a:r>
+          </a:p>
+          <a:p>
+            <a:r>
+              <a:rPr lang="en-US" altLang="zh-CN" dirty="0"/>
+              <a:t>7.http://blog.csdn.net/qq_31776303/article/details/78994763</a:t>
+            </a:r>
+            <a:r>
+              <a:rPr lang="zh-CN" altLang="en-US"/>
+              <a:t>（微信小程序跳一跳）</a:t>
             </a:r>
             <a:endParaRPr lang="zh-CN" altLang="en-US" dirty="0"/>
           </a:p>
@@ -21712,7 +21968,7 @@
     </p:spTree>
     <p:extLst>
       <p:ext uri="{BB962C8B-B14F-4D97-AF65-F5344CB8AC3E}">
-        <p14:creationId xmlns:p14="http://schemas.microsoft.com/office/powerpoint/2010/main" val="2903757371"/>
+        <p14:creationId xmlns:p14="http://schemas.microsoft.com/office/powerpoint/2010/main" val="771363723"/>
       </p:ext>
     </p:extLst>
   </p:cSld>
@@ -21956,6 +22212,116 @@
     <p:extLst>
       <p:ext uri="{BB962C8B-B14F-4D97-AF65-F5344CB8AC3E}">
         <p14:creationId xmlns:p14="http://schemas.microsoft.com/office/powerpoint/2010/main" val="1802124767"/>
+      </p:ext>
+    </p:extLst>
+  </p:cSld>
+  <p:clrMapOvr>
+    <a:masterClrMapping/>
+  </p:clrMapOvr>
+  <p:timing>
+    <p:tnLst>
+      <p:par>
+        <p:cTn id="1" dur="indefinite" restart="never" nodeType="tmRoot"/>
+      </p:par>
+    </p:tnLst>
+  </p:timing>
+</p:sld>
+</file>
+
+<file path=ppt/slides/slide60.xml><?xml version="1.0" encoding="utf-8"?>
+<p:sld xmlns:a="http://schemas.openxmlformats.org/drawingml/2006/main" xmlns:r="http://schemas.openxmlformats.org/officeDocument/2006/relationships" xmlns:p="http://schemas.openxmlformats.org/presentationml/2006/main">
+  <p:cSld>
+    <p:spTree>
+      <p:nvGrpSpPr>
+        <p:cNvPr id="1" name=""/>
+        <p:cNvGrpSpPr/>
+        <p:nvPr/>
+      </p:nvGrpSpPr>
+      <p:grpSpPr>
+        <a:xfrm>
+          <a:off x="0" y="0"/>
+          <a:ext cx="0" cy="0"/>
+          <a:chOff x="0" y="0"/>
+          <a:chExt cx="0" cy="0"/>
+        </a:xfrm>
+      </p:grpSpPr>
+      <p:sp>
+        <p:nvSpPr>
+          <p:cNvPr id="2" name="标题 1"/>
+          <p:cNvSpPr>
+            <a:spLocks noGrp="1"/>
+          </p:cNvSpPr>
+          <p:nvPr>
+            <p:ph type="title"/>
+          </p:nvPr>
+        </p:nvSpPr>
+        <p:spPr/>
+        <p:txBody>
+          <a:bodyPr/>
+          <a:lstStyle/>
+          <a:p>
+            <a:r>
+              <a:rPr lang="zh-CN" altLang="en-US" dirty="0" smtClean="0"/>
+              <a:t>参考资料</a:t>
+            </a:r>
+            <a:r>
+              <a:rPr lang="en-US" altLang="zh-CN" dirty="0" smtClean="0"/>
+              <a:t/>
+            </a:r>
+            <a:br>
+              <a:rPr lang="en-US" altLang="zh-CN" dirty="0" smtClean="0"/>
+            </a:br>
+            <a:endParaRPr lang="zh-CN" altLang="en-US" dirty="0"/>
+          </a:p>
+        </p:txBody>
+      </p:sp>
+      <p:sp>
+        <p:nvSpPr>
+          <p:cNvPr id="3" name="内容占位符 2"/>
+          <p:cNvSpPr>
+            <a:spLocks noGrp="1"/>
+          </p:cNvSpPr>
+          <p:nvPr>
+            <p:ph idx="1"/>
+          </p:nvPr>
+        </p:nvSpPr>
+        <p:spPr/>
+        <p:txBody>
+          <a:bodyPr/>
+          <a:lstStyle/>
+          <a:p>
+            <a:r>
+              <a:rPr lang="en-US" altLang="zh-CN" dirty="0">
+                <a:hlinkClick r:id="rId2"/>
+              </a:rPr>
+              <a:t>https://</a:t>
+            </a:r>
+            <a:r>
+              <a:rPr lang="en-US" altLang="zh-CN" dirty="0" smtClean="0">
+                <a:hlinkClick r:id="rId2"/>
+              </a:rPr>
+              <a:t>www.cnblogs.com/huanjing/p/6701396.html</a:t>
+            </a:r>
+            <a:r>
+              <a:rPr lang="en-US" altLang="zh-CN" dirty="0" smtClean="0"/>
+              <a:t>(</a:t>
+            </a:r>
+            <a:r>
+              <a:rPr lang="zh-CN" altLang="en-US" dirty="0" smtClean="0"/>
+              <a:t>大数据模块</a:t>
+            </a:r>
+            <a:r>
+              <a:rPr lang="en-US" altLang="zh-CN" dirty="0" smtClean="0"/>
+              <a:t>pandas)</a:t>
+            </a:r>
+            <a:endParaRPr lang="zh-CN" altLang="en-US" dirty="0"/>
+          </a:p>
+        </p:txBody>
+      </p:sp>
+    </p:spTree>
+    <p:extLst>
+      <p:ext uri="{BB962C8B-B14F-4D97-AF65-F5344CB8AC3E}">
+        <p14:creationId xmlns:p14="http://schemas.microsoft.com/office/powerpoint/2010/main" val="2903757371"/>
       </p:ext>
     </p:extLst>
   </p:cSld>
